--- a/README.pptx
+++ b/README.pptx
@@ -2,7 +2,7 @@
 <file path=ppt/presentation.xml><?xml version="1.0" encoding="utf-8"?>
 <p:presentation xmlns:a="http://schemas.openxmlformats.org/drawingml/2006/main" xmlns:r="http://schemas.openxmlformats.org/officeDocument/2006/relationships" xmlns:p="http://schemas.openxmlformats.org/presentationml/2006/main" saveSubsetFonts="1">
   <p:sldMasterIdLst>
-    <p:sldMasterId id="2147483648" r:id="rId1"/>
+    <p:sldMasterId id="2147483660" r:id="rId1"/>
   </p:sldMasterIdLst>
   <p:sldIdLst>
     <p:sldId id="256" r:id="rId2"/>
@@ -117,7 +117,18 @@
   </p:defaultTextStyle>
   <p:extLst>
     <p:ext uri="{EFAFB233-063F-42B5-8137-9DF3F51BA10A}">
-      <p15:sldGuideLst xmlns="" xmlns:p15="http://schemas.microsoft.com/office/powerpoint/2012/main"/>
+      <p15:sldGuideLst xmlns:p15="http://schemas.microsoft.com/office/powerpoint/2012/main">
+        <p15:guide id="1" orient="horz" pos="2160">
+          <p15:clr>
+            <a:srgbClr val="A4A3A4"/>
+          </p15:clr>
+        </p15:guide>
+        <p15:guide id="2" pos="3840">
+          <p15:clr>
+            <a:srgbClr val="A4A3A4"/>
+          </p15:clr>
+        </p15:guide>
+      </p15:sldGuideLst>
     </p:ext>
   </p:extLst>
 </p:presentation>
@@ -168,7 +179,7 @@
               <a:rPr lang="en-US" smtClean="0"/>
               <a:t>Click to edit Master title style</a:t>
             </a:r>
-            <a:endParaRPr lang="en-GB"/>
+            <a:endParaRPr lang="en-US" dirty="0"/>
           </a:p>
         </p:txBody>
       </p:sp>
@@ -233,7 +244,7 @@
               <a:rPr lang="en-US" smtClean="0"/>
               <a:t>Click to edit Master subtitle style</a:t>
             </a:r>
-            <a:endParaRPr lang="en-GB"/>
+            <a:endParaRPr lang="en-US" dirty="0"/>
           </a:p>
         </p:txBody>
       </p:sp>
@@ -254,7 +265,7 @@
           <a:p>
             <a:fld id="{377D33B0-C84D-48FE-B2B4-1B6631A21FD0}" type="datetimeFigureOut">
               <a:rPr lang="en-GB" smtClean="0"/>
-              <a:t>13/11/2017</a:t>
+              <a:t>14/11/2017</a:t>
             </a:fld>
             <a:endParaRPr lang="en-GB"/>
           </a:p>
@@ -305,7 +316,7 @@
     </p:spTree>
     <p:extLst>
       <p:ext uri="{BB962C8B-B14F-4D97-AF65-F5344CB8AC3E}">
-        <p14:creationId xmlns:p14="http://schemas.microsoft.com/office/powerpoint/2010/main" val="4211714091"/>
+        <p14:creationId xmlns:p14="http://schemas.microsoft.com/office/powerpoint/2010/main" val="1409832910"/>
       </p:ext>
     </p:extLst>
   </p:cSld>
@@ -351,7 +362,7 @@
               <a:rPr lang="en-US" smtClean="0"/>
               <a:t>Click to edit Master title style</a:t>
             </a:r>
-            <a:endParaRPr lang="en-GB"/>
+            <a:endParaRPr lang="en-US" dirty="0"/>
           </a:p>
         </p:txBody>
       </p:sp>
@@ -403,7 +414,7 @@
               <a:rPr lang="en-US" smtClean="0"/>
               <a:t>Fifth level</a:t>
             </a:r>
-            <a:endParaRPr lang="en-GB"/>
+            <a:endParaRPr lang="en-US" dirty="0"/>
           </a:p>
         </p:txBody>
       </p:sp>
@@ -424,7 +435,7 @@
           <a:p>
             <a:fld id="{377D33B0-C84D-48FE-B2B4-1B6631A21FD0}" type="datetimeFigureOut">
               <a:rPr lang="en-GB" smtClean="0"/>
-              <a:t>13/11/2017</a:t>
+              <a:t>14/11/2017</a:t>
             </a:fld>
             <a:endParaRPr lang="en-GB"/>
           </a:p>
@@ -475,7 +486,7 @@
     </p:spTree>
     <p:extLst>
       <p:ext uri="{BB962C8B-B14F-4D97-AF65-F5344CB8AC3E}">
-        <p14:creationId xmlns:p14="http://schemas.microsoft.com/office/powerpoint/2010/main" val="2444056078"/>
+        <p14:creationId xmlns:p14="http://schemas.microsoft.com/office/powerpoint/2010/main" val="2119740165"/>
       </p:ext>
     </p:extLst>
   </p:cSld>
@@ -526,7 +537,7 @@
               <a:rPr lang="en-US" smtClean="0"/>
               <a:t>Click to edit Master title style</a:t>
             </a:r>
-            <a:endParaRPr lang="en-GB"/>
+            <a:endParaRPr lang="en-US" dirty="0"/>
           </a:p>
         </p:txBody>
       </p:sp>
@@ -583,7 +594,7 @@
               <a:rPr lang="en-US" smtClean="0"/>
               <a:t>Fifth level</a:t>
             </a:r>
-            <a:endParaRPr lang="en-GB"/>
+            <a:endParaRPr lang="en-US" dirty="0"/>
           </a:p>
         </p:txBody>
       </p:sp>
@@ -604,7 +615,7 @@
           <a:p>
             <a:fld id="{377D33B0-C84D-48FE-B2B4-1B6631A21FD0}" type="datetimeFigureOut">
               <a:rPr lang="en-GB" smtClean="0"/>
-              <a:t>13/11/2017</a:t>
+              <a:t>14/11/2017</a:t>
             </a:fld>
             <a:endParaRPr lang="en-GB"/>
           </a:p>
@@ -655,7 +666,7 @@
     </p:spTree>
     <p:extLst>
       <p:ext uri="{BB962C8B-B14F-4D97-AF65-F5344CB8AC3E}">
-        <p14:creationId xmlns:p14="http://schemas.microsoft.com/office/powerpoint/2010/main" val="1603098782"/>
+        <p14:creationId xmlns:p14="http://schemas.microsoft.com/office/powerpoint/2010/main" val="1649913784"/>
       </p:ext>
     </p:extLst>
   </p:cSld>
@@ -701,7 +712,7 @@
               <a:rPr lang="en-US" smtClean="0"/>
               <a:t>Click to edit Master title style</a:t>
             </a:r>
-            <a:endParaRPr lang="en-GB"/>
+            <a:endParaRPr lang="en-US" dirty="0"/>
           </a:p>
         </p:txBody>
       </p:sp>
@@ -753,7 +764,7 @@
               <a:rPr lang="en-US" smtClean="0"/>
               <a:t>Fifth level</a:t>
             </a:r>
-            <a:endParaRPr lang="en-GB"/>
+            <a:endParaRPr lang="en-US" dirty="0"/>
           </a:p>
         </p:txBody>
       </p:sp>
@@ -774,7 +785,7 @@
           <a:p>
             <a:fld id="{377D33B0-C84D-48FE-B2B4-1B6631A21FD0}" type="datetimeFigureOut">
               <a:rPr lang="en-GB" smtClean="0"/>
-              <a:t>13/11/2017</a:t>
+              <a:t>14/11/2017</a:t>
             </a:fld>
             <a:endParaRPr lang="en-GB"/>
           </a:p>
@@ -825,7 +836,7 @@
     </p:spTree>
     <p:extLst>
       <p:ext uri="{BB962C8B-B14F-4D97-AF65-F5344CB8AC3E}">
-        <p14:creationId xmlns:p14="http://schemas.microsoft.com/office/powerpoint/2010/main" val="4051320599"/>
+        <p14:creationId xmlns:p14="http://schemas.microsoft.com/office/powerpoint/2010/main" val="1424635998"/>
       </p:ext>
     </p:extLst>
   </p:cSld>
@@ -880,7 +891,7 @@
               <a:rPr lang="en-US" smtClean="0"/>
               <a:t>Click to edit Master title style</a:t>
             </a:r>
-            <a:endParaRPr lang="en-GB"/>
+            <a:endParaRPr lang="en-US" dirty="0"/>
           </a:p>
         </p:txBody>
       </p:sp>
@@ -1020,7 +1031,7 @@
           <a:p>
             <a:fld id="{377D33B0-C84D-48FE-B2B4-1B6631A21FD0}" type="datetimeFigureOut">
               <a:rPr lang="en-GB" smtClean="0"/>
-              <a:t>13/11/2017</a:t>
+              <a:t>14/11/2017</a:t>
             </a:fld>
             <a:endParaRPr lang="en-GB"/>
           </a:p>
@@ -1071,7 +1082,7 @@
     </p:spTree>
     <p:extLst>
       <p:ext uri="{BB962C8B-B14F-4D97-AF65-F5344CB8AC3E}">
-        <p14:creationId xmlns:p14="http://schemas.microsoft.com/office/powerpoint/2010/main" val="4154992660"/>
+        <p14:creationId xmlns:p14="http://schemas.microsoft.com/office/powerpoint/2010/main" val="2487539278"/>
       </p:ext>
     </p:extLst>
   </p:cSld>
@@ -1117,7 +1128,7 @@
               <a:rPr lang="en-US" smtClean="0"/>
               <a:t>Click to edit Master title style</a:t>
             </a:r>
-            <a:endParaRPr lang="en-GB"/>
+            <a:endParaRPr lang="en-US" dirty="0"/>
           </a:p>
         </p:txBody>
       </p:sp>
@@ -1174,7 +1185,7 @@
               <a:rPr lang="en-US" smtClean="0"/>
               <a:t>Fifth level</a:t>
             </a:r>
-            <a:endParaRPr lang="en-GB"/>
+            <a:endParaRPr lang="en-US" dirty="0"/>
           </a:p>
         </p:txBody>
       </p:sp>
@@ -1231,7 +1242,7 @@
               <a:rPr lang="en-US" smtClean="0"/>
               <a:t>Fifth level</a:t>
             </a:r>
-            <a:endParaRPr lang="en-GB"/>
+            <a:endParaRPr lang="en-US" dirty="0"/>
           </a:p>
         </p:txBody>
       </p:sp>
@@ -1252,7 +1263,7 @@
           <a:p>
             <a:fld id="{377D33B0-C84D-48FE-B2B4-1B6631A21FD0}" type="datetimeFigureOut">
               <a:rPr lang="en-GB" smtClean="0"/>
-              <a:t>13/11/2017</a:t>
+              <a:t>14/11/2017</a:t>
             </a:fld>
             <a:endParaRPr lang="en-GB"/>
           </a:p>
@@ -1303,7 +1314,7 @@
     </p:spTree>
     <p:extLst>
       <p:ext uri="{BB962C8B-B14F-4D97-AF65-F5344CB8AC3E}">
-        <p14:creationId xmlns:p14="http://schemas.microsoft.com/office/powerpoint/2010/main" val="3378950872"/>
+        <p14:creationId xmlns:p14="http://schemas.microsoft.com/office/powerpoint/2010/main" val="3301718222"/>
       </p:ext>
     </p:extLst>
   </p:cSld>
@@ -1354,7 +1365,7 @@
               <a:rPr lang="en-US" smtClean="0"/>
               <a:t>Click to edit Master title style</a:t>
             </a:r>
-            <a:endParaRPr lang="en-GB"/>
+            <a:endParaRPr lang="en-US" dirty="0"/>
           </a:p>
         </p:txBody>
       </p:sp>
@@ -1476,7 +1487,7 @@
               <a:rPr lang="en-US" smtClean="0"/>
               <a:t>Fifth level</a:t>
             </a:r>
-            <a:endParaRPr lang="en-GB"/>
+            <a:endParaRPr lang="en-US" dirty="0"/>
           </a:p>
         </p:txBody>
       </p:sp>
@@ -1598,7 +1609,7 @@
               <a:rPr lang="en-US" smtClean="0"/>
               <a:t>Fifth level</a:t>
             </a:r>
-            <a:endParaRPr lang="en-GB"/>
+            <a:endParaRPr lang="en-US" dirty="0"/>
           </a:p>
         </p:txBody>
       </p:sp>
@@ -1619,7 +1630,7 @@
           <a:p>
             <a:fld id="{377D33B0-C84D-48FE-B2B4-1B6631A21FD0}" type="datetimeFigureOut">
               <a:rPr lang="en-GB" smtClean="0"/>
-              <a:t>13/11/2017</a:t>
+              <a:t>14/11/2017</a:t>
             </a:fld>
             <a:endParaRPr lang="en-GB"/>
           </a:p>
@@ -1670,7 +1681,7 @@
     </p:spTree>
     <p:extLst>
       <p:ext uri="{BB962C8B-B14F-4D97-AF65-F5344CB8AC3E}">
-        <p14:creationId xmlns:p14="http://schemas.microsoft.com/office/powerpoint/2010/main" val="2106223112"/>
+        <p14:creationId xmlns:p14="http://schemas.microsoft.com/office/powerpoint/2010/main" val="3582881490"/>
       </p:ext>
     </p:extLst>
   </p:cSld>
@@ -1716,7 +1727,7 @@
               <a:rPr lang="en-US" smtClean="0"/>
               <a:t>Click to edit Master title style</a:t>
             </a:r>
-            <a:endParaRPr lang="en-GB"/>
+            <a:endParaRPr lang="en-US" dirty="0"/>
           </a:p>
         </p:txBody>
       </p:sp>
@@ -1737,7 +1748,7 @@
           <a:p>
             <a:fld id="{377D33B0-C84D-48FE-B2B4-1B6631A21FD0}" type="datetimeFigureOut">
               <a:rPr lang="en-GB" smtClean="0"/>
-              <a:t>13/11/2017</a:t>
+              <a:t>14/11/2017</a:t>
             </a:fld>
             <a:endParaRPr lang="en-GB"/>
           </a:p>
@@ -1788,7 +1799,7 @@
     </p:spTree>
     <p:extLst>
       <p:ext uri="{BB962C8B-B14F-4D97-AF65-F5344CB8AC3E}">
-        <p14:creationId xmlns:p14="http://schemas.microsoft.com/office/powerpoint/2010/main" val="2859967610"/>
+        <p14:creationId xmlns:p14="http://schemas.microsoft.com/office/powerpoint/2010/main" val="3329265571"/>
       </p:ext>
     </p:extLst>
   </p:cSld>
@@ -1832,7 +1843,7 @@
           <a:p>
             <a:fld id="{377D33B0-C84D-48FE-B2B4-1B6631A21FD0}" type="datetimeFigureOut">
               <a:rPr lang="en-GB" smtClean="0"/>
-              <a:t>13/11/2017</a:t>
+              <a:t>14/11/2017</a:t>
             </a:fld>
             <a:endParaRPr lang="en-GB"/>
           </a:p>
@@ -1883,7 +1894,7 @@
     </p:spTree>
     <p:extLst>
       <p:ext uri="{BB962C8B-B14F-4D97-AF65-F5344CB8AC3E}">
-        <p14:creationId xmlns:p14="http://schemas.microsoft.com/office/powerpoint/2010/main" val="1983367753"/>
+        <p14:creationId xmlns:p14="http://schemas.microsoft.com/office/powerpoint/2010/main" val="634943413"/>
       </p:ext>
     </p:extLst>
   </p:cSld>
@@ -1938,7 +1949,7 @@
               <a:rPr lang="en-US" smtClean="0"/>
               <a:t>Click to edit Master title style</a:t>
             </a:r>
-            <a:endParaRPr lang="en-GB"/>
+            <a:endParaRPr lang="en-US" dirty="0"/>
           </a:p>
         </p:txBody>
       </p:sp>
@@ -2023,7 +2034,7 @@
               <a:rPr lang="en-US" smtClean="0"/>
               <a:t>Fifth level</a:t>
             </a:r>
-            <a:endParaRPr lang="en-GB"/>
+            <a:endParaRPr lang="en-US" dirty="0"/>
           </a:p>
         </p:txBody>
       </p:sp>
@@ -2109,7 +2120,7 @@
           <a:p>
             <a:fld id="{377D33B0-C84D-48FE-B2B4-1B6631A21FD0}" type="datetimeFigureOut">
               <a:rPr lang="en-GB" smtClean="0"/>
-              <a:t>13/11/2017</a:t>
+              <a:t>14/11/2017</a:t>
             </a:fld>
             <a:endParaRPr lang="en-GB"/>
           </a:p>
@@ -2160,7 +2171,7 @@
     </p:spTree>
     <p:extLst>
       <p:ext uri="{BB962C8B-B14F-4D97-AF65-F5344CB8AC3E}">
-        <p14:creationId xmlns:p14="http://schemas.microsoft.com/office/powerpoint/2010/main" val="3923495217"/>
+        <p14:creationId xmlns:p14="http://schemas.microsoft.com/office/powerpoint/2010/main" val="729442936"/>
       </p:ext>
     </p:extLst>
   </p:cSld>
@@ -2215,7 +2226,7 @@
               <a:rPr lang="en-US" smtClean="0"/>
               <a:t>Click to edit Master title style</a:t>
             </a:r>
-            <a:endParaRPr lang="en-GB"/>
+            <a:endParaRPr lang="en-US" dirty="0"/>
           </a:p>
         </p:txBody>
       </p:sp>
@@ -2223,7 +2234,7 @@
         <p:nvSpPr>
           <p:cNvPr id="3" name="Picture Placeholder 2"/>
           <p:cNvSpPr>
-            <a:spLocks noGrp="1"/>
+            <a:spLocks noGrp="1" noChangeAspect="1"/>
           </p:cNvSpPr>
           <p:nvPr>
             <p:ph type="pic" idx="1"/>
@@ -2236,7 +2247,7 @@
           </a:xfrm>
         </p:spPr>
         <p:txBody>
-          <a:bodyPr/>
+          <a:bodyPr anchor="t"/>
           <a:lstStyle>
             <a:lvl1pPr marL="0" indent="0">
               <a:buNone/>
@@ -2276,7 +2287,11 @@
             </a:lvl9pPr>
           </a:lstStyle>
           <a:p>
-            <a:endParaRPr lang="en-GB"/>
+            <a:r>
+              <a:rPr lang="en-US" smtClean="0"/>
+              <a:t>Click icon to add picture</a:t>
+            </a:r>
+            <a:endParaRPr lang="en-US" dirty="0"/>
           </a:p>
         </p:txBody>
       </p:sp>
@@ -2362,7 +2377,7 @@
           <a:p>
             <a:fld id="{377D33B0-C84D-48FE-B2B4-1B6631A21FD0}" type="datetimeFigureOut">
               <a:rPr lang="en-GB" smtClean="0"/>
-              <a:t>13/11/2017</a:t>
+              <a:t>14/11/2017</a:t>
             </a:fld>
             <a:endParaRPr lang="en-GB"/>
           </a:p>
@@ -2413,7 +2428,7 @@
     </p:spTree>
     <p:extLst>
       <p:ext uri="{BB962C8B-B14F-4D97-AF65-F5344CB8AC3E}">
-        <p14:creationId xmlns:p14="http://schemas.microsoft.com/office/powerpoint/2010/main" val="539332950"/>
+        <p14:creationId xmlns:p14="http://schemas.microsoft.com/office/powerpoint/2010/main" val="2270455751"/>
       </p:ext>
     </p:extLst>
   </p:cSld>
@@ -2474,7 +2489,7 @@
               <a:rPr lang="en-US" smtClean="0"/>
               <a:t>Click to edit Master title style</a:t>
             </a:r>
-            <a:endParaRPr lang="en-GB"/>
+            <a:endParaRPr lang="en-US" dirty="0"/>
           </a:p>
         </p:txBody>
       </p:sp>
@@ -2536,7 +2551,7 @@
               <a:rPr lang="en-US" smtClean="0"/>
               <a:t>Fifth level</a:t>
             </a:r>
-            <a:endParaRPr lang="en-GB"/>
+            <a:endParaRPr lang="en-US" dirty="0"/>
           </a:p>
         </p:txBody>
       </p:sp>
@@ -2575,7 +2590,7 @@
           <a:p>
             <a:fld id="{377D33B0-C84D-48FE-B2B4-1B6631A21FD0}" type="datetimeFigureOut">
               <a:rPr lang="en-GB" smtClean="0"/>
-              <a:t>13/11/2017</a:t>
+              <a:t>14/11/2017</a:t>
             </a:fld>
             <a:endParaRPr lang="en-GB"/>
           </a:p>
@@ -2662,23 +2677,23 @@
     </p:spTree>
     <p:extLst>
       <p:ext uri="{BB962C8B-B14F-4D97-AF65-F5344CB8AC3E}">
-        <p14:creationId xmlns:p14="http://schemas.microsoft.com/office/powerpoint/2010/main" val="733930065"/>
+        <p14:creationId xmlns:p14="http://schemas.microsoft.com/office/powerpoint/2010/main" val="881814139"/>
       </p:ext>
     </p:extLst>
   </p:cSld>
   <p:clrMap bg1="lt1" tx1="dk1" bg2="lt2" tx2="dk2" accent1="accent1" accent2="accent2" accent3="accent3" accent4="accent4" accent5="accent5" accent6="accent6" hlink="hlink" folHlink="folHlink"/>
   <p:sldLayoutIdLst>
-    <p:sldLayoutId id="2147483649" r:id="rId1"/>
-    <p:sldLayoutId id="2147483650" r:id="rId2"/>
-    <p:sldLayoutId id="2147483651" r:id="rId3"/>
-    <p:sldLayoutId id="2147483652" r:id="rId4"/>
-    <p:sldLayoutId id="2147483653" r:id="rId5"/>
-    <p:sldLayoutId id="2147483654" r:id="rId6"/>
-    <p:sldLayoutId id="2147483655" r:id="rId7"/>
-    <p:sldLayoutId id="2147483656" r:id="rId8"/>
-    <p:sldLayoutId id="2147483657" r:id="rId9"/>
-    <p:sldLayoutId id="2147483658" r:id="rId10"/>
-    <p:sldLayoutId id="2147483659" r:id="rId11"/>
+    <p:sldLayoutId id="2147483661" r:id="rId1"/>
+    <p:sldLayoutId id="2147483662" r:id="rId2"/>
+    <p:sldLayoutId id="2147483663" r:id="rId3"/>
+    <p:sldLayoutId id="2147483664" r:id="rId4"/>
+    <p:sldLayoutId id="2147483665" r:id="rId5"/>
+    <p:sldLayoutId id="2147483666" r:id="rId6"/>
+    <p:sldLayoutId id="2147483667" r:id="rId7"/>
+    <p:sldLayoutId id="2147483668" r:id="rId8"/>
+    <p:sldLayoutId id="2147483669" r:id="rId9"/>
+    <p:sldLayoutId id="2147483670" r:id="rId10"/>
+    <p:sldLayoutId id="2147483671" r:id="rId11"/>
   </p:sldLayoutIdLst>
   <p:txStyles>
     <p:titleStyle>
@@ -3044,6 +3059,13 @@
   <p:clrMapOvr>
     <a:masterClrMapping/>
   </p:clrMapOvr>
+  <p:timing>
+    <p:tnLst>
+      <p:par>
+        <p:cTn id="1" dur="indefinite" restart="never" nodeType="tmRoot"/>
+      </p:par>
+    </p:tnLst>
+  </p:timing>
 </p:sld>
 </file>
 
@@ -3128,8 +3150,8 @@
         </p:blipFill>
         <p:spPr>
           <a:xfrm>
-            <a:off x="1376218" y="1524000"/>
-            <a:ext cx="9494981" cy="5218545"/>
+            <a:off x="2456873" y="1542473"/>
+            <a:ext cx="7749309" cy="5246254"/>
           </a:xfrm>
           <a:prstGeom prst="rect">
             <a:avLst/>
@@ -3146,6 +3168,13 @@
   <p:clrMapOvr>
     <a:masterClrMapping/>
   </p:clrMapOvr>
+  <p:timing>
+    <p:tnLst>
+      <p:par>
+        <p:cTn id="1" dur="indefinite" restart="never" nodeType="tmRoot"/>
+      </p:par>
+    </p:tnLst>
+  </p:timing>
 </p:sld>
 </file>
 
@@ -3293,6 +3322,13 @@
   <p:clrMapOvr>
     <a:masterClrMapping/>
   </p:clrMapOvr>
+  <p:timing>
+    <p:tnLst>
+      <p:par>
+        <p:cTn id="1" dur="indefinite" restart="never" nodeType="tmRoot"/>
+      </p:par>
+    </p:tnLst>
+  </p:timing>
 </p:sld>
 </file>
 
@@ -3449,6 +3485,13 @@
   <p:clrMapOvr>
     <a:masterClrMapping/>
   </p:clrMapOvr>
+  <p:timing>
+    <p:tnLst>
+      <p:par>
+        <p:cTn id="1" dur="indefinite" restart="never" nodeType="tmRoot"/>
+      </p:par>
+    </p:tnLst>
+  </p:timing>
 </p:sld>
 </file>
 
@@ -3639,6 +3682,13 @@
   <p:clrMapOvr>
     <a:masterClrMapping/>
   </p:clrMapOvr>
+  <p:timing>
+    <p:tnLst>
+      <p:par>
+        <p:cTn id="1" dur="indefinite" restart="never" nodeType="tmRoot"/>
+      </p:par>
+    </p:tnLst>
+  </p:timing>
 </p:sld>
 </file>
 
@@ -3714,7 +3764,15 @@
             </a:r>
             <a:r>
               <a:rPr lang="en-GB" dirty="0" smtClean="0"/>
-              <a:t>straightforward leading to prolonged programming debugging.</a:t>
+              <a:t>straightforward leading to prolonged </a:t>
+            </a:r>
+            <a:r>
+              <a:rPr lang="en-GB" dirty="0" smtClean="0"/>
+              <a:t>program </a:t>
+            </a:r>
+            <a:r>
+              <a:rPr lang="en-GB" dirty="0" smtClean="0"/>
+              <a:t>debugging.</a:t>
             </a:r>
           </a:p>
           <a:p>
@@ -3769,6 +3827,13 @@
   <p:clrMapOvr>
     <a:masterClrMapping/>
   </p:clrMapOvr>
+  <p:timing>
+    <p:tnLst>
+      <p:par>
+        <p:cTn id="1" dur="indefinite" restart="never" nodeType="tmRoot"/>
+      </p:par>
+    </p:tnLst>
+  </p:timing>
 </p:sld>
 </file>
 
@@ -3807,7 +3872,11 @@
             <a:pPr algn="ctr"/>
             <a:r>
               <a:rPr lang="en-GB" dirty="0" smtClean="0"/>
-              <a:t>The software included in the pipeline</a:t>
+              <a:t>Software </a:t>
+            </a:r>
+            <a:r>
+              <a:rPr lang="en-GB" dirty="0" smtClean="0"/>
+              <a:t>included in the pipeline</a:t>
             </a:r>
             <a:endParaRPr lang="en-GB" dirty="0"/>
           </a:p>
@@ -3815,7 +3884,7 @@
       </p:sp>
       <p:graphicFrame>
         <p:nvGraphicFramePr>
-          <p:cNvPr id="4" name="Content Placeholder 3"/>
+          <p:cNvPr id="9" name="Content Placeholder 5"/>
           <p:cNvGraphicFramePr>
             <a:graphicFrameLocks noGrp="1"/>
           </p:cNvGraphicFramePr>
@@ -3823,82 +3892,252 @@
             <p:ph idx="1"/>
             <p:extLst>
               <p:ext uri="{D42A27DB-BD31-4B8C-83A1-F6EECF244321}">
-                <p14:modId xmlns:p14="http://schemas.microsoft.com/office/powerpoint/2010/main" val="2768084662"/>
+                <p14:modId xmlns:p14="http://schemas.microsoft.com/office/powerpoint/2010/main" val="2024016433"/>
               </p:ext>
             </p:extLst>
           </p:nvPr>
         </p:nvGraphicFramePr>
         <p:xfrm>
-          <a:off x="646546" y="1718831"/>
-          <a:ext cx="10926620" cy="4959494"/>
+          <a:off x="1004455" y="1446934"/>
+          <a:ext cx="10515600" cy="5198976"/>
         </p:xfrm>
         <a:graphic>
           <a:graphicData uri="http://schemas.openxmlformats.org/drawingml/2006/table">
             <a:tbl>
-              <a:tblPr firstRow="1" firstCol="1" bandRow="1">
+              <a:tblPr firstRow="1" bandRow="1">
                 <a:tableStyleId>{5C22544A-7EE6-4342-B048-85BDC9FD1C3A}</a:tableStyleId>
               </a:tblPr>
               <a:tblGrid>
-                <a:gridCol w="1661103">
+                <a:gridCol w="2103120">
                   <a:extLst>
                     <a:ext uri="{9D8B030D-6E8A-4147-A177-3AD203B41FA5}">
-                      <a16:colId xmlns="" xmlns:a16="http://schemas.microsoft.com/office/drawing/2014/main" val="4063145505"/>
+                      <a16:colId xmlns:a16="http://schemas.microsoft.com/office/drawing/2014/main" val="2178192700"/>
                     </a:ext>
                   </a:extLst>
                 </a:gridCol>
-                <a:gridCol w="2375198">
+                <a:gridCol w="2103120">
                   <a:extLst>
                     <a:ext uri="{9D8B030D-6E8A-4147-A177-3AD203B41FA5}">
-                      <a16:colId xmlns="" xmlns:a16="http://schemas.microsoft.com/office/drawing/2014/main" val="3941563331"/>
+                      <a16:colId xmlns:a16="http://schemas.microsoft.com/office/drawing/2014/main" val="331999573"/>
                     </a:ext>
                   </a:extLst>
                 </a:gridCol>
-                <a:gridCol w="2165933">
+                <a:gridCol w="2103120">
                   <a:extLst>
                     <a:ext uri="{9D8B030D-6E8A-4147-A177-3AD203B41FA5}">
-                      <a16:colId xmlns="" xmlns:a16="http://schemas.microsoft.com/office/drawing/2014/main" val="3080368069"/>
+                      <a16:colId xmlns:a16="http://schemas.microsoft.com/office/drawing/2014/main" val="3597132808"/>
                     </a:ext>
                   </a:extLst>
                 </a:gridCol>
-                <a:gridCol w="2844563">
+                <a:gridCol w="2103120">
                   <a:extLst>
                     <a:ext uri="{9D8B030D-6E8A-4147-A177-3AD203B41FA5}">
-                      <a16:colId xmlns="" xmlns:a16="http://schemas.microsoft.com/office/drawing/2014/main" val="854532457"/>
+                      <a16:colId xmlns:a16="http://schemas.microsoft.com/office/drawing/2014/main" val="596877116"/>
                     </a:ext>
                   </a:extLst>
                 </a:gridCol>
-                <a:gridCol w="1879823">
+                <a:gridCol w="2103120">
                   <a:extLst>
                     <a:ext uri="{9D8B030D-6E8A-4147-A177-3AD203B41FA5}">
-                      <a16:colId xmlns="" xmlns:a16="http://schemas.microsoft.com/office/drawing/2014/main" val="489881781"/>
+                      <a16:colId xmlns:a16="http://schemas.microsoft.com/office/drawing/2014/main" val="1778616611"/>
                     </a:ext>
                   </a:extLst>
                 </a:gridCol>
               </a:tblGrid>
-              <a:tr h="345040">
+              <a:tr h="544272">
                 <a:tc>
                   <a:txBody>
                     <a:bodyPr/>
                     <a:lstStyle/>
                     <a:p>
                       <a:pPr>
-                        <a:lnSpc>
-                          <a:spcPct val="115000"/>
-                        </a:lnSpc>
+                        <a:spcBef>
+                          <a:spcPts val="180"/>
+                        </a:spcBef>
                         <a:spcAft>
-                          <a:spcPts val="0"/>
+                          <a:spcPts val="180"/>
                         </a:spcAft>
                       </a:pPr>
                       <a:r>
-                        <a:rPr lang="en-GB" sz="1800" dirty="0">
+                        <a:rPr lang="en-US" sz="2000" b="1">
                           <a:effectLst/>
+                          <a:latin typeface="Cambria" panose="02040503050406030204" pitchFamily="18" charset="0"/>
+                          <a:ea typeface="Cambria" panose="02040503050406030204" pitchFamily="18" charset="0"/>
+                          <a:cs typeface="Times New Roman" panose="02020603050405020304" pitchFamily="18" charset="0"/>
                         </a:rPr>
                         <a:t>Name</a:t>
                       </a:r>
-                      <a:endParaRPr lang="en-GB" sz="1800" dirty="0">
+                      <a:endParaRPr lang="en-GB" sz="2000">
                         <a:effectLst/>
-                        <a:latin typeface="Calibri" panose="020F0502020204030204" pitchFamily="34" charset="0"/>
-                        <a:ea typeface="SimSun" panose="02010600030101010101" pitchFamily="2" charset="-122"/>
+                        <a:latin typeface="Cambria" panose="02040503050406030204" pitchFamily="18" charset="0"/>
+                        <a:ea typeface="Cambria" panose="02040503050406030204" pitchFamily="18" charset="0"/>
+                        <a:cs typeface="Times New Roman" panose="02020603050405020304" pitchFamily="18" charset="0"/>
+                      </a:endParaRPr>
+                    </a:p>
+                  </a:txBody>
+                  <a:tcPr marL="68580" marR="68580" marT="0" marB="0" anchor="b"/>
+                </a:tc>
+                <a:tc>
+                  <a:txBody>
+                    <a:bodyPr/>
+                    <a:lstStyle/>
+                    <a:p>
+                      <a:pPr>
+                        <a:spcBef>
+                          <a:spcPts val="180"/>
+                        </a:spcBef>
+                        <a:spcAft>
+                          <a:spcPts val="180"/>
+                        </a:spcAft>
+                      </a:pPr>
+                      <a:r>
+                        <a:rPr lang="en-US" sz="2000" b="1">
+                          <a:effectLst/>
+                          <a:latin typeface="Cambria" panose="02040503050406030204" pitchFamily="18" charset="0"/>
+                          <a:ea typeface="Cambria" panose="02040503050406030204" pitchFamily="18" charset="0"/>
+                          <a:cs typeface="Times New Roman" panose="02020603050405020304" pitchFamily="18" charset="0"/>
+                        </a:rPr>
+                        <a:t>Function</a:t>
+                      </a:r>
+                      <a:endParaRPr lang="en-GB" sz="2000">
+                        <a:effectLst/>
+                        <a:latin typeface="Cambria" panose="02040503050406030204" pitchFamily="18" charset="0"/>
+                        <a:ea typeface="Cambria" panose="02040503050406030204" pitchFamily="18" charset="0"/>
+                        <a:cs typeface="Times New Roman" panose="02020603050405020304" pitchFamily="18" charset="0"/>
+                      </a:endParaRPr>
+                    </a:p>
+                  </a:txBody>
+                  <a:tcPr marL="68580" marR="68580" marT="0" marB="0" anchor="b"/>
+                </a:tc>
+                <a:tc>
+                  <a:txBody>
+                    <a:bodyPr/>
+                    <a:lstStyle/>
+                    <a:p>
+                      <a:pPr>
+                        <a:spcBef>
+                          <a:spcPts val="180"/>
+                        </a:spcBef>
+                        <a:spcAft>
+                          <a:spcPts val="180"/>
+                        </a:spcAft>
+                      </a:pPr>
+                      <a:r>
+                        <a:rPr lang="en-US" sz="2000" b="1" dirty="0">
+                          <a:effectLst/>
+                          <a:latin typeface="Cambria" panose="02040503050406030204" pitchFamily="18" charset="0"/>
+                          <a:ea typeface="Cambria" panose="02040503050406030204" pitchFamily="18" charset="0"/>
+                          <a:cs typeface="Times New Roman" panose="02020603050405020304" pitchFamily="18" charset="0"/>
+                        </a:rPr>
+                        <a:t>Input</a:t>
+                      </a:r>
+                      <a:endParaRPr lang="en-GB" sz="2000" dirty="0">
+                        <a:effectLst/>
+                        <a:latin typeface="Cambria" panose="02040503050406030204" pitchFamily="18" charset="0"/>
+                        <a:ea typeface="Cambria" panose="02040503050406030204" pitchFamily="18" charset="0"/>
+                        <a:cs typeface="Times New Roman" panose="02020603050405020304" pitchFamily="18" charset="0"/>
+                      </a:endParaRPr>
+                    </a:p>
+                  </a:txBody>
+                  <a:tcPr marL="68580" marR="68580" marT="0" marB="0" anchor="b"/>
+                </a:tc>
+                <a:tc>
+                  <a:txBody>
+                    <a:bodyPr/>
+                    <a:lstStyle/>
+                    <a:p>
+                      <a:pPr>
+                        <a:spcBef>
+                          <a:spcPts val="180"/>
+                        </a:spcBef>
+                        <a:spcAft>
+                          <a:spcPts val="180"/>
+                        </a:spcAft>
+                      </a:pPr>
+                      <a:r>
+                        <a:rPr lang="en-US" sz="2000" b="1">
+                          <a:effectLst/>
+                          <a:latin typeface="Cambria" panose="02040503050406030204" pitchFamily="18" charset="0"/>
+                          <a:ea typeface="Cambria" panose="02040503050406030204" pitchFamily="18" charset="0"/>
+                          <a:cs typeface="Times New Roman" panose="02020603050405020304" pitchFamily="18" charset="0"/>
+                        </a:rPr>
+                        <a:t>Output</a:t>
+                      </a:r>
+                      <a:endParaRPr lang="en-GB" sz="2000">
+                        <a:effectLst/>
+                        <a:latin typeface="Cambria" panose="02040503050406030204" pitchFamily="18" charset="0"/>
+                        <a:ea typeface="Cambria" panose="02040503050406030204" pitchFamily="18" charset="0"/>
+                        <a:cs typeface="Times New Roman" panose="02020603050405020304" pitchFamily="18" charset="0"/>
+                      </a:endParaRPr>
+                    </a:p>
+                  </a:txBody>
+                  <a:tcPr marL="68580" marR="68580" marT="0" marB="0" anchor="b"/>
+                </a:tc>
+                <a:tc>
+                  <a:txBody>
+                    <a:bodyPr/>
+                    <a:lstStyle/>
+                    <a:p>
+                      <a:pPr>
+                        <a:spcBef>
+                          <a:spcPts val="180"/>
+                        </a:spcBef>
+                        <a:spcAft>
+                          <a:spcPts val="180"/>
+                        </a:spcAft>
+                      </a:pPr>
+                      <a:r>
+                        <a:rPr lang="en-US" sz="2000" b="1" dirty="0">
+                          <a:effectLst/>
+                          <a:latin typeface="Cambria" panose="02040503050406030204" pitchFamily="18" charset="0"/>
+                          <a:ea typeface="Cambria" panose="02040503050406030204" pitchFamily="18" charset="0"/>
+                          <a:cs typeface="Times New Roman" panose="02020603050405020304" pitchFamily="18" charset="0"/>
+                        </a:rPr>
+                        <a:t>Reference</a:t>
+                      </a:r>
+                      <a:endParaRPr lang="en-GB" sz="2000" dirty="0">
+                        <a:effectLst/>
+                        <a:latin typeface="Cambria" panose="02040503050406030204" pitchFamily="18" charset="0"/>
+                        <a:ea typeface="Cambria" panose="02040503050406030204" pitchFamily="18" charset="0"/>
+                        <a:cs typeface="Times New Roman" panose="02020603050405020304" pitchFamily="18" charset="0"/>
+                      </a:endParaRPr>
+                    </a:p>
+                  </a:txBody>
+                  <a:tcPr marL="68580" marR="68580" marT="0" marB="0" anchor="b"/>
+                </a:tc>
+                <a:extLst>
+                  <a:ext uri="{0D108BD9-81ED-4DB2-BD59-A6C34878D82A}">
+                    <a16:rowId xmlns:a16="http://schemas.microsoft.com/office/drawing/2014/main" val="2548993085"/>
+                  </a:ext>
+                </a:extLst>
+              </a:tr>
+              <a:tr h="544272">
+                <a:tc>
+                  <a:txBody>
+                    <a:bodyPr/>
+                    <a:lstStyle/>
+                    <a:p>
+                      <a:pPr>
+                        <a:spcBef>
+                          <a:spcPts val="180"/>
+                        </a:spcBef>
+                        <a:spcAft>
+                          <a:spcPts val="180"/>
+                        </a:spcAft>
+                      </a:pPr>
+                      <a:r>
+                        <a:rPr lang="en-US" sz="1800">
+                          <a:effectLst/>
+                          <a:latin typeface="Cambria" panose="02040503050406030204" pitchFamily="18" charset="0"/>
+                          <a:ea typeface="Cambria" panose="02040503050406030204" pitchFamily="18" charset="0"/>
+                          <a:cs typeface="Times New Roman" panose="02020603050405020304" pitchFamily="18" charset="0"/>
+                        </a:rPr>
+                        <a:t>CAVIAR</a:t>
+                      </a:r>
+                      <a:endParaRPr lang="en-GB" sz="1800">
+                        <a:effectLst/>
+                        <a:latin typeface="Cambria" panose="02040503050406030204" pitchFamily="18" charset="0"/>
+                        <a:ea typeface="Cambria" panose="02040503050406030204" pitchFamily="18" charset="0"/>
                         <a:cs typeface="Times New Roman" panose="02020603050405020304" pitchFamily="18" charset="0"/>
                       </a:endParaRPr>
                     </a:p>
@@ -3911,23 +4150,26 @@
                     <a:lstStyle/>
                     <a:p>
                       <a:pPr>
-                        <a:lnSpc>
-                          <a:spcPct val="115000"/>
-                        </a:lnSpc>
+                        <a:spcBef>
+                          <a:spcPts val="180"/>
+                        </a:spcBef>
                         <a:spcAft>
-                          <a:spcPts val="0"/>
+                          <a:spcPts val="180"/>
                         </a:spcAft>
                       </a:pPr>
                       <a:r>
-                        <a:rPr lang="en-GB" sz="1800" dirty="0">
+                        <a:rPr lang="en-US" sz="1800">
                           <a:effectLst/>
+                          <a:latin typeface="Cambria" panose="02040503050406030204" pitchFamily="18" charset="0"/>
+                          <a:ea typeface="Cambria" panose="02040503050406030204" pitchFamily="18" charset="0"/>
+                          <a:cs typeface="Times New Roman" panose="02020603050405020304" pitchFamily="18" charset="0"/>
                         </a:rPr>
-                        <a:t>Function</a:t>
+                        <a:t>finemapping</a:t>
                       </a:r>
-                      <a:endParaRPr lang="en-GB" sz="1800" dirty="0">
+                      <a:endParaRPr lang="en-GB" sz="1800">
                         <a:effectLst/>
-                        <a:latin typeface="Calibri" panose="020F0502020204030204" pitchFamily="34" charset="0"/>
-                        <a:ea typeface="SimSun" panose="02010600030101010101" pitchFamily="2" charset="-122"/>
+                        <a:latin typeface="Cambria" panose="02040503050406030204" pitchFamily="18" charset="0"/>
+                        <a:ea typeface="Cambria" panose="02040503050406030204" pitchFamily="18" charset="0"/>
                         <a:cs typeface="Times New Roman" panose="02020603050405020304" pitchFamily="18" charset="0"/>
                       </a:endParaRPr>
                     </a:p>
@@ -3940,23 +4182,26 @@
                     <a:lstStyle/>
                     <a:p>
                       <a:pPr>
-                        <a:lnSpc>
-                          <a:spcPct val="115000"/>
-                        </a:lnSpc>
+                        <a:spcBef>
+                          <a:spcPts val="180"/>
+                        </a:spcBef>
                         <a:spcAft>
-                          <a:spcPts val="0"/>
+                          <a:spcPts val="180"/>
                         </a:spcAft>
                       </a:pPr>
                       <a:r>
-                        <a:rPr lang="en-GB" sz="1800" dirty="0">
+                        <a:rPr lang="en-US" sz="1800">
                           <a:effectLst/>
+                          <a:latin typeface="Cambria" panose="02040503050406030204" pitchFamily="18" charset="0"/>
+                          <a:ea typeface="Cambria" panose="02040503050406030204" pitchFamily="18" charset="0"/>
+                          <a:cs typeface="Times New Roman" panose="02020603050405020304" pitchFamily="18" charset="0"/>
                         </a:rPr>
-                        <a:t>Input</a:t>
+                        <a:t>z, correlation matrix</a:t>
                       </a:r>
-                      <a:endParaRPr lang="en-GB" sz="1800" dirty="0">
+                      <a:endParaRPr lang="en-GB" sz="1800">
                         <a:effectLst/>
-                        <a:latin typeface="Calibri" panose="020F0502020204030204" pitchFamily="34" charset="0"/>
-                        <a:ea typeface="SimSun" panose="02010600030101010101" pitchFamily="2" charset="-122"/>
+                        <a:latin typeface="Cambria" panose="02040503050406030204" pitchFamily="18" charset="0"/>
+                        <a:ea typeface="Cambria" panose="02040503050406030204" pitchFamily="18" charset="0"/>
                         <a:cs typeface="Times New Roman" panose="02020603050405020304" pitchFamily="18" charset="0"/>
                       </a:endParaRPr>
                     </a:p>
@@ -3969,23 +4214,26 @@
                     <a:lstStyle/>
                     <a:p>
                       <a:pPr>
-                        <a:lnSpc>
-                          <a:spcPct val="115000"/>
-                        </a:lnSpc>
+                        <a:spcBef>
+                          <a:spcPts val="180"/>
+                        </a:spcBef>
                         <a:spcAft>
-                          <a:spcPts val="0"/>
+                          <a:spcPts val="180"/>
                         </a:spcAft>
                       </a:pPr>
                       <a:r>
-                        <a:rPr lang="en-GB" sz="1800">
+                        <a:rPr lang="en-US" sz="1800">
                           <a:effectLst/>
+                          <a:latin typeface="Cambria" panose="02040503050406030204" pitchFamily="18" charset="0"/>
+                          <a:ea typeface="Cambria" panose="02040503050406030204" pitchFamily="18" charset="0"/>
+                          <a:cs typeface="Times New Roman" panose="02020603050405020304" pitchFamily="18" charset="0"/>
                         </a:rPr>
-                        <a:t>Output</a:t>
+                        <a:t>causal sets and probabilities</a:t>
                       </a:r>
                       <a:endParaRPr lang="en-GB" sz="1800">
                         <a:effectLst/>
-                        <a:latin typeface="Calibri" panose="020F0502020204030204" pitchFamily="34" charset="0"/>
-                        <a:ea typeface="SimSun" panose="02010600030101010101" pitchFamily="2" charset="-122"/>
+                        <a:latin typeface="Cambria" panose="02040503050406030204" pitchFamily="18" charset="0"/>
+                        <a:ea typeface="Cambria" panose="02040503050406030204" pitchFamily="18" charset="0"/>
                         <a:cs typeface="Times New Roman" panose="02020603050405020304" pitchFamily="18" charset="0"/>
                       </a:endParaRPr>
                     </a:p>
@@ -3998,23 +4246,26 @@
                     <a:lstStyle/>
                     <a:p>
                       <a:pPr>
-                        <a:lnSpc>
-                          <a:spcPct val="115000"/>
-                        </a:lnSpc>
+                        <a:spcBef>
+                          <a:spcPts val="180"/>
+                        </a:spcBef>
                         <a:spcAft>
-                          <a:spcPts val="0"/>
+                          <a:spcPts val="180"/>
                         </a:spcAft>
                       </a:pPr>
                       <a:r>
-                        <a:rPr lang="en-GB" sz="1800">
+                        <a:rPr lang="en-US" sz="1800">
                           <a:effectLst/>
+                          <a:latin typeface="Cambria" panose="02040503050406030204" pitchFamily="18" charset="0"/>
+                          <a:ea typeface="Cambria" panose="02040503050406030204" pitchFamily="18" charset="0"/>
+                          <a:cs typeface="Times New Roman" panose="02020603050405020304" pitchFamily="18" charset="0"/>
                         </a:rPr>
-                        <a:t>Ref</a:t>
+                        <a:t>Hormozdiari, et al. (2014)</a:t>
                       </a:r>
                       <a:endParaRPr lang="en-GB" sz="1800">
                         <a:effectLst/>
-                        <a:latin typeface="Calibri" panose="020F0502020204030204" pitchFamily="34" charset="0"/>
-                        <a:ea typeface="SimSun" panose="02010600030101010101" pitchFamily="2" charset="-122"/>
+                        <a:latin typeface="Cambria" panose="02040503050406030204" pitchFamily="18" charset="0"/>
+                        <a:ea typeface="Cambria" panose="02040503050406030204" pitchFamily="18" charset="0"/>
                         <a:cs typeface="Times New Roman" panose="02020603050405020304" pitchFamily="18" charset="0"/>
                       </a:endParaRPr>
                     </a:p>
@@ -4023,34 +4274,37 @@
                 </a:tc>
                 <a:extLst>
                   <a:ext uri="{0D108BD9-81ED-4DB2-BD59-A6C34878D82A}">
-                    <a16:rowId xmlns="" xmlns:a16="http://schemas.microsoft.com/office/drawing/2014/main" val="297891506"/>
+                    <a16:rowId xmlns:a16="http://schemas.microsoft.com/office/drawing/2014/main" val="3696918108"/>
                   </a:ext>
                 </a:extLst>
               </a:tr>
-              <a:tr h="711569">
+              <a:tr h="544272">
                 <a:tc>
                   <a:txBody>
                     <a:bodyPr/>
                     <a:lstStyle/>
                     <a:p>
                       <a:pPr>
-                        <a:lnSpc>
-                          <a:spcPct val="115000"/>
-                        </a:lnSpc>
+                        <a:spcBef>
+                          <a:spcPts val="180"/>
+                        </a:spcBef>
                         <a:spcAft>
-                          <a:spcPts val="0"/>
+                          <a:spcPts val="180"/>
                         </a:spcAft>
                       </a:pPr>
                       <a:r>
-                        <a:rPr lang="en-GB" sz="1800" dirty="0">
+                        <a:rPr lang="en-US" sz="1800">
                           <a:effectLst/>
+                          <a:latin typeface="Cambria" panose="02040503050406030204" pitchFamily="18" charset="0"/>
+                          <a:ea typeface="Cambria" panose="02040503050406030204" pitchFamily="18" charset="0"/>
+                          <a:cs typeface="Times New Roman" panose="02020603050405020304" pitchFamily="18" charset="0"/>
                         </a:rPr>
-                        <a:t>JAM</a:t>
+                        <a:t>CAVIARBF</a:t>
                       </a:r>
-                      <a:endParaRPr lang="en-GB" sz="1800" dirty="0">
+                      <a:endParaRPr lang="en-GB" sz="1800">
                         <a:effectLst/>
-                        <a:latin typeface="Calibri" panose="020F0502020204030204" pitchFamily="34" charset="0"/>
-                        <a:ea typeface="SimSun" panose="02010600030101010101" pitchFamily="2" charset="-122"/>
+                        <a:latin typeface="Cambria" panose="02040503050406030204" pitchFamily="18" charset="0"/>
+                        <a:ea typeface="Cambria" panose="02040503050406030204" pitchFamily="18" charset="0"/>
                         <a:cs typeface="Times New Roman" panose="02020603050405020304" pitchFamily="18" charset="0"/>
                       </a:endParaRPr>
                     </a:p>
@@ -4063,23 +4317,26 @@
                     <a:lstStyle/>
                     <a:p>
                       <a:pPr>
-                        <a:lnSpc>
-                          <a:spcPct val="115000"/>
-                        </a:lnSpc>
+                        <a:spcBef>
+                          <a:spcPts val="180"/>
+                        </a:spcBef>
                         <a:spcAft>
-                          <a:spcPts val="0"/>
+                          <a:spcPts val="180"/>
                         </a:spcAft>
                       </a:pPr>
                       <a:r>
-                        <a:rPr lang="en-GB" sz="1800">
+                        <a:rPr lang="en-US" sz="1800">
                           <a:effectLst/>
+                          <a:latin typeface="Cambria" panose="02040503050406030204" pitchFamily="18" charset="0"/>
+                          <a:ea typeface="Cambria" panose="02040503050406030204" pitchFamily="18" charset="0"/>
+                          <a:cs typeface="Times New Roman" panose="02020603050405020304" pitchFamily="18" charset="0"/>
                         </a:rPr>
-                        <a:t>Finemapping</a:t>
+                        <a:t>finemapping</a:t>
                       </a:r>
                       <a:endParaRPr lang="en-GB" sz="1800">
                         <a:effectLst/>
-                        <a:latin typeface="Calibri" panose="020F0502020204030204" pitchFamily="34" charset="0"/>
-                        <a:ea typeface="SimSun" panose="02010600030101010101" pitchFamily="2" charset="-122"/>
+                        <a:latin typeface="Cambria" panose="02040503050406030204" pitchFamily="18" charset="0"/>
+                        <a:ea typeface="Cambria" panose="02040503050406030204" pitchFamily="18" charset="0"/>
                         <a:cs typeface="Times New Roman" panose="02020603050405020304" pitchFamily="18" charset="0"/>
                       </a:endParaRPr>
                     </a:p>
@@ -4092,23 +4349,26 @@
                     <a:lstStyle/>
                     <a:p>
                       <a:pPr>
-                        <a:lnSpc>
-                          <a:spcPct val="115000"/>
-                        </a:lnSpc>
+                        <a:spcBef>
+                          <a:spcPts val="180"/>
+                        </a:spcBef>
                         <a:spcAft>
-                          <a:spcPts val="0"/>
+                          <a:spcPts val="180"/>
                         </a:spcAft>
                       </a:pPr>
                       <a:r>
-                        <a:rPr lang="en-GB" sz="1800" dirty="0">
+                        <a:rPr lang="en-US" sz="1800">
                           <a:effectLst/>
+                          <a:latin typeface="Cambria" panose="02040503050406030204" pitchFamily="18" charset="0"/>
+                          <a:ea typeface="Cambria" panose="02040503050406030204" pitchFamily="18" charset="0"/>
+                          <a:cs typeface="Times New Roman" panose="02020603050405020304" pitchFamily="18" charset="0"/>
                         </a:rPr>
-                        <a:t>beta, individual reference data</a:t>
+                        <a:t>z, correlation matrix</a:t>
                       </a:r>
-                      <a:endParaRPr lang="en-GB" sz="1800" dirty="0">
+                      <a:endParaRPr lang="en-GB" sz="1800">
                         <a:effectLst/>
-                        <a:latin typeface="Calibri" panose="020F0502020204030204" pitchFamily="34" charset="0"/>
-                        <a:ea typeface="SimSun" panose="02010600030101010101" pitchFamily="2" charset="-122"/>
+                        <a:latin typeface="Cambria" panose="02040503050406030204" pitchFamily="18" charset="0"/>
+                        <a:ea typeface="Cambria" panose="02040503050406030204" pitchFamily="18" charset="0"/>
                         <a:cs typeface="Times New Roman" panose="02020603050405020304" pitchFamily="18" charset="0"/>
                       </a:endParaRPr>
                     </a:p>
@@ -4121,23 +4381,26 @@
                     <a:lstStyle/>
                     <a:p>
                       <a:pPr>
-                        <a:lnSpc>
-                          <a:spcPct val="115000"/>
-                        </a:lnSpc>
+                        <a:spcBef>
+                          <a:spcPts val="180"/>
+                        </a:spcBef>
                         <a:spcAft>
-                          <a:spcPts val="0"/>
+                          <a:spcPts val="180"/>
                         </a:spcAft>
                       </a:pPr>
                       <a:r>
-                        <a:rPr lang="en-GB" sz="1800">
+                        <a:rPr lang="en-US" sz="1800">
                           <a:effectLst/>
+                          <a:latin typeface="Cambria" panose="02040503050406030204" pitchFamily="18" charset="0"/>
+                          <a:ea typeface="Cambria" panose="02040503050406030204" pitchFamily="18" charset="0"/>
+                          <a:cs typeface="Times New Roman" panose="02020603050405020304" pitchFamily="18" charset="0"/>
                         </a:rPr>
-                        <a:t>Bayes Factor of being causal</a:t>
+                        <a:t>BF and probabilities for all configurations</a:t>
                       </a:r>
                       <a:endParaRPr lang="en-GB" sz="1800">
                         <a:effectLst/>
-                        <a:latin typeface="Calibri" panose="020F0502020204030204" pitchFamily="34" charset="0"/>
-                        <a:ea typeface="SimSun" panose="02010600030101010101" pitchFamily="2" charset="-122"/>
+                        <a:latin typeface="Cambria" panose="02040503050406030204" pitchFamily="18" charset="0"/>
+                        <a:ea typeface="Cambria" panose="02040503050406030204" pitchFamily="18" charset="0"/>
                         <a:cs typeface="Times New Roman" panose="02020603050405020304" pitchFamily="18" charset="0"/>
                       </a:endParaRPr>
                     </a:p>
@@ -4150,23 +4413,26 @@
                     <a:lstStyle/>
                     <a:p>
                       <a:pPr>
-                        <a:lnSpc>
-                          <a:spcPct val="115000"/>
-                        </a:lnSpc>
+                        <a:spcBef>
+                          <a:spcPts val="180"/>
+                        </a:spcBef>
                         <a:spcAft>
-                          <a:spcPts val="0"/>
+                          <a:spcPts val="180"/>
                         </a:spcAft>
                       </a:pPr>
                       <a:r>
-                        <a:rPr lang="en-GB" sz="1800">
+                        <a:rPr lang="en-US" sz="1800">
                           <a:effectLst/>
+                          <a:latin typeface="Cambria" panose="02040503050406030204" pitchFamily="18" charset="0"/>
+                          <a:ea typeface="Cambria" panose="02040503050406030204" pitchFamily="18" charset="0"/>
+                          <a:cs typeface="Times New Roman" panose="02020603050405020304" pitchFamily="18" charset="0"/>
                         </a:rPr>
-                        <a:t>Newcombe, et al. (2016)</a:t>
+                        <a:t>Chen, et al. (2015)</a:t>
                       </a:r>
                       <a:endParaRPr lang="en-GB" sz="1800">
                         <a:effectLst/>
-                        <a:latin typeface="Calibri" panose="020F0502020204030204" pitchFamily="34" charset="0"/>
-                        <a:ea typeface="SimSun" panose="02010600030101010101" pitchFamily="2" charset="-122"/>
+                        <a:latin typeface="Cambria" panose="02040503050406030204" pitchFamily="18" charset="0"/>
+                        <a:ea typeface="Cambria" panose="02040503050406030204" pitchFamily="18" charset="0"/>
                         <a:cs typeface="Times New Roman" panose="02020603050405020304" pitchFamily="18" charset="0"/>
                       </a:endParaRPr>
                     </a:p>
@@ -4175,34 +4441,37 @@
                 </a:tc>
                 <a:extLst>
                   <a:ext uri="{0D108BD9-81ED-4DB2-BD59-A6C34878D82A}">
-                    <a16:rowId xmlns="" xmlns:a16="http://schemas.microsoft.com/office/drawing/2014/main" val="935194730"/>
+                    <a16:rowId xmlns:a16="http://schemas.microsoft.com/office/drawing/2014/main" val="739848613"/>
                   </a:ext>
                 </a:extLst>
               </a:tr>
-              <a:tr h="711569">
+              <a:tr h="544272">
                 <a:tc>
                   <a:txBody>
                     <a:bodyPr/>
                     <a:lstStyle/>
                     <a:p>
                       <a:pPr>
-                        <a:lnSpc>
-                          <a:spcPct val="115000"/>
-                        </a:lnSpc>
+                        <a:spcBef>
+                          <a:spcPts val="180"/>
+                        </a:spcBef>
                         <a:spcAft>
-                          <a:spcPts val="0"/>
+                          <a:spcPts val="180"/>
                         </a:spcAft>
                       </a:pPr>
                       <a:r>
-                        <a:rPr lang="en-GB" sz="1800" dirty="0" err="1">
+                        <a:rPr lang="en-US" sz="1800">
                           <a:effectLst/>
+                          <a:latin typeface="Cambria" panose="02040503050406030204" pitchFamily="18" charset="0"/>
+                          <a:ea typeface="Cambria" panose="02040503050406030204" pitchFamily="18" charset="0"/>
+                          <a:cs typeface="Times New Roman" panose="02020603050405020304" pitchFamily="18" charset="0"/>
                         </a:rPr>
-                        <a:t>Finemap</a:t>
+                        <a:t>GCTA</a:t>
                       </a:r>
-                      <a:endParaRPr lang="en-GB" sz="1800" dirty="0">
+                      <a:endParaRPr lang="en-GB" sz="1800">
                         <a:effectLst/>
-                        <a:latin typeface="Calibri" panose="020F0502020204030204" pitchFamily="34" charset="0"/>
-                        <a:ea typeface="SimSun" panose="02010600030101010101" pitchFamily="2" charset="-122"/>
+                        <a:latin typeface="Cambria" panose="02040503050406030204" pitchFamily="18" charset="0"/>
+                        <a:ea typeface="Cambria" panose="02040503050406030204" pitchFamily="18" charset="0"/>
                         <a:cs typeface="Times New Roman" panose="02020603050405020304" pitchFamily="18" charset="0"/>
                       </a:endParaRPr>
                     </a:p>
@@ -4215,23 +4484,26 @@
                     <a:lstStyle/>
                     <a:p>
                       <a:pPr>
-                        <a:lnSpc>
-                          <a:spcPct val="115000"/>
-                        </a:lnSpc>
+                        <a:spcBef>
+                          <a:spcPts val="180"/>
+                        </a:spcBef>
                         <a:spcAft>
-                          <a:spcPts val="0"/>
+                          <a:spcPts val="180"/>
                         </a:spcAft>
                       </a:pPr>
                       <a:r>
-                        <a:rPr lang="en-GB" sz="1800">
+                        <a:rPr lang="en-US" sz="1800">
                           <a:effectLst/>
+                          <a:latin typeface="Cambria" panose="02040503050406030204" pitchFamily="18" charset="0"/>
+                          <a:ea typeface="Cambria" panose="02040503050406030204" pitchFamily="18" charset="0"/>
+                          <a:cs typeface="Times New Roman" panose="02020603050405020304" pitchFamily="18" charset="0"/>
                         </a:rPr>
-                        <a:t>Finemapping</a:t>
+                        <a:t>joint/conditional analysis</a:t>
                       </a:r>
                       <a:endParaRPr lang="en-GB" sz="1800">
                         <a:effectLst/>
-                        <a:latin typeface="Calibri" panose="020F0502020204030204" pitchFamily="34" charset="0"/>
-                        <a:ea typeface="SimSun" panose="02010600030101010101" pitchFamily="2" charset="-122"/>
+                        <a:latin typeface="Cambria" panose="02040503050406030204" pitchFamily="18" charset="0"/>
+                        <a:ea typeface="Cambria" panose="02040503050406030204" pitchFamily="18" charset="0"/>
                         <a:cs typeface="Times New Roman" panose="02020603050405020304" pitchFamily="18" charset="0"/>
                       </a:endParaRPr>
                     </a:p>
@@ -4244,23 +4516,26 @@
                     <a:lstStyle/>
                     <a:p>
                       <a:pPr>
-                        <a:lnSpc>
-                          <a:spcPct val="115000"/>
-                        </a:lnSpc>
+                        <a:spcBef>
+                          <a:spcPts val="180"/>
+                        </a:spcBef>
                         <a:spcAft>
-                          <a:spcPts val="0"/>
+                          <a:spcPts val="180"/>
                         </a:spcAft>
                       </a:pPr>
                       <a:r>
-                        <a:rPr lang="en-GB" sz="1800" dirty="0">
+                        <a:rPr lang="en-US" sz="1800">
                           <a:effectLst/>
+                          <a:latin typeface="Cambria" panose="02040503050406030204" pitchFamily="18" charset="0"/>
+                          <a:ea typeface="Cambria" panose="02040503050406030204" pitchFamily="18" charset="0"/>
+                          <a:cs typeface="Times New Roman" panose="02020603050405020304" pitchFamily="18" charset="0"/>
                         </a:rPr>
-                        <a:t>z, correlation matrix</a:t>
+                        <a:t>.sumstats, reference data</a:t>
                       </a:r>
-                      <a:endParaRPr lang="en-GB" sz="1800" dirty="0">
+                      <a:endParaRPr lang="en-GB" sz="1800">
                         <a:effectLst/>
-                        <a:latin typeface="Calibri" panose="020F0502020204030204" pitchFamily="34" charset="0"/>
-                        <a:ea typeface="SimSun" panose="02010600030101010101" pitchFamily="2" charset="-122"/>
+                        <a:latin typeface="Cambria" panose="02040503050406030204" pitchFamily="18" charset="0"/>
+                        <a:ea typeface="Cambria" panose="02040503050406030204" pitchFamily="18" charset="0"/>
                         <a:cs typeface="Times New Roman" panose="02020603050405020304" pitchFamily="18" charset="0"/>
                       </a:endParaRPr>
                     </a:p>
@@ -4273,23 +4548,26 @@
                     <a:lstStyle/>
                     <a:p>
                       <a:pPr>
-                        <a:lnSpc>
-                          <a:spcPct val="115000"/>
-                        </a:lnSpc>
+                        <a:spcBef>
+                          <a:spcPts val="180"/>
+                        </a:spcBef>
                         <a:spcAft>
-                          <a:spcPts val="0"/>
+                          <a:spcPts val="180"/>
                         </a:spcAft>
                       </a:pPr>
                       <a:r>
-                        <a:rPr lang="en-GB" sz="1800">
+                        <a:rPr lang="en-US" sz="1800">
                           <a:effectLst/>
+                          <a:latin typeface="Cambria" panose="02040503050406030204" pitchFamily="18" charset="0"/>
+                          <a:ea typeface="Cambria" panose="02040503050406030204" pitchFamily="18" charset="0"/>
+                          <a:cs typeface="Times New Roman" panose="02020603050405020304" pitchFamily="18" charset="0"/>
                         </a:rPr>
-                        <a:t>Causal SNPs+configuration</a:t>
+                        <a:t>association results</a:t>
                       </a:r>
                       <a:endParaRPr lang="en-GB" sz="1800">
                         <a:effectLst/>
-                        <a:latin typeface="Calibri" panose="020F0502020204030204" pitchFamily="34" charset="0"/>
-                        <a:ea typeface="SimSun" panose="02010600030101010101" pitchFamily="2" charset="-122"/>
+                        <a:latin typeface="Cambria" panose="02040503050406030204" pitchFamily="18" charset="0"/>
+                        <a:ea typeface="Cambria" panose="02040503050406030204" pitchFamily="18" charset="0"/>
                         <a:cs typeface="Times New Roman" panose="02020603050405020304" pitchFamily="18" charset="0"/>
                       </a:endParaRPr>
                     </a:p>
@@ -4302,23 +4580,26 @@
                     <a:lstStyle/>
                     <a:p>
                       <a:pPr>
-                        <a:lnSpc>
-                          <a:spcPct val="115000"/>
-                        </a:lnSpc>
+                        <a:spcBef>
+                          <a:spcPts val="180"/>
+                        </a:spcBef>
                         <a:spcAft>
-                          <a:spcPts val="0"/>
+                          <a:spcPts val="180"/>
                         </a:spcAft>
                       </a:pPr>
                       <a:r>
-                        <a:rPr lang="en-GB" sz="1800">
+                        <a:rPr lang="en-US" sz="1800">
                           <a:effectLst/>
+                          <a:latin typeface="Cambria" panose="02040503050406030204" pitchFamily="18" charset="0"/>
+                          <a:ea typeface="Cambria" panose="02040503050406030204" pitchFamily="18" charset="0"/>
+                          <a:cs typeface="Times New Roman" panose="02020603050405020304" pitchFamily="18" charset="0"/>
                         </a:rPr>
-                        <a:t>Benner, et al. (2016)</a:t>
+                        <a:t>Yang, et al. (2012)</a:t>
                       </a:r>
                       <a:endParaRPr lang="en-GB" sz="1800">
                         <a:effectLst/>
-                        <a:latin typeface="Calibri" panose="020F0502020204030204" pitchFamily="34" charset="0"/>
-                        <a:ea typeface="SimSun" panose="02010600030101010101" pitchFamily="2" charset="-122"/>
+                        <a:latin typeface="Cambria" panose="02040503050406030204" pitchFamily="18" charset="0"/>
+                        <a:ea typeface="Cambria" panose="02040503050406030204" pitchFamily="18" charset="0"/>
                         <a:cs typeface="Times New Roman" panose="02020603050405020304" pitchFamily="18" charset="0"/>
                       </a:endParaRPr>
                     </a:p>
@@ -4327,34 +4608,37 @@
                 </a:tc>
                 <a:extLst>
                   <a:ext uri="{0D108BD9-81ED-4DB2-BD59-A6C34878D82A}">
-                    <a16:rowId xmlns="" xmlns:a16="http://schemas.microsoft.com/office/drawing/2014/main" val="3833507781"/>
+                    <a16:rowId xmlns:a16="http://schemas.microsoft.com/office/drawing/2014/main" val="3862531879"/>
                   </a:ext>
                 </a:extLst>
               </a:tr>
-              <a:tr h="711569">
+              <a:tr h="544272">
                 <a:tc>
                   <a:txBody>
                     <a:bodyPr/>
                     <a:lstStyle/>
                     <a:p>
                       <a:pPr>
-                        <a:lnSpc>
-                          <a:spcPct val="115000"/>
-                        </a:lnSpc>
+                        <a:spcBef>
+                          <a:spcPts val="180"/>
+                        </a:spcBef>
                         <a:spcAft>
-                          <a:spcPts val="0"/>
+                          <a:spcPts val="180"/>
                         </a:spcAft>
                       </a:pPr>
                       <a:r>
-                        <a:rPr lang="en-GB" sz="1800">
+                        <a:rPr lang="en-US" sz="1800">
                           <a:effectLst/>
+                          <a:latin typeface="Cambria" panose="02040503050406030204" pitchFamily="18" charset="0"/>
+                          <a:ea typeface="Cambria" panose="02040503050406030204" pitchFamily="18" charset="0"/>
+                          <a:cs typeface="Times New Roman" panose="02020603050405020304" pitchFamily="18" charset="0"/>
                         </a:rPr>
-                        <a:t>CAVIAR</a:t>
+                        <a:t>FM-summary</a:t>
                       </a:r>
                       <a:endParaRPr lang="en-GB" sz="1800">
                         <a:effectLst/>
-                        <a:latin typeface="Calibri" panose="020F0502020204030204" pitchFamily="34" charset="0"/>
-                        <a:ea typeface="SimSun" panose="02010600030101010101" pitchFamily="2" charset="-122"/>
+                        <a:latin typeface="Cambria" panose="02040503050406030204" pitchFamily="18" charset="0"/>
+                        <a:ea typeface="Cambria" panose="02040503050406030204" pitchFamily="18" charset="0"/>
                         <a:cs typeface="Times New Roman" panose="02020603050405020304" pitchFamily="18" charset="0"/>
                       </a:endParaRPr>
                     </a:p>
@@ -4367,23 +4651,26 @@
                     <a:lstStyle/>
                     <a:p>
                       <a:pPr>
-                        <a:lnSpc>
-                          <a:spcPct val="115000"/>
-                        </a:lnSpc>
+                        <a:spcBef>
+                          <a:spcPts val="180"/>
+                        </a:spcBef>
                         <a:spcAft>
-                          <a:spcPts val="0"/>
+                          <a:spcPts val="180"/>
                         </a:spcAft>
                       </a:pPr>
                       <a:r>
-                        <a:rPr lang="en-GB" sz="1800">
+                        <a:rPr lang="en-US" sz="1800">
                           <a:effectLst/>
+                          <a:latin typeface="Cambria" panose="02040503050406030204" pitchFamily="18" charset="0"/>
+                          <a:ea typeface="Cambria" panose="02040503050406030204" pitchFamily="18" charset="0"/>
+                          <a:cs typeface="Times New Roman" panose="02020603050405020304" pitchFamily="18" charset="0"/>
                         </a:rPr>
-                        <a:t>Finemapping</a:t>
+                        <a:t>finemapping</a:t>
                       </a:r>
                       <a:endParaRPr lang="en-GB" sz="1800">
                         <a:effectLst/>
-                        <a:latin typeface="Calibri" panose="020F0502020204030204" pitchFamily="34" charset="0"/>
-                        <a:ea typeface="SimSun" panose="02010600030101010101" pitchFamily="2" charset="-122"/>
+                        <a:latin typeface="Cambria" panose="02040503050406030204" pitchFamily="18" charset="0"/>
+                        <a:ea typeface="Cambria" panose="02040503050406030204" pitchFamily="18" charset="0"/>
                         <a:cs typeface="Times New Roman" panose="02020603050405020304" pitchFamily="18" charset="0"/>
                       </a:endParaRPr>
                     </a:p>
@@ -4396,23 +4683,26 @@
                     <a:lstStyle/>
                     <a:p>
                       <a:pPr>
-                        <a:lnSpc>
-                          <a:spcPct val="115000"/>
-                        </a:lnSpc>
+                        <a:spcBef>
+                          <a:spcPts val="180"/>
+                        </a:spcBef>
                         <a:spcAft>
-                          <a:spcPts val="0"/>
+                          <a:spcPts val="180"/>
                         </a:spcAft>
                       </a:pPr>
                       <a:r>
-                        <a:rPr lang="en-GB" sz="1800">
+                        <a:rPr lang="en-US" sz="1800">
                           <a:effectLst/>
+                          <a:latin typeface="Cambria" panose="02040503050406030204" pitchFamily="18" charset="0"/>
+                          <a:ea typeface="Cambria" panose="02040503050406030204" pitchFamily="18" charset="0"/>
+                          <a:cs typeface="Times New Roman" panose="02020603050405020304" pitchFamily="18" charset="0"/>
                         </a:rPr>
-                        <a:t>z, correlation matrix</a:t>
+                        <a:t>.sumstats association results</a:t>
                       </a:r>
                       <a:endParaRPr lang="en-GB" sz="1800">
                         <a:effectLst/>
-                        <a:latin typeface="Calibri" panose="020F0502020204030204" pitchFamily="34" charset="0"/>
-                        <a:ea typeface="SimSun" panose="02010600030101010101" pitchFamily="2" charset="-122"/>
+                        <a:latin typeface="Cambria" panose="02040503050406030204" pitchFamily="18" charset="0"/>
+                        <a:ea typeface="Cambria" panose="02040503050406030204" pitchFamily="18" charset="0"/>
                         <a:cs typeface="Times New Roman" panose="02020603050405020304" pitchFamily="18" charset="0"/>
                       </a:endParaRPr>
                     </a:p>
@@ -4425,23 +4715,26 @@
                     <a:lstStyle/>
                     <a:p>
                       <a:pPr>
-                        <a:lnSpc>
-                          <a:spcPct val="115000"/>
-                        </a:lnSpc>
+                        <a:spcBef>
+                          <a:spcPts val="180"/>
+                        </a:spcBef>
                         <a:spcAft>
-                          <a:spcPts val="0"/>
+                          <a:spcPts val="180"/>
                         </a:spcAft>
                       </a:pPr>
                       <a:r>
-                        <a:rPr lang="en-GB" sz="1800">
+                        <a:rPr lang="en-US" sz="1800">
                           <a:effectLst/>
+                          <a:latin typeface="Cambria" panose="02040503050406030204" pitchFamily="18" charset="0"/>
+                          <a:ea typeface="Cambria" panose="02040503050406030204" pitchFamily="18" charset="0"/>
+                          <a:cs typeface="Times New Roman" panose="02020603050405020304" pitchFamily="18" charset="0"/>
                         </a:rPr>
-                        <a:t>Causal sets and probabilities</a:t>
+                        <a:t>updated results</a:t>
                       </a:r>
                       <a:endParaRPr lang="en-GB" sz="1800">
                         <a:effectLst/>
-                        <a:latin typeface="Calibri" panose="020F0502020204030204" pitchFamily="34" charset="0"/>
-                        <a:ea typeface="SimSun" panose="02010600030101010101" pitchFamily="2" charset="-122"/>
+                        <a:latin typeface="Cambria" panose="02040503050406030204" pitchFamily="18" charset="0"/>
+                        <a:ea typeface="Cambria" panose="02040503050406030204" pitchFamily="18" charset="0"/>
                         <a:cs typeface="Times New Roman" panose="02020603050405020304" pitchFamily="18" charset="0"/>
                       </a:endParaRPr>
                     </a:p>
@@ -4454,23 +4747,26 @@
                     <a:lstStyle/>
                     <a:p>
                       <a:pPr>
-                        <a:lnSpc>
-                          <a:spcPct val="115000"/>
-                        </a:lnSpc>
+                        <a:spcBef>
+                          <a:spcPts val="180"/>
+                        </a:spcBef>
                         <a:spcAft>
-                          <a:spcPts val="0"/>
+                          <a:spcPts val="180"/>
                         </a:spcAft>
                       </a:pPr>
                       <a:r>
-                        <a:rPr lang="en-GB" sz="1800">
+                        <a:rPr lang="en-US" sz="1800">
                           <a:effectLst/>
+                          <a:latin typeface="Cambria" panose="02040503050406030204" pitchFamily="18" charset="0"/>
+                          <a:ea typeface="Cambria" panose="02040503050406030204" pitchFamily="18" charset="0"/>
+                          <a:cs typeface="Times New Roman" panose="02020603050405020304" pitchFamily="18" charset="0"/>
                         </a:rPr>
-                        <a:t>Hormozdiari, et al. (2014)</a:t>
+                        <a:t>Huang, et al. (2017)</a:t>
                       </a:r>
                       <a:endParaRPr lang="en-GB" sz="1800">
                         <a:effectLst/>
-                        <a:latin typeface="Calibri" panose="020F0502020204030204" pitchFamily="34" charset="0"/>
-                        <a:ea typeface="SimSun" panose="02010600030101010101" pitchFamily="2" charset="-122"/>
+                        <a:latin typeface="Cambria" panose="02040503050406030204" pitchFamily="18" charset="0"/>
+                        <a:ea typeface="Cambria" panose="02040503050406030204" pitchFamily="18" charset="0"/>
                         <a:cs typeface="Times New Roman" panose="02020603050405020304" pitchFamily="18" charset="0"/>
                       </a:endParaRPr>
                     </a:p>
@@ -4479,34 +4775,37 @@
                 </a:tc>
                 <a:extLst>
                   <a:ext uri="{0D108BD9-81ED-4DB2-BD59-A6C34878D82A}">
-                    <a16:rowId xmlns="" xmlns:a16="http://schemas.microsoft.com/office/drawing/2014/main" val="343788099"/>
+                    <a16:rowId xmlns:a16="http://schemas.microsoft.com/office/drawing/2014/main" val="107777099"/>
                   </a:ext>
                 </a:extLst>
               </a:tr>
-              <a:tr h="711569">
+              <a:tr h="544272">
                 <a:tc>
                   <a:txBody>
                     <a:bodyPr/>
                     <a:lstStyle/>
                     <a:p>
                       <a:pPr>
-                        <a:lnSpc>
-                          <a:spcPct val="115000"/>
-                        </a:lnSpc>
+                        <a:spcBef>
+                          <a:spcPts val="180"/>
+                        </a:spcBef>
                         <a:spcAft>
-                          <a:spcPts val="0"/>
+                          <a:spcPts val="180"/>
                         </a:spcAft>
                       </a:pPr>
                       <a:r>
-                        <a:rPr lang="en-GB" sz="1800">
+                        <a:rPr lang="en-US" sz="1800">
                           <a:effectLst/>
+                          <a:latin typeface="Cambria" panose="02040503050406030204" pitchFamily="18" charset="0"/>
+                          <a:ea typeface="Cambria" panose="02040503050406030204" pitchFamily="18" charset="0"/>
+                          <a:cs typeface="Times New Roman" panose="02020603050405020304" pitchFamily="18" charset="0"/>
                         </a:rPr>
-                        <a:t>CAVIARBF</a:t>
+                        <a:t>JAM</a:t>
                       </a:r>
                       <a:endParaRPr lang="en-GB" sz="1800">
                         <a:effectLst/>
-                        <a:latin typeface="Calibri" panose="020F0502020204030204" pitchFamily="34" charset="0"/>
-                        <a:ea typeface="SimSun" panose="02010600030101010101" pitchFamily="2" charset="-122"/>
+                        <a:latin typeface="Cambria" panose="02040503050406030204" pitchFamily="18" charset="0"/>
+                        <a:ea typeface="Cambria" panose="02040503050406030204" pitchFamily="18" charset="0"/>
                         <a:cs typeface="Times New Roman" panose="02020603050405020304" pitchFamily="18" charset="0"/>
                       </a:endParaRPr>
                     </a:p>
@@ -4519,23 +4818,26 @@
                     <a:lstStyle/>
                     <a:p>
                       <a:pPr>
-                        <a:lnSpc>
-                          <a:spcPct val="115000"/>
-                        </a:lnSpc>
+                        <a:spcBef>
+                          <a:spcPts val="180"/>
+                        </a:spcBef>
                         <a:spcAft>
-                          <a:spcPts val="0"/>
+                          <a:spcPts val="180"/>
                         </a:spcAft>
                       </a:pPr>
                       <a:r>
-                        <a:rPr lang="en-GB" sz="1800">
+                        <a:rPr lang="en-US" sz="1800">
                           <a:effectLst/>
+                          <a:latin typeface="Cambria" panose="02040503050406030204" pitchFamily="18" charset="0"/>
+                          <a:ea typeface="Cambria" panose="02040503050406030204" pitchFamily="18" charset="0"/>
+                          <a:cs typeface="Times New Roman" panose="02020603050405020304" pitchFamily="18" charset="0"/>
                         </a:rPr>
                         <a:t>finemapping</a:t>
                       </a:r>
                       <a:endParaRPr lang="en-GB" sz="1800">
                         <a:effectLst/>
-                        <a:latin typeface="Calibri" panose="020F0502020204030204" pitchFamily="34" charset="0"/>
-                        <a:ea typeface="SimSun" panose="02010600030101010101" pitchFamily="2" charset="-122"/>
+                        <a:latin typeface="Cambria" panose="02040503050406030204" pitchFamily="18" charset="0"/>
+                        <a:ea typeface="Cambria" panose="02040503050406030204" pitchFamily="18" charset="0"/>
                         <a:cs typeface="Times New Roman" panose="02020603050405020304" pitchFamily="18" charset="0"/>
                       </a:endParaRPr>
                     </a:p>
@@ -4548,23 +4850,26 @@
                     <a:lstStyle/>
                     <a:p>
                       <a:pPr>
-                        <a:lnSpc>
-                          <a:spcPct val="115000"/>
-                        </a:lnSpc>
+                        <a:spcBef>
+                          <a:spcPts val="180"/>
+                        </a:spcBef>
                         <a:spcAft>
-                          <a:spcPts val="0"/>
+                          <a:spcPts val="180"/>
                         </a:spcAft>
                       </a:pPr>
                       <a:r>
-                        <a:rPr lang="en-GB" sz="1800">
+                        <a:rPr lang="en-US" sz="1800">
                           <a:effectLst/>
+                          <a:latin typeface="Cambria" panose="02040503050406030204" pitchFamily="18" charset="0"/>
+                          <a:ea typeface="Cambria" panose="02040503050406030204" pitchFamily="18" charset="0"/>
+                          <a:cs typeface="Times New Roman" panose="02020603050405020304" pitchFamily="18" charset="0"/>
                         </a:rPr>
-                        <a:t>z, correlation matrix</a:t>
+                        <a:t>beta, individual reference data</a:t>
                       </a:r>
                       <a:endParaRPr lang="en-GB" sz="1800">
                         <a:effectLst/>
-                        <a:latin typeface="Calibri" panose="020F0502020204030204" pitchFamily="34" charset="0"/>
-                        <a:ea typeface="SimSun" panose="02010600030101010101" pitchFamily="2" charset="-122"/>
+                        <a:latin typeface="Cambria" panose="02040503050406030204" pitchFamily="18" charset="0"/>
+                        <a:ea typeface="Cambria" panose="02040503050406030204" pitchFamily="18" charset="0"/>
                         <a:cs typeface="Times New Roman" panose="02020603050405020304" pitchFamily="18" charset="0"/>
                       </a:endParaRPr>
                     </a:p>
@@ -4577,23 +4882,26 @@
                     <a:lstStyle/>
                     <a:p>
                       <a:pPr>
-                        <a:lnSpc>
-                          <a:spcPct val="115000"/>
-                        </a:lnSpc>
+                        <a:spcBef>
+                          <a:spcPts val="180"/>
+                        </a:spcBef>
                         <a:spcAft>
-                          <a:spcPts val="0"/>
+                          <a:spcPts val="180"/>
                         </a:spcAft>
                       </a:pPr>
                       <a:r>
-                        <a:rPr lang="en-GB" sz="1800">
+                        <a:rPr lang="en-US" sz="1800">
                           <a:effectLst/>
+                          <a:latin typeface="Cambria" panose="02040503050406030204" pitchFamily="18" charset="0"/>
+                          <a:ea typeface="Cambria" panose="02040503050406030204" pitchFamily="18" charset="0"/>
+                          <a:cs typeface="Times New Roman" panose="02020603050405020304" pitchFamily="18" charset="0"/>
                         </a:rPr>
-                        <a:t>BF+probabilities for all configurations</a:t>
+                        <a:t>Bayes Factor of being causal</a:t>
                       </a:r>
                       <a:endParaRPr lang="en-GB" sz="1800">
                         <a:effectLst/>
-                        <a:latin typeface="Calibri" panose="020F0502020204030204" pitchFamily="34" charset="0"/>
-                        <a:ea typeface="SimSun" panose="02010600030101010101" pitchFamily="2" charset="-122"/>
+                        <a:latin typeface="Cambria" panose="02040503050406030204" pitchFamily="18" charset="0"/>
+                        <a:ea typeface="Cambria" panose="02040503050406030204" pitchFamily="18" charset="0"/>
                         <a:cs typeface="Times New Roman" panose="02020603050405020304" pitchFamily="18" charset="0"/>
                       </a:endParaRPr>
                     </a:p>
@@ -4606,23 +4914,26 @@
                     <a:lstStyle/>
                     <a:p>
                       <a:pPr>
-                        <a:lnSpc>
-                          <a:spcPct val="115000"/>
-                        </a:lnSpc>
+                        <a:spcBef>
+                          <a:spcPts val="180"/>
+                        </a:spcBef>
                         <a:spcAft>
-                          <a:spcPts val="0"/>
+                          <a:spcPts val="180"/>
                         </a:spcAft>
                       </a:pPr>
                       <a:r>
-                        <a:rPr lang="en-GB" sz="1800">
+                        <a:rPr lang="en-US" sz="1800">
                           <a:effectLst/>
+                          <a:latin typeface="Cambria" panose="02040503050406030204" pitchFamily="18" charset="0"/>
+                          <a:ea typeface="Cambria" panose="02040503050406030204" pitchFamily="18" charset="0"/>
+                          <a:cs typeface="Times New Roman" panose="02020603050405020304" pitchFamily="18" charset="0"/>
                         </a:rPr>
-                        <a:t>Chen, et al. (2015)</a:t>
+                        <a:t>Newcombe, et al. (2016)</a:t>
                       </a:r>
                       <a:endParaRPr lang="en-GB" sz="1800">
                         <a:effectLst/>
-                        <a:latin typeface="Calibri" panose="020F0502020204030204" pitchFamily="34" charset="0"/>
-                        <a:ea typeface="SimSun" panose="02010600030101010101" pitchFamily="2" charset="-122"/>
+                        <a:latin typeface="Cambria" panose="02040503050406030204" pitchFamily="18" charset="0"/>
+                        <a:ea typeface="Cambria" panose="02040503050406030204" pitchFamily="18" charset="0"/>
                         <a:cs typeface="Times New Roman" panose="02020603050405020304" pitchFamily="18" charset="0"/>
                       </a:endParaRPr>
                     </a:p>
@@ -4631,34 +4942,37 @@
                 </a:tc>
                 <a:extLst>
                   <a:ext uri="{0D108BD9-81ED-4DB2-BD59-A6C34878D82A}">
-                    <a16:rowId xmlns="" xmlns:a16="http://schemas.microsoft.com/office/drawing/2014/main" val="811095476"/>
+                    <a16:rowId xmlns:a16="http://schemas.microsoft.com/office/drawing/2014/main" val="4196587497"/>
                   </a:ext>
                 </a:extLst>
               </a:tr>
-              <a:tr h="711569">
+              <a:tr h="544272">
                 <a:tc>
                   <a:txBody>
                     <a:bodyPr/>
                     <a:lstStyle/>
                     <a:p>
                       <a:pPr>
-                        <a:lnSpc>
-                          <a:spcPct val="115000"/>
-                        </a:lnSpc>
+                        <a:spcBef>
+                          <a:spcPts val="180"/>
+                        </a:spcBef>
                         <a:spcAft>
-                          <a:spcPts val="0"/>
+                          <a:spcPts val="180"/>
                         </a:spcAft>
                       </a:pPr>
                       <a:r>
-                        <a:rPr lang="en-GB" sz="1800">
+                        <a:rPr lang="en-US" sz="1800">
                           <a:effectLst/>
+                          <a:latin typeface="Cambria" panose="02040503050406030204" pitchFamily="18" charset="0"/>
+                          <a:ea typeface="Cambria" panose="02040503050406030204" pitchFamily="18" charset="0"/>
+                          <a:cs typeface="Times New Roman" panose="02020603050405020304" pitchFamily="18" charset="0"/>
                         </a:rPr>
-                        <a:t>FM-summary</a:t>
+                        <a:t>LocusZoom</a:t>
                       </a:r>
                       <a:endParaRPr lang="en-GB" sz="1800">
                         <a:effectLst/>
-                        <a:latin typeface="Calibri" panose="020F0502020204030204" pitchFamily="34" charset="0"/>
-                        <a:ea typeface="SimSun" panose="02010600030101010101" pitchFamily="2" charset="-122"/>
+                        <a:latin typeface="Cambria" panose="02040503050406030204" pitchFamily="18" charset="0"/>
+                        <a:ea typeface="Cambria" panose="02040503050406030204" pitchFamily="18" charset="0"/>
                         <a:cs typeface="Times New Roman" panose="02020603050405020304" pitchFamily="18" charset="0"/>
                       </a:endParaRPr>
                     </a:p>
@@ -4671,23 +4985,26 @@
                     <a:lstStyle/>
                     <a:p>
                       <a:pPr>
-                        <a:lnSpc>
-                          <a:spcPct val="115000"/>
-                        </a:lnSpc>
+                        <a:spcBef>
+                          <a:spcPts val="180"/>
+                        </a:spcBef>
                         <a:spcAft>
-                          <a:spcPts val="0"/>
+                          <a:spcPts val="180"/>
                         </a:spcAft>
                       </a:pPr>
                       <a:r>
-                        <a:rPr lang="en-GB" sz="1800">
+                        <a:rPr lang="en-US" sz="1800">
                           <a:effectLst/>
+                          <a:latin typeface="Cambria" panose="02040503050406030204" pitchFamily="18" charset="0"/>
+                          <a:ea typeface="Cambria" panose="02040503050406030204" pitchFamily="18" charset="0"/>
+                          <a:cs typeface="Times New Roman" panose="02020603050405020304" pitchFamily="18" charset="0"/>
                         </a:rPr>
-                        <a:t>finemapping</a:t>
+                        <a:t>regional plot</a:t>
                       </a:r>
                       <a:endParaRPr lang="en-GB" sz="1800">
                         <a:effectLst/>
-                        <a:latin typeface="Calibri" panose="020F0502020204030204" pitchFamily="34" charset="0"/>
-                        <a:ea typeface="SimSun" panose="02010600030101010101" pitchFamily="2" charset="-122"/>
+                        <a:latin typeface="Cambria" panose="02040503050406030204" pitchFamily="18" charset="0"/>
+                        <a:ea typeface="Cambria" panose="02040503050406030204" pitchFamily="18" charset="0"/>
                         <a:cs typeface="Times New Roman" panose="02020603050405020304" pitchFamily="18" charset="0"/>
                       </a:endParaRPr>
                     </a:p>
@@ -4700,23 +5017,26 @@
                     <a:lstStyle/>
                     <a:p>
                       <a:pPr>
-                        <a:lnSpc>
-                          <a:spcPct val="115000"/>
-                        </a:lnSpc>
+                        <a:spcBef>
+                          <a:spcPts val="180"/>
+                        </a:spcBef>
                         <a:spcAft>
-                          <a:spcPts val="0"/>
+                          <a:spcPts val="180"/>
                         </a:spcAft>
                       </a:pPr>
                       <a:r>
-                        <a:rPr lang="en-GB" sz="1800">
+                        <a:rPr lang="en-US" sz="1800">
                           <a:effectLst/>
+                          <a:latin typeface="Cambria" panose="02040503050406030204" pitchFamily="18" charset="0"/>
+                          <a:ea typeface="Cambria" panose="02040503050406030204" pitchFamily="18" charset="0"/>
+                          <a:cs typeface="Times New Roman" panose="02020603050405020304" pitchFamily="18" charset="0"/>
                         </a:rPr>
-                        <a:t>.sumstats</a:t>
+                        <a:t>partial .sumstats</a:t>
                       </a:r>
                       <a:endParaRPr lang="en-GB" sz="1800">
                         <a:effectLst/>
-                        <a:latin typeface="Calibri" panose="020F0502020204030204" pitchFamily="34" charset="0"/>
-                        <a:ea typeface="SimSun" panose="02010600030101010101" pitchFamily="2" charset="-122"/>
+                        <a:latin typeface="Cambria" panose="02040503050406030204" pitchFamily="18" charset="0"/>
+                        <a:ea typeface="Cambria" panose="02040503050406030204" pitchFamily="18" charset="0"/>
                         <a:cs typeface="Times New Roman" panose="02020603050405020304" pitchFamily="18" charset="0"/>
                       </a:endParaRPr>
                     </a:p>
@@ -4729,23 +5049,26 @@
                     <a:lstStyle/>
                     <a:p>
                       <a:pPr>
-                        <a:lnSpc>
-                          <a:spcPct val="115000"/>
-                        </a:lnSpc>
+                        <a:spcBef>
+                          <a:spcPts val="180"/>
+                        </a:spcBef>
                         <a:spcAft>
-                          <a:spcPts val="0"/>
+                          <a:spcPts val="180"/>
                         </a:spcAft>
                       </a:pPr>
                       <a:r>
-                        <a:rPr lang="en-GB" sz="1800">
+                        <a:rPr lang="en-US" sz="1800">
                           <a:effectLst/>
+                          <a:latin typeface="Cambria" panose="02040503050406030204" pitchFamily="18" charset="0"/>
+                          <a:ea typeface="Cambria" panose="02040503050406030204" pitchFamily="18" charset="0"/>
+                          <a:cs typeface="Times New Roman" panose="02020603050405020304" pitchFamily="18" charset="0"/>
                         </a:rPr>
-                        <a:t>Association results</a:t>
+                        <a:t>.pdf/.png plots</a:t>
                       </a:r>
                       <a:endParaRPr lang="en-GB" sz="1800">
                         <a:effectLst/>
-                        <a:latin typeface="Calibri" panose="020F0502020204030204" pitchFamily="34" charset="0"/>
-                        <a:ea typeface="SimSun" panose="02010600030101010101" pitchFamily="2" charset="-122"/>
+                        <a:latin typeface="Cambria" panose="02040503050406030204" pitchFamily="18" charset="0"/>
+                        <a:ea typeface="Cambria" panose="02040503050406030204" pitchFamily="18" charset="0"/>
                         <a:cs typeface="Times New Roman" panose="02020603050405020304" pitchFamily="18" charset="0"/>
                       </a:endParaRPr>
                     </a:p>
@@ -4758,23 +5081,26 @@
                     <a:lstStyle/>
                     <a:p>
                       <a:pPr>
-                        <a:lnSpc>
-                          <a:spcPct val="115000"/>
-                        </a:lnSpc>
+                        <a:spcBef>
+                          <a:spcPts val="180"/>
+                        </a:spcBef>
                         <a:spcAft>
-                          <a:spcPts val="0"/>
+                          <a:spcPts val="180"/>
                         </a:spcAft>
                       </a:pPr>
                       <a:r>
-                        <a:rPr lang="en-GB" sz="1800">
+                        <a:rPr lang="en-US" sz="1800">
                           <a:effectLst/>
+                          <a:latin typeface="Cambria" panose="02040503050406030204" pitchFamily="18" charset="0"/>
+                          <a:ea typeface="Cambria" panose="02040503050406030204" pitchFamily="18" charset="0"/>
+                          <a:cs typeface="Times New Roman" panose="02020603050405020304" pitchFamily="18" charset="0"/>
                         </a:rPr>
-                        <a:t>GitHub download</a:t>
+                        <a:t>Pruim, et al. (2010)</a:t>
                       </a:r>
                       <a:endParaRPr lang="en-GB" sz="1800">
                         <a:effectLst/>
-                        <a:latin typeface="Calibri" panose="020F0502020204030204" pitchFamily="34" charset="0"/>
-                        <a:ea typeface="SimSun" panose="02010600030101010101" pitchFamily="2" charset="-122"/>
+                        <a:latin typeface="Cambria" panose="02040503050406030204" pitchFamily="18" charset="0"/>
+                        <a:ea typeface="Cambria" panose="02040503050406030204" pitchFamily="18" charset="0"/>
                         <a:cs typeface="Times New Roman" panose="02020603050405020304" pitchFamily="18" charset="0"/>
                       </a:endParaRPr>
                     </a:p>
@@ -4783,34 +5109,37 @@
                 </a:tc>
                 <a:extLst>
                   <a:ext uri="{0D108BD9-81ED-4DB2-BD59-A6C34878D82A}">
-                    <a16:rowId xmlns="" xmlns:a16="http://schemas.microsoft.com/office/drawing/2014/main" val="2318073915"/>
+                    <a16:rowId xmlns:a16="http://schemas.microsoft.com/office/drawing/2014/main" val="3973535048"/>
                   </a:ext>
                 </a:extLst>
               </a:tr>
-              <a:tr h="711569">
+              <a:tr h="544272">
                 <a:tc>
                   <a:txBody>
                     <a:bodyPr/>
                     <a:lstStyle/>
                     <a:p>
                       <a:pPr>
-                        <a:lnSpc>
-                          <a:spcPct val="115000"/>
-                        </a:lnSpc>
+                        <a:spcBef>
+                          <a:spcPts val="180"/>
+                        </a:spcBef>
                         <a:spcAft>
-                          <a:spcPts val="0"/>
+                          <a:spcPts val="180"/>
                         </a:spcAft>
                       </a:pPr>
                       <a:r>
-                        <a:rPr lang="en-GB" sz="1800">
+                        <a:rPr lang="en-US" sz="1800">
                           <a:effectLst/>
+                          <a:latin typeface="Cambria" panose="02040503050406030204" pitchFamily="18" charset="0"/>
+                          <a:ea typeface="Cambria" panose="02040503050406030204" pitchFamily="18" charset="0"/>
+                          <a:cs typeface="Times New Roman" panose="02020603050405020304" pitchFamily="18" charset="0"/>
                         </a:rPr>
-                        <a:t>GCTA</a:t>
+                        <a:t>fgwas</a:t>
                       </a:r>
                       <a:endParaRPr lang="en-GB" sz="1800">
                         <a:effectLst/>
-                        <a:latin typeface="Calibri" panose="020F0502020204030204" pitchFamily="34" charset="0"/>
-                        <a:ea typeface="SimSun" panose="02010600030101010101" pitchFamily="2" charset="-122"/>
+                        <a:latin typeface="Cambria" panose="02040503050406030204" pitchFamily="18" charset="0"/>
+                        <a:ea typeface="Cambria" panose="02040503050406030204" pitchFamily="18" charset="0"/>
                         <a:cs typeface="Times New Roman" panose="02020603050405020304" pitchFamily="18" charset="0"/>
                       </a:endParaRPr>
                     </a:p>
@@ -4823,23 +5152,26 @@
                     <a:lstStyle/>
                     <a:p>
                       <a:pPr>
-                        <a:lnSpc>
-                          <a:spcPct val="115000"/>
-                        </a:lnSpc>
+                        <a:spcBef>
+                          <a:spcPts val="180"/>
+                        </a:spcBef>
                         <a:spcAft>
-                          <a:spcPts val="0"/>
+                          <a:spcPts val="180"/>
                         </a:spcAft>
                       </a:pPr>
                       <a:r>
-                        <a:rPr lang="en-GB" sz="1800">
+                        <a:rPr lang="en-US" sz="1800">
                           <a:effectLst/>
+                          <a:latin typeface="Cambria" panose="02040503050406030204" pitchFamily="18" charset="0"/>
+                          <a:ea typeface="Cambria" panose="02040503050406030204" pitchFamily="18" charset="0"/>
+                          <a:cs typeface="Times New Roman" panose="02020603050405020304" pitchFamily="18" charset="0"/>
                         </a:rPr>
-                        <a:t>joint/conditional analysis</a:t>
+                        <a:t>functional GWAS</a:t>
                       </a:r>
                       <a:endParaRPr lang="en-GB" sz="1800">
                         <a:effectLst/>
-                        <a:latin typeface="Calibri" panose="020F0502020204030204" pitchFamily="34" charset="0"/>
-                        <a:ea typeface="SimSun" panose="02010600030101010101" pitchFamily="2" charset="-122"/>
+                        <a:latin typeface="Cambria" panose="02040503050406030204" pitchFamily="18" charset="0"/>
+                        <a:ea typeface="Cambria" panose="02040503050406030204" pitchFamily="18" charset="0"/>
                         <a:cs typeface="Times New Roman" panose="02020603050405020304" pitchFamily="18" charset="0"/>
                       </a:endParaRPr>
                     </a:p>
@@ -4852,23 +5184,23 @@
                     <a:lstStyle/>
                     <a:p>
                       <a:pPr>
-                        <a:lnSpc>
-                          <a:spcPct val="115000"/>
-                        </a:lnSpc>
                         <a:spcAft>
-                          <a:spcPts val="0"/>
+                          <a:spcPts val="1000"/>
                         </a:spcAft>
                       </a:pPr>
                       <a:r>
-                        <a:rPr lang="en-GB" sz="1800">
+                        <a:rPr lang="en-US" sz="1800">
                           <a:effectLst/>
+                          <a:latin typeface="Cambria" panose="02040503050406030204" pitchFamily="18" charset="0"/>
+                          <a:ea typeface="Cambria" panose="02040503050406030204" pitchFamily="18" charset="0"/>
+                          <a:cs typeface="Times New Roman" panose="02020603050405020304" pitchFamily="18" charset="0"/>
                         </a:rPr>
-                        <a:t>.sumstats, reference data</a:t>
+                        <a:t> </a:t>
                       </a:r>
                       <a:endParaRPr lang="en-GB" sz="1800">
                         <a:effectLst/>
-                        <a:latin typeface="Calibri" panose="020F0502020204030204" pitchFamily="34" charset="0"/>
-                        <a:ea typeface="SimSun" panose="02010600030101010101" pitchFamily="2" charset="-122"/>
+                        <a:latin typeface="Cambria" panose="02040503050406030204" pitchFamily="18" charset="0"/>
+                        <a:ea typeface="Cambria" panose="02040503050406030204" pitchFamily="18" charset="0"/>
                         <a:cs typeface="Times New Roman" panose="02020603050405020304" pitchFamily="18" charset="0"/>
                       </a:endParaRPr>
                     </a:p>
@@ -4881,23 +5213,23 @@
                     <a:lstStyle/>
                     <a:p>
                       <a:pPr>
-                        <a:lnSpc>
-                          <a:spcPct val="115000"/>
-                        </a:lnSpc>
                         <a:spcAft>
-                          <a:spcPts val="0"/>
+                          <a:spcPts val="1000"/>
                         </a:spcAft>
                       </a:pPr>
                       <a:r>
-                        <a:rPr lang="en-GB" sz="1800">
+                        <a:rPr lang="en-US" sz="1800">
                           <a:effectLst/>
+                          <a:latin typeface="Cambria" panose="02040503050406030204" pitchFamily="18" charset="0"/>
+                          <a:ea typeface="Cambria" panose="02040503050406030204" pitchFamily="18" charset="0"/>
+                          <a:cs typeface="Times New Roman" panose="02020603050405020304" pitchFamily="18" charset="0"/>
                         </a:rPr>
-                        <a:t>Association results</a:t>
+                        <a:t> </a:t>
                       </a:r>
                       <a:endParaRPr lang="en-GB" sz="1800">
                         <a:effectLst/>
-                        <a:latin typeface="Calibri" panose="020F0502020204030204" pitchFamily="34" charset="0"/>
-                        <a:ea typeface="SimSun" panose="02010600030101010101" pitchFamily="2" charset="-122"/>
+                        <a:latin typeface="Cambria" panose="02040503050406030204" pitchFamily="18" charset="0"/>
+                        <a:ea typeface="Cambria" panose="02040503050406030204" pitchFamily="18" charset="0"/>
                         <a:cs typeface="Times New Roman" panose="02020603050405020304" pitchFamily="18" charset="0"/>
                       </a:endParaRPr>
                     </a:p>
@@ -4910,23 +5242,26 @@
                     <a:lstStyle/>
                     <a:p>
                       <a:pPr>
-                        <a:lnSpc>
-                          <a:spcPct val="115000"/>
-                        </a:lnSpc>
+                        <a:spcBef>
+                          <a:spcPts val="180"/>
+                        </a:spcBef>
                         <a:spcAft>
-                          <a:spcPts val="0"/>
+                          <a:spcPts val="180"/>
                         </a:spcAft>
                       </a:pPr>
                       <a:r>
-                        <a:rPr lang="en-GB" sz="1800">
+                        <a:rPr lang="en-US" sz="1800">
                           <a:effectLst/>
+                          <a:latin typeface="Cambria" panose="02040503050406030204" pitchFamily="18" charset="0"/>
+                          <a:ea typeface="Cambria" panose="02040503050406030204" pitchFamily="18" charset="0"/>
+                          <a:cs typeface="Times New Roman" panose="02020603050405020304" pitchFamily="18" charset="0"/>
                         </a:rPr>
-                        <a:t>Yang, et al. (2012)</a:t>
+                        <a:t>Pickrell (2014)</a:t>
                       </a:r>
                       <a:endParaRPr lang="en-GB" sz="1800">
                         <a:effectLst/>
-                        <a:latin typeface="Calibri" panose="020F0502020204030204" pitchFamily="34" charset="0"/>
-                        <a:ea typeface="SimSun" panose="02010600030101010101" pitchFamily="2" charset="-122"/>
+                        <a:latin typeface="Cambria" panose="02040503050406030204" pitchFamily="18" charset="0"/>
+                        <a:ea typeface="Cambria" panose="02040503050406030204" pitchFamily="18" charset="0"/>
                         <a:cs typeface="Times New Roman" panose="02020603050405020304" pitchFamily="18" charset="0"/>
                       </a:endParaRPr>
                     </a:p>
@@ -4935,40 +5270,37 @@
                 </a:tc>
                 <a:extLst>
                   <a:ext uri="{0D108BD9-81ED-4DB2-BD59-A6C34878D82A}">
-                    <a16:rowId xmlns="" xmlns:a16="http://schemas.microsoft.com/office/drawing/2014/main" val="704140062"/>
+                    <a16:rowId xmlns:a16="http://schemas.microsoft.com/office/drawing/2014/main" val="4184079262"/>
                   </a:ext>
                 </a:extLst>
               </a:tr>
-              <a:tr h="345040">
+              <a:tr h="544272">
                 <a:tc>
                   <a:txBody>
                     <a:bodyPr/>
                     <a:lstStyle/>
                     <a:p>
                       <a:pPr>
-                        <a:lnSpc>
-                          <a:spcPct val="115000"/>
-                        </a:lnSpc>
+                        <a:spcBef>
+                          <a:spcPts val="180"/>
+                        </a:spcBef>
                         <a:spcAft>
-                          <a:spcPts val="0"/>
+                          <a:spcPts val="180"/>
                         </a:spcAft>
                       </a:pPr>
                       <a:r>
-                        <a:rPr lang="en-GB" sz="1800" dirty="0" err="1">
+                        <a:rPr lang="en-US" sz="1800">
                           <a:effectLst/>
+                          <a:latin typeface="Cambria" panose="02040503050406030204" pitchFamily="18" charset="0"/>
+                          <a:ea typeface="Cambria" panose="02040503050406030204" pitchFamily="18" charset="0"/>
+                          <a:cs typeface="Times New Roman" panose="02020603050405020304" pitchFamily="18" charset="0"/>
                         </a:rPr>
-                        <a:t>f</a:t>
+                        <a:t>finemap</a:t>
                       </a:r>
-                      <a:r>
-                        <a:rPr lang="en-GB" sz="1800" dirty="0" err="1" smtClean="0">
-                          <a:effectLst/>
-                        </a:rPr>
-                        <a:t>gwas</a:t>
-                      </a:r>
-                      <a:endParaRPr lang="en-GB" sz="1800" dirty="0">
+                      <a:endParaRPr lang="en-GB" sz="1800">
                         <a:effectLst/>
-                        <a:latin typeface="Calibri" panose="020F0502020204030204" pitchFamily="34" charset="0"/>
-                        <a:ea typeface="SimSun" panose="02010600030101010101" pitchFamily="2" charset="-122"/>
+                        <a:latin typeface="Cambria" panose="02040503050406030204" pitchFamily="18" charset="0"/>
+                        <a:ea typeface="Cambria" panose="02040503050406030204" pitchFamily="18" charset="0"/>
                         <a:cs typeface="Times New Roman" panose="02020603050405020304" pitchFamily="18" charset="0"/>
                       </a:endParaRPr>
                     </a:p>
@@ -4981,23 +5313,26 @@
                     <a:lstStyle/>
                     <a:p>
                       <a:pPr>
-                        <a:lnSpc>
-                          <a:spcPct val="115000"/>
-                        </a:lnSpc>
+                        <a:spcBef>
+                          <a:spcPts val="180"/>
+                        </a:spcBef>
                         <a:spcAft>
-                          <a:spcPts val="0"/>
+                          <a:spcPts val="180"/>
                         </a:spcAft>
                       </a:pPr>
                       <a:r>
-                        <a:rPr lang="en-GB" sz="1800">
+                        <a:rPr lang="en-US" sz="1800">
                           <a:effectLst/>
+                          <a:latin typeface="Cambria" panose="02040503050406030204" pitchFamily="18" charset="0"/>
+                          <a:ea typeface="Cambria" panose="02040503050406030204" pitchFamily="18" charset="0"/>
+                          <a:cs typeface="Times New Roman" panose="02020603050405020304" pitchFamily="18" charset="0"/>
                         </a:rPr>
-                        <a:t>annotation</a:t>
+                        <a:t>finemapping</a:t>
                       </a:r>
                       <a:endParaRPr lang="en-GB" sz="1800">
                         <a:effectLst/>
-                        <a:latin typeface="Calibri" panose="020F0502020204030204" pitchFamily="34" charset="0"/>
-                        <a:ea typeface="SimSun" panose="02010600030101010101" pitchFamily="2" charset="-122"/>
+                        <a:latin typeface="Cambria" panose="02040503050406030204" pitchFamily="18" charset="0"/>
+                        <a:ea typeface="Cambria" panose="02040503050406030204" pitchFamily="18" charset="0"/>
                         <a:cs typeface="Times New Roman" panose="02020603050405020304" pitchFamily="18" charset="0"/>
                       </a:endParaRPr>
                     </a:p>
@@ -5010,23 +5345,26 @@
                     <a:lstStyle/>
                     <a:p>
                       <a:pPr>
-                        <a:lnSpc>
-                          <a:spcPct val="115000"/>
-                        </a:lnSpc>
+                        <a:spcBef>
+                          <a:spcPts val="180"/>
+                        </a:spcBef>
                         <a:spcAft>
-                          <a:spcPts val="0"/>
+                          <a:spcPts val="180"/>
                         </a:spcAft>
                       </a:pPr>
                       <a:r>
-                        <a:rPr lang="en-GB" sz="1800" dirty="0" err="1">
+                        <a:rPr lang="en-US" sz="1800">
                           <a:effectLst/>
+                          <a:latin typeface="Cambria" panose="02040503050406030204" pitchFamily="18" charset="0"/>
+                          <a:ea typeface="Cambria" panose="02040503050406030204" pitchFamily="18" charset="0"/>
+                          <a:cs typeface="Times New Roman" panose="02020603050405020304" pitchFamily="18" charset="0"/>
                         </a:rPr>
-                        <a:t>fgwas</a:t>
+                        <a:t>z, correlation matrix</a:t>
                       </a:r>
-                      <a:endParaRPr lang="en-GB" sz="1800" dirty="0">
+                      <a:endParaRPr lang="en-GB" sz="1800">
                         <a:effectLst/>
-                        <a:latin typeface="Calibri" panose="020F0502020204030204" pitchFamily="34" charset="0"/>
-                        <a:ea typeface="SimSun" panose="02010600030101010101" pitchFamily="2" charset="-122"/>
+                        <a:latin typeface="Cambria" panose="02040503050406030204" pitchFamily="18" charset="0"/>
+                        <a:ea typeface="Cambria" panose="02040503050406030204" pitchFamily="18" charset="0"/>
                         <a:cs typeface="Times New Roman" panose="02020603050405020304" pitchFamily="18" charset="0"/>
                       </a:endParaRPr>
                     </a:p>
@@ -5039,23 +5377,26 @@
                     <a:lstStyle/>
                     <a:p>
                       <a:pPr>
-                        <a:lnSpc>
-                          <a:spcPct val="115000"/>
-                        </a:lnSpc>
+                        <a:spcBef>
+                          <a:spcPts val="180"/>
+                        </a:spcBef>
                         <a:spcAft>
-                          <a:spcPts val="0"/>
+                          <a:spcPts val="180"/>
                         </a:spcAft>
                       </a:pPr>
                       <a:r>
-                        <a:rPr lang="en-GB" sz="1800">
+                        <a:rPr lang="en-US" sz="1800">
                           <a:effectLst/>
+                          <a:latin typeface="Cambria" panose="02040503050406030204" pitchFamily="18" charset="0"/>
+                          <a:ea typeface="Cambria" panose="02040503050406030204" pitchFamily="18" charset="0"/>
+                          <a:cs typeface="Times New Roman" panose="02020603050405020304" pitchFamily="18" charset="0"/>
                         </a:rPr>
-                        <a:t>Annotation</a:t>
+                        <a:t>causal SNPs and configuration</a:t>
                       </a:r>
                       <a:endParaRPr lang="en-GB" sz="1800">
                         <a:effectLst/>
-                        <a:latin typeface="Calibri" panose="020F0502020204030204" pitchFamily="34" charset="0"/>
-                        <a:ea typeface="SimSun" panose="02010600030101010101" pitchFamily="2" charset="-122"/>
+                        <a:latin typeface="Cambria" panose="02040503050406030204" pitchFamily="18" charset="0"/>
+                        <a:ea typeface="Cambria" panose="02040503050406030204" pitchFamily="18" charset="0"/>
                         <a:cs typeface="Times New Roman" panose="02020603050405020304" pitchFamily="18" charset="0"/>
                       </a:endParaRPr>
                     </a:p>
@@ -5068,23 +5409,26 @@
                     <a:lstStyle/>
                     <a:p>
                       <a:pPr>
-                        <a:lnSpc>
-                          <a:spcPct val="115000"/>
-                        </a:lnSpc>
+                        <a:spcBef>
+                          <a:spcPts val="180"/>
+                        </a:spcBef>
                         <a:spcAft>
-                          <a:spcPts val="0"/>
+                          <a:spcPts val="180"/>
                         </a:spcAft>
                       </a:pPr>
                       <a:r>
-                        <a:rPr lang="en-GB" sz="1800" dirty="0" err="1">
+                        <a:rPr lang="en-US" sz="1800" dirty="0">
                           <a:effectLst/>
+                          <a:latin typeface="Cambria" panose="02040503050406030204" pitchFamily="18" charset="0"/>
+                          <a:ea typeface="Cambria" panose="02040503050406030204" pitchFamily="18" charset="0"/>
+                          <a:cs typeface="Times New Roman" panose="02020603050405020304" pitchFamily="18" charset="0"/>
                         </a:rPr>
-                        <a:t>fgwas</a:t>
+                        <a:t>Benner, et al. (2016)</a:t>
                       </a:r>
                       <a:endParaRPr lang="en-GB" sz="1800" dirty="0">
                         <a:effectLst/>
-                        <a:latin typeface="Calibri" panose="020F0502020204030204" pitchFamily="34" charset="0"/>
-                        <a:ea typeface="SimSun" panose="02010600030101010101" pitchFamily="2" charset="-122"/>
+                        <a:latin typeface="Cambria" panose="02040503050406030204" pitchFamily="18" charset="0"/>
+                        <a:ea typeface="Cambria" panose="02040503050406030204" pitchFamily="18" charset="0"/>
                         <a:cs typeface="Times New Roman" panose="02020603050405020304" pitchFamily="18" charset="0"/>
                       </a:endParaRPr>
                     </a:p>
@@ -5093,7 +5437,7 @@
                 </a:tc>
                 <a:extLst>
                   <a:ext uri="{0D108BD9-81ED-4DB2-BD59-A6C34878D82A}">
-                    <a16:rowId xmlns="" xmlns:a16="http://schemas.microsoft.com/office/drawing/2014/main" val="1370594009"/>
+                    <a16:rowId xmlns:a16="http://schemas.microsoft.com/office/drawing/2014/main" val="1549009875"/>
                   </a:ext>
                 </a:extLst>
               </a:tr>
@@ -5111,6 +5455,13 @@
   <p:clrMapOvr>
     <a:masterClrMapping/>
   </p:clrMapOvr>
+  <p:timing>
+    <p:tnLst>
+      <p:par>
+        <p:cTn id="1" dur="indefinite" restart="never" nodeType="tmRoot"/>
+      </p:par>
+    </p:tnLst>
+  </p:timing>
 </p:sld>
 </file>
 
@@ -5367,6 +5718,13 @@
   <p:clrMapOvr>
     <a:masterClrMapping/>
   </p:clrMapOvr>
+  <p:timing>
+    <p:tnLst>
+      <p:par>
+        <p:cTn id="1" dur="indefinite" restart="never" nodeType="tmRoot"/>
+      </p:par>
+    </p:tnLst>
+  </p:timing>
 </p:sld>
 </file>
 
@@ -5405,7 +5763,19 @@
             <a:pPr algn="ctr"/>
             <a:r>
               <a:rPr lang="en-GB" dirty="0" smtClean="0"/>
-              <a:t>Issues for JAM (and possibly all software)</a:t>
+              <a:t>Issues for </a:t>
+            </a:r>
+            <a:r>
+              <a:rPr lang="en-GB" dirty="0" err="1" smtClean="0"/>
+              <a:t>finemap</a:t>
+            </a:r>
+            <a:r>
+              <a:rPr lang="en-GB" dirty="0" smtClean="0"/>
+              <a:t>/JAM (or all </a:t>
+            </a:r>
+            <a:r>
+              <a:rPr lang="en-GB" dirty="0" smtClean="0"/>
+              <a:t>software)</a:t>
             </a:r>
             <a:endParaRPr lang="en-GB" dirty="0"/>
           </a:p>
@@ -5679,6 +6049,13 @@
   <p:clrMapOvr>
     <a:masterClrMapping/>
   </p:clrMapOvr>
+  <p:timing>
+    <p:tnLst>
+      <p:par>
+        <p:cTn id="1" dur="indefinite" restart="never" nodeType="tmRoot"/>
+      </p:par>
+    </p:tnLst>
+  </p:timing>
 </p:sld>
 </file>
 
@@ -5793,6 +6170,13 @@
   <p:clrMapOvr>
     <a:masterClrMapping/>
   </p:clrMapOvr>
+  <p:timing>
+    <p:tnLst>
+      <p:par>
+        <p:cTn id="1" dur="indefinite" restart="never" nodeType="tmRoot"/>
+      </p:par>
+    </p:tnLst>
+  </p:timing>
 </p:sld>
 </file>
 
@@ -6042,6 +6426,13 @@
   <p:clrMapOvr>
     <a:masterClrMapping/>
   </p:clrMapOvr>
+  <p:timing>
+    <p:tnLst>
+      <p:par>
+        <p:cTn id="1" dur="indefinite" restart="never" nodeType="tmRoot"/>
+      </p:par>
+    </p:tnLst>
+  </p:timing>
 </p:sld>
 </file>
 
@@ -6179,63 +6570,63 @@
                 <a:gridCol w="586328">
                   <a:extLst>
                     <a:ext uri="{9D8B030D-6E8A-4147-A177-3AD203B41FA5}">
-                      <a16:colId xmlns="" xmlns:a16="http://schemas.microsoft.com/office/drawing/2014/main" val="1953549286"/>
+                      <a16:colId xmlns:a16="http://schemas.microsoft.com/office/drawing/2014/main" val="1953549286"/>
                     </a:ext>
                   </a:extLst>
                 </a:gridCol>
                 <a:gridCol w="1441911">
                   <a:extLst>
                     <a:ext uri="{9D8B030D-6E8A-4147-A177-3AD203B41FA5}">
-                      <a16:colId xmlns="" xmlns:a16="http://schemas.microsoft.com/office/drawing/2014/main" val="2286925942"/>
+                      <a16:colId xmlns:a16="http://schemas.microsoft.com/office/drawing/2014/main" val="2286925942"/>
                     </a:ext>
                   </a:extLst>
                 </a:gridCol>
                 <a:gridCol w="592568">
                   <a:extLst>
                     <a:ext uri="{9D8B030D-6E8A-4147-A177-3AD203B41FA5}">
-                      <a16:colId xmlns="" xmlns:a16="http://schemas.microsoft.com/office/drawing/2014/main" val="2240166967"/>
+                      <a16:colId xmlns:a16="http://schemas.microsoft.com/office/drawing/2014/main" val="2240166967"/>
                     </a:ext>
                   </a:extLst>
                 </a:gridCol>
                 <a:gridCol w="592568">
                   <a:extLst>
                     <a:ext uri="{9D8B030D-6E8A-4147-A177-3AD203B41FA5}">
-                      <a16:colId xmlns="" xmlns:a16="http://schemas.microsoft.com/office/drawing/2014/main" val="3084119439"/>
+                      <a16:colId xmlns:a16="http://schemas.microsoft.com/office/drawing/2014/main" val="3084119439"/>
                     </a:ext>
                   </a:extLst>
                 </a:gridCol>
                 <a:gridCol w="1035431">
                   <a:extLst>
                     <a:ext uri="{9D8B030D-6E8A-4147-A177-3AD203B41FA5}">
-                      <a16:colId xmlns="" xmlns:a16="http://schemas.microsoft.com/office/drawing/2014/main" val="2439947825"/>
+                      <a16:colId xmlns:a16="http://schemas.microsoft.com/office/drawing/2014/main" val="2439947825"/>
                     </a:ext>
                   </a:extLst>
                 </a:gridCol>
                 <a:gridCol w="1183054">
                   <a:extLst>
                     <a:ext uri="{9D8B030D-6E8A-4147-A177-3AD203B41FA5}">
-                      <a16:colId xmlns="" xmlns:a16="http://schemas.microsoft.com/office/drawing/2014/main" val="756702285"/>
+                      <a16:colId xmlns:a16="http://schemas.microsoft.com/office/drawing/2014/main" val="756702285"/>
                     </a:ext>
                   </a:extLst>
                 </a:gridCol>
                 <a:gridCol w="1035431">
                   <a:extLst>
                     <a:ext uri="{9D8B030D-6E8A-4147-A177-3AD203B41FA5}">
-                      <a16:colId xmlns="" xmlns:a16="http://schemas.microsoft.com/office/drawing/2014/main" val="52909403"/>
+                      <a16:colId xmlns:a16="http://schemas.microsoft.com/office/drawing/2014/main" val="52909403"/>
                     </a:ext>
                   </a:extLst>
                 </a:gridCol>
                 <a:gridCol w="2104131">
                   <a:extLst>
                     <a:ext uri="{9D8B030D-6E8A-4147-A177-3AD203B41FA5}">
-                      <a16:colId xmlns="" xmlns:a16="http://schemas.microsoft.com/office/drawing/2014/main" val="3498582246"/>
+                      <a16:colId xmlns:a16="http://schemas.microsoft.com/office/drawing/2014/main" val="3498582246"/>
                     </a:ext>
                   </a:extLst>
                 </a:gridCol>
                 <a:gridCol w="1042710">
                   <a:extLst>
                     <a:ext uri="{9D8B030D-6E8A-4147-A177-3AD203B41FA5}">
-                      <a16:colId xmlns="" xmlns:a16="http://schemas.microsoft.com/office/drawing/2014/main" val="2633740206"/>
+                      <a16:colId xmlns:a16="http://schemas.microsoft.com/office/drawing/2014/main" val="2633740206"/>
                     </a:ext>
                   </a:extLst>
                 </a:gridCol>
@@ -6504,7 +6895,7 @@
                 </a:tc>
                 <a:extLst>
                   <a:ext uri="{0D108BD9-81ED-4DB2-BD59-A6C34878D82A}">
-                    <a16:rowId xmlns="" xmlns:a16="http://schemas.microsoft.com/office/drawing/2014/main" val="4035685168"/>
+                    <a16:rowId xmlns:a16="http://schemas.microsoft.com/office/drawing/2014/main" val="4035685168"/>
                   </a:ext>
                 </a:extLst>
               </a:tr>
@@ -6778,7 +7169,7 @@
                 </a:tc>
                 <a:extLst>
                   <a:ext uri="{0D108BD9-81ED-4DB2-BD59-A6C34878D82A}">
-                    <a16:rowId xmlns="" xmlns:a16="http://schemas.microsoft.com/office/drawing/2014/main" val="3486077057"/>
+                    <a16:rowId xmlns:a16="http://schemas.microsoft.com/office/drawing/2014/main" val="3486077057"/>
                   </a:ext>
                 </a:extLst>
               </a:tr>
@@ -6796,13 +7187,20 @@
   <p:clrMapOvr>
     <a:masterClrMapping/>
   </p:clrMapOvr>
+  <p:timing>
+    <p:tnLst>
+      <p:par>
+        <p:cTn id="1" dur="indefinite" restart="never" nodeType="tmRoot"/>
+      </p:par>
+    </p:tnLst>
+  </p:timing>
 </p:sld>
 </file>
 
 <file path=ppt/theme/theme1.xml><?xml version="1.0" encoding="utf-8"?>
 <a:theme xmlns:a="http://schemas.openxmlformats.org/drawingml/2006/main" name="Office Theme">
   <a:themeElements>
-    <a:clrScheme name="Office">
+    <a:clrScheme name="Office Theme">
       <a:dk1>
         <a:sysClr val="windowText" lastClr="000000"/>
       </a:dk1>
@@ -6840,7 +7238,7 @@
         <a:srgbClr val="954F72"/>
       </a:folHlink>
     </a:clrScheme>
-    <a:fontScheme name="Office">
+    <a:fontScheme name="Office Theme">
       <a:majorFont>
         <a:latin typeface="Calibri Light" panose="020F0302020204030204"/>
         <a:ea typeface=""/>
@@ -6912,7 +7310,7 @@
         <a:font script="Geor" typeface="Sylfaen"/>
       </a:minorFont>
     </a:fontScheme>
-    <a:fmtScheme name="Office">
+    <a:fmtScheme name="Office Theme">
       <a:fillStyleLst>
         <a:solidFill>
           <a:schemeClr val="phClr"/>
@@ -7054,7 +7452,7 @@
   <a:extraClrSchemeLst/>
   <a:extLst>
     <a:ext uri="{05A4C25C-085E-4340-85A3-A5531E510DB2}">
-      <thm15:themeFamily xmlns="" xmlns:thm15="http://schemas.microsoft.com/office/thememl/2012/main" name="Office Theme" id="{62F939B6-93AF-4DB8-9C6B-D6C7DFDC589F}" vid="{4A3C46E8-61CC-4603-A589-7422A47A8E4A}"/>
+      <thm15:themeFamily xmlns:thm15="http://schemas.microsoft.com/office/thememl/2012/main" name="Office Theme" id="{62F939B6-93AF-4DB8-9C6B-D6C7DFDC589F}" vid="{4A3C46E8-61CC-4603-A589-7422A47A8E4A}"/>
     </a:ext>
   </a:extLst>
 </a:theme>

--- a/README.pptx
+++ b/README.pptx
@@ -265,7 +265,7 @@
           <a:p>
             <a:fld id="{377D33B0-C84D-48FE-B2B4-1B6631A21FD0}" type="datetimeFigureOut">
               <a:rPr lang="en-GB" smtClean="0"/>
-              <a:t>14/11/2017</a:t>
+              <a:t>15/11/2017</a:t>
             </a:fld>
             <a:endParaRPr lang="en-GB"/>
           </a:p>
@@ -435,7 +435,7 @@
           <a:p>
             <a:fld id="{377D33B0-C84D-48FE-B2B4-1B6631A21FD0}" type="datetimeFigureOut">
               <a:rPr lang="en-GB" smtClean="0"/>
-              <a:t>14/11/2017</a:t>
+              <a:t>15/11/2017</a:t>
             </a:fld>
             <a:endParaRPr lang="en-GB"/>
           </a:p>
@@ -615,7 +615,7 @@
           <a:p>
             <a:fld id="{377D33B0-C84D-48FE-B2B4-1B6631A21FD0}" type="datetimeFigureOut">
               <a:rPr lang="en-GB" smtClean="0"/>
-              <a:t>14/11/2017</a:t>
+              <a:t>15/11/2017</a:t>
             </a:fld>
             <a:endParaRPr lang="en-GB"/>
           </a:p>
@@ -785,7 +785,7 @@
           <a:p>
             <a:fld id="{377D33B0-C84D-48FE-B2B4-1B6631A21FD0}" type="datetimeFigureOut">
               <a:rPr lang="en-GB" smtClean="0"/>
-              <a:t>14/11/2017</a:t>
+              <a:t>15/11/2017</a:t>
             </a:fld>
             <a:endParaRPr lang="en-GB"/>
           </a:p>
@@ -1031,7 +1031,7 @@
           <a:p>
             <a:fld id="{377D33B0-C84D-48FE-B2B4-1B6631A21FD0}" type="datetimeFigureOut">
               <a:rPr lang="en-GB" smtClean="0"/>
-              <a:t>14/11/2017</a:t>
+              <a:t>15/11/2017</a:t>
             </a:fld>
             <a:endParaRPr lang="en-GB"/>
           </a:p>
@@ -1263,7 +1263,7 @@
           <a:p>
             <a:fld id="{377D33B0-C84D-48FE-B2B4-1B6631A21FD0}" type="datetimeFigureOut">
               <a:rPr lang="en-GB" smtClean="0"/>
-              <a:t>14/11/2017</a:t>
+              <a:t>15/11/2017</a:t>
             </a:fld>
             <a:endParaRPr lang="en-GB"/>
           </a:p>
@@ -1630,7 +1630,7 @@
           <a:p>
             <a:fld id="{377D33B0-C84D-48FE-B2B4-1B6631A21FD0}" type="datetimeFigureOut">
               <a:rPr lang="en-GB" smtClean="0"/>
-              <a:t>14/11/2017</a:t>
+              <a:t>15/11/2017</a:t>
             </a:fld>
             <a:endParaRPr lang="en-GB"/>
           </a:p>
@@ -1748,7 +1748,7 @@
           <a:p>
             <a:fld id="{377D33B0-C84D-48FE-B2B4-1B6631A21FD0}" type="datetimeFigureOut">
               <a:rPr lang="en-GB" smtClean="0"/>
-              <a:t>14/11/2017</a:t>
+              <a:t>15/11/2017</a:t>
             </a:fld>
             <a:endParaRPr lang="en-GB"/>
           </a:p>
@@ -1843,7 +1843,7 @@
           <a:p>
             <a:fld id="{377D33B0-C84D-48FE-B2B4-1B6631A21FD0}" type="datetimeFigureOut">
               <a:rPr lang="en-GB" smtClean="0"/>
-              <a:t>14/11/2017</a:t>
+              <a:t>15/11/2017</a:t>
             </a:fld>
             <a:endParaRPr lang="en-GB"/>
           </a:p>
@@ -2120,7 +2120,7 @@
           <a:p>
             <a:fld id="{377D33B0-C84D-48FE-B2B4-1B6631A21FD0}" type="datetimeFigureOut">
               <a:rPr lang="en-GB" smtClean="0"/>
-              <a:t>14/11/2017</a:t>
+              <a:t>15/11/2017</a:t>
             </a:fld>
             <a:endParaRPr lang="en-GB"/>
           </a:p>
@@ -2377,7 +2377,7 @@
           <a:p>
             <a:fld id="{377D33B0-C84D-48FE-B2B4-1B6631A21FD0}" type="datetimeFigureOut">
               <a:rPr lang="en-GB" smtClean="0"/>
-              <a:t>14/11/2017</a:t>
+              <a:t>15/11/2017</a:t>
             </a:fld>
             <a:endParaRPr lang="en-GB"/>
           </a:p>
@@ -2590,7 +2590,7 @@
           <a:p>
             <a:fld id="{377D33B0-C84D-48FE-B2B4-1B6631A21FD0}" type="datetimeFigureOut">
               <a:rPr lang="en-GB" smtClean="0"/>
-              <a:t>14/11/2017</a:t>
+              <a:t>15/11/2017</a:t>
             </a:fld>
             <a:endParaRPr lang="en-GB"/>
           </a:p>
@@ -3764,15 +3764,7 @@
             </a:r>
             <a:r>
               <a:rPr lang="en-GB" dirty="0" smtClean="0"/>
-              <a:t>straightforward leading to prolonged </a:t>
-            </a:r>
-            <a:r>
-              <a:rPr lang="en-GB" dirty="0" smtClean="0"/>
-              <a:t>program </a:t>
-            </a:r>
-            <a:r>
-              <a:rPr lang="en-GB" dirty="0" smtClean="0"/>
-              <a:t>debugging.</a:t>
+              <a:t>straightforward leading to prolonged program debugging.</a:t>
             </a:r>
           </a:p>
           <a:p>
@@ -3872,11 +3864,7 @@
             <a:pPr algn="ctr"/>
             <a:r>
               <a:rPr lang="en-GB" dirty="0" smtClean="0"/>
-              <a:t>Software </a:t>
-            </a:r>
-            <a:r>
-              <a:rPr lang="en-GB" dirty="0" smtClean="0"/>
-              <a:t>included in the pipeline</a:t>
+              <a:t>Software included in the pipeline</a:t>
             </a:r>
             <a:endParaRPr lang="en-GB" dirty="0"/>
           </a:p>
@@ -3892,14 +3880,14 @@
             <p:ph idx="1"/>
             <p:extLst>
               <p:ext uri="{D42A27DB-BD31-4B8C-83A1-F6EECF244321}">
-                <p14:modId xmlns:p14="http://schemas.microsoft.com/office/powerpoint/2010/main" val="2024016433"/>
+                <p14:modId xmlns:p14="http://schemas.microsoft.com/office/powerpoint/2010/main" val="3694793524"/>
               </p:ext>
             </p:extLst>
           </p:nvPr>
         </p:nvGraphicFramePr>
         <p:xfrm>
           <a:off x="1004455" y="1446934"/>
-          <a:ext cx="10515600" cy="5198976"/>
+          <a:ext cx="10515600" cy="5064279"/>
         </p:xfrm>
         <a:graphic>
           <a:graphicData uri="http://schemas.openxmlformats.org/drawingml/2006/table">
@@ -3944,7 +3932,7 @@
                   </a:extLst>
                 </a:gridCol>
               </a:tblGrid>
-              <a:tr h="544272">
+              <a:tr h="409575">
                 <a:tc>
                   <a:txBody>
                     <a:bodyPr/>
@@ -3991,7 +3979,7 @@
                         </a:spcAft>
                       </a:pPr>
                       <a:r>
-                        <a:rPr lang="en-US" sz="2000" b="1">
+                        <a:rPr lang="en-US" sz="2000" b="1" dirty="0">
                           <a:effectLst/>
                           <a:latin typeface="Cambria" panose="02040503050406030204" pitchFamily="18" charset="0"/>
                           <a:ea typeface="Cambria" panose="02040503050406030204" pitchFamily="18" charset="0"/>
@@ -3999,7 +3987,7 @@
                         </a:rPr>
                         <a:t>Function</a:t>
                       </a:r>
-                      <a:endParaRPr lang="en-GB" sz="2000">
+                      <a:endParaRPr lang="en-GB" sz="2000" dirty="0">
                         <a:effectLst/>
                         <a:latin typeface="Cambria" panose="02040503050406030204" pitchFamily="18" charset="0"/>
                         <a:ea typeface="Cambria" panose="02040503050406030204" pitchFamily="18" charset="0"/>
@@ -5771,11 +5759,7 @@
             </a:r>
             <a:r>
               <a:rPr lang="en-GB" dirty="0" smtClean="0"/>
-              <a:t>/JAM (or all </a:t>
-            </a:r>
-            <a:r>
-              <a:rPr lang="en-GB" dirty="0" smtClean="0"/>
-              <a:t>software)</a:t>
+              <a:t>/JAM (or all software)</a:t>
             </a:r>
             <a:endParaRPr lang="en-GB" dirty="0"/>
           </a:p>

--- a/README.pptx
+++ b/README.pptx
@@ -3880,14 +3880,14 @@
             <p:ph idx="1"/>
             <p:extLst>
               <p:ext uri="{D42A27DB-BD31-4B8C-83A1-F6EECF244321}">
-                <p14:modId xmlns:p14="http://schemas.microsoft.com/office/powerpoint/2010/main" val="3694793524"/>
+                <p14:modId xmlns:p14="http://schemas.microsoft.com/office/powerpoint/2010/main" val="3047305131"/>
               </p:ext>
             </p:extLst>
           </p:nvPr>
         </p:nvGraphicFramePr>
         <p:xfrm>
           <a:off x="1004455" y="1446934"/>
-          <a:ext cx="10515600" cy="5064279"/>
+          <a:ext cx="10515600" cy="4962679"/>
         </p:xfrm>
         <a:graphic>
           <a:graphicData uri="http://schemas.openxmlformats.org/drawingml/2006/table">
@@ -3932,7 +3932,7 @@
                   </a:extLst>
                 </a:gridCol>
               </a:tblGrid>
-              <a:tr h="409575">
+              <a:tr h="307975">
                 <a:tc>
                   <a:txBody>
                     <a:bodyPr/>

--- a/README.pptx
+++ b/README.pptx
@@ -134,6 +134,10 @@
 </p:presentation>
 </file>
 
+<file path=ppt/revisionInfo.xml><?xml version="1.0" encoding="utf-8"?>
+<p1510:revInfo xmlns:a="http://schemas.openxmlformats.org/drawingml/2006/main" xmlns:r="http://schemas.openxmlformats.org/officeDocument/2006/relationships" xmlns:p1510="http://schemas.microsoft.com/office/powerpoint/2015/10/main"/>
+</file>
+
 <file path=ppt/slideLayouts/slideLayout1.xml><?xml version="1.0" encoding="utf-8"?>
 <p:sldLayout xmlns:a="http://schemas.openxmlformats.org/drawingml/2006/main" xmlns:r="http://schemas.openxmlformats.org/officeDocument/2006/relationships" xmlns:p="http://schemas.openxmlformats.org/presentationml/2006/main" type="title" preserve="1">
   <p:cSld name="Title Slide">
@@ -176,7 +180,7 @@
           </a:lstStyle>
           <a:p>
             <a:r>
-              <a:rPr lang="en-US" smtClean="0"/>
+              <a:rPr lang="en-US"/>
               <a:t>Click to edit Master title style</a:t>
             </a:r>
             <a:endParaRPr lang="en-US" dirty="0"/>
@@ -241,7 +245,7 @@
           </a:lstStyle>
           <a:p>
             <a:r>
-              <a:rPr lang="en-US" smtClean="0"/>
+              <a:rPr lang="en-US"/>
               <a:t>Click to edit Master subtitle style</a:t>
             </a:r>
             <a:endParaRPr lang="en-US" dirty="0"/>
@@ -265,7 +269,7 @@
           <a:p>
             <a:fld id="{377D33B0-C84D-48FE-B2B4-1B6631A21FD0}" type="datetimeFigureOut">
               <a:rPr lang="en-GB" smtClean="0"/>
-              <a:t>15/11/2017</a:t>
+              <a:t>17/11/2017</a:t>
             </a:fld>
             <a:endParaRPr lang="en-GB"/>
           </a:p>
@@ -359,7 +363,7 @@
           <a:lstStyle/>
           <a:p>
             <a:r>
-              <a:rPr lang="en-US" smtClean="0"/>
+              <a:rPr lang="en-US"/>
               <a:t>Click to edit Master title style</a:t>
             </a:r>
             <a:endParaRPr lang="en-US" dirty="0"/>
@@ -383,35 +387,35 @@
           <a:p>
             <a:pPr lvl="0"/>
             <a:r>
-              <a:rPr lang="en-US" smtClean="0"/>
+              <a:rPr lang="en-US"/>
               <a:t>Edit Master text styles</a:t>
             </a:r>
           </a:p>
           <a:p>
             <a:pPr lvl="1"/>
             <a:r>
-              <a:rPr lang="en-US" smtClean="0"/>
+              <a:rPr lang="en-US"/>
               <a:t>Second level</a:t>
             </a:r>
           </a:p>
           <a:p>
             <a:pPr lvl="2"/>
             <a:r>
-              <a:rPr lang="en-US" smtClean="0"/>
+              <a:rPr lang="en-US"/>
               <a:t>Third level</a:t>
             </a:r>
           </a:p>
           <a:p>
             <a:pPr lvl="3"/>
             <a:r>
-              <a:rPr lang="en-US" smtClean="0"/>
+              <a:rPr lang="en-US"/>
               <a:t>Fourth level</a:t>
             </a:r>
           </a:p>
           <a:p>
             <a:pPr lvl="4"/>
             <a:r>
-              <a:rPr lang="en-US" smtClean="0"/>
+              <a:rPr lang="en-US"/>
               <a:t>Fifth level</a:t>
             </a:r>
             <a:endParaRPr lang="en-US" dirty="0"/>
@@ -435,7 +439,7 @@
           <a:p>
             <a:fld id="{377D33B0-C84D-48FE-B2B4-1B6631A21FD0}" type="datetimeFigureOut">
               <a:rPr lang="en-GB" smtClean="0"/>
-              <a:t>15/11/2017</a:t>
+              <a:t>17/11/2017</a:t>
             </a:fld>
             <a:endParaRPr lang="en-GB"/>
           </a:p>
@@ -534,7 +538,7 @@
           <a:lstStyle/>
           <a:p>
             <a:r>
-              <a:rPr lang="en-US" smtClean="0"/>
+              <a:rPr lang="en-US"/>
               <a:t>Click to edit Master title style</a:t>
             </a:r>
             <a:endParaRPr lang="en-US" dirty="0"/>
@@ -563,35 +567,35 @@
           <a:p>
             <a:pPr lvl="0"/>
             <a:r>
-              <a:rPr lang="en-US" smtClean="0"/>
+              <a:rPr lang="en-US"/>
               <a:t>Edit Master text styles</a:t>
             </a:r>
           </a:p>
           <a:p>
             <a:pPr lvl="1"/>
             <a:r>
-              <a:rPr lang="en-US" smtClean="0"/>
+              <a:rPr lang="en-US"/>
               <a:t>Second level</a:t>
             </a:r>
           </a:p>
           <a:p>
             <a:pPr lvl="2"/>
             <a:r>
-              <a:rPr lang="en-US" smtClean="0"/>
+              <a:rPr lang="en-US"/>
               <a:t>Third level</a:t>
             </a:r>
           </a:p>
           <a:p>
             <a:pPr lvl="3"/>
             <a:r>
-              <a:rPr lang="en-US" smtClean="0"/>
+              <a:rPr lang="en-US"/>
               <a:t>Fourth level</a:t>
             </a:r>
           </a:p>
           <a:p>
             <a:pPr lvl="4"/>
             <a:r>
-              <a:rPr lang="en-US" smtClean="0"/>
+              <a:rPr lang="en-US"/>
               <a:t>Fifth level</a:t>
             </a:r>
             <a:endParaRPr lang="en-US" dirty="0"/>
@@ -615,7 +619,7 @@
           <a:p>
             <a:fld id="{377D33B0-C84D-48FE-B2B4-1B6631A21FD0}" type="datetimeFigureOut">
               <a:rPr lang="en-GB" smtClean="0"/>
-              <a:t>15/11/2017</a:t>
+              <a:t>17/11/2017</a:t>
             </a:fld>
             <a:endParaRPr lang="en-GB"/>
           </a:p>
@@ -709,7 +713,7 @@
           <a:lstStyle/>
           <a:p>
             <a:r>
-              <a:rPr lang="en-US" smtClean="0"/>
+              <a:rPr lang="en-US"/>
               <a:t>Click to edit Master title style</a:t>
             </a:r>
             <a:endParaRPr lang="en-US" dirty="0"/>
@@ -733,35 +737,35 @@
           <a:p>
             <a:pPr lvl="0"/>
             <a:r>
-              <a:rPr lang="en-US" smtClean="0"/>
+              <a:rPr lang="en-US"/>
               <a:t>Edit Master text styles</a:t>
             </a:r>
           </a:p>
           <a:p>
             <a:pPr lvl="1"/>
             <a:r>
-              <a:rPr lang="en-US" smtClean="0"/>
+              <a:rPr lang="en-US"/>
               <a:t>Second level</a:t>
             </a:r>
           </a:p>
           <a:p>
             <a:pPr lvl="2"/>
             <a:r>
-              <a:rPr lang="en-US" smtClean="0"/>
+              <a:rPr lang="en-US"/>
               <a:t>Third level</a:t>
             </a:r>
           </a:p>
           <a:p>
             <a:pPr lvl="3"/>
             <a:r>
-              <a:rPr lang="en-US" smtClean="0"/>
+              <a:rPr lang="en-US"/>
               <a:t>Fourth level</a:t>
             </a:r>
           </a:p>
           <a:p>
             <a:pPr lvl="4"/>
             <a:r>
-              <a:rPr lang="en-US" smtClean="0"/>
+              <a:rPr lang="en-US"/>
               <a:t>Fifth level</a:t>
             </a:r>
             <a:endParaRPr lang="en-US" dirty="0"/>
@@ -785,7 +789,7 @@
           <a:p>
             <a:fld id="{377D33B0-C84D-48FE-B2B4-1B6631A21FD0}" type="datetimeFigureOut">
               <a:rPr lang="en-GB" smtClean="0"/>
-              <a:t>15/11/2017</a:t>
+              <a:t>17/11/2017</a:t>
             </a:fld>
             <a:endParaRPr lang="en-GB"/>
           </a:p>
@@ -888,7 +892,7 @@
           </a:lstStyle>
           <a:p>
             <a:r>
-              <a:rPr lang="en-US" smtClean="0"/>
+              <a:rPr lang="en-US"/>
               <a:t>Click to edit Master title style</a:t>
             </a:r>
             <a:endParaRPr lang="en-US" dirty="0"/>
@@ -1008,7 +1012,7 @@
           <a:p>
             <a:pPr lvl="0"/>
             <a:r>
-              <a:rPr lang="en-US" smtClean="0"/>
+              <a:rPr lang="en-US"/>
               <a:t>Edit Master text styles</a:t>
             </a:r>
           </a:p>
@@ -1031,7 +1035,7 @@
           <a:p>
             <a:fld id="{377D33B0-C84D-48FE-B2B4-1B6631A21FD0}" type="datetimeFigureOut">
               <a:rPr lang="en-GB" smtClean="0"/>
-              <a:t>15/11/2017</a:t>
+              <a:t>17/11/2017</a:t>
             </a:fld>
             <a:endParaRPr lang="en-GB"/>
           </a:p>
@@ -1125,7 +1129,7 @@
           <a:lstStyle/>
           <a:p>
             <a:r>
-              <a:rPr lang="en-US" smtClean="0"/>
+              <a:rPr lang="en-US"/>
               <a:t>Click to edit Master title style</a:t>
             </a:r>
             <a:endParaRPr lang="en-US" dirty="0"/>
@@ -1154,35 +1158,35 @@
           <a:p>
             <a:pPr lvl="0"/>
             <a:r>
-              <a:rPr lang="en-US" smtClean="0"/>
+              <a:rPr lang="en-US"/>
               <a:t>Edit Master text styles</a:t>
             </a:r>
           </a:p>
           <a:p>
             <a:pPr lvl="1"/>
             <a:r>
-              <a:rPr lang="en-US" smtClean="0"/>
+              <a:rPr lang="en-US"/>
               <a:t>Second level</a:t>
             </a:r>
           </a:p>
           <a:p>
             <a:pPr lvl="2"/>
             <a:r>
-              <a:rPr lang="en-US" smtClean="0"/>
+              <a:rPr lang="en-US"/>
               <a:t>Third level</a:t>
             </a:r>
           </a:p>
           <a:p>
             <a:pPr lvl="3"/>
             <a:r>
-              <a:rPr lang="en-US" smtClean="0"/>
+              <a:rPr lang="en-US"/>
               <a:t>Fourth level</a:t>
             </a:r>
           </a:p>
           <a:p>
             <a:pPr lvl="4"/>
             <a:r>
-              <a:rPr lang="en-US" smtClean="0"/>
+              <a:rPr lang="en-US"/>
               <a:t>Fifth level</a:t>
             </a:r>
             <a:endParaRPr lang="en-US" dirty="0"/>
@@ -1211,35 +1215,35 @@
           <a:p>
             <a:pPr lvl="0"/>
             <a:r>
-              <a:rPr lang="en-US" smtClean="0"/>
+              <a:rPr lang="en-US"/>
               <a:t>Edit Master text styles</a:t>
             </a:r>
           </a:p>
           <a:p>
             <a:pPr lvl="1"/>
             <a:r>
-              <a:rPr lang="en-US" smtClean="0"/>
+              <a:rPr lang="en-US"/>
               <a:t>Second level</a:t>
             </a:r>
           </a:p>
           <a:p>
             <a:pPr lvl="2"/>
             <a:r>
-              <a:rPr lang="en-US" smtClean="0"/>
+              <a:rPr lang="en-US"/>
               <a:t>Third level</a:t>
             </a:r>
           </a:p>
           <a:p>
             <a:pPr lvl="3"/>
             <a:r>
-              <a:rPr lang="en-US" smtClean="0"/>
+              <a:rPr lang="en-US"/>
               <a:t>Fourth level</a:t>
             </a:r>
           </a:p>
           <a:p>
             <a:pPr lvl="4"/>
             <a:r>
-              <a:rPr lang="en-US" smtClean="0"/>
+              <a:rPr lang="en-US"/>
               <a:t>Fifth level</a:t>
             </a:r>
             <a:endParaRPr lang="en-US" dirty="0"/>
@@ -1263,7 +1267,7 @@
           <a:p>
             <a:fld id="{377D33B0-C84D-48FE-B2B4-1B6631A21FD0}" type="datetimeFigureOut">
               <a:rPr lang="en-GB" smtClean="0"/>
-              <a:t>15/11/2017</a:t>
+              <a:t>17/11/2017</a:t>
             </a:fld>
             <a:endParaRPr lang="en-GB"/>
           </a:p>
@@ -1362,7 +1366,7 @@
           <a:lstStyle/>
           <a:p>
             <a:r>
-              <a:rPr lang="en-US" smtClean="0"/>
+              <a:rPr lang="en-US"/>
               <a:t>Click to edit Master title style</a:t>
             </a:r>
             <a:endParaRPr lang="en-US" dirty="0"/>
@@ -1428,7 +1432,7 @@
           <a:p>
             <a:pPr lvl="0"/>
             <a:r>
-              <a:rPr lang="en-US" smtClean="0"/>
+              <a:rPr lang="en-US"/>
               <a:t>Edit Master text styles</a:t>
             </a:r>
           </a:p>
@@ -1456,35 +1460,35 @@
           <a:p>
             <a:pPr lvl="0"/>
             <a:r>
-              <a:rPr lang="en-US" smtClean="0"/>
+              <a:rPr lang="en-US"/>
               <a:t>Edit Master text styles</a:t>
             </a:r>
           </a:p>
           <a:p>
             <a:pPr lvl="1"/>
             <a:r>
-              <a:rPr lang="en-US" smtClean="0"/>
+              <a:rPr lang="en-US"/>
               <a:t>Second level</a:t>
             </a:r>
           </a:p>
           <a:p>
             <a:pPr lvl="2"/>
             <a:r>
-              <a:rPr lang="en-US" smtClean="0"/>
+              <a:rPr lang="en-US"/>
               <a:t>Third level</a:t>
             </a:r>
           </a:p>
           <a:p>
             <a:pPr lvl="3"/>
             <a:r>
-              <a:rPr lang="en-US" smtClean="0"/>
+              <a:rPr lang="en-US"/>
               <a:t>Fourth level</a:t>
             </a:r>
           </a:p>
           <a:p>
             <a:pPr lvl="4"/>
             <a:r>
-              <a:rPr lang="en-US" smtClean="0"/>
+              <a:rPr lang="en-US"/>
               <a:t>Fifth level</a:t>
             </a:r>
             <a:endParaRPr lang="en-US" dirty="0"/>
@@ -1550,7 +1554,7 @@
           <a:p>
             <a:pPr lvl="0"/>
             <a:r>
-              <a:rPr lang="en-US" smtClean="0"/>
+              <a:rPr lang="en-US"/>
               <a:t>Edit Master text styles</a:t>
             </a:r>
           </a:p>
@@ -1578,35 +1582,35 @@
           <a:p>
             <a:pPr lvl="0"/>
             <a:r>
-              <a:rPr lang="en-US" smtClean="0"/>
+              <a:rPr lang="en-US"/>
               <a:t>Edit Master text styles</a:t>
             </a:r>
           </a:p>
           <a:p>
             <a:pPr lvl="1"/>
             <a:r>
-              <a:rPr lang="en-US" smtClean="0"/>
+              <a:rPr lang="en-US"/>
               <a:t>Second level</a:t>
             </a:r>
           </a:p>
           <a:p>
             <a:pPr lvl="2"/>
             <a:r>
-              <a:rPr lang="en-US" smtClean="0"/>
+              <a:rPr lang="en-US"/>
               <a:t>Third level</a:t>
             </a:r>
           </a:p>
           <a:p>
             <a:pPr lvl="3"/>
             <a:r>
-              <a:rPr lang="en-US" smtClean="0"/>
+              <a:rPr lang="en-US"/>
               <a:t>Fourth level</a:t>
             </a:r>
           </a:p>
           <a:p>
             <a:pPr lvl="4"/>
             <a:r>
-              <a:rPr lang="en-US" smtClean="0"/>
+              <a:rPr lang="en-US"/>
               <a:t>Fifth level</a:t>
             </a:r>
             <a:endParaRPr lang="en-US" dirty="0"/>
@@ -1630,7 +1634,7 @@
           <a:p>
             <a:fld id="{377D33B0-C84D-48FE-B2B4-1B6631A21FD0}" type="datetimeFigureOut">
               <a:rPr lang="en-GB" smtClean="0"/>
-              <a:t>15/11/2017</a:t>
+              <a:t>17/11/2017</a:t>
             </a:fld>
             <a:endParaRPr lang="en-GB"/>
           </a:p>
@@ -1724,7 +1728,7 @@
           <a:lstStyle/>
           <a:p>
             <a:r>
-              <a:rPr lang="en-US" smtClean="0"/>
+              <a:rPr lang="en-US"/>
               <a:t>Click to edit Master title style</a:t>
             </a:r>
             <a:endParaRPr lang="en-US" dirty="0"/>
@@ -1748,7 +1752,7 @@
           <a:p>
             <a:fld id="{377D33B0-C84D-48FE-B2B4-1B6631A21FD0}" type="datetimeFigureOut">
               <a:rPr lang="en-GB" smtClean="0"/>
-              <a:t>15/11/2017</a:t>
+              <a:t>17/11/2017</a:t>
             </a:fld>
             <a:endParaRPr lang="en-GB"/>
           </a:p>
@@ -1843,7 +1847,7 @@
           <a:p>
             <a:fld id="{377D33B0-C84D-48FE-B2B4-1B6631A21FD0}" type="datetimeFigureOut">
               <a:rPr lang="en-GB" smtClean="0"/>
-              <a:t>15/11/2017</a:t>
+              <a:t>17/11/2017</a:t>
             </a:fld>
             <a:endParaRPr lang="en-GB"/>
           </a:p>
@@ -1946,7 +1950,7 @@
           </a:lstStyle>
           <a:p>
             <a:r>
-              <a:rPr lang="en-US" smtClean="0"/>
+              <a:rPr lang="en-US"/>
               <a:t>Click to edit Master title style</a:t>
             </a:r>
             <a:endParaRPr lang="en-US" dirty="0"/>
@@ -2003,35 +2007,35 @@
           <a:p>
             <a:pPr lvl="0"/>
             <a:r>
-              <a:rPr lang="en-US" smtClean="0"/>
+              <a:rPr lang="en-US"/>
               <a:t>Edit Master text styles</a:t>
             </a:r>
           </a:p>
           <a:p>
             <a:pPr lvl="1"/>
             <a:r>
-              <a:rPr lang="en-US" smtClean="0"/>
+              <a:rPr lang="en-US"/>
               <a:t>Second level</a:t>
             </a:r>
           </a:p>
           <a:p>
             <a:pPr lvl="2"/>
             <a:r>
-              <a:rPr lang="en-US" smtClean="0"/>
+              <a:rPr lang="en-US"/>
               <a:t>Third level</a:t>
             </a:r>
           </a:p>
           <a:p>
             <a:pPr lvl="3"/>
             <a:r>
-              <a:rPr lang="en-US" smtClean="0"/>
+              <a:rPr lang="en-US"/>
               <a:t>Fourth level</a:t>
             </a:r>
           </a:p>
           <a:p>
             <a:pPr lvl="4"/>
             <a:r>
-              <a:rPr lang="en-US" smtClean="0"/>
+              <a:rPr lang="en-US"/>
               <a:t>Fifth level</a:t>
             </a:r>
             <a:endParaRPr lang="en-US" dirty="0"/>
@@ -2097,7 +2101,7 @@
           <a:p>
             <a:pPr lvl="0"/>
             <a:r>
-              <a:rPr lang="en-US" smtClean="0"/>
+              <a:rPr lang="en-US"/>
               <a:t>Edit Master text styles</a:t>
             </a:r>
           </a:p>
@@ -2120,7 +2124,7 @@
           <a:p>
             <a:fld id="{377D33B0-C84D-48FE-B2B4-1B6631A21FD0}" type="datetimeFigureOut">
               <a:rPr lang="en-GB" smtClean="0"/>
-              <a:t>15/11/2017</a:t>
+              <a:t>17/11/2017</a:t>
             </a:fld>
             <a:endParaRPr lang="en-GB"/>
           </a:p>
@@ -2223,7 +2227,7 @@
           </a:lstStyle>
           <a:p>
             <a:r>
-              <a:rPr lang="en-US" smtClean="0"/>
+              <a:rPr lang="en-US"/>
               <a:t>Click to edit Master title style</a:t>
             </a:r>
             <a:endParaRPr lang="en-US" dirty="0"/>
@@ -2288,7 +2292,7 @@
           </a:lstStyle>
           <a:p>
             <a:r>
-              <a:rPr lang="en-US" smtClean="0"/>
+              <a:rPr lang="en-US"/>
               <a:t>Click icon to add picture</a:t>
             </a:r>
             <a:endParaRPr lang="en-US" dirty="0"/>
@@ -2354,7 +2358,7 @@
           <a:p>
             <a:pPr lvl="0"/>
             <a:r>
-              <a:rPr lang="en-US" smtClean="0"/>
+              <a:rPr lang="en-US"/>
               <a:t>Edit Master text styles</a:t>
             </a:r>
           </a:p>
@@ -2377,7 +2381,7 @@
           <a:p>
             <a:fld id="{377D33B0-C84D-48FE-B2B4-1B6631A21FD0}" type="datetimeFigureOut">
               <a:rPr lang="en-GB" smtClean="0"/>
-              <a:t>15/11/2017</a:t>
+              <a:t>17/11/2017</a:t>
             </a:fld>
             <a:endParaRPr lang="en-GB"/>
           </a:p>
@@ -2486,7 +2490,7 @@
           <a:lstStyle/>
           <a:p>
             <a:r>
-              <a:rPr lang="en-US" smtClean="0"/>
+              <a:rPr lang="en-US"/>
               <a:t>Click to edit Master title style</a:t>
             </a:r>
             <a:endParaRPr lang="en-US" dirty="0"/>
@@ -2520,35 +2524,35 @@
           <a:p>
             <a:pPr lvl="0"/>
             <a:r>
-              <a:rPr lang="en-US" smtClean="0"/>
+              <a:rPr lang="en-US"/>
               <a:t>Edit Master text styles</a:t>
             </a:r>
           </a:p>
           <a:p>
             <a:pPr lvl="1"/>
             <a:r>
-              <a:rPr lang="en-US" smtClean="0"/>
+              <a:rPr lang="en-US"/>
               <a:t>Second level</a:t>
             </a:r>
           </a:p>
           <a:p>
             <a:pPr lvl="2"/>
             <a:r>
-              <a:rPr lang="en-US" smtClean="0"/>
+              <a:rPr lang="en-US"/>
               <a:t>Third level</a:t>
             </a:r>
           </a:p>
           <a:p>
             <a:pPr lvl="3"/>
             <a:r>
-              <a:rPr lang="en-US" smtClean="0"/>
+              <a:rPr lang="en-US"/>
               <a:t>Fourth level</a:t>
             </a:r>
           </a:p>
           <a:p>
             <a:pPr lvl="4"/>
             <a:r>
-              <a:rPr lang="en-US" smtClean="0"/>
+              <a:rPr lang="en-US"/>
               <a:t>Fifth level</a:t>
             </a:r>
             <a:endParaRPr lang="en-US" dirty="0"/>
@@ -2590,7 +2594,7 @@
           <a:p>
             <a:fld id="{377D33B0-C84D-48FE-B2B4-1B6631A21FD0}" type="datetimeFigureOut">
               <a:rPr lang="en-GB" smtClean="0"/>
-              <a:t>15/11/2017</a:t>
+              <a:t>17/11/2017</a:t>
             </a:fld>
             <a:endParaRPr lang="en-GB"/>
           </a:p>
@@ -3011,7 +3015,7 @@
           <a:lstStyle/>
           <a:p>
             <a:r>
-              <a:rPr lang="en-US" dirty="0" smtClean="0"/>
+              <a:rPr lang="en-US" dirty="0"/>
               <a:t>FM-pipeline</a:t>
             </a:r>
             <a:endParaRPr lang="en-GB" dirty="0"/>
@@ -3034,18 +3038,17 @@
           <a:lstStyle/>
           <a:p>
             <a:r>
-              <a:rPr lang="en-GB" dirty="0" smtClean="0"/>
+              <a:rPr lang="en-GB" dirty="0"/>
               <a:t>A </a:t>
             </a:r>
             <a:r>
-              <a:rPr lang="en-GB" dirty="0" err="1" smtClean="0"/>
+              <a:rPr lang="en-GB" dirty="0" err="1"/>
               <a:t>FineMapping</a:t>
             </a:r>
             <a:r>
-              <a:rPr lang="en-GB" dirty="0" smtClean="0"/>
+              <a:rPr lang="en-GB" dirty="0"/>
               <a:t> pipeline</a:t>
             </a:r>
-            <a:endParaRPr lang="en-GB" dirty="0"/>
           </a:p>
         </p:txBody>
       </p:sp>
@@ -3059,13 +3062,6 @@
   <p:clrMapOvr>
     <a:masterClrMapping/>
   </p:clrMapOvr>
-  <p:timing>
-    <p:tnLst>
-      <p:par>
-        <p:cTn id="1" dur="indefinite" restart="never" nodeType="tmRoot"/>
-      </p:par>
-    </p:tnLst>
-  </p:timing>
 </p:sld>
 </file>
 
@@ -3103,26 +3099,17 @@
           <a:p>
             <a:pPr algn="ctr"/>
             <a:r>
-              <a:rPr lang="en-GB" dirty="0" smtClean="0"/>
-              <a:t>Regional </a:t>
-            </a:r>
-            <a:r>
-              <a:rPr lang="en-GB" dirty="0"/>
-              <a:t>association plot </a:t>
-            </a:r>
-            <a:r>
-              <a:rPr lang="en-GB" dirty="0" smtClean="0"/>
-              <a:t>(</a:t>
-            </a:r>
-            <a:r>
-              <a:rPr lang="en-GB" dirty="0" err="1" smtClean="0"/>
+              <a:rPr lang="en-GB" dirty="0"/>
+              <a:t>Regional association plot (</a:t>
+            </a:r>
+            <a:r>
+              <a:rPr lang="en-GB" dirty="0" err="1"/>
               <a:t>locusZoom</a:t>
             </a:r>
             <a:r>
-              <a:rPr lang="en-GB" dirty="0" smtClean="0"/>
+              <a:rPr lang="en-GB" dirty="0"/>
               <a:t>)</a:t>
             </a:r>
-            <a:endParaRPr lang="en-GB" dirty="0"/>
           </a:p>
         </p:txBody>
       </p:sp>
@@ -3168,13 +3155,6 @@
   <p:clrMapOvr>
     <a:masterClrMapping/>
   </p:clrMapOvr>
-  <p:timing>
-    <p:tnLst>
-      <p:par>
-        <p:cTn id="1" dur="indefinite" restart="never" nodeType="tmRoot"/>
-      </p:par>
-    </p:tnLst>
-  </p:timing>
 </p:sld>
 </file>
 
@@ -3212,11 +3192,11 @@
           <a:p>
             <a:pPr algn="ctr"/>
             <a:r>
-              <a:rPr lang="en-US" dirty="0" smtClean="0"/>
+              <a:rPr lang="en-US" dirty="0"/>
               <a:t>Results from </a:t>
             </a:r>
             <a:r>
-              <a:rPr lang="en-US" dirty="0" err="1" smtClean="0"/>
+              <a:rPr lang="en-US" dirty="0" err="1"/>
               <a:t>finemap</a:t>
             </a:r>
             <a:endParaRPr lang="en-GB" dirty="0"/>
@@ -3322,13 +3302,6 @@
   <p:clrMapOvr>
     <a:masterClrMapping/>
   </p:clrMapOvr>
-  <p:timing>
-    <p:tnLst>
-      <p:par>
-        <p:cTn id="1" dur="indefinite" restart="never" nodeType="tmRoot"/>
-      </p:par>
-    </p:tnLst>
-  </p:timing>
 </p:sld>
 </file>
 
@@ -3366,7 +3339,7 @@
           <a:p>
             <a:pPr algn="ctr"/>
             <a:r>
-              <a:rPr lang="en-US" dirty="0" smtClean="0"/>
+              <a:rPr lang="en-US" dirty="0"/>
               <a:t>Three causal loci</a:t>
             </a:r>
             <a:endParaRPr lang="en-GB" dirty="0"/>
@@ -3458,19 +3431,15 @@
             <a:pPr marL="0" indent="0">
               <a:buNone/>
             </a:pPr>
-            <a:endParaRPr lang="en-GB" dirty="0" smtClean="0"/>
+            <a:endParaRPr lang="en-GB" dirty="0"/>
           </a:p>
           <a:p>
             <a:pPr marL="0" indent="0">
               <a:buNone/>
             </a:pPr>
             <a:r>
-              <a:rPr lang="en-GB" dirty="0" smtClean="0"/>
-              <a:t>And </a:t>
-            </a:r>
-            <a:r>
-              <a:rPr lang="en-GB" dirty="0"/>
-              <a:t>the configuration containing all three variants has the highest log10(BF) =543.07. It seems quite reassuring that our lead SNP is among the top candidates</a:t>
+              <a:rPr lang="en-GB" dirty="0"/>
+              <a:t>And the configuration containing all three variants has the highest log10(BF) =543.07. It seems quite reassuring that our lead SNP is among the top candidates</a:t>
             </a:r>
           </a:p>
         </p:txBody>
@@ -3485,13 +3454,6 @@
   <p:clrMapOvr>
     <a:masterClrMapping/>
   </p:clrMapOvr>
-  <p:timing>
-    <p:tnLst>
-      <p:par>
-        <p:cTn id="1" dur="indefinite" restart="never" nodeType="tmRoot"/>
-      </p:par>
-    </p:tnLst>
-  </p:timing>
 </p:sld>
 </file>
 
@@ -3529,7 +3491,7 @@
           <a:p>
             <a:pPr algn="ctr"/>
             <a:r>
-              <a:rPr lang="en-US" dirty="0" smtClean="0"/>
+              <a:rPr lang="en-US" dirty="0"/>
               <a:t>Methods</a:t>
             </a:r>
             <a:endParaRPr lang="en-GB" dirty="0"/>
@@ -3557,22 +3519,21 @@
               <a:buNone/>
             </a:pPr>
             <a:r>
-              <a:rPr lang="en-GB" dirty="0" err="1" smtClean="0"/>
+              <a:rPr lang="en-GB" dirty="0" err="1"/>
               <a:t>Finemapping</a:t>
             </a:r>
             <a:r>
-              <a:rPr lang="en-GB" dirty="0" smtClean="0"/>
+              <a:rPr lang="en-GB" dirty="0"/>
               <a:t> uses additional steps to identify causal variants underpinning GWAS signals, which can be furnished with individual level data or GWAS summary statistics (.</a:t>
             </a:r>
             <a:r>
-              <a:rPr lang="en-GB" dirty="0" err="1" smtClean="0"/>
+              <a:rPr lang="en-GB" dirty="0" err="1"/>
               <a:t>sumstats</a:t>
             </a:r>
             <a:r>
-              <a:rPr lang="en-GB" dirty="0" smtClean="0"/>
+              <a:rPr lang="en-GB" dirty="0"/>
               <a:t>), the focus of this work and involving</a:t>
             </a:r>
-            <a:endParaRPr lang="en-GB" dirty="0"/>
           </a:p>
           <a:p>
             <a:pPr marL="514350" indent="-514350">
@@ -3580,26 +3541,17 @@
               <a:buAutoNum type="arabicPeriod"/>
             </a:pPr>
             <a:r>
-              <a:rPr lang="en-GB" dirty="0" smtClean="0"/>
-              <a:t>Extraction </a:t>
-            </a:r>
-            <a:r>
-              <a:rPr lang="en-GB" dirty="0"/>
-              <a:t>of </a:t>
-            </a:r>
-            <a:r>
-              <a:rPr lang="en-GB" dirty="0" smtClean="0"/>
-              <a:t>region-specific .</a:t>
-            </a:r>
-            <a:r>
-              <a:rPr lang="en-GB" dirty="0" err="1" smtClean="0"/>
+              <a:rPr lang="en-GB" dirty="0"/>
+              <a:t>Extraction of region-specific .</a:t>
+            </a:r>
+            <a:r>
+              <a:rPr lang="en-GB" dirty="0" err="1"/>
               <a:t>sumstats</a:t>
             </a:r>
             <a:r>
-              <a:rPr lang="en-GB" dirty="0" smtClean="0"/>
+              <a:rPr lang="en-GB" dirty="0"/>
               <a:t>, </a:t>
             </a:r>
-            <a:endParaRPr lang="en-GB" dirty="0"/>
           </a:p>
           <a:p>
             <a:pPr marL="514350" indent="-514350">
@@ -3607,26 +3559,9 @@
               <a:buAutoNum type="arabicPeriod"/>
             </a:pPr>
             <a:r>
-              <a:rPr lang="en-GB" dirty="0" smtClean="0"/>
-              <a:t>Extraction </a:t>
-            </a:r>
-            <a:r>
-              <a:rPr lang="en-GB" dirty="0"/>
-              <a:t>of correlation </a:t>
-            </a:r>
-            <a:r>
-              <a:rPr lang="en-GB" dirty="0" smtClean="0"/>
-              <a:t>(r) from </a:t>
-            </a:r>
-            <a:r>
-              <a:rPr lang="en-GB" dirty="0"/>
-              <a:t>the reference panel among overlapped SNPs from 1 and the reference panel containing individual level </a:t>
-            </a:r>
-            <a:r>
-              <a:rPr lang="en-GB" dirty="0" smtClean="0"/>
-              <a:t>data, </a:t>
-            </a:r>
-            <a:endParaRPr lang="en-GB" dirty="0"/>
+              <a:rPr lang="en-GB" dirty="0"/>
+              <a:t>Extraction of correlation (r) from the reference panel among overlapped SNPs from 1 and the reference panel containing individual level data, </a:t>
+            </a:r>
           </a:p>
           <a:p>
             <a:pPr marL="514350" indent="-514350">
@@ -3634,19 +3569,15 @@
               <a:buAutoNum type="arabicPeriod"/>
             </a:pPr>
             <a:r>
-              <a:rPr lang="en-GB" dirty="0" smtClean="0"/>
-              <a:t>Information </a:t>
-            </a:r>
-            <a:r>
-              <a:rPr lang="en-GB" dirty="0"/>
-              <a:t>from 1 and 2 above is then used as input for </a:t>
+              <a:rPr lang="en-GB" dirty="0"/>
+              <a:t>Information from 1 and 2 above is then used as input for </a:t>
             </a:r>
             <a:r>
               <a:rPr lang="en-GB" dirty="0" err="1"/>
               <a:t>finemapping</a:t>
             </a:r>
             <a:r>
-              <a:rPr lang="en-GB" dirty="0" smtClean="0"/>
+              <a:rPr lang="en-GB" dirty="0"/>
               <a:t>.</a:t>
             </a:r>
           </a:p>
@@ -3654,7 +3585,7 @@
             <a:pPr marL="0" indent="0">
               <a:buNone/>
             </a:pPr>
-            <a:endParaRPr lang="en-GB" dirty="0" smtClean="0"/>
+            <a:endParaRPr lang="en-GB" dirty="0"/>
           </a:p>
           <a:p>
             <a:pPr marL="0" indent="0">
@@ -3662,13 +3593,8 @@
             </a:pPr>
             <a:r>
               <a:rPr lang="en-GB" dirty="0"/>
-              <a:t>The measure of evidence is typically (log10) Bayes factor (BF) and associate SNP probability in the causal set</a:t>
-            </a:r>
-            <a:r>
-              <a:rPr lang="en-GB" dirty="0" smtClean="0"/>
-              <a:t>.</a:t>
-            </a:r>
-            <a:endParaRPr lang="en-GB" dirty="0"/>
+              <a:t>The measure of evidence is typically (log10) Bayes factor (BF) and associate SNP probability in the causal set.</a:t>
+            </a:r>
           </a:p>
         </p:txBody>
       </p:sp>
@@ -3682,13 +3608,6 @@
   <p:clrMapOvr>
     <a:masterClrMapping/>
   </p:clrMapOvr>
-  <p:timing>
-    <p:tnLst>
-      <p:par>
-        <p:cTn id="1" dur="indefinite" restart="never" nodeType="tmRoot"/>
-      </p:par>
-    </p:tnLst>
-  </p:timing>
 </p:sld>
 </file>
 
@@ -3726,10 +3645,9 @@
           <a:p>
             <a:pPr algn="ctr"/>
             <a:r>
-              <a:rPr lang="en-GB" dirty="0" smtClean="0"/>
+              <a:rPr lang="en-GB" dirty="0"/>
               <a:t>Why it is necessary</a:t>
             </a:r>
-            <a:endParaRPr lang="en-GB" dirty="0"/>
           </a:p>
         </p:txBody>
       </p:sp>
@@ -3752,19 +3670,7 @@
           <a:p>
             <a:r>
               <a:rPr lang="en-GB" dirty="0"/>
-              <a:t>A primary rationale is to </a:t>
-            </a:r>
-            <a:r>
-              <a:rPr lang="en-GB" dirty="0" smtClean="0"/>
-              <a:t>put together information to facilitate analysis esp. alignment </a:t>
-            </a:r>
-            <a:r>
-              <a:rPr lang="en-GB" dirty="0"/>
-              <a:t>of the direction of effect with the reference but this is not always </a:t>
-            </a:r>
-            <a:r>
-              <a:rPr lang="en-GB" dirty="0" smtClean="0"/>
-              <a:t>straightforward leading to prolonged program debugging.</a:t>
+              <a:t>A primary rationale is to put together information to facilitate analysis esp. alignment of the direction of effect with the reference but this is not always straightforward leading to prolonged program debugging.</a:t>
             </a:r>
           </a:p>
           <a:p>
@@ -3775,12 +3681,8 @@
           </a:p>
           <a:p>
             <a:r>
-              <a:rPr lang="en-GB" dirty="0" smtClean="0"/>
-              <a:t>The </a:t>
-            </a:r>
-            <a:r>
-              <a:rPr lang="en-GB" dirty="0"/>
-              <a:t>regional association (</a:t>
+              <a:rPr lang="en-GB" dirty="0"/>
+              <a:t>The regional association (</a:t>
             </a:r>
             <a:r>
               <a:rPr lang="en-GB" dirty="0" err="1"/>
@@ -3788,22 +3690,18 @@
             </a:r>
             <a:r>
               <a:rPr lang="en-GB" dirty="0"/>
-              <a:t>) plots would also facilitate our analysis and can be streamlined</a:t>
-            </a:r>
-            <a:r>
-              <a:rPr lang="en-GB" dirty="0" smtClean="0"/>
-              <a:t>.</a:t>
-            </a:r>
-          </a:p>
-          <a:p>
-            <a:r>
-              <a:rPr lang="en-GB" dirty="0" smtClean="0"/>
+              <a:t>) plots would also facilitate our analysis and can be streamlined.</a:t>
+            </a:r>
+          </a:p>
+          <a:p>
+            <a:r>
+              <a:rPr lang="en-GB" dirty="0"/>
               <a:t>HRC format have variants sharing the same position so it is necessary to use SNPID but alleles in the GEN format do not always have right order.</a:t>
             </a:r>
           </a:p>
           <a:p>
             <a:r>
-              <a:rPr lang="en-GB" dirty="0" smtClean="0"/>
+              <a:rPr lang="en-GB" dirty="0"/>
               <a:t>GTOOL can convert GEN to PED/MAP in a way better than PLINK as the allele labels are kept in the MAP file but it does not allow for specification of reference allele so we pre-order them before the conversion.</a:t>
             </a:r>
           </a:p>
@@ -3819,13 +3717,6 @@
   <p:clrMapOvr>
     <a:masterClrMapping/>
   </p:clrMapOvr>
-  <p:timing>
-    <p:tnLst>
-      <p:par>
-        <p:cTn id="1" dur="indefinite" restart="never" nodeType="tmRoot"/>
-      </p:par>
-    </p:tnLst>
-  </p:timing>
 </p:sld>
 </file>
 
@@ -3863,10 +3754,9 @@
           <a:p>
             <a:pPr algn="ctr"/>
             <a:r>
-              <a:rPr lang="en-GB" dirty="0" smtClean="0"/>
+              <a:rPr lang="en-GB" dirty="0"/>
               <a:t>Software included in the pipeline</a:t>
             </a:r>
-            <a:endParaRPr lang="en-GB" dirty="0"/>
           </a:p>
         </p:txBody>
       </p:sp>
@@ -5443,13 +5333,6 @@
   <p:clrMapOvr>
     <a:masterClrMapping/>
   </p:clrMapOvr>
-  <p:timing>
-    <p:tnLst>
-      <p:par>
-        <p:cTn id="1" dur="indefinite" restart="never" nodeType="tmRoot"/>
-      </p:par>
-    </p:tnLst>
-  </p:timing>
 </p:sld>
 </file>
 
@@ -5487,10 +5370,9 @@
           <a:p>
             <a:pPr algn="ctr"/>
             <a:r>
-              <a:rPr lang="en-GB" dirty="0" smtClean="0"/>
+              <a:rPr lang="en-GB" dirty="0"/>
               <a:t>USAGE</a:t>
             </a:r>
-            <a:endParaRPr lang="en-GB" dirty="0"/>
           </a:p>
         </p:txBody>
       </p:sp>
@@ -5515,22 +5397,22 @@
               <a:buNone/>
             </a:pPr>
             <a:r>
-              <a:rPr lang="en-GB" dirty="0" smtClean="0"/>
+              <a:rPr lang="en-GB" dirty="0"/>
               <a:t>INPUT</a:t>
             </a:r>
           </a:p>
           <a:p>
             <a:pPr lvl="1"/>
             <a:r>
-              <a:rPr lang="en-GB" dirty="0" smtClean="0"/>
+              <a:rPr lang="en-GB" dirty="0"/>
               <a:t>GWAS summary statistics </a:t>
             </a:r>
             <a:r>
-              <a:rPr lang="en-GB" b="1" dirty="0" smtClean="0"/>
+              <a:rPr lang="en-GB" b="1" dirty="0"/>
               <a:t>(repro.txt),</a:t>
             </a:r>
             <a:r>
-              <a:rPr lang="en-GB" dirty="0" smtClean="0"/>
+              <a:rPr lang="en-GB" dirty="0"/>
               <a:t> e.g., </a:t>
             </a:r>
           </a:p>
@@ -5540,44 +5422,31 @@
             </a:pPr>
             <a:r>
               <a:rPr lang="pt-BR" dirty="0"/>
-              <a:t>SNP A1 A2 freqA1 beta se P </a:t>
-            </a:r>
-            <a:r>
-              <a:rPr lang="pt-BR" dirty="0" smtClean="0"/>
-              <a:t>N chr pos</a:t>
-            </a:r>
-            <a:endParaRPr lang="en-GB" dirty="0" smtClean="0"/>
+              <a:t>SNP A1 A2 freqA1 beta se P N chr pos</a:t>
+            </a:r>
+            <a:endParaRPr lang="en-GB" dirty="0"/>
           </a:p>
           <a:p>
             <a:pPr marL="457200" lvl="1" indent="0">
               <a:buNone/>
             </a:pPr>
             <a:r>
-              <a:rPr lang="en-GB" dirty="0" smtClean="0"/>
+              <a:rPr lang="en-GB" dirty="0"/>
               <a:t>rs4970634 a g 0.6730 -0.1970 0.0216 6.433e-20 70423 1 39364617</a:t>
             </a:r>
-            <a:endParaRPr lang="en-GB" dirty="0"/>
           </a:p>
           <a:p>
             <a:pPr lvl="1"/>
             <a:r>
-              <a:rPr lang="en-GB" dirty="0" smtClean="0"/>
-              <a:t>Region-specific data, list of SNPs (</a:t>
-            </a:r>
-            <a:r>
-              <a:rPr lang="en-GB" dirty="0"/>
-              <a:t>e.g., </a:t>
-            </a:r>
-            <a:r>
-              <a:rPr lang="en-GB" dirty="0" smtClean="0"/>
-              <a:t>GIANT data) or the following (</a:t>
-            </a:r>
-            <a:r>
-              <a:rPr lang="en-GB" b="1" dirty="0" err="1" smtClean="0"/>
+              <a:rPr lang="en-GB" dirty="0"/>
+              <a:t>Region-specific data, list of SNPs (e.g., GIANT data) or the following (</a:t>
+            </a:r>
+            <a:r>
+              <a:rPr lang="en-GB" b="1" dirty="0" err="1"/>
               <a:t>st.bed</a:t>
             </a:r>
             <a:r>
-              <a:rPr lang="en-GB" dirty="0" smtClean="0"/>
+              <a:rPr lang="en-GB" dirty="0"/>
               <a:t>)</a:t>
             </a:r>
           </a:p>
@@ -5586,27 +5455,27 @@
               <a:buNone/>
             </a:pPr>
             <a:r>
-              <a:rPr lang="en-GB" dirty="0" err="1" smtClean="0"/>
+              <a:rPr lang="en-GB" dirty="0" err="1"/>
               <a:t>chrom</a:t>
             </a:r>
             <a:r>
-              <a:rPr lang="en-GB" dirty="0" smtClean="0"/>
+              <a:rPr lang="en-GB" dirty="0"/>
               <a:t>, Start, End, </a:t>
             </a:r>
             <a:r>
-              <a:rPr lang="en-GB" dirty="0" err="1" smtClean="0"/>
+              <a:rPr lang="en-GB" dirty="0" err="1"/>
               <a:t>pos</a:t>
             </a:r>
             <a:r>
-              <a:rPr lang="en-GB" dirty="0" smtClean="0"/>
+              <a:rPr lang="en-GB" dirty="0"/>
               <a:t>, </a:t>
             </a:r>
             <a:r>
-              <a:rPr lang="en-GB" dirty="0" err="1" smtClean="0"/>
+              <a:rPr lang="en-GB" dirty="0" err="1"/>
               <a:t>rsid</a:t>
             </a:r>
             <a:r>
-              <a:rPr lang="en-GB" dirty="0" smtClean="0"/>
+              <a:rPr lang="en-GB" dirty="0"/>
               <a:t> SN</a:t>
             </a:r>
           </a:p>
@@ -5615,27 +5484,22 @@
               <a:buNone/>
             </a:pPr>
             <a:r>
-              <a:rPr lang="en-GB" dirty="0" smtClean="0"/>
-              <a:t>1 </a:t>
-            </a:r>
-            <a:r>
-              <a:rPr lang="en-GB" dirty="0"/>
-              <a:t>39114617 39614617 39364617 rs4970634 1</a:t>
-            </a:r>
-            <a:endParaRPr lang="en-GB" dirty="0" smtClean="0"/>
+              <a:rPr lang="en-GB" dirty="0"/>
+              <a:t>1 39114617 39614617 39364617 rs4970634 1</a:t>
+            </a:r>
           </a:p>
           <a:p>
             <a:pPr lvl="1"/>
             <a:r>
-              <a:rPr lang="en-GB" dirty="0" smtClean="0"/>
+              <a:rPr lang="en-GB" dirty="0"/>
               <a:t>.GEN (</a:t>
             </a:r>
             <a:r>
-              <a:rPr lang="en-GB" b="1" dirty="0" smtClean="0"/>
+              <a:rPr lang="en-GB" b="1" dirty="0"/>
               <a:t>chr1_39114617-39614617.gen</a:t>
             </a:r>
             <a:r>
-              <a:rPr lang="en-GB" dirty="0" smtClean="0"/>
+              <a:rPr lang="en-GB" dirty="0"/>
               <a:t>)</a:t>
             </a:r>
           </a:p>
@@ -5653,11 +5517,7 @@
             </a:r>
             <a:r>
               <a:rPr lang="fr-FR" dirty="0"/>
-              <a:t> 39114626 A T 1 0 0 </a:t>
-            </a:r>
-            <a:r>
-              <a:rPr lang="fr-FR" dirty="0" smtClean="0"/>
-              <a:t>…</a:t>
+              <a:t> 39114626 A T 1 0 0 …</a:t>
             </a:r>
           </a:p>
           <a:p>
@@ -5665,16 +5525,12 @@
               <a:buNone/>
             </a:pPr>
             <a:r>
-              <a:rPr lang="en-GB" dirty="0" smtClean="0"/>
+              <a:rPr lang="en-GB" dirty="0"/>
               <a:t>SYNTAX. </a:t>
             </a:r>
             <a:r>
-              <a:rPr lang="en-GB" b="1" dirty="0" smtClean="0"/>
-              <a:t>pmp.sh </a:t>
-            </a:r>
-            <a:r>
               <a:rPr lang="en-GB" b="1" dirty="0"/>
-              <a:t>repro.txt</a:t>
+              <a:t>pmp.sh repro.txt</a:t>
             </a:r>
           </a:p>
           <a:p>
@@ -5682,15 +5538,15 @@
               <a:buNone/>
             </a:pPr>
             <a:r>
-              <a:rPr lang="en-GB" dirty="0" smtClean="0"/>
+              <a:rPr lang="en-GB" dirty="0"/>
               <a:t>OUTPUT. One can choose software, e.g., GCTA, </a:t>
             </a:r>
             <a:r>
-              <a:rPr lang="en-GB" dirty="0" err="1" smtClean="0"/>
+              <a:rPr lang="en-GB" dirty="0" err="1"/>
               <a:t>finemap</a:t>
             </a:r>
             <a:r>
-              <a:rPr lang="en-GB" dirty="0" smtClean="0"/>
+              <a:rPr lang="en-GB" dirty="0"/>
               <a:t>, JAM.</a:t>
             </a:r>
           </a:p>
@@ -5706,13 +5562,6 @@
   <p:clrMapOvr>
     <a:masterClrMapping/>
   </p:clrMapOvr>
-  <p:timing>
-    <p:tnLst>
-      <p:par>
-        <p:cTn id="1" dur="indefinite" restart="never" nodeType="tmRoot"/>
-      </p:par>
-    </p:tnLst>
-  </p:timing>
 </p:sld>
 </file>
 
@@ -5750,18 +5599,17 @@
           <a:p>
             <a:pPr algn="ctr"/>
             <a:r>
-              <a:rPr lang="en-GB" dirty="0" smtClean="0"/>
+              <a:rPr lang="en-GB" dirty="0"/>
               <a:t>Issues for </a:t>
             </a:r>
             <a:r>
-              <a:rPr lang="en-GB" dirty="0" err="1" smtClean="0"/>
+              <a:rPr lang="en-GB" dirty="0" err="1"/>
               <a:t>finemap</a:t>
             </a:r>
             <a:r>
-              <a:rPr lang="en-GB" dirty="0" smtClean="0"/>
+              <a:rPr lang="en-GB" dirty="0"/>
               <a:t>/JAM (or all software)</a:t>
             </a:r>
-            <a:endParaRPr lang="en-GB" dirty="0"/>
           </a:p>
         </p:txBody>
       </p:sp>
@@ -5786,56 +5634,44 @@
               <a:buNone/>
             </a:pPr>
             <a:r>
-              <a:rPr lang="en-GB" dirty="0" smtClean="0">
+              <a:rPr lang="en-GB" dirty="0">
                 <a:latin typeface="Courier" pitchFamily="49" charset="0"/>
               </a:rPr>
               <a:t>Index		SNPID	</a:t>
             </a:r>
             <a:r>
-              <a:rPr lang="en-GB" dirty="0" err="1" smtClean="0">
+              <a:rPr lang="en-GB" dirty="0" err="1">
                 <a:latin typeface="Courier" pitchFamily="49" charset="0"/>
               </a:rPr>
               <a:t>SNP_prob</a:t>
             </a:r>
             <a:r>
-              <a:rPr lang="en-GB" dirty="0" smtClean="0">
+              <a:rPr lang="en-GB" dirty="0">
                 <a:latin typeface="Courier" pitchFamily="49" charset="0"/>
               </a:rPr>
               <a:t>	snp_log10bf	z</a:t>
             </a:r>
-            <a:endParaRPr lang="en-GB" dirty="0">
-              <a:latin typeface="Courier" pitchFamily="49" charset="0"/>
-            </a:endParaRPr>
           </a:p>
           <a:p>
             <a:pPr marL="0" indent="0">
               <a:buNone/>
             </a:pPr>
             <a:r>
-              <a:rPr lang="en-GB" dirty="0" smtClean="0">
+              <a:rPr lang="en-GB" dirty="0">
                 <a:latin typeface="Courier" pitchFamily="49" charset="0"/>
               </a:rPr>
               <a:t>733	9:32932194_C_T	1.0	13.0829		4.841630</a:t>
             </a:r>
-            <a:endParaRPr lang="en-GB" dirty="0">
-              <a:latin typeface="Courier" pitchFamily="49" charset="0"/>
-            </a:endParaRPr>
           </a:p>
           <a:p>
             <a:pPr marL="0" indent="0">
               <a:buNone/>
             </a:pPr>
-            <a:r>
-              <a:rPr lang="en-GB" dirty="0" smtClean="0">
-                <a:latin typeface="Courier" pitchFamily="49" charset="0"/>
-              </a:rPr>
-              <a:t>1231	9:33069181_C_T	1.0	13.0829		-</a:t>
-            </a:r>
             <a:r>
               <a:rPr lang="en-GB" dirty="0">
                 <a:latin typeface="Courier" pitchFamily="49" charset="0"/>
               </a:rPr>
-              <a:t>4.766990</a:t>
+              <a:t>1231	9:33069181_C_T	1.0	13.0829		-4.766990</a:t>
             </a:r>
           </a:p>
           <a:p>
@@ -5843,44 +5679,32 @@
               <a:buNone/>
             </a:pPr>
             <a:r>
-              <a:rPr lang="en-GB" dirty="0" smtClean="0">
+              <a:rPr lang="en-GB" dirty="0">
                 <a:latin typeface="Courier" pitchFamily="49" charset="0"/>
               </a:rPr>
               <a:t>873	9:32987594_G_T	1.0	13.0805		0.223041</a:t>
             </a:r>
-            <a:endParaRPr lang="en-GB" dirty="0">
-              <a:latin typeface="Courier" pitchFamily="49" charset="0"/>
-            </a:endParaRPr>
           </a:p>
           <a:p>
             <a:pPr marL="0" indent="0">
               <a:buNone/>
             </a:pPr>
             <a:r>
-              <a:rPr lang="en-GB" dirty="0" smtClean="0">
+              <a:rPr lang="en-GB" dirty="0">
                 <a:latin typeface="Courier" pitchFamily="49" charset="0"/>
               </a:rPr>
               <a:t>1130	9:33037350_A_C 	1.0 	9.8589		-5.813400</a:t>
             </a:r>
-            <a:endParaRPr lang="en-GB" dirty="0">
-              <a:latin typeface="Courier" pitchFamily="49" charset="0"/>
-            </a:endParaRPr>
           </a:p>
           <a:p>
             <a:pPr marL="0" indent="0">
               <a:buNone/>
             </a:pPr>
-            <a:r>
-              <a:rPr lang="en-GB" dirty="0" smtClean="0">
-                <a:latin typeface="Courier" pitchFamily="49" charset="0"/>
-              </a:rPr>
-              <a:t>1193	9:33058705_A_C	0.5	3.0832		-</a:t>
-            </a:r>
             <a:r>
               <a:rPr lang="en-GB" dirty="0">
                 <a:latin typeface="Courier" pitchFamily="49" charset="0"/>
               </a:rPr>
-              <a:t>2.305340</a:t>
+              <a:t>1193	9:33058705_A_C	0.5	3.0832		-2.305340</a:t>
             </a:r>
           </a:p>
           <a:p>
@@ -5888,20 +5712,17 @@
               <a:buNone/>
             </a:pPr>
             <a:r>
-              <a:rPr lang="en-GB" dirty="0" smtClean="0">
+              <a:rPr lang="en-GB" dirty="0">
                 <a:latin typeface="Courier" pitchFamily="49" charset="0"/>
               </a:rPr>
               <a:t>1191	9:33058461_C_T	0.5	3.0832		2.305340</a:t>
             </a:r>
-            <a:endParaRPr lang="en-GB" dirty="0">
-              <a:latin typeface="Courier" pitchFamily="49" charset="0"/>
-            </a:endParaRPr>
           </a:p>
           <a:p>
             <a:pPr marL="0" indent="0">
               <a:buNone/>
             </a:pPr>
-            <a:endParaRPr lang="en-GB" dirty="0" smtClean="0"/>
+            <a:endParaRPr lang="en-GB" dirty="0"/>
           </a:p>
           <a:p>
             <a:pPr marL="0" indent="0">
@@ -6033,13 +5854,6 @@
   <p:clrMapOvr>
     <a:masterClrMapping/>
   </p:clrMapOvr>
-  <p:timing>
-    <p:tnLst>
-      <p:par>
-        <p:cTn id="1" dur="indefinite" restart="never" nodeType="tmRoot"/>
-      </p:par>
-    </p:tnLst>
-  </p:timing>
 </p:sld>
 </file>
 
@@ -6077,10 +5891,9 @@
           <a:p>
             <a:pPr algn="ctr"/>
             <a:r>
-              <a:rPr lang="en-GB" dirty="0" smtClean="0"/>
+              <a:rPr lang="en-GB" dirty="0"/>
               <a:t>Interpretation and additional work</a:t>
             </a:r>
-            <a:endParaRPr lang="en-GB" dirty="0"/>
           </a:p>
         </p:txBody>
       </p:sp>
@@ -6101,22 +5914,14 @@
           <a:p>
             <a:r>
               <a:rPr lang="en-GB" dirty="0"/>
-              <a:t>Due to limitation of GWAS marginal association statistics, joint association results </a:t>
-            </a:r>
-            <a:r>
-              <a:rPr lang="en-GB" dirty="0" smtClean="0"/>
-              <a:t>holds </a:t>
-            </a:r>
-            <a:r>
-              <a:rPr lang="en-GB" dirty="0"/>
-              <a:t>the key for </a:t>
-            </a:r>
-            <a:r>
-              <a:rPr lang="en-GB" dirty="0" err="1" smtClean="0"/>
+              <a:t>Due to limitation of GWAS marginal association statistics, joint association results holds the key for </a:t>
+            </a:r>
+            <a:r>
+              <a:rPr lang="en-GB" dirty="0" err="1"/>
               <a:t>finemapping</a:t>
             </a:r>
             <a:r>
-              <a:rPr lang="en-GB" dirty="0" smtClean="0"/>
+              <a:rPr lang="en-GB" dirty="0"/>
               <a:t> but is it necessarily the way we know (e.g., from GCTA)?</a:t>
             </a:r>
           </a:p>
@@ -6125,22 +5930,21 @@
           </a:p>
           <a:p>
             <a:r>
-              <a:rPr lang="en-GB" dirty="0" smtClean="0"/>
+              <a:rPr lang="en-GB" dirty="0"/>
               <a:t>We are yet to lash out a strategy that actually works!</a:t>
             </a:r>
           </a:p>
           <a:p>
             <a:r>
-              <a:rPr lang="en-GB" dirty="0" smtClean="0"/>
+              <a:rPr lang="en-GB" dirty="0"/>
               <a:t>We need to refine the modular implementations.</a:t>
             </a:r>
           </a:p>
           <a:p>
             <a:r>
-              <a:rPr lang="en-GB" dirty="0" smtClean="0"/>
+              <a:rPr lang="en-GB" dirty="0"/>
               <a:t>We need inputs from users inside (/genetics/bin/FM-pipeline) and outside (GitHub).</a:t>
             </a:r>
-            <a:endParaRPr lang="en-GB" dirty="0"/>
           </a:p>
         </p:txBody>
       </p:sp>
@@ -6154,13 +5958,6 @@
   <p:clrMapOvr>
     <a:masterClrMapping/>
   </p:clrMapOvr>
-  <p:timing>
-    <p:tnLst>
-      <p:par>
-        <p:cTn id="1" dur="indefinite" restart="never" nodeType="tmRoot"/>
-      </p:par>
-    </p:tnLst>
-  </p:timing>
 </p:sld>
 </file>
 
@@ -6198,7 +5995,7 @@
           <a:p>
             <a:pPr algn="ctr"/>
             <a:r>
-              <a:rPr lang="en-US" dirty="0" smtClean="0"/>
+              <a:rPr lang="en-US" dirty="0"/>
               <a:t>References</a:t>
             </a:r>
             <a:endParaRPr lang="en-GB" dirty="0"/>
@@ -6264,11 +6061,7 @@
             </a:r>
             <a:r>
               <a:rPr lang="en-GB" dirty="0"/>
-              <a:t> 44, 725–731, </a:t>
-            </a:r>
-            <a:r>
-              <a:rPr lang="en-GB" dirty="0" smtClean="0"/>
-              <a:t>2014 </a:t>
+              <a:t> 44, 725–731, 2014 </a:t>
             </a:r>
           </a:p>
           <a:p>
@@ -6277,12 +6070,8 @@
               <a:buAutoNum type="arabicPeriod"/>
             </a:pPr>
             <a:r>
-              <a:rPr lang="en-GB" dirty="0" smtClean="0"/>
-              <a:t>Chen </a:t>
-            </a:r>
-            <a:r>
-              <a:rPr lang="en-GB" dirty="0"/>
-              <a:t>W, et al. (2015). Fine Mapping Causal Variants with an Approximate Bayesian Method Using Marginal Test Statistics. </a:t>
+              <a:rPr lang="en-GB" dirty="0"/>
+              <a:t>Chen W, et al. (2015). Fine Mapping Causal Variants with an Approximate Bayesian Method Using Marginal Test Statistics. </a:t>
             </a:r>
             <a:r>
               <a:rPr lang="en-GB" i="1" dirty="0"/>
@@ -6290,13 +6079,8 @@
             </a:r>
             <a:r>
               <a:rPr lang="en-GB" dirty="0"/>
-              <a:t> 200:719-736</a:t>
-            </a:r>
-            <a:r>
-              <a:rPr lang="en-GB" dirty="0" smtClean="0"/>
-              <a:t>.</a:t>
-            </a:r>
-            <a:endParaRPr lang="en-GB" dirty="0"/>
+              <a:t> 200:719-736.</a:t>
+            </a:r>
           </a:p>
           <a:p>
             <a:pPr marL="514350" indent="-514350">
@@ -6304,8 +6088,12 @@
               <a:buAutoNum type="arabicPeriod"/>
             </a:pPr>
             <a:r>
-              <a:rPr lang="en-GB" dirty="0"/>
-              <a:t>Benner, C. </a:t>
+              <a:rPr lang="en-GB"/>
+              <a:t>Benner </a:t>
+            </a:r>
+            <a:r>
+              <a:rPr lang="en-GB" dirty="0"/>
+              <a:t>C. </a:t>
             </a:r>
             <a:r>
               <a:rPr lang="en-GB" i="1" dirty="0"/>
@@ -6313,15 +6101,7 @@
             </a:r>
             <a:r>
               <a:rPr lang="en-GB" dirty="0"/>
-              <a:t>. FINEMAP: Efficient variable selection using </a:t>
-            </a:r>
-            <a:r>
-              <a:rPr lang="en-GB" dirty="0" smtClean="0"/>
-              <a:t>summary </a:t>
-            </a:r>
-            <a:r>
-              <a:rPr lang="en-GB" dirty="0"/>
-              <a:t>data from genome-wide association studies. </a:t>
+              <a:t>. FINEMAP: Efficient variable selection using summary data from genome-wide association studies. </a:t>
             </a:r>
             <a:r>
               <a:rPr lang="en-GB" i="1" dirty="0"/>
@@ -6329,13 +6109,8 @@
             </a:r>
             <a:r>
               <a:rPr lang="en-GB" dirty="0"/>
-              <a:t> 32, 1493-1501, </a:t>
-            </a:r>
-            <a:r>
-              <a:rPr lang="en-GB" dirty="0" smtClean="0"/>
-              <a:t>2016</a:t>
-            </a:r>
-            <a:endParaRPr lang="en-GB" dirty="0"/>
+              <a:t> 32, 1493-1501, 2016</a:t>
+            </a:r>
           </a:p>
           <a:p>
             <a:pPr marL="514350" indent="-514350">
@@ -6368,13 +6143,8 @@
             </a:r>
             <a:r>
               <a:rPr lang="en-GB" dirty="0"/>
-              <a:t> 40:188–201, </a:t>
-            </a:r>
-            <a:r>
-              <a:rPr lang="en-GB" dirty="0" smtClean="0"/>
-              <a:t>2016</a:t>
-            </a:r>
-            <a:endParaRPr lang="en-GB" dirty="0"/>
+              <a:t> 40:188–201, 2016</a:t>
+            </a:r>
           </a:p>
           <a:p>
             <a:pPr marL="514350" indent="-514350">
@@ -6410,13 +6180,6 @@
   <p:clrMapOvr>
     <a:masterClrMapping/>
   </p:clrMapOvr>
-  <p:timing>
-    <p:tnLst>
-      <p:par>
-        <p:cTn id="1" dur="indefinite" restart="never" nodeType="tmRoot"/>
-      </p:par>
-    </p:tnLst>
-  </p:timing>
 </p:sld>
 </file>
 
@@ -6454,7 +6217,7 @@
           <a:p>
             <a:pPr algn="ctr"/>
             <a:r>
-              <a:rPr lang="en-US" smtClean="0"/>
+              <a:rPr lang="en-US"/>
               <a:t>One more example</a:t>
             </a:r>
             <a:endParaRPr lang="en-GB" dirty="0"/>
@@ -6514,11 +6277,7 @@
             </a:r>
             <a:r>
               <a:rPr lang="en-GB" dirty="0"/>
-              <a:t> is as follows</a:t>
-            </a:r>
-            <a:r>
-              <a:rPr lang="en-GB" dirty="0" smtClean="0"/>
-              <a:t>,</a:t>
+              <a:t> is as follows,</a:t>
             </a:r>
           </a:p>
           <a:p>
@@ -7101,16 +6860,10 @@
                         </a:spcAft>
                       </a:pPr>
                       <a:r>
-                        <a:rPr lang="en-GB" sz="2000" dirty="0" smtClean="0">
-                          <a:effectLst/>
-                        </a:rPr>
-                        <a:t> </a:t>
-                      </a:r>
-                      <a:r>
                         <a:rPr lang="en-GB" sz="2000" dirty="0">
                           <a:effectLst/>
                         </a:rPr>
-                        <a:t>6.433e-20</a:t>
+                        <a:t> 6.433e-20</a:t>
                       </a:r>
                       <a:endParaRPr lang="en-GB" sz="2000" dirty="0">
                         <a:effectLst/>
@@ -7171,13 +6924,6 @@
   <p:clrMapOvr>
     <a:masterClrMapping/>
   </p:clrMapOvr>
-  <p:timing>
-    <p:tnLst>
-      <p:par>
-        <p:cTn id="1" dur="indefinite" restart="never" nodeType="tmRoot"/>
-      </p:par>
-    </p:tnLst>
-  </p:timing>
 </p:sld>
 </file>
 

--- a/README.pptx
+++ b/README.pptx
@@ -117,7 +117,7 @@
   </p:defaultTextStyle>
   <p:extLst>
     <p:ext uri="{EFAFB233-063F-42B5-8137-9DF3F51BA10A}">
-      <p15:sldGuideLst xmlns:p15="http://schemas.microsoft.com/office/powerpoint/2012/main">
+      <p15:sldGuideLst xmlns:p15="http://schemas.microsoft.com/office/powerpoint/2012/main" xmlns="">
         <p15:guide id="1" orient="horz" pos="2160">
           <p15:clr>
             <a:srgbClr val="A4A3A4"/>
@@ -269,7 +269,7 @@
           <a:p>
             <a:fld id="{377D33B0-C84D-48FE-B2B4-1B6631A21FD0}" type="datetimeFigureOut">
               <a:rPr lang="en-GB" smtClean="0"/>
-              <a:t>17/11/2017</a:t>
+              <a:t>14/12/2017</a:t>
             </a:fld>
             <a:endParaRPr lang="en-GB"/>
           </a:p>
@@ -439,7 +439,7 @@
           <a:p>
             <a:fld id="{377D33B0-C84D-48FE-B2B4-1B6631A21FD0}" type="datetimeFigureOut">
               <a:rPr lang="en-GB" smtClean="0"/>
-              <a:t>17/11/2017</a:t>
+              <a:t>14/12/2017</a:t>
             </a:fld>
             <a:endParaRPr lang="en-GB"/>
           </a:p>
@@ -619,7 +619,7 @@
           <a:p>
             <a:fld id="{377D33B0-C84D-48FE-B2B4-1B6631A21FD0}" type="datetimeFigureOut">
               <a:rPr lang="en-GB" smtClean="0"/>
-              <a:t>17/11/2017</a:t>
+              <a:t>14/12/2017</a:t>
             </a:fld>
             <a:endParaRPr lang="en-GB"/>
           </a:p>
@@ -789,7 +789,7 @@
           <a:p>
             <a:fld id="{377D33B0-C84D-48FE-B2B4-1B6631A21FD0}" type="datetimeFigureOut">
               <a:rPr lang="en-GB" smtClean="0"/>
-              <a:t>17/11/2017</a:t>
+              <a:t>14/12/2017</a:t>
             </a:fld>
             <a:endParaRPr lang="en-GB"/>
           </a:p>
@@ -1035,7 +1035,7 @@
           <a:p>
             <a:fld id="{377D33B0-C84D-48FE-B2B4-1B6631A21FD0}" type="datetimeFigureOut">
               <a:rPr lang="en-GB" smtClean="0"/>
-              <a:t>17/11/2017</a:t>
+              <a:t>14/12/2017</a:t>
             </a:fld>
             <a:endParaRPr lang="en-GB"/>
           </a:p>
@@ -1267,7 +1267,7 @@
           <a:p>
             <a:fld id="{377D33B0-C84D-48FE-B2B4-1B6631A21FD0}" type="datetimeFigureOut">
               <a:rPr lang="en-GB" smtClean="0"/>
-              <a:t>17/11/2017</a:t>
+              <a:t>14/12/2017</a:t>
             </a:fld>
             <a:endParaRPr lang="en-GB"/>
           </a:p>
@@ -1634,7 +1634,7 @@
           <a:p>
             <a:fld id="{377D33B0-C84D-48FE-B2B4-1B6631A21FD0}" type="datetimeFigureOut">
               <a:rPr lang="en-GB" smtClean="0"/>
-              <a:t>17/11/2017</a:t>
+              <a:t>14/12/2017</a:t>
             </a:fld>
             <a:endParaRPr lang="en-GB"/>
           </a:p>
@@ -1752,7 +1752,7 @@
           <a:p>
             <a:fld id="{377D33B0-C84D-48FE-B2B4-1B6631A21FD0}" type="datetimeFigureOut">
               <a:rPr lang="en-GB" smtClean="0"/>
-              <a:t>17/11/2017</a:t>
+              <a:t>14/12/2017</a:t>
             </a:fld>
             <a:endParaRPr lang="en-GB"/>
           </a:p>
@@ -1847,7 +1847,7 @@
           <a:p>
             <a:fld id="{377D33B0-C84D-48FE-B2B4-1B6631A21FD0}" type="datetimeFigureOut">
               <a:rPr lang="en-GB" smtClean="0"/>
-              <a:t>17/11/2017</a:t>
+              <a:t>14/12/2017</a:t>
             </a:fld>
             <a:endParaRPr lang="en-GB"/>
           </a:p>
@@ -2124,7 +2124,7 @@
           <a:p>
             <a:fld id="{377D33B0-C84D-48FE-B2B4-1B6631A21FD0}" type="datetimeFigureOut">
               <a:rPr lang="en-GB" smtClean="0"/>
-              <a:t>17/11/2017</a:t>
+              <a:t>14/12/2017</a:t>
             </a:fld>
             <a:endParaRPr lang="en-GB"/>
           </a:p>
@@ -2381,7 +2381,7 @@
           <a:p>
             <a:fld id="{377D33B0-C84D-48FE-B2B4-1B6631A21FD0}" type="datetimeFigureOut">
               <a:rPr lang="en-GB" smtClean="0"/>
-              <a:t>17/11/2017</a:t>
+              <a:t>14/12/2017</a:t>
             </a:fld>
             <a:endParaRPr lang="en-GB"/>
           </a:p>
@@ -2594,7 +2594,7 @@
           <a:p>
             <a:fld id="{377D33B0-C84D-48FE-B2B4-1B6631A21FD0}" type="datetimeFigureOut">
               <a:rPr lang="en-GB" smtClean="0"/>
-              <a:t>17/11/2017</a:t>
+              <a:t>14/12/2017</a:t>
             </a:fld>
             <a:endParaRPr lang="en-GB"/>
           </a:p>
@@ -3009,35 +3009,47 @@
             <p:ph type="ctrTitle"/>
           </p:nvPr>
         </p:nvSpPr>
-        <p:spPr/>
+        <p:spPr>
+          <a:xfrm>
+            <a:off x="1524000" y="534510"/>
+            <a:ext cx="9144000" cy="650453"/>
+          </a:xfrm>
+        </p:spPr>
+        <p:txBody>
+          <a:bodyPr>
+            <a:normAutofit fontScale="90000"/>
+          </a:bodyPr>
+          <a:lstStyle/>
+          <a:p>
+            <a:r>
+              <a:rPr lang="en-US" dirty="0"/>
+              <a:t>FM-pipeline</a:t>
+            </a:r>
+            <a:endParaRPr lang="en-GB" dirty="0"/>
+          </a:p>
+        </p:txBody>
+      </p:sp>
+      <p:sp>
+        <p:nvSpPr>
+          <p:cNvPr id="3" name="Subtitle 2"/>
+          <p:cNvSpPr>
+            <a:spLocks noGrp="1"/>
+          </p:cNvSpPr>
+          <p:nvPr>
+            <p:ph type="subTitle" idx="1"/>
+          </p:nvPr>
+        </p:nvSpPr>
+        <p:spPr>
+          <a:xfrm>
+            <a:off x="1524000" y="1101330"/>
+            <a:ext cx="9144000" cy="456778"/>
+          </a:xfrm>
+        </p:spPr>
         <p:txBody>
           <a:bodyPr/>
           <a:lstStyle/>
           <a:p>
             <a:r>
-              <a:rPr lang="en-US" dirty="0"/>
-              <a:t>FM-pipeline</a:t>
-            </a:r>
-            <a:endParaRPr lang="en-GB" dirty="0"/>
-          </a:p>
-        </p:txBody>
-      </p:sp>
-      <p:sp>
-        <p:nvSpPr>
-          <p:cNvPr id="3" name="Subtitle 2"/>
-          <p:cNvSpPr>
-            <a:spLocks noGrp="1"/>
-          </p:cNvSpPr>
-          <p:nvPr>
-            <p:ph type="subTitle" idx="1"/>
-          </p:nvPr>
-        </p:nvSpPr>
-        <p:spPr/>
-        <p:txBody>
-          <a:bodyPr/>
-          <a:lstStyle/>
-          <a:p>
-            <a:r>
               <a:rPr lang="en-GB" dirty="0"/>
               <a:t>A </a:t>
             </a:r>
@@ -3047,11 +3059,46 @@
             </a:r>
             <a:r>
               <a:rPr lang="en-GB" dirty="0"/>
-              <a:t> pipeline</a:t>
-            </a:r>
-          </a:p>
-        </p:txBody>
-      </p:sp>
+              <a:t> </a:t>
+            </a:r>
+            <a:r>
+              <a:rPr lang="en-GB" dirty="0" smtClean="0"/>
+              <a:t>pipeline using GWAS summary statistics</a:t>
+            </a:r>
+            <a:endParaRPr lang="en-GB" dirty="0"/>
+          </a:p>
+        </p:txBody>
+      </p:sp>
+      <p:pic>
+        <p:nvPicPr>
+          <p:cNvPr id="4" name="Content Placeholder 3"/>
+          <p:cNvPicPr>
+            <a:picLocks/>
+          </p:cNvPicPr>
+          <p:nvPr/>
+        </p:nvPicPr>
+        <p:blipFill>
+          <a:blip r:embed="rId2" cstate="print">
+            <a:extLst>
+              <a:ext uri="{28A0092B-C50C-407E-A947-70E740481C1C}">
+                <a14:useLocalDpi xmlns:a14="http://schemas.microsoft.com/office/drawing/2010/main" val="0"/>
+              </a:ext>
+            </a:extLst>
+          </a:blip>
+          <a:stretch>
+            <a:fillRect/>
+          </a:stretch>
+        </p:blipFill>
+        <p:spPr>
+          <a:xfrm>
+            <a:off x="2456873" y="1542473"/>
+            <a:ext cx="7749309" cy="5246254"/>
+          </a:xfrm>
+          <a:prstGeom prst="rect">
+            <a:avLst/>
+          </a:prstGeom>
+        </p:spPr>
+      </p:pic>
     </p:spTree>
     <p:extLst>
       <p:ext uri="{BB962C8B-B14F-4D97-AF65-F5344CB8AC3E}">
@@ -3789,35 +3836,35 @@
                 <a:gridCol w="2103120">
                   <a:extLst>
                     <a:ext uri="{9D8B030D-6E8A-4147-A177-3AD203B41FA5}">
-                      <a16:colId xmlns:a16="http://schemas.microsoft.com/office/drawing/2014/main" val="2178192700"/>
+                      <a16:colId xmlns:a16="http://schemas.microsoft.com/office/drawing/2014/main" xmlns="" val="2178192700"/>
                     </a:ext>
                   </a:extLst>
                 </a:gridCol>
                 <a:gridCol w="2103120">
                   <a:extLst>
                     <a:ext uri="{9D8B030D-6E8A-4147-A177-3AD203B41FA5}">
-                      <a16:colId xmlns:a16="http://schemas.microsoft.com/office/drawing/2014/main" val="331999573"/>
+                      <a16:colId xmlns:a16="http://schemas.microsoft.com/office/drawing/2014/main" xmlns="" val="331999573"/>
                     </a:ext>
                   </a:extLst>
                 </a:gridCol>
                 <a:gridCol w="2103120">
                   <a:extLst>
                     <a:ext uri="{9D8B030D-6E8A-4147-A177-3AD203B41FA5}">
-                      <a16:colId xmlns:a16="http://schemas.microsoft.com/office/drawing/2014/main" val="3597132808"/>
+                      <a16:colId xmlns:a16="http://schemas.microsoft.com/office/drawing/2014/main" xmlns="" val="3597132808"/>
                     </a:ext>
                   </a:extLst>
                 </a:gridCol>
                 <a:gridCol w="2103120">
                   <a:extLst>
                     <a:ext uri="{9D8B030D-6E8A-4147-A177-3AD203B41FA5}">
-                      <a16:colId xmlns:a16="http://schemas.microsoft.com/office/drawing/2014/main" val="596877116"/>
+                      <a16:colId xmlns:a16="http://schemas.microsoft.com/office/drawing/2014/main" xmlns="" val="596877116"/>
                     </a:ext>
                   </a:extLst>
                 </a:gridCol>
                 <a:gridCol w="2103120">
                   <a:extLst>
                     <a:ext uri="{9D8B030D-6E8A-4147-A177-3AD203B41FA5}">
-                      <a16:colId xmlns:a16="http://schemas.microsoft.com/office/drawing/2014/main" val="1778616611"/>
+                      <a16:colId xmlns:a16="http://schemas.microsoft.com/office/drawing/2014/main" xmlns="" val="1778616611"/>
                     </a:ext>
                   </a:extLst>
                 </a:gridCol>
@@ -3985,7 +4032,7 @@
                 </a:tc>
                 <a:extLst>
                   <a:ext uri="{0D108BD9-81ED-4DB2-BD59-A6C34878D82A}">
-                    <a16:rowId xmlns:a16="http://schemas.microsoft.com/office/drawing/2014/main" val="2548993085"/>
+                    <a16:rowId xmlns:a16="http://schemas.microsoft.com/office/drawing/2014/main" xmlns="" val="2548993085"/>
                   </a:ext>
                 </a:extLst>
               </a:tr>
@@ -4152,7 +4199,7 @@
                 </a:tc>
                 <a:extLst>
                   <a:ext uri="{0D108BD9-81ED-4DB2-BD59-A6C34878D82A}">
-                    <a16:rowId xmlns:a16="http://schemas.microsoft.com/office/drawing/2014/main" val="3696918108"/>
+                    <a16:rowId xmlns:a16="http://schemas.microsoft.com/office/drawing/2014/main" xmlns="" val="3696918108"/>
                   </a:ext>
                 </a:extLst>
               </a:tr>
@@ -4319,7 +4366,7 @@
                 </a:tc>
                 <a:extLst>
                   <a:ext uri="{0D108BD9-81ED-4DB2-BD59-A6C34878D82A}">
-                    <a16:rowId xmlns:a16="http://schemas.microsoft.com/office/drawing/2014/main" val="739848613"/>
+                    <a16:rowId xmlns:a16="http://schemas.microsoft.com/office/drawing/2014/main" xmlns="" val="739848613"/>
                   </a:ext>
                 </a:extLst>
               </a:tr>
@@ -4486,7 +4533,7 @@
                 </a:tc>
                 <a:extLst>
                   <a:ext uri="{0D108BD9-81ED-4DB2-BD59-A6C34878D82A}">
-                    <a16:rowId xmlns:a16="http://schemas.microsoft.com/office/drawing/2014/main" val="3862531879"/>
+                    <a16:rowId xmlns:a16="http://schemas.microsoft.com/office/drawing/2014/main" xmlns="" val="3862531879"/>
                   </a:ext>
                 </a:extLst>
               </a:tr>
@@ -4653,7 +4700,7 @@
                 </a:tc>
                 <a:extLst>
                   <a:ext uri="{0D108BD9-81ED-4DB2-BD59-A6C34878D82A}">
-                    <a16:rowId xmlns:a16="http://schemas.microsoft.com/office/drawing/2014/main" val="107777099"/>
+                    <a16:rowId xmlns:a16="http://schemas.microsoft.com/office/drawing/2014/main" xmlns="" val="107777099"/>
                   </a:ext>
                 </a:extLst>
               </a:tr>
@@ -4820,7 +4867,7 @@
                 </a:tc>
                 <a:extLst>
                   <a:ext uri="{0D108BD9-81ED-4DB2-BD59-A6C34878D82A}">
-                    <a16:rowId xmlns:a16="http://schemas.microsoft.com/office/drawing/2014/main" val="4196587497"/>
+                    <a16:rowId xmlns:a16="http://schemas.microsoft.com/office/drawing/2014/main" xmlns="" val="4196587497"/>
                   </a:ext>
                 </a:extLst>
               </a:tr>
@@ -4987,7 +5034,7 @@
                 </a:tc>
                 <a:extLst>
                   <a:ext uri="{0D108BD9-81ED-4DB2-BD59-A6C34878D82A}">
-                    <a16:rowId xmlns:a16="http://schemas.microsoft.com/office/drawing/2014/main" val="3973535048"/>
+                    <a16:rowId xmlns:a16="http://schemas.microsoft.com/office/drawing/2014/main" xmlns="" val="3973535048"/>
                   </a:ext>
                 </a:extLst>
               </a:tr>
@@ -5148,7 +5195,7 @@
                 </a:tc>
                 <a:extLst>
                   <a:ext uri="{0D108BD9-81ED-4DB2-BD59-A6C34878D82A}">
-                    <a16:rowId xmlns:a16="http://schemas.microsoft.com/office/drawing/2014/main" val="4184079262"/>
+                    <a16:rowId xmlns:a16="http://schemas.microsoft.com/office/drawing/2014/main" xmlns="" val="4184079262"/>
                   </a:ext>
                 </a:extLst>
               </a:tr>
@@ -5315,7 +5362,7 @@
                 </a:tc>
                 <a:extLst>
                   <a:ext uri="{0D108BD9-81ED-4DB2-BD59-A6C34878D82A}">
-                    <a16:rowId xmlns:a16="http://schemas.microsoft.com/office/drawing/2014/main" val="1549009875"/>
+                    <a16:rowId xmlns:a16="http://schemas.microsoft.com/office/drawing/2014/main" xmlns="" val="1549009875"/>
                   </a:ext>
                 </a:extLst>
               </a:tr>
@@ -6313,63 +6360,63 @@
                 <a:gridCol w="586328">
                   <a:extLst>
                     <a:ext uri="{9D8B030D-6E8A-4147-A177-3AD203B41FA5}">
-                      <a16:colId xmlns:a16="http://schemas.microsoft.com/office/drawing/2014/main" val="1953549286"/>
+                      <a16:colId xmlns:a16="http://schemas.microsoft.com/office/drawing/2014/main" xmlns="" val="1953549286"/>
                     </a:ext>
                   </a:extLst>
                 </a:gridCol>
                 <a:gridCol w="1441911">
                   <a:extLst>
                     <a:ext uri="{9D8B030D-6E8A-4147-A177-3AD203B41FA5}">
-                      <a16:colId xmlns:a16="http://schemas.microsoft.com/office/drawing/2014/main" val="2286925942"/>
+                      <a16:colId xmlns:a16="http://schemas.microsoft.com/office/drawing/2014/main" xmlns="" val="2286925942"/>
                     </a:ext>
                   </a:extLst>
                 </a:gridCol>
                 <a:gridCol w="592568">
                   <a:extLst>
                     <a:ext uri="{9D8B030D-6E8A-4147-A177-3AD203B41FA5}">
-                      <a16:colId xmlns:a16="http://schemas.microsoft.com/office/drawing/2014/main" val="2240166967"/>
+                      <a16:colId xmlns:a16="http://schemas.microsoft.com/office/drawing/2014/main" xmlns="" val="2240166967"/>
                     </a:ext>
                   </a:extLst>
                 </a:gridCol>
                 <a:gridCol w="592568">
                   <a:extLst>
                     <a:ext uri="{9D8B030D-6E8A-4147-A177-3AD203B41FA5}">
-                      <a16:colId xmlns:a16="http://schemas.microsoft.com/office/drawing/2014/main" val="3084119439"/>
+                      <a16:colId xmlns:a16="http://schemas.microsoft.com/office/drawing/2014/main" xmlns="" val="3084119439"/>
                     </a:ext>
                   </a:extLst>
                 </a:gridCol>
                 <a:gridCol w="1035431">
                   <a:extLst>
                     <a:ext uri="{9D8B030D-6E8A-4147-A177-3AD203B41FA5}">
-                      <a16:colId xmlns:a16="http://schemas.microsoft.com/office/drawing/2014/main" val="2439947825"/>
+                      <a16:colId xmlns:a16="http://schemas.microsoft.com/office/drawing/2014/main" xmlns="" val="2439947825"/>
                     </a:ext>
                   </a:extLst>
                 </a:gridCol>
                 <a:gridCol w="1183054">
                   <a:extLst>
                     <a:ext uri="{9D8B030D-6E8A-4147-A177-3AD203B41FA5}">
-                      <a16:colId xmlns:a16="http://schemas.microsoft.com/office/drawing/2014/main" val="756702285"/>
+                      <a16:colId xmlns:a16="http://schemas.microsoft.com/office/drawing/2014/main" xmlns="" val="756702285"/>
                     </a:ext>
                   </a:extLst>
                 </a:gridCol>
                 <a:gridCol w="1035431">
                   <a:extLst>
                     <a:ext uri="{9D8B030D-6E8A-4147-A177-3AD203B41FA5}">
-                      <a16:colId xmlns:a16="http://schemas.microsoft.com/office/drawing/2014/main" val="52909403"/>
+                      <a16:colId xmlns:a16="http://schemas.microsoft.com/office/drawing/2014/main" xmlns="" val="52909403"/>
                     </a:ext>
                   </a:extLst>
                 </a:gridCol>
                 <a:gridCol w="2104131">
                   <a:extLst>
                     <a:ext uri="{9D8B030D-6E8A-4147-A177-3AD203B41FA5}">
-                      <a16:colId xmlns:a16="http://schemas.microsoft.com/office/drawing/2014/main" val="3498582246"/>
+                      <a16:colId xmlns:a16="http://schemas.microsoft.com/office/drawing/2014/main" xmlns="" val="3498582246"/>
                     </a:ext>
                   </a:extLst>
                 </a:gridCol>
                 <a:gridCol w="1042710">
                   <a:extLst>
                     <a:ext uri="{9D8B030D-6E8A-4147-A177-3AD203B41FA5}">
-                      <a16:colId xmlns:a16="http://schemas.microsoft.com/office/drawing/2014/main" val="2633740206"/>
+                      <a16:colId xmlns:a16="http://schemas.microsoft.com/office/drawing/2014/main" xmlns="" val="2633740206"/>
                     </a:ext>
                   </a:extLst>
                 </a:gridCol>
@@ -6638,7 +6685,7 @@
                 </a:tc>
                 <a:extLst>
                   <a:ext uri="{0D108BD9-81ED-4DB2-BD59-A6C34878D82A}">
-                    <a16:rowId xmlns:a16="http://schemas.microsoft.com/office/drawing/2014/main" val="4035685168"/>
+                    <a16:rowId xmlns:a16="http://schemas.microsoft.com/office/drawing/2014/main" xmlns="" val="4035685168"/>
                   </a:ext>
                 </a:extLst>
               </a:tr>
@@ -6906,7 +6953,7 @@
                 </a:tc>
                 <a:extLst>
                   <a:ext uri="{0D108BD9-81ED-4DB2-BD59-A6C34878D82A}">
-                    <a16:rowId xmlns:a16="http://schemas.microsoft.com/office/drawing/2014/main" val="3486077057"/>
+                    <a16:rowId xmlns:a16="http://schemas.microsoft.com/office/drawing/2014/main" xmlns="" val="3486077057"/>
                   </a:ext>
                 </a:extLst>
               </a:tr>
@@ -7182,7 +7229,7 @@
   <a:extraClrSchemeLst/>
   <a:extLst>
     <a:ext uri="{05A4C25C-085E-4340-85A3-A5531E510DB2}">
-      <thm15:themeFamily xmlns:thm15="http://schemas.microsoft.com/office/thememl/2012/main" name="Office Theme" id="{62F939B6-93AF-4DB8-9C6B-D6C7DFDC589F}" vid="{4A3C46E8-61CC-4603-A589-7422A47A8E4A}"/>
+      <thm15:themeFamily xmlns:thm15="http://schemas.microsoft.com/office/thememl/2012/main" xmlns="" name="Office Theme" id="{62F939B6-93AF-4DB8-9C6B-D6C7DFDC589F}" vid="{4A3C46E8-61CC-4603-A589-7422A47A8E4A}"/>
     </a:ext>
   </a:extLst>
 </a:theme>

--- a/README.pptx
+++ b/README.pptx
@@ -4,6 +4,9 @@
   <p:sldMasterIdLst>
     <p:sldMasterId id="2147483660" r:id="rId1"/>
   </p:sldMasterIdLst>
+  <p:notesMasterIdLst>
+    <p:notesMasterId r:id="rId14"/>
+  </p:notesMasterIdLst>
   <p:sldIdLst>
     <p:sldId id="256" r:id="rId2"/>
     <p:sldId id="258" r:id="rId3"/>
@@ -117,7 +120,7 @@
   </p:defaultTextStyle>
   <p:extLst>
     <p:ext uri="{EFAFB233-063F-42B5-8137-9DF3F51BA10A}">
-      <p15:sldGuideLst xmlns:p15="http://schemas.microsoft.com/office/powerpoint/2012/main" xmlns="">
+      <p15:sldGuideLst xmlns:p15="http://schemas.microsoft.com/office/powerpoint/2012/main">
         <p15:guide id="1" orient="horz" pos="2160">
           <p15:clr>
             <a:srgbClr val="A4A3A4"/>
@@ -138,6 +141,356 @@
 <p1510:revInfo xmlns:a="http://schemas.openxmlformats.org/drawingml/2006/main" xmlns:r="http://schemas.openxmlformats.org/officeDocument/2006/relationships" xmlns:p1510="http://schemas.microsoft.com/office/powerpoint/2015/10/main"/>
 </file>
 
+<file path=ppt/notesMasters/notesMaster1.xml><?xml version="1.0" encoding="utf-8"?>
+<p:notesMaster xmlns:a="http://schemas.openxmlformats.org/drawingml/2006/main" xmlns:r="http://schemas.openxmlformats.org/officeDocument/2006/relationships" xmlns:p="http://schemas.openxmlformats.org/presentationml/2006/main">
+  <p:cSld>
+    <p:bg>
+      <p:bgRef idx="1001">
+        <a:schemeClr val="bg1"/>
+      </p:bgRef>
+    </p:bg>
+    <p:spTree>
+      <p:nvGrpSpPr>
+        <p:cNvPr id="1" name=""/>
+        <p:cNvGrpSpPr/>
+        <p:nvPr/>
+      </p:nvGrpSpPr>
+      <p:grpSpPr>
+        <a:xfrm>
+          <a:off x="0" y="0"/>
+          <a:ext cx="0" cy="0"/>
+          <a:chOff x="0" y="0"/>
+          <a:chExt cx="0" cy="0"/>
+        </a:xfrm>
+      </p:grpSpPr>
+      <p:sp>
+        <p:nvSpPr>
+          <p:cNvPr id="2" name="Header Placeholder 1"/>
+          <p:cNvSpPr>
+            <a:spLocks noGrp="1"/>
+          </p:cNvSpPr>
+          <p:nvPr>
+            <p:ph type="hdr" sz="quarter"/>
+          </p:nvPr>
+        </p:nvSpPr>
+        <p:spPr>
+          <a:xfrm>
+            <a:off x="0" y="0"/>
+            <a:ext cx="2971800" cy="458788"/>
+          </a:xfrm>
+          <a:prstGeom prst="rect">
+            <a:avLst/>
+          </a:prstGeom>
+        </p:spPr>
+        <p:txBody>
+          <a:bodyPr vert="horz" lIns="91440" tIns="45720" rIns="91440" bIns="45720" rtlCol="0"/>
+          <a:lstStyle>
+            <a:lvl1pPr algn="l">
+              <a:defRPr sz="1200"/>
+            </a:lvl1pPr>
+          </a:lstStyle>
+          <a:p>
+            <a:endParaRPr lang="en-GB"/>
+          </a:p>
+        </p:txBody>
+      </p:sp>
+      <p:sp>
+        <p:nvSpPr>
+          <p:cNvPr id="3" name="Date Placeholder 2"/>
+          <p:cNvSpPr>
+            <a:spLocks noGrp="1"/>
+          </p:cNvSpPr>
+          <p:nvPr>
+            <p:ph type="dt" idx="1"/>
+          </p:nvPr>
+        </p:nvSpPr>
+        <p:spPr>
+          <a:xfrm>
+            <a:off x="3884613" y="0"/>
+            <a:ext cx="2971800" cy="458788"/>
+          </a:xfrm>
+          <a:prstGeom prst="rect">
+            <a:avLst/>
+          </a:prstGeom>
+        </p:spPr>
+        <p:txBody>
+          <a:bodyPr vert="horz" lIns="91440" tIns="45720" rIns="91440" bIns="45720" rtlCol="0"/>
+          <a:lstStyle>
+            <a:lvl1pPr algn="r">
+              <a:defRPr sz="1200"/>
+            </a:lvl1pPr>
+          </a:lstStyle>
+          <a:p>
+            <a:fld id="{D8E1BCEB-95D3-4EFD-86D1-B7273A2C9AA7}" type="datetimeFigureOut">
+              <a:rPr lang="en-GB" smtClean="0"/>
+              <a:t>18/12/2017</a:t>
+            </a:fld>
+            <a:endParaRPr lang="en-GB"/>
+          </a:p>
+        </p:txBody>
+      </p:sp>
+      <p:sp>
+        <p:nvSpPr>
+          <p:cNvPr id="4" name="Slide Image Placeholder 3"/>
+          <p:cNvSpPr>
+            <a:spLocks noGrp="1" noRot="1" noChangeAspect="1"/>
+          </p:cNvSpPr>
+          <p:nvPr>
+            <p:ph type="sldImg" idx="2"/>
+          </p:nvPr>
+        </p:nvSpPr>
+        <p:spPr>
+          <a:xfrm>
+            <a:off x="685800" y="1143000"/>
+            <a:ext cx="5486400" cy="3086100"/>
+          </a:xfrm>
+          <a:prstGeom prst="rect">
+            <a:avLst/>
+          </a:prstGeom>
+          <a:noFill/>
+          <a:ln w="12700">
+            <a:solidFill>
+              <a:prstClr val="black"/>
+            </a:solidFill>
+          </a:ln>
+        </p:spPr>
+        <p:txBody>
+          <a:bodyPr vert="horz" lIns="91440" tIns="45720" rIns="91440" bIns="45720" rtlCol="0" anchor="ctr"/>
+          <a:lstStyle/>
+          <a:p>
+            <a:endParaRPr lang="en-GB"/>
+          </a:p>
+        </p:txBody>
+      </p:sp>
+      <p:sp>
+        <p:nvSpPr>
+          <p:cNvPr id="5" name="Notes Placeholder 4"/>
+          <p:cNvSpPr>
+            <a:spLocks noGrp="1"/>
+          </p:cNvSpPr>
+          <p:nvPr>
+            <p:ph type="body" sz="quarter" idx="3"/>
+          </p:nvPr>
+        </p:nvSpPr>
+        <p:spPr>
+          <a:xfrm>
+            <a:off x="685800" y="4400550"/>
+            <a:ext cx="5486400" cy="3600450"/>
+          </a:xfrm>
+          <a:prstGeom prst="rect">
+            <a:avLst/>
+          </a:prstGeom>
+        </p:spPr>
+        <p:txBody>
+          <a:bodyPr vert="horz" lIns="91440" tIns="45720" rIns="91440" bIns="45720" rtlCol="0"/>
+          <a:lstStyle/>
+          <a:p>
+            <a:pPr lvl="0"/>
+            <a:r>
+              <a:rPr lang="en-US" smtClean="0"/>
+              <a:t>Edit Master text styles</a:t>
+            </a:r>
+          </a:p>
+          <a:p>
+            <a:pPr lvl="1"/>
+            <a:r>
+              <a:rPr lang="en-US" smtClean="0"/>
+              <a:t>Second level</a:t>
+            </a:r>
+          </a:p>
+          <a:p>
+            <a:pPr lvl="2"/>
+            <a:r>
+              <a:rPr lang="en-US" smtClean="0"/>
+              <a:t>Third level</a:t>
+            </a:r>
+          </a:p>
+          <a:p>
+            <a:pPr lvl="3"/>
+            <a:r>
+              <a:rPr lang="en-US" smtClean="0"/>
+              <a:t>Fourth level</a:t>
+            </a:r>
+          </a:p>
+          <a:p>
+            <a:pPr lvl="4"/>
+            <a:r>
+              <a:rPr lang="en-US" smtClean="0"/>
+              <a:t>Fifth level</a:t>
+            </a:r>
+            <a:endParaRPr lang="en-GB"/>
+          </a:p>
+        </p:txBody>
+      </p:sp>
+      <p:sp>
+        <p:nvSpPr>
+          <p:cNvPr id="6" name="Footer Placeholder 5"/>
+          <p:cNvSpPr>
+            <a:spLocks noGrp="1"/>
+          </p:cNvSpPr>
+          <p:nvPr>
+            <p:ph type="ftr" sz="quarter" idx="4"/>
+          </p:nvPr>
+        </p:nvSpPr>
+        <p:spPr>
+          <a:xfrm>
+            <a:off x="0" y="8685213"/>
+            <a:ext cx="2971800" cy="458787"/>
+          </a:xfrm>
+          <a:prstGeom prst="rect">
+            <a:avLst/>
+          </a:prstGeom>
+        </p:spPr>
+        <p:txBody>
+          <a:bodyPr vert="horz" lIns="91440" tIns="45720" rIns="91440" bIns="45720" rtlCol="0" anchor="b"/>
+          <a:lstStyle>
+            <a:lvl1pPr algn="l">
+              <a:defRPr sz="1200"/>
+            </a:lvl1pPr>
+          </a:lstStyle>
+          <a:p>
+            <a:endParaRPr lang="en-GB"/>
+          </a:p>
+        </p:txBody>
+      </p:sp>
+      <p:sp>
+        <p:nvSpPr>
+          <p:cNvPr id="7" name="Slide Number Placeholder 6"/>
+          <p:cNvSpPr>
+            <a:spLocks noGrp="1"/>
+          </p:cNvSpPr>
+          <p:nvPr>
+            <p:ph type="sldNum" sz="quarter" idx="5"/>
+          </p:nvPr>
+        </p:nvSpPr>
+        <p:spPr>
+          <a:xfrm>
+            <a:off x="3884613" y="8685213"/>
+            <a:ext cx="2971800" cy="458787"/>
+          </a:xfrm>
+          <a:prstGeom prst="rect">
+            <a:avLst/>
+          </a:prstGeom>
+        </p:spPr>
+        <p:txBody>
+          <a:bodyPr vert="horz" lIns="91440" tIns="45720" rIns="91440" bIns="45720" rtlCol="0" anchor="b"/>
+          <a:lstStyle>
+            <a:lvl1pPr algn="r">
+              <a:defRPr sz="1200"/>
+            </a:lvl1pPr>
+          </a:lstStyle>
+          <a:p>
+            <a:fld id="{0F4DFD27-2967-4767-B29B-E19C19ACA289}" type="slidenum">
+              <a:rPr lang="en-GB" smtClean="0"/>
+              <a:t>‹#›</a:t>
+            </a:fld>
+            <a:endParaRPr lang="en-GB"/>
+          </a:p>
+        </p:txBody>
+      </p:sp>
+    </p:spTree>
+    <p:extLst>
+      <p:ext uri="{BB962C8B-B14F-4D97-AF65-F5344CB8AC3E}">
+        <p14:creationId xmlns:p14="http://schemas.microsoft.com/office/powerpoint/2010/main" val="936040530"/>
+      </p:ext>
+    </p:extLst>
+  </p:cSld>
+  <p:clrMap bg1="lt1" tx1="dk1" bg2="lt2" tx2="dk2" accent1="accent1" accent2="accent2" accent3="accent3" accent4="accent4" accent5="accent5" accent6="accent6" hlink="hlink" folHlink="folHlink"/>
+  <p:notesStyle>
+    <a:lvl1pPr marL="0" algn="l" defTabSz="914400" rtl="0" eaLnBrk="1" latinLnBrk="0" hangingPunct="1">
+      <a:defRPr sz="1200" kern="1200">
+        <a:solidFill>
+          <a:schemeClr val="tx1"/>
+        </a:solidFill>
+        <a:latin typeface="+mn-lt"/>
+        <a:ea typeface="+mn-ea"/>
+        <a:cs typeface="+mn-cs"/>
+      </a:defRPr>
+    </a:lvl1pPr>
+    <a:lvl2pPr marL="457200" algn="l" defTabSz="914400" rtl="0" eaLnBrk="1" latinLnBrk="0" hangingPunct="1">
+      <a:defRPr sz="1200" kern="1200">
+        <a:solidFill>
+          <a:schemeClr val="tx1"/>
+        </a:solidFill>
+        <a:latin typeface="+mn-lt"/>
+        <a:ea typeface="+mn-ea"/>
+        <a:cs typeface="+mn-cs"/>
+      </a:defRPr>
+    </a:lvl2pPr>
+    <a:lvl3pPr marL="914400" algn="l" defTabSz="914400" rtl="0" eaLnBrk="1" latinLnBrk="0" hangingPunct="1">
+      <a:defRPr sz="1200" kern="1200">
+        <a:solidFill>
+          <a:schemeClr val="tx1"/>
+        </a:solidFill>
+        <a:latin typeface="+mn-lt"/>
+        <a:ea typeface="+mn-ea"/>
+        <a:cs typeface="+mn-cs"/>
+      </a:defRPr>
+    </a:lvl3pPr>
+    <a:lvl4pPr marL="1371600" algn="l" defTabSz="914400" rtl="0" eaLnBrk="1" latinLnBrk="0" hangingPunct="1">
+      <a:defRPr sz="1200" kern="1200">
+        <a:solidFill>
+          <a:schemeClr val="tx1"/>
+        </a:solidFill>
+        <a:latin typeface="+mn-lt"/>
+        <a:ea typeface="+mn-ea"/>
+        <a:cs typeface="+mn-cs"/>
+      </a:defRPr>
+    </a:lvl4pPr>
+    <a:lvl5pPr marL="1828800" algn="l" defTabSz="914400" rtl="0" eaLnBrk="1" latinLnBrk="0" hangingPunct="1">
+      <a:defRPr sz="1200" kern="1200">
+        <a:solidFill>
+          <a:schemeClr val="tx1"/>
+        </a:solidFill>
+        <a:latin typeface="+mn-lt"/>
+        <a:ea typeface="+mn-ea"/>
+        <a:cs typeface="+mn-cs"/>
+      </a:defRPr>
+    </a:lvl5pPr>
+    <a:lvl6pPr marL="2286000" algn="l" defTabSz="914400" rtl="0" eaLnBrk="1" latinLnBrk="0" hangingPunct="1">
+      <a:defRPr sz="1200" kern="1200">
+        <a:solidFill>
+          <a:schemeClr val="tx1"/>
+        </a:solidFill>
+        <a:latin typeface="+mn-lt"/>
+        <a:ea typeface="+mn-ea"/>
+        <a:cs typeface="+mn-cs"/>
+      </a:defRPr>
+    </a:lvl6pPr>
+    <a:lvl7pPr marL="2743200" algn="l" defTabSz="914400" rtl="0" eaLnBrk="1" latinLnBrk="0" hangingPunct="1">
+      <a:defRPr sz="1200" kern="1200">
+        <a:solidFill>
+          <a:schemeClr val="tx1"/>
+        </a:solidFill>
+        <a:latin typeface="+mn-lt"/>
+        <a:ea typeface="+mn-ea"/>
+        <a:cs typeface="+mn-cs"/>
+      </a:defRPr>
+    </a:lvl7pPr>
+    <a:lvl8pPr marL="3200400" algn="l" defTabSz="914400" rtl="0" eaLnBrk="1" latinLnBrk="0" hangingPunct="1">
+      <a:defRPr sz="1200" kern="1200">
+        <a:solidFill>
+          <a:schemeClr val="tx1"/>
+        </a:solidFill>
+        <a:latin typeface="+mn-lt"/>
+        <a:ea typeface="+mn-ea"/>
+        <a:cs typeface="+mn-cs"/>
+      </a:defRPr>
+    </a:lvl8pPr>
+    <a:lvl9pPr marL="3657600" algn="l" defTabSz="914400" rtl="0" eaLnBrk="1" latinLnBrk="0" hangingPunct="1">
+      <a:defRPr sz="1200" kern="1200">
+        <a:solidFill>
+          <a:schemeClr val="tx1"/>
+        </a:solidFill>
+        <a:latin typeface="+mn-lt"/>
+        <a:ea typeface="+mn-ea"/>
+        <a:cs typeface="+mn-cs"/>
+      </a:defRPr>
+    </a:lvl9pPr>
+  </p:notesStyle>
+</p:notesMaster>
+</file>
+
 <file path=ppt/slideLayouts/slideLayout1.xml><?xml version="1.0" encoding="utf-8"?>
 <p:sldLayout xmlns:a="http://schemas.openxmlformats.org/drawingml/2006/main" xmlns:r="http://schemas.openxmlformats.org/officeDocument/2006/relationships" xmlns:p="http://schemas.openxmlformats.org/presentationml/2006/main" type="title" preserve="1">
   <p:cSld name="Title Slide">
@@ -267,9 +620,9 @@
           <a:bodyPr/>
           <a:lstStyle/>
           <a:p>
-            <a:fld id="{377D33B0-C84D-48FE-B2B4-1B6631A21FD0}" type="datetimeFigureOut">
+            <a:fld id="{46A11D63-751A-4160-9674-6D89583F14AA}" type="datetime1">
               <a:rPr lang="en-GB" smtClean="0"/>
-              <a:t>14/12/2017</a:t>
+              <a:t>18/12/2017</a:t>
             </a:fld>
             <a:endParaRPr lang="en-GB"/>
           </a:p>
@@ -437,9 +790,9 @@
           <a:bodyPr/>
           <a:lstStyle/>
           <a:p>
-            <a:fld id="{377D33B0-C84D-48FE-B2B4-1B6631A21FD0}" type="datetimeFigureOut">
+            <a:fld id="{40222BF2-8BEE-43D4-A3FD-4D9AC2D4F4A1}" type="datetime1">
               <a:rPr lang="en-GB" smtClean="0"/>
-              <a:t>14/12/2017</a:t>
+              <a:t>18/12/2017</a:t>
             </a:fld>
             <a:endParaRPr lang="en-GB"/>
           </a:p>
@@ -617,9 +970,9 @@
           <a:bodyPr/>
           <a:lstStyle/>
           <a:p>
-            <a:fld id="{377D33B0-C84D-48FE-B2B4-1B6631A21FD0}" type="datetimeFigureOut">
+            <a:fld id="{63464878-EBE0-4308-880D-82C7BA4196A6}" type="datetime1">
               <a:rPr lang="en-GB" smtClean="0"/>
-              <a:t>14/12/2017</a:t>
+              <a:t>18/12/2017</a:t>
             </a:fld>
             <a:endParaRPr lang="en-GB"/>
           </a:p>
@@ -787,9 +1140,9 @@
           <a:bodyPr/>
           <a:lstStyle/>
           <a:p>
-            <a:fld id="{377D33B0-C84D-48FE-B2B4-1B6631A21FD0}" type="datetimeFigureOut">
+            <a:fld id="{13D71E82-E9F6-46B7-8FEE-5CEF9D0A6612}" type="datetime1">
               <a:rPr lang="en-GB" smtClean="0"/>
-              <a:t>14/12/2017</a:t>
+              <a:t>18/12/2017</a:t>
             </a:fld>
             <a:endParaRPr lang="en-GB"/>
           </a:p>
@@ -1033,9 +1386,9 @@
           <a:bodyPr/>
           <a:lstStyle/>
           <a:p>
-            <a:fld id="{377D33B0-C84D-48FE-B2B4-1B6631A21FD0}" type="datetimeFigureOut">
+            <a:fld id="{525A8D82-D974-46E7-B0F8-18C08BB8D6AC}" type="datetime1">
               <a:rPr lang="en-GB" smtClean="0"/>
-              <a:t>14/12/2017</a:t>
+              <a:t>18/12/2017</a:t>
             </a:fld>
             <a:endParaRPr lang="en-GB"/>
           </a:p>
@@ -1265,9 +1618,9 @@
           <a:bodyPr/>
           <a:lstStyle/>
           <a:p>
-            <a:fld id="{377D33B0-C84D-48FE-B2B4-1B6631A21FD0}" type="datetimeFigureOut">
+            <a:fld id="{A89DE6F5-0C87-43EB-9FD6-E791B16E2E9E}" type="datetime1">
               <a:rPr lang="en-GB" smtClean="0"/>
-              <a:t>14/12/2017</a:t>
+              <a:t>18/12/2017</a:t>
             </a:fld>
             <a:endParaRPr lang="en-GB"/>
           </a:p>
@@ -1632,9 +1985,9 @@
           <a:bodyPr/>
           <a:lstStyle/>
           <a:p>
-            <a:fld id="{377D33B0-C84D-48FE-B2B4-1B6631A21FD0}" type="datetimeFigureOut">
+            <a:fld id="{BFE225AE-CFE0-4CD2-AD67-0F6D13028016}" type="datetime1">
               <a:rPr lang="en-GB" smtClean="0"/>
-              <a:t>14/12/2017</a:t>
+              <a:t>18/12/2017</a:t>
             </a:fld>
             <a:endParaRPr lang="en-GB"/>
           </a:p>
@@ -1750,9 +2103,9 @@
           <a:bodyPr/>
           <a:lstStyle/>
           <a:p>
-            <a:fld id="{377D33B0-C84D-48FE-B2B4-1B6631A21FD0}" type="datetimeFigureOut">
+            <a:fld id="{10703468-266B-4F64-96D3-C6F5BEE183C8}" type="datetime1">
               <a:rPr lang="en-GB" smtClean="0"/>
-              <a:t>14/12/2017</a:t>
+              <a:t>18/12/2017</a:t>
             </a:fld>
             <a:endParaRPr lang="en-GB"/>
           </a:p>
@@ -1845,9 +2198,9 @@
           <a:bodyPr/>
           <a:lstStyle/>
           <a:p>
-            <a:fld id="{377D33B0-C84D-48FE-B2B4-1B6631A21FD0}" type="datetimeFigureOut">
+            <a:fld id="{59ED84D4-2441-4E10-8ED7-DF4548D47C4C}" type="datetime1">
               <a:rPr lang="en-GB" smtClean="0"/>
-              <a:t>14/12/2017</a:t>
+              <a:t>18/12/2017</a:t>
             </a:fld>
             <a:endParaRPr lang="en-GB"/>
           </a:p>
@@ -2122,9 +2475,9 @@
           <a:bodyPr/>
           <a:lstStyle/>
           <a:p>
-            <a:fld id="{377D33B0-C84D-48FE-B2B4-1B6631A21FD0}" type="datetimeFigureOut">
+            <a:fld id="{1941039E-F281-4AC7-9DCD-3ED8D73B1DA8}" type="datetime1">
               <a:rPr lang="en-GB" smtClean="0"/>
-              <a:t>14/12/2017</a:t>
+              <a:t>18/12/2017</a:t>
             </a:fld>
             <a:endParaRPr lang="en-GB"/>
           </a:p>
@@ -2379,9 +2732,9 @@
           <a:bodyPr/>
           <a:lstStyle/>
           <a:p>
-            <a:fld id="{377D33B0-C84D-48FE-B2B4-1B6631A21FD0}" type="datetimeFigureOut">
+            <a:fld id="{D6539346-4B3E-4B82-A0E3-265453D0144F}" type="datetime1">
               <a:rPr lang="en-GB" smtClean="0"/>
-              <a:t>14/12/2017</a:t>
+              <a:t>18/12/2017</a:t>
             </a:fld>
             <a:endParaRPr lang="en-GB"/>
           </a:p>
@@ -2592,9 +2945,9 @@
             </a:lvl1pPr>
           </a:lstStyle>
           <a:p>
-            <a:fld id="{377D33B0-C84D-48FE-B2B4-1B6631A21FD0}" type="datetimeFigureOut">
+            <a:fld id="{193B3B13-5148-43FB-80F2-1120B7E3127D}" type="datetime1">
               <a:rPr lang="en-GB" smtClean="0"/>
-              <a:t>14/12/2017</a:t>
+              <a:t>18/12/2017</a:t>
             </a:fld>
             <a:endParaRPr lang="en-GB"/>
           </a:p>
@@ -2699,6 +3052,7 @@
     <p:sldLayoutId id="2147483670" r:id="rId10"/>
     <p:sldLayoutId id="2147483671" r:id="rId11"/>
   </p:sldLayoutIdLst>
+  <p:hf hdr="0" ftr="0" dt="0"/>
   <p:txStyles>
     <p:titleStyle>
       <a:lvl1pPr algn="l" defTabSz="914400" rtl="0" eaLnBrk="1" latinLnBrk="0" hangingPunct="1">
@@ -3099,6 +3453,29 @@
           </a:prstGeom>
         </p:spPr>
       </p:pic>
+      <p:sp>
+        <p:nvSpPr>
+          <p:cNvPr id="5" name="Slide Number Placeholder 4"/>
+          <p:cNvSpPr>
+            <a:spLocks noGrp="1"/>
+          </p:cNvSpPr>
+          <p:nvPr>
+            <p:ph type="sldNum" sz="quarter" idx="12"/>
+          </p:nvPr>
+        </p:nvSpPr>
+        <p:spPr/>
+        <p:txBody>
+          <a:bodyPr/>
+          <a:lstStyle/>
+          <a:p>
+            <a:fld id="{1FB4BD47-2A83-4A56-970D-480688504C1B}" type="slidenum">
+              <a:rPr lang="en-GB" smtClean="0"/>
+              <a:t>1</a:t>
+            </a:fld>
+            <a:endParaRPr lang="en-GB"/>
+          </a:p>
+        </p:txBody>
+      </p:sp>
     </p:spTree>
     <p:extLst>
       <p:ext uri="{BB962C8B-B14F-4D97-AF65-F5344CB8AC3E}">
@@ -3109,6 +3486,13 @@
   <p:clrMapOvr>
     <a:masterClrMapping/>
   </p:clrMapOvr>
+  <p:timing>
+    <p:tnLst>
+      <p:par>
+        <p:cTn id="1" dur="indefinite" restart="never" nodeType="tmRoot"/>
+      </p:par>
+    </p:tnLst>
+  </p:timing>
 </p:sld>
 </file>
 
@@ -3192,6 +3576,29 @@
           </a:prstGeom>
         </p:spPr>
       </p:pic>
+      <p:sp>
+        <p:nvSpPr>
+          <p:cNvPr id="3" name="Slide Number Placeholder 2"/>
+          <p:cNvSpPr>
+            <a:spLocks noGrp="1"/>
+          </p:cNvSpPr>
+          <p:nvPr>
+            <p:ph type="sldNum" sz="quarter" idx="12"/>
+          </p:nvPr>
+        </p:nvSpPr>
+        <p:spPr/>
+        <p:txBody>
+          <a:bodyPr/>
+          <a:lstStyle/>
+          <a:p>
+            <a:fld id="{1FB4BD47-2A83-4A56-970D-480688504C1B}" type="slidenum">
+              <a:rPr lang="en-GB" smtClean="0"/>
+              <a:t>10</a:t>
+            </a:fld>
+            <a:endParaRPr lang="en-GB"/>
+          </a:p>
+        </p:txBody>
+      </p:sp>
     </p:spTree>
     <p:extLst>
       <p:ext uri="{BB962C8B-B14F-4D97-AF65-F5344CB8AC3E}">
@@ -3202,6 +3609,13 @@
   <p:clrMapOvr>
     <a:masterClrMapping/>
   </p:clrMapOvr>
+  <p:timing>
+    <p:tnLst>
+      <p:par>
+        <p:cTn id="1" dur="indefinite" restart="never" nodeType="tmRoot"/>
+      </p:par>
+    </p:tnLst>
+  </p:timing>
 </p:sld>
 </file>
 
@@ -3339,6 +3753,29 @@
           </a:p>
         </p:txBody>
       </p:sp>
+      <p:sp>
+        <p:nvSpPr>
+          <p:cNvPr id="4" name="Slide Number Placeholder 3"/>
+          <p:cNvSpPr>
+            <a:spLocks noGrp="1"/>
+          </p:cNvSpPr>
+          <p:nvPr>
+            <p:ph type="sldNum" sz="quarter" idx="12"/>
+          </p:nvPr>
+        </p:nvSpPr>
+        <p:spPr/>
+        <p:txBody>
+          <a:bodyPr/>
+          <a:lstStyle/>
+          <a:p>
+            <a:fld id="{1FB4BD47-2A83-4A56-970D-480688504C1B}" type="slidenum">
+              <a:rPr lang="en-GB" smtClean="0"/>
+              <a:t>11</a:t>
+            </a:fld>
+            <a:endParaRPr lang="en-GB"/>
+          </a:p>
+        </p:txBody>
+      </p:sp>
     </p:spTree>
     <p:extLst>
       <p:ext uri="{BB962C8B-B14F-4D97-AF65-F5344CB8AC3E}">
@@ -3349,6 +3786,13 @@
   <p:clrMapOvr>
     <a:masterClrMapping/>
   </p:clrMapOvr>
+  <p:timing>
+    <p:tnLst>
+      <p:par>
+        <p:cTn id="1" dur="indefinite" restart="never" nodeType="tmRoot"/>
+      </p:par>
+    </p:tnLst>
+  </p:timing>
 </p:sld>
 </file>
 
@@ -3491,6 +3935,29 @@
           </a:p>
         </p:txBody>
       </p:sp>
+      <p:sp>
+        <p:nvSpPr>
+          <p:cNvPr id="4" name="Slide Number Placeholder 3"/>
+          <p:cNvSpPr>
+            <a:spLocks noGrp="1"/>
+          </p:cNvSpPr>
+          <p:nvPr>
+            <p:ph type="sldNum" sz="quarter" idx="12"/>
+          </p:nvPr>
+        </p:nvSpPr>
+        <p:spPr/>
+        <p:txBody>
+          <a:bodyPr/>
+          <a:lstStyle/>
+          <a:p>
+            <a:fld id="{1FB4BD47-2A83-4A56-970D-480688504C1B}" type="slidenum">
+              <a:rPr lang="en-GB" smtClean="0"/>
+              <a:t>12</a:t>
+            </a:fld>
+            <a:endParaRPr lang="en-GB"/>
+          </a:p>
+        </p:txBody>
+      </p:sp>
     </p:spTree>
     <p:extLst>
       <p:ext uri="{BB962C8B-B14F-4D97-AF65-F5344CB8AC3E}">
@@ -3501,6 +3968,13 @@
   <p:clrMapOvr>
     <a:masterClrMapping/>
   </p:clrMapOvr>
+  <p:timing>
+    <p:tnLst>
+      <p:par>
+        <p:cTn id="1" dur="indefinite" restart="never" nodeType="tmRoot"/>
+      </p:par>
+    </p:tnLst>
+  </p:timing>
 </p:sld>
 </file>
 
@@ -3645,6 +4119,29 @@
           </a:p>
         </p:txBody>
       </p:sp>
+      <p:sp>
+        <p:nvSpPr>
+          <p:cNvPr id="4" name="Slide Number Placeholder 3"/>
+          <p:cNvSpPr>
+            <a:spLocks noGrp="1"/>
+          </p:cNvSpPr>
+          <p:nvPr>
+            <p:ph type="sldNum" sz="quarter" idx="12"/>
+          </p:nvPr>
+        </p:nvSpPr>
+        <p:spPr/>
+        <p:txBody>
+          <a:bodyPr/>
+          <a:lstStyle/>
+          <a:p>
+            <a:fld id="{1FB4BD47-2A83-4A56-970D-480688504C1B}" type="slidenum">
+              <a:rPr lang="en-GB" smtClean="0"/>
+              <a:t>2</a:t>
+            </a:fld>
+            <a:endParaRPr lang="en-GB"/>
+          </a:p>
+        </p:txBody>
+      </p:sp>
     </p:spTree>
     <p:extLst>
       <p:ext uri="{BB962C8B-B14F-4D97-AF65-F5344CB8AC3E}">
@@ -3655,6 +4152,13 @@
   <p:clrMapOvr>
     <a:masterClrMapping/>
   </p:clrMapOvr>
+  <p:timing>
+    <p:tnLst>
+      <p:par>
+        <p:cTn id="1" dur="indefinite" restart="never" nodeType="tmRoot"/>
+      </p:par>
+    </p:tnLst>
+  </p:timing>
 </p:sld>
 </file>
 
@@ -3754,6 +4258,29 @@
           </a:p>
         </p:txBody>
       </p:sp>
+      <p:sp>
+        <p:nvSpPr>
+          <p:cNvPr id="4" name="Slide Number Placeholder 3"/>
+          <p:cNvSpPr>
+            <a:spLocks noGrp="1"/>
+          </p:cNvSpPr>
+          <p:nvPr>
+            <p:ph type="sldNum" sz="quarter" idx="12"/>
+          </p:nvPr>
+        </p:nvSpPr>
+        <p:spPr/>
+        <p:txBody>
+          <a:bodyPr/>
+          <a:lstStyle/>
+          <a:p>
+            <a:fld id="{1FB4BD47-2A83-4A56-970D-480688504C1B}" type="slidenum">
+              <a:rPr lang="en-GB" smtClean="0"/>
+              <a:t>3</a:t>
+            </a:fld>
+            <a:endParaRPr lang="en-GB"/>
+          </a:p>
+        </p:txBody>
+      </p:sp>
     </p:spTree>
     <p:extLst>
       <p:ext uri="{BB962C8B-B14F-4D97-AF65-F5344CB8AC3E}">
@@ -3764,6 +4291,13 @@
   <p:clrMapOvr>
     <a:masterClrMapping/>
   </p:clrMapOvr>
+  <p:timing>
+    <p:tnLst>
+      <p:par>
+        <p:cTn id="1" dur="indefinite" restart="never" nodeType="tmRoot"/>
+      </p:par>
+    </p:tnLst>
+  </p:timing>
 </p:sld>
 </file>
 
@@ -3836,35 +4370,35 @@
                 <a:gridCol w="2103120">
                   <a:extLst>
                     <a:ext uri="{9D8B030D-6E8A-4147-A177-3AD203B41FA5}">
-                      <a16:colId xmlns:a16="http://schemas.microsoft.com/office/drawing/2014/main" xmlns="" val="2178192700"/>
+                      <a16:colId xmlns:a16="http://schemas.microsoft.com/office/drawing/2014/main" val="2178192700"/>
                     </a:ext>
                   </a:extLst>
                 </a:gridCol>
                 <a:gridCol w="2103120">
                   <a:extLst>
                     <a:ext uri="{9D8B030D-6E8A-4147-A177-3AD203B41FA5}">
-                      <a16:colId xmlns:a16="http://schemas.microsoft.com/office/drawing/2014/main" xmlns="" val="331999573"/>
+                      <a16:colId xmlns:a16="http://schemas.microsoft.com/office/drawing/2014/main" val="331999573"/>
                     </a:ext>
                   </a:extLst>
                 </a:gridCol>
                 <a:gridCol w="2103120">
                   <a:extLst>
                     <a:ext uri="{9D8B030D-6E8A-4147-A177-3AD203B41FA5}">
-                      <a16:colId xmlns:a16="http://schemas.microsoft.com/office/drawing/2014/main" xmlns="" val="3597132808"/>
+                      <a16:colId xmlns:a16="http://schemas.microsoft.com/office/drawing/2014/main" val="3597132808"/>
                     </a:ext>
                   </a:extLst>
                 </a:gridCol>
                 <a:gridCol w="2103120">
                   <a:extLst>
                     <a:ext uri="{9D8B030D-6E8A-4147-A177-3AD203B41FA5}">
-                      <a16:colId xmlns:a16="http://schemas.microsoft.com/office/drawing/2014/main" xmlns="" val="596877116"/>
+                      <a16:colId xmlns:a16="http://schemas.microsoft.com/office/drawing/2014/main" val="596877116"/>
                     </a:ext>
                   </a:extLst>
                 </a:gridCol>
                 <a:gridCol w="2103120">
                   <a:extLst>
                     <a:ext uri="{9D8B030D-6E8A-4147-A177-3AD203B41FA5}">
-                      <a16:colId xmlns:a16="http://schemas.microsoft.com/office/drawing/2014/main" xmlns="" val="1778616611"/>
+                      <a16:colId xmlns:a16="http://schemas.microsoft.com/office/drawing/2014/main" val="1778616611"/>
                     </a:ext>
                   </a:extLst>
                 </a:gridCol>
@@ -4032,7 +4566,7 @@
                 </a:tc>
                 <a:extLst>
                   <a:ext uri="{0D108BD9-81ED-4DB2-BD59-A6C34878D82A}">
-                    <a16:rowId xmlns:a16="http://schemas.microsoft.com/office/drawing/2014/main" xmlns="" val="2548993085"/>
+                    <a16:rowId xmlns:a16="http://schemas.microsoft.com/office/drawing/2014/main" val="2548993085"/>
                   </a:ext>
                 </a:extLst>
               </a:tr>
@@ -4199,7 +4733,7 @@
                 </a:tc>
                 <a:extLst>
                   <a:ext uri="{0D108BD9-81ED-4DB2-BD59-A6C34878D82A}">
-                    <a16:rowId xmlns:a16="http://schemas.microsoft.com/office/drawing/2014/main" xmlns="" val="3696918108"/>
+                    <a16:rowId xmlns:a16="http://schemas.microsoft.com/office/drawing/2014/main" val="3696918108"/>
                   </a:ext>
                 </a:extLst>
               </a:tr>
@@ -4366,7 +4900,7 @@
                 </a:tc>
                 <a:extLst>
                   <a:ext uri="{0D108BD9-81ED-4DB2-BD59-A6C34878D82A}">
-                    <a16:rowId xmlns:a16="http://schemas.microsoft.com/office/drawing/2014/main" xmlns="" val="739848613"/>
+                    <a16:rowId xmlns:a16="http://schemas.microsoft.com/office/drawing/2014/main" val="739848613"/>
                   </a:ext>
                 </a:extLst>
               </a:tr>
@@ -4533,7 +5067,7 @@
                 </a:tc>
                 <a:extLst>
                   <a:ext uri="{0D108BD9-81ED-4DB2-BD59-A6C34878D82A}">
-                    <a16:rowId xmlns:a16="http://schemas.microsoft.com/office/drawing/2014/main" xmlns="" val="3862531879"/>
+                    <a16:rowId xmlns:a16="http://schemas.microsoft.com/office/drawing/2014/main" val="3862531879"/>
                   </a:ext>
                 </a:extLst>
               </a:tr>
@@ -4700,7 +5234,7 @@
                 </a:tc>
                 <a:extLst>
                   <a:ext uri="{0D108BD9-81ED-4DB2-BD59-A6C34878D82A}">
-                    <a16:rowId xmlns:a16="http://schemas.microsoft.com/office/drawing/2014/main" xmlns="" val="107777099"/>
+                    <a16:rowId xmlns:a16="http://schemas.microsoft.com/office/drawing/2014/main" val="107777099"/>
                   </a:ext>
                 </a:extLst>
               </a:tr>
@@ -4867,7 +5401,7 @@
                 </a:tc>
                 <a:extLst>
                   <a:ext uri="{0D108BD9-81ED-4DB2-BD59-A6C34878D82A}">
-                    <a16:rowId xmlns:a16="http://schemas.microsoft.com/office/drawing/2014/main" xmlns="" val="4196587497"/>
+                    <a16:rowId xmlns:a16="http://schemas.microsoft.com/office/drawing/2014/main" val="4196587497"/>
                   </a:ext>
                 </a:extLst>
               </a:tr>
@@ -5034,7 +5568,7 @@
                 </a:tc>
                 <a:extLst>
                   <a:ext uri="{0D108BD9-81ED-4DB2-BD59-A6C34878D82A}">
-                    <a16:rowId xmlns:a16="http://schemas.microsoft.com/office/drawing/2014/main" xmlns="" val="3973535048"/>
+                    <a16:rowId xmlns:a16="http://schemas.microsoft.com/office/drawing/2014/main" val="3973535048"/>
                   </a:ext>
                 </a:extLst>
               </a:tr>
@@ -5195,7 +5729,7 @@
                 </a:tc>
                 <a:extLst>
                   <a:ext uri="{0D108BD9-81ED-4DB2-BD59-A6C34878D82A}">
-                    <a16:rowId xmlns:a16="http://schemas.microsoft.com/office/drawing/2014/main" xmlns="" val="4184079262"/>
+                    <a16:rowId xmlns:a16="http://schemas.microsoft.com/office/drawing/2014/main" val="4184079262"/>
                   </a:ext>
                 </a:extLst>
               </a:tr>
@@ -5362,7 +5896,7 @@
                 </a:tc>
                 <a:extLst>
                   <a:ext uri="{0D108BD9-81ED-4DB2-BD59-A6C34878D82A}">
-                    <a16:rowId xmlns:a16="http://schemas.microsoft.com/office/drawing/2014/main" xmlns="" val="1549009875"/>
+                    <a16:rowId xmlns:a16="http://schemas.microsoft.com/office/drawing/2014/main" val="1549009875"/>
                   </a:ext>
                 </a:extLst>
               </a:tr>
@@ -5370,6 +5904,29 @@
           </a:graphicData>
         </a:graphic>
       </p:graphicFrame>
+      <p:sp>
+        <p:nvSpPr>
+          <p:cNvPr id="3" name="Slide Number Placeholder 2"/>
+          <p:cNvSpPr>
+            <a:spLocks noGrp="1"/>
+          </p:cNvSpPr>
+          <p:nvPr>
+            <p:ph type="sldNum" sz="quarter" idx="12"/>
+          </p:nvPr>
+        </p:nvSpPr>
+        <p:spPr/>
+        <p:txBody>
+          <a:bodyPr/>
+          <a:lstStyle/>
+          <a:p>
+            <a:fld id="{1FB4BD47-2A83-4A56-970D-480688504C1B}" type="slidenum">
+              <a:rPr lang="en-GB" smtClean="0"/>
+              <a:t>4</a:t>
+            </a:fld>
+            <a:endParaRPr lang="en-GB"/>
+          </a:p>
+        </p:txBody>
+      </p:sp>
     </p:spTree>
     <p:extLst>
       <p:ext uri="{BB962C8B-B14F-4D97-AF65-F5344CB8AC3E}">
@@ -5380,6 +5937,13 @@
   <p:clrMapOvr>
     <a:masterClrMapping/>
   </p:clrMapOvr>
+  <p:timing>
+    <p:tnLst>
+      <p:par>
+        <p:cTn id="1" dur="indefinite" restart="never" nodeType="tmRoot"/>
+      </p:par>
+    </p:tnLst>
+  </p:timing>
 </p:sld>
 </file>
 
@@ -5599,6 +6163,29 @@
           </a:p>
         </p:txBody>
       </p:sp>
+      <p:sp>
+        <p:nvSpPr>
+          <p:cNvPr id="6" name="Slide Number Placeholder 5"/>
+          <p:cNvSpPr>
+            <a:spLocks noGrp="1"/>
+          </p:cNvSpPr>
+          <p:nvPr>
+            <p:ph type="sldNum" sz="quarter" idx="12"/>
+          </p:nvPr>
+        </p:nvSpPr>
+        <p:spPr/>
+        <p:txBody>
+          <a:bodyPr/>
+          <a:lstStyle/>
+          <a:p>
+            <a:fld id="{1FB4BD47-2A83-4A56-970D-480688504C1B}" type="slidenum">
+              <a:rPr lang="en-GB" smtClean="0"/>
+              <a:t>5</a:t>
+            </a:fld>
+            <a:endParaRPr lang="en-GB"/>
+          </a:p>
+        </p:txBody>
+      </p:sp>
     </p:spTree>
     <p:extLst>
       <p:ext uri="{BB962C8B-B14F-4D97-AF65-F5344CB8AC3E}">
@@ -5609,6 +6196,13 @@
   <p:clrMapOvr>
     <a:masterClrMapping/>
   </p:clrMapOvr>
+  <p:timing>
+    <p:tnLst>
+      <p:par>
+        <p:cTn id="1" dur="indefinite" restart="never" nodeType="tmRoot"/>
+      </p:par>
+    </p:tnLst>
+  </p:timing>
 </p:sld>
 </file>
 
@@ -5891,6 +6485,29 @@
           </a:p>
         </p:txBody>
       </p:sp>
+      <p:sp>
+        <p:nvSpPr>
+          <p:cNvPr id="4" name="Slide Number Placeholder 3"/>
+          <p:cNvSpPr>
+            <a:spLocks noGrp="1"/>
+          </p:cNvSpPr>
+          <p:nvPr>
+            <p:ph type="sldNum" sz="quarter" idx="12"/>
+          </p:nvPr>
+        </p:nvSpPr>
+        <p:spPr/>
+        <p:txBody>
+          <a:bodyPr/>
+          <a:lstStyle/>
+          <a:p>
+            <a:fld id="{1FB4BD47-2A83-4A56-970D-480688504C1B}" type="slidenum">
+              <a:rPr lang="en-GB" smtClean="0"/>
+              <a:t>6</a:t>
+            </a:fld>
+            <a:endParaRPr lang="en-GB"/>
+          </a:p>
+        </p:txBody>
+      </p:sp>
     </p:spTree>
     <p:extLst>
       <p:ext uri="{BB962C8B-B14F-4D97-AF65-F5344CB8AC3E}">
@@ -5901,6 +6518,13 @@
   <p:clrMapOvr>
     <a:masterClrMapping/>
   </p:clrMapOvr>
+  <p:timing>
+    <p:tnLst>
+      <p:par>
+        <p:cTn id="1" dur="indefinite" restart="never" nodeType="tmRoot"/>
+      </p:par>
+    </p:tnLst>
+  </p:timing>
 </p:sld>
 </file>
 
@@ -5995,6 +6619,29 @@
           </a:p>
         </p:txBody>
       </p:sp>
+      <p:sp>
+        <p:nvSpPr>
+          <p:cNvPr id="4" name="Slide Number Placeholder 3"/>
+          <p:cNvSpPr>
+            <a:spLocks noGrp="1"/>
+          </p:cNvSpPr>
+          <p:nvPr>
+            <p:ph type="sldNum" sz="quarter" idx="12"/>
+          </p:nvPr>
+        </p:nvSpPr>
+        <p:spPr/>
+        <p:txBody>
+          <a:bodyPr/>
+          <a:lstStyle/>
+          <a:p>
+            <a:fld id="{1FB4BD47-2A83-4A56-970D-480688504C1B}" type="slidenum">
+              <a:rPr lang="en-GB" smtClean="0"/>
+              <a:t>7</a:t>
+            </a:fld>
+            <a:endParaRPr lang="en-GB"/>
+          </a:p>
+        </p:txBody>
+      </p:sp>
     </p:spTree>
     <p:extLst>
       <p:ext uri="{BB962C8B-B14F-4D97-AF65-F5344CB8AC3E}">
@@ -6005,6 +6652,13 @@
   <p:clrMapOvr>
     <a:masterClrMapping/>
   </p:clrMapOvr>
+  <p:timing>
+    <p:tnLst>
+      <p:par>
+        <p:cTn id="1" dur="indefinite" restart="never" nodeType="tmRoot"/>
+      </p:par>
+    </p:tnLst>
+  </p:timing>
 </p:sld>
 </file>
 
@@ -6217,6 +6871,29 @@
           </a:p>
         </p:txBody>
       </p:sp>
+      <p:sp>
+        <p:nvSpPr>
+          <p:cNvPr id="4" name="Slide Number Placeholder 3"/>
+          <p:cNvSpPr>
+            <a:spLocks noGrp="1"/>
+          </p:cNvSpPr>
+          <p:nvPr>
+            <p:ph type="sldNum" sz="quarter" idx="12"/>
+          </p:nvPr>
+        </p:nvSpPr>
+        <p:spPr/>
+        <p:txBody>
+          <a:bodyPr/>
+          <a:lstStyle/>
+          <a:p>
+            <a:fld id="{1FB4BD47-2A83-4A56-970D-480688504C1B}" type="slidenum">
+              <a:rPr lang="en-GB" smtClean="0"/>
+              <a:t>8</a:t>
+            </a:fld>
+            <a:endParaRPr lang="en-GB"/>
+          </a:p>
+        </p:txBody>
+      </p:sp>
     </p:spTree>
     <p:extLst>
       <p:ext uri="{BB962C8B-B14F-4D97-AF65-F5344CB8AC3E}">
@@ -6227,6 +6904,13 @@
   <p:clrMapOvr>
     <a:masterClrMapping/>
   </p:clrMapOvr>
+  <p:timing>
+    <p:tnLst>
+      <p:par>
+        <p:cTn id="1" dur="indefinite" restart="never" nodeType="tmRoot"/>
+      </p:par>
+    </p:tnLst>
+  </p:timing>
 </p:sld>
 </file>
 
@@ -6360,63 +7044,63 @@
                 <a:gridCol w="586328">
                   <a:extLst>
                     <a:ext uri="{9D8B030D-6E8A-4147-A177-3AD203B41FA5}">
-                      <a16:colId xmlns:a16="http://schemas.microsoft.com/office/drawing/2014/main" xmlns="" val="1953549286"/>
+                      <a16:colId xmlns:a16="http://schemas.microsoft.com/office/drawing/2014/main" val="1953549286"/>
                     </a:ext>
                   </a:extLst>
                 </a:gridCol>
                 <a:gridCol w="1441911">
                   <a:extLst>
                     <a:ext uri="{9D8B030D-6E8A-4147-A177-3AD203B41FA5}">
-                      <a16:colId xmlns:a16="http://schemas.microsoft.com/office/drawing/2014/main" xmlns="" val="2286925942"/>
+                      <a16:colId xmlns:a16="http://schemas.microsoft.com/office/drawing/2014/main" val="2286925942"/>
                     </a:ext>
                   </a:extLst>
                 </a:gridCol>
                 <a:gridCol w="592568">
                   <a:extLst>
                     <a:ext uri="{9D8B030D-6E8A-4147-A177-3AD203B41FA5}">
-                      <a16:colId xmlns:a16="http://schemas.microsoft.com/office/drawing/2014/main" xmlns="" val="2240166967"/>
+                      <a16:colId xmlns:a16="http://schemas.microsoft.com/office/drawing/2014/main" val="2240166967"/>
                     </a:ext>
                   </a:extLst>
                 </a:gridCol>
                 <a:gridCol w="592568">
                   <a:extLst>
                     <a:ext uri="{9D8B030D-6E8A-4147-A177-3AD203B41FA5}">
-                      <a16:colId xmlns:a16="http://schemas.microsoft.com/office/drawing/2014/main" xmlns="" val="3084119439"/>
+                      <a16:colId xmlns:a16="http://schemas.microsoft.com/office/drawing/2014/main" val="3084119439"/>
                     </a:ext>
                   </a:extLst>
                 </a:gridCol>
                 <a:gridCol w="1035431">
                   <a:extLst>
                     <a:ext uri="{9D8B030D-6E8A-4147-A177-3AD203B41FA5}">
-                      <a16:colId xmlns:a16="http://schemas.microsoft.com/office/drawing/2014/main" xmlns="" val="2439947825"/>
+                      <a16:colId xmlns:a16="http://schemas.microsoft.com/office/drawing/2014/main" val="2439947825"/>
                     </a:ext>
                   </a:extLst>
                 </a:gridCol>
                 <a:gridCol w="1183054">
                   <a:extLst>
                     <a:ext uri="{9D8B030D-6E8A-4147-A177-3AD203B41FA5}">
-                      <a16:colId xmlns:a16="http://schemas.microsoft.com/office/drawing/2014/main" xmlns="" val="756702285"/>
+                      <a16:colId xmlns:a16="http://schemas.microsoft.com/office/drawing/2014/main" val="756702285"/>
                     </a:ext>
                   </a:extLst>
                 </a:gridCol>
                 <a:gridCol w="1035431">
                   <a:extLst>
                     <a:ext uri="{9D8B030D-6E8A-4147-A177-3AD203B41FA5}">
-                      <a16:colId xmlns:a16="http://schemas.microsoft.com/office/drawing/2014/main" xmlns="" val="52909403"/>
+                      <a16:colId xmlns:a16="http://schemas.microsoft.com/office/drawing/2014/main" val="52909403"/>
                     </a:ext>
                   </a:extLst>
                 </a:gridCol>
                 <a:gridCol w="2104131">
                   <a:extLst>
                     <a:ext uri="{9D8B030D-6E8A-4147-A177-3AD203B41FA5}">
-                      <a16:colId xmlns:a16="http://schemas.microsoft.com/office/drawing/2014/main" xmlns="" val="3498582246"/>
+                      <a16:colId xmlns:a16="http://schemas.microsoft.com/office/drawing/2014/main" val="3498582246"/>
                     </a:ext>
                   </a:extLst>
                 </a:gridCol>
                 <a:gridCol w="1042710">
                   <a:extLst>
                     <a:ext uri="{9D8B030D-6E8A-4147-A177-3AD203B41FA5}">
-                      <a16:colId xmlns:a16="http://schemas.microsoft.com/office/drawing/2014/main" xmlns="" val="2633740206"/>
+                      <a16:colId xmlns:a16="http://schemas.microsoft.com/office/drawing/2014/main" val="2633740206"/>
                     </a:ext>
                   </a:extLst>
                 </a:gridCol>
@@ -6685,7 +7369,7 @@
                 </a:tc>
                 <a:extLst>
                   <a:ext uri="{0D108BD9-81ED-4DB2-BD59-A6C34878D82A}">
-                    <a16:rowId xmlns:a16="http://schemas.microsoft.com/office/drawing/2014/main" xmlns="" val="4035685168"/>
+                    <a16:rowId xmlns:a16="http://schemas.microsoft.com/office/drawing/2014/main" val="4035685168"/>
                   </a:ext>
                 </a:extLst>
               </a:tr>
@@ -6953,7 +7637,7 @@
                 </a:tc>
                 <a:extLst>
                   <a:ext uri="{0D108BD9-81ED-4DB2-BD59-A6C34878D82A}">
-                    <a16:rowId xmlns:a16="http://schemas.microsoft.com/office/drawing/2014/main" xmlns="" val="3486077057"/>
+                    <a16:rowId xmlns:a16="http://schemas.microsoft.com/office/drawing/2014/main" val="3486077057"/>
                   </a:ext>
                 </a:extLst>
               </a:tr>
@@ -6961,6 +7645,29 @@
           </a:graphicData>
         </a:graphic>
       </p:graphicFrame>
+      <p:sp>
+        <p:nvSpPr>
+          <p:cNvPr id="4" name="Slide Number Placeholder 3"/>
+          <p:cNvSpPr>
+            <a:spLocks noGrp="1"/>
+          </p:cNvSpPr>
+          <p:nvPr>
+            <p:ph type="sldNum" sz="quarter" idx="12"/>
+          </p:nvPr>
+        </p:nvSpPr>
+        <p:spPr/>
+        <p:txBody>
+          <a:bodyPr/>
+          <a:lstStyle/>
+          <a:p>
+            <a:fld id="{1FB4BD47-2A83-4A56-970D-480688504C1B}" type="slidenum">
+              <a:rPr lang="en-GB" smtClean="0"/>
+              <a:t>9</a:t>
+            </a:fld>
+            <a:endParaRPr lang="en-GB"/>
+          </a:p>
+        </p:txBody>
+      </p:sp>
     </p:spTree>
     <p:extLst>
       <p:ext uri="{BB962C8B-B14F-4D97-AF65-F5344CB8AC3E}">
@@ -6971,6 +7678,13 @@
   <p:clrMapOvr>
     <a:masterClrMapping/>
   </p:clrMapOvr>
+  <p:timing>
+    <p:tnLst>
+      <p:par>
+        <p:cTn id="1" dur="indefinite" restart="never" nodeType="tmRoot"/>
+      </p:par>
+    </p:tnLst>
+  </p:timing>
 </p:sld>
 </file>
 
@@ -7229,7 +7943,268 @@
   <a:extraClrSchemeLst/>
   <a:extLst>
     <a:ext uri="{05A4C25C-085E-4340-85A3-A5531E510DB2}">
-      <thm15:themeFamily xmlns:thm15="http://schemas.microsoft.com/office/thememl/2012/main" xmlns="" name="Office Theme" id="{62F939B6-93AF-4DB8-9C6B-D6C7DFDC589F}" vid="{4A3C46E8-61CC-4603-A589-7422A47A8E4A}"/>
+      <thm15:themeFamily xmlns:thm15="http://schemas.microsoft.com/office/thememl/2012/main" name="Office Theme" id="{62F939B6-93AF-4DB8-9C6B-D6C7DFDC589F}" vid="{4A3C46E8-61CC-4603-A589-7422A47A8E4A}"/>
+    </a:ext>
+  </a:extLst>
+</a:theme>
+</file>
+
+<file path=ppt/theme/theme2.xml><?xml version="1.0" encoding="utf-8"?>
+<a:theme xmlns:a="http://schemas.openxmlformats.org/drawingml/2006/main" name="Office Theme">
+  <a:themeElements>
+    <a:clrScheme name="Office">
+      <a:dk1>
+        <a:sysClr val="windowText" lastClr="000000"/>
+      </a:dk1>
+      <a:lt1>
+        <a:sysClr val="window" lastClr="FFFFFF"/>
+      </a:lt1>
+      <a:dk2>
+        <a:srgbClr val="44546A"/>
+      </a:dk2>
+      <a:lt2>
+        <a:srgbClr val="E7E6E6"/>
+      </a:lt2>
+      <a:accent1>
+        <a:srgbClr val="5B9BD5"/>
+      </a:accent1>
+      <a:accent2>
+        <a:srgbClr val="ED7D31"/>
+      </a:accent2>
+      <a:accent3>
+        <a:srgbClr val="A5A5A5"/>
+      </a:accent3>
+      <a:accent4>
+        <a:srgbClr val="FFC000"/>
+      </a:accent4>
+      <a:accent5>
+        <a:srgbClr val="4472C4"/>
+      </a:accent5>
+      <a:accent6>
+        <a:srgbClr val="70AD47"/>
+      </a:accent6>
+      <a:hlink>
+        <a:srgbClr val="0563C1"/>
+      </a:hlink>
+      <a:folHlink>
+        <a:srgbClr val="954F72"/>
+      </a:folHlink>
+    </a:clrScheme>
+    <a:fontScheme name="Office">
+      <a:majorFont>
+        <a:latin typeface="Calibri Light" panose="020F0302020204030204"/>
+        <a:ea typeface=""/>
+        <a:cs typeface=""/>
+        <a:font script="Jpan" typeface="游ゴシック Light"/>
+        <a:font script="Hang" typeface="맑은 고딕"/>
+        <a:font script="Hans" typeface="等线 Light"/>
+        <a:font script="Hant" typeface="新細明體"/>
+        <a:font script="Arab" typeface="Times New Roman"/>
+        <a:font script="Hebr" typeface="Times New Roman"/>
+        <a:font script="Thai" typeface="Angsana New"/>
+        <a:font script="Ethi" typeface="Nyala"/>
+        <a:font script="Beng" typeface="Vrinda"/>
+        <a:font script="Gujr" typeface="Shruti"/>
+        <a:font script="Khmr" typeface="MoolBoran"/>
+        <a:font script="Knda" typeface="Tunga"/>
+        <a:font script="Guru" typeface="Raavi"/>
+        <a:font script="Cans" typeface="Euphemia"/>
+        <a:font script="Cher" typeface="Plantagenet Cherokee"/>
+        <a:font script="Yiii" typeface="Microsoft Yi Baiti"/>
+        <a:font script="Tibt" typeface="Microsoft Himalaya"/>
+        <a:font script="Thaa" typeface="MV Boli"/>
+        <a:font script="Deva" typeface="Mangal"/>
+        <a:font script="Telu" typeface="Gautami"/>
+        <a:font script="Taml" typeface="Latha"/>
+        <a:font script="Syrc" typeface="Estrangelo Edessa"/>
+        <a:font script="Orya" typeface="Kalinga"/>
+        <a:font script="Mlym" typeface="Kartika"/>
+        <a:font script="Laoo" typeface="DokChampa"/>
+        <a:font script="Sinh" typeface="Iskoola Pota"/>
+        <a:font script="Mong" typeface="Mongolian Baiti"/>
+        <a:font script="Viet" typeface="Times New Roman"/>
+        <a:font script="Uigh" typeface="Microsoft Uighur"/>
+        <a:font script="Geor" typeface="Sylfaen"/>
+      </a:majorFont>
+      <a:minorFont>
+        <a:latin typeface="Calibri" panose="020F0502020204030204"/>
+        <a:ea typeface=""/>
+        <a:cs typeface=""/>
+        <a:font script="Jpan" typeface="游ゴシック"/>
+        <a:font script="Hang" typeface="맑은 고딕"/>
+        <a:font script="Hans" typeface="等线"/>
+        <a:font script="Hant" typeface="新細明體"/>
+        <a:font script="Arab" typeface="Arial"/>
+        <a:font script="Hebr" typeface="Arial"/>
+        <a:font script="Thai" typeface="Cordia New"/>
+        <a:font script="Ethi" typeface="Nyala"/>
+        <a:font script="Beng" typeface="Vrinda"/>
+        <a:font script="Gujr" typeface="Shruti"/>
+        <a:font script="Khmr" typeface="DaunPenh"/>
+        <a:font script="Knda" typeface="Tunga"/>
+        <a:font script="Guru" typeface="Raavi"/>
+        <a:font script="Cans" typeface="Euphemia"/>
+        <a:font script="Cher" typeface="Plantagenet Cherokee"/>
+        <a:font script="Yiii" typeface="Microsoft Yi Baiti"/>
+        <a:font script="Tibt" typeface="Microsoft Himalaya"/>
+        <a:font script="Thaa" typeface="MV Boli"/>
+        <a:font script="Deva" typeface="Mangal"/>
+        <a:font script="Telu" typeface="Gautami"/>
+        <a:font script="Taml" typeface="Latha"/>
+        <a:font script="Syrc" typeface="Estrangelo Edessa"/>
+        <a:font script="Orya" typeface="Kalinga"/>
+        <a:font script="Mlym" typeface="Kartika"/>
+        <a:font script="Laoo" typeface="DokChampa"/>
+        <a:font script="Sinh" typeface="Iskoola Pota"/>
+        <a:font script="Mong" typeface="Mongolian Baiti"/>
+        <a:font script="Viet" typeface="Arial"/>
+        <a:font script="Uigh" typeface="Microsoft Uighur"/>
+        <a:font script="Geor" typeface="Sylfaen"/>
+      </a:minorFont>
+    </a:fontScheme>
+    <a:fmtScheme name="Office">
+      <a:fillStyleLst>
+        <a:solidFill>
+          <a:schemeClr val="phClr"/>
+        </a:solidFill>
+        <a:gradFill rotWithShape="1">
+          <a:gsLst>
+            <a:gs pos="0">
+              <a:schemeClr val="phClr">
+                <a:lumMod val="110000"/>
+                <a:satMod val="105000"/>
+                <a:tint val="67000"/>
+              </a:schemeClr>
+            </a:gs>
+            <a:gs pos="50000">
+              <a:schemeClr val="phClr">
+                <a:lumMod val="105000"/>
+                <a:satMod val="103000"/>
+                <a:tint val="73000"/>
+              </a:schemeClr>
+            </a:gs>
+            <a:gs pos="100000">
+              <a:schemeClr val="phClr">
+                <a:lumMod val="105000"/>
+                <a:satMod val="109000"/>
+                <a:tint val="81000"/>
+              </a:schemeClr>
+            </a:gs>
+          </a:gsLst>
+          <a:lin ang="5400000" scaled="0"/>
+        </a:gradFill>
+        <a:gradFill rotWithShape="1">
+          <a:gsLst>
+            <a:gs pos="0">
+              <a:schemeClr val="phClr">
+                <a:satMod val="103000"/>
+                <a:lumMod val="102000"/>
+                <a:tint val="94000"/>
+              </a:schemeClr>
+            </a:gs>
+            <a:gs pos="50000">
+              <a:schemeClr val="phClr">
+                <a:satMod val="110000"/>
+                <a:lumMod val="100000"/>
+                <a:shade val="100000"/>
+              </a:schemeClr>
+            </a:gs>
+            <a:gs pos="100000">
+              <a:schemeClr val="phClr">
+                <a:lumMod val="99000"/>
+                <a:satMod val="120000"/>
+                <a:shade val="78000"/>
+              </a:schemeClr>
+            </a:gs>
+          </a:gsLst>
+          <a:lin ang="5400000" scaled="0"/>
+        </a:gradFill>
+      </a:fillStyleLst>
+      <a:lnStyleLst>
+        <a:ln w="6350" cap="flat" cmpd="sng" algn="ctr">
+          <a:solidFill>
+            <a:schemeClr val="phClr"/>
+          </a:solidFill>
+          <a:prstDash val="solid"/>
+          <a:miter lim="800000"/>
+        </a:ln>
+        <a:ln w="12700" cap="flat" cmpd="sng" algn="ctr">
+          <a:solidFill>
+            <a:schemeClr val="phClr"/>
+          </a:solidFill>
+          <a:prstDash val="solid"/>
+          <a:miter lim="800000"/>
+        </a:ln>
+        <a:ln w="19050" cap="flat" cmpd="sng" algn="ctr">
+          <a:solidFill>
+            <a:schemeClr val="phClr"/>
+          </a:solidFill>
+          <a:prstDash val="solid"/>
+          <a:miter lim="800000"/>
+        </a:ln>
+      </a:lnStyleLst>
+      <a:effectStyleLst>
+        <a:effectStyle>
+          <a:effectLst/>
+        </a:effectStyle>
+        <a:effectStyle>
+          <a:effectLst/>
+        </a:effectStyle>
+        <a:effectStyle>
+          <a:effectLst>
+            <a:outerShdw blurRad="57150" dist="19050" dir="5400000" algn="ctr" rotWithShape="0">
+              <a:srgbClr val="000000">
+                <a:alpha val="63000"/>
+              </a:srgbClr>
+            </a:outerShdw>
+          </a:effectLst>
+        </a:effectStyle>
+      </a:effectStyleLst>
+      <a:bgFillStyleLst>
+        <a:solidFill>
+          <a:schemeClr val="phClr"/>
+        </a:solidFill>
+        <a:solidFill>
+          <a:schemeClr val="phClr">
+            <a:tint val="95000"/>
+            <a:satMod val="170000"/>
+          </a:schemeClr>
+        </a:solidFill>
+        <a:gradFill rotWithShape="1">
+          <a:gsLst>
+            <a:gs pos="0">
+              <a:schemeClr val="phClr">
+                <a:tint val="93000"/>
+                <a:satMod val="150000"/>
+                <a:shade val="98000"/>
+                <a:lumMod val="102000"/>
+              </a:schemeClr>
+            </a:gs>
+            <a:gs pos="50000">
+              <a:schemeClr val="phClr">
+                <a:tint val="98000"/>
+                <a:satMod val="130000"/>
+                <a:shade val="90000"/>
+                <a:lumMod val="103000"/>
+              </a:schemeClr>
+            </a:gs>
+            <a:gs pos="100000">
+              <a:schemeClr val="phClr">
+                <a:shade val="63000"/>
+                <a:satMod val="120000"/>
+              </a:schemeClr>
+            </a:gs>
+          </a:gsLst>
+          <a:lin ang="5400000" scaled="0"/>
+        </a:gradFill>
+      </a:bgFillStyleLst>
+    </a:fmtScheme>
+  </a:themeElements>
+  <a:objectDefaults/>
+  <a:extraClrSchemeLst/>
+  <a:extLst>
+    <a:ext uri="{05A4C25C-085E-4340-85A3-A5531E510DB2}">
+      <thm15:themeFamily xmlns:thm15="http://schemas.microsoft.com/office/thememl/2012/main" name="Office Theme" id="{62F939B6-93AF-4DB8-9C6B-D6C7DFDC589F}" vid="{4A3C46E8-61CC-4603-A589-7422A47A8E4A}"/>
     </a:ext>
   </a:extLst>
 </a:theme>

--- a/README.pptx
+++ b/README.pptx
@@ -5,7 +5,7 @@
     <p:sldMasterId id="2147483660" r:id="rId1"/>
   </p:sldMasterIdLst>
   <p:notesMasterIdLst>
-    <p:notesMasterId r:id="rId14"/>
+    <p:notesMasterId r:id="rId15"/>
   </p:notesMasterIdLst>
   <p:sldIdLst>
     <p:sldId id="256" r:id="rId2"/>
@@ -13,13 +13,14 @@
     <p:sldId id="272" r:id="rId4"/>
     <p:sldId id="259" r:id="rId5"/>
     <p:sldId id="271" r:id="rId6"/>
-    <p:sldId id="273" r:id="rId7"/>
-    <p:sldId id="275" r:id="rId8"/>
-    <p:sldId id="274" r:id="rId9"/>
-    <p:sldId id="261" r:id="rId10"/>
-    <p:sldId id="262" r:id="rId11"/>
-    <p:sldId id="264" r:id="rId12"/>
-    <p:sldId id="266" r:id="rId13"/>
+    <p:sldId id="274" r:id="rId7"/>
+    <p:sldId id="261" r:id="rId8"/>
+    <p:sldId id="262" r:id="rId9"/>
+    <p:sldId id="276" r:id="rId10"/>
+    <p:sldId id="266" r:id="rId11"/>
+    <p:sldId id="275" r:id="rId12"/>
+    <p:sldId id="264" r:id="rId13"/>
+    <p:sldId id="277" r:id="rId14"/>
   </p:sldIdLst>
   <p:sldSz cx="12192000" cy="6858000"/>
   <p:notesSz cx="6858000" cy="9144000"/>
@@ -120,7 +121,7 @@
   </p:defaultTextStyle>
   <p:extLst>
     <p:ext uri="{EFAFB233-063F-42B5-8137-9DF3F51BA10A}">
-      <p15:sldGuideLst xmlns:p15="http://schemas.microsoft.com/office/powerpoint/2012/main">
+      <p15:sldGuideLst xmlns="" xmlns:p15="http://schemas.microsoft.com/office/powerpoint/2012/main">
         <p15:guide id="1" orient="horz" pos="2160">
           <p15:clr>
             <a:srgbClr val="A4A3A4"/>
@@ -223,7 +224,7 @@
           <a:p>
             <a:fld id="{D8E1BCEB-95D3-4EFD-86D1-B7273A2C9AA7}" type="datetimeFigureOut">
               <a:rPr lang="en-GB" smtClean="0"/>
-              <a:t>18/12/2017</a:t>
+              <a:t>06/01/2018</a:t>
             </a:fld>
             <a:endParaRPr lang="en-GB"/>
           </a:p>
@@ -622,7 +623,7 @@
           <a:p>
             <a:fld id="{46A11D63-751A-4160-9674-6D89583F14AA}" type="datetime1">
               <a:rPr lang="en-GB" smtClean="0"/>
-              <a:t>18/12/2017</a:t>
+              <a:t>06/01/2018</a:t>
             </a:fld>
             <a:endParaRPr lang="en-GB"/>
           </a:p>
@@ -792,7 +793,7 @@
           <a:p>
             <a:fld id="{40222BF2-8BEE-43D4-A3FD-4D9AC2D4F4A1}" type="datetime1">
               <a:rPr lang="en-GB" smtClean="0"/>
-              <a:t>18/12/2017</a:t>
+              <a:t>06/01/2018</a:t>
             </a:fld>
             <a:endParaRPr lang="en-GB"/>
           </a:p>
@@ -972,7 +973,7 @@
           <a:p>
             <a:fld id="{63464878-EBE0-4308-880D-82C7BA4196A6}" type="datetime1">
               <a:rPr lang="en-GB" smtClean="0"/>
-              <a:t>18/12/2017</a:t>
+              <a:t>06/01/2018</a:t>
             </a:fld>
             <a:endParaRPr lang="en-GB"/>
           </a:p>
@@ -1142,7 +1143,7 @@
           <a:p>
             <a:fld id="{13D71E82-E9F6-46B7-8FEE-5CEF9D0A6612}" type="datetime1">
               <a:rPr lang="en-GB" smtClean="0"/>
-              <a:t>18/12/2017</a:t>
+              <a:t>06/01/2018</a:t>
             </a:fld>
             <a:endParaRPr lang="en-GB"/>
           </a:p>
@@ -1388,7 +1389,7 @@
           <a:p>
             <a:fld id="{525A8D82-D974-46E7-B0F8-18C08BB8D6AC}" type="datetime1">
               <a:rPr lang="en-GB" smtClean="0"/>
-              <a:t>18/12/2017</a:t>
+              <a:t>06/01/2018</a:t>
             </a:fld>
             <a:endParaRPr lang="en-GB"/>
           </a:p>
@@ -1620,7 +1621,7 @@
           <a:p>
             <a:fld id="{A89DE6F5-0C87-43EB-9FD6-E791B16E2E9E}" type="datetime1">
               <a:rPr lang="en-GB" smtClean="0"/>
-              <a:t>18/12/2017</a:t>
+              <a:t>06/01/2018</a:t>
             </a:fld>
             <a:endParaRPr lang="en-GB"/>
           </a:p>
@@ -1987,7 +1988,7 @@
           <a:p>
             <a:fld id="{BFE225AE-CFE0-4CD2-AD67-0F6D13028016}" type="datetime1">
               <a:rPr lang="en-GB" smtClean="0"/>
-              <a:t>18/12/2017</a:t>
+              <a:t>06/01/2018</a:t>
             </a:fld>
             <a:endParaRPr lang="en-GB"/>
           </a:p>
@@ -2105,7 +2106,7 @@
           <a:p>
             <a:fld id="{10703468-266B-4F64-96D3-C6F5BEE183C8}" type="datetime1">
               <a:rPr lang="en-GB" smtClean="0"/>
-              <a:t>18/12/2017</a:t>
+              <a:t>06/01/2018</a:t>
             </a:fld>
             <a:endParaRPr lang="en-GB"/>
           </a:p>
@@ -2200,7 +2201,7 @@
           <a:p>
             <a:fld id="{59ED84D4-2441-4E10-8ED7-DF4548D47C4C}" type="datetime1">
               <a:rPr lang="en-GB" smtClean="0"/>
-              <a:t>18/12/2017</a:t>
+              <a:t>06/01/2018</a:t>
             </a:fld>
             <a:endParaRPr lang="en-GB"/>
           </a:p>
@@ -2477,7 +2478,7 @@
           <a:p>
             <a:fld id="{1941039E-F281-4AC7-9DCD-3ED8D73B1DA8}" type="datetime1">
               <a:rPr lang="en-GB" smtClean="0"/>
-              <a:t>18/12/2017</a:t>
+              <a:t>06/01/2018</a:t>
             </a:fld>
             <a:endParaRPr lang="en-GB"/>
           </a:p>
@@ -2734,7 +2735,7 @@
           <a:p>
             <a:fld id="{D6539346-4B3E-4B82-A0E3-265453D0144F}" type="datetime1">
               <a:rPr lang="en-GB" smtClean="0"/>
-              <a:t>18/12/2017</a:t>
+              <a:t>06/01/2018</a:t>
             </a:fld>
             <a:endParaRPr lang="en-GB"/>
           </a:p>
@@ -2947,7 +2948,7 @@
           <a:p>
             <a:fld id="{193B3B13-5148-43FB-80F2-1120B7E3127D}" type="datetime1">
               <a:rPr lang="en-GB" smtClean="0"/>
-              <a:t>18/12/2017</a:t>
+              <a:t>06/01/2018</a:t>
             </a:fld>
             <a:endParaRPr lang="en-GB"/>
           </a:p>
@@ -3530,55 +3531,81 @@
           <a:p>
             <a:pPr algn="ctr"/>
             <a:r>
+              <a:rPr lang="en-US" dirty="0" smtClean="0"/>
+              <a:t>JAM results</a:t>
+            </a:r>
+            <a:endParaRPr lang="en-GB" dirty="0"/>
+          </a:p>
+        </p:txBody>
+      </p:sp>
+      <p:sp>
+        <p:nvSpPr>
+          <p:cNvPr id="3" name="Content Placeholder 2"/>
+          <p:cNvSpPr>
+            <a:spLocks noGrp="1"/>
+          </p:cNvSpPr>
+          <p:nvPr>
+            <p:ph idx="1"/>
+          </p:nvPr>
+        </p:nvSpPr>
+        <p:spPr/>
+        <p:txBody>
+          <a:bodyPr/>
+          <a:lstStyle/>
+          <a:p>
+            <a:pPr marL="0" indent="0">
+              <a:buNone/>
+            </a:pPr>
+            <a:r>
+              <a:rPr lang="en-GB" dirty="0" smtClean="0"/>
+              <a:t>It is based on pruned set containing 191 SNPs, which is further cut down for those with complete data.</a:t>
+            </a:r>
+          </a:p>
+          <a:p>
+            <a:pPr marL="0" indent="0">
+              <a:buNone/>
+            </a:pPr>
+            <a:endParaRPr lang="en-GB" dirty="0" smtClean="0"/>
+          </a:p>
+          <a:p>
+            <a:pPr marL="0" indent="0">
+              <a:buNone/>
+            </a:pPr>
+            <a:r>
+              <a:rPr lang="en-GB" dirty="0" smtClean="0"/>
+              <a:t>The configuration that only </a:t>
+            </a:r>
+            <a:r>
               <a:rPr lang="en-GB" dirty="0"/>
-              <a:t>Regional association plot (</a:t>
-            </a:r>
-            <a:r>
-              <a:rPr lang="en-GB" dirty="0" err="1"/>
-              <a:t>locusZoom</a:t>
+              <a:t>snp21 (rs7548892) </a:t>
+            </a:r>
+            <a:r>
+              <a:rPr lang="en-GB" dirty="0" smtClean="0"/>
+              <a:t>is causal has </a:t>
             </a:r>
             <a:r>
               <a:rPr lang="en-GB" dirty="0"/>
-              <a:t>)</a:t>
-            </a:r>
-          </a:p>
-        </p:txBody>
-      </p:sp>
-      <p:pic>
-        <p:nvPicPr>
-          <p:cNvPr id="4" name="Content Placeholder 3"/>
-          <p:cNvPicPr>
-            <a:picLocks noGrp="1"/>
-          </p:cNvPicPr>
-          <p:nvPr>
-            <p:ph idx="1"/>
-          </p:nvPr>
-        </p:nvPicPr>
-        <p:blipFill>
-          <a:blip r:embed="rId2" cstate="print">
-            <a:extLst>
-              <a:ext uri="{28A0092B-C50C-407E-A947-70E740481C1C}">
-                <a14:useLocalDpi xmlns:a14="http://schemas.microsoft.com/office/drawing/2010/main" val="0"/>
-              </a:ext>
-            </a:extLst>
-          </a:blip>
-          <a:stretch>
-            <a:fillRect/>
-          </a:stretch>
-        </p:blipFill>
-        <p:spPr>
-          <a:xfrm>
-            <a:off x="2456873" y="1542473"/>
-            <a:ext cx="7749309" cy="5246254"/>
-          </a:xfrm>
-          <a:prstGeom prst="rect">
-            <a:avLst/>
-          </a:prstGeom>
-        </p:spPr>
-      </p:pic>
-      <p:sp>
-        <p:nvSpPr>
-          <p:cNvPr id="3" name="Slide Number Placeholder 2"/>
+              <a:t>posterior probability </a:t>
+            </a:r>
+            <a:r>
+              <a:rPr lang="en-GB" dirty="0" smtClean="0"/>
+              <a:t>of 0.3798 with </a:t>
+            </a:r>
+            <a:r>
+              <a:rPr lang="en-GB" dirty="0"/>
+              <a:t>Bayes Factor </a:t>
+            </a:r>
+            <a:r>
+              <a:rPr lang="en-GB" dirty="0" smtClean="0"/>
+              <a:t>240.37.</a:t>
+            </a:r>
+            <a:endParaRPr lang="en-GB" dirty="0"/>
+          </a:p>
+        </p:txBody>
+      </p:sp>
+      <p:sp>
+        <p:nvSpPr>
+          <p:cNvPr id="4" name="Slide Number Placeholder 3"/>
           <p:cNvSpPr>
             <a:spLocks noGrp="1"/>
           </p:cNvSpPr>
@@ -3602,7 +3629,7 @@
     </p:spTree>
     <p:extLst>
       <p:ext uri="{BB962C8B-B14F-4D97-AF65-F5344CB8AC3E}">
-        <p14:creationId xmlns:p14="http://schemas.microsoft.com/office/powerpoint/2010/main" val="191454984"/>
+        <p14:creationId xmlns:p14="http://schemas.microsoft.com/office/powerpoint/2010/main" val="3551037671"/>
       </p:ext>
     </p:extLst>
   </p:cSld>
@@ -3653,13 +3680,25 @@
           <a:p>
             <a:pPr algn="ctr"/>
             <a:r>
-              <a:rPr lang="en-US" dirty="0"/>
-              <a:t>Results from </a:t>
-            </a:r>
-            <a:r>
-              <a:rPr lang="en-US" dirty="0" err="1"/>
+              <a:rPr lang="en-GB" dirty="0" err="1" smtClean="0"/>
               <a:t>finemap</a:t>
             </a:r>
+            <a:r>
+              <a:rPr lang="en-GB" smtClean="0"/>
+              <a:t> results: </a:t>
+            </a:r>
+            <a:r>
+              <a:rPr lang="en-GB" dirty="0" smtClean="0"/>
+              <a:t>Configurations with </a:t>
+            </a:r>
+            <a:r>
+              <a:rPr lang="en-GB" dirty="0" err="1" smtClean="0"/>
+              <a:t>config_prob</a:t>
+            </a:r>
+            <a:r>
+              <a:rPr lang="en-GB" dirty="0" smtClean="0"/>
+              <a:t>&gt;0.01</a:t>
+            </a:r>
             <a:endParaRPr lang="en-GB" dirty="0"/>
           </a:p>
         </p:txBody>
@@ -3676,15 +3715,41 @@
         </p:nvSpPr>
         <p:spPr/>
         <p:txBody>
-          <a:bodyPr/>
+          <a:bodyPr>
+            <a:normAutofit fontScale="62500" lnSpcReduction="20000"/>
+          </a:bodyPr>
           <a:lstStyle/>
           <a:p>
             <a:pPr marL="0" indent="0">
               <a:buNone/>
             </a:pPr>
             <a:r>
-              <a:rPr lang="en-GB" dirty="0"/>
-              <a:t>In the pruned set (509 SNPs) only two SNPs were of interest,</a:t>
+              <a:rPr lang="fr-FR" dirty="0" err="1" smtClean="0">
+                <a:latin typeface="Courier New" panose="02070309020205020404" pitchFamily="49" charset="0"/>
+                <a:cs typeface="Courier New" panose="02070309020205020404" pitchFamily="49" charset="0"/>
+              </a:rPr>
+              <a:t>rank</a:t>
+            </a:r>
+            <a:r>
+              <a:rPr lang="fr-FR" dirty="0" smtClean="0">
+                <a:latin typeface="Courier New" panose="02070309020205020404" pitchFamily="49" charset="0"/>
+                <a:cs typeface="Courier New" panose="02070309020205020404" pitchFamily="49" charset="0"/>
+              </a:rPr>
+              <a:t>         config </a:t>
+            </a:r>
+            <a:r>
+              <a:rPr lang="fr-FR" dirty="0" err="1" smtClean="0">
+                <a:latin typeface="Courier New" panose="02070309020205020404" pitchFamily="49" charset="0"/>
+                <a:cs typeface="Courier New" panose="02070309020205020404" pitchFamily="49" charset="0"/>
+              </a:rPr>
+              <a:t>config_prob</a:t>
+            </a:r>
+            <a:r>
+              <a:rPr lang="fr-FR" dirty="0" smtClean="0">
+                <a:latin typeface="Courier New" panose="02070309020205020404" pitchFamily="49" charset="0"/>
+                <a:cs typeface="Courier New" panose="02070309020205020404" pitchFamily="49" charset="0"/>
+              </a:rPr>
+              <a:t> config_log10bf</a:t>
             </a:r>
           </a:p>
           <a:p>
@@ -3692,48 +3757,35 @@
               <a:buNone/>
             </a:pPr>
             <a:r>
-              <a:rPr lang="en-GB" dirty="0" err="1"/>
-              <a:t>snp</a:t>
-            </a:r>
-            <a:r>
-              <a:rPr lang="en-GB" dirty="0"/>
-              <a:t> </a:t>
-            </a:r>
-            <a:r>
-              <a:rPr lang="en-GB" dirty="0" err="1"/>
-              <a:t>snp_prob</a:t>
-            </a:r>
-            <a:r>
-              <a:rPr lang="en-GB" dirty="0"/>
-              <a:t> snp_log10bf </a:t>
-            </a:r>
-            <a:r>
-              <a:rPr lang="en-GB" dirty="0" err="1"/>
-              <a:t>rsid</a:t>
-            </a:r>
-            <a:endParaRPr lang="en-GB" dirty="0"/>
+              <a:rPr lang="fr-FR" dirty="0" smtClean="0">
+                <a:latin typeface="Courier New" panose="02070309020205020404" pitchFamily="49" charset="0"/>
+                <a:cs typeface="Courier New" panose="02070309020205020404" pitchFamily="49" charset="0"/>
+              </a:rPr>
+              <a:t>1 1:39380385_C_T  0.24398500       17.49907</a:t>
+            </a:r>
           </a:p>
           <a:p>
             <a:pPr marL="0" indent="0">
               <a:buNone/>
             </a:pPr>
             <a:r>
-              <a:rPr lang="en-GB" dirty="0"/>
-              <a:t>1:39364617_A_G 0.8829 3.5831 </a:t>
-            </a:r>
-            <a:r>
-              <a:rPr lang="en-GB" b="1" dirty="0"/>
-              <a:t>rs4970634</a:t>
-            </a:r>
-            <a:endParaRPr lang="en-GB" dirty="0"/>
+              <a:rPr lang="fr-FR" dirty="0" smtClean="0">
+                <a:latin typeface="Courier New" panose="02070309020205020404" pitchFamily="49" charset="0"/>
+                <a:cs typeface="Courier New" panose="02070309020205020404" pitchFamily="49" charset="0"/>
+              </a:rPr>
+              <a:t>2 1:39343467_C_T  0.06635133       16.93355</a:t>
+            </a:r>
           </a:p>
           <a:p>
             <a:pPr marL="0" indent="0">
               <a:buNone/>
             </a:pPr>
             <a:r>
-              <a:rPr lang="en-GB" dirty="0"/>
-              <a:t>1:39302020_C_T 0.1167 1.8270 rs7548054</a:t>
+              <a:rPr lang="fr-FR" dirty="0" smtClean="0">
+                <a:latin typeface="Courier New" panose="02070309020205020404" pitchFamily="49" charset="0"/>
+                <a:cs typeface="Courier New" panose="02070309020205020404" pitchFamily="49" charset="0"/>
+              </a:rPr>
+              <a:t>3 1:39355351_G_T  0.06092276       16.89648</a:t>
             </a:r>
           </a:p>
           <a:p>
@@ -3741,15 +3793,112 @@
               <a:buNone/>
             </a:pPr>
             <a:r>
-              <a:rPr lang="en-GB" dirty="0"/>
-              <a:t>Again the lead SNP was flagged with high probability and large log10(BF).</a:t>
+              <a:rPr lang="fr-FR" dirty="0" smtClean="0">
+                <a:latin typeface="Courier New" panose="02070309020205020404" pitchFamily="49" charset="0"/>
+                <a:cs typeface="Courier New" panose="02070309020205020404" pitchFamily="49" charset="0"/>
+              </a:rPr>
+              <a:t>4 1:39354517_C_T  0.05838194       16.87798</a:t>
             </a:r>
           </a:p>
           <a:p>
             <a:pPr marL="0" indent="0">
               <a:buNone/>
             </a:pPr>
-            <a:endParaRPr lang="en-GB" dirty="0"/>
+            <a:r>
+              <a:rPr lang="fr-FR" dirty="0" smtClean="0">
+                <a:latin typeface="Courier New" panose="02070309020205020404" pitchFamily="49" charset="0"/>
+                <a:cs typeface="Courier New" panose="02070309020205020404" pitchFamily="49" charset="0"/>
+              </a:rPr>
+              <a:t>5 1:39358143_A_C  0.05838194       16.87798</a:t>
+            </a:r>
+          </a:p>
+          <a:p>
+            <a:pPr marL="0" indent="0">
+              <a:buNone/>
+            </a:pPr>
+            <a:r>
+              <a:rPr lang="fr-FR" dirty="0" smtClean="0">
+                <a:latin typeface="Courier New" panose="02070309020205020404" pitchFamily="49" charset="0"/>
+                <a:cs typeface="Courier New" panose="02070309020205020404" pitchFamily="49" charset="0"/>
+              </a:rPr>
+              <a:t>6 1:39364617_A_G  0.05279207       16.83427</a:t>
+            </a:r>
+          </a:p>
+          <a:p>
+            <a:pPr marL="0" indent="0">
+              <a:buNone/>
+            </a:pPr>
+            <a:r>
+              <a:rPr lang="fr-FR" dirty="0" smtClean="0">
+                <a:latin typeface="Courier New" panose="02070309020205020404" pitchFamily="49" charset="0"/>
+                <a:cs typeface="Courier New" panose="02070309020205020404" pitchFamily="49" charset="0"/>
+              </a:rPr>
+              <a:t>7 1:39375844_A_G  0.05279207       16.83427</a:t>
+            </a:r>
+          </a:p>
+          <a:p>
+            <a:pPr marL="0" indent="0">
+              <a:buNone/>
+            </a:pPr>
+            <a:r>
+              <a:rPr lang="fr-FR" dirty="0" smtClean="0">
+                <a:latin typeface="Courier New" panose="02070309020205020404" pitchFamily="49" charset="0"/>
+                <a:cs typeface="Courier New" panose="02070309020205020404" pitchFamily="49" charset="0"/>
+              </a:rPr>
+              <a:t>8 1:39336991_G_T  0.04502229       16.76513</a:t>
+            </a:r>
+          </a:p>
+          <a:p>
+            <a:pPr marL="0" indent="0">
+              <a:buNone/>
+            </a:pPr>
+            <a:r>
+              <a:rPr lang="fr-FR" dirty="0" smtClean="0">
+                <a:latin typeface="Courier New" panose="02070309020205020404" pitchFamily="49" charset="0"/>
+                <a:cs typeface="Courier New" panose="02070309020205020404" pitchFamily="49" charset="0"/>
+              </a:rPr>
+              <a:t>9 1:39360035_A_G  0.03211988       16.61848</a:t>
+            </a:r>
+          </a:p>
+          <a:p>
+            <a:pPr marL="0" indent="0">
+              <a:buNone/>
+            </a:pPr>
+            <a:r>
+              <a:rPr lang="fr-FR" dirty="0" smtClean="0">
+                <a:latin typeface="Courier New" panose="02070309020205020404" pitchFamily="49" charset="0"/>
+                <a:cs typeface="Courier New" panose="02070309020205020404" pitchFamily="49" charset="0"/>
+              </a:rPr>
+              <a:t>10 1:39361425_G_T  0.03087381       16.60129</a:t>
+            </a:r>
+          </a:p>
+          <a:p>
+            <a:pPr marL="0" indent="0">
+              <a:buNone/>
+            </a:pPr>
+            <a:r>
+              <a:rPr lang="fr-FR" dirty="0" smtClean="0">
+                <a:latin typeface="Courier New" panose="02070309020205020404" pitchFamily="49" charset="0"/>
+                <a:cs typeface="Courier New" panose="02070309020205020404" pitchFamily="49" charset="0"/>
+              </a:rPr>
+              <a:t>11 1:39370992_C_T  0.02198321       16.45380</a:t>
+            </a:r>
+          </a:p>
+          <a:p>
+            <a:pPr marL="0" indent="0">
+              <a:buNone/>
+            </a:pPr>
+            <a:r>
+              <a:rPr lang="fr-FR" dirty="0" smtClean="0">
+                <a:latin typeface="Courier New" panose="02070309020205020404" pitchFamily="49" charset="0"/>
+                <a:cs typeface="Courier New" panose="02070309020205020404" pitchFamily="49" charset="0"/>
+              </a:rPr>
+              <a:t>12 1:39335493_G_T  0.01711957       16.34520</a:t>
+            </a:r>
+            <a:endParaRPr lang="en-GB" dirty="0">
+              <a:latin typeface="Courier New" panose="02070309020205020404" pitchFamily="49" charset="0"/>
+              <a:cs typeface="Courier New" panose="02070309020205020404" pitchFamily="49" charset="0"/>
+            </a:endParaRPr>
           </a:p>
         </p:txBody>
       </p:sp>
@@ -3771,6 +3920,315 @@
             <a:fld id="{1FB4BD47-2A83-4A56-970D-480688504C1B}" type="slidenum">
               <a:rPr lang="en-GB" smtClean="0"/>
               <a:t>11</a:t>
+            </a:fld>
+            <a:endParaRPr lang="en-GB"/>
+          </a:p>
+        </p:txBody>
+      </p:sp>
+    </p:spTree>
+    <p:extLst>
+      <p:ext uri="{BB962C8B-B14F-4D97-AF65-F5344CB8AC3E}">
+        <p14:creationId xmlns:p14="http://schemas.microsoft.com/office/powerpoint/2010/main" val="1480337287"/>
+      </p:ext>
+    </p:extLst>
+  </p:cSld>
+  <p:clrMapOvr>
+    <a:masterClrMapping/>
+  </p:clrMapOvr>
+</p:sld>
+</file>
+
+<file path=ppt/slides/slide12.xml><?xml version="1.0" encoding="utf-8"?>
+<p:sld xmlns:a="http://schemas.openxmlformats.org/drawingml/2006/main" xmlns:r="http://schemas.openxmlformats.org/officeDocument/2006/relationships" xmlns:p="http://schemas.openxmlformats.org/presentationml/2006/main">
+  <p:cSld>
+    <p:spTree>
+      <p:nvGrpSpPr>
+        <p:cNvPr id="1" name=""/>
+        <p:cNvGrpSpPr/>
+        <p:nvPr/>
+      </p:nvGrpSpPr>
+      <p:grpSpPr>
+        <a:xfrm>
+          <a:off x="0" y="0"/>
+          <a:ext cx="0" cy="0"/>
+          <a:chOff x="0" y="0"/>
+          <a:chExt cx="0" cy="0"/>
+        </a:xfrm>
+      </p:grpSpPr>
+      <p:sp>
+        <p:nvSpPr>
+          <p:cNvPr id="2" name="Title 1"/>
+          <p:cNvSpPr>
+            <a:spLocks noGrp="1"/>
+          </p:cNvSpPr>
+          <p:nvPr>
+            <p:ph type="title"/>
+          </p:nvPr>
+        </p:nvSpPr>
+        <p:spPr/>
+        <p:txBody>
+          <a:bodyPr/>
+          <a:lstStyle/>
+          <a:p>
+            <a:pPr algn="ctr"/>
+            <a:r>
+              <a:rPr lang="en-US" dirty="0" err="1" smtClean="0"/>
+              <a:t>finemap</a:t>
+            </a:r>
+            <a:r>
+              <a:rPr lang="en-US" dirty="0" smtClean="0"/>
+              <a:t> results: Z-score/LD consistence</a:t>
+            </a:r>
+            <a:endParaRPr lang="en-GB" dirty="0"/>
+          </a:p>
+        </p:txBody>
+      </p:sp>
+      <p:sp>
+        <p:nvSpPr>
+          <p:cNvPr id="3" name="Content Placeholder 2"/>
+          <p:cNvSpPr>
+            <a:spLocks noGrp="1"/>
+          </p:cNvSpPr>
+          <p:nvPr>
+            <p:ph idx="1"/>
+          </p:nvPr>
+        </p:nvSpPr>
+        <p:spPr/>
+        <p:txBody>
+          <a:bodyPr>
+            <a:normAutofit fontScale="40000" lnSpcReduction="20000"/>
+          </a:bodyPr>
+          <a:lstStyle/>
+          <a:p>
+            <a:pPr marL="0" indent="0">
+              <a:buNone/>
+            </a:pPr>
+            <a:r>
+              <a:rPr lang="en-GB" dirty="0" err="1" smtClean="0">
+                <a:latin typeface="Courier New" panose="02070309020205020404" pitchFamily="49" charset="0"/>
+                <a:cs typeface="Courier New" panose="02070309020205020404" pitchFamily="49" charset="0"/>
+              </a:rPr>
+              <a:t>snp</a:t>
+            </a:r>
+            <a:r>
+              <a:rPr lang="en-GB" dirty="0" smtClean="0">
+                <a:latin typeface="Courier New" panose="02070309020205020404" pitchFamily="49" charset="0"/>
+                <a:cs typeface="Courier New" panose="02070309020205020404" pitchFamily="49" charset="0"/>
+              </a:rPr>
+              <a:t>        </a:t>
+            </a:r>
+            <a:r>
+              <a:rPr lang="en-GB" dirty="0">
+                <a:latin typeface="Courier New" panose="02070309020205020404" pitchFamily="49" charset="0"/>
+                <a:cs typeface="Courier New" panose="02070309020205020404" pitchFamily="49" charset="0"/>
+              </a:rPr>
+              <a:t>z index </a:t>
+            </a:r>
+            <a:r>
+              <a:rPr lang="en-GB" dirty="0" err="1">
+                <a:latin typeface="Courier New" panose="02070309020205020404" pitchFamily="49" charset="0"/>
+                <a:cs typeface="Courier New" panose="02070309020205020404" pitchFamily="49" charset="0"/>
+              </a:rPr>
+              <a:t>snp_prob</a:t>
+            </a:r>
+            <a:r>
+              <a:rPr lang="en-GB" dirty="0">
+                <a:latin typeface="Courier New" panose="02070309020205020404" pitchFamily="49" charset="0"/>
+                <a:cs typeface="Courier New" panose="02070309020205020404" pitchFamily="49" charset="0"/>
+              </a:rPr>
+              <a:t> snp_log10bf order       </a:t>
+            </a:r>
+            <a:r>
+              <a:rPr lang="en-GB" dirty="0" err="1">
+                <a:latin typeface="Courier New" panose="02070309020205020404" pitchFamily="49" charset="0"/>
+                <a:cs typeface="Courier New" panose="02070309020205020404" pitchFamily="49" charset="0"/>
+              </a:rPr>
+              <a:t>rsid</a:t>
+            </a:r>
+            <a:r>
+              <a:rPr lang="en-GB" dirty="0">
+                <a:latin typeface="Courier New" panose="02070309020205020404" pitchFamily="49" charset="0"/>
+                <a:cs typeface="Courier New" panose="02070309020205020404" pitchFamily="49" charset="0"/>
+              </a:rPr>
+              <a:t>       V815       V697       V742       V737      </a:t>
+            </a:r>
+          </a:p>
+          <a:p>
+            <a:pPr marL="0" indent="0">
+              <a:buNone/>
+            </a:pPr>
+            <a:r>
+              <a:rPr lang="en-GB" dirty="0">
+                <a:latin typeface="Courier New" panose="02070309020205020404" pitchFamily="49" charset="0"/>
+                <a:cs typeface="Courier New" panose="02070309020205020404" pitchFamily="49" charset="0"/>
+              </a:rPr>
+              <a:t>815  1:39380385_C_T  9.28761   815   0.3147      2.6581     1  rs4246511  1.0000000  0.9152850 -0.9153580  0.9153990 </a:t>
+            </a:r>
+          </a:p>
+          <a:p>
+            <a:pPr marL="0" indent="0">
+              <a:buNone/>
+            </a:pPr>
+            <a:r>
+              <a:rPr lang="en-GB" dirty="0">
+                <a:latin typeface="Courier New" panose="02070309020205020404" pitchFamily="49" charset="0"/>
+                <a:cs typeface="Courier New" panose="02070309020205020404" pitchFamily="49" charset="0"/>
+              </a:rPr>
+              <a:t>697  1:39343467_C_T  9.14554   697   0.0882      1.9815     2  rs9438972  0.9152850  1.0000000 -0.9997480  0.9998070 </a:t>
+            </a:r>
+          </a:p>
+          <a:p>
+            <a:pPr marL="0" indent="0">
+              <a:buNone/>
+            </a:pPr>
+            <a:r>
+              <a:rPr lang="en-GB" dirty="0">
+                <a:latin typeface="Courier New" panose="02070309020205020404" pitchFamily="49" charset="0"/>
+                <a:cs typeface="Courier New" panose="02070309020205020404" pitchFamily="49" charset="0"/>
+              </a:rPr>
+              <a:t>742  1:39355351_G_T -9.13615   742   0.0815      1.9442     3  rs9438979 -0.9153580 -0.9997480  1.0000000 -0.9999410  </a:t>
+            </a:r>
+          </a:p>
+          <a:p>
+            <a:pPr marL="0" indent="0">
+              <a:buNone/>
+            </a:pPr>
+            <a:r>
+              <a:rPr lang="en-GB" dirty="0">
+                <a:latin typeface="Courier New" panose="02070309020205020404" pitchFamily="49" charset="0"/>
+                <a:cs typeface="Courier New" panose="02070309020205020404" pitchFamily="49" charset="0"/>
+              </a:rPr>
+              <a:t>737  1:39354517_C_T  9.13146   737   0.0779      1.9229     4  rs4414011  0.9153990  0.9998070 -0.9999410  1.0000000 </a:t>
+            </a:r>
+          </a:p>
+          <a:p>
+            <a:pPr marL="0" indent="0">
+              <a:buNone/>
+            </a:pPr>
+            <a:r>
+              <a:rPr lang="en-GB" dirty="0">
+                <a:latin typeface="Courier New" panose="02070309020205020404" pitchFamily="49" charset="0"/>
+                <a:cs typeface="Courier New" panose="02070309020205020404" pitchFamily="49" charset="0"/>
+              </a:rPr>
+              <a:t>752  1:39358143_A_C -9.13146   752   0.0778      1.9226     5  rs9438982 -0.9154080 -0.9996580  0.9997150 -0.9997740  </a:t>
+            </a:r>
+          </a:p>
+          <a:p>
+            <a:pPr marL="0" indent="0">
+              <a:buNone/>
+            </a:pPr>
+            <a:r>
+              <a:rPr lang="en-GB" dirty="0">
+                <a:latin typeface="Courier New" panose="02070309020205020404" pitchFamily="49" charset="0"/>
+                <a:cs typeface="Courier New" panose="02070309020205020404" pitchFamily="49" charset="0"/>
+              </a:rPr>
+              <a:t>776  1:39364617_A_G -9.12037   776   0.0704      1.8753     6  rs4970634 -0.9142780 -0.9980520  0.9981080 -0.9981670  </a:t>
+            </a:r>
+          </a:p>
+          <a:p>
+            <a:pPr marL="0" indent="0">
+              <a:buNone/>
+            </a:pPr>
+            <a:r>
+              <a:rPr lang="en-GB" dirty="0">
+                <a:latin typeface="Courier New" panose="02070309020205020404" pitchFamily="49" charset="0"/>
+                <a:cs typeface="Courier New" panose="02070309020205020404" pitchFamily="49" charset="0"/>
+              </a:rPr>
+              <a:t>806  1:39375844_A_G -9.12037   806   0.0702      1.8739     7  rs7540233 -0.9175030 -0.9941670  0.9941850 -0.9942440  </a:t>
+            </a:r>
+          </a:p>
+          <a:p>
+            <a:pPr marL="0" indent="0">
+              <a:buNone/>
+            </a:pPr>
+            <a:r>
+              <a:rPr lang="en-GB" dirty="0">
+                <a:latin typeface="Courier New" panose="02070309020205020404" pitchFamily="49" charset="0"/>
+                <a:cs typeface="Courier New" panose="02070309020205020404" pitchFamily="49" charset="0"/>
+              </a:rPr>
+              <a:t>677  1:39336991_G_T -9.10280   677   0.0599      1.8003     8  rs9439079 -0.9123000 -0.9962460  0.9960230 -0.9960820  </a:t>
+            </a:r>
+          </a:p>
+          <a:p>
+            <a:pPr marL="0" indent="0">
+              <a:buNone/>
+            </a:pPr>
+            <a:r>
+              <a:rPr lang="en-GB" dirty="0">
+                <a:latin typeface="Courier New" panose="02070309020205020404" pitchFamily="49" charset="0"/>
+                <a:cs typeface="Courier New" panose="02070309020205020404" pitchFamily="49" charset="0"/>
+              </a:rPr>
+              <a:t>756  1:39360035_A_G -9.06542   756   0.0430      1.6485     9  rs4970564 -0.9139550 -0.9981080  0.9981650 -0.9982240  </a:t>
+            </a:r>
+          </a:p>
+          <a:p>
+            <a:pPr marL="0" indent="0">
+              <a:buNone/>
+            </a:pPr>
+            <a:r>
+              <a:rPr lang="en-GB" dirty="0">
+                <a:latin typeface="Courier New" panose="02070309020205020404" pitchFamily="49" charset="0"/>
+                <a:cs typeface="Courier New" panose="02070309020205020404" pitchFamily="49" charset="0"/>
+              </a:rPr>
+              <a:t>764  1:39361425_G_T  9.06103   764   0.0413      1.6306    10  rs4532801  0.9140230  0.9979190 -0.9979750  0.9980340 </a:t>
+            </a:r>
+          </a:p>
+          <a:p>
+            <a:pPr marL="0" indent="0">
+              <a:buNone/>
+            </a:pPr>
+            <a:r>
+              <a:rPr lang="en-GB" dirty="0">
+                <a:latin typeface="Courier New" panose="02070309020205020404" pitchFamily="49" charset="0"/>
+                <a:cs typeface="Courier New" panose="02070309020205020404" pitchFamily="49" charset="0"/>
+              </a:rPr>
+              <a:t>796  1:39370992_C_T -9.02326   796   0.0294      1.4774    11 rs61780052 -0.9143640 -0.9975230  0.9975400 -0.9975980  </a:t>
+            </a:r>
+          </a:p>
+          <a:p>
+            <a:pPr marL="0" indent="0">
+              <a:buNone/>
+            </a:pPr>
+            <a:r>
+              <a:rPr lang="en-GB" dirty="0">
+                <a:latin typeface="Courier New" panose="02070309020205020404" pitchFamily="49" charset="0"/>
+                <a:cs typeface="Courier New" panose="02070309020205020404" pitchFamily="49" charset="0"/>
+              </a:rPr>
+              <a:t>674  1:39335493_G_T -8.99535   674   0.0229      1.3665    12  rs9439078 -0.9121500 -0.9956890  0.9957070 -0.9957650  </a:t>
+            </a:r>
+          </a:p>
+          <a:p>
+            <a:pPr marL="0" indent="0">
+              <a:buNone/>
+            </a:pPr>
+            <a:r>
+              <a:rPr lang="en-GB" dirty="0">
+                <a:latin typeface="Courier New" panose="02070309020205020404" pitchFamily="49" charset="0"/>
+                <a:cs typeface="Courier New" panose="02070309020205020404" pitchFamily="49" charset="0"/>
+              </a:rPr>
+              <a:t>1472 1:39573975_G_T -2.89602  1472   0.0107      1.0322    13 rs76351144  0.0412195  0.0509165 -0.0508868  0.0508981 </a:t>
+            </a:r>
+          </a:p>
+        </p:txBody>
+      </p:sp>
+      <p:sp>
+        <p:nvSpPr>
+          <p:cNvPr id="4" name="Slide Number Placeholder 3"/>
+          <p:cNvSpPr>
+            <a:spLocks noGrp="1"/>
+          </p:cNvSpPr>
+          <p:nvPr>
+            <p:ph type="sldNum" sz="quarter" idx="12"/>
+          </p:nvPr>
+        </p:nvSpPr>
+        <p:spPr/>
+        <p:txBody>
+          <a:bodyPr/>
+          <a:lstStyle/>
+          <a:p>
+            <a:fld id="{1FB4BD47-2A83-4A56-970D-480688504C1B}" type="slidenum">
+              <a:rPr lang="en-GB" smtClean="0"/>
+              <a:t>12</a:t>
             </a:fld>
             <a:endParaRPr lang="en-GB"/>
           </a:p>
@@ -3796,7 +4254,7 @@
 </p:sld>
 </file>
 
-<file path=ppt/slides/slide12.xml><?xml version="1.0" encoding="utf-8"?>
+<file path=ppt/slides/slide13.xml><?xml version="1.0" encoding="utf-8"?>
 <p:sld xmlns:a="http://schemas.openxmlformats.org/drawingml/2006/main" xmlns:r="http://schemas.openxmlformats.org/officeDocument/2006/relationships" xmlns:p="http://schemas.openxmlformats.org/presentationml/2006/main">
   <p:cSld>
     <p:spTree>
@@ -3830,8 +4288,8 @@
           <a:p>
             <a:pPr algn="ctr"/>
             <a:r>
-              <a:rPr lang="en-US" dirty="0"/>
-              <a:t>Three causal loci</a:t>
+              <a:rPr lang="en-GB" dirty="0" smtClean="0"/>
+              <a:t>Reference panels that work</a:t>
             </a:r>
             <a:endParaRPr lang="en-GB" dirty="0"/>
           </a:p>
@@ -3852,86 +4310,23 @@
           <a:bodyPr/>
           <a:lstStyle/>
           <a:p>
-            <a:pPr marL="0" indent="0">
-              <a:buNone/>
-            </a:pPr>
-            <a:r>
-              <a:rPr lang="en-GB" dirty="0"/>
-              <a:t>For the pruning set,</a:t>
-            </a:r>
-          </a:p>
-          <a:p>
-            <a:pPr marL="0" indent="0">
-              <a:buNone/>
-            </a:pPr>
-            <a:r>
-              <a:rPr lang="en-GB" dirty="0" err="1"/>
-              <a:t>snp</a:t>
-            </a:r>
-            <a:r>
-              <a:rPr lang="en-GB" dirty="0"/>
-              <a:t> </a:t>
-            </a:r>
-            <a:r>
-              <a:rPr lang="en-GB" dirty="0" err="1"/>
-              <a:t>snp_prob</a:t>
-            </a:r>
-            <a:r>
-              <a:rPr lang="en-GB" dirty="0"/>
-              <a:t> snp_log10bf </a:t>
-            </a:r>
-            <a:r>
-              <a:rPr lang="en-GB" dirty="0" err="1"/>
-              <a:t>rsid</a:t>
+            <a:r>
+              <a:rPr lang="en-GB" dirty="0" smtClean="0"/>
+              <a:t>1KG phase 3 as with FUSION</a:t>
+            </a:r>
+          </a:p>
+          <a:p>
+            <a:r>
+              <a:rPr lang="en-GB" dirty="0" smtClean="0"/>
+              <a:t>UK10K+1KG</a:t>
+            </a:r>
+          </a:p>
+          <a:p>
+            <a:r>
+              <a:rPr lang="en-GB" dirty="0" smtClean="0"/>
+              <a:t>HRC</a:t>
             </a:r>
             <a:endParaRPr lang="en-GB" dirty="0"/>
-          </a:p>
-          <a:p>
-            <a:pPr marL="0" indent="0">
-              <a:buNone/>
-            </a:pPr>
-            <a:r>
-              <a:rPr lang="en-GB" dirty="0"/>
-              <a:t>1:39382803_C_T 1.0000 12.5294 rs9726587</a:t>
-            </a:r>
-          </a:p>
-          <a:p>
-            <a:pPr marL="0" indent="0">
-              <a:buNone/>
-            </a:pPr>
-            <a:r>
-              <a:rPr lang="en-GB" dirty="0"/>
-              <a:t>1:39378739_C_T 1.0000 12.5294 rs12116890</a:t>
-            </a:r>
-          </a:p>
-          <a:p>
-            <a:pPr marL="0" indent="0">
-              <a:buNone/>
-            </a:pPr>
-            <a:r>
-              <a:rPr lang="en-GB" dirty="0"/>
-              <a:t>1:39364617_A_G 1.0000 12.5294 </a:t>
-            </a:r>
-            <a:r>
-              <a:rPr lang="en-GB" b="1" dirty="0"/>
-              <a:t>rs4970634</a:t>
-            </a:r>
-            <a:endParaRPr lang="en-GB" dirty="0"/>
-          </a:p>
-          <a:p>
-            <a:pPr marL="0" indent="0">
-              <a:buNone/>
-            </a:pPr>
-            <a:endParaRPr lang="en-GB" dirty="0"/>
-          </a:p>
-          <a:p>
-            <a:pPr marL="0" indent="0">
-              <a:buNone/>
-            </a:pPr>
-            <a:r>
-              <a:rPr lang="en-GB" dirty="0"/>
-              <a:t>And the configuration containing all three variants has the highest log10(BF) =543.07. It seems quite reassuring that our lead SNP is among the top candidates</a:t>
-            </a:r>
           </a:p>
         </p:txBody>
       </p:sp>
@@ -3952,7 +4347,7 @@
           <a:p>
             <a:fld id="{1FB4BD47-2A83-4A56-970D-480688504C1B}" type="slidenum">
               <a:rPr lang="en-GB" smtClean="0"/>
-              <a:t>12</a:t>
+              <a:t>13</a:t>
             </a:fld>
             <a:endParaRPr lang="en-GB"/>
           </a:p>
@@ -3961,20 +4356,13 @@
     </p:spTree>
     <p:extLst>
       <p:ext uri="{BB962C8B-B14F-4D97-AF65-F5344CB8AC3E}">
-        <p14:creationId xmlns:p14="http://schemas.microsoft.com/office/powerpoint/2010/main" val="3551037671"/>
+        <p14:creationId xmlns:p14="http://schemas.microsoft.com/office/powerpoint/2010/main" val="2666563130"/>
       </p:ext>
     </p:extLst>
   </p:cSld>
   <p:clrMapOvr>
     <a:masterClrMapping/>
   </p:clrMapOvr>
-  <p:timing>
-    <p:tnLst>
-      <p:par>
-        <p:cTn id="1" dur="indefinite" restart="never" nodeType="tmRoot"/>
-      </p:par>
-    </p:tnLst>
-  </p:timing>
 </p:sld>
 </file>
 
@@ -4370,35 +4758,35 @@
                 <a:gridCol w="2103120">
                   <a:extLst>
                     <a:ext uri="{9D8B030D-6E8A-4147-A177-3AD203B41FA5}">
-                      <a16:colId xmlns:a16="http://schemas.microsoft.com/office/drawing/2014/main" val="2178192700"/>
+                      <a16:colId xmlns="" xmlns:a16="http://schemas.microsoft.com/office/drawing/2014/main" val="2178192700"/>
                     </a:ext>
                   </a:extLst>
                 </a:gridCol>
                 <a:gridCol w="2103120">
                   <a:extLst>
                     <a:ext uri="{9D8B030D-6E8A-4147-A177-3AD203B41FA5}">
-                      <a16:colId xmlns:a16="http://schemas.microsoft.com/office/drawing/2014/main" val="331999573"/>
+                      <a16:colId xmlns="" xmlns:a16="http://schemas.microsoft.com/office/drawing/2014/main" val="331999573"/>
                     </a:ext>
                   </a:extLst>
                 </a:gridCol>
                 <a:gridCol w="2103120">
                   <a:extLst>
                     <a:ext uri="{9D8B030D-6E8A-4147-A177-3AD203B41FA5}">
-                      <a16:colId xmlns:a16="http://schemas.microsoft.com/office/drawing/2014/main" val="3597132808"/>
+                      <a16:colId xmlns="" xmlns:a16="http://schemas.microsoft.com/office/drawing/2014/main" val="3597132808"/>
                     </a:ext>
                   </a:extLst>
                 </a:gridCol>
                 <a:gridCol w="2103120">
                   <a:extLst>
                     <a:ext uri="{9D8B030D-6E8A-4147-A177-3AD203B41FA5}">
-                      <a16:colId xmlns:a16="http://schemas.microsoft.com/office/drawing/2014/main" val="596877116"/>
+                      <a16:colId xmlns="" xmlns:a16="http://schemas.microsoft.com/office/drawing/2014/main" val="596877116"/>
                     </a:ext>
                   </a:extLst>
                 </a:gridCol>
                 <a:gridCol w="2103120">
                   <a:extLst>
                     <a:ext uri="{9D8B030D-6E8A-4147-A177-3AD203B41FA5}">
-                      <a16:colId xmlns:a16="http://schemas.microsoft.com/office/drawing/2014/main" val="1778616611"/>
+                      <a16:colId xmlns="" xmlns:a16="http://schemas.microsoft.com/office/drawing/2014/main" val="1778616611"/>
                     </a:ext>
                   </a:extLst>
                 </a:gridCol>
@@ -4566,7 +4954,7 @@
                 </a:tc>
                 <a:extLst>
                   <a:ext uri="{0D108BD9-81ED-4DB2-BD59-A6C34878D82A}">
-                    <a16:rowId xmlns:a16="http://schemas.microsoft.com/office/drawing/2014/main" val="2548993085"/>
+                    <a16:rowId xmlns="" xmlns:a16="http://schemas.microsoft.com/office/drawing/2014/main" val="2548993085"/>
                   </a:ext>
                 </a:extLst>
               </a:tr>
@@ -4733,7 +5121,7 @@
                 </a:tc>
                 <a:extLst>
                   <a:ext uri="{0D108BD9-81ED-4DB2-BD59-A6C34878D82A}">
-                    <a16:rowId xmlns:a16="http://schemas.microsoft.com/office/drawing/2014/main" val="3696918108"/>
+                    <a16:rowId xmlns="" xmlns:a16="http://schemas.microsoft.com/office/drawing/2014/main" val="3696918108"/>
                   </a:ext>
                 </a:extLst>
               </a:tr>
@@ -4900,7 +5288,7 @@
                 </a:tc>
                 <a:extLst>
                   <a:ext uri="{0D108BD9-81ED-4DB2-BD59-A6C34878D82A}">
-                    <a16:rowId xmlns:a16="http://schemas.microsoft.com/office/drawing/2014/main" val="739848613"/>
+                    <a16:rowId xmlns="" xmlns:a16="http://schemas.microsoft.com/office/drawing/2014/main" val="739848613"/>
                   </a:ext>
                 </a:extLst>
               </a:tr>
@@ -5067,7 +5455,7 @@
                 </a:tc>
                 <a:extLst>
                   <a:ext uri="{0D108BD9-81ED-4DB2-BD59-A6C34878D82A}">
-                    <a16:rowId xmlns:a16="http://schemas.microsoft.com/office/drawing/2014/main" val="3862531879"/>
+                    <a16:rowId xmlns="" xmlns:a16="http://schemas.microsoft.com/office/drawing/2014/main" val="3862531879"/>
                   </a:ext>
                 </a:extLst>
               </a:tr>
@@ -5234,7 +5622,7 @@
                 </a:tc>
                 <a:extLst>
                   <a:ext uri="{0D108BD9-81ED-4DB2-BD59-A6C34878D82A}">
-                    <a16:rowId xmlns:a16="http://schemas.microsoft.com/office/drawing/2014/main" val="107777099"/>
+                    <a16:rowId xmlns="" xmlns:a16="http://schemas.microsoft.com/office/drawing/2014/main" val="107777099"/>
                   </a:ext>
                 </a:extLst>
               </a:tr>
@@ -5401,7 +5789,7 @@
                 </a:tc>
                 <a:extLst>
                   <a:ext uri="{0D108BD9-81ED-4DB2-BD59-A6C34878D82A}">
-                    <a16:rowId xmlns:a16="http://schemas.microsoft.com/office/drawing/2014/main" val="4196587497"/>
+                    <a16:rowId xmlns="" xmlns:a16="http://schemas.microsoft.com/office/drawing/2014/main" val="4196587497"/>
                   </a:ext>
                 </a:extLst>
               </a:tr>
@@ -5568,7 +5956,7 @@
                 </a:tc>
                 <a:extLst>
                   <a:ext uri="{0D108BD9-81ED-4DB2-BD59-A6C34878D82A}">
-                    <a16:rowId xmlns:a16="http://schemas.microsoft.com/office/drawing/2014/main" val="3973535048"/>
+                    <a16:rowId xmlns="" xmlns:a16="http://schemas.microsoft.com/office/drawing/2014/main" val="3973535048"/>
                   </a:ext>
                 </a:extLst>
               </a:tr>
@@ -5729,7 +6117,7 @@
                 </a:tc>
                 <a:extLst>
                   <a:ext uri="{0D108BD9-81ED-4DB2-BD59-A6C34878D82A}">
-                    <a16:rowId xmlns:a16="http://schemas.microsoft.com/office/drawing/2014/main" val="4184079262"/>
+                    <a16:rowId xmlns="" xmlns:a16="http://schemas.microsoft.com/office/drawing/2014/main" val="4184079262"/>
                   </a:ext>
                 </a:extLst>
               </a:tr>
@@ -5896,7 +6284,7 @@
                 </a:tc>
                 <a:extLst>
                   <a:ext uri="{0D108BD9-81ED-4DB2-BD59-A6C34878D82A}">
-                    <a16:rowId xmlns:a16="http://schemas.microsoft.com/office/drawing/2014/main" val="1549009875"/>
+                    <a16:rowId xmlns="" xmlns:a16="http://schemas.microsoft.com/office/drawing/2014/main" val="1549009875"/>
                   </a:ext>
                 </a:extLst>
               </a:tr>
@@ -6240,17 +6628,10 @@
           <a:p>
             <a:pPr algn="ctr"/>
             <a:r>
-              <a:rPr lang="en-GB" dirty="0"/>
-              <a:t>Issues for </a:t>
-            </a:r>
-            <a:r>
-              <a:rPr lang="en-GB" dirty="0" err="1"/>
-              <a:t>finemap</a:t>
-            </a:r>
-            <a:r>
-              <a:rPr lang="en-GB" dirty="0"/>
-              <a:t>/JAM (or all software)</a:t>
-            </a:r>
+              <a:rPr lang="en-US" dirty="0"/>
+              <a:t>References</a:t>
+            </a:r>
+            <a:endParaRPr lang="en-GB" dirty="0"/>
           </a:p>
         </p:txBody>
       </p:sp>
@@ -6267,221 +6648,158 @@
         <p:spPr/>
         <p:txBody>
           <a:bodyPr>
-            <a:normAutofit fontScale="47500" lnSpcReduction="20000"/>
+            <a:normAutofit fontScale="92500" lnSpcReduction="20000"/>
           </a:bodyPr>
           <a:lstStyle/>
           <a:p>
-            <a:pPr marL="0" indent="0">
-              <a:buNone/>
+            <a:pPr marL="514350" indent="-514350">
+              <a:buFont typeface="+mj-lt"/>
+              <a:buAutoNum type="arabicPeriod"/>
             </a:pPr>
             <a:r>
-              <a:rPr lang="en-GB" dirty="0">
-                <a:latin typeface="Courier" pitchFamily="49" charset="0"/>
-              </a:rPr>
-              <a:t>Index		SNPID	</a:t>
-            </a:r>
-            <a:r>
-              <a:rPr lang="en-GB" dirty="0" err="1">
-                <a:latin typeface="Courier" pitchFamily="49" charset="0"/>
-              </a:rPr>
-              <a:t>SNP_prob</a:t>
-            </a:r>
-            <a:r>
-              <a:rPr lang="en-GB" dirty="0">
-                <a:latin typeface="Courier" pitchFamily="49" charset="0"/>
-              </a:rPr>
-              <a:t>	snp_log10bf	z</a:t>
-            </a:r>
-          </a:p>
-          <a:p>
-            <a:pPr marL="0" indent="0">
-              <a:buNone/>
+              <a:rPr lang="en-GB" dirty="0" err="1"/>
+              <a:t>Hormozdiari</a:t>
+            </a:r>
+            <a:r>
+              <a:rPr lang="en-GB" dirty="0"/>
+              <a:t> F, </a:t>
+            </a:r>
+            <a:r>
+              <a:rPr lang="en-GB" dirty="0" err="1"/>
+              <a:t>Kostem</a:t>
+            </a:r>
+            <a:r>
+              <a:rPr lang="en-GB" dirty="0"/>
+              <a:t> E, Kang EY, </a:t>
+            </a:r>
+            <a:r>
+              <a:rPr lang="en-GB" dirty="0" err="1"/>
+              <a:t>Pasaniuc</a:t>
+            </a:r>
+            <a:r>
+              <a:rPr lang="en-GB" dirty="0"/>
+              <a:t> B, </a:t>
+            </a:r>
+            <a:r>
+              <a:rPr lang="en-GB" dirty="0" err="1"/>
+              <a:t>Eskin</a:t>
+            </a:r>
+            <a:r>
+              <a:rPr lang="en-GB" dirty="0"/>
+              <a:t> E. Identifying Causal Variants at Loci with Multiple Signals of Association. </a:t>
+            </a:r>
+            <a:r>
+              <a:rPr lang="en-GB" i="1" dirty="0"/>
+              <a:t>Genetics</a:t>
+            </a:r>
+            <a:r>
+              <a:rPr lang="en-GB" dirty="0"/>
+              <a:t> 44, 725–731, 2014 </a:t>
+            </a:r>
+          </a:p>
+          <a:p>
+            <a:pPr marL="514350" indent="-514350">
+              <a:buFont typeface="+mj-lt"/>
+              <a:buAutoNum type="arabicPeriod"/>
             </a:pPr>
             <a:r>
-              <a:rPr lang="en-GB" dirty="0">
-                <a:latin typeface="Courier" pitchFamily="49" charset="0"/>
-              </a:rPr>
-              <a:t>733	9:32932194_C_T	1.0	13.0829		4.841630</a:t>
-            </a:r>
-          </a:p>
-          <a:p>
-            <a:pPr marL="0" indent="0">
-              <a:buNone/>
+              <a:rPr lang="en-GB" dirty="0"/>
+              <a:t>Chen W, et al. (2015). Fine Mapping Causal Variants with an Approximate Bayesian Method Using Marginal Test Statistics. </a:t>
+            </a:r>
+            <a:r>
+              <a:rPr lang="en-GB" i="1" dirty="0"/>
+              <a:t>Genetics</a:t>
+            </a:r>
+            <a:r>
+              <a:rPr lang="en-GB" dirty="0"/>
+              <a:t> 200:719-736.</a:t>
+            </a:r>
+          </a:p>
+          <a:p>
+            <a:pPr marL="514350" indent="-514350">
+              <a:buFont typeface="+mj-lt"/>
+              <a:buAutoNum type="arabicPeriod"/>
             </a:pPr>
             <a:r>
-              <a:rPr lang="en-GB" dirty="0">
-                <a:latin typeface="Courier" pitchFamily="49" charset="0"/>
-              </a:rPr>
-              <a:t>1231	9:33069181_C_T	1.0	13.0829		-4.766990</a:t>
-            </a:r>
-          </a:p>
-          <a:p>
-            <a:pPr marL="0" indent="0">
-              <a:buNone/>
+              <a:rPr lang="en-GB"/>
+              <a:t>Benner </a:t>
+            </a:r>
+            <a:r>
+              <a:rPr lang="en-GB" dirty="0"/>
+              <a:t>C. </a:t>
+            </a:r>
+            <a:r>
+              <a:rPr lang="en-GB" i="1" dirty="0"/>
+              <a:t>et al</a:t>
+            </a:r>
+            <a:r>
+              <a:rPr lang="en-GB" dirty="0"/>
+              <a:t>. FINEMAP: Efficient variable selection using summary data from genome-wide association studies. </a:t>
+            </a:r>
+            <a:r>
+              <a:rPr lang="en-GB" i="1" dirty="0"/>
+              <a:t>Bioinformatics</a:t>
+            </a:r>
+            <a:r>
+              <a:rPr lang="en-GB" dirty="0"/>
+              <a:t> 32, 1493-1501, 2016</a:t>
+            </a:r>
+          </a:p>
+          <a:p>
+            <a:pPr marL="514350" indent="-514350">
+              <a:buFont typeface="+mj-lt"/>
+              <a:buAutoNum type="arabicPeriod"/>
             </a:pPr>
             <a:r>
-              <a:rPr lang="en-GB" dirty="0">
-                <a:latin typeface="Courier" pitchFamily="49" charset="0"/>
-              </a:rPr>
-              <a:t>873	9:32987594_G_T	1.0	13.0805		0.223041</a:t>
-            </a:r>
-          </a:p>
-          <a:p>
-            <a:pPr marL="0" indent="0">
-              <a:buNone/>
+              <a:rPr lang="en-GB" dirty="0" err="1"/>
+              <a:t>Newcombe</a:t>
+            </a:r>
+            <a:r>
+              <a:rPr lang="en-GB" dirty="0"/>
+              <a:t> PJ, Conti DV, Richardson.</a:t>
+            </a:r>
+            <a:r>
+              <a:rPr lang="en-GB" b="1" dirty="0"/>
+              <a:t> </a:t>
+            </a:r>
+            <a:r>
+              <a:rPr lang="en-GB" dirty="0"/>
+              <a:t>JAM: A Scalable Bayesian Framework for Joint Analysis of Marginal SNP Effects</a:t>
+            </a:r>
+            <a:r>
+              <a:rPr lang="en-GB" i="1" dirty="0"/>
+              <a:t>. Genet </a:t>
+            </a:r>
+            <a:r>
+              <a:rPr lang="en-GB" i="1" dirty="0" err="1"/>
+              <a:t>Epidemiol</a:t>
+            </a:r>
+            <a:r>
+              <a:rPr lang="en-GB" dirty="0"/>
+              <a:t> 40:188–201, 2016</a:t>
+            </a:r>
+          </a:p>
+          <a:p>
+            <a:pPr marL="514350" indent="-514350">
+              <a:buFont typeface="+mj-lt"/>
+              <a:buAutoNum type="arabicPeriod"/>
             </a:pPr>
             <a:r>
-              <a:rPr lang="en-GB" dirty="0">
-                <a:latin typeface="Courier" pitchFamily="49" charset="0"/>
-              </a:rPr>
-              <a:t>1130	9:33037350_A_C 	1.0 	9.8589		-5.813400</a:t>
-            </a:r>
-          </a:p>
-          <a:p>
-            <a:pPr marL="0" indent="0">
-              <a:buNone/>
-            </a:pPr>
-            <a:r>
-              <a:rPr lang="en-GB" dirty="0">
-                <a:latin typeface="Courier" pitchFamily="49" charset="0"/>
-              </a:rPr>
-              <a:t>1193	9:33058705_A_C	0.5	3.0832		-2.305340</a:t>
-            </a:r>
-          </a:p>
-          <a:p>
-            <a:pPr marL="0" indent="0">
-              <a:buNone/>
-            </a:pPr>
-            <a:r>
-              <a:rPr lang="en-GB" dirty="0">
-                <a:latin typeface="Courier" pitchFamily="49" charset="0"/>
-              </a:rPr>
-              <a:t>1191	9:33058461_C_T	0.5	3.0832		2.305340</a:t>
-            </a:r>
-          </a:p>
-          <a:p>
-            <a:pPr marL="0" indent="0">
-              <a:buNone/>
-            </a:pPr>
-            <a:endParaRPr lang="en-GB" dirty="0"/>
-          </a:p>
-          <a:p>
-            <a:pPr marL="0" indent="0">
-              <a:buNone/>
-            </a:pPr>
+              <a:rPr lang="en-GB" dirty="0" err="1"/>
+              <a:t>Pickrell</a:t>
+            </a:r>
             <a:r>
               <a:rPr lang="en-GB" dirty="0"/>
-              <a:t>&gt; </a:t>
+              <a:t> JK. Joint analysis of functional genomic data and genome-wide association studies of 18 human traits. </a:t>
             </a:r>
             <a:r>
               <a:rPr lang="en-GB" dirty="0" err="1"/>
-              <a:t>ld</a:t>
+              <a:t>bioRxiv</a:t>
             </a:r>
             <a:r>
               <a:rPr lang="en-GB" dirty="0"/>
-              <a:t>[index, index]</a:t>
-            </a:r>
-          </a:p>
-          <a:p>
-            <a:pPr marL="0" indent="0">
-              <a:buNone/>
-            </a:pPr>
-            <a:r>
-              <a:rPr lang="en-GB" dirty="0">
-                <a:latin typeface="Courier" pitchFamily="49" charset="0"/>
-              </a:rPr>
-              <a:t>           V733      V1231       V873     V1130      V1193      V1191</a:t>
-            </a:r>
-          </a:p>
-          <a:p>
-            <a:pPr marL="0" indent="0">
-              <a:buNone/>
-            </a:pPr>
-            <a:r>
-              <a:rPr lang="en-GB" dirty="0">
-                <a:latin typeface="Courier" pitchFamily="49" charset="0"/>
-              </a:rPr>
-              <a:t>733   1.0000000 -0.8247300 -0.1326670  0.893704 -0.0626968  0.0626968</a:t>
-            </a:r>
-          </a:p>
-          <a:p>
-            <a:pPr marL="0" indent="0">
-              <a:buNone/>
-            </a:pPr>
-            <a:r>
-              <a:rPr lang="en-GB" dirty="0">
-                <a:latin typeface="Courier" pitchFamily="49" charset="0"/>
-              </a:rPr>
-              <a:t>1231 -0.8247300  1.0000000 -0.0775275 -0.898488 -0.2290370  0.2290370</a:t>
-            </a:r>
-          </a:p>
-          <a:p>
-            <a:pPr marL="0" indent="0">
-              <a:buNone/>
-            </a:pPr>
-            <a:r>
-              <a:rPr lang="en-GB" dirty="0">
-                <a:latin typeface="Courier" pitchFamily="49" charset="0"/>
-              </a:rPr>
-              <a:t>873  -0.1326670 -0.0775275  1.0000000 -0.126591  0.0172165 -0.0172165</a:t>
-            </a:r>
-          </a:p>
-          <a:p>
-            <a:pPr marL="0" indent="0">
-              <a:buNone/>
-            </a:pPr>
-            <a:r>
-              <a:rPr lang="en-GB" dirty="0">
-                <a:latin typeface="Courier" pitchFamily="49" charset="0"/>
-              </a:rPr>
-              <a:t>1130  0.8937040 -0.8984880 -0.1265910  1.000000 -0.1451790  0.1451790</a:t>
-            </a:r>
-          </a:p>
-          <a:p>
-            <a:pPr marL="0" indent="0">
-              <a:buNone/>
-            </a:pPr>
-            <a:r>
-              <a:rPr lang="en-GB" dirty="0">
-                <a:latin typeface="Courier" pitchFamily="49" charset="0"/>
-              </a:rPr>
-              <a:t>1193 -0.0626968 -0.2290370  0.0172165 -0.145179  1.0000000 </a:t>
-            </a:r>
-            <a:r>
-              <a:rPr lang="en-GB" b="1" dirty="0">
-                <a:latin typeface="Courier" pitchFamily="49" charset="0"/>
-              </a:rPr>
-              <a:t>-1.0000000</a:t>
-            </a:r>
-          </a:p>
-          <a:p>
-            <a:pPr marL="0" indent="0">
-              <a:buNone/>
-            </a:pPr>
-            <a:r>
-              <a:rPr lang="en-GB" dirty="0">
-                <a:latin typeface="Courier" pitchFamily="49" charset="0"/>
-              </a:rPr>
-              <a:t>1191  0.0626968  0.2290370 -0.0172165  0.145179 </a:t>
-            </a:r>
-            <a:r>
-              <a:rPr lang="en-GB" b="1" dirty="0">
-                <a:latin typeface="Courier" pitchFamily="49" charset="0"/>
-              </a:rPr>
-              <a:t>-1.0000000</a:t>
-            </a:r>
-            <a:r>
-              <a:rPr lang="en-GB" dirty="0">
-                <a:latin typeface="Courier" pitchFamily="49" charset="0"/>
-              </a:rPr>
-              <a:t>  1.0000000</a:t>
-            </a:r>
-          </a:p>
-          <a:p>
-            <a:pPr marL="0" indent="0">
-              <a:buNone/>
-            </a:pPr>
-            <a:endParaRPr lang="en-GB" dirty="0"/>
+              <a:t> 10.1101/000752, 2014</a:t>
+            </a:r>
           </a:p>
         </p:txBody>
       </p:sp>
@@ -6511,7 +6829,7 @@
     </p:spTree>
     <p:extLst>
       <p:ext uri="{BB962C8B-B14F-4D97-AF65-F5344CB8AC3E}">
-        <p14:creationId xmlns:p14="http://schemas.microsoft.com/office/powerpoint/2010/main" val="1059356043"/>
+        <p14:creationId xmlns:p14="http://schemas.microsoft.com/office/powerpoint/2010/main" val="2744547979"/>
       </p:ext>
     </p:extLst>
   </p:cSld>
@@ -6562,394 +6880,8 @@
           <a:p>
             <a:pPr algn="ctr"/>
             <a:r>
-              <a:rPr lang="en-GB" dirty="0"/>
-              <a:t>Interpretation and additional work</a:t>
-            </a:r>
-          </a:p>
-        </p:txBody>
-      </p:sp>
-      <p:sp>
-        <p:nvSpPr>
-          <p:cNvPr id="3" name="Content Placeholder 2"/>
-          <p:cNvSpPr>
-            <a:spLocks noGrp="1"/>
-          </p:cNvSpPr>
-          <p:nvPr>
-            <p:ph idx="1"/>
-          </p:nvPr>
-        </p:nvSpPr>
-        <p:spPr/>
-        <p:txBody>
-          <a:bodyPr/>
-          <a:lstStyle/>
-          <a:p>
-            <a:r>
-              <a:rPr lang="en-GB" dirty="0"/>
-              <a:t>Due to limitation of GWAS marginal association statistics, joint association results holds the key for </a:t>
-            </a:r>
-            <a:r>
-              <a:rPr lang="en-GB" dirty="0" err="1"/>
-              <a:t>finemapping</a:t>
-            </a:r>
-            <a:r>
-              <a:rPr lang="en-GB" dirty="0"/>
-              <a:t> but is it necessarily the way we know (e.g., from GCTA)?</a:t>
-            </a:r>
-          </a:p>
-          <a:p>
-            <a:endParaRPr lang="en-GB" dirty="0"/>
-          </a:p>
-          <a:p>
-            <a:r>
-              <a:rPr lang="en-GB" dirty="0"/>
-              <a:t>We are yet to lash out a strategy that actually works!</a:t>
-            </a:r>
-          </a:p>
-          <a:p>
-            <a:r>
-              <a:rPr lang="en-GB" dirty="0"/>
-              <a:t>We need to refine the modular implementations.</a:t>
-            </a:r>
-          </a:p>
-          <a:p>
-            <a:r>
-              <a:rPr lang="en-GB" dirty="0"/>
-              <a:t>We need inputs from users inside (/genetics/bin/FM-pipeline) and outside (GitHub).</a:t>
-            </a:r>
-          </a:p>
-        </p:txBody>
-      </p:sp>
-      <p:sp>
-        <p:nvSpPr>
-          <p:cNvPr id="4" name="Slide Number Placeholder 3"/>
-          <p:cNvSpPr>
-            <a:spLocks noGrp="1"/>
-          </p:cNvSpPr>
-          <p:nvPr>
-            <p:ph type="sldNum" sz="quarter" idx="12"/>
-          </p:nvPr>
-        </p:nvSpPr>
-        <p:spPr/>
-        <p:txBody>
-          <a:bodyPr/>
-          <a:lstStyle/>
-          <a:p>
-            <a:fld id="{1FB4BD47-2A83-4A56-970D-480688504C1B}" type="slidenum">
-              <a:rPr lang="en-GB" smtClean="0"/>
-              <a:t>7</a:t>
-            </a:fld>
-            <a:endParaRPr lang="en-GB"/>
-          </a:p>
-        </p:txBody>
-      </p:sp>
-    </p:spTree>
-    <p:extLst>
-      <p:ext uri="{BB962C8B-B14F-4D97-AF65-F5344CB8AC3E}">
-        <p14:creationId xmlns:p14="http://schemas.microsoft.com/office/powerpoint/2010/main" val="4085989116"/>
-      </p:ext>
-    </p:extLst>
-  </p:cSld>
-  <p:clrMapOvr>
-    <a:masterClrMapping/>
-  </p:clrMapOvr>
-  <p:timing>
-    <p:tnLst>
-      <p:par>
-        <p:cTn id="1" dur="indefinite" restart="never" nodeType="tmRoot"/>
-      </p:par>
-    </p:tnLst>
-  </p:timing>
-</p:sld>
-</file>
-
-<file path=ppt/slides/slide8.xml><?xml version="1.0" encoding="utf-8"?>
-<p:sld xmlns:a="http://schemas.openxmlformats.org/drawingml/2006/main" xmlns:r="http://schemas.openxmlformats.org/officeDocument/2006/relationships" xmlns:p="http://schemas.openxmlformats.org/presentationml/2006/main">
-  <p:cSld>
-    <p:spTree>
-      <p:nvGrpSpPr>
-        <p:cNvPr id="1" name=""/>
-        <p:cNvGrpSpPr/>
-        <p:nvPr/>
-      </p:nvGrpSpPr>
-      <p:grpSpPr>
-        <a:xfrm>
-          <a:off x="0" y="0"/>
-          <a:ext cx="0" cy="0"/>
-          <a:chOff x="0" y="0"/>
-          <a:chExt cx="0" cy="0"/>
-        </a:xfrm>
-      </p:grpSpPr>
-      <p:sp>
-        <p:nvSpPr>
-          <p:cNvPr id="2" name="Title 1"/>
-          <p:cNvSpPr>
-            <a:spLocks noGrp="1"/>
-          </p:cNvSpPr>
-          <p:nvPr>
-            <p:ph type="title"/>
-          </p:nvPr>
-        </p:nvSpPr>
-        <p:spPr/>
-        <p:txBody>
-          <a:bodyPr/>
-          <a:lstStyle/>
-          <a:p>
-            <a:pPr algn="ctr"/>
-            <a:r>
-              <a:rPr lang="en-US" dirty="0"/>
-              <a:t>References</a:t>
-            </a:r>
-            <a:endParaRPr lang="en-GB" dirty="0"/>
-          </a:p>
-        </p:txBody>
-      </p:sp>
-      <p:sp>
-        <p:nvSpPr>
-          <p:cNvPr id="3" name="Content Placeholder 2"/>
-          <p:cNvSpPr>
-            <a:spLocks noGrp="1"/>
-          </p:cNvSpPr>
-          <p:nvPr>
-            <p:ph idx="1"/>
-          </p:nvPr>
-        </p:nvSpPr>
-        <p:spPr/>
-        <p:txBody>
-          <a:bodyPr>
-            <a:normAutofit fontScale="92500" lnSpcReduction="20000"/>
-          </a:bodyPr>
-          <a:lstStyle/>
-          <a:p>
-            <a:pPr marL="514350" indent="-514350">
-              <a:buFont typeface="+mj-lt"/>
-              <a:buAutoNum type="arabicPeriod"/>
-            </a:pPr>
-            <a:r>
-              <a:rPr lang="en-GB" dirty="0" err="1"/>
-              <a:t>Hormozdiari</a:t>
-            </a:r>
-            <a:r>
-              <a:rPr lang="en-GB" dirty="0"/>
-              <a:t> F, </a:t>
-            </a:r>
-            <a:r>
-              <a:rPr lang="en-GB" dirty="0" err="1"/>
-              <a:t>Kostem</a:t>
-            </a:r>
-            <a:r>
-              <a:rPr lang="en-GB" dirty="0"/>
-              <a:t> E, Kang EY, </a:t>
-            </a:r>
-            <a:r>
-              <a:rPr lang="en-GB" dirty="0" err="1"/>
-              <a:t>Pasaniuc</a:t>
-            </a:r>
-            <a:r>
-              <a:rPr lang="en-GB" dirty="0"/>
-              <a:t> B, </a:t>
-            </a:r>
-            <a:r>
-              <a:rPr lang="en-GB" dirty="0" err="1"/>
-              <a:t>Eskin</a:t>
-            </a:r>
-            <a:r>
-              <a:rPr lang="en-GB" dirty="0"/>
-              <a:t> E. Identifying Causal Variants at Loci with Multiple Signals of Association. </a:t>
-            </a:r>
-            <a:r>
-              <a:rPr lang="en-GB" i="1" dirty="0"/>
-              <a:t>Genetics</a:t>
-            </a:r>
-            <a:r>
-              <a:rPr lang="en-GB" dirty="0"/>
-              <a:t> 44, 725–731, 2014 </a:t>
-            </a:r>
-          </a:p>
-          <a:p>
-            <a:pPr marL="514350" indent="-514350">
-              <a:buFont typeface="+mj-lt"/>
-              <a:buAutoNum type="arabicPeriod"/>
-            </a:pPr>
-            <a:r>
-              <a:rPr lang="en-GB" dirty="0"/>
-              <a:t>Chen W, et al. (2015). Fine Mapping Causal Variants with an Approximate Bayesian Method Using Marginal Test Statistics. </a:t>
-            </a:r>
-            <a:r>
-              <a:rPr lang="en-GB" i="1" dirty="0"/>
-              <a:t>Genetics</a:t>
-            </a:r>
-            <a:r>
-              <a:rPr lang="en-GB" dirty="0"/>
-              <a:t> 200:719-736.</a:t>
-            </a:r>
-          </a:p>
-          <a:p>
-            <a:pPr marL="514350" indent="-514350">
-              <a:buFont typeface="+mj-lt"/>
-              <a:buAutoNum type="arabicPeriod"/>
-            </a:pPr>
-            <a:r>
-              <a:rPr lang="en-GB"/>
-              <a:t>Benner </a:t>
-            </a:r>
-            <a:r>
-              <a:rPr lang="en-GB" dirty="0"/>
-              <a:t>C. </a:t>
-            </a:r>
-            <a:r>
-              <a:rPr lang="en-GB" i="1" dirty="0"/>
-              <a:t>et al</a:t>
-            </a:r>
-            <a:r>
-              <a:rPr lang="en-GB" dirty="0"/>
-              <a:t>. FINEMAP: Efficient variable selection using summary data from genome-wide association studies. </a:t>
-            </a:r>
-            <a:r>
-              <a:rPr lang="en-GB" i="1" dirty="0"/>
-              <a:t>Bioinformatics</a:t>
-            </a:r>
-            <a:r>
-              <a:rPr lang="en-GB" dirty="0"/>
-              <a:t> 32, 1493-1501, 2016</a:t>
-            </a:r>
-          </a:p>
-          <a:p>
-            <a:pPr marL="514350" indent="-514350">
-              <a:buFont typeface="+mj-lt"/>
-              <a:buAutoNum type="arabicPeriod"/>
-            </a:pPr>
-            <a:r>
-              <a:rPr lang="en-GB" dirty="0" err="1"/>
-              <a:t>Newcombe</a:t>
-            </a:r>
-            <a:r>
-              <a:rPr lang="en-GB" dirty="0"/>
-              <a:t> PJ, Conti DV, Richardson.</a:t>
-            </a:r>
-            <a:r>
-              <a:rPr lang="en-GB" b="1" dirty="0"/>
-              <a:t> </a:t>
-            </a:r>
-            <a:r>
-              <a:rPr lang="en-GB" dirty="0"/>
-              <a:t>JAM: A Scalable Bayesian Framework for Joint Analysis of Marginal SNP Effects</a:t>
-            </a:r>
-            <a:r>
-              <a:rPr lang="en-GB" i="1" dirty="0"/>
-              <a:t>. Genet </a:t>
-            </a:r>
-            <a:r>
-              <a:rPr lang="en-GB" i="1" dirty="0" err="1"/>
-              <a:t>Epidemiol</a:t>
-            </a:r>
-            <a:r>
-              <a:rPr lang="en-GB" dirty="0"/>
-              <a:t> 40:188–201, 2016</a:t>
-            </a:r>
-          </a:p>
-          <a:p>
-            <a:pPr marL="514350" indent="-514350">
-              <a:buFont typeface="+mj-lt"/>
-              <a:buAutoNum type="arabicPeriod"/>
-            </a:pPr>
-            <a:r>
-              <a:rPr lang="en-GB" dirty="0" err="1"/>
-              <a:t>Pickrell</a:t>
-            </a:r>
-            <a:r>
-              <a:rPr lang="en-GB" dirty="0"/>
-              <a:t> JK. Joint analysis of functional genomic data and genome-wide association studies of 18 human traits. </a:t>
-            </a:r>
-            <a:r>
-              <a:rPr lang="en-GB" dirty="0" err="1"/>
-              <a:t>bioRxiv</a:t>
-            </a:r>
-            <a:r>
-              <a:rPr lang="en-GB" dirty="0"/>
-              <a:t> 10.1101/000752, 2014</a:t>
-            </a:r>
-          </a:p>
-        </p:txBody>
-      </p:sp>
-      <p:sp>
-        <p:nvSpPr>
-          <p:cNvPr id="4" name="Slide Number Placeholder 3"/>
-          <p:cNvSpPr>
-            <a:spLocks noGrp="1"/>
-          </p:cNvSpPr>
-          <p:nvPr>
-            <p:ph type="sldNum" sz="quarter" idx="12"/>
-          </p:nvPr>
-        </p:nvSpPr>
-        <p:spPr/>
-        <p:txBody>
-          <a:bodyPr/>
-          <a:lstStyle/>
-          <a:p>
-            <a:fld id="{1FB4BD47-2A83-4A56-970D-480688504C1B}" type="slidenum">
-              <a:rPr lang="en-GB" smtClean="0"/>
-              <a:t>8</a:t>
-            </a:fld>
-            <a:endParaRPr lang="en-GB"/>
-          </a:p>
-        </p:txBody>
-      </p:sp>
-    </p:spTree>
-    <p:extLst>
-      <p:ext uri="{BB962C8B-B14F-4D97-AF65-F5344CB8AC3E}">
-        <p14:creationId xmlns:p14="http://schemas.microsoft.com/office/powerpoint/2010/main" val="2744547979"/>
-      </p:ext>
-    </p:extLst>
-  </p:cSld>
-  <p:clrMapOvr>
-    <a:masterClrMapping/>
-  </p:clrMapOvr>
-  <p:timing>
-    <p:tnLst>
-      <p:par>
-        <p:cTn id="1" dur="indefinite" restart="never" nodeType="tmRoot"/>
-      </p:par>
-    </p:tnLst>
-  </p:timing>
-</p:sld>
-</file>
-
-<file path=ppt/slides/slide9.xml><?xml version="1.0" encoding="utf-8"?>
-<p:sld xmlns:a="http://schemas.openxmlformats.org/drawingml/2006/main" xmlns:r="http://schemas.openxmlformats.org/officeDocument/2006/relationships" xmlns:p="http://schemas.openxmlformats.org/presentationml/2006/main">
-  <p:cSld>
-    <p:spTree>
-      <p:nvGrpSpPr>
-        <p:cNvPr id="1" name=""/>
-        <p:cNvGrpSpPr/>
-        <p:nvPr/>
-      </p:nvGrpSpPr>
-      <p:grpSpPr>
-        <a:xfrm>
-          <a:off x="0" y="0"/>
-          <a:ext cx="0" cy="0"/>
-          <a:chOff x="0" y="0"/>
-          <a:chExt cx="0" cy="0"/>
-        </a:xfrm>
-      </p:grpSpPr>
-      <p:sp>
-        <p:nvSpPr>
-          <p:cNvPr id="2" name="Title 1"/>
-          <p:cNvSpPr>
-            <a:spLocks noGrp="1"/>
-          </p:cNvSpPr>
-          <p:nvPr>
-            <p:ph type="title"/>
-          </p:nvPr>
-        </p:nvSpPr>
-        <p:spPr/>
-        <p:txBody>
-          <a:bodyPr/>
-          <a:lstStyle/>
-          <a:p>
-            <a:pPr algn="ctr"/>
-            <a:r>
-              <a:rPr lang="en-US"/>
-              <a:t>One more example</a:t>
+              <a:rPr lang="en-US" dirty="0" smtClean="0"/>
+              <a:t>On our front-page example</a:t>
             </a:r>
             <a:endParaRPr lang="en-GB" dirty="0"/>
           </a:p>
@@ -7044,63 +6976,63 @@
                 <a:gridCol w="586328">
                   <a:extLst>
                     <a:ext uri="{9D8B030D-6E8A-4147-A177-3AD203B41FA5}">
-                      <a16:colId xmlns:a16="http://schemas.microsoft.com/office/drawing/2014/main" val="1953549286"/>
+                      <a16:colId xmlns="" xmlns:a16="http://schemas.microsoft.com/office/drawing/2014/main" val="1953549286"/>
                     </a:ext>
                   </a:extLst>
                 </a:gridCol>
                 <a:gridCol w="1441911">
                   <a:extLst>
                     <a:ext uri="{9D8B030D-6E8A-4147-A177-3AD203B41FA5}">
-                      <a16:colId xmlns:a16="http://schemas.microsoft.com/office/drawing/2014/main" val="2286925942"/>
+                      <a16:colId xmlns="" xmlns:a16="http://schemas.microsoft.com/office/drawing/2014/main" val="2286925942"/>
                     </a:ext>
                   </a:extLst>
                 </a:gridCol>
                 <a:gridCol w="592568">
                   <a:extLst>
                     <a:ext uri="{9D8B030D-6E8A-4147-A177-3AD203B41FA5}">
-                      <a16:colId xmlns:a16="http://schemas.microsoft.com/office/drawing/2014/main" val="2240166967"/>
+                      <a16:colId xmlns="" xmlns:a16="http://schemas.microsoft.com/office/drawing/2014/main" val="2240166967"/>
                     </a:ext>
                   </a:extLst>
                 </a:gridCol>
                 <a:gridCol w="592568">
                   <a:extLst>
                     <a:ext uri="{9D8B030D-6E8A-4147-A177-3AD203B41FA5}">
-                      <a16:colId xmlns:a16="http://schemas.microsoft.com/office/drawing/2014/main" val="3084119439"/>
+                      <a16:colId xmlns="" xmlns:a16="http://schemas.microsoft.com/office/drawing/2014/main" val="3084119439"/>
                     </a:ext>
                   </a:extLst>
                 </a:gridCol>
                 <a:gridCol w="1035431">
                   <a:extLst>
                     <a:ext uri="{9D8B030D-6E8A-4147-A177-3AD203B41FA5}">
-                      <a16:colId xmlns:a16="http://schemas.microsoft.com/office/drawing/2014/main" val="2439947825"/>
+                      <a16:colId xmlns="" xmlns:a16="http://schemas.microsoft.com/office/drawing/2014/main" val="2439947825"/>
                     </a:ext>
                   </a:extLst>
                 </a:gridCol>
                 <a:gridCol w="1183054">
                   <a:extLst>
                     <a:ext uri="{9D8B030D-6E8A-4147-A177-3AD203B41FA5}">
-                      <a16:colId xmlns:a16="http://schemas.microsoft.com/office/drawing/2014/main" val="756702285"/>
+                      <a16:colId xmlns="" xmlns:a16="http://schemas.microsoft.com/office/drawing/2014/main" val="756702285"/>
                     </a:ext>
                   </a:extLst>
                 </a:gridCol>
                 <a:gridCol w="1035431">
                   <a:extLst>
                     <a:ext uri="{9D8B030D-6E8A-4147-A177-3AD203B41FA5}">
-                      <a16:colId xmlns:a16="http://schemas.microsoft.com/office/drawing/2014/main" val="52909403"/>
+                      <a16:colId xmlns="" xmlns:a16="http://schemas.microsoft.com/office/drawing/2014/main" val="52909403"/>
                     </a:ext>
                   </a:extLst>
                 </a:gridCol>
                 <a:gridCol w="2104131">
                   <a:extLst>
                     <a:ext uri="{9D8B030D-6E8A-4147-A177-3AD203B41FA5}">
-                      <a16:colId xmlns:a16="http://schemas.microsoft.com/office/drawing/2014/main" val="3498582246"/>
+                      <a16:colId xmlns="" xmlns:a16="http://schemas.microsoft.com/office/drawing/2014/main" val="3498582246"/>
                     </a:ext>
                   </a:extLst>
                 </a:gridCol>
                 <a:gridCol w="1042710">
                   <a:extLst>
                     <a:ext uri="{9D8B030D-6E8A-4147-A177-3AD203B41FA5}">
-                      <a16:colId xmlns:a16="http://schemas.microsoft.com/office/drawing/2014/main" val="2633740206"/>
+                      <a16:colId xmlns="" xmlns:a16="http://schemas.microsoft.com/office/drawing/2014/main" val="2633740206"/>
                     </a:ext>
                   </a:extLst>
                 </a:gridCol>
@@ -7369,7 +7301,7 @@
                 </a:tc>
                 <a:extLst>
                   <a:ext uri="{0D108BD9-81ED-4DB2-BD59-A6C34878D82A}">
-                    <a16:rowId xmlns:a16="http://schemas.microsoft.com/office/drawing/2014/main" val="4035685168"/>
+                    <a16:rowId xmlns="" xmlns:a16="http://schemas.microsoft.com/office/drawing/2014/main" val="4035685168"/>
                   </a:ext>
                 </a:extLst>
               </a:tr>
@@ -7637,7 +7569,7 @@
                 </a:tc>
                 <a:extLst>
                   <a:ext uri="{0D108BD9-81ED-4DB2-BD59-A6C34878D82A}">
-                    <a16:rowId xmlns:a16="http://schemas.microsoft.com/office/drawing/2014/main" val="3486077057"/>
+                    <a16:rowId xmlns="" xmlns:a16="http://schemas.microsoft.com/office/drawing/2014/main" val="3486077057"/>
                   </a:ext>
                 </a:extLst>
               </a:tr>
@@ -7662,7 +7594,7 @@
           <a:p>
             <a:fld id="{1FB4BD47-2A83-4A56-970D-480688504C1B}" type="slidenum">
               <a:rPr lang="en-GB" smtClean="0"/>
-              <a:t>9</a:t>
+              <a:t>7</a:t>
             </a:fld>
             <a:endParaRPr lang="en-GB"/>
           </a:p>
@@ -7685,6 +7617,464 @@
       </p:par>
     </p:tnLst>
   </p:timing>
+</p:sld>
+</file>
+
+<file path=ppt/slides/slide8.xml><?xml version="1.0" encoding="utf-8"?>
+<p:sld xmlns:a="http://schemas.openxmlformats.org/drawingml/2006/main" xmlns:r="http://schemas.openxmlformats.org/officeDocument/2006/relationships" xmlns:p="http://schemas.openxmlformats.org/presentationml/2006/main">
+  <p:cSld>
+    <p:spTree>
+      <p:nvGrpSpPr>
+        <p:cNvPr id="1" name=""/>
+        <p:cNvGrpSpPr/>
+        <p:nvPr/>
+      </p:nvGrpSpPr>
+      <p:grpSpPr>
+        <a:xfrm>
+          <a:off x="0" y="0"/>
+          <a:ext cx="0" cy="0"/>
+          <a:chOff x="0" y="0"/>
+          <a:chExt cx="0" cy="0"/>
+        </a:xfrm>
+      </p:grpSpPr>
+      <p:sp>
+        <p:nvSpPr>
+          <p:cNvPr id="2" name="Title 1"/>
+          <p:cNvSpPr>
+            <a:spLocks noGrp="1"/>
+          </p:cNvSpPr>
+          <p:nvPr>
+            <p:ph type="title"/>
+          </p:nvPr>
+        </p:nvSpPr>
+        <p:spPr/>
+        <p:txBody>
+          <a:bodyPr/>
+          <a:lstStyle/>
+          <a:p>
+            <a:pPr algn="ctr"/>
+            <a:r>
+              <a:rPr lang="en-GB" dirty="0"/>
+              <a:t>Regional association plot (</a:t>
+            </a:r>
+            <a:r>
+              <a:rPr lang="en-GB" dirty="0" err="1"/>
+              <a:t>locusZoom</a:t>
+            </a:r>
+            <a:r>
+              <a:rPr lang="en-GB" dirty="0"/>
+              <a:t>)</a:t>
+            </a:r>
+          </a:p>
+        </p:txBody>
+      </p:sp>
+      <p:pic>
+        <p:nvPicPr>
+          <p:cNvPr id="4" name="Content Placeholder 3"/>
+          <p:cNvPicPr>
+            <a:picLocks noGrp="1"/>
+          </p:cNvPicPr>
+          <p:nvPr>
+            <p:ph idx="1"/>
+          </p:nvPr>
+        </p:nvPicPr>
+        <p:blipFill>
+          <a:blip r:embed="rId2" cstate="print">
+            <a:extLst>
+              <a:ext uri="{28A0092B-C50C-407E-A947-70E740481C1C}">
+                <a14:useLocalDpi xmlns:a14="http://schemas.microsoft.com/office/drawing/2010/main" val="0"/>
+              </a:ext>
+            </a:extLst>
+          </a:blip>
+          <a:stretch>
+            <a:fillRect/>
+          </a:stretch>
+        </p:blipFill>
+        <p:spPr>
+          <a:xfrm>
+            <a:off x="2456873" y="1542473"/>
+            <a:ext cx="7749309" cy="5246254"/>
+          </a:xfrm>
+          <a:prstGeom prst="rect">
+            <a:avLst/>
+          </a:prstGeom>
+        </p:spPr>
+      </p:pic>
+      <p:sp>
+        <p:nvSpPr>
+          <p:cNvPr id="3" name="Slide Number Placeholder 2"/>
+          <p:cNvSpPr>
+            <a:spLocks noGrp="1"/>
+          </p:cNvSpPr>
+          <p:nvPr>
+            <p:ph type="sldNum" sz="quarter" idx="12"/>
+          </p:nvPr>
+        </p:nvSpPr>
+        <p:spPr/>
+        <p:txBody>
+          <a:bodyPr/>
+          <a:lstStyle/>
+          <a:p>
+            <a:fld id="{1FB4BD47-2A83-4A56-970D-480688504C1B}" type="slidenum">
+              <a:rPr lang="en-GB" smtClean="0"/>
+              <a:t>8</a:t>
+            </a:fld>
+            <a:endParaRPr lang="en-GB"/>
+          </a:p>
+        </p:txBody>
+      </p:sp>
+    </p:spTree>
+    <p:extLst>
+      <p:ext uri="{BB962C8B-B14F-4D97-AF65-F5344CB8AC3E}">
+        <p14:creationId xmlns:p14="http://schemas.microsoft.com/office/powerpoint/2010/main" val="191454984"/>
+      </p:ext>
+    </p:extLst>
+  </p:cSld>
+  <p:clrMapOvr>
+    <a:masterClrMapping/>
+  </p:clrMapOvr>
+  <p:timing>
+    <p:tnLst>
+      <p:par>
+        <p:cTn id="1" dur="indefinite" restart="never" nodeType="tmRoot"/>
+      </p:par>
+    </p:tnLst>
+  </p:timing>
+</p:sld>
+</file>
+
+<file path=ppt/slides/slide9.xml><?xml version="1.0" encoding="utf-8"?>
+<p:sld xmlns:a="http://schemas.openxmlformats.org/drawingml/2006/main" xmlns:r="http://schemas.openxmlformats.org/officeDocument/2006/relationships" xmlns:p="http://schemas.openxmlformats.org/presentationml/2006/main">
+  <p:cSld>
+    <p:spTree>
+      <p:nvGrpSpPr>
+        <p:cNvPr id="1" name=""/>
+        <p:cNvGrpSpPr/>
+        <p:nvPr/>
+      </p:nvGrpSpPr>
+      <p:grpSpPr>
+        <a:xfrm>
+          <a:off x="0" y="0"/>
+          <a:ext cx="0" cy="0"/>
+          <a:chOff x="0" y="0"/>
+          <a:chExt cx="0" cy="0"/>
+        </a:xfrm>
+      </p:grpSpPr>
+      <p:sp>
+        <p:nvSpPr>
+          <p:cNvPr id="2" name="Title 1"/>
+          <p:cNvSpPr>
+            <a:spLocks noGrp="1"/>
+          </p:cNvSpPr>
+          <p:nvPr>
+            <p:ph type="title"/>
+          </p:nvPr>
+        </p:nvSpPr>
+        <p:spPr/>
+        <p:txBody>
+          <a:bodyPr/>
+          <a:lstStyle/>
+          <a:p>
+            <a:pPr algn="ctr"/>
+            <a:r>
+              <a:rPr lang="en-GB" dirty="0" smtClean="0"/>
+              <a:t>GCTA –</a:t>
+            </a:r>
+            <a:r>
+              <a:rPr lang="en-GB" dirty="0" err="1" smtClean="0"/>
+              <a:t>cojo-slct</a:t>
+            </a:r>
+            <a:r>
+              <a:rPr lang="en-GB" dirty="0" smtClean="0"/>
+              <a:t> results</a:t>
+            </a:r>
+            <a:endParaRPr lang="en-GB" dirty="0"/>
+          </a:p>
+        </p:txBody>
+      </p:sp>
+      <p:sp>
+        <p:nvSpPr>
+          <p:cNvPr id="3" name="Content Placeholder 2"/>
+          <p:cNvSpPr>
+            <a:spLocks noGrp="1"/>
+          </p:cNvSpPr>
+          <p:nvPr>
+            <p:ph idx="1"/>
+          </p:nvPr>
+        </p:nvSpPr>
+        <p:spPr/>
+        <p:txBody>
+          <a:bodyPr>
+            <a:normAutofit fontScale="92500" lnSpcReduction="10000"/>
+          </a:bodyPr>
+          <a:lstStyle/>
+          <a:p>
+            <a:pPr marL="0" indent="0">
+              <a:buNone/>
+            </a:pPr>
+            <a:r>
+              <a:rPr lang="en-GB" b="1" dirty="0" smtClean="0"/>
+              <a:t>Whole-genome</a:t>
+            </a:r>
+          </a:p>
+          <a:p>
+            <a:pPr marL="0" indent="0">
+              <a:buNone/>
+            </a:pPr>
+            <a:r>
+              <a:rPr lang="en-GB" dirty="0" err="1" smtClean="0"/>
+              <a:t>Chr</a:t>
+            </a:r>
+            <a:r>
+              <a:rPr lang="en-GB" dirty="0" smtClean="0"/>
+              <a:t>     </a:t>
+            </a:r>
+            <a:r>
+              <a:rPr lang="en-GB" dirty="0"/>
+              <a:t>SNP     </a:t>
+            </a:r>
+            <a:r>
+              <a:rPr lang="en-GB" dirty="0" err="1"/>
+              <a:t>bp</a:t>
+            </a:r>
+            <a:r>
+              <a:rPr lang="en-GB" dirty="0"/>
+              <a:t>      </a:t>
+            </a:r>
+            <a:r>
+              <a:rPr lang="en-GB" dirty="0" err="1"/>
+              <a:t>refA</a:t>
+            </a:r>
+            <a:r>
+              <a:rPr lang="en-GB" dirty="0"/>
+              <a:t>    </a:t>
+            </a:r>
+            <a:r>
+              <a:rPr lang="en-GB" dirty="0" err="1"/>
+              <a:t>freq</a:t>
+            </a:r>
+            <a:r>
+              <a:rPr lang="en-GB" dirty="0"/>
+              <a:t>    b       se      p       n       </a:t>
+            </a:r>
+            <a:r>
+              <a:rPr lang="en-GB" dirty="0" err="1"/>
+              <a:t>freq_geno</a:t>
+            </a:r>
+            <a:r>
+              <a:rPr lang="en-GB" dirty="0"/>
+              <a:t>       </a:t>
+            </a:r>
+            <a:r>
+              <a:rPr lang="en-GB" dirty="0" err="1"/>
+              <a:t>bJ</a:t>
+            </a:r>
+            <a:r>
+              <a:rPr lang="en-GB" dirty="0"/>
+              <a:t>      </a:t>
+            </a:r>
+            <a:r>
+              <a:rPr lang="en-GB" dirty="0" err="1"/>
+              <a:t>bJ_se</a:t>
+            </a:r>
+            <a:r>
+              <a:rPr lang="en-GB" dirty="0"/>
+              <a:t>   </a:t>
+            </a:r>
+            <a:r>
+              <a:rPr lang="en-GB" dirty="0" err="1"/>
+              <a:t>pJ</a:t>
+            </a:r>
+            <a:r>
+              <a:rPr lang="en-GB" dirty="0"/>
+              <a:t>      </a:t>
+            </a:r>
+            <a:r>
+              <a:rPr lang="en-GB" dirty="0" err="1"/>
+              <a:t>LD_r</a:t>
+            </a:r>
+            <a:endParaRPr lang="en-GB" dirty="0"/>
+          </a:p>
+          <a:p>
+            <a:pPr marL="514350" indent="-514350">
+              <a:buAutoNum type="arabicPlain"/>
+            </a:pPr>
+            <a:r>
+              <a:rPr lang="en-GB" dirty="0" smtClean="0"/>
+              <a:t>1:39355351_G_T  </a:t>
+            </a:r>
+            <a:r>
+              <a:rPr lang="en-GB" dirty="0"/>
+              <a:t>39355351        T       0.6721  -0.1946 0.0213  6.641e-20       87018.7 0.671757        -0.191572        </a:t>
+            </a:r>
+            <a:r>
+              <a:rPr lang="en-GB" dirty="0" smtClean="0"/>
+              <a:t>0.0213159</a:t>
+            </a:r>
+          </a:p>
+          <a:p>
+            <a:pPr marL="0" indent="0">
+              <a:buNone/>
+            </a:pPr>
+            <a:r>
+              <a:rPr lang="en-GB" b="1" dirty="0" smtClean="0"/>
+              <a:t>250kb flanking </a:t>
+            </a:r>
+            <a:r>
+              <a:rPr lang="en-GB" b="1" dirty="0"/>
+              <a:t>region surrounding rs4970634</a:t>
+            </a:r>
+            <a:endParaRPr lang="en-GB" b="1" dirty="0" smtClean="0"/>
+          </a:p>
+          <a:p>
+            <a:pPr marL="0" indent="0">
+              <a:buNone/>
+            </a:pPr>
+            <a:r>
+              <a:rPr lang="en-GB" dirty="0" err="1" smtClean="0"/>
+              <a:t>Chr</a:t>
+            </a:r>
+            <a:r>
+              <a:rPr lang="en-GB" dirty="0" smtClean="0"/>
+              <a:t>     </a:t>
+            </a:r>
+            <a:r>
+              <a:rPr lang="en-GB" dirty="0"/>
+              <a:t>SNP     </a:t>
+            </a:r>
+            <a:r>
+              <a:rPr lang="en-GB" dirty="0" err="1"/>
+              <a:t>bp</a:t>
+            </a:r>
+            <a:r>
+              <a:rPr lang="en-GB" dirty="0"/>
+              <a:t>      </a:t>
+            </a:r>
+            <a:r>
+              <a:rPr lang="en-GB" dirty="0" err="1"/>
+              <a:t>refA</a:t>
+            </a:r>
+            <a:r>
+              <a:rPr lang="en-GB" dirty="0"/>
+              <a:t>    </a:t>
+            </a:r>
+            <a:r>
+              <a:rPr lang="en-GB" dirty="0" err="1"/>
+              <a:t>freq</a:t>
+            </a:r>
+            <a:r>
+              <a:rPr lang="en-GB" dirty="0"/>
+              <a:t>    b       se      p       n       </a:t>
+            </a:r>
+            <a:r>
+              <a:rPr lang="en-GB" dirty="0" err="1"/>
+              <a:t>freq_geno</a:t>
+            </a:r>
+            <a:r>
+              <a:rPr lang="en-GB" dirty="0"/>
+              <a:t>       </a:t>
+            </a:r>
+            <a:r>
+              <a:rPr lang="en-GB" dirty="0" err="1"/>
+              <a:t>bJ</a:t>
+            </a:r>
+            <a:r>
+              <a:rPr lang="en-GB" dirty="0"/>
+              <a:t>      </a:t>
+            </a:r>
+            <a:r>
+              <a:rPr lang="en-GB" dirty="0" err="1"/>
+              <a:t>bJ_se</a:t>
+            </a:r>
+            <a:r>
+              <a:rPr lang="en-GB" dirty="0"/>
+              <a:t>   </a:t>
+            </a:r>
+            <a:r>
+              <a:rPr lang="en-GB" dirty="0" err="1"/>
+              <a:t>pJ</a:t>
+            </a:r>
+            <a:r>
+              <a:rPr lang="en-GB" dirty="0"/>
+              <a:t>      </a:t>
+            </a:r>
+            <a:r>
+              <a:rPr lang="en-GB" dirty="0" err="1"/>
+              <a:t>LD_r</a:t>
+            </a:r>
+            <a:endParaRPr lang="en-GB" dirty="0"/>
+          </a:p>
+          <a:p>
+            <a:pPr marL="514350" indent="-514350">
+              <a:buAutoNum type="arabicPlain"/>
+            </a:pPr>
+            <a:r>
+              <a:rPr lang="en-GB" dirty="0" smtClean="0"/>
+              <a:t>1:39355351_G_T  </a:t>
+            </a:r>
+            <a:r>
+              <a:rPr lang="en-GB" dirty="0"/>
+              <a:t>39355351        T       0.6721  -0.1946 0.0213  6.641e-20       88098.7 0.671757        -0.1946 0.02131 6.73217e-20     </a:t>
+            </a:r>
+            <a:r>
+              <a:rPr lang="en-GB" dirty="0" smtClean="0"/>
+              <a:t>0</a:t>
+            </a:r>
+          </a:p>
+          <a:p>
+            <a:pPr marL="0" indent="0">
+              <a:buNone/>
+            </a:pPr>
+            <a:r>
+              <a:rPr lang="en-GB" dirty="0" smtClean="0"/>
+              <a:t>2.53372e-19     </a:t>
+            </a:r>
+            <a:r>
+              <a:rPr lang="en-GB" dirty="0"/>
+              <a:t>0.0234613</a:t>
+            </a:r>
+          </a:p>
+          <a:p>
+            <a:pPr marL="0" indent="0">
+              <a:buNone/>
+            </a:pPr>
+            <a:endParaRPr lang="en-GB" dirty="0"/>
+          </a:p>
+        </p:txBody>
+      </p:sp>
+      <p:sp>
+        <p:nvSpPr>
+          <p:cNvPr id="4" name="Slide Number Placeholder 3"/>
+          <p:cNvSpPr>
+            <a:spLocks noGrp="1"/>
+          </p:cNvSpPr>
+          <p:nvPr>
+            <p:ph type="sldNum" sz="quarter" idx="12"/>
+          </p:nvPr>
+        </p:nvSpPr>
+        <p:spPr/>
+        <p:txBody>
+          <a:bodyPr/>
+          <a:lstStyle/>
+          <a:p>
+            <a:fld id="{1FB4BD47-2A83-4A56-970D-480688504C1B}" type="slidenum">
+              <a:rPr lang="en-GB" smtClean="0"/>
+              <a:t>9</a:t>
+            </a:fld>
+            <a:endParaRPr lang="en-GB"/>
+          </a:p>
+        </p:txBody>
+      </p:sp>
+    </p:spTree>
+    <p:extLst>
+      <p:ext uri="{BB962C8B-B14F-4D97-AF65-F5344CB8AC3E}">
+        <p14:creationId xmlns:p14="http://schemas.microsoft.com/office/powerpoint/2010/main" val="3631648435"/>
+      </p:ext>
+    </p:extLst>
+  </p:cSld>
+  <p:clrMapOvr>
+    <a:masterClrMapping/>
+  </p:clrMapOvr>
 </p:sld>
 </file>
 
@@ -7943,7 +8333,7 @@
   <a:extraClrSchemeLst/>
   <a:extLst>
     <a:ext uri="{05A4C25C-085E-4340-85A3-A5531E510DB2}">
-      <thm15:themeFamily xmlns:thm15="http://schemas.microsoft.com/office/thememl/2012/main" name="Office Theme" id="{62F939B6-93AF-4DB8-9C6B-D6C7DFDC589F}" vid="{4A3C46E8-61CC-4603-A589-7422A47A8E4A}"/>
+      <thm15:themeFamily xmlns="" xmlns:thm15="http://schemas.microsoft.com/office/thememl/2012/main" name="Office Theme" id="{62F939B6-93AF-4DB8-9C6B-D6C7DFDC589F}" vid="{4A3C46E8-61CC-4603-A589-7422A47A8E4A}"/>
     </a:ext>
   </a:extLst>
 </a:theme>
@@ -8204,7 +8594,7 @@
   <a:extraClrSchemeLst/>
   <a:extLst>
     <a:ext uri="{05A4C25C-085E-4340-85A3-A5531E510DB2}">
-      <thm15:themeFamily xmlns:thm15="http://schemas.microsoft.com/office/thememl/2012/main" name="Office Theme" id="{62F939B6-93AF-4DB8-9C6B-D6C7DFDC589F}" vid="{4A3C46E8-61CC-4603-A589-7422A47A8E4A}"/>
+      <thm15:themeFamily xmlns="" xmlns:thm15="http://schemas.microsoft.com/office/thememl/2012/main" name="Office Theme" id="{62F939B6-93AF-4DB8-9C6B-D6C7DFDC589F}" vid="{4A3C46E8-61CC-4603-A589-7422A47A8E4A}"/>
     </a:ext>
   </a:extLst>
 </a:theme>

--- a/README.pptx
+++ b/README.pptx
@@ -121,7 +121,7 @@
   </p:defaultTextStyle>
   <p:extLst>
     <p:ext uri="{EFAFB233-063F-42B5-8137-9DF3F51BA10A}">
-      <p15:sldGuideLst xmlns="" xmlns:p15="http://schemas.microsoft.com/office/powerpoint/2012/main">
+      <p15:sldGuideLst xmlns:p15="http://schemas.microsoft.com/office/powerpoint/2012/main" xmlns="">
         <p15:guide id="1" orient="horz" pos="2160">
           <p15:clr>
             <a:srgbClr val="A4A3A4"/>
@@ -4758,35 +4758,35 @@
                 <a:gridCol w="2103120">
                   <a:extLst>
                     <a:ext uri="{9D8B030D-6E8A-4147-A177-3AD203B41FA5}">
-                      <a16:colId xmlns="" xmlns:a16="http://schemas.microsoft.com/office/drawing/2014/main" val="2178192700"/>
+                      <a16:colId xmlns:a16="http://schemas.microsoft.com/office/drawing/2014/main" xmlns="" val="2178192700"/>
                     </a:ext>
                   </a:extLst>
                 </a:gridCol>
                 <a:gridCol w="2103120">
                   <a:extLst>
                     <a:ext uri="{9D8B030D-6E8A-4147-A177-3AD203B41FA5}">
-                      <a16:colId xmlns="" xmlns:a16="http://schemas.microsoft.com/office/drawing/2014/main" val="331999573"/>
+                      <a16:colId xmlns:a16="http://schemas.microsoft.com/office/drawing/2014/main" xmlns="" val="331999573"/>
                     </a:ext>
                   </a:extLst>
                 </a:gridCol>
                 <a:gridCol w="2103120">
                   <a:extLst>
                     <a:ext uri="{9D8B030D-6E8A-4147-A177-3AD203B41FA5}">
-                      <a16:colId xmlns="" xmlns:a16="http://schemas.microsoft.com/office/drawing/2014/main" val="3597132808"/>
+                      <a16:colId xmlns:a16="http://schemas.microsoft.com/office/drawing/2014/main" xmlns="" val="3597132808"/>
                     </a:ext>
                   </a:extLst>
                 </a:gridCol>
                 <a:gridCol w="2103120">
                   <a:extLst>
                     <a:ext uri="{9D8B030D-6E8A-4147-A177-3AD203B41FA5}">
-                      <a16:colId xmlns="" xmlns:a16="http://schemas.microsoft.com/office/drawing/2014/main" val="596877116"/>
+                      <a16:colId xmlns:a16="http://schemas.microsoft.com/office/drawing/2014/main" xmlns="" val="596877116"/>
                     </a:ext>
                   </a:extLst>
                 </a:gridCol>
                 <a:gridCol w="2103120">
                   <a:extLst>
                     <a:ext uri="{9D8B030D-6E8A-4147-A177-3AD203B41FA5}">
-                      <a16:colId xmlns="" xmlns:a16="http://schemas.microsoft.com/office/drawing/2014/main" val="1778616611"/>
+                      <a16:colId xmlns:a16="http://schemas.microsoft.com/office/drawing/2014/main" xmlns="" val="1778616611"/>
                     </a:ext>
                   </a:extLst>
                 </a:gridCol>
@@ -4954,7 +4954,7 @@
                 </a:tc>
                 <a:extLst>
                   <a:ext uri="{0D108BD9-81ED-4DB2-BD59-A6C34878D82A}">
-                    <a16:rowId xmlns="" xmlns:a16="http://schemas.microsoft.com/office/drawing/2014/main" val="2548993085"/>
+                    <a16:rowId xmlns:a16="http://schemas.microsoft.com/office/drawing/2014/main" xmlns="" val="2548993085"/>
                   </a:ext>
                 </a:extLst>
               </a:tr>
@@ -5121,7 +5121,7 @@
                 </a:tc>
                 <a:extLst>
                   <a:ext uri="{0D108BD9-81ED-4DB2-BD59-A6C34878D82A}">
-                    <a16:rowId xmlns="" xmlns:a16="http://schemas.microsoft.com/office/drawing/2014/main" val="3696918108"/>
+                    <a16:rowId xmlns:a16="http://schemas.microsoft.com/office/drawing/2014/main" xmlns="" val="3696918108"/>
                   </a:ext>
                 </a:extLst>
               </a:tr>
@@ -5288,7 +5288,7 @@
                 </a:tc>
                 <a:extLst>
                   <a:ext uri="{0D108BD9-81ED-4DB2-BD59-A6C34878D82A}">
-                    <a16:rowId xmlns="" xmlns:a16="http://schemas.microsoft.com/office/drawing/2014/main" val="739848613"/>
+                    <a16:rowId xmlns:a16="http://schemas.microsoft.com/office/drawing/2014/main" xmlns="" val="739848613"/>
                   </a:ext>
                 </a:extLst>
               </a:tr>
@@ -5455,7 +5455,7 @@
                 </a:tc>
                 <a:extLst>
                   <a:ext uri="{0D108BD9-81ED-4DB2-BD59-A6C34878D82A}">
-                    <a16:rowId xmlns="" xmlns:a16="http://schemas.microsoft.com/office/drawing/2014/main" val="3862531879"/>
+                    <a16:rowId xmlns:a16="http://schemas.microsoft.com/office/drawing/2014/main" xmlns="" val="3862531879"/>
                   </a:ext>
                 </a:extLst>
               </a:tr>
@@ -5622,7 +5622,7 @@
                 </a:tc>
                 <a:extLst>
                   <a:ext uri="{0D108BD9-81ED-4DB2-BD59-A6C34878D82A}">
-                    <a16:rowId xmlns="" xmlns:a16="http://schemas.microsoft.com/office/drawing/2014/main" val="107777099"/>
+                    <a16:rowId xmlns:a16="http://schemas.microsoft.com/office/drawing/2014/main" xmlns="" val="107777099"/>
                   </a:ext>
                 </a:extLst>
               </a:tr>
@@ -5789,7 +5789,7 @@
                 </a:tc>
                 <a:extLst>
                   <a:ext uri="{0D108BD9-81ED-4DB2-BD59-A6C34878D82A}">
-                    <a16:rowId xmlns="" xmlns:a16="http://schemas.microsoft.com/office/drawing/2014/main" val="4196587497"/>
+                    <a16:rowId xmlns:a16="http://schemas.microsoft.com/office/drawing/2014/main" xmlns="" val="4196587497"/>
                   </a:ext>
                 </a:extLst>
               </a:tr>
@@ -5956,7 +5956,7 @@
                 </a:tc>
                 <a:extLst>
                   <a:ext uri="{0D108BD9-81ED-4DB2-BD59-A6C34878D82A}">
-                    <a16:rowId xmlns="" xmlns:a16="http://schemas.microsoft.com/office/drawing/2014/main" val="3973535048"/>
+                    <a16:rowId xmlns:a16="http://schemas.microsoft.com/office/drawing/2014/main" xmlns="" val="3973535048"/>
                   </a:ext>
                 </a:extLst>
               </a:tr>
@@ -6117,7 +6117,7 @@
                 </a:tc>
                 <a:extLst>
                   <a:ext uri="{0D108BD9-81ED-4DB2-BD59-A6C34878D82A}">
-                    <a16:rowId xmlns="" xmlns:a16="http://schemas.microsoft.com/office/drawing/2014/main" val="4184079262"/>
+                    <a16:rowId xmlns:a16="http://schemas.microsoft.com/office/drawing/2014/main" xmlns="" val="4184079262"/>
                   </a:ext>
                 </a:extLst>
               </a:tr>
@@ -6284,7 +6284,7 @@
                 </a:tc>
                 <a:extLst>
                   <a:ext uri="{0D108BD9-81ED-4DB2-BD59-A6C34878D82A}">
-                    <a16:rowId xmlns="" xmlns:a16="http://schemas.microsoft.com/office/drawing/2014/main" val="1549009875"/>
+                    <a16:rowId xmlns:a16="http://schemas.microsoft.com/office/drawing/2014/main" xmlns="" val="1549009875"/>
                   </a:ext>
                 </a:extLst>
               </a:tr>
@@ -6976,63 +6976,63 @@
                 <a:gridCol w="586328">
                   <a:extLst>
                     <a:ext uri="{9D8B030D-6E8A-4147-A177-3AD203B41FA5}">
-                      <a16:colId xmlns="" xmlns:a16="http://schemas.microsoft.com/office/drawing/2014/main" val="1953549286"/>
+                      <a16:colId xmlns:a16="http://schemas.microsoft.com/office/drawing/2014/main" xmlns="" val="1953549286"/>
                     </a:ext>
                   </a:extLst>
                 </a:gridCol>
                 <a:gridCol w="1441911">
                   <a:extLst>
                     <a:ext uri="{9D8B030D-6E8A-4147-A177-3AD203B41FA5}">
-                      <a16:colId xmlns="" xmlns:a16="http://schemas.microsoft.com/office/drawing/2014/main" val="2286925942"/>
+                      <a16:colId xmlns:a16="http://schemas.microsoft.com/office/drawing/2014/main" xmlns="" val="2286925942"/>
                     </a:ext>
                   </a:extLst>
                 </a:gridCol>
                 <a:gridCol w="592568">
                   <a:extLst>
                     <a:ext uri="{9D8B030D-6E8A-4147-A177-3AD203B41FA5}">
-                      <a16:colId xmlns="" xmlns:a16="http://schemas.microsoft.com/office/drawing/2014/main" val="2240166967"/>
+                      <a16:colId xmlns:a16="http://schemas.microsoft.com/office/drawing/2014/main" xmlns="" val="2240166967"/>
                     </a:ext>
                   </a:extLst>
                 </a:gridCol>
                 <a:gridCol w="592568">
                   <a:extLst>
                     <a:ext uri="{9D8B030D-6E8A-4147-A177-3AD203B41FA5}">
-                      <a16:colId xmlns="" xmlns:a16="http://schemas.microsoft.com/office/drawing/2014/main" val="3084119439"/>
+                      <a16:colId xmlns:a16="http://schemas.microsoft.com/office/drawing/2014/main" xmlns="" val="3084119439"/>
                     </a:ext>
                   </a:extLst>
                 </a:gridCol>
                 <a:gridCol w="1035431">
                   <a:extLst>
                     <a:ext uri="{9D8B030D-6E8A-4147-A177-3AD203B41FA5}">
-                      <a16:colId xmlns="" xmlns:a16="http://schemas.microsoft.com/office/drawing/2014/main" val="2439947825"/>
+                      <a16:colId xmlns:a16="http://schemas.microsoft.com/office/drawing/2014/main" xmlns="" val="2439947825"/>
                     </a:ext>
                   </a:extLst>
                 </a:gridCol>
                 <a:gridCol w="1183054">
                   <a:extLst>
                     <a:ext uri="{9D8B030D-6E8A-4147-A177-3AD203B41FA5}">
-                      <a16:colId xmlns="" xmlns:a16="http://schemas.microsoft.com/office/drawing/2014/main" val="756702285"/>
+                      <a16:colId xmlns:a16="http://schemas.microsoft.com/office/drawing/2014/main" xmlns="" val="756702285"/>
                     </a:ext>
                   </a:extLst>
                 </a:gridCol>
                 <a:gridCol w="1035431">
                   <a:extLst>
                     <a:ext uri="{9D8B030D-6E8A-4147-A177-3AD203B41FA5}">
-                      <a16:colId xmlns="" xmlns:a16="http://schemas.microsoft.com/office/drawing/2014/main" val="52909403"/>
+                      <a16:colId xmlns:a16="http://schemas.microsoft.com/office/drawing/2014/main" xmlns="" val="52909403"/>
                     </a:ext>
                   </a:extLst>
                 </a:gridCol>
                 <a:gridCol w="2104131">
                   <a:extLst>
                     <a:ext uri="{9D8B030D-6E8A-4147-A177-3AD203B41FA5}">
-                      <a16:colId xmlns="" xmlns:a16="http://schemas.microsoft.com/office/drawing/2014/main" val="3498582246"/>
+                      <a16:colId xmlns:a16="http://schemas.microsoft.com/office/drawing/2014/main" xmlns="" val="3498582246"/>
                     </a:ext>
                   </a:extLst>
                 </a:gridCol>
                 <a:gridCol w="1042710">
                   <a:extLst>
                     <a:ext uri="{9D8B030D-6E8A-4147-A177-3AD203B41FA5}">
-                      <a16:colId xmlns="" xmlns:a16="http://schemas.microsoft.com/office/drawing/2014/main" val="2633740206"/>
+                      <a16:colId xmlns:a16="http://schemas.microsoft.com/office/drawing/2014/main" xmlns="" val="2633740206"/>
                     </a:ext>
                   </a:extLst>
                 </a:gridCol>
@@ -7301,7 +7301,7 @@
                 </a:tc>
                 <a:extLst>
                   <a:ext uri="{0D108BD9-81ED-4DB2-BD59-A6C34878D82A}">
-                    <a16:rowId xmlns="" xmlns:a16="http://schemas.microsoft.com/office/drawing/2014/main" val="4035685168"/>
+                    <a16:rowId xmlns:a16="http://schemas.microsoft.com/office/drawing/2014/main" xmlns="" val="4035685168"/>
                   </a:ext>
                 </a:extLst>
               </a:tr>
@@ -7569,7 +7569,7 @@
                 </a:tc>
                 <a:extLst>
                   <a:ext uri="{0D108BD9-81ED-4DB2-BD59-A6C34878D82A}">
-                    <a16:rowId xmlns="" xmlns:a16="http://schemas.microsoft.com/office/drawing/2014/main" val="3486077057"/>
+                    <a16:rowId xmlns:a16="http://schemas.microsoft.com/office/drawing/2014/main" xmlns="" val="3486077057"/>
                   </a:ext>
                 </a:extLst>
               </a:tr>
@@ -7805,7 +7805,7 @@
         <p:spPr/>
         <p:txBody>
           <a:bodyPr>
-            <a:normAutofit fontScale="92500" lnSpcReduction="10000"/>
+            <a:normAutofit fontScale="92500"/>
           </a:bodyPr>
           <a:lstStyle/>
           <a:p>
@@ -7816,6 +7816,116 @@
               <a:rPr lang="en-GB" b="1" dirty="0" smtClean="0"/>
               <a:t>Whole-genome</a:t>
             </a:r>
+          </a:p>
+          <a:p>
+            <a:pPr marL="0" indent="0">
+              <a:buNone/>
+            </a:pPr>
+            <a:r>
+              <a:rPr lang="en-GB" dirty="0" err="1" smtClean="0"/>
+              <a:t>Chr</a:t>
+            </a:r>
+            <a:r>
+              <a:rPr lang="en-GB" dirty="0" smtClean="0"/>
+              <a:t>     </a:t>
+            </a:r>
+            <a:r>
+              <a:rPr lang="en-GB" dirty="0"/>
+              <a:t>SNP     </a:t>
+            </a:r>
+            <a:r>
+              <a:rPr lang="en-GB" dirty="0" err="1"/>
+              <a:t>bp</a:t>
+            </a:r>
+            <a:r>
+              <a:rPr lang="en-GB" dirty="0"/>
+              <a:t>      </a:t>
+            </a:r>
+            <a:r>
+              <a:rPr lang="en-GB" dirty="0" err="1"/>
+              <a:t>refA</a:t>
+            </a:r>
+            <a:r>
+              <a:rPr lang="en-GB" dirty="0"/>
+              <a:t>    </a:t>
+            </a:r>
+            <a:r>
+              <a:rPr lang="en-GB" dirty="0" err="1"/>
+              <a:t>freq</a:t>
+            </a:r>
+            <a:r>
+              <a:rPr lang="en-GB" dirty="0"/>
+              <a:t>    b       se      p       n       </a:t>
+            </a:r>
+            <a:r>
+              <a:rPr lang="en-GB" dirty="0" err="1"/>
+              <a:t>freq_geno</a:t>
+            </a:r>
+            <a:r>
+              <a:rPr lang="en-GB" dirty="0"/>
+              <a:t>       </a:t>
+            </a:r>
+            <a:r>
+              <a:rPr lang="en-GB" dirty="0" err="1"/>
+              <a:t>bJ</a:t>
+            </a:r>
+            <a:r>
+              <a:rPr lang="en-GB" dirty="0"/>
+              <a:t>      </a:t>
+            </a:r>
+            <a:r>
+              <a:rPr lang="en-GB" dirty="0" err="1"/>
+              <a:t>bJ_se</a:t>
+            </a:r>
+            <a:r>
+              <a:rPr lang="en-GB" dirty="0"/>
+              <a:t>   </a:t>
+            </a:r>
+            <a:r>
+              <a:rPr lang="en-GB" dirty="0" err="1"/>
+              <a:t>pJ</a:t>
+            </a:r>
+            <a:r>
+              <a:rPr lang="en-GB" dirty="0"/>
+              <a:t>      </a:t>
+            </a:r>
+            <a:r>
+              <a:rPr lang="en-GB" dirty="0" err="1"/>
+              <a:t>LD_r</a:t>
+            </a:r>
+            <a:endParaRPr lang="en-GB" dirty="0"/>
+          </a:p>
+          <a:p>
+            <a:pPr marL="0" indent="0">
+              <a:buNone/>
+            </a:pPr>
+            <a:r>
+              <a:rPr lang="en-GB"/>
+              <a:t>1       1:39355351_G_T  39355351        T       0.6721  -0.1946 0.0213  6.641e-20       87018.7 0.671757        </a:t>
+            </a:r>
+            <a:r>
+              <a:rPr lang="en-GB"/>
+              <a:t>-</a:t>
+            </a:r>
+            <a:r>
+              <a:rPr lang="en-GB"/>
+              <a:t>0.191572 0.0213159       2.53372e-19     0.0234613</a:t>
+            </a:r>
+            <a:endParaRPr lang="en-GB" dirty="0" smtClean="0"/>
+          </a:p>
+          <a:p>
+            <a:pPr marL="0" indent="0">
+              <a:buNone/>
+            </a:pPr>
+            <a:r>
+              <a:rPr lang="en-GB" b="1" dirty="0" smtClean="0"/>
+              <a:t>250kb flanking </a:t>
+            </a:r>
+            <a:r>
+              <a:rPr lang="en-GB" b="1" dirty="0"/>
+              <a:t>region surrounding rs4970634</a:t>
+            </a:r>
+            <a:endParaRPr lang="en-GB" b="1" dirty="0" smtClean="0"/>
           </a:p>
           <a:p>
             <a:pPr marL="0" indent="0">
@@ -7905,133 +8015,11 @@
             </a:r>
             <a:r>
               <a:rPr lang="en-GB" dirty="0"/>
-              <a:t>39355351        T       0.6721  -0.1946 0.0213  6.641e-20       87018.7 0.671757        -0.191572        </a:t>
-            </a:r>
-            <a:r>
-              <a:rPr lang="en-GB" dirty="0" smtClean="0"/>
-              <a:t>0.0213159</a:t>
-            </a:r>
-          </a:p>
-          <a:p>
-            <a:pPr marL="0" indent="0">
-              <a:buNone/>
-            </a:pPr>
-            <a:r>
-              <a:rPr lang="en-GB" b="1" dirty="0" smtClean="0"/>
-              <a:t>250kb flanking </a:t>
-            </a:r>
-            <a:r>
-              <a:rPr lang="en-GB" b="1" dirty="0"/>
-              <a:t>region surrounding rs4970634</a:t>
-            </a:r>
-            <a:endParaRPr lang="en-GB" b="1" dirty="0" smtClean="0"/>
-          </a:p>
-          <a:p>
-            <a:pPr marL="0" indent="0">
-              <a:buNone/>
-            </a:pPr>
-            <a:r>
-              <a:rPr lang="en-GB" dirty="0" err="1" smtClean="0"/>
-              <a:t>Chr</a:t>
-            </a:r>
-            <a:r>
-              <a:rPr lang="en-GB" dirty="0" smtClean="0"/>
-              <a:t>     </a:t>
-            </a:r>
-            <a:r>
-              <a:rPr lang="en-GB" dirty="0"/>
-              <a:t>SNP     </a:t>
-            </a:r>
-            <a:r>
-              <a:rPr lang="en-GB" dirty="0" err="1"/>
-              <a:t>bp</a:t>
-            </a:r>
-            <a:r>
-              <a:rPr lang="en-GB" dirty="0"/>
-              <a:t>      </a:t>
-            </a:r>
-            <a:r>
-              <a:rPr lang="en-GB" dirty="0" err="1"/>
-              <a:t>refA</a:t>
-            </a:r>
-            <a:r>
-              <a:rPr lang="en-GB" dirty="0"/>
-              <a:t>    </a:t>
-            </a:r>
-            <a:r>
-              <a:rPr lang="en-GB" dirty="0" err="1"/>
-              <a:t>freq</a:t>
-            </a:r>
-            <a:r>
-              <a:rPr lang="en-GB" dirty="0"/>
-              <a:t>    b       se      p       n       </a:t>
-            </a:r>
-            <a:r>
-              <a:rPr lang="en-GB" dirty="0" err="1"/>
-              <a:t>freq_geno</a:t>
-            </a:r>
-            <a:r>
-              <a:rPr lang="en-GB" dirty="0"/>
-              <a:t>       </a:t>
-            </a:r>
-            <a:r>
-              <a:rPr lang="en-GB" dirty="0" err="1"/>
-              <a:t>bJ</a:t>
-            </a:r>
-            <a:r>
-              <a:rPr lang="en-GB" dirty="0"/>
-              <a:t>      </a:t>
-            </a:r>
-            <a:r>
-              <a:rPr lang="en-GB" dirty="0" err="1"/>
-              <a:t>bJ_se</a:t>
-            </a:r>
-            <a:r>
-              <a:rPr lang="en-GB" dirty="0"/>
-              <a:t>   </a:t>
-            </a:r>
-            <a:r>
-              <a:rPr lang="en-GB" dirty="0" err="1"/>
-              <a:t>pJ</a:t>
-            </a:r>
-            <a:r>
-              <a:rPr lang="en-GB" dirty="0"/>
-              <a:t>      </a:t>
-            </a:r>
-            <a:r>
-              <a:rPr lang="en-GB" dirty="0" err="1"/>
-              <a:t>LD_r</a:t>
-            </a:r>
-            <a:endParaRPr lang="en-GB" dirty="0"/>
-          </a:p>
-          <a:p>
-            <a:pPr marL="514350" indent="-514350">
-              <a:buAutoNum type="arabicPlain"/>
-            </a:pPr>
-            <a:r>
-              <a:rPr lang="en-GB" dirty="0" smtClean="0"/>
-              <a:t>1:39355351_G_T  </a:t>
-            </a:r>
-            <a:r>
-              <a:rPr lang="en-GB" dirty="0"/>
               <a:t>39355351        T       0.6721  -0.1946 0.0213  6.641e-20       88098.7 0.671757        -0.1946 0.02131 6.73217e-20     </a:t>
             </a:r>
             <a:r>
               <a:rPr lang="en-GB" dirty="0" smtClean="0"/>
               <a:t>0</a:t>
-            </a:r>
-          </a:p>
-          <a:p>
-            <a:pPr marL="0" indent="0">
-              <a:buNone/>
-            </a:pPr>
-            <a:r>
-              <a:rPr lang="en-GB" dirty="0" smtClean="0"/>
-              <a:t>2.53372e-19     </a:t>
-            </a:r>
-            <a:r>
-              <a:rPr lang="en-GB" dirty="0"/>
-              <a:t>0.0234613</a:t>
             </a:r>
           </a:p>
           <a:p>
@@ -8333,7 +8321,7 @@
   <a:extraClrSchemeLst/>
   <a:extLst>
     <a:ext uri="{05A4C25C-085E-4340-85A3-A5531E510DB2}">
-      <thm15:themeFamily xmlns="" xmlns:thm15="http://schemas.microsoft.com/office/thememl/2012/main" name="Office Theme" id="{62F939B6-93AF-4DB8-9C6B-D6C7DFDC589F}" vid="{4A3C46E8-61CC-4603-A589-7422A47A8E4A}"/>
+      <thm15:themeFamily xmlns:thm15="http://schemas.microsoft.com/office/thememl/2012/main" xmlns="" name="Office Theme" id="{62F939B6-93AF-4DB8-9C6B-D6C7DFDC589F}" vid="{4A3C46E8-61CC-4603-A589-7422A47A8E4A}"/>
     </a:ext>
   </a:extLst>
 </a:theme>
@@ -8594,7 +8582,7 @@
   <a:extraClrSchemeLst/>
   <a:extLst>
     <a:ext uri="{05A4C25C-085E-4340-85A3-A5531E510DB2}">
-      <thm15:themeFamily xmlns="" xmlns:thm15="http://schemas.microsoft.com/office/thememl/2012/main" name="Office Theme" id="{62F939B6-93AF-4DB8-9C6B-D6C7DFDC589F}" vid="{4A3C46E8-61CC-4603-A589-7422A47A8E4A}"/>
+      <thm15:themeFamily xmlns:thm15="http://schemas.microsoft.com/office/thememl/2012/main" xmlns="" name="Office Theme" id="{62F939B6-93AF-4DB8-9C6B-D6C7DFDC589F}" vid="{4A3C46E8-61CC-4603-A589-7422A47A8E4A}"/>
     </a:ext>
   </a:extLst>
 </a:theme>

--- a/README.pptx
+++ b/README.pptx
@@ -122,7 +122,7 @@
   </p:defaultTextStyle>
   <p:extLst>
     <p:ext uri="{EFAFB233-063F-42B5-8137-9DF3F51BA10A}">
-      <p15:sldGuideLst xmlns:p15="http://schemas.microsoft.com/office/powerpoint/2012/main">
+      <p15:sldGuideLst xmlns:p15="http://schemas.microsoft.com/office/powerpoint/2012/main" xmlns="">
         <p15:guide id="1" orient="horz" pos="2160">
           <p15:clr>
             <a:srgbClr val="A4A3A4"/>
@@ -3563,98 +3563,98 @@
                 <a:gridCol w="401664">
                   <a:extLst>
                     <a:ext uri="{9D8B030D-6E8A-4147-A177-3AD203B41FA5}">
-                      <a16:colId xmlns:a16="http://schemas.microsoft.com/office/drawing/2014/main" val="20000"/>
+                      <a16:colId xmlns:a16="http://schemas.microsoft.com/office/drawing/2014/main" xmlns="" val="20000"/>
                     </a:ext>
                   </a:extLst>
                 </a:gridCol>
                 <a:gridCol w="1286360">
                   <a:extLst>
                     <a:ext uri="{9D8B030D-6E8A-4147-A177-3AD203B41FA5}">
-                      <a16:colId xmlns:a16="http://schemas.microsoft.com/office/drawing/2014/main" val="20001"/>
+                      <a16:colId xmlns:a16="http://schemas.microsoft.com/office/drawing/2014/main" xmlns="" val="20001"/>
                     </a:ext>
                   </a:extLst>
                 </a:gridCol>
                 <a:gridCol w="743918">
                   <a:extLst>
                     <a:ext uri="{9D8B030D-6E8A-4147-A177-3AD203B41FA5}">
-                      <a16:colId xmlns:a16="http://schemas.microsoft.com/office/drawing/2014/main" val="20002"/>
+                      <a16:colId xmlns:a16="http://schemas.microsoft.com/office/drawing/2014/main" xmlns="" val="20002"/>
                     </a:ext>
                   </a:extLst>
                 </a:gridCol>
                 <a:gridCol w="572514">
                   <a:extLst>
                     <a:ext uri="{9D8B030D-6E8A-4147-A177-3AD203B41FA5}">
-                      <a16:colId xmlns:a16="http://schemas.microsoft.com/office/drawing/2014/main" val="20003"/>
+                      <a16:colId xmlns:a16="http://schemas.microsoft.com/office/drawing/2014/main" xmlns="" val="20003"/>
                     </a:ext>
                   </a:extLst>
                 </a:gridCol>
                 <a:gridCol w="751114">
                   <a:extLst>
                     <a:ext uri="{9D8B030D-6E8A-4147-A177-3AD203B41FA5}">
-                      <a16:colId xmlns:a16="http://schemas.microsoft.com/office/drawing/2014/main" val="20004"/>
+                      <a16:colId xmlns:a16="http://schemas.microsoft.com/office/drawing/2014/main" xmlns="" val="20004"/>
                     </a:ext>
                   </a:extLst>
                 </a:gridCol>
                 <a:gridCol w="751114">
                   <a:extLst>
                     <a:ext uri="{9D8B030D-6E8A-4147-A177-3AD203B41FA5}">
-                      <a16:colId xmlns:a16="http://schemas.microsoft.com/office/drawing/2014/main" val="20005"/>
+                      <a16:colId xmlns:a16="http://schemas.microsoft.com/office/drawing/2014/main" xmlns="" val="20005"/>
                     </a:ext>
                   </a:extLst>
                 </a:gridCol>
                 <a:gridCol w="751114">
                   <a:extLst>
                     <a:ext uri="{9D8B030D-6E8A-4147-A177-3AD203B41FA5}">
-                      <a16:colId xmlns:a16="http://schemas.microsoft.com/office/drawing/2014/main" val="20006"/>
+                      <a16:colId xmlns:a16="http://schemas.microsoft.com/office/drawing/2014/main" xmlns="" val="20006"/>
                     </a:ext>
                   </a:extLst>
                 </a:gridCol>
                 <a:gridCol w="751114">
                   <a:extLst>
                     <a:ext uri="{9D8B030D-6E8A-4147-A177-3AD203B41FA5}">
-                      <a16:colId xmlns:a16="http://schemas.microsoft.com/office/drawing/2014/main" val="20007"/>
+                      <a16:colId xmlns:a16="http://schemas.microsoft.com/office/drawing/2014/main" xmlns="" val="20007"/>
                     </a:ext>
                   </a:extLst>
                 </a:gridCol>
                 <a:gridCol w="751114">
                   <a:extLst>
                     <a:ext uri="{9D8B030D-6E8A-4147-A177-3AD203B41FA5}">
-                      <a16:colId xmlns:a16="http://schemas.microsoft.com/office/drawing/2014/main" val="20008"/>
+                      <a16:colId xmlns:a16="http://schemas.microsoft.com/office/drawing/2014/main" xmlns="" val="20008"/>
                     </a:ext>
                   </a:extLst>
                 </a:gridCol>
                 <a:gridCol w="808158">
                   <a:extLst>
                     <a:ext uri="{9D8B030D-6E8A-4147-A177-3AD203B41FA5}">
-                      <a16:colId xmlns:a16="http://schemas.microsoft.com/office/drawing/2014/main" val="20009"/>
+                      <a16:colId xmlns:a16="http://schemas.microsoft.com/office/drawing/2014/main" xmlns="" val="20009"/>
                     </a:ext>
                   </a:extLst>
                 </a:gridCol>
                 <a:gridCol w="694070">
                   <a:extLst>
                     <a:ext uri="{9D8B030D-6E8A-4147-A177-3AD203B41FA5}">
-                      <a16:colId xmlns:a16="http://schemas.microsoft.com/office/drawing/2014/main" val="20010"/>
+                      <a16:colId xmlns:a16="http://schemas.microsoft.com/office/drawing/2014/main" xmlns="" val="20010"/>
                     </a:ext>
                   </a:extLst>
                 </a:gridCol>
                 <a:gridCol w="751114">
                   <a:extLst>
                     <a:ext uri="{9D8B030D-6E8A-4147-A177-3AD203B41FA5}">
-                      <a16:colId xmlns:a16="http://schemas.microsoft.com/office/drawing/2014/main" val="20011"/>
+                      <a16:colId xmlns:a16="http://schemas.microsoft.com/office/drawing/2014/main" xmlns="" val="20011"/>
                     </a:ext>
                   </a:extLst>
                 </a:gridCol>
                 <a:gridCol w="751114">
                   <a:extLst>
                     <a:ext uri="{9D8B030D-6E8A-4147-A177-3AD203B41FA5}">
-                      <a16:colId xmlns:a16="http://schemas.microsoft.com/office/drawing/2014/main" val="20012"/>
+                      <a16:colId xmlns:a16="http://schemas.microsoft.com/office/drawing/2014/main" xmlns="" val="20012"/>
                     </a:ext>
                   </a:extLst>
                 </a:gridCol>
                 <a:gridCol w="751114">
                   <a:extLst>
                     <a:ext uri="{9D8B030D-6E8A-4147-A177-3AD203B41FA5}">
-                      <a16:colId xmlns:a16="http://schemas.microsoft.com/office/drawing/2014/main" val="20013"/>
+                      <a16:colId xmlns:a16="http://schemas.microsoft.com/office/drawing/2014/main" xmlns="" val="20013"/>
                     </a:ext>
                   </a:extLst>
                 </a:gridCol>
@@ -3886,7 +3886,7 @@
                 </a:tc>
                 <a:extLst>
                   <a:ext uri="{0D108BD9-81ED-4DB2-BD59-A6C34878D82A}">
-                    <a16:rowId xmlns:a16="http://schemas.microsoft.com/office/drawing/2014/main" val="10000"/>
+                    <a16:rowId xmlns:a16="http://schemas.microsoft.com/office/drawing/2014/main" xmlns="" val="10000"/>
                   </a:ext>
                 </a:extLst>
               </a:tr>
@@ -4215,7 +4215,7 @@
                 </a:tc>
                 <a:extLst>
                   <a:ext uri="{0D108BD9-81ED-4DB2-BD59-A6C34878D82A}">
-                    <a16:rowId xmlns:a16="http://schemas.microsoft.com/office/drawing/2014/main" val="10001"/>
+                    <a16:rowId xmlns:a16="http://schemas.microsoft.com/office/drawing/2014/main" xmlns="" val="10001"/>
                   </a:ext>
                 </a:extLst>
               </a:tr>
@@ -4544,7 +4544,7 @@
                 </a:tc>
                 <a:extLst>
                   <a:ext uri="{0D108BD9-81ED-4DB2-BD59-A6C34878D82A}">
-                    <a16:rowId xmlns:a16="http://schemas.microsoft.com/office/drawing/2014/main" val="10002"/>
+                    <a16:rowId xmlns:a16="http://schemas.microsoft.com/office/drawing/2014/main" xmlns="" val="10002"/>
                   </a:ext>
                 </a:extLst>
               </a:tr>
@@ -4771,7 +4771,7 @@
                 </a:tc>
                 <a:extLst>
                   <a:ext uri="{0D108BD9-81ED-4DB2-BD59-A6C34878D82A}">
-                    <a16:rowId xmlns:a16="http://schemas.microsoft.com/office/drawing/2014/main" val="10003"/>
+                    <a16:rowId xmlns:a16="http://schemas.microsoft.com/office/drawing/2014/main" xmlns="" val="10003"/>
                   </a:ext>
                 </a:extLst>
               </a:tr>
@@ -5026,7 +5026,7 @@
                 </a:tc>
                 <a:extLst>
                   <a:ext uri="{0D108BD9-81ED-4DB2-BD59-A6C34878D82A}">
-                    <a16:rowId xmlns:a16="http://schemas.microsoft.com/office/drawing/2014/main" val="10004"/>
+                    <a16:rowId xmlns:a16="http://schemas.microsoft.com/office/drawing/2014/main" xmlns="" val="10004"/>
                   </a:ext>
                 </a:extLst>
               </a:tr>
@@ -5355,7 +5355,7 @@
                 </a:tc>
                 <a:extLst>
                   <a:ext uri="{0D108BD9-81ED-4DB2-BD59-A6C34878D82A}">
-                    <a16:rowId xmlns:a16="http://schemas.microsoft.com/office/drawing/2014/main" val="10005"/>
+                    <a16:rowId xmlns:a16="http://schemas.microsoft.com/office/drawing/2014/main" xmlns="" val="10005"/>
                   </a:ext>
                 </a:extLst>
               </a:tr>
@@ -5684,7 +5684,7 @@
                 </a:tc>
                 <a:extLst>
                   <a:ext uri="{0D108BD9-81ED-4DB2-BD59-A6C34878D82A}">
-                    <a16:rowId xmlns:a16="http://schemas.microsoft.com/office/drawing/2014/main" val="10006"/>
+                    <a16:rowId xmlns:a16="http://schemas.microsoft.com/office/drawing/2014/main" xmlns="" val="10006"/>
                   </a:ext>
                 </a:extLst>
               </a:tr>
@@ -5786,7 +5786,31 @@
           <a:p>
             <a:r>
               <a:rPr lang="en-GB" dirty="0"/>
-              <a:t>It is based on pruned set containing 191 SNPs, which is further cut down for those with complete data.</a:t>
+              <a:t>It is based on pruned set containing 191 </a:t>
+            </a:r>
+            <a:r>
+              <a:rPr lang="en-GB" dirty="0"/>
+              <a:t>out of 1,565 SNPs </a:t>
+            </a:r>
+            <a:r>
+              <a:rPr lang="en-GB" dirty="0" smtClean="0"/>
+              <a:t>including the lead SNP, but</a:t>
+            </a:r>
+            <a:r>
+              <a:rPr lang="en-GB" dirty="0" smtClean="0"/>
+              <a:t> </a:t>
+            </a:r>
+            <a:r>
+              <a:rPr lang="en-GB" dirty="0"/>
+              <a:t>is further cut down </a:t>
+            </a:r>
+            <a:r>
+              <a:rPr lang="en-GB" smtClean="0"/>
+              <a:t>to those </a:t>
+            </a:r>
+            <a:r>
+              <a:rPr lang="en-GB" dirty="0"/>
+              <a:t>with complete data.</a:t>
             </a:r>
           </a:p>
           <a:p>
@@ -5795,7 +5819,23 @@
           <a:p>
             <a:r>
               <a:rPr lang="en-GB" dirty="0"/>
-              <a:t>The configuration that only snp21 (rs7548892) is causal has posterior probability of 0.3798 with Bayes Factor 240.37.</a:t>
+              <a:t>The configuration that </a:t>
+            </a:r>
+            <a:r>
+              <a:rPr lang="en-GB" dirty="0" smtClean="0"/>
+              <a:t>the top models involve 20 SNPs the first of which only rs7548892 </a:t>
+            </a:r>
+            <a:r>
+              <a:rPr lang="en-GB" dirty="0"/>
+              <a:t>is causal </a:t>
+            </a:r>
+            <a:r>
+              <a:rPr lang="en-GB" dirty="0" smtClean="0"/>
+              <a:t>with </a:t>
+            </a:r>
+            <a:r>
+              <a:rPr lang="en-GB" dirty="0"/>
+              <a:t>posterior probability of 0.3798 with Bayes Factor 240.37.</a:t>
             </a:r>
           </a:p>
         </p:txBody>
@@ -5858,7 +5898,7 @@
           <p:cNvPr id="2" name="Title 1">
             <a:extLst>
               <a:ext uri="{FF2B5EF4-FFF2-40B4-BE49-F238E27FC236}">
-                <a16:creationId xmlns:a16="http://schemas.microsoft.com/office/drawing/2014/main" id="{BB17C9F0-1160-45E6-90D6-C2EE7F2A8DDB}"/>
+                <a16:creationId xmlns:a16="http://schemas.microsoft.com/office/drawing/2014/main" xmlns="" id="{BB17C9F0-1160-45E6-90D6-C2EE7F2A8DDB}"/>
               </a:ext>
             </a:extLst>
           </p:cNvPr>
@@ -5899,7 +5939,7 @@
           <p:cNvPr id="7" name="Content Placeholder 6">
             <a:extLst>
               <a:ext uri="{FF2B5EF4-FFF2-40B4-BE49-F238E27FC236}">
-                <a16:creationId xmlns:a16="http://schemas.microsoft.com/office/drawing/2014/main" id="{BC419154-FB32-433E-8D3F-5372E3CF063B}"/>
+                <a16:creationId xmlns:a16="http://schemas.microsoft.com/office/drawing/2014/main" xmlns="" id="{BC419154-FB32-433E-8D3F-5372E3CF063B}"/>
               </a:ext>
             </a:extLst>
           </p:cNvPr>
@@ -5929,42 +5969,42 @@
                 <a:gridCol w="1752600">
                   <a:extLst>
                     <a:ext uri="{9D8B030D-6E8A-4147-A177-3AD203B41FA5}">
-                      <a16:colId xmlns:a16="http://schemas.microsoft.com/office/drawing/2014/main" val="1638080526"/>
+                      <a16:colId xmlns:a16="http://schemas.microsoft.com/office/drawing/2014/main" xmlns="" val="1638080526"/>
                     </a:ext>
                   </a:extLst>
                 </a:gridCol>
                 <a:gridCol w="1752600">
                   <a:extLst>
                     <a:ext uri="{9D8B030D-6E8A-4147-A177-3AD203B41FA5}">
-                      <a16:colId xmlns:a16="http://schemas.microsoft.com/office/drawing/2014/main" val="3856145469"/>
+                      <a16:colId xmlns:a16="http://schemas.microsoft.com/office/drawing/2014/main" xmlns="" val="3856145469"/>
                     </a:ext>
                   </a:extLst>
                 </a:gridCol>
                 <a:gridCol w="1752600">
                   <a:extLst>
                     <a:ext uri="{9D8B030D-6E8A-4147-A177-3AD203B41FA5}">
-                      <a16:colId xmlns:a16="http://schemas.microsoft.com/office/drawing/2014/main" val="1431688491"/>
+                      <a16:colId xmlns:a16="http://schemas.microsoft.com/office/drawing/2014/main" xmlns="" val="1431688491"/>
                     </a:ext>
                   </a:extLst>
                 </a:gridCol>
                 <a:gridCol w="1752600">
                   <a:extLst>
                     <a:ext uri="{9D8B030D-6E8A-4147-A177-3AD203B41FA5}">
-                      <a16:colId xmlns:a16="http://schemas.microsoft.com/office/drawing/2014/main" val="2120667709"/>
+                      <a16:colId xmlns:a16="http://schemas.microsoft.com/office/drawing/2014/main" xmlns="" val="2120667709"/>
                     </a:ext>
                   </a:extLst>
                 </a:gridCol>
                 <a:gridCol w="1752600">
                   <a:extLst>
                     <a:ext uri="{9D8B030D-6E8A-4147-A177-3AD203B41FA5}">
-                      <a16:colId xmlns:a16="http://schemas.microsoft.com/office/drawing/2014/main" val="3976773145"/>
+                      <a16:colId xmlns:a16="http://schemas.microsoft.com/office/drawing/2014/main" xmlns="" val="3976773145"/>
                     </a:ext>
                   </a:extLst>
                 </a:gridCol>
                 <a:gridCol w="1752600">
                   <a:extLst>
                     <a:ext uri="{9D8B030D-6E8A-4147-A177-3AD203B41FA5}">
-                      <a16:colId xmlns:a16="http://schemas.microsoft.com/office/drawing/2014/main" val="3936103744"/>
+                      <a16:colId xmlns:a16="http://schemas.microsoft.com/office/drawing/2014/main" xmlns="" val="3936103744"/>
                     </a:ext>
                   </a:extLst>
                 </a:gridCol>
@@ -6110,7 +6150,7 @@
                 </a:tc>
                 <a:extLst>
                   <a:ext uri="{0D108BD9-81ED-4DB2-BD59-A6C34878D82A}">
-                    <a16:rowId xmlns:a16="http://schemas.microsoft.com/office/drawing/2014/main" val="2418271326"/>
+                    <a16:rowId xmlns:a16="http://schemas.microsoft.com/office/drawing/2014/main" xmlns="" val="2418271326"/>
                   </a:ext>
                 </a:extLst>
               </a:tr>
@@ -6255,7 +6295,7 @@
                 </a:tc>
                 <a:extLst>
                   <a:ext uri="{0D108BD9-81ED-4DB2-BD59-A6C34878D82A}">
-                    <a16:rowId xmlns:a16="http://schemas.microsoft.com/office/drawing/2014/main" val="538109448"/>
+                    <a16:rowId xmlns:a16="http://schemas.microsoft.com/office/drawing/2014/main" xmlns="" val="538109448"/>
                   </a:ext>
                 </a:extLst>
               </a:tr>
@@ -6400,7 +6440,7 @@
                 </a:tc>
                 <a:extLst>
                   <a:ext uri="{0D108BD9-81ED-4DB2-BD59-A6C34878D82A}">
-                    <a16:rowId xmlns:a16="http://schemas.microsoft.com/office/drawing/2014/main" val="3790236758"/>
+                    <a16:rowId xmlns:a16="http://schemas.microsoft.com/office/drawing/2014/main" xmlns="" val="3790236758"/>
                   </a:ext>
                 </a:extLst>
               </a:tr>
@@ -6545,7 +6585,7 @@
                 </a:tc>
                 <a:extLst>
                   <a:ext uri="{0D108BD9-81ED-4DB2-BD59-A6C34878D82A}">
-                    <a16:rowId xmlns:a16="http://schemas.microsoft.com/office/drawing/2014/main" val="2142385482"/>
+                    <a16:rowId xmlns:a16="http://schemas.microsoft.com/office/drawing/2014/main" xmlns="" val="2142385482"/>
                   </a:ext>
                 </a:extLst>
               </a:tr>
@@ -6690,7 +6730,7 @@
                 </a:tc>
                 <a:extLst>
                   <a:ext uri="{0D108BD9-81ED-4DB2-BD59-A6C34878D82A}">
-                    <a16:rowId xmlns:a16="http://schemas.microsoft.com/office/drawing/2014/main" val="3818329405"/>
+                    <a16:rowId xmlns:a16="http://schemas.microsoft.com/office/drawing/2014/main" xmlns="" val="3818329405"/>
                   </a:ext>
                 </a:extLst>
               </a:tr>
@@ -6835,7 +6875,7 @@
                 </a:tc>
                 <a:extLst>
                   <a:ext uri="{0D108BD9-81ED-4DB2-BD59-A6C34878D82A}">
-                    <a16:rowId xmlns:a16="http://schemas.microsoft.com/office/drawing/2014/main" val="1055833409"/>
+                    <a16:rowId xmlns:a16="http://schemas.microsoft.com/office/drawing/2014/main" xmlns="" val="1055833409"/>
                   </a:ext>
                 </a:extLst>
               </a:tr>
@@ -6980,7 +7020,7 @@
                 </a:tc>
                 <a:extLst>
                   <a:ext uri="{0D108BD9-81ED-4DB2-BD59-A6C34878D82A}">
-                    <a16:rowId xmlns:a16="http://schemas.microsoft.com/office/drawing/2014/main" val="3279746546"/>
+                    <a16:rowId xmlns:a16="http://schemas.microsoft.com/office/drawing/2014/main" xmlns="" val="3279746546"/>
                   </a:ext>
                 </a:extLst>
               </a:tr>
@@ -7125,7 +7165,7 @@
                 </a:tc>
                 <a:extLst>
                   <a:ext uri="{0D108BD9-81ED-4DB2-BD59-A6C34878D82A}">
-                    <a16:rowId xmlns:a16="http://schemas.microsoft.com/office/drawing/2014/main" val="1843946231"/>
+                    <a16:rowId xmlns:a16="http://schemas.microsoft.com/office/drawing/2014/main" xmlns="" val="1843946231"/>
                   </a:ext>
                 </a:extLst>
               </a:tr>
@@ -7270,7 +7310,7 @@
                 </a:tc>
                 <a:extLst>
                   <a:ext uri="{0D108BD9-81ED-4DB2-BD59-A6C34878D82A}">
-                    <a16:rowId xmlns:a16="http://schemas.microsoft.com/office/drawing/2014/main" val="2592131726"/>
+                    <a16:rowId xmlns:a16="http://schemas.microsoft.com/office/drawing/2014/main" xmlns="" val="2592131726"/>
                   </a:ext>
                 </a:extLst>
               </a:tr>
@@ -7415,7 +7455,7 @@
                 </a:tc>
                 <a:extLst>
                   <a:ext uri="{0D108BD9-81ED-4DB2-BD59-A6C34878D82A}">
-                    <a16:rowId xmlns:a16="http://schemas.microsoft.com/office/drawing/2014/main" val="3872885341"/>
+                    <a16:rowId xmlns:a16="http://schemas.microsoft.com/office/drawing/2014/main" xmlns="" val="3872885341"/>
                   </a:ext>
                 </a:extLst>
               </a:tr>
@@ -7560,7 +7600,7 @@
                 </a:tc>
                 <a:extLst>
                   <a:ext uri="{0D108BD9-81ED-4DB2-BD59-A6C34878D82A}">
-                    <a16:rowId xmlns:a16="http://schemas.microsoft.com/office/drawing/2014/main" val="1297808850"/>
+                    <a16:rowId xmlns:a16="http://schemas.microsoft.com/office/drawing/2014/main" xmlns="" val="1297808850"/>
                   </a:ext>
                 </a:extLst>
               </a:tr>
@@ -7705,7 +7745,7 @@
                 </a:tc>
                 <a:extLst>
                   <a:ext uri="{0D108BD9-81ED-4DB2-BD59-A6C34878D82A}">
-                    <a16:rowId xmlns:a16="http://schemas.microsoft.com/office/drawing/2014/main" val="4188675590"/>
+                    <a16:rowId xmlns:a16="http://schemas.microsoft.com/office/drawing/2014/main" xmlns="" val="4188675590"/>
                   </a:ext>
                 </a:extLst>
               </a:tr>
@@ -7850,7 +7890,7 @@
                 </a:tc>
                 <a:extLst>
                   <a:ext uri="{0D108BD9-81ED-4DB2-BD59-A6C34878D82A}">
-                    <a16:rowId xmlns:a16="http://schemas.microsoft.com/office/drawing/2014/main" val="2572836936"/>
+                    <a16:rowId xmlns:a16="http://schemas.microsoft.com/office/drawing/2014/main" xmlns="" val="2572836936"/>
                   </a:ext>
                 </a:extLst>
               </a:tr>
@@ -7995,7 +8035,7 @@
                 </a:tc>
                 <a:extLst>
                   <a:ext uri="{0D108BD9-81ED-4DB2-BD59-A6C34878D82A}">
-                    <a16:rowId xmlns:a16="http://schemas.microsoft.com/office/drawing/2014/main" val="609615910"/>
+                    <a16:rowId xmlns:a16="http://schemas.microsoft.com/office/drawing/2014/main" xmlns="" val="609615910"/>
                   </a:ext>
                 </a:extLst>
               </a:tr>
@@ -8008,7 +8048,7 @@
           <p:cNvPr id="4" name="Slide Number Placeholder 3">
             <a:extLst>
               <a:ext uri="{FF2B5EF4-FFF2-40B4-BE49-F238E27FC236}">
-                <a16:creationId xmlns:a16="http://schemas.microsoft.com/office/drawing/2014/main" id="{ACE92B05-9DD6-4E3A-8D54-50ADB6D1B47E}"/>
+                <a16:creationId xmlns:a16="http://schemas.microsoft.com/office/drawing/2014/main" xmlns="" id="{ACE92B05-9DD6-4E3A-8D54-50ADB6D1B47E}"/>
               </a:ext>
             </a:extLst>
           </p:cNvPr>
@@ -8130,7 +8170,7 @@
           <p:cNvPr id="8" name="Content Placeholder 7">
             <a:extLst>
               <a:ext uri="{FF2B5EF4-FFF2-40B4-BE49-F238E27FC236}">
-                <a16:creationId xmlns:a16="http://schemas.microsoft.com/office/drawing/2014/main" id="{F76AE7BA-9641-41C6-852A-429F57CC3422}"/>
+                <a16:creationId xmlns:a16="http://schemas.microsoft.com/office/drawing/2014/main" xmlns="" id="{F76AE7BA-9641-41C6-852A-429F57CC3422}"/>
               </a:ext>
             </a:extLst>
           </p:cNvPr>
@@ -8160,28 +8200,28 @@
                 <a:gridCol w="2103120">
                   <a:extLst>
                     <a:ext uri="{9D8B030D-6E8A-4147-A177-3AD203B41FA5}">
-                      <a16:colId xmlns:a16="http://schemas.microsoft.com/office/drawing/2014/main" val="994740432"/>
+                      <a16:colId xmlns:a16="http://schemas.microsoft.com/office/drawing/2014/main" xmlns="" val="994740432"/>
                     </a:ext>
                   </a:extLst>
                 </a:gridCol>
                 <a:gridCol w="2103120">
                   <a:extLst>
                     <a:ext uri="{9D8B030D-6E8A-4147-A177-3AD203B41FA5}">
-                      <a16:colId xmlns:a16="http://schemas.microsoft.com/office/drawing/2014/main" val="1379236012"/>
+                      <a16:colId xmlns:a16="http://schemas.microsoft.com/office/drawing/2014/main" xmlns="" val="1379236012"/>
                     </a:ext>
                   </a:extLst>
                 </a:gridCol>
                 <a:gridCol w="2103120">
                   <a:extLst>
                     <a:ext uri="{9D8B030D-6E8A-4147-A177-3AD203B41FA5}">
-                      <a16:colId xmlns:a16="http://schemas.microsoft.com/office/drawing/2014/main" val="1221670367"/>
+                      <a16:colId xmlns:a16="http://schemas.microsoft.com/office/drawing/2014/main" xmlns="" val="1221670367"/>
                     </a:ext>
                   </a:extLst>
                 </a:gridCol>
                 <a:gridCol w="2103120">
                   <a:extLst>
                     <a:ext uri="{9D8B030D-6E8A-4147-A177-3AD203B41FA5}">
-                      <a16:colId xmlns:a16="http://schemas.microsoft.com/office/drawing/2014/main" val="2171438027"/>
+                      <a16:colId xmlns:a16="http://schemas.microsoft.com/office/drawing/2014/main" xmlns="" val="2171438027"/>
                     </a:ext>
                   </a:extLst>
                 </a:gridCol>
@@ -8281,7 +8321,7 @@
                 </a:tc>
                 <a:extLst>
                   <a:ext uri="{0D108BD9-81ED-4DB2-BD59-A6C34878D82A}">
-                    <a16:rowId xmlns:a16="http://schemas.microsoft.com/office/drawing/2014/main" val="2195642232"/>
+                    <a16:rowId xmlns:a16="http://schemas.microsoft.com/office/drawing/2014/main" xmlns="" val="2195642232"/>
                   </a:ext>
                 </a:extLst>
               </a:tr>
@@ -8380,7 +8420,7 @@
                 </a:tc>
                 <a:extLst>
                   <a:ext uri="{0D108BD9-81ED-4DB2-BD59-A6C34878D82A}">
-                    <a16:rowId xmlns:a16="http://schemas.microsoft.com/office/drawing/2014/main" val="3895168461"/>
+                    <a16:rowId xmlns:a16="http://schemas.microsoft.com/office/drawing/2014/main" xmlns="" val="3895168461"/>
                   </a:ext>
                 </a:extLst>
               </a:tr>
@@ -8479,7 +8519,7 @@
                 </a:tc>
                 <a:extLst>
                   <a:ext uri="{0D108BD9-81ED-4DB2-BD59-A6C34878D82A}">
-                    <a16:rowId xmlns:a16="http://schemas.microsoft.com/office/drawing/2014/main" val="959653611"/>
+                    <a16:rowId xmlns:a16="http://schemas.microsoft.com/office/drawing/2014/main" xmlns="" val="959653611"/>
                   </a:ext>
                 </a:extLst>
               </a:tr>
@@ -8578,7 +8618,7 @@
                 </a:tc>
                 <a:extLst>
                   <a:ext uri="{0D108BD9-81ED-4DB2-BD59-A6C34878D82A}">
-                    <a16:rowId xmlns:a16="http://schemas.microsoft.com/office/drawing/2014/main" val="2555202794"/>
+                    <a16:rowId xmlns:a16="http://schemas.microsoft.com/office/drawing/2014/main" xmlns="" val="2555202794"/>
                   </a:ext>
                 </a:extLst>
               </a:tr>
@@ -8677,7 +8717,7 @@
                 </a:tc>
                 <a:extLst>
                   <a:ext uri="{0D108BD9-81ED-4DB2-BD59-A6C34878D82A}">
-                    <a16:rowId xmlns:a16="http://schemas.microsoft.com/office/drawing/2014/main" val="2305501086"/>
+                    <a16:rowId xmlns:a16="http://schemas.microsoft.com/office/drawing/2014/main" xmlns="" val="2305501086"/>
                   </a:ext>
                 </a:extLst>
               </a:tr>
@@ -8776,7 +8816,7 @@
                 </a:tc>
                 <a:extLst>
                   <a:ext uri="{0D108BD9-81ED-4DB2-BD59-A6C34878D82A}">
-                    <a16:rowId xmlns:a16="http://schemas.microsoft.com/office/drawing/2014/main" val="3416750826"/>
+                    <a16:rowId xmlns:a16="http://schemas.microsoft.com/office/drawing/2014/main" xmlns="" val="3416750826"/>
                   </a:ext>
                 </a:extLst>
               </a:tr>
@@ -8875,7 +8915,7 @@
                 </a:tc>
                 <a:extLst>
                   <a:ext uri="{0D108BD9-81ED-4DB2-BD59-A6C34878D82A}">
-                    <a16:rowId xmlns:a16="http://schemas.microsoft.com/office/drawing/2014/main" val="576399743"/>
+                    <a16:rowId xmlns:a16="http://schemas.microsoft.com/office/drawing/2014/main" xmlns="" val="576399743"/>
                   </a:ext>
                 </a:extLst>
               </a:tr>
@@ -8974,7 +9014,7 @@
                 </a:tc>
                 <a:extLst>
                   <a:ext uri="{0D108BD9-81ED-4DB2-BD59-A6C34878D82A}">
-                    <a16:rowId xmlns:a16="http://schemas.microsoft.com/office/drawing/2014/main" val="1466000223"/>
+                    <a16:rowId xmlns:a16="http://schemas.microsoft.com/office/drawing/2014/main" xmlns="" val="1466000223"/>
                   </a:ext>
                 </a:extLst>
               </a:tr>
@@ -9073,7 +9113,7 @@
                 </a:tc>
                 <a:extLst>
                   <a:ext uri="{0D108BD9-81ED-4DB2-BD59-A6C34878D82A}">
-                    <a16:rowId xmlns:a16="http://schemas.microsoft.com/office/drawing/2014/main" val="3402542484"/>
+                    <a16:rowId xmlns:a16="http://schemas.microsoft.com/office/drawing/2014/main" xmlns="" val="3402542484"/>
                   </a:ext>
                 </a:extLst>
               </a:tr>
@@ -9172,7 +9212,7 @@
                 </a:tc>
                 <a:extLst>
                   <a:ext uri="{0D108BD9-81ED-4DB2-BD59-A6C34878D82A}">
-                    <a16:rowId xmlns:a16="http://schemas.microsoft.com/office/drawing/2014/main" val="88509442"/>
+                    <a16:rowId xmlns:a16="http://schemas.microsoft.com/office/drawing/2014/main" xmlns="" val="88509442"/>
                   </a:ext>
                 </a:extLst>
               </a:tr>
@@ -9271,7 +9311,7 @@
                 </a:tc>
                 <a:extLst>
                   <a:ext uri="{0D108BD9-81ED-4DB2-BD59-A6C34878D82A}">
-                    <a16:rowId xmlns:a16="http://schemas.microsoft.com/office/drawing/2014/main" val="3892384822"/>
+                    <a16:rowId xmlns:a16="http://schemas.microsoft.com/office/drawing/2014/main" xmlns="" val="3892384822"/>
                   </a:ext>
                 </a:extLst>
               </a:tr>
@@ -9370,7 +9410,7 @@
                 </a:tc>
                 <a:extLst>
                   <a:ext uri="{0D108BD9-81ED-4DB2-BD59-A6C34878D82A}">
-                    <a16:rowId xmlns:a16="http://schemas.microsoft.com/office/drawing/2014/main" val="3597563155"/>
+                    <a16:rowId xmlns:a16="http://schemas.microsoft.com/office/drawing/2014/main" xmlns="" val="3597563155"/>
                   </a:ext>
                 </a:extLst>
               </a:tr>
@@ -9463,7 +9503,7 @@
                 </a:tc>
                 <a:extLst>
                   <a:ext uri="{0D108BD9-81ED-4DB2-BD59-A6C34878D82A}">
-                    <a16:rowId xmlns:a16="http://schemas.microsoft.com/office/drawing/2014/main" val="2781787702"/>
+                    <a16:rowId xmlns:a16="http://schemas.microsoft.com/office/drawing/2014/main" xmlns="" val="2781787702"/>
                   </a:ext>
                 </a:extLst>
               </a:tr>
@@ -9558,126 +9598,126 @@
                 <a:gridCol w="1005840">
                   <a:extLst>
                     <a:ext uri="{9D8B030D-6E8A-4147-A177-3AD203B41FA5}">
-                      <a16:colId xmlns:a16="http://schemas.microsoft.com/office/drawing/2014/main" val="20000"/>
+                      <a16:colId xmlns:a16="http://schemas.microsoft.com/office/drawing/2014/main" xmlns="" val="20000"/>
                     </a:ext>
                   </a:extLst>
                 </a:gridCol>
                 <a:gridCol w="548640">
                   <a:extLst>
                     <a:ext uri="{9D8B030D-6E8A-4147-A177-3AD203B41FA5}">
-                      <a16:colId xmlns:a16="http://schemas.microsoft.com/office/drawing/2014/main" val="20001"/>
+                      <a16:colId xmlns:a16="http://schemas.microsoft.com/office/drawing/2014/main" xmlns="" val="20001"/>
                     </a:ext>
                   </a:extLst>
                 </a:gridCol>
                 <a:gridCol w="469392">
                   <a:extLst>
                     <a:ext uri="{9D8B030D-6E8A-4147-A177-3AD203B41FA5}">
-                      <a16:colId xmlns:a16="http://schemas.microsoft.com/office/drawing/2014/main" val="20002"/>
+                      <a16:colId xmlns:a16="http://schemas.microsoft.com/office/drawing/2014/main" xmlns="" val="20002"/>
                     </a:ext>
                   </a:extLst>
                 </a:gridCol>
                 <a:gridCol w="585216">
                   <a:extLst>
                     <a:ext uri="{9D8B030D-6E8A-4147-A177-3AD203B41FA5}">
-                      <a16:colId xmlns:a16="http://schemas.microsoft.com/office/drawing/2014/main" val="20003"/>
+                      <a16:colId xmlns:a16="http://schemas.microsoft.com/office/drawing/2014/main" xmlns="" val="20003"/>
                     </a:ext>
                   </a:extLst>
                 </a:gridCol>
                 <a:gridCol w="729510">
                   <a:extLst>
                     <a:ext uri="{9D8B030D-6E8A-4147-A177-3AD203B41FA5}">
-                      <a16:colId xmlns:a16="http://schemas.microsoft.com/office/drawing/2014/main" val="20004"/>
+                      <a16:colId xmlns:a16="http://schemas.microsoft.com/office/drawing/2014/main" xmlns="" val="20004"/>
                     </a:ext>
                   </a:extLst>
                 </a:gridCol>
                 <a:gridCol w="549498">
                   <a:extLst>
                     <a:ext uri="{9D8B030D-6E8A-4147-A177-3AD203B41FA5}">
-                      <a16:colId xmlns:a16="http://schemas.microsoft.com/office/drawing/2014/main" val="20005"/>
+                      <a16:colId xmlns:a16="http://schemas.microsoft.com/office/drawing/2014/main" xmlns="" val="20005"/>
                     </a:ext>
                   </a:extLst>
                 </a:gridCol>
                 <a:gridCol w="549498">
                   <a:extLst>
                     <a:ext uri="{9D8B030D-6E8A-4147-A177-3AD203B41FA5}">
-                      <a16:colId xmlns:a16="http://schemas.microsoft.com/office/drawing/2014/main" val="20006"/>
+                      <a16:colId xmlns:a16="http://schemas.microsoft.com/office/drawing/2014/main" xmlns="" val="20006"/>
                     </a:ext>
                   </a:extLst>
                 </a:gridCol>
                 <a:gridCol w="549498">
                   <a:extLst>
                     <a:ext uri="{9D8B030D-6E8A-4147-A177-3AD203B41FA5}">
-                      <a16:colId xmlns:a16="http://schemas.microsoft.com/office/drawing/2014/main" val="20007"/>
+                      <a16:colId xmlns:a16="http://schemas.microsoft.com/office/drawing/2014/main" xmlns="" val="20007"/>
                     </a:ext>
                   </a:extLst>
                 </a:gridCol>
                 <a:gridCol w="549498">
                   <a:extLst>
                     <a:ext uri="{9D8B030D-6E8A-4147-A177-3AD203B41FA5}">
-                      <a16:colId xmlns:a16="http://schemas.microsoft.com/office/drawing/2014/main" val="20008"/>
+                      <a16:colId xmlns:a16="http://schemas.microsoft.com/office/drawing/2014/main" xmlns="" val="20008"/>
                     </a:ext>
                   </a:extLst>
                 </a:gridCol>
                 <a:gridCol w="549498">
                   <a:extLst>
                     <a:ext uri="{9D8B030D-6E8A-4147-A177-3AD203B41FA5}">
-                      <a16:colId xmlns:a16="http://schemas.microsoft.com/office/drawing/2014/main" val="20009"/>
+                      <a16:colId xmlns:a16="http://schemas.microsoft.com/office/drawing/2014/main" xmlns="" val="20009"/>
                     </a:ext>
                   </a:extLst>
                 </a:gridCol>
                 <a:gridCol w="549498">
                   <a:extLst>
                     <a:ext uri="{9D8B030D-6E8A-4147-A177-3AD203B41FA5}">
-                      <a16:colId xmlns:a16="http://schemas.microsoft.com/office/drawing/2014/main" val="20010"/>
+                      <a16:colId xmlns:a16="http://schemas.microsoft.com/office/drawing/2014/main" xmlns="" val="20010"/>
                     </a:ext>
                   </a:extLst>
                 </a:gridCol>
                 <a:gridCol w="549498">
                   <a:extLst>
                     <a:ext uri="{9D8B030D-6E8A-4147-A177-3AD203B41FA5}">
-                      <a16:colId xmlns:a16="http://schemas.microsoft.com/office/drawing/2014/main" val="20011"/>
+                      <a16:colId xmlns:a16="http://schemas.microsoft.com/office/drawing/2014/main" xmlns="" val="20011"/>
                     </a:ext>
                   </a:extLst>
                 </a:gridCol>
                 <a:gridCol w="549498">
                   <a:extLst>
                     <a:ext uri="{9D8B030D-6E8A-4147-A177-3AD203B41FA5}">
-                      <a16:colId xmlns:a16="http://schemas.microsoft.com/office/drawing/2014/main" val="20012"/>
+                      <a16:colId xmlns:a16="http://schemas.microsoft.com/office/drawing/2014/main" xmlns="" val="20012"/>
                     </a:ext>
                   </a:extLst>
                 </a:gridCol>
                 <a:gridCol w="549498">
                   <a:extLst>
                     <a:ext uri="{9D8B030D-6E8A-4147-A177-3AD203B41FA5}">
-                      <a16:colId xmlns:a16="http://schemas.microsoft.com/office/drawing/2014/main" val="20013"/>
+                      <a16:colId xmlns:a16="http://schemas.microsoft.com/office/drawing/2014/main" xmlns="" val="20013"/>
                     </a:ext>
                   </a:extLst>
                 </a:gridCol>
                 <a:gridCol w="549498">
                   <a:extLst>
                     <a:ext uri="{9D8B030D-6E8A-4147-A177-3AD203B41FA5}">
-                      <a16:colId xmlns:a16="http://schemas.microsoft.com/office/drawing/2014/main" val="20014"/>
+                      <a16:colId xmlns:a16="http://schemas.microsoft.com/office/drawing/2014/main" xmlns="" val="20014"/>
                     </a:ext>
                   </a:extLst>
                 </a:gridCol>
                 <a:gridCol w="549498">
                   <a:extLst>
                     <a:ext uri="{9D8B030D-6E8A-4147-A177-3AD203B41FA5}">
-                      <a16:colId xmlns:a16="http://schemas.microsoft.com/office/drawing/2014/main" val="20015"/>
+                      <a16:colId xmlns:a16="http://schemas.microsoft.com/office/drawing/2014/main" xmlns="" val="20015"/>
                     </a:ext>
                   </a:extLst>
                 </a:gridCol>
                 <a:gridCol w="549498">
                   <a:extLst>
                     <a:ext uri="{9D8B030D-6E8A-4147-A177-3AD203B41FA5}">
-                      <a16:colId xmlns:a16="http://schemas.microsoft.com/office/drawing/2014/main" val="20016"/>
+                      <a16:colId xmlns:a16="http://schemas.microsoft.com/office/drawing/2014/main" xmlns="" val="20016"/>
                     </a:ext>
                   </a:extLst>
                 </a:gridCol>
                 <a:gridCol w="549498">
                   <a:extLst>
                     <a:ext uri="{9D8B030D-6E8A-4147-A177-3AD203B41FA5}">
-                      <a16:colId xmlns:a16="http://schemas.microsoft.com/office/drawing/2014/main" val="20017"/>
+                      <a16:colId xmlns:a16="http://schemas.microsoft.com/office/drawing/2014/main" xmlns="" val="20017"/>
                     </a:ext>
                   </a:extLst>
                 </a:gridCol>
@@ -10225,7 +10265,7 @@
                 </a:tc>
                 <a:extLst>
                   <a:ext uri="{0D108BD9-81ED-4DB2-BD59-A6C34878D82A}">
-                    <a16:rowId xmlns:a16="http://schemas.microsoft.com/office/drawing/2014/main" val="10000"/>
+                    <a16:rowId xmlns:a16="http://schemas.microsoft.com/office/drawing/2014/main" xmlns="" val="10000"/>
                   </a:ext>
                 </a:extLst>
               </a:tr>
@@ -10685,7 +10725,7 @@
                 </a:tc>
                 <a:extLst>
                   <a:ext uri="{0D108BD9-81ED-4DB2-BD59-A6C34878D82A}">
-                    <a16:rowId xmlns:a16="http://schemas.microsoft.com/office/drawing/2014/main" val="10001"/>
+                    <a16:rowId xmlns:a16="http://schemas.microsoft.com/office/drawing/2014/main" xmlns="" val="10001"/>
                   </a:ext>
                 </a:extLst>
               </a:tr>
@@ -11145,7 +11185,7 @@
                 </a:tc>
                 <a:extLst>
                   <a:ext uri="{0D108BD9-81ED-4DB2-BD59-A6C34878D82A}">
-                    <a16:rowId xmlns:a16="http://schemas.microsoft.com/office/drawing/2014/main" val="10002"/>
+                    <a16:rowId xmlns:a16="http://schemas.microsoft.com/office/drawing/2014/main" xmlns="" val="10002"/>
                   </a:ext>
                 </a:extLst>
               </a:tr>
@@ -11605,7 +11645,7 @@
                 </a:tc>
                 <a:extLst>
                   <a:ext uri="{0D108BD9-81ED-4DB2-BD59-A6C34878D82A}">
-                    <a16:rowId xmlns:a16="http://schemas.microsoft.com/office/drawing/2014/main" val="10003"/>
+                    <a16:rowId xmlns:a16="http://schemas.microsoft.com/office/drawing/2014/main" xmlns="" val="10003"/>
                   </a:ext>
                 </a:extLst>
               </a:tr>
@@ -12065,7 +12105,7 @@
                 </a:tc>
                 <a:extLst>
                   <a:ext uri="{0D108BD9-81ED-4DB2-BD59-A6C34878D82A}">
-                    <a16:rowId xmlns:a16="http://schemas.microsoft.com/office/drawing/2014/main" val="10004"/>
+                    <a16:rowId xmlns:a16="http://schemas.microsoft.com/office/drawing/2014/main" xmlns="" val="10004"/>
                   </a:ext>
                 </a:extLst>
               </a:tr>
@@ -12525,7 +12565,7 @@
                 </a:tc>
                 <a:extLst>
                   <a:ext uri="{0D108BD9-81ED-4DB2-BD59-A6C34878D82A}">
-                    <a16:rowId xmlns:a16="http://schemas.microsoft.com/office/drawing/2014/main" val="10005"/>
+                    <a16:rowId xmlns:a16="http://schemas.microsoft.com/office/drawing/2014/main" xmlns="" val="10005"/>
                   </a:ext>
                 </a:extLst>
               </a:tr>
@@ -12985,7 +13025,7 @@
                 </a:tc>
                 <a:extLst>
                   <a:ext uri="{0D108BD9-81ED-4DB2-BD59-A6C34878D82A}">
-                    <a16:rowId xmlns:a16="http://schemas.microsoft.com/office/drawing/2014/main" val="10006"/>
+                    <a16:rowId xmlns:a16="http://schemas.microsoft.com/office/drawing/2014/main" xmlns="" val="10006"/>
                   </a:ext>
                 </a:extLst>
               </a:tr>
@@ -13445,7 +13485,7 @@
                 </a:tc>
                 <a:extLst>
                   <a:ext uri="{0D108BD9-81ED-4DB2-BD59-A6C34878D82A}">
-                    <a16:rowId xmlns:a16="http://schemas.microsoft.com/office/drawing/2014/main" val="10007"/>
+                    <a16:rowId xmlns:a16="http://schemas.microsoft.com/office/drawing/2014/main" xmlns="" val="10007"/>
                   </a:ext>
                 </a:extLst>
               </a:tr>
@@ -13905,7 +13945,7 @@
                 </a:tc>
                 <a:extLst>
                   <a:ext uri="{0D108BD9-81ED-4DB2-BD59-A6C34878D82A}">
-                    <a16:rowId xmlns:a16="http://schemas.microsoft.com/office/drawing/2014/main" val="10008"/>
+                    <a16:rowId xmlns:a16="http://schemas.microsoft.com/office/drawing/2014/main" xmlns="" val="10008"/>
                   </a:ext>
                 </a:extLst>
               </a:tr>
@@ -14365,7 +14405,7 @@
                 </a:tc>
                 <a:extLst>
                   <a:ext uri="{0D108BD9-81ED-4DB2-BD59-A6C34878D82A}">
-                    <a16:rowId xmlns:a16="http://schemas.microsoft.com/office/drawing/2014/main" val="10009"/>
+                    <a16:rowId xmlns:a16="http://schemas.microsoft.com/office/drawing/2014/main" xmlns="" val="10009"/>
                   </a:ext>
                 </a:extLst>
               </a:tr>
@@ -14825,7 +14865,7 @@
                 </a:tc>
                 <a:extLst>
                   <a:ext uri="{0D108BD9-81ED-4DB2-BD59-A6C34878D82A}">
-                    <a16:rowId xmlns:a16="http://schemas.microsoft.com/office/drawing/2014/main" val="10010"/>
+                    <a16:rowId xmlns:a16="http://schemas.microsoft.com/office/drawing/2014/main" xmlns="" val="10010"/>
                   </a:ext>
                 </a:extLst>
               </a:tr>
@@ -15285,7 +15325,7 @@
                 </a:tc>
                 <a:extLst>
                   <a:ext uri="{0D108BD9-81ED-4DB2-BD59-A6C34878D82A}">
-                    <a16:rowId xmlns:a16="http://schemas.microsoft.com/office/drawing/2014/main" val="10011"/>
+                    <a16:rowId xmlns:a16="http://schemas.microsoft.com/office/drawing/2014/main" xmlns="" val="10011"/>
                   </a:ext>
                 </a:extLst>
               </a:tr>
@@ -15745,7 +15785,7 @@
                 </a:tc>
                 <a:extLst>
                   <a:ext uri="{0D108BD9-81ED-4DB2-BD59-A6C34878D82A}">
-                    <a16:rowId xmlns:a16="http://schemas.microsoft.com/office/drawing/2014/main" val="10012"/>
+                    <a16:rowId xmlns:a16="http://schemas.microsoft.com/office/drawing/2014/main" xmlns="" val="10012"/>
                   </a:ext>
                 </a:extLst>
               </a:tr>
@@ -16205,7 +16245,7 @@
                 </a:tc>
                 <a:extLst>
                   <a:ext uri="{0D108BD9-81ED-4DB2-BD59-A6C34878D82A}">
-                    <a16:rowId xmlns:a16="http://schemas.microsoft.com/office/drawing/2014/main" val="10013"/>
+                    <a16:rowId xmlns:a16="http://schemas.microsoft.com/office/drawing/2014/main" xmlns="" val="10013"/>
                   </a:ext>
                 </a:extLst>
               </a:tr>
@@ -16635,35 +16675,35 @@
                 <a:gridCol w="2103120">
                   <a:extLst>
                     <a:ext uri="{9D8B030D-6E8A-4147-A177-3AD203B41FA5}">
-                      <a16:colId xmlns:a16="http://schemas.microsoft.com/office/drawing/2014/main" val="2178192700"/>
+                      <a16:colId xmlns:a16="http://schemas.microsoft.com/office/drawing/2014/main" xmlns="" val="2178192700"/>
                     </a:ext>
                   </a:extLst>
                 </a:gridCol>
                 <a:gridCol w="2103120">
                   <a:extLst>
                     <a:ext uri="{9D8B030D-6E8A-4147-A177-3AD203B41FA5}">
-                      <a16:colId xmlns:a16="http://schemas.microsoft.com/office/drawing/2014/main" val="331999573"/>
+                      <a16:colId xmlns:a16="http://schemas.microsoft.com/office/drawing/2014/main" xmlns="" val="331999573"/>
                     </a:ext>
                   </a:extLst>
                 </a:gridCol>
                 <a:gridCol w="2103120">
                   <a:extLst>
                     <a:ext uri="{9D8B030D-6E8A-4147-A177-3AD203B41FA5}">
-                      <a16:colId xmlns:a16="http://schemas.microsoft.com/office/drawing/2014/main" val="3597132808"/>
+                      <a16:colId xmlns:a16="http://schemas.microsoft.com/office/drawing/2014/main" xmlns="" val="3597132808"/>
                     </a:ext>
                   </a:extLst>
                 </a:gridCol>
                 <a:gridCol w="2103120">
                   <a:extLst>
                     <a:ext uri="{9D8B030D-6E8A-4147-A177-3AD203B41FA5}">
-                      <a16:colId xmlns:a16="http://schemas.microsoft.com/office/drawing/2014/main" val="596877116"/>
+                      <a16:colId xmlns:a16="http://schemas.microsoft.com/office/drawing/2014/main" xmlns="" val="596877116"/>
                     </a:ext>
                   </a:extLst>
                 </a:gridCol>
                 <a:gridCol w="2103120">
                   <a:extLst>
                     <a:ext uri="{9D8B030D-6E8A-4147-A177-3AD203B41FA5}">
-                      <a16:colId xmlns:a16="http://schemas.microsoft.com/office/drawing/2014/main" val="1778616611"/>
+                      <a16:colId xmlns:a16="http://schemas.microsoft.com/office/drawing/2014/main" xmlns="" val="1778616611"/>
                     </a:ext>
                   </a:extLst>
                 </a:gridCol>
@@ -16831,7 +16871,7 @@
                 </a:tc>
                 <a:extLst>
                   <a:ext uri="{0D108BD9-81ED-4DB2-BD59-A6C34878D82A}">
-                    <a16:rowId xmlns:a16="http://schemas.microsoft.com/office/drawing/2014/main" val="2548993085"/>
+                    <a16:rowId xmlns:a16="http://schemas.microsoft.com/office/drawing/2014/main" xmlns="" val="2548993085"/>
                   </a:ext>
                 </a:extLst>
               </a:tr>
@@ -16998,7 +17038,7 @@
                 </a:tc>
                 <a:extLst>
                   <a:ext uri="{0D108BD9-81ED-4DB2-BD59-A6C34878D82A}">
-                    <a16:rowId xmlns:a16="http://schemas.microsoft.com/office/drawing/2014/main" val="3696918108"/>
+                    <a16:rowId xmlns:a16="http://schemas.microsoft.com/office/drawing/2014/main" xmlns="" val="3696918108"/>
                   </a:ext>
                 </a:extLst>
               </a:tr>
@@ -17165,7 +17205,7 @@
                 </a:tc>
                 <a:extLst>
                   <a:ext uri="{0D108BD9-81ED-4DB2-BD59-A6C34878D82A}">
-                    <a16:rowId xmlns:a16="http://schemas.microsoft.com/office/drawing/2014/main" val="739848613"/>
+                    <a16:rowId xmlns:a16="http://schemas.microsoft.com/office/drawing/2014/main" xmlns="" val="739848613"/>
                   </a:ext>
                 </a:extLst>
               </a:tr>
@@ -17332,7 +17372,7 @@
                 </a:tc>
                 <a:extLst>
                   <a:ext uri="{0D108BD9-81ED-4DB2-BD59-A6C34878D82A}">
-                    <a16:rowId xmlns:a16="http://schemas.microsoft.com/office/drawing/2014/main" val="3862531879"/>
+                    <a16:rowId xmlns:a16="http://schemas.microsoft.com/office/drawing/2014/main" xmlns="" val="3862531879"/>
                   </a:ext>
                 </a:extLst>
               </a:tr>
@@ -17499,7 +17539,7 @@
                 </a:tc>
                 <a:extLst>
                   <a:ext uri="{0D108BD9-81ED-4DB2-BD59-A6C34878D82A}">
-                    <a16:rowId xmlns:a16="http://schemas.microsoft.com/office/drawing/2014/main" val="107777099"/>
+                    <a16:rowId xmlns:a16="http://schemas.microsoft.com/office/drawing/2014/main" xmlns="" val="107777099"/>
                   </a:ext>
                 </a:extLst>
               </a:tr>
@@ -17666,7 +17706,7 @@
                 </a:tc>
                 <a:extLst>
                   <a:ext uri="{0D108BD9-81ED-4DB2-BD59-A6C34878D82A}">
-                    <a16:rowId xmlns:a16="http://schemas.microsoft.com/office/drawing/2014/main" val="4196587497"/>
+                    <a16:rowId xmlns:a16="http://schemas.microsoft.com/office/drawing/2014/main" xmlns="" val="4196587497"/>
                   </a:ext>
                 </a:extLst>
               </a:tr>
@@ -17833,7 +17873,7 @@
                 </a:tc>
                 <a:extLst>
                   <a:ext uri="{0D108BD9-81ED-4DB2-BD59-A6C34878D82A}">
-                    <a16:rowId xmlns:a16="http://schemas.microsoft.com/office/drawing/2014/main" val="3973535048"/>
+                    <a16:rowId xmlns:a16="http://schemas.microsoft.com/office/drawing/2014/main" xmlns="" val="3973535048"/>
                   </a:ext>
                 </a:extLst>
               </a:tr>
@@ -17994,7 +18034,7 @@
                 </a:tc>
                 <a:extLst>
                   <a:ext uri="{0D108BD9-81ED-4DB2-BD59-A6C34878D82A}">
-                    <a16:rowId xmlns:a16="http://schemas.microsoft.com/office/drawing/2014/main" val="4184079262"/>
+                    <a16:rowId xmlns:a16="http://schemas.microsoft.com/office/drawing/2014/main" xmlns="" val="4184079262"/>
                   </a:ext>
                 </a:extLst>
               </a:tr>
@@ -18161,7 +18201,7 @@
                 </a:tc>
                 <a:extLst>
                   <a:ext uri="{0D108BD9-81ED-4DB2-BD59-A6C34878D82A}">
-                    <a16:rowId xmlns:a16="http://schemas.microsoft.com/office/drawing/2014/main" val="1549009875"/>
+                    <a16:rowId xmlns:a16="http://schemas.microsoft.com/office/drawing/2014/main" xmlns="" val="1549009875"/>
                   </a:ext>
                 </a:extLst>
               </a:tr>
@@ -18948,63 +18988,63 @@
                 <a:gridCol w="586328">
                   <a:extLst>
                     <a:ext uri="{9D8B030D-6E8A-4147-A177-3AD203B41FA5}">
-                      <a16:colId xmlns:a16="http://schemas.microsoft.com/office/drawing/2014/main" val="1953549286"/>
+                      <a16:colId xmlns:a16="http://schemas.microsoft.com/office/drawing/2014/main" xmlns="" val="1953549286"/>
                     </a:ext>
                   </a:extLst>
                 </a:gridCol>
                 <a:gridCol w="1441911">
                   <a:extLst>
                     <a:ext uri="{9D8B030D-6E8A-4147-A177-3AD203B41FA5}">
-                      <a16:colId xmlns:a16="http://schemas.microsoft.com/office/drawing/2014/main" val="2286925942"/>
+                      <a16:colId xmlns:a16="http://schemas.microsoft.com/office/drawing/2014/main" xmlns="" val="2286925942"/>
                     </a:ext>
                   </a:extLst>
                 </a:gridCol>
                 <a:gridCol w="592568">
                   <a:extLst>
                     <a:ext uri="{9D8B030D-6E8A-4147-A177-3AD203B41FA5}">
-                      <a16:colId xmlns:a16="http://schemas.microsoft.com/office/drawing/2014/main" val="2240166967"/>
+                      <a16:colId xmlns:a16="http://schemas.microsoft.com/office/drawing/2014/main" xmlns="" val="2240166967"/>
                     </a:ext>
                   </a:extLst>
                 </a:gridCol>
                 <a:gridCol w="592568">
                   <a:extLst>
                     <a:ext uri="{9D8B030D-6E8A-4147-A177-3AD203B41FA5}">
-                      <a16:colId xmlns:a16="http://schemas.microsoft.com/office/drawing/2014/main" val="3084119439"/>
+                      <a16:colId xmlns:a16="http://schemas.microsoft.com/office/drawing/2014/main" xmlns="" val="3084119439"/>
                     </a:ext>
                   </a:extLst>
                 </a:gridCol>
                 <a:gridCol w="1035431">
                   <a:extLst>
                     <a:ext uri="{9D8B030D-6E8A-4147-A177-3AD203B41FA5}">
-                      <a16:colId xmlns:a16="http://schemas.microsoft.com/office/drawing/2014/main" val="2439947825"/>
+                      <a16:colId xmlns:a16="http://schemas.microsoft.com/office/drawing/2014/main" xmlns="" val="2439947825"/>
                     </a:ext>
                   </a:extLst>
                 </a:gridCol>
                 <a:gridCol w="1183054">
                   <a:extLst>
                     <a:ext uri="{9D8B030D-6E8A-4147-A177-3AD203B41FA5}">
-                      <a16:colId xmlns:a16="http://schemas.microsoft.com/office/drawing/2014/main" val="756702285"/>
+                      <a16:colId xmlns:a16="http://schemas.microsoft.com/office/drawing/2014/main" xmlns="" val="756702285"/>
                     </a:ext>
                   </a:extLst>
                 </a:gridCol>
                 <a:gridCol w="1035431">
                   <a:extLst>
                     <a:ext uri="{9D8B030D-6E8A-4147-A177-3AD203B41FA5}">
-                      <a16:colId xmlns:a16="http://schemas.microsoft.com/office/drawing/2014/main" val="52909403"/>
+                      <a16:colId xmlns:a16="http://schemas.microsoft.com/office/drawing/2014/main" xmlns="" val="52909403"/>
                     </a:ext>
                   </a:extLst>
                 </a:gridCol>
                 <a:gridCol w="2104131">
                   <a:extLst>
                     <a:ext uri="{9D8B030D-6E8A-4147-A177-3AD203B41FA5}">
-                      <a16:colId xmlns:a16="http://schemas.microsoft.com/office/drawing/2014/main" val="3498582246"/>
+                      <a16:colId xmlns:a16="http://schemas.microsoft.com/office/drawing/2014/main" xmlns="" val="3498582246"/>
                     </a:ext>
                   </a:extLst>
                 </a:gridCol>
                 <a:gridCol w="1042710">
                   <a:extLst>
                     <a:ext uri="{9D8B030D-6E8A-4147-A177-3AD203B41FA5}">
-                      <a16:colId xmlns:a16="http://schemas.microsoft.com/office/drawing/2014/main" val="2633740206"/>
+                      <a16:colId xmlns:a16="http://schemas.microsoft.com/office/drawing/2014/main" xmlns="" val="2633740206"/>
                     </a:ext>
                   </a:extLst>
                 </a:gridCol>
@@ -19273,7 +19313,7 @@
                 </a:tc>
                 <a:extLst>
                   <a:ext uri="{0D108BD9-81ED-4DB2-BD59-A6C34878D82A}">
-                    <a16:rowId xmlns:a16="http://schemas.microsoft.com/office/drawing/2014/main" val="4035685168"/>
+                    <a16:rowId xmlns:a16="http://schemas.microsoft.com/office/drawing/2014/main" xmlns="" val="4035685168"/>
                   </a:ext>
                 </a:extLst>
               </a:tr>
@@ -19541,7 +19581,7 @@
                 </a:tc>
                 <a:extLst>
                   <a:ext uri="{0D108BD9-81ED-4DB2-BD59-A6C34878D82A}">
-                    <a16:rowId xmlns:a16="http://schemas.microsoft.com/office/drawing/2014/main" val="3486077057"/>
+                    <a16:rowId xmlns:a16="http://schemas.microsoft.com/office/drawing/2014/main" xmlns="" val="3486077057"/>
                   </a:ext>
                 </a:extLst>
               </a:tr>
@@ -19956,7 +19996,7 @@
   <a:extraClrSchemeLst/>
   <a:extLst>
     <a:ext uri="{05A4C25C-085E-4340-85A3-A5531E510DB2}">
-      <thm15:themeFamily xmlns:thm15="http://schemas.microsoft.com/office/thememl/2012/main" name="Office Theme" id="{62F939B6-93AF-4DB8-9C6B-D6C7DFDC589F}" vid="{4A3C46E8-61CC-4603-A589-7422A47A8E4A}"/>
+      <thm15:themeFamily xmlns:thm15="http://schemas.microsoft.com/office/thememl/2012/main" xmlns="" name="Office Theme" id="{62F939B6-93AF-4DB8-9C6B-D6C7DFDC589F}" vid="{4A3C46E8-61CC-4603-A589-7422A47A8E4A}"/>
     </a:ext>
   </a:extLst>
 </a:theme>
@@ -20217,7 +20257,7 @@
   <a:extraClrSchemeLst/>
   <a:extLst>
     <a:ext uri="{05A4C25C-085E-4340-85A3-A5531E510DB2}">
-      <thm15:themeFamily xmlns:thm15="http://schemas.microsoft.com/office/thememl/2012/main" name="Office Theme" id="{62F939B6-93AF-4DB8-9C6B-D6C7DFDC589F}" vid="{4A3C46E8-61CC-4603-A589-7422A47A8E4A}"/>
+      <thm15:themeFamily xmlns:thm15="http://schemas.microsoft.com/office/thememl/2012/main" xmlns="" name="Office Theme" id="{62F939B6-93AF-4DB8-9C6B-D6C7DFDC589F}" vid="{4A3C46E8-61CC-4603-A589-7422A47A8E4A}"/>
     </a:ext>
   </a:extLst>
 </a:theme>

--- a/README.pptx
+++ b/README.pptx
@@ -5,7 +5,7 @@
     <p:sldMasterId id="2147483660" r:id="rId1"/>
   </p:sldMasterIdLst>
   <p:notesMasterIdLst>
-    <p:notesMasterId r:id="rId16"/>
+    <p:notesMasterId r:id="rId17"/>
   </p:notesMasterIdLst>
   <p:sldIdLst>
     <p:sldId id="256" r:id="rId2"/>
@@ -22,6 +22,7 @@
     <p:sldId id="281" r:id="rId13"/>
     <p:sldId id="282" r:id="rId14"/>
     <p:sldId id="279" r:id="rId15"/>
+    <p:sldId id="283" r:id="rId16"/>
   </p:sldIdLst>
   <p:sldSz cx="12192000" cy="6858000"/>
   <p:notesSz cx="6858000" cy="9144000"/>
@@ -122,7 +123,7 @@
   </p:defaultTextStyle>
   <p:extLst>
     <p:ext uri="{EFAFB233-063F-42B5-8137-9DF3F51BA10A}">
-      <p15:sldGuideLst xmlns:p15="http://schemas.microsoft.com/office/powerpoint/2012/main" xmlns="">
+      <p15:sldGuideLst xmlns="" xmlns:p15="http://schemas.microsoft.com/office/powerpoint/2012/main">
         <p15:guide id="1" orient="horz" pos="2160">
           <p15:clr>
             <a:srgbClr val="A4A3A4"/>
@@ -3563,98 +3564,98 @@
                 <a:gridCol w="401664">
                   <a:extLst>
                     <a:ext uri="{9D8B030D-6E8A-4147-A177-3AD203B41FA5}">
-                      <a16:colId xmlns:a16="http://schemas.microsoft.com/office/drawing/2014/main" xmlns="" val="20000"/>
+                      <a16:colId xmlns="" xmlns:a16="http://schemas.microsoft.com/office/drawing/2014/main" val="20000"/>
                     </a:ext>
                   </a:extLst>
                 </a:gridCol>
                 <a:gridCol w="1286360">
                   <a:extLst>
                     <a:ext uri="{9D8B030D-6E8A-4147-A177-3AD203B41FA5}">
-                      <a16:colId xmlns:a16="http://schemas.microsoft.com/office/drawing/2014/main" xmlns="" val="20001"/>
+                      <a16:colId xmlns="" xmlns:a16="http://schemas.microsoft.com/office/drawing/2014/main" val="20001"/>
                     </a:ext>
                   </a:extLst>
                 </a:gridCol>
                 <a:gridCol w="743918">
                   <a:extLst>
                     <a:ext uri="{9D8B030D-6E8A-4147-A177-3AD203B41FA5}">
-                      <a16:colId xmlns:a16="http://schemas.microsoft.com/office/drawing/2014/main" xmlns="" val="20002"/>
+                      <a16:colId xmlns="" xmlns:a16="http://schemas.microsoft.com/office/drawing/2014/main" val="20002"/>
                     </a:ext>
                   </a:extLst>
                 </a:gridCol>
                 <a:gridCol w="572514">
                   <a:extLst>
                     <a:ext uri="{9D8B030D-6E8A-4147-A177-3AD203B41FA5}">
-                      <a16:colId xmlns:a16="http://schemas.microsoft.com/office/drawing/2014/main" xmlns="" val="20003"/>
+                      <a16:colId xmlns="" xmlns:a16="http://schemas.microsoft.com/office/drawing/2014/main" val="20003"/>
                     </a:ext>
                   </a:extLst>
                 </a:gridCol>
                 <a:gridCol w="751114">
                   <a:extLst>
                     <a:ext uri="{9D8B030D-6E8A-4147-A177-3AD203B41FA5}">
-                      <a16:colId xmlns:a16="http://schemas.microsoft.com/office/drawing/2014/main" xmlns="" val="20004"/>
+                      <a16:colId xmlns="" xmlns:a16="http://schemas.microsoft.com/office/drawing/2014/main" val="20004"/>
                     </a:ext>
                   </a:extLst>
                 </a:gridCol>
                 <a:gridCol w="751114">
                   <a:extLst>
                     <a:ext uri="{9D8B030D-6E8A-4147-A177-3AD203B41FA5}">
-                      <a16:colId xmlns:a16="http://schemas.microsoft.com/office/drawing/2014/main" xmlns="" val="20005"/>
+                      <a16:colId xmlns="" xmlns:a16="http://schemas.microsoft.com/office/drawing/2014/main" val="20005"/>
                     </a:ext>
                   </a:extLst>
                 </a:gridCol>
                 <a:gridCol w="751114">
                   <a:extLst>
                     <a:ext uri="{9D8B030D-6E8A-4147-A177-3AD203B41FA5}">
-                      <a16:colId xmlns:a16="http://schemas.microsoft.com/office/drawing/2014/main" xmlns="" val="20006"/>
+                      <a16:colId xmlns="" xmlns:a16="http://schemas.microsoft.com/office/drawing/2014/main" val="20006"/>
                     </a:ext>
                   </a:extLst>
                 </a:gridCol>
                 <a:gridCol w="751114">
                   <a:extLst>
                     <a:ext uri="{9D8B030D-6E8A-4147-A177-3AD203B41FA5}">
-                      <a16:colId xmlns:a16="http://schemas.microsoft.com/office/drawing/2014/main" xmlns="" val="20007"/>
+                      <a16:colId xmlns="" xmlns:a16="http://schemas.microsoft.com/office/drawing/2014/main" val="20007"/>
                     </a:ext>
                   </a:extLst>
                 </a:gridCol>
                 <a:gridCol w="751114">
                   <a:extLst>
                     <a:ext uri="{9D8B030D-6E8A-4147-A177-3AD203B41FA5}">
-                      <a16:colId xmlns:a16="http://schemas.microsoft.com/office/drawing/2014/main" xmlns="" val="20008"/>
+                      <a16:colId xmlns="" xmlns:a16="http://schemas.microsoft.com/office/drawing/2014/main" val="20008"/>
                     </a:ext>
                   </a:extLst>
                 </a:gridCol>
                 <a:gridCol w="808158">
                   <a:extLst>
                     <a:ext uri="{9D8B030D-6E8A-4147-A177-3AD203B41FA5}">
-                      <a16:colId xmlns:a16="http://schemas.microsoft.com/office/drawing/2014/main" xmlns="" val="20009"/>
+                      <a16:colId xmlns="" xmlns:a16="http://schemas.microsoft.com/office/drawing/2014/main" val="20009"/>
                     </a:ext>
                   </a:extLst>
                 </a:gridCol>
                 <a:gridCol w="694070">
                   <a:extLst>
                     <a:ext uri="{9D8B030D-6E8A-4147-A177-3AD203B41FA5}">
-                      <a16:colId xmlns:a16="http://schemas.microsoft.com/office/drawing/2014/main" xmlns="" val="20010"/>
+                      <a16:colId xmlns="" xmlns:a16="http://schemas.microsoft.com/office/drawing/2014/main" val="20010"/>
                     </a:ext>
                   </a:extLst>
                 </a:gridCol>
                 <a:gridCol w="751114">
                   <a:extLst>
                     <a:ext uri="{9D8B030D-6E8A-4147-A177-3AD203B41FA5}">
-                      <a16:colId xmlns:a16="http://schemas.microsoft.com/office/drawing/2014/main" xmlns="" val="20011"/>
+                      <a16:colId xmlns="" xmlns:a16="http://schemas.microsoft.com/office/drawing/2014/main" val="20011"/>
                     </a:ext>
                   </a:extLst>
                 </a:gridCol>
                 <a:gridCol w="751114">
                   <a:extLst>
                     <a:ext uri="{9D8B030D-6E8A-4147-A177-3AD203B41FA5}">
-                      <a16:colId xmlns:a16="http://schemas.microsoft.com/office/drawing/2014/main" xmlns="" val="20012"/>
+                      <a16:colId xmlns="" xmlns:a16="http://schemas.microsoft.com/office/drawing/2014/main" val="20012"/>
                     </a:ext>
                   </a:extLst>
                 </a:gridCol>
                 <a:gridCol w="751114">
                   <a:extLst>
                     <a:ext uri="{9D8B030D-6E8A-4147-A177-3AD203B41FA5}">
-                      <a16:colId xmlns:a16="http://schemas.microsoft.com/office/drawing/2014/main" xmlns="" val="20013"/>
+                      <a16:colId xmlns="" xmlns:a16="http://schemas.microsoft.com/office/drawing/2014/main" val="20013"/>
                     </a:ext>
                   </a:extLst>
                 </a:gridCol>
@@ -3886,7 +3887,7 @@
                 </a:tc>
                 <a:extLst>
                   <a:ext uri="{0D108BD9-81ED-4DB2-BD59-A6C34878D82A}">
-                    <a16:rowId xmlns:a16="http://schemas.microsoft.com/office/drawing/2014/main" xmlns="" val="10000"/>
+                    <a16:rowId xmlns="" xmlns:a16="http://schemas.microsoft.com/office/drawing/2014/main" val="10000"/>
                   </a:ext>
                 </a:extLst>
               </a:tr>
@@ -4215,7 +4216,7 @@
                 </a:tc>
                 <a:extLst>
                   <a:ext uri="{0D108BD9-81ED-4DB2-BD59-A6C34878D82A}">
-                    <a16:rowId xmlns:a16="http://schemas.microsoft.com/office/drawing/2014/main" xmlns="" val="10001"/>
+                    <a16:rowId xmlns="" xmlns:a16="http://schemas.microsoft.com/office/drawing/2014/main" val="10001"/>
                   </a:ext>
                 </a:extLst>
               </a:tr>
@@ -4544,7 +4545,7 @@
                 </a:tc>
                 <a:extLst>
                   <a:ext uri="{0D108BD9-81ED-4DB2-BD59-A6C34878D82A}">
-                    <a16:rowId xmlns:a16="http://schemas.microsoft.com/office/drawing/2014/main" xmlns="" val="10002"/>
+                    <a16:rowId xmlns="" xmlns:a16="http://schemas.microsoft.com/office/drawing/2014/main" val="10002"/>
                   </a:ext>
                 </a:extLst>
               </a:tr>
@@ -4771,7 +4772,7 @@
                 </a:tc>
                 <a:extLst>
                   <a:ext uri="{0D108BD9-81ED-4DB2-BD59-A6C34878D82A}">
-                    <a16:rowId xmlns:a16="http://schemas.microsoft.com/office/drawing/2014/main" xmlns="" val="10003"/>
+                    <a16:rowId xmlns="" xmlns:a16="http://schemas.microsoft.com/office/drawing/2014/main" val="10003"/>
                   </a:ext>
                 </a:extLst>
               </a:tr>
@@ -5026,7 +5027,7 @@
                 </a:tc>
                 <a:extLst>
                   <a:ext uri="{0D108BD9-81ED-4DB2-BD59-A6C34878D82A}">
-                    <a16:rowId xmlns:a16="http://schemas.microsoft.com/office/drawing/2014/main" xmlns="" val="10004"/>
+                    <a16:rowId xmlns="" xmlns:a16="http://schemas.microsoft.com/office/drawing/2014/main" val="10004"/>
                   </a:ext>
                 </a:extLst>
               </a:tr>
@@ -5355,7 +5356,7 @@
                 </a:tc>
                 <a:extLst>
                   <a:ext uri="{0D108BD9-81ED-4DB2-BD59-A6C34878D82A}">
-                    <a16:rowId xmlns:a16="http://schemas.microsoft.com/office/drawing/2014/main" xmlns="" val="10005"/>
+                    <a16:rowId xmlns="" xmlns:a16="http://schemas.microsoft.com/office/drawing/2014/main" val="10005"/>
                   </a:ext>
                 </a:extLst>
               </a:tr>
@@ -5684,7 +5685,7 @@
                 </a:tc>
                 <a:extLst>
                   <a:ext uri="{0D108BD9-81ED-4DB2-BD59-A6C34878D82A}">
-                    <a16:rowId xmlns:a16="http://schemas.microsoft.com/office/drawing/2014/main" xmlns="" val="10006"/>
+                    <a16:rowId xmlns="" xmlns:a16="http://schemas.microsoft.com/office/drawing/2014/main" val="10006"/>
                   </a:ext>
                 </a:extLst>
               </a:tr>
@@ -5786,19 +5787,11 @@
           <a:p>
             <a:r>
               <a:rPr lang="en-GB" dirty="0"/>
-              <a:t>It is based on pruned set containing 191 </a:t>
-            </a:r>
-            <a:r>
-              <a:rPr lang="en-GB" dirty="0"/>
-              <a:t>out of 1,565 SNPs </a:t>
+              <a:t>It is based on pruned set containing 191 out of 1,565 SNPs </a:t>
             </a:r>
             <a:r>
               <a:rPr lang="en-GB" dirty="0" smtClean="0"/>
-              <a:t>including the lead SNP, but</a:t>
-            </a:r>
-            <a:r>
-              <a:rPr lang="en-GB" dirty="0" smtClean="0"/>
-              <a:t> </a:t>
+              <a:t>including the lead SNP, but </a:t>
             </a:r>
             <a:r>
               <a:rPr lang="en-GB" dirty="0"/>
@@ -5898,7 +5891,7 @@
           <p:cNvPr id="2" name="Title 1">
             <a:extLst>
               <a:ext uri="{FF2B5EF4-FFF2-40B4-BE49-F238E27FC236}">
-                <a16:creationId xmlns:a16="http://schemas.microsoft.com/office/drawing/2014/main" xmlns="" id="{BB17C9F0-1160-45E6-90D6-C2EE7F2A8DDB}"/>
+                <a16:creationId xmlns="" xmlns:a16="http://schemas.microsoft.com/office/drawing/2014/main" id="{BB17C9F0-1160-45E6-90D6-C2EE7F2A8DDB}"/>
               </a:ext>
             </a:extLst>
           </p:cNvPr>
@@ -5939,7 +5932,7 @@
           <p:cNvPr id="7" name="Content Placeholder 6">
             <a:extLst>
               <a:ext uri="{FF2B5EF4-FFF2-40B4-BE49-F238E27FC236}">
-                <a16:creationId xmlns:a16="http://schemas.microsoft.com/office/drawing/2014/main" xmlns="" id="{BC419154-FB32-433E-8D3F-5372E3CF063B}"/>
+                <a16:creationId xmlns="" xmlns:a16="http://schemas.microsoft.com/office/drawing/2014/main" id="{BC419154-FB32-433E-8D3F-5372E3CF063B}"/>
               </a:ext>
             </a:extLst>
           </p:cNvPr>
@@ -5969,42 +5962,42 @@
                 <a:gridCol w="1752600">
                   <a:extLst>
                     <a:ext uri="{9D8B030D-6E8A-4147-A177-3AD203B41FA5}">
-                      <a16:colId xmlns:a16="http://schemas.microsoft.com/office/drawing/2014/main" xmlns="" val="1638080526"/>
+                      <a16:colId xmlns="" xmlns:a16="http://schemas.microsoft.com/office/drawing/2014/main" val="1638080526"/>
                     </a:ext>
                   </a:extLst>
                 </a:gridCol>
                 <a:gridCol w="1752600">
                   <a:extLst>
                     <a:ext uri="{9D8B030D-6E8A-4147-A177-3AD203B41FA5}">
-                      <a16:colId xmlns:a16="http://schemas.microsoft.com/office/drawing/2014/main" xmlns="" val="3856145469"/>
+                      <a16:colId xmlns="" xmlns:a16="http://schemas.microsoft.com/office/drawing/2014/main" val="3856145469"/>
                     </a:ext>
                   </a:extLst>
                 </a:gridCol>
                 <a:gridCol w="1752600">
                   <a:extLst>
                     <a:ext uri="{9D8B030D-6E8A-4147-A177-3AD203B41FA5}">
-                      <a16:colId xmlns:a16="http://schemas.microsoft.com/office/drawing/2014/main" xmlns="" val="1431688491"/>
+                      <a16:colId xmlns="" xmlns:a16="http://schemas.microsoft.com/office/drawing/2014/main" val="1431688491"/>
                     </a:ext>
                   </a:extLst>
                 </a:gridCol>
                 <a:gridCol w="1752600">
                   <a:extLst>
                     <a:ext uri="{9D8B030D-6E8A-4147-A177-3AD203B41FA5}">
-                      <a16:colId xmlns:a16="http://schemas.microsoft.com/office/drawing/2014/main" xmlns="" val="2120667709"/>
+                      <a16:colId xmlns="" xmlns:a16="http://schemas.microsoft.com/office/drawing/2014/main" val="2120667709"/>
                     </a:ext>
                   </a:extLst>
                 </a:gridCol>
                 <a:gridCol w="1752600">
                   <a:extLst>
                     <a:ext uri="{9D8B030D-6E8A-4147-A177-3AD203B41FA5}">
-                      <a16:colId xmlns:a16="http://schemas.microsoft.com/office/drawing/2014/main" xmlns="" val="3976773145"/>
+                      <a16:colId xmlns="" xmlns:a16="http://schemas.microsoft.com/office/drawing/2014/main" val="3976773145"/>
                     </a:ext>
                   </a:extLst>
                 </a:gridCol>
                 <a:gridCol w="1752600">
                   <a:extLst>
                     <a:ext uri="{9D8B030D-6E8A-4147-A177-3AD203B41FA5}">
-                      <a16:colId xmlns:a16="http://schemas.microsoft.com/office/drawing/2014/main" xmlns="" val="3936103744"/>
+                      <a16:colId xmlns="" xmlns:a16="http://schemas.microsoft.com/office/drawing/2014/main" val="3936103744"/>
                     </a:ext>
                   </a:extLst>
                 </a:gridCol>
@@ -6150,7 +6143,7 @@
                 </a:tc>
                 <a:extLst>
                   <a:ext uri="{0D108BD9-81ED-4DB2-BD59-A6C34878D82A}">
-                    <a16:rowId xmlns:a16="http://schemas.microsoft.com/office/drawing/2014/main" xmlns="" val="2418271326"/>
+                    <a16:rowId xmlns="" xmlns:a16="http://schemas.microsoft.com/office/drawing/2014/main" val="2418271326"/>
                   </a:ext>
                 </a:extLst>
               </a:tr>
@@ -6295,7 +6288,7 @@
                 </a:tc>
                 <a:extLst>
                   <a:ext uri="{0D108BD9-81ED-4DB2-BD59-A6C34878D82A}">
-                    <a16:rowId xmlns:a16="http://schemas.microsoft.com/office/drawing/2014/main" xmlns="" val="538109448"/>
+                    <a16:rowId xmlns="" xmlns:a16="http://schemas.microsoft.com/office/drawing/2014/main" val="538109448"/>
                   </a:ext>
                 </a:extLst>
               </a:tr>
@@ -6440,7 +6433,7 @@
                 </a:tc>
                 <a:extLst>
                   <a:ext uri="{0D108BD9-81ED-4DB2-BD59-A6C34878D82A}">
-                    <a16:rowId xmlns:a16="http://schemas.microsoft.com/office/drawing/2014/main" xmlns="" val="3790236758"/>
+                    <a16:rowId xmlns="" xmlns:a16="http://schemas.microsoft.com/office/drawing/2014/main" val="3790236758"/>
                   </a:ext>
                 </a:extLst>
               </a:tr>
@@ -6585,7 +6578,7 @@
                 </a:tc>
                 <a:extLst>
                   <a:ext uri="{0D108BD9-81ED-4DB2-BD59-A6C34878D82A}">
-                    <a16:rowId xmlns:a16="http://schemas.microsoft.com/office/drawing/2014/main" xmlns="" val="2142385482"/>
+                    <a16:rowId xmlns="" xmlns:a16="http://schemas.microsoft.com/office/drawing/2014/main" val="2142385482"/>
                   </a:ext>
                 </a:extLst>
               </a:tr>
@@ -6730,7 +6723,7 @@
                 </a:tc>
                 <a:extLst>
                   <a:ext uri="{0D108BD9-81ED-4DB2-BD59-A6C34878D82A}">
-                    <a16:rowId xmlns:a16="http://schemas.microsoft.com/office/drawing/2014/main" xmlns="" val="3818329405"/>
+                    <a16:rowId xmlns="" xmlns:a16="http://schemas.microsoft.com/office/drawing/2014/main" val="3818329405"/>
                   </a:ext>
                 </a:extLst>
               </a:tr>
@@ -6875,7 +6868,7 @@
                 </a:tc>
                 <a:extLst>
                   <a:ext uri="{0D108BD9-81ED-4DB2-BD59-A6C34878D82A}">
-                    <a16:rowId xmlns:a16="http://schemas.microsoft.com/office/drawing/2014/main" xmlns="" val="1055833409"/>
+                    <a16:rowId xmlns="" xmlns:a16="http://schemas.microsoft.com/office/drawing/2014/main" val="1055833409"/>
                   </a:ext>
                 </a:extLst>
               </a:tr>
@@ -7020,7 +7013,7 @@
                 </a:tc>
                 <a:extLst>
                   <a:ext uri="{0D108BD9-81ED-4DB2-BD59-A6C34878D82A}">
-                    <a16:rowId xmlns:a16="http://schemas.microsoft.com/office/drawing/2014/main" xmlns="" val="3279746546"/>
+                    <a16:rowId xmlns="" xmlns:a16="http://schemas.microsoft.com/office/drawing/2014/main" val="3279746546"/>
                   </a:ext>
                 </a:extLst>
               </a:tr>
@@ -7165,7 +7158,7 @@
                 </a:tc>
                 <a:extLst>
                   <a:ext uri="{0D108BD9-81ED-4DB2-BD59-A6C34878D82A}">
-                    <a16:rowId xmlns:a16="http://schemas.microsoft.com/office/drawing/2014/main" xmlns="" val="1843946231"/>
+                    <a16:rowId xmlns="" xmlns:a16="http://schemas.microsoft.com/office/drawing/2014/main" val="1843946231"/>
                   </a:ext>
                 </a:extLst>
               </a:tr>
@@ -7310,7 +7303,7 @@
                 </a:tc>
                 <a:extLst>
                   <a:ext uri="{0D108BD9-81ED-4DB2-BD59-A6C34878D82A}">
-                    <a16:rowId xmlns:a16="http://schemas.microsoft.com/office/drawing/2014/main" xmlns="" val="2592131726"/>
+                    <a16:rowId xmlns="" xmlns:a16="http://schemas.microsoft.com/office/drawing/2014/main" val="2592131726"/>
                   </a:ext>
                 </a:extLst>
               </a:tr>
@@ -7455,7 +7448,7 @@
                 </a:tc>
                 <a:extLst>
                   <a:ext uri="{0D108BD9-81ED-4DB2-BD59-A6C34878D82A}">
-                    <a16:rowId xmlns:a16="http://schemas.microsoft.com/office/drawing/2014/main" xmlns="" val="3872885341"/>
+                    <a16:rowId xmlns="" xmlns:a16="http://schemas.microsoft.com/office/drawing/2014/main" val="3872885341"/>
                   </a:ext>
                 </a:extLst>
               </a:tr>
@@ -7600,7 +7593,7 @@
                 </a:tc>
                 <a:extLst>
                   <a:ext uri="{0D108BD9-81ED-4DB2-BD59-A6C34878D82A}">
-                    <a16:rowId xmlns:a16="http://schemas.microsoft.com/office/drawing/2014/main" xmlns="" val="1297808850"/>
+                    <a16:rowId xmlns="" xmlns:a16="http://schemas.microsoft.com/office/drawing/2014/main" val="1297808850"/>
                   </a:ext>
                 </a:extLst>
               </a:tr>
@@ -7745,7 +7738,7 @@
                 </a:tc>
                 <a:extLst>
                   <a:ext uri="{0D108BD9-81ED-4DB2-BD59-A6C34878D82A}">
-                    <a16:rowId xmlns:a16="http://schemas.microsoft.com/office/drawing/2014/main" xmlns="" val="4188675590"/>
+                    <a16:rowId xmlns="" xmlns:a16="http://schemas.microsoft.com/office/drawing/2014/main" val="4188675590"/>
                   </a:ext>
                 </a:extLst>
               </a:tr>
@@ -7890,7 +7883,7 @@
                 </a:tc>
                 <a:extLst>
                   <a:ext uri="{0D108BD9-81ED-4DB2-BD59-A6C34878D82A}">
-                    <a16:rowId xmlns:a16="http://schemas.microsoft.com/office/drawing/2014/main" xmlns="" val="2572836936"/>
+                    <a16:rowId xmlns="" xmlns:a16="http://schemas.microsoft.com/office/drawing/2014/main" val="2572836936"/>
                   </a:ext>
                 </a:extLst>
               </a:tr>
@@ -8035,7 +8028,7 @@
                 </a:tc>
                 <a:extLst>
                   <a:ext uri="{0D108BD9-81ED-4DB2-BD59-A6C34878D82A}">
-                    <a16:rowId xmlns:a16="http://schemas.microsoft.com/office/drawing/2014/main" xmlns="" val="609615910"/>
+                    <a16:rowId xmlns="" xmlns:a16="http://schemas.microsoft.com/office/drawing/2014/main" val="609615910"/>
                   </a:ext>
                 </a:extLst>
               </a:tr>
@@ -8048,7 +8041,7 @@
           <p:cNvPr id="4" name="Slide Number Placeholder 3">
             <a:extLst>
               <a:ext uri="{FF2B5EF4-FFF2-40B4-BE49-F238E27FC236}">
-                <a16:creationId xmlns:a16="http://schemas.microsoft.com/office/drawing/2014/main" xmlns="" id="{ACE92B05-9DD6-4E3A-8D54-50ADB6D1B47E}"/>
+                <a16:creationId xmlns="" xmlns:a16="http://schemas.microsoft.com/office/drawing/2014/main" id="{ACE92B05-9DD6-4E3A-8D54-50ADB6D1B47E}"/>
               </a:ext>
             </a:extLst>
           </p:cNvPr>
@@ -8170,7 +8163,7 @@
           <p:cNvPr id="8" name="Content Placeholder 7">
             <a:extLst>
               <a:ext uri="{FF2B5EF4-FFF2-40B4-BE49-F238E27FC236}">
-                <a16:creationId xmlns:a16="http://schemas.microsoft.com/office/drawing/2014/main" xmlns="" id="{F76AE7BA-9641-41C6-852A-429F57CC3422}"/>
+                <a16:creationId xmlns="" xmlns:a16="http://schemas.microsoft.com/office/drawing/2014/main" id="{F76AE7BA-9641-41C6-852A-429F57CC3422}"/>
               </a:ext>
             </a:extLst>
           </p:cNvPr>
@@ -8200,28 +8193,28 @@
                 <a:gridCol w="2103120">
                   <a:extLst>
                     <a:ext uri="{9D8B030D-6E8A-4147-A177-3AD203B41FA5}">
-                      <a16:colId xmlns:a16="http://schemas.microsoft.com/office/drawing/2014/main" xmlns="" val="994740432"/>
+                      <a16:colId xmlns="" xmlns:a16="http://schemas.microsoft.com/office/drawing/2014/main" val="994740432"/>
                     </a:ext>
                   </a:extLst>
                 </a:gridCol>
                 <a:gridCol w="2103120">
                   <a:extLst>
                     <a:ext uri="{9D8B030D-6E8A-4147-A177-3AD203B41FA5}">
-                      <a16:colId xmlns:a16="http://schemas.microsoft.com/office/drawing/2014/main" xmlns="" val="1379236012"/>
+                      <a16:colId xmlns="" xmlns:a16="http://schemas.microsoft.com/office/drawing/2014/main" val="1379236012"/>
                     </a:ext>
                   </a:extLst>
                 </a:gridCol>
                 <a:gridCol w="2103120">
                   <a:extLst>
                     <a:ext uri="{9D8B030D-6E8A-4147-A177-3AD203B41FA5}">
-                      <a16:colId xmlns:a16="http://schemas.microsoft.com/office/drawing/2014/main" xmlns="" val="1221670367"/>
+                      <a16:colId xmlns="" xmlns:a16="http://schemas.microsoft.com/office/drawing/2014/main" val="1221670367"/>
                     </a:ext>
                   </a:extLst>
                 </a:gridCol>
                 <a:gridCol w="2103120">
                   <a:extLst>
                     <a:ext uri="{9D8B030D-6E8A-4147-A177-3AD203B41FA5}">
-                      <a16:colId xmlns:a16="http://schemas.microsoft.com/office/drawing/2014/main" xmlns="" val="2171438027"/>
+                      <a16:colId xmlns="" xmlns:a16="http://schemas.microsoft.com/office/drawing/2014/main" val="2171438027"/>
                     </a:ext>
                   </a:extLst>
                 </a:gridCol>
@@ -8321,7 +8314,7 @@
                 </a:tc>
                 <a:extLst>
                   <a:ext uri="{0D108BD9-81ED-4DB2-BD59-A6C34878D82A}">
-                    <a16:rowId xmlns:a16="http://schemas.microsoft.com/office/drawing/2014/main" xmlns="" val="2195642232"/>
+                    <a16:rowId xmlns="" xmlns:a16="http://schemas.microsoft.com/office/drawing/2014/main" val="2195642232"/>
                   </a:ext>
                 </a:extLst>
               </a:tr>
@@ -8420,7 +8413,7 @@
                 </a:tc>
                 <a:extLst>
                   <a:ext uri="{0D108BD9-81ED-4DB2-BD59-A6C34878D82A}">
-                    <a16:rowId xmlns:a16="http://schemas.microsoft.com/office/drawing/2014/main" xmlns="" val="3895168461"/>
+                    <a16:rowId xmlns="" xmlns:a16="http://schemas.microsoft.com/office/drawing/2014/main" val="3895168461"/>
                   </a:ext>
                 </a:extLst>
               </a:tr>
@@ -8519,7 +8512,7 @@
                 </a:tc>
                 <a:extLst>
                   <a:ext uri="{0D108BD9-81ED-4DB2-BD59-A6C34878D82A}">
-                    <a16:rowId xmlns:a16="http://schemas.microsoft.com/office/drawing/2014/main" xmlns="" val="959653611"/>
+                    <a16:rowId xmlns="" xmlns:a16="http://schemas.microsoft.com/office/drawing/2014/main" val="959653611"/>
                   </a:ext>
                 </a:extLst>
               </a:tr>
@@ -8618,7 +8611,7 @@
                 </a:tc>
                 <a:extLst>
                   <a:ext uri="{0D108BD9-81ED-4DB2-BD59-A6C34878D82A}">
-                    <a16:rowId xmlns:a16="http://schemas.microsoft.com/office/drawing/2014/main" xmlns="" val="2555202794"/>
+                    <a16:rowId xmlns="" xmlns:a16="http://schemas.microsoft.com/office/drawing/2014/main" val="2555202794"/>
                   </a:ext>
                 </a:extLst>
               </a:tr>
@@ -8717,7 +8710,7 @@
                 </a:tc>
                 <a:extLst>
                   <a:ext uri="{0D108BD9-81ED-4DB2-BD59-A6C34878D82A}">
-                    <a16:rowId xmlns:a16="http://schemas.microsoft.com/office/drawing/2014/main" xmlns="" val="2305501086"/>
+                    <a16:rowId xmlns="" xmlns:a16="http://schemas.microsoft.com/office/drawing/2014/main" val="2305501086"/>
                   </a:ext>
                 </a:extLst>
               </a:tr>
@@ -8816,7 +8809,7 @@
                 </a:tc>
                 <a:extLst>
                   <a:ext uri="{0D108BD9-81ED-4DB2-BD59-A6C34878D82A}">
-                    <a16:rowId xmlns:a16="http://schemas.microsoft.com/office/drawing/2014/main" xmlns="" val="3416750826"/>
+                    <a16:rowId xmlns="" xmlns:a16="http://schemas.microsoft.com/office/drawing/2014/main" val="3416750826"/>
                   </a:ext>
                 </a:extLst>
               </a:tr>
@@ -8915,7 +8908,7 @@
                 </a:tc>
                 <a:extLst>
                   <a:ext uri="{0D108BD9-81ED-4DB2-BD59-A6C34878D82A}">
-                    <a16:rowId xmlns:a16="http://schemas.microsoft.com/office/drawing/2014/main" xmlns="" val="576399743"/>
+                    <a16:rowId xmlns="" xmlns:a16="http://schemas.microsoft.com/office/drawing/2014/main" val="576399743"/>
                   </a:ext>
                 </a:extLst>
               </a:tr>
@@ -9014,7 +9007,7 @@
                 </a:tc>
                 <a:extLst>
                   <a:ext uri="{0D108BD9-81ED-4DB2-BD59-A6C34878D82A}">
-                    <a16:rowId xmlns:a16="http://schemas.microsoft.com/office/drawing/2014/main" xmlns="" val="1466000223"/>
+                    <a16:rowId xmlns="" xmlns:a16="http://schemas.microsoft.com/office/drawing/2014/main" val="1466000223"/>
                   </a:ext>
                 </a:extLst>
               </a:tr>
@@ -9113,7 +9106,7 @@
                 </a:tc>
                 <a:extLst>
                   <a:ext uri="{0D108BD9-81ED-4DB2-BD59-A6C34878D82A}">
-                    <a16:rowId xmlns:a16="http://schemas.microsoft.com/office/drawing/2014/main" xmlns="" val="3402542484"/>
+                    <a16:rowId xmlns="" xmlns:a16="http://schemas.microsoft.com/office/drawing/2014/main" val="3402542484"/>
                   </a:ext>
                 </a:extLst>
               </a:tr>
@@ -9212,7 +9205,7 @@
                 </a:tc>
                 <a:extLst>
                   <a:ext uri="{0D108BD9-81ED-4DB2-BD59-A6C34878D82A}">
-                    <a16:rowId xmlns:a16="http://schemas.microsoft.com/office/drawing/2014/main" xmlns="" val="88509442"/>
+                    <a16:rowId xmlns="" xmlns:a16="http://schemas.microsoft.com/office/drawing/2014/main" val="88509442"/>
                   </a:ext>
                 </a:extLst>
               </a:tr>
@@ -9311,7 +9304,7 @@
                 </a:tc>
                 <a:extLst>
                   <a:ext uri="{0D108BD9-81ED-4DB2-BD59-A6C34878D82A}">
-                    <a16:rowId xmlns:a16="http://schemas.microsoft.com/office/drawing/2014/main" xmlns="" val="3892384822"/>
+                    <a16:rowId xmlns="" xmlns:a16="http://schemas.microsoft.com/office/drawing/2014/main" val="3892384822"/>
                   </a:ext>
                 </a:extLst>
               </a:tr>
@@ -9410,7 +9403,7 @@
                 </a:tc>
                 <a:extLst>
                   <a:ext uri="{0D108BD9-81ED-4DB2-BD59-A6C34878D82A}">
-                    <a16:rowId xmlns:a16="http://schemas.microsoft.com/office/drawing/2014/main" xmlns="" val="3597563155"/>
+                    <a16:rowId xmlns="" xmlns:a16="http://schemas.microsoft.com/office/drawing/2014/main" val="3597563155"/>
                   </a:ext>
                 </a:extLst>
               </a:tr>
@@ -9503,7 +9496,7 @@
                 </a:tc>
                 <a:extLst>
                   <a:ext uri="{0D108BD9-81ED-4DB2-BD59-A6C34878D82A}">
-                    <a16:rowId xmlns:a16="http://schemas.microsoft.com/office/drawing/2014/main" xmlns="" val="2781787702"/>
+                    <a16:rowId xmlns="" xmlns:a16="http://schemas.microsoft.com/office/drawing/2014/main" val="2781787702"/>
                   </a:ext>
                 </a:extLst>
               </a:tr>
@@ -9598,126 +9591,126 @@
                 <a:gridCol w="1005840">
                   <a:extLst>
                     <a:ext uri="{9D8B030D-6E8A-4147-A177-3AD203B41FA5}">
-                      <a16:colId xmlns:a16="http://schemas.microsoft.com/office/drawing/2014/main" xmlns="" val="20000"/>
+                      <a16:colId xmlns="" xmlns:a16="http://schemas.microsoft.com/office/drawing/2014/main" val="20000"/>
                     </a:ext>
                   </a:extLst>
                 </a:gridCol>
                 <a:gridCol w="548640">
                   <a:extLst>
                     <a:ext uri="{9D8B030D-6E8A-4147-A177-3AD203B41FA5}">
-                      <a16:colId xmlns:a16="http://schemas.microsoft.com/office/drawing/2014/main" xmlns="" val="20001"/>
+                      <a16:colId xmlns="" xmlns:a16="http://schemas.microsoft.com/office/drawing/2014/main" val="20001"/>
                     </a:ext>
                   </a:extLst>
                 </a:gridCol>
                 <a:gridCol w="469392">
                   <a:extLst>
                     <a:ext uri="{9D8B030D-6E8A-4147-A177-3AD203B41FA5}">
-                      <a16:colId xmlns:a16="http://schemas.microsoft.com/office/drawing/2014/main" xmlns="" val="20002"/>
+                      <a16:colId xmlns="" xmlns:a16="http://schemas.microsoft.com/office/drawing/2014/main" val="20002"/>
                     </a:ext>
                   </a:extLst>
                 </a:gridCol>
                 <a:gridCol w="585216">
                   <a:extLst>
                     <a:ext uri="{9D8B030D-6E8A-4147-A177-3AD203B41FA5}">
-                      <a16:colId xmlns:a16="http://schemas.microsoft.com/office/drawing/2014/main" xmlns="" val="20003"/>
+                      <a16:colId xmlns="" xmlns:a16="http://schemas.microsoft.com/office/drawing/2014/main" val="20003"/>
                     </a:ext>
                   </a:extLst>
                 </a:gridCol>
                 <a:gridCol w="729510">
                   <a:extLst>
                     <a:ext uri="{9D8B030D-6E8A-4147-A177-3AD203B41FA5}">
-                      <a16:colId xmlns:a16="http://schemas.microsoft.com/office/drawing/2014/main" xmlns="" val="20004"/>
+                      <a16:colId xmlns="" xmlns:a16="http://schemas.microsoft.com/office/drawing/2014/main" val="20004"/>
                     </a:ext>
                   </a:extLst>
                 </a:gridCol>
                 <a:gridCol w="549498">
                   <a:extLst>
                     <a:ext uri="{9D8B030D-6E8A-4147-A177-3AD203B41FA5}">
-                      <a16:colId xmlns:a16="http://schemas.microsoft.com/office/drawing/2014/main" xmlns="" val="20005"/>
+                      <a16:colId xmlns="" xmlns:a16="http://schemas.microsoft.com/office/drawing/2014/main" val="20005"/>
                     </a:ext>
                   </a:extLst>
                 </a:gridCol>
                 <a:gridCol w="549498">
                   <a:extLst>
                     <a:ext uri="{9D8B030D-6E8A-4147-A177-3AD203B41FA5}">
-                      <a16:colId xmlns:a16="http://schemas.microsoft.com/office/drawing/2014/main" xmlns="" val="20006"/>
+                      <a16:colId xmlns="" xmlns:a16="http://schemas.microsoft.com/office/drawing/2014/main" val="20006"/>
                     </a:ext>
                   </a:extLst>
                 </a:gridCol>
                 <a:gridCol w="549498">
                   <a:extLst>
                     <a:ext uri="{9D8B030D-6E8A-4147-A177-3AD203B41FA5}">
-                      <a16:colId xmlns:a16="http://schemas.microsoft.com/office/drawing/2014/main" xmlns="" val="20007"/>
+                      <a16:colId xmlns="" xmlns:a16="http://schemas.microsoft.com/office/drawing/2014/main" val="20007"/>
                     </a:ext>
                   </a:extLst>
                 </a:gridCol>
                 <a:gridCol w="549498">
                   <a:extLst>
                     <a:ext uri="{9D8B030D-6E8A-4147-A177-3AD203B41FA5}">
-                      <a16:colId xmlns:a16="http://schemas.microsoft.com/office/drawing/2014/main" xmlns="" val="20008"/>
+                      <a16:colId xmlns="" xmlns:a16="http://schemas.microsoft.com/office/drawing/2014/main" val="20008"/>
                     </a:ext>
                   </a:extLst>
                 </a:gridCol>
                 <a:gridCol w="549498">
                   <a:extLst>
                     <a:ext uri="{9D8B030D-6E8A-4147-A177-3AD203B41FA5}">
-                      <a16:colId xmlns:a16="http://schemas.microsoft.com/office/drawing/2014/main" xmlns="" val="20009"/>
+                      <a16:colId xmlns="" xmlns:a16="http://schemas.microsoft.com/office/drawing/2014/main" val="20009"/>
                     </a:ext>
                   </a:extLst>
                 </a:gridCol>
                 <a:gridCol w="549498">
                   <a:extLst>
                     <a:ext uri="{9D8B030D-6E8A-4147-A177-3AD203B41FA5}">
-                      <a16:colId xmlns:a16="http://schemas.microsoft.com/office/drawing/2014/main" xmlns="" val="20010"/>
+                      <a16:colId xmlns="" xmlns:a16="http://schemas.microsoft.com/office/drawing/2014/main" val="20010"/>
                     </a:ext>
                   </a:extLst>
                 </a:gridCol>
                 <a:gridCol w="549498">
                   <a:extLst>
                     <a:ext uri="{9D8B030D-6E8A-4147-A177-3AD203B41FA5}">
-                      <a16:colId xmlns:a16="http://schemas.microsoft.com/office/drawing/2014/main" xmlns="" val="20011"/>
+                      <a16:colId xmlns="" xmlns:a16="http://schemas.microsoft.com/office/drawing/2014/main" val="20011"/>
                     </a:ext>
                   </a:extLst>
                 </a:gridCol>
                 <a:gridCol w="549498">
                   <a:extLst>
                     <a:ext uri="{9D8B030D-6E8A-4147-A177-3AD203B41FA5}">
-                      <a16:colId xmlns:a16="http://schemas.microsoft.com/office/drawing/2014/main" xmlns="" val="20012"/>
+                      <a16:colId xmlns="" xmlns:a16="http://schemas.microsoft.com/office/drawing/2014/main" val="20012"/>
                     </a:ext>
                   </a:extLst>
                 </a:gridCol>
                 <a:gridCol w="549498">
                   <a:extLst>
                     <a:ext uri="{9D8B030D-6E8A-4147-A177-3AD203B41FA5}">
-                      <a16:colId xmlns:a16="http://schemas.microsoft.com/office/drawing/2014/main" xmlns="" val="20013"/>
+                      <a16:colId xmlns="" xmlns:a16="http://schemas.microsoft.com/office/drawing/2014/main" val="20013"/>
                     </a:ext>
                   </a:extLst>
                 </a:gridCol>
                 <a:gridCol w="549498">
                   <a:extLst>
                     <a:ext uri="{9D8B030D-6E8A-4147-A177-3AD203B41FA5}">
-                      <a16:colId xmlns:a16="http://schemas.microsoft.com/office/drawing/2014/main" xmlns="" val="20014"/>
+                      <a16:colId xmlns="" xmlns:a16="http://schemas.microsoft.com/office/drawing/2014/main" val="20014"/>
                     </a:ext>
                   </a:extLst>
                 </a:gridCol>
                 <a:gridCol w="549498">
                   <a:extLst>
                     <a:ext uri="{9D8B030D-6E8A-4147-A177-3AD203B41FA5}">
-                      <a16:colId xmlns:a16="http://schemas.microsoft.com/office/drawing/2014/main" xmlns="" val="20015"/>
+                      <a16:colId xmlns="" xmlns:a16="http://schemas.microsoft.com/office/drawing/2014/main" val="20015"/>
                     </a:ext>
                   </a:extLst>
                 </a:gridCol>
                 <a:gridCol w="549498">
                   <a:extLst>
                     <a:ext uri="{9D8B030D-6E8A-4147-A177-3AD203B41FA5}">
-                      <a16:colId xmlns:a16="http://schemas.microsoft.com/office/drawing/2014/main" xmlns="" val="20016"/>
+                      <a16:colId xmlns="" xmlns:a16="http://schemas.microsoft.com/office/drawing/2014/main" val="20016"/>
                     </a:ext>
                   </a:extLst>
                 </a:gridCol>
                 <a:gridCol w="549498">
                   <a:extLst>
                     <a:ext uri="{9D8B030D-6E8A-4147-A177-3AD203B41FA5}">
-                      <a16:colId xmlns:a16="http://schemas.microsoft.com/office/drawing/2014/main" xmlns="" val="20017"/>
+                      <a16:colId xmlns="" xmlns:a16="http://schemas.microsoft.com/office/drawing/2014/main" val="20017"/>
                     </a:ext>
                   </a:extLst>
                 </a:gridCol>
@@ -10265,7 +10258,7 @@
                 </a:tc>
                 <a:extLst>
                   <a:ext uri="{0D108BD9-81ED-4DB2-BD59-A6C34878D82A}">
-                    <a16:rowId xmlns:a16="http://schemas.microsoft.com/office/drawing/2014/main" xmlns="" val="10000"/>
+                    <a16:rowId xmlns="" xmlns:a16="http://schemas.microsoft.com/office/drawing/2014/main" val="10000"/>
                   </a:ext>
                 </a:extLst>
               </a:tr>
@@ -10725,7 +10718,7 @@
                 </a:tc>
                 <a:extLst>
                   <a:ext uri="{0D108BD9-81ED-4DB2-BD59-A6C34878D82A}">
-                    <a16:rowId xmlns:a16="http://schemas.microsoft.com/office/drawing/2014/main" xmlns="" val="10001"/>
+                    <a16:rowId xmlns="" xmlns:a16="http://schemas.microsoft.com/office/drawing/2014/main" val="10001"/>
                   </a:ext>
                 </a:extLst>
               </a:tr>
@@ -11185,7 +11178,7 @@
                 </a:tc>
                 <a:extLst>
                   <a:ext uri="{0D108BD9-81ED-4DB2-BD59-A6C34878D82A}">
-                    <a16:rowId xmlns:a16="http://schemas.microsoft.com/office/drawing/2014/main" xmlns="" val="10002"/>
+                    <a16:rowId xmlns="" xmlns:a16="http://schemas.microsoft.com/office/drawing/2014/main" val="10002"/>
                   </a:ext>
                 </a:extLst>
               </a:tr>
@@ -11645,7 +11638,7 @@
                 </a:tc>
                 <a:extLst>
                   <a:ext uri="{0D108BD9-81ED-4DB2-BD59-A6C34878D82A}">
-                    <a16:rowId xmlns:a16="http://schemas.microsoft.com/office/drawing/2014/main" xmlns="" val="10003"/>
+                    <a16:rowId xmlns="" xmlns:a16="http://schemas.microsoft.com/office/drawing/2014/main" val="10003"/>
                   </a:ext>
                 </a:extLst>
               </a:tr>
@@ -12105,7 +12098,7 @@
                 </a:tc>
                 <a:extLst>
                   <a:ext uri="{0D108BD9-81ED-4DB2-BD59-A6C34878D82A}">
-                    <a16:rowId xmlns:a16="http://schemas.microsoft.com/office/drawing/2014/main" xmlns="" val="10004"/>
+                    <a16:rowId xmlns="" xmlns:a16="http://schemas.microsoft.com/office/drawing/2014/main" val="10004"/>
                   </a:ext>
                 </a:extLst>
               </a:tr>
@@ -12565,7 +12558,7 @@
                 </a:tc>
                 <a:extLst>
                   <a:ext uri="{0D108BD9-81ED-4DB2-BD59-A6C34878D82A}">
-                    <a16:rowId xmlns:a16="http://schemas.microsoft.com/office/drawing/2014/main" xmlns="" val="10005"/>
+                    <a16:rowId xmlns="" xmlns:a16="http://schemas.microsoft.com/office/drawing/2014/main" val="10005"/>
                   </a:ext>
                 </a:extLst>
               </a:tr>
@@ -13025,7 +13018,7 @@
                 </a:tc>
                 <a:extLst>
                   <a:ext uri="{0D108BD9-81ED-4DB2-BD59-A6C34878D82A}">
-                    <a16:rowId xmlns:a16="http://schemas.microsoft.com/office/drawing/2014/main" xmlns="" val="10006"/>
+                    <a16:rowId xmlns="" xmlns:a16="http://schemas.microsoft.com/office/drawing/2014/main" val="10006"/>
                   </a:ext>
                 </a:extLst>
               </a:tr>
@@ -13485,7 +13478,7 @@
                 </a:tc>
                 <a:extLst>
                   <a:ext uri="{0D108BD9-81ED-4DB2-BD59-A6C34878D82A}">
-                    <a16:rowId xmlns:a16="http://schemas.microsoft.com/office/drawing/2014/main" xmlns="" val="10007"/>
+                    <a16:rowId xmlns="" xmlns:a16="http://schemas.microsoft.com/office/drawing/2014/main" val="10007"/>
                   </a:ext>
                 </a:extLst>
               </a:tr>
@@ -13945,7 +13938,7 @@
                 </a:tc>
                 <a:extLst>
                   <a:ext uri="{0D108BD9-81ED-4DB2-BD59-A6C34878D82A}">
-                    <a16:rowId xmlns:a16="http://schemas.microsoft.com/office/drawing/2014/main" xmlns="" val="10008"/>
+                    <a16:rowId xmlns="" xmlns:a16="http://schemas.microsoft.com/office/drawing/2014/main" val="10008"/>
                   </a:ext>
                 </a:extLst>
               </a:tr>
@@ -14405,7 +14398,7 @@
                 </a:tc>
                 <a:extLst>
                   <a:ext uri="{0D108BD9-81ED-4DB2-BD59-A6C34878D82A}">
-                    <a16:rowId xmlns:a16="http://schemas.microsoft.com/office/drawing/2014/main" xmlns="" val="10009"/>
+                    <a16:rowId xmlns="" xmlns:a16="http://schemas.microsoft.com/office/drawing/2014/main" val="10009"/>
                   </a:ext>
                 </a:extLst>
               </a:tr>
@@ -14865,7 +14858,7 @@
                 </a:tc>
                 <a:extLst>
                   <a:ext uri="{0D108BD9-81ED-4DB2-BD59-A6C34878D82A}">
-                    <a16:rowId xmlns:a16="http://schemas.microsoft.com/office/drawing/2014/main" xmlns="" val="10010"/>
+                    <a16:rowId xmlns="" xmlns:a16="http://schemas.microsoft.com/office/drawing/2014/main" val="10010"/>
                   </a:ext>
                 </a:extLst>
               </a:tr>
@@ -15325,7 +15318,7 @@
                 </a:tc>
                 <a:extLst>
                   <a:ext uri="{0D108BD9-81ED-4DB2-BD59-A6C34878D82A}">
-                    <a16:rowId xmlns:a16="http://schemas.microsoft.com/office/drawing/2014/main" xmlns="" val="10011"/>
+                    <a16:rowId xmlns="" xmlns:a16="http://schemas.microsoft.com/office/drawing/2014/main" val="10011"/>
                   </a:ext>
                 </a:extLst>
               </a:tr>
@@ -15785,7 +15778,7 @@
                 </a:tc>
                 <a:extLst>
                   <a:ext uri="{0D108BD9-81ED-4DB2-BD59-A6C34878D82A}">
-                    <a16:rowId xmlns:a16="http://schemas.microsoft.com/office/drawing/2014/main" xmlns="" val="10012"/>
+                    <a16:rowId xmlns="" xmlns:a16="http://schemas.microsoft.com/office/drawing/2014/main" val="10012"/>
                   </a:ext>
                 </a:extLst>
               </a:tr>
@@ -16245,7 +16238,7 @@
                 </a:tc>
                 <a:extLst>
                   <a:ext uri="{0D108BD9-81ED-4DB2-BD59-A6C34878D82A}">
-                    <a16:rowId xmlns:a16="http://schemas.microsoft.com/office/drawing/2014/main" xmlns="" val="10013"/>
+                    <a16:rowId xmlns="" xmlns:a16="http://schemas.microsoft.com/office/drawing/2014/main" val="10013"/>
                   </a:ext>
                 </a:extLst>
               </a:tr>
@@ -16280,6 +16273,280 @@
     <p:extLst>
       <p:ext uri="{BB962C8B-B14F-4D97-AF65-F5344CB8AC3E}">
         <p14:creationId xmlns:p14="http://schemas.microsoft.com/office/powerpoint/2010/main" val="3510790951"/>
+      </p:ext>
+    </p:extLst>
+  </p:cSld>
+  <p:clrMapOvr>
+    <a:masterClrMapping/>
+  </p:clrMapOvr>
+</p:sld>
+</file>
+
+<file path=ppt/slides/slide15.xml><?xml version="1.0" encoding="utf-8"?>
+<p:sld xmlns:a="http://schemas.openxmlformats.org/drawingml/2006/main" xmlns:r="http://schemas.openxmlformats.org/officeDocument/2006/relationships" xmlns:p="http://schemas.openxmlformats.org/presentationml/2006/main">
+  <p:cSld>
+    <p:spTree>
+      <p:nvGrpSpPr>
+        <p:cNvPr id="1" name=""/>
+        <p:cNvGrpSpPr/>
+        <p:nvPr/>
+      </p:nvGrpSpPr>
+      <p:grpSpPr>
+        <a:xfrm>
+          <a:off x="0" y="0"/>
+          <a:ext cx="0" cy="0"/>
+          <a:chOff x="0" y="0"/>
+          <a:chExt cx="0" cy="0"/>
+        </a:xfrm>
+      </p:grpSpPr>
+      <p:sp>
+        <p:nvSpPr>
+          <p:cNvPr id="2" name="Title 1"/>
+          <p:cNvSpPr>
+            <a:spLocks noGrp="1"/>
+          </p:cNvSpPr>
+          <p:nvPr>
+            <p:ph type="title"/>
+          </p:nvPr>
+        </p:nvSpPr>
+        <p:spPr/>
+        <p:txBody>
+          <a:bodyPr/>
+          <a:lstStyle/>
+          <a:p>
+            <a:pPr algn="ctr"/>
+            <a:r>
+              <a:rPr lang="en-GB" dirty="0" smtClean="0"/>
+              <a:t>12:57146069_G_T is rs2277339!!!</a:t>
+            </a:r>
+            <a:endParaRPr lang="en-GB" dirty="0"/>
+          </a:p>
+        </p:txBody>
+      </p:sp>
+      <p:sp>
+        <p:nvSpPr>
+          <p:cNvPr id="3" name="Content Placeholder 2"/>
+          <p:cNvSpPr>
+            <a:spLocks noGrp="1"/>
+          </p:cNvSpPr>
+          <p:nvPr>
+            <p:ph idx="1"/>
+          </p:nvPr>
+        </p:nvSpPr>
+        <p:spPr/>
+        <p:txBody>
+          <a:bodyPr/>
+          <a:lstStyle/>
+          <a:p>
+            <a:r>
+              <a:rPr lang="en-GB" dirty="0" smtClean="0"/>
+              <a:t>Results </a:t>
+            </a:r>
+            <a:r>
+              <a:rPr lang="en-GB" dirty="0"/>
+              <a:t>from HRC panel </a:t>
+            </a:r>
+            <a:r>
+              <a:rPr lang="en-GB" dirty="0" smtClean="0"/>
+              <a:t>are promising but 1KG phase III reference panel is sufficient.</a:t>
+            </a:r>
+          </a:p>
+          <a:p>
+            <a:r>
+              <a:rPr lang="en-GB" b="1" dirty="0"/>
+              <a:t>GCTA</a:t>
+            </a:r>
+            <a:r>
+              <a:rPr lang="en-GB" dirty="0"/>
+              <a:t> </a:t>
+            </a:r>
+            <a:endParaRPr lang="en-GB" dirty="0" smtClean="0"/>
+          </a:p>
+          <a:p>
+            <a:r>
+              <a:rPr lang="en-GB" dirty="0" err="1" smtClean="0"/>
+              <a:t>Chr</a:t>
+            </a:r>
+            <a:r>
+              <a:rPr lang="en-GB" dirty="0" smtClean="0"/>
+              <a:t> </a:t>
+            </a:r>
+            <a:r>
+              <a:rPr lang="en-GB" dirty="0"/>
+              <a:t>SNP </a:t>
+            </a:r>
+            <a:r>
+              <a:rPr lang="en-GB" dirty="0" err="1"/>
+              <a:t>bp</a:t>
+            </a:r>
+            <a:r>
+              <a:rPr lang="en-GB" dirty="0"/>
+              <a:t> </a:t>
+            </a:r>
+            <a:r>
+              <a:rPr lang="en-GB" dirty="0" err="1"/>
+              <a:t>refA</a:t>
+            </a:r>
+            <a:r>
+              <a:rPr lang="en-GB" dirty="0"/>
+              <a:t> </a:t>
+            </a:r>
+            <a:r>
+              <a:rPr lang="en-GB" dirty="0" err="1"/>
+              <a:t>freq</a:t>
+            </a:r>
+            <a:r>
+              <a:rPr lang="en-GB" dirty="0"/>
+              <a:t> b se p n </a:t>
+            </a:r>
+            <a:r>
+              <a:rPr lang="en-GB" dirty="0" err="1"/>
+              <a:t>freq_geno</a:t>
+            </a:r>
+            <a:r>
+              <a:rPr lang="en-GB" dirty="0"/>
+              <a:t> </a:t>
+            </a:r>
+            <a:r>
+              <a:rPr lang="en-GB" dirty="0" err="1"/>
+              <a:t>bJ</a:t>
+            </a:r>
+            <a:r>
+              <a:rPr lang="en-GB" dirty="0"/>
+              <a:t> </a:t>
+            </a:r>
+            <a:r>
+              <a:rPr lang="en-GB" dirty="0" err="1"/>
+              <a:t>bJ_se</a:t>
+            </a:r>
+            <a:r>
+              <a:rPr lang="en-GB" dirty="0"/>
+              <a:t> </a:t>
+            </a:r>
+            <a:r>
+              <a:rPr lang="en-GB" dirty="0" err="1"/>
+              <a:t>pJ</a:t>
+            </a:r>
+            <a:r>
+              <a:rPr lang="en-GB" dirty="0"/>
+              <a:t> </a:t>
+            </a:r>
+            <a:r>
+              <a:rPr lang="en-GB" dirty="0" err="1"/>
+              <a:t>LD_r</a:t>
+            </a:r>
+            <a:endParaRPr lang="en-GB" dirty="0"/>
+          </a:p>
+          <a:p>
+            <a:r>
+              <a:rPr lang="en-GB" dirty="0"/>
+              <a:t>12 12:57146069_G_T 57146069 T 0.8889 0.3242 0.034 1.416e-21 66329.1 0.886503 </a:t>
+            </a:r>
+            <a:r>
+              <a:rPr lang="en-GB" dirty="0" smtClean="0"/>
+              <a:t>0.3242 0.034023 </a:t>
+            </a:r>
+            <a:r>
+              <a:rPr lang="en-GB" dirty="0"/>
+              <a:t>1.59055e-21 0</a:t>
+            </a:r>
+          </a:p>
+          <a:p>
+            <a:r>
+              <a:rPr lang="en-GB" dirty="0" smtClean="0"/>
+              <a:t>J</a:t>
+            </a:r>
+            <a:r>
+              <a:rPr lang="en-GB" b="1" dirty="0" smtClean="0"/>
+              <a:t>AM</a:t>
+            </a:r>
+            <a:r>
+              <a:rPr lang="en-GB" dirty="0" smtClean="0"/>
+              <a:t>.  BF=29391.4444, top model has </a:t>
+            </a:r>
+            <a:r>
+              <a:rPr lang="en-GB" dirty="0"/>
+              <a:t>posterior </a:t>
+            </a:r>
+            <a:r>
+              <a:rPr lang="en-GB" dirty="0" smtClean="0"/>
+              <a:t>probability=0.8486.</a:t>
+            </a:r>
+          </a:p>
+          <a:p>
+            <a:r>
+              <a:rPr lang="en-GB" b="1" dirty="0" err="1" smtClean="0"/>
+              <a:t>finemap</a:t>
+            </a:r>
+            <a:r>
+              <a:rPr lang="en-GB" b="1" dirty="0" smtClean="0"/>
+              <a:t>.</a:t>
+            </a:r>
+            <a:r>
+              <a:rPr lang="en-GB" dirty="0" smtClean="0"/>
+              <a:t> </a:t>
+            </a:r>
+            <a:r>
+              <a:rPr lang="en-GB" dirty="0" err="1" smtClean="0"/>
+              <a:t>snp_prob</a:t>
+            </a:r>
+            <a:r>
+              <a:rPr lang="en-GB" dirty="0"/>
+              <a:t>=1, </a:t>
+            </a:r>
+            <a:r>
+              <a:rPr lang="en-GB" dirty="0" smtClean="0"/>
+              <a:t>snp_log10bf=8.4214, </a:t>
+            </a:r>
+            <a:r>
+              <a:rPr lang="en-GB" dirty="0" err="1" smtClean="0"/>
+              <a:t>config_prob</a:t>
+            </a:r>
+            <a:r>
+              <a:rPr lang="en-GB" dirty="0"/>
+              <a:t>=0.8672335, </a:t>
+            </a:r>
+            <a:r>
+              <a:rPr lang="en-GB" dirty="0" smtClean="0"/>
+              <a:t>config_log10bf=18.50581.</a:t>
+            </a:r>
+            <a:endParaRPr lang="en-GB" dirty="0"/>
+          </a:p>
+          <a:p>
+            <a:endParaRPr lang="en-GB" dirty="0"/>
+          </a:p>
+          <a:p>
+            <a:endParaRPr lang="en-GB" dirty="0"/>
+          </a:p>
+        </p:txBody>
+      </p:sp>
+      <p:sp>
+        <p:nvSpPr>
+          <p:cNvPr id="4" name="Slide Number Placeholder 3"/>
+          <p:cNvSpPr>
+            <a:spLocks noGrp="1"/>
+          </p:cNvSpPr>
+          <p:nvPr>
+            <p:ph type="sldNum" sz="quarter" idx="12"/>
+          </p:nvPr>
+        </p:nvSpPr>
+        <p:spPr/>
+        <p:txBody>
+          <a:bodyPr/>
+          <a:lstStyle/>
+          <a:p>
+            <a:fld id="{1FB4BD47-2A83-4A56-970D-480688504C1B}" type="slidenum">
+              <a:rPr lang="en-GB" smtClean="0"/>
+              <a:t>15</a:t>
+            </a:fld>
+            <a:endParaRPr lang="en-GB"/>
+          </a:p>
+        </p:txBody>
+      </p:sp>
+    </p:spTree>
+    <p:extLst>
+      <p:ext uri="{BB962C8B-B14F-4D97-AF65-F5344CB8AC3E}">
+        <p14:creationId xmlns:p14="http://schemas.microsoft.com/office/powerpoint/2010/main" val="1829499548"/>
       </p:ext>
     </p:extLst>
   </p:cSld>
@@ -16675,35 +16942,35 @@
                 <a:gridCol w="2103120">
                   <a:extLst>
                     <a:ext uri="{9D8B030D-6E8A-4147-A177-3AD203B41FA5}">
-                      <a16:colId xmlns:a16="http://schemas.microsoft.com/office/drawing/2014/main" xmlns="" val="2178192700"/>
+                      <a16:colId xmlns="" xmlns:a16="http://schemas.microsoft.com/office/drawing/2014/main" val="2178192700"/>
                     </a:ext>
                   </a:extLst>
                 </a:gridCol>
                 <a:gridCol w="2103120">
                   <a:extLst>
                     <a:ext uri="{9D8B030D-6E8A-4147-A177-3AD203B41FA5}">
-                      <a16:colId xmlns:a16="http://schemas.microsoft.com/office/drawing/2014/main" xmlns="" val="331999573"/>
+                      <a16:colId xmlns="" xmlns:a16="http://schemas.microsoft.com/office/drawing/2014/main" val="331999573"/>
                     </a:ext>
                   </a:extLst>
                 </a:gridCol>
                 <a:gridCol w="2103120">
                   <a:extLst>
                     <a:ext uri="{9D8B030D-6E8A-4147-A177-3AD203B41FA5}">
-                      <a16:colId xmlns:a16="http://schemas.microsoft.com/office/drawing/2014/main" xmlns="" val="3597132808"/>
+                      <a16:colId xmlns="" xmlns:a16="http://schemas.microsoft.com/office/drawing/2014/main" val="3597132808"/>
                     </a:ext>
                   </a:extLst>
                 </a:gridCol>
                 <a:gridCol w="2103120">
                   <a:extLst>
                     <a:ext uri="{9D8B030D-6E8A-4147-A177-3AD203B41FA5}">
-                      <a16:colId xmlns:a16="http://schemas.microsoft.com/office/drawing/2014/main" xmlns="" val="596877116"/>
+                      <a16:colId xmlns="" xmlns:a16="http://schemas.microsoft.com/office/drawing/2014/main" val="596877116"/>
                     </a:ext>
                   </a:extLst>
                 </a:gridCol>
                 <a:gridCol w="2103120">
                   <a:extLst>
                     <a:ext uri="{9D8B030D-6E8A-4147-A177-3AD203B41FA5}">
-                      <a16:colId xmlns:a16="http://schemas.microsoft.com/office/drawing/2014/main" xmlns="" val="1778616611"/>
+                      <a16:colId xmlns="" xmlns:a16="http://schemas.microsoft.com/office/drawing/2014/main" val="1778616611"/>
                     </a:ext>
                   </a:extLst>
                 </a:gridCol>
@@ -16871,7 +17138,7 @@
                 </a:tc>
                 <a:extLst>
                   <a:ext uri="{0D108BD9-81ED-4DB2-BD59-A6C34878D82A}">
-                    <a16:rowId xmlns:a16="http://schemas.microsoft.com/office/drawing/2014/main" xmlns="" val="2548993085"/>
+                    <a16:rowId xmlns="" xmlns:a16="http://schemas.microsoft.com/office/drawing/2014/main" val="2548993085"/>
                   </a:ext>
                 </a:extLst>
               </a:tr>
@@ -17038,7 +17305,7 @@
                 </a:tc>
                 <a:extLst>
                   <a:ext uri="{0D108BD9-81ED-4DB2-BD59-A6C34878D82A}">
-                    <a16:rowId xmlns:a16="http://schemas.microsoft.com/office/drawing/2014/main" xmlns="" val="3696918108"/>
+                    <a16:rowId xmlns="" xmlns:a16="http://schemas.microsoft.com/office/drawing/2014/main" val="3696918108"/>
                   </a:ext>
                 </a:extLst>
               </a:tr>
@@ -17205,7 +17472,7 @@
                 </a:tc>
                 <a:extLst>
                   <a:ext uri="{0D108BD9-81ED-4DB2-BD59-A6C34878D82A}">
-                    <a16:rowId xmlns:a16="http://schemas.microsoft.com/office/drawing/2014/main" xmlns="" val="739848613"/>
+                    <a16:rowId xmlns="" xmlns:a16="http://schemas.microsoft.com/office/drawing/2014/main" val="739848613"/>
                   </a:ext>
                 </a:extLst>
               </a:tr>
@@ -17372,7 +17639,7 @@
                 </a:tc>
                 <a:extLst>
                   <a:ext uri="{0D108BD9-81ED-4DB2-BD59-A6C34878D82A}">
-                    <a16:rowId xmlns:a16="http://schemas.microsoft.com/office/drawing/2014/main" xmlns="" val="3862531879"/>
+                    <a16:rowId xmlns="" xmlns:a16="http://schemas.microsoft.com/office/drawing/2014/main" val="3862531879"/>
                   </a:ext>
                 </a:extLst>
               </a:tr>
@@ -17539,7 +17806,7 @@
                 </a:tc>
                 <a:extLst>
                   <a:ext uri="{0D108BD9-81ED-4DB2-BD59-A6C34878D82A}">
-                    <a16:rowId xmlns:a16="http://schemas.microsoft.com/office/drawing/2014/main" xmlns="" val="107777099"/>
+                    <a16:rowId xmlns="" xmlns:a16="http://schemas.microsoft.com/office/drawing/2014/main" val="107777099"/>
                   </a:ext>
                 </a:extLst>
               </a:tr>
@@ -17706,7 +17973,7 @@
                 </a:tc>
                 <a:extLst>
                   <a:ext uri="{0D108BD9-81ED-4DB2-BD59-A6C34878D82A}">
-                    <a16:rowId xmlns:a16="http://schemas.microsoft.com/office/drawing/2014/main" xmlns="" val="4196587497"/>
+                    <a16:rowId xmlns="" xmlns:a16="http://schemas.microsoft.com/office/drawing/2014/main" val="4196587497"/>
                   </a:ext>
                 </a:extLst>
               </a:tr>
@@ -17873,7 +18140,7 @@
                 </a:tc>
                 <a:extLst>
                   <a:ext uri="{0D108BD9-81ED-4DB2-BD59-A6C34878D82A}">
-                    <a16:rowId xmlns:a16="http://schemas.microsoft.com/office/drawing/2014/main" xmlns="" val="3973535048"/>
+                    <a16:rowId xmlns="" xmlns:a16="http://schemas.microsoft.com/office/drawing/2014/main" val="3973535048"/>
                   </a:ext>
                 </a:extLst>
               </a:tr>
@@ -18034,7 +18301,7 @@
                 </a:tc>
                 <a:extLst>
                   <a:ext uri="{0D108BD9-81ED-4DB2-BD59-A6C34878D82A}">
-                    <a16:rowId xmlns:a16="http://schemas.microsoft.com/office/drawing/2014/main" xmlns="" val="4184079262"/>
+                    <a16:rowId xmlns="" xmlns:a16="http://schemas.microsoft.com/office/drawing/2014/main" val="4184079262"/>
                   </a:ext>
                 </a:extLst>
               </a:tr>
@@ -18201,7 +18468,7 @@
                 </a:tc>
                 <a:extLst>
                   <a:ext uri="{0D108BD9-81ED-4DB2-BD59-A6C34878D82A}">
-                    <a16:rowId xmlns:a16="http://schemas.microsoft.com/office/drawing/2014/main" xmlns="" val="1549009875"/>
+                    <a16:rowId xmlns="" xmlns:a16="http://schemas.microsoft.com/office/drawing/2014/main" val="1549009875"/>
                   </a:ext>
                 </a:extLst>
               </a:tr>
@@ -18988,63 +19255,63 @@
                 <a:gridCol w="586328">
                   <a:extLst>
                     <a:ext uri="{9D8B030D-6E8A-4147-A177-3AD203B41FA5}">
-                      <a16:colId xmlns:a16="http://schemas.microsoft.com/office/drawing/2014/main" xmlns="" val="1953549286"/>
+                      <a16:colId xmlns="" xmlns:a16="http://schemas.microsoft.com/office/drawing/2014/main" val="1953549286"/>
                     </a:ext>
                   </a:extLst>
                 </a:gridCol>
                 <a:gridCol w="1441911">
                   <a:extLst>
                     <a:ext uri="{9D8B030D-6E8A-4147-A177-3AD203B41FA5}">
-                      <a16:colId xmlns:a16="http://schemas.microsoft.com/office/drawing/2014/main" xmlns="" val="2286925942"/>
+                      <a16:colId xmlns="" xmlns:a16="http://schemas.microsoft.com/office/drawing/2014/main" val="2286925942"/>
                     </a:ext>
                   </a:extLst>
                 </a:gridCol>
                 <a:gridCol w="592568">
                   <a:extLst>
                     <a:ext uri="{9D8B030D-6E8A-4147-A177-3AD203B41FA5}">
-                      <a16:colId xmlns:a16="http://schemas.microsoft.com/office/drawing/2014/main" xmlns="" val="2240166967"/>
+                      <a16:colId xmlns="" xmlns:a16="http://schemas.microsoft.com/office/drawing/2014/main" val="2240166967"/>
                     </a:ext>
                   </a:extLst>
                 </a:gridCol>
                 <a:gridCol w="592568">
                   <a:extLst>
                     <a:ext uri="{9D8B030D-6E8A-4147-A177-3AD203B41FA5}">
-                      <a16:colId xmlns:a16="http://schemas.microsoft.com/office/drawing/2014/main" xmlns="" val="3084119439"/>
+                      <a16:colId xmlns="" xmlns:a16="http://schemas.microsoft.com/office/drawing/2014/main" val="3084119439"/>
                     </a:ext>
                   </a:extLst>
                 </a:gridCol>
                 <a:gridCol w="1035431">
                   <a:extLst>
                     <a:ext uri="{9D8B030D-6E8A-4147-A177-3AD203B41FA5}">
-                      <a16:colId xmlns:a16="http://schemas.microsoft.com/office/drawing/2014/main" xmlns="" val="2439947825"/>
+                      <a16:colId xmlns="" xmlns:a16="http://schemas.microsoft.com/office/drawing/2014/main" val="2439947825"/>
                     </a:ext>
                   </a:extLst>
                 </a:gridCol>
                 <a:gridCol w="1183054">
                   <a:extLst>
                     <a:ext uri="{9D8B030D-6E8A-4147-A177-3AD203B41FA5}">
-                      <a16:colId xmlns:a16="http://schemas.microsoft.com/office/drawing/2014/main" xmlns="" val="756702285"/>
+                      <a16:colId xmlns="" xmlns:a16="http://schemas.microsoft.com/office/drawing/2014/main" val="756702285"/>
                     </a:ext>
                   </a:extLst>
                 </a:gridCol>
                 <a:gridCol w="1035431">
                   <a:extLst>
                     <a:ext uri="{9D8B030D-6E8A-4147-A177-3AD203B41FA5}">
-                      <a16:colId xmlns:a16="http://schemas.microsoft.com/office/drawing/2014/main" xmlns="" val="52909403"/>
+                      <a16:colId xmlns="" xmlns:a16="http://schemas.microsoft.com/office/drawing/2014/main" val="52909403"/>
                     </a:ext>
                   </a:extLst>
                 </a:gridCol>
                 <a:gridCol w="2104131">
                   <a:extLst>
                     <a:ext uri="{9D8B030D-6E8A-4147-A177-3AD203B41FA5}">
-                      <a16:colId xmlns:a16="http://schemas.microsoft.com/office/drawing/2014/main" xmlns="" val="3498582246"/>
+                      <a16:colId xmlns="" xmlns:a16="http://schemas.microsoft.com/office/drawing/2014/main" val="3498582246"/>
                     </a:ext>
                   </a:extLst>
                 </a:gridCol>
                 <a:gridCol w="1042710">
                   <a:extLst>
                     <a:ext uri="{9D8B030D-6E8A-4147-A177-3AD203B41FA5}">
-                      <a16:colId xmlns:a16="http://schemas.microsoft.com/office/drawing/2014/main" xmlns="" val="2633740206"/>
+                      <a16:colId xmlns="" xmlns:a16="http://schemas.microsoft.com/office/drawing/2014/main" val="2633740206"/>
                     </a:ext>
                   </a:extLst>
                 </a:gridCol>
@@ -19313,7 +19580,7 @@
                 </a:tc>
                 <a:extLst>
                   <a:ext uri="{0D108BD9-81ED-4DB2-BD59-A6C34878D82A}">
-                    <a16:rowId xmlns:a16="http://schemas.microsoft.com/office/drawing/2014/main" xmlns="" val="4035685168"/>
+                    <a16:rowId xmlns="" xmlns:a16="http://schemas.microsoft.com/office/drawing/2014/main" val="4035685168"/>
                   </a:ext>
                 </a:extLst>
               </a:tr>
@@ -19581,7 +19848,7 @@
                 </a:tc>
                 <a:extLst>
                   <a:ext uri="{0D108BD9-81ED-4DB2-BD59-A6C34878D82A}">
-                    <a16:rowId xmlns:a16="http://schemas.microsoft.com/office/drawing/2014/main" xmlns="" val="3486077057"/>
+                    <a16:rowId xmlns="" xmlns:a16="http://schemas.microsoft.com/office/drawing/2014/main" val="3486077057"/>
                   </a:ext>
                 </a:extLst>
               </a:tr>
@@ -19996,7 +20263,7 @@
   <a:extraClrSchemeLst/>
   <a:extLst>
     <a:ext uri="{05A4C25C-085E-4340-85A3-A5531E510DB2}">
-      <thm15:themeFamily xmlns:thm15="http://schemas.microsoft.com/office/thememl/2012/main" xmlns="" name="Office Theme" id="{62F939B6-93AF-4DB8-9C6B-D6C7DFDC589F}" vid="{4A3C46E8-61CC-4603-A589-7422A47A8E4A}"/>
+      <thm15:themeFamily xmlns="" xmlns:thm15="http://schemas.microsoft.com/office/thememl/2012/main" name="Office Theme" id="{62F939B6-93AF-4DB8-9C6B-D6C7DFDC589F}" vid="{4A3C46E8-61CC-4603-A589-7422A47A8E4A}"/>
     </a:ext>
   </a:extLst>
 </a:theme>
@@ -20257,7 +20524,7 @@
   <a:extraClrSchemeLst/>
   <a:extLst>
     <a:ext uri="{05A4C25C-085E-4340-85A3-A5531E510DB2}">
-      <thm15:themeFamily xmlns:thm15="http://schemas.microsoft.com/office/thememl/2012/main" xmlns="" name="Office Theme" id="{62F939B6-93AF-4DB8-9C6B-D6C7DFDC589F}" vid="{4A3C46E8-61CC-4603-A589-7422A47A8E4A}"/>
+      <thm15:themeFamily xmlns="" xmlns:thm15="http://schemas.microsoft.com/office/thememl/2012/main" name="Office Theme" id="{62F939B6-93AF-4DB8-9C6B-D6C7DFDC589F}" vid="{4A3C46E8-61CC-4603-A589-7422A47A8E4A}"/>
     </a:ext>
   </a:extLst>
 </a:theme>

--- a/README.pptx
+++ b/README.pptx
@@ -123,7 +123,7 @@
   </p:defaultTextStyle>
   <p:extLst>
     <p:ext uri="{EFAFB233-063F-42B5-8137-9DF3F51BA10A}">
-      <p15:sldGuideLst xmlns="" xmlns:p15="http://schemas.microsoft.com/office/powerpoint/2012/main">
+      <p15:sldGuideLst xmlns:p15="http://schemas.microsoft.com/office/powerpoint/2012/main">
         <p15:guide id="1" orient="horz" pos="2160">
           <p15:clr>
             <a:srgbClr val="A4A3A4"/>
@@ -226,7 +226,7 @@
           <a:p>
             <a:fld id="{D8E1BCEB-95D3-4EFD-86D1-B7273A2C9AA7}" type="datetimeFigureOut">
               <a:rPr lang="en-GB" smtClean="0"/>
-              <a:t>06/01/2018</a:t>
+              <a:t>07/01/2018</a:t>
             </a:fld>
             <a:endParaRPr lang="en-GB"/>
           </a:p>
@@ -625,7 +625,7 @@
           <a:p>
             <a:fld id="{46A11D63-751A-4160-9674-6D89583F14AA}" type="datetime1">
               <a:rPr lang="en-GB" smtClean="0"/>
-              <a:t>06/01/2018</a:t>
+              <a:t>07/01/2018</a:t>
             </a:fld>
             <a:endParaRPr lang="en-GB"/>
           </a:p>
@@ -795,7 +795,7 @@
           <a:p>
             <a:fld id="{40222BF2-8BEE-43D4-A3FD-4D9AC2D4F4A1}" type="datetime1">
               <a:rPr lang="en-GB" smtClean="0"/>
-              <a:t>06/01/2018</a:t>
+              <a:t>07/01/2018</a:t>
             </a:fld>
             <a:endParaRPr lang="en-GB"/>
           </a:p>
@@ -975,7 +975,7 @@
           <a:p>
             <a:fld id="{63464878-EBE0-4308-880D-82C7BA4196A6}" type="datetime1">
               <a:rPr lang="en-GB" smtClean="0"/>
-              <a:t>06/01/2018</a:t>
+              <a:t>07/01/2018</a:t>
             </a:fld>
             <a:endParaRPr lang="en-GB"/>
           </a:p>
@@ -1145,7 +1145,7 @@
           <a:p>
             <a:fld id="{13D71E82-E9F6-46B7-8FEE-5CEF9D0A6612}" type="datetime1">
               <a:rPr lang="en-GB" smtClean="0"/>
-              <a:t>06/01/2018</a:t>
+              <a:t>07/01/2018</a:t>
             </a:fld>
             <a:endParaRPr lang="en-GB"/>
           </a:p>
@@ -1391,7 +1391,7 @@
           <a:p>
             <a:fld id="{525A8D82-D974-46E7-B0F8-18C08BB8D6AC}" type="datetime1">
               <a:rPr lang="en-GB" smtClean="0"/>
-              <a:t>06/01/2018</a:t>
+              <a:t>07/01/2018</a:t>
             </a:fld>
             <a:endParaRPr lang="en-GB"/>
           </a:p>
@@ -1623,7 +1623,7 @@
           <a:p>
             <a:fld id="{A89DE6F5-0C87-43EB-9FD6-E791B16E2E9E}" type="datetime1">
               <a:rPr lang="en-GB" smtClean="0"/>
-              <a:t>06/01/2018</a:t>
+              <a:t>07/01/2018</a:t>
             </a:fld>
             <a:endParaRPr lang="en-GB"/>
           </a:p>
@@ -1990,7 +1990,7 @@
           <a:p>
             <a:fld id="{BFE225AE-CFE0-4CD2-AD67-0F6D13028016}" type="datetime1">
               <a:rPr lang="en-GB" smtClean="0"/>
-              <a:t>06/01/2018</a:t>
+              <a:t>07/01/2018</a:t>
             </a:fld>
             <a:endParaRPr lang="en-GB"/>
           </a:p>
@@ -2108,7 +2108,7 @@
           <a:p>
             <a:fld id="{10703468-266B-4F64-96D3-C6F5BEE183C8}" type="datetime1">
               <a:rPr lang="en-GB" smtClean="0"/>
-              <a:t>06/01/2018</a:t>
+              <a:t>07/01/2018</a:t>
             </a:fld>
             <a:endParaRPr lang="en-GB"/>
           </a:p>
@@ -2203,7 +2203,7 @@
           <a:p>
             <a:fld id="{59ED84D4-2441-4E10-8ED7-DF4548D47C4C}" type="datetime1">
               <a:rPr lang="en-GB" smtClean="0"/>
-              <a:t>06/01/2018</a:t>
+              <a:t>07/01/2018</a:t>
             </a:fld>
             <a:endParaRPr lang="en-GB"/>
           </a:p>
@@ -2480,7 +2480,7 @@
           <a:p>
             <a:fld id="{1941039E-F281-4AC7-9DCD-3ED8D73B1DA8}" type="datetime1">
               <a:rPr lang="en-GB" smtClean="0"/>
-              <a:t>06/01/2018</a:t>
+              <a:t>07/01/2018</a:t>
             </a:fld>
             <a:endParaRPr lang="en-GB"/>
           </a:p>
@@ -2737,7 +2737,7 @@
           <a:p>
             <a:fld id="{D6539346-4B3E-4B82-A0E3-265453D0144F}" type="datetime1">
               <a:rPr lang="en-GB" smtClean="0"/>
-              <a:t>06/01/2018</a:t>
+              <a:t>07/01/2018</a:t>
             </a:fld>
             <a:endParaRPr lang="en-GB"/>
           </a:p>
@@ -2950,7 +2950,7 @@
           <a:p>
             <a:fld id="{193B3B13-5148-43FB-80F2-1120B7E3127D}" type="datetime1">
               <a:rPr lang="en-GB" smtClean="0"/>
-              <a:t>06/01/2018</a:t>
+              <a:t>07/01/2018</a:t>
             </a:fld>
             <a:endParaRPr lang="en-GB"/>
           </a:p>
@@ -3564,98 +3564,98 @@
                 <a:gridCol w="401664">
                   <a:extLst>
                     <a:ext uri="{9D8B030D-6E8A-4147-A177-3AD203B41FA5}">
-                      <a16:colId xmlns="" xmlns:a16="http://schemas.microsoft.com/office/drawing/2014/main" val="20000"/>
+                      <a16:colId xmlns:a16="http://schemas.microsoft.com/office/drawing/2014/main" val="20000"/>
                     </a:ext>
                   </a:extLst>
                 </a:gridCol>
                 <a:gridCol w="1286360">
                   <a:extLst>
                     <a:ext uri="{9D8B030D-6E8A-4147-A177-3AD203B41FA5}">
-                      <a16:colId xmlns="" xmlns:a16="http://schemas.microsoft.com/office/drawing/2014/main" val="20001"/>
+                      <a16:colId xmlns:a16="http://schemas.microsoft.com/office/drawing/2014/main" val="20001"/>
                     </a:ext>
                   </a:extLst>
                 </a:gridCol>
                 <a:gridCol w="743918">
                   <a:extLst>
                     <a:ext uri="{9D8B030D-6E8A-4147-A177-3AD203B41FA5}">
-                      <a16:colId xmlns="" xmlns:a16="http://schemas.microsoft.com/office/drawing/2014/main" val="20002"/>
+                      <a16:colId xmlns:a16="http://schemas.microsoft.com/office/drawing/2014/main" val="20002"/>
                     </a:ext>
                   </a:extLst>
                 </a:gridCol>
                 <a:gridCol w="572514">
                   <a:extLst>
                     <a:ext uri="{9D8B030D-6E8A-4147-A177-3AD203B41FA5}">
-                      <a16:colId xmlns="" xmlns:a16="http://schemas.microsoft.com/office/drawing/2014/main" val="20003"/>
+                      <a16:colId xmlns:a16="http://schemas.microsoft.com/office/drawing/2014/main" val="20003"/>
                     </a:ext>
                   </a:extLst>
                 </a:gridCol>
                 <a:gridCol w="751114">
                   <a:extLst>
                     <a:ext uri="{9D8B030D-6E8A-4147-A177-3AD203B41FA5}">
-                      <a16:colId xmlns="" xmlns:a16="http://schemas.microsoft.com/office/drawing/2014/main" val="20004"/>
+                      <a16:colId xmlns:a16="http://schemas.microsoft.com/office/drawing/2014/main" val="20004"/>
                     </a:ext>
                   </a:extLst>
                 </a:gridCol>
                 <a:gridCol w="751114">
                   <a:extLst>
                     <a:ext uri="{9D8B030D-6E8A-4147-A177-3AD203B41FA5}">
-                      <a16:colId xmlns="" xmlns:a16="http://schemas.microsoft.com/office/drawing/2014/main" val="20005"/>
+                      <a16:colId xmlns:a16="http://schemas.microsoft.com/office/drawing/2014/main" val="20005"/>
                     </a:ext>
                   </a:extLst>
                 </a:gridCol>
                 <a:gridCol w="751114">
                   <a:extLst>
                     <a:ext uri="{9D8B030D-6E8A-4147-A177-3AD203B41FA5}">
-                      <a16:colId xmlns="" xmlns:a16="http://schemas.microsoft.com/office/drawing/2014/main" val="20006"/>
+                      <a16:colId xmlns:a16="http://schemas.microsoft.com/office/drawing/2014/main" val="20006"/>
                     </a:ext>
                   </a:extLst>
                 </a:gridCol>
                 <a:gridCol w="751114">
                   <a:extLst>
                     <a:ext uri="{9D8B030D-6E8A-4147-A177-3AD203B41FA5}">
-                      <a16:colId xmlns="" xmlns:a16="http://schemas.microsoft.com/office/drawing/2014/main" val="20007"/>
+                      <a16:colId xmlns:a16="http://schemas.microsoft.com/office/drawing/2014/main" val="20007"/>
                     </a:ext>
                   </a:extLst>
                 </a:gridCol>
                 <a:gridCol w="751114">
                   <a:extLst>
                     <a:ext uri="{9D8B030D-6E8A-4147-A177-3AD203B41FA5}">
-                      <a16:colId xmlns="" xmlns:a16="http://schemas.microsoft.com/office/drawing/2014/main" val="20008"/>
+                      <a16:colId xmlns:a16="http://schemas.microsoft.com/office/drawing/2014/main" val="20008"/>
                     </a:ext>
                   </a:extLst>
                 </a:gridCol>
                 <a:gridCol w="808158">
                   <a:extLst>
                     <a:ext uri="{9D8B030D-6E8A-4147-A177-3AD203B41FA5}">
-                      <a16:colId xmlns="" xmlns:a16="http://schemas.microsoft.com/office/drawing/2014/main" val="20009"/>
+                      <a16:colId xmlns:a16="http://schemas.microsoft.com/office/drawing/2014/main" val="20009"/>
                     </a:ext>
                   </a:extLst>
                 </a:gridCol>
                 <a:gridCol w="694070">
                   <a:extLst>
                     <a:ext uri="{9D8B030D-6E8A-4147-A177-3AD203B41FA5}">
-                      <a16:colId xmlns="" xmlns:a16="http://schemas.microsoft.com/office/drawing/2014/main" val="20010"/>
+                      <a16:colId xmlns:a16="http://schemas.microsoft.com/office/drawing/2014/main" val="20010"/>
                     </a:ext>
                   </a:extLst>
                 </a:gridCol>
                 <a:gridCol w="751114">
                   <a:extLst>
                     <a:ext uri="{9D8B030D-6E8A-4147-A177-3AD203B41FA5}">
-                      <a16:colId xmlns="" xmlns:a16="http://schemas.microsoft.com/office/drawing/2014/main" val="20011"/>
+                      <a16:colId xmlns:a16="http://schemas.microsoft.com/office/drawing/2014/main" val="20011"/>
                     </a:ext>
                   </a:extLst>
                 </a:gridCol>
                 <a:gridCol w="751114">
                   <a:extLst>
                     <a:ext uri="{9D8B030D-6E8A-4147-A177-3AD203B41FA5}">
-                      <a16:colId xmlns="" xmlns:a16="http://schemas.microsoft.com/office/drawing/2014/main" val="20012"/>
+                      <a16:colId xmlns:a16="http://schemas.microsoft.com/office/drawing/2014/main" val="20012"/>
                     </a:ext>
                   </a:extLst>
                 </a:gridCol>
                 <a:gridCol w="751114">
                   <a:extLst>
                     <a:ext uri="{9D8B030D-6E8A-4147-A177-3AD203B41FA5}">
-                      <a16:colId xmlns="" xmlns:a16="http://schemas.microsoft.com/office/drawing/2014/main" val="20013"/>
+                      <a16:colId xmlns:a16="http://schemas.microsoft.com/office/drawing/2014/main" val="20013"/>
                     </a:ext>
                   </a:extLst>
                 </a:gridCol>
@@ -3887,7 +3887,7 @@
                 </a:tc>
                 <a:extLst>
                   <a:ext uri="{0D108BD9-81ED-4DB2-BD59-A6C34878D82A}">
-                    <a16:rowId xmlns="" xmlns:a16="http://schemas.microsoft.com/office/drawing/2014/main" val="10000"/>
+                    <a16:rowId xmlns:a16="http://schemas.microsoft.com/office/drawing/2014/main" val="10000"/>
                   </a:ext>
                 </a:extLst>
               </a:tr>
@@ -4216,7 +4216,7 @@
                 </a:tc>
                 <a:extLst>
                   <a:ext uri="{0D108BD9-81ED-4DB2-BD59-A6C34878D82A}">
-                    <a16:rowId xmlns="" xmlns:a16="http://schemas.microsoft.com/office/drawing/2014/main" val="10001"/>
+                    <a16:rowId xmlns:a16="http://schemas.microsoft.com/office/drawing/2014/main" val="10001"/>
                   </a:ext>
                 </a:extLst>
               </a:tr>
@@ -4545,7 +4545,7 @@
                 </a:tc>
                 <a:extLst>
                   <a:ext uri="{0D108BD9-81ED-4DB2-BD59-A6C34878D82A}">
-                    <a16:rowId xmlns="" xmlns:a16="http://schemas.microsoft.com/office/drawing/2014/main" val="10002"/>
+                    <a16:rowId xmlns:a16="http://schemas.microsoft.com/office/drawing/2014/main" val="10002"/>
                   </a:ext>
                 </a:extLst>
               </a:tr>
@@ -4772,7 +4772,7 @@
                 </a:tc>
                 <a:extLst>
                   <a:ext uri="{0D108BD9-81ED-4DB2-BD59-A6C34878D82A}">
-                    <a16:rowId xmlns="" xmlns:a16="http://schemas.microsoft.com/office/drawing/2014/main" val="10003"/>
+                    <a16:rowId xmlns:a16="http://schemas.microsoft.com/office/drawing/2014/main" val="10003"/>
                   </a:ext>
                 </a:extLst>
               </a:tr>
@@ -5027,7 +5027,7 @@
                 </a:tc>
                 <a:extLst>
                   <a:ext uri="{0D108BD9-81ED-4DB2-BD59-A6C34878D82A}">
-                    <a16:rowId xmlns="" xmlns:a16="http://schemas.microsoft.com/office/drawing/2014/main" val="10004"/>
+                    <a16:rowId xmlns:a16="http://schemas.microsoft.com/office/drawing/2014/main" val="10004"/>
                   </a:ext>
                 </a:extLst>
               </a:tr>
@@ -5356,7 +5356,7 @@
                 </a:tc>
                 <a:extLst>
                   <a:ext uri="{0D108BD9-81ED-4DB2-BD59-A6C34878D82A}">
-                    <a16:rowId xmlns="" xmlns:a16="http://schemas.microsoft.com/office/drawing/2014/main" val="10005"/>
+                    <a16:rowId xmlns:a16="http://schemas.microsoft.com/office/drawing/2014/main" val="10005"/>
                   </a:ext>
                 </a:extLst>
               </a:tr>
@@ -5685,7 +5685,7 @@
                 </a:tc>
                 <a:extLst>
                   <a:ext uri="{0D108BD9-81ED-4DB2-BD59-A6C34878D82A}">
-                    <a16:rowId xmlns="" xmlns:a16="http://schemas.microsoft.com/office/drawing/2014/main" val="10006"/>
+                    <a16:rowId xmlns:a16="http://schemas.microsoft.com/office/drawing/2014/main" val="10006"/>
                   </a:ext>
                 </a:extLst>
               </a:tr>
@@ -5787,18 +5787,10 @@
           <a:p>
             <a:r>
               <a:rPr lang="en-GB" dirty="0"/>
-              <a:t>It is based on pruned set containing 191 out of 1,565 SNPs </a:t>
-            </a:r>
-            <a:r>
-              <a:rPr lang="en-GB" dirty="0" smtClean="0"/>
-              <a:t>including the lead SNP, but </a:t>
-            </a:r>
-            <a:r>
-              <a:rPr lang="en-GB" dirty="0"/>
-              <a:t>is further cut down </a:t>
-            </a:r>
-            <a:r>
-              <a:rPr lang="en-GB" smtClean="0"/>
+              <a:t>It is based on pruned set containing 191 out of 1,565 SNPs including the lead SNP, but is further cut down </a:t>
+            </a:r>
+            <a:r>
+              <a:rPr lang="en-GB"/>
               <a:t>to those </a:t>
             </a:r>
             <a:r>
@@ -5812,23 +5804,7 @@
           <a:p>
             <a:r>
               <a:rPr lang="en-GB" dirty="0"/>
-              <a:t>The configuration that </a:t>
-            </a:r>
-            <a:r>
-              <a:rPr lang="en-GB" dirty="0" smtClean="0"/>
-              <a:t>the top models involve 20 SNPs the first of which only rs7548892 </a:t>
-            </a:r>
-            <a:r>
-              <a:rPr lang="en-GB" dirty="0"/>
-              <a:t>is causal </a:t>
-            </a:r>
-            <a:r>
-              <a:rPr lang="en-GB" dirty="0" smtClean="0"/>
-              <a:t>with </a:t>
-            </a:r>
-            <a:r>
-              <a:rPr lang="en-GB" dirty="0"/>
-              <a:t>posterior probability of 0.3798 with Bayes Factor 240.37.</a:t>
+              <a:t>The configuration that the top models involve 20 SNPs the first of which only rs7548892 is causal with posterior probability of 0.3798 with Bayes Factor 240.37.</a:t>
             </a:r>
           </a:p>
         </p:txBody>
@@ -5891,7 +5867,7 @@
           <p:cNvPr id="2" name="Title 1">
             <a:extLst>
               <a:ext uri="{FF2B5EF4-FFF2-40B4-BE49-F238E27FC236}">
-                <a16:creationId xmlns="" xmlns:a16="http://schemas.microsoft.com/office/drawing/2014/main" id="{BB17C9F0-1160-45E6-90D6-C2EE7F2A8DDB}"/>
+                <a16:creationId xmlns:a16="http://schemas.microsoft.com/office/drawing/2014/main" id="{BB17C9F0-1160-45E6-90D6-C2EE7F2A8DDB}"/>
               </a:ext>
             </a:extLst>
           </p:cNvPr>
@@ -5932,7 +5908,7 @@
           <p:cNvPr id="7" name="Content Placeholder 6">
             <a:extLst>
               <a:ext uri="{FF2B5EF4-FFF2-40B4-BE49-F238E27FC236}">
-                <a16:creationId xmlns="" xmlns:a16="http://schemas.microsoft.com/office/drawing/2014/main" id="{BC419154-FB32-433E-8D3F-5372E3CF063B}"/>
+                <a16:creationId xmlns:a16="http://schemas.microsoft.com/office/drawing/2014/main" id="{BC419154-FB32-433E-8D3F-5372E3CF063B}"/>
               </a:ext>
             </a:extLst>
           </p:cNvPr>
@@ -5943,7 +5919,7 @@
             <p:ph idx="1"/>
             <p:extLst>
               <p:ext uri="{D42A27DB-BD31-4B8C-83A1-F6EECF244321}">
-                <p14:modId xmlns:p14="http://schemas.microsoft.com/office/powerpoint/2010/main" val="273991361"/>
+                <p14:modId xmlns:p14="http://schemas.microsoft.com/office/powerpoint/2010/main" val="2470790828"/>
               </p:ext>
             </p:extLst>
           </p:nvPr>
@@ -5962,42 +5938,42 @@
                 <a:gridCol w="1752600">
                   <a:extLst>
                     <a:ext uri="{9D8B030D-6E8A-4147-A177-3AD203B41FA5}">
-                      <a16:colId xmlns="" xmlns:a16="http://schemas.microsoft.com/office/drawing/2014/main" val="1638080526"/>
+                      <a16:colId xmlns:a16="http://schemas.microsoft.com/office/drawing/2014/main" val="1638080526"/>
                     </a:ext>
                   </a:extLst>
                 </a:gridCol>
                 <a:gridCol w="1752600">
                   <a:extLst>
                     <a:ext uri="{9D8B030D-6E8A-4147-A177-3AD203B41FA5}">
-                      <a16:colId xmlns="" xmlns:a16="http://schemas.microsoft.com/office/drawing/2014/main" val="3856145469"/>
+                      <a16:colId xmlns:a16="http://schemas.microsoft.com/office/drawing/2014/main" val="3856145469"/>
                     </a:ext>
                   </a:extLst>
                 </a:gridCol>
                 <a:gridCol w="1752600">
                   <a:extLst>
                     <a:ext uri="{9D8B030D-6E8A-4147-A177-3AD203B41FA5}">
-                      <a16:colId xmlns="" xmlns:a16="http://schemas.microsoft.com/office/drawing/2014/main" val="1431688491"/>
+                      <a16:colId xmlns:a16="http://schemas.microsoft.com/office/drawing/2014/main" val="1431688491"/>
                     </a:ext>
                   </a:extLst>
                 </a:gridCol>
                 <a:gridCol w="1752600">
                   <a:extLst>
                     <a:ext uri="{9D8B030D-6E8A-4147-A177-3AD203B41FA5}">
-                      <a16:colId xmlns="" xmlns:a16="http://schemas.microsoft.com/office/drawing/2014/main" val="2120667709"/>
+                      <a16:colId xmlns:a16="http://schemas.microsoft.com/office/drawing/2014/main" val="2120667709"/>
                     </a:ext>
                   </a:extLst>
                 </a:gridCol>
                 <a:gridCol w="1752600">
                   <a:extLst>
                     <a:ext uri="{9D8B030D-6E8A-4147-A177-3AD203B41FA5}">
-                      <a16:colId xmlns="" xmlns:a16="http://schemas.microsoft.com/office/drawing/2014/main" val="3976773145"/>
+                      <a16:colId xmlns:a16="http://schemas.microsoft.com/office/drawing/2014/main" val="3976773145"/>
                     </a:ext>
                   </a:extLst>
                 </a:gridCol>
                 <a:gridCol w="1752600">
                   <a:extLst>
                     <a:ext uri="{9D8B030D-6E8A-4147-A177-3AD203B41FA5}">
-                      <a16:colId xmlns="" xmlns:a16="http://schemas.microsoft.com/office/drawing/2014/main" val="3936103744"/>
+                      <a16:colId xmlns:a16="http://schemas.microsoft.com/office/drawing/2014/main" val="3936103744"/>
                     </a:ext>
                   </a:extLst>
                 </a:gridCol>
@@ -6102,12 +6078,12 @@
                     <a:p>
                       <a:pPr algn="l" fontAlgn="b"/>
                       <a:r>
-                        <a:rPr lang="en-GB" sz="1600" u="none" strike="noStrike">
+                        <a:rPr lang="en-GB" sz="1600" u="none" strike="noStrike" dirty="0">
                           <a:effectLst/>
                         </a:rPr>
                         <a:t>order</a:t>
                       </a:r>
-                      <a:endParaRPr lang="en-GB" sz="1600" b="1" i="0" u="none" strike="noStrike">
+                      <a:endParaRPr lang="en-GB" sz="1600" b="1" i="0" u="none" strike="noStrike" dirty="0">
                         <a:solidFill>
                           <a:srgbClr val="FFFFFF"/>
                         </a:solidFill>
@@ -6143,7 +6119,7 @@
                 </a:tc>
                 <a:extLst>
                   <a:ext uri="{0D108BD9-81ED-4DB2-BD59-A6C34878D82A}">
-                    <a16:rowId xmlns="" xmlns:a16="http://schemas.microsoft.com/office/drawing/2014/main" val="2418271326"/>
+                    <a16:rowId xmlns:a16="http://schemas.microsoft.com/office/drawing/2014/main" val="2418271326"/>
                   </a:ext>
                 </a:extLst>
               </a:tr>
@@ -6153,7 +6129,7 @@
                     <a:bodyPr/>
                     <a:lstStyle/>
                     <a:p>
-                      <a:pPr algn="r" fontAlgn="b"/>
+                      <a:pPr algn="l" fontAlgn="b"/>
                       <a:r>
                         <a:rPr lang="en-GB" sz="1600" u="none" strike="noStrike" dirty="0">
                           <a:effectLst/>
@@ -6199,7 +6175,7 @@
                     <a:bodyPr/>
                     <a:lstStyle/>
                     <a:p>
-                      <a:pPr algn="r" fontAlgn="b"/>
+                      <a:pPr algn="l" fontAlgn="b"/>
                       <a:r>
                         <a:rPr lang="en-GB" sz="1600" u="none" strike="noStrike">
                           <a:effectLst/>
@@ -6222,7 +6198,7 @@
                     <a:bodyPr/>
                     <a:lstStyle/>
                     <a:p>
-                      <a:pPr algn="r" fontAlgn="b"/>
+                      <a:pPr algn="l" fontAlgn="b"/>
                       <a:r>
                         <a:rPr lang="en-GB" sz="1600" u="none" strike="noStrike">
                           <a:effectLst/>
@@ -6245,7 +6221,7 @@
                     <a:bodyPr/>
                     <a:lstStyle/>
                     <a:p>
-                      <a:pPr algn="r" fontAlgn="b"/>
+                      <a:pPr algn="l" fontAlgn="b"/>
                       <a:r>
                         <a:rPr lang="en-GB" sz="1600" u="none" strike="noStrike">
                           <a:effectLst/>
@@ -6288,7 +6264,7 @@
                 </a:tc>
                 <a:extLst>
                   <a:ext uri="{0D108BD9-81ED-4DB2-BD59-A6C34878D82A}">
-                    <a16:rowId xmlns="" xmlns:a16="http://schemas.microsoft.com/office/drawing/2014/main" val="538109448"/>
+                    <a16:rowId xmlns:a16="http://schemas.microsoft.com/office/drawing/2014/main" val="538109448"/>
                   </a:ext>
                 </a:extLst>
               </a:tr>
@@ -6298,7 +6274,7 @@
                     <a:bodyPr/>
                     <a:lstStyle/>
                     <a:p>
-                      <a:pPr algn="r" fontAlgn="b"/>
+                      <a:pPr algn="l" fontAlgn="b"/>
                       <a:r>
                         <a:rPr lang="en-GB" sz="1600" u="none" strike="noStrike" dirty="0">
                           <a:effectLst/>
@@ -6344,7 +6320,7 @@
                     <a:bodyPr/>
                     <a:lstStyle/>
                     <a:p>
-                      <a:pPr algn="r" fontAlgn="b"/>
+                      <a:pPr algn="l" fontAlgn="b"/>
                       <a:r>
                         <a:rPr lang="en-GB" sz="1600" u="none" strike="noStrike">
                           <a:effectLst/>
@@ -6367,7 +6343,7 @@
                     <a:bodyPr/>
                     <a:lstStyle/>
                     <a:p>
-                      <a:pPr algn="r" fontAlgn="b"/>
+                      <a:pPr algn="l" fontAlgn="b"/>
                       <a:r>
                         <a:rPr lang="en-GB" sz="1600" u="none" strike="noStrike">
                           <a:effectLst/>
@@ -6390,7 +6366,7 @@
                     <a:bodyPr/>
                     <a:lstStyle/>
                     <a:p>
-                      <a:pPr algn="r" fontAlgn="b"/>
+                      <a:pPr algn="l" fontAlgn="b"/>
                       <a:r>
                         <a:rPr lang="en-GB" sz="1600" u="none" strike="noStrike">
                           <a:effectLst/>
@@ -6433,7 +6409,7 @@
                 </a:tc>
                 <a:extLst>
                   <a:ext uri="{0D108BD9-81ED-4DB2-BD59-A6C34878D82A}">
-                    <a16:rowId xmlns="" xmlns:a16="http://schemas.microsoft.com/office/drawing/2014/main" val="3790236758"/>
+                    <a16:rowId xmlns:a16="http://schemas.microsoft.com/office/drawing/2014/main" val="3790236758"/>
                   </a:ext>
                 </a:extLst>
               </a:tr>
@@ -6443,7 +6419,7 @@
                     <a:bodyPr/>
                     <a:lstStyle/>
                     <a:p>
-                      <a:pPr algn="r" fontAlgn="b"/>
+                      <a:pPr algn="l" fontAlgn="b"/>
                       <a:r>
                         <a:rPr lang="en-GB" sz="1600" u="none" strike="noStrike" dirty="0">
                           <a:effectLst/>
@@ -6468,10 +6444,33 @@
                     <a:p>
                       <a:pPr algn="l" fontAlgn="b"/>
                       <a:r>
+                        <a:rPr lang="en-GB" sz="1600" u="none" strike="noStrike" dirty="0">
+                          <a:effectLst/>
+                        </a:rPr>
+                        <a:t>1:39355351_G_T</a:t>
+                      </a:r>
+                      <a:endParaRPr lang="en-GB" sz="1600" b="0" i="0" u="none" strike="noStrike" dirty="0">
+                        <a:solidFill>
+                          <a:srgbClr val="000000"/>
+                        </a:solidFill>
+                        <a:effectLst/>
+                        <a:latin typeface="Calibri" panose="020F0502020204030204" pitchFamily="34" charset="0"/>
+                      </a:endParaRPr>
+                    </a:p>
+                  </a:txBody>
+                  <a:tcPr marL="7620" marR="7620" marT="7620" marB="0" anchor="b"/>
+                </a:tc>
+                <a:tc>
+                  <a:txBody>
+                    <a:bodyPr/>
+                    <a:lstStyle/>
+                    <a:p>
+                      <a:pPr algn="l" fontAlgn="b"/>
+                      <a:r>
                         <a:rPr lang="en-GB" sz="1600" u="none" strike="noStrike">
                           <a:effectLst/>
                         </a:rPr>
-                        <a:t>1:39355351_G_T</a:t>
+                        <a:t>0.0815</a:t>
                       </a:r>
                       <a:endParaRPr lang="en-GB" sz="1600" b="0" i="0" u="none" strike="noStrike">
                         <a:solidFill>
@@ -6489,12 +6488,12 @@
                     <a:bodyPr/>
                     <a:lstStyle/>
                     <a:p>
-                      <a:pPr algn="r" fontAlgn="b"/>
+                      <a:pPr algn="l" fontAlgn="b"/>
                       <a:r>
                         <a:rPr lang="en-GB" sz="1600" u="none" strike="noStrike">
                           <a:effectLst/>
                         </a:rPr>
-                        <a:t>0.0815</a:t>
+                        <a:t>1.9442</a:t>
                       </a:r>
                       <a:endParaRPr lang="en-GB" sz="1600" b="0" i="0" u="none" strike="noStrike">
                         <a:solidFill>
@@ -6512,30 +6511,7 @@
                     <a:bodyPr/>
                     <a:lstStyle/>
                     <a:p>
-                      <a:pPr algn="r" fontAlgn="b"/>
-                      <a:r>
-                        <a:rPr lang="en-GB" sz="1600" u="none" strike="noStrike">
-                          <a:effectLst/>
-                        </a:rPr>
-                        <a:t>1.9442</a:t>
-                      </a:r>
-                      <a:endParaRPr lang="en-GB" sz="1600" b="0" i="0" u="none" strike="noStrike">
-                        <a:solidFill>
-                          <a:srgbClr val="000000"/>
-                        </a:solidFill>
-                        <a:effectLst/>
-                        <a:latin typeface="Calibri" panose="020F0502020204030204" pitchFamily="34" charset="0"/>
-                      </a:endParaRPr>
-                    </a:p>
-                  </a:txBody>
-                  <a:tcPr marL="7620" marR="7620" marT="7620" marB="0" anchor="b"/>
-                </a:tc>
-                <a:tc>
-                  <a:txBody>
-                    <a:bodyPr/>
-                    <a:lstStyle/>
-                    <a:p>
-                      <a:pPr algn="r" fontAlgn="b"/>
+                      <a:pPr algn="l" fontAlgn="b"/>
                       <a:r>
                         <a:rPr lang="en-GB" sz="1600" u="none" strike="noStrike">
                           <a:effectLst/>
@@ -6578,7 +6554,7 @@
                 </a:tc>
                 <a:extLst>
                   <a:ext uri="{0D108BD9-81ED-4DB2-BD59-A6C34878D82A}">
-                    <a16:rowId xmlns="" xmlns:a16="http://schemas.microsoft.com/office/drawing/2014/main" val="2142385482"/>
+                    <a16:rowId xmlns:a16="http://schemas.microsoft.com/office/drawing/2014/main" val="2142385482"/>
                   </a:ext>
                 </a:extLst>
               </a:tr>
@@ -6588,7 +6564,7 @@
                     <a:bodyPr/>
                     <a:lstStyle/>
                     <a:p>
-                      <a:pPr algn="r" fontAlgn="b"/>
+                      <a:pPr algn="l" fontAlgn="b"/>
                       <a:r>
                         <a:rPr lang="en-GB" sz="1600" u="none" strike="noStrike" dirty="0">
                           <a:effectLst/>
@@ -6634,7 +6610,7 @@
                     <a:bodyPr/>
                     <a:lstStyle/>
                     <a:p>
-                      <a:pPr algn="r" fontAlgn="b"/>
+                      <a:pPr algn="l" fontAlgn="b"/>
                       <a:r>
                         <a:rPr lang="en-GB" sz="1600" u="none" strike="noStrike">
                           <a:effectLst/>
@@ -6657,7 +6633,7 @@
                     <a:bodyPr/>
                     <a:lstStyle/>
                     <a:p>
-                      <a:pPr algn="r" fontAlgn="b"/>
+                      <a:pPr algn="l" fontAlgn="b"/>
                       <a:r>
                         <a:rPr lang="en-GB" sz="1600" u="none" strike="noStrike">
                           <a:effectLst/>
@@ -6680,7 +6656,7 @@
                     <a:bodyPr/>
                     <a:lstStyle/>
                     <a:p>
-                      <a:pPr algn="r" fontAlgn="b"/>
+                      <a:pPr algn="l" fontAlgn="b"/>
                       <a:r>
                         <a:rPr lang="en-GB" sz="1600" u="none" strike="noStrike">
                           <a:effectLst/>
@@ -6723,7 +6699,7 @@
                 </a:tc>
                 <a:extLst>
                   <a:ext uri="{0D108BD9-81ED-4DB2-BD59-A6C34878D82A}">
-                    <a16:rowId xmlns="" xmlns:a16="http://schemas.microsoft.com/office/drawing/2014/main" val="3818329405"/>
+                    <a16:rowId xmlns:a16="http://schemas.microsoft.com/office/drawing/2014/main" val="3818329405"/>
                   </a:ext>
                 </a:extLst>
               </a:tr>
@@ -6733,7 +6709,7 @@
                     <a:bodyPr/>
                     <a:lstStyle/>
                     <a:p>
-                      <a:pPr algn="r" fontAlgn="b"/>
+                      <a:pPr algn="l" fontAlgn="b"/>
                       <a:r>
                         <a:rPr lang="en-GB" sz="1600" u="none" strike="noStrike">
                           <a:effectLst/>
@@ -6779,7 +6755,7 @@
                     <a:bodyPr/>
                     <a:lstStyle/>
                     <a:p>
-                      <a:pPr algn="r" fontAlgn="b"/>
+                      <a:pPr algn="l" fontAlgn="b"/>
                       <a:r>
                         <a:rPr lang="en-GB" sz="1600" u="none" strike="noStrike" dirty="0">
                           <a:effectLst/>
@@ -6802,7 +6778,7 @@
                     <a:bodyPr/>
                     <a:lstStyle/>
                     <a:p>
-                      <a:pPr algn="r" fontAlgn="b"/>
+                      <a:pPr algn="l" fontAlgn="b"/>
                       <a:r>
                         <a:rPr lang="en-GB" sz="1600" u="none" strike="noStrike">
                           <a:effectLst/>
@@ -6825,7 +6801,7 @@
                     <a:bodyPr/>
                     <a:lstStyle/>
                     <a:p>
-                      <a:pPr algn="r" fontAlgn="b"/>
+                      <a:pPr algn="l" fontAlgn="b"/>
                       <a:r>
                         <a:rPr lang="en-GB" sz="1600" u="none" strike="noStrike">
                           <a:effectLst/>
@@ -6868,7 +6844,7 @@
                 </a:tc>
                 <a:extLst>
                   <a:ext uri="{0D108BD9-81ED-4DB2-BD59-A6C34878D82A}">
-                    <a16:rowId xmlns="" xmlns:a16="http://schemas.microsoft.com/office/drawing/2014/main" val="1055833409"/>
+                    <a16:rowId xmlns:a16="http://schemas.microsoft.com/office/drawing/2014/main" val="1055833409"/>
                   </a:ext>
                 </a:extLst>
               </a:tr>
@@ -6878,7 +6854,7 @@
                     <a:bodyPr/>
                     <a:lstStyle/>
                     <a:p>
-                      <a:pPr algn="r" fontAlgn="b"/>
+                      <a:pPr algn="l" fontAlgn="b"/>
                       <a:r>
                         <a:rPr lang="en-GB" sz="1600" u="none" strike="noStrike">
                           <a:effectLst/>
@@ -6924,12 +6900,35 @@
                     <a:bodyPr/>
                     <a:lstStyle/>
                     <a:p>
-                      <a:pPr algn="r" fontAlgn="b"/>
+                      <a:pPr algn="l" fontAlgn="b"/>
+                      <a:r>
+                        <a:rPr lang="en-GB" sz="1600" u="none" strike="noStrike" dirty="0">
+                          <a:effectLst/>
+                        </a:rPr>
+                        <a:t>0.0704</a:t>
+                      </a:r>
+                      <a:endParaRPr lang="en-GB" sz="1600" b="0" i="0" u="none" strike="noStrike" dirty="0">
+                        <a:solidFill>
+                          <a:srgbClr val="000000"/>
+                        </a:solidFill>
+                        <a:effectLst/>
+                        <a:latin typeface="Calibri" panose="020F0502020204030204" pitchFamily="34" charset="0"/>
+                      </a:endParaRPr>
+                    </a:p>
+                  </a:txBody>
+                  <a:tcPr marL="7620" marR="7620" marT="7620" marB="0" anchor="b"/>
+                </a:tc>
+                <a:tc>
+                  <a:txBody>
+                    <a:bodyPr/>
+                    <a:lstStyle/>
+                    <a:p>
+                      <a:pPr algn="l" fontAlgn="b"/>
                       <a:r>
                         <a:rPr lang="en-GB" sz="1600" u="none" strike="noStrike">
                           <a:effectLst/>
                         </a:rPr>
-                        <a:t>0.0704</a:t>
+                        <a:t>1.8753</a:t>
                       </a:r>
                       <a:endParaRPr lang="en-GB" sz="1600" b="0" i="0" u="none" strike="noStrike">
                         <a:solidFill>
@@ -6947,30 +6946,7 @@
                     <a:bodyPr/>
                     <a:lstStyle/>
                     <a:p>
-                      <a:pPr algn="r" fontAlgn="b"/>
-                      <a:r>
-                        <a:rPr lang="en-GB" sz="1600" u="none" strike="noStrike">
-                          <a:effectLst/>
-                        </a:rPr>
-                        <a:t>1.8753</a:t>
-                      </a:r>
-                      <a:endParaRPr lang="en-GB" sz="1600" b="0" i="0" u="none" strike="noStrike">
-                        <a:solidFill>
-                          <a:srgbClr val="000000"/>
-                        </a:solidFill>
-                        <a:effectLst/>
-                        <a:latin typeface="Calibri" panose="020F0502020204030204" pitchFamily="34" charset="0"/>
-                      </a:endParaRPr>
-                    </a:p>
-                  </a:txBody>
-                  <a:tcPr marL="7620" marR="7620" marT="7620" marB="0" anchor="b"/>
-                </a:tc>
-                <a:tc>
-                  <a:txBody>
-                    <a:bodyPr/>
-                    <a:lstStyle/>
-                    <a:p>
-                      <a:pPr algn="r" fontAlgn="b"/>
+                      <a:pPr algn="l" fontAlgn="b"/>
                       <a:r>
                         <a:rPr lang="en-GB" sz="1600" u="none" strike="noStrike">
                           <a:effectLst/>
@@ -7013,7 +6989,7 @@
                 </a:tc>
                 <a:extLst>
                   <a:ext uri="{0D108BD9-81ED-4DB2-BD59-A6C34878D82A}">
-                    <a16:rowId xmlns="" xmlns:a16="http://schemas.microsoft.com/office/drawing/2014/main" val="3279746546"/>
+                    <a16:rowId xmlns:a16="http://schemas.microsoft.com/office/drawing/2014/main" val="3279746546"/>
                   </a:ext>
                 </a:extLst>
               </a:tr>
@@ -7023,7 +6999,7 @@
                     <a:bodyPr/>
                     <a:lstStyle/>
                     <a:p>
-                      <a:pPr algn="r" fontAlgn="b"/>
+                      <a:pPr algn="l" fontAlgn="b"/>
                       <a:r>
                         <a:rPr lang="en-GB" sz="1600" u="none" strike="noStrike">
                           <a:effectLst/>
@@ -7069,12 +7045,35 @@
                     <a:bodyPr/>
                     <a:lstStyle/>
                     <a:p>
-                      <a:pPr algn="r" fontAlgn="b"/>
+                      <a:pPr algn="l" fontAlgn="b"/>
+                      <a:r>
+                        <a:rPr lang="en-GB" sz="1600" u="none" strike="noStrike" dirty="0">
+                          <a:effectLst/>
+                        </a:rPr>
+                        <a:t>0.0702</a:t>
+                      </a:r>
+                      <a:endParaRPr lang="en-GB" sz="1600" b="0" i="0" u="none" strike="noStrike" dirty="0">
+                        <a:solidFill>
+                          <a:srgbClr val="000000"/>
+                        </a:solidFill>
+                        <a:effectLst/>
+                        <a:latin typeface="Calibri" panose="020F0502020204030204" pitchFamily="34" charset="0"/>
+                      </a:endParaRPr>
+                    </a:p>
+                  </a:txBody>
+                  <a:tcPr marL="7620" marR="7620" marT="7620" marB="0" anchor="b"/>
+                </a:tc>
+                <a:tc>
+                  <a:txBody>
+                    <a:bodyPr/>
+                    <a:lstStyle/>
+                    <a:p>
+                      <a:pPr algn="l" fontAlgn="b"/>
                       <a:r>
                         <a:rPr lang="en-GB" sz="1600" u="none" strike="noStrike">
                           <a:effectLst/>
                         </a:rPr>
-                        <a:t>0.0702</a:t>
+                        <a:t>1.8739</a:t>
                       </a:r>
                       <a:endParaRPr lang="en-GB" sz="1600" b="0" i="0" u="none" strike="noStrike">
                         <a:solidFill>
@@ -7092,30 +7091,7 @@
                     <a:bodyPr/>
                     <a:lstStyle/>
                     <a:p>
-                      <a:pPr algn="r" fontAlgn="b"/>
-                      <a:r>
-                        <a:rPr lang="en-GB" sz="1600" u="none" strike="noStrike">
-                          <a:effectLst/>
-                        </a:rPr>
-                        <a:t>1.8739</a:t>
-                      </a:r>
-                      <a:endParaRPr lang="en-GB" sz="1600" b="0" i="0" u="none" strike="noStrike">
-                        <a:solidFill>
-                          <a:srgbClr val="000000"/>
-                        </a:solidFill>
-                        <a:effectLst/>
-                        <a:latin typeface="Calibri" panose="020F0502020204030204" pitchFamily="34" charset="0"/>
-                      </a:endParaRPr>
-                    </a:p>
-                  </a:txBody>
-                  <a:tcPr marL="7620" marR="7620" marT="7620" marB="0" anchor="b"/>
-                </a:tc>
-                <a:tc>
-                  <a:txBody>
-                    <a:bodyPr/>
-                    <a:lstStyle/>
-                    <a:p>
-                      <a:pPr algn="r" fontAlgn="b"/>
+                      <a:pPr algn="l" fontAlgn="b"/>
                       <a:r>
                         <a:rPr lang="en-GB" sz="1600" u="none" strike="noStrike">
                           <a:effectLst/>
@@ -7158,7 +7134,7 @@
                 </a:tc>
                 <a:extLst>
                   <a:ext uri="{0D108BD9-81ED-4DB2-BD59-A6C34878D82A}">
-                    <a16:rowId xmlns="" xmlns:a16="http://schemas.microsoft.com/office/drawing/2014/main" val="1843946231"/>
+                    <a16:rowId xmlns:a16="http://schemas.microsoft.com/office/drawing/2014/main" val="1843946231"/>
                   </a:ext>
                 </a:extLst>
               </a:tr>
@@ -7168,7 +7144,7 @@
                     <a:bodyPr/>
                     <a:lstStyle/>
                     <a:p>
-                      <a:pPr algn="r" fontAlgn="b"/>
+                      <a:pPr algn="l" fontAlgn="b"/>
                       <a:r>
                         <a:rPr lang="en-GB" sz="1600" u="none" strike="noStrike">
                           <a:effectLst/>
@@ -7214,7 +7190,7 @@
                     <a:bodyPr/>
                     <a:lstStyle/>
                     <a:p>
-                      <a:pPr algn="r" fontAlgn="b"/>
+                      <a:pPr algn="l" fontAlgn="b"/>
                       <a:r>
                         <a:rPr lang="en-GB" sz="1600" u="none" strike="noStrike" dirty="0">
                           <a:effectLst/>
@@ -7237,14 +7213,14 @@
                     <a:bodyPr/>
                     <a:lstStyle/>
                     <a:p>
-                      <a:pPr algn="r" fontAlgn="b"/>
-                      <a:r>
-                        <a:rPr lang="en-GB" sz="1600" u="none" strike="noStrike">
+                      <a:pPr algn="l" fontAlgn="b"/>
+                      <a:r>
+                        <a:rPr lang="en-GB" sz="1600" u="none" strike="noStrike" dirty="0">
                           <a:effectLst/>
                         </a:rPr>
                         <a:t>1.8003</a:t>
                       </a:r>
-                      <a:endParaRPr lang="en-GB" sz="1600" b="0" i="0" u="none" strike="noStrike">
+                      <a:endParaRPr lang="en-GB" sz="1600" b="0" i="0" u="none" strike="noStrike" dirty="0">
                         <a:solidFill>
                           <a:srgbClr val="000000"/>
                         </a:solidFill>
@@ -7260,7 +7236,7 @@
                     <a:bodyPr/>
                     <a:lstStyle/>
                     <a:p>
-                      <a:pPr algn="r" fontAlgn="b"/>
+                      <a:pPr algn="l" fontAlgn="b"/>
                       <a:r>
                         <a:rPr lang="en-GB" sz="1600" u="none" strike="noStrike">
                           <a:effectLst/>
@@ -7303,7 +7279,7 @@
                 </a:tc>
                 <a:extLst>
                   <a:ext uri="{0D108BD9-81ED-4DB2-BD59-A6C34878D82A}">
-                    <a16:rowId xmlns="" xmlns:a16="http://schemas.microsoft.com/office/drawing/2014/main" val="2592131726"/>
+                    <a16:rowId xmlns:a16="http://schemas.microsoft.com/office/drawing/2014/main" val="2592131726"/>
                   </a:ext>
                 </a:extLst>
               </a:tr>
@@ -7313,7 +7289,7 @@
                     <a:bodyPr/>
                     <a:lstStyle/>
                     <a:p>
-                      <a:pPr algn="r" fontAlgn="b"/>
+                      <a:pPr algn="l" fontAlgn="b"/>
                       <a:r>
                         <a:rPr lang="en-GB" sz="1600" u="none" strike="noStrike">
                           <a:effectLst/>
@@ -7359,7 +7335,7 @@
                     <a:bodyPr/>
                     <a:lstStyle/>
                     <a:p>
-                      <a:pPr algn="r" fontAlgn="b"/>
+                      <a:pPr algn="l" fontAlgn="b"/>
                       <a:r>
                         <a:rPr lang="en-GB" sz="1600" u="none" strike="noStrike">
                           <a:effectLst/>
@@ -7382,7 +7358,7 @@
                     <a:bodyPr/>
                     <a:lstStyle/>
                     <a:p>
-                      <a:pPr algn="r" fontAlgn="b"/>
+                      <a:pPr algn="l" fontAlgn="b"/>
                       <a:r>
                         <a:rPr lang="en-GB" sz="1600" u="none" strike="noStrike" dirty="0">
                           <a:effectLst/>
@@ -7405,7 +7381,7 @@
                     <a:bodyPr/>
                     <a:lstStyle/>
                     <a:p>
-                      <a:pPr algn="r" fontAlgn="b"/>
+                      <a:pPr algn="l" fontAlgn="b"/>
                       <a:r>
                         <a:rPr lang="en-GB" sz="1600" u="none" strike="noStrike">
                           <a:effectLst/>
@@ -7448,7 +7424,7 @@
                 </a:tc>
                 <a:extLst>
                   <a:ext uri="{0D108BD9-81ED-4DB2-BD59-A6C34878D82A}">
-                    <a16:rowId xmlns="" xmlns:a16="http://schemas.microsoft.com/office/drawing/2014/main" val="3872885341"/>
+                    <a16:rowId xmlns:a16="http://schemas.microsoft.com/office/drawing/2014/main" val="3872885341"/>
                   </a:ext>
                 </a:extLst>
               </a:tr>
@@ -7458,7 +7434,7 @@
                     <a:bodyPr/>
                     <a:lstStyle/>
                     <a:p>
-                      <a:pPr algn="r" fontAlgn="b"/>
+                      <a:pPr algn="l" fontAlgn="b"/>
                       <a:r>
                         <a:rPr lang="en-GB" sz="1600" u="none" strike="noStrike">
                           <a:effectLst/>
@@ -7504,7 +7480,7 @@
                     <a:bodyPr/>
                     <a:lstStyle/>
                     <a:p>
-                      <a:pPr algn="r" fontAlgn="b"/>
+                      <a:pPr algn="l" fontAlgn="b"/>
                       <a:r>
                         <a:rPr lang="en-GB" sz="1600" u="none" strike="noStrike">
                           <a:effectLst/>
@@ -7527,7 +7503,7 @@
                     <a:bodyPr/>
                     <a:lstStyle/>
                     <a:p>
-                      <a:pPr algn="r" fontAlgn="b"/>
+                      <a:pPr algn="l" fontAlgn="b"/>
                       <a:r>
                         <a:rPr lang="en-GB" sz="1600" u="none" strike="noStrike" dirty="0">
                           <a:effectLst/>
@@ -7550,14 +7526,14 @@
                     <a:bodyPr/>
                     <a:lstStyle/>
                     <a:p>
-                      <a:pPr algn="r" fontAlgn="b"/>
-                      <a:r>
-                        <a:rPr lang="en-GB" sz="1600" u="none" strike="noStrike">
+                      <a:pPr algn="l" fontAlgn="b"/>
+                      <a:r>
+                        <a:rPr lang="en-GB" sz="1600" u="none" strike="noStrike" dirty="0">
                           <a:effectLst/>
                         </a:rPr>
                         <a:t>10</a:t>
                       </a:r>
-                      <a:endParaRPr lang="en-GB" sz="1600" b="0" i="0" u="none" strike="noStrike">
+                      <a:endParaRPr lang="en-GB" sz="1600" b="0" i="0" u="none" strike="noStrike" dirty="0">
                         <a:solidFill>
                           <a:srgbClr val="000000"/>
                         </a:solidFill>
@@ -7593,7 +7569,7 @@
                 </a:tc>
                 <a:extLst>
                   <a:ext uri="{0D108BD9-81ED-4DB2-BD59-A6C34878D82A}">
-                    <a16:rowId xmlns="" xmlns:a16="http://schemas.microsoft.com/office/drawing/2014/main" val="1297808850"/>
+                    <a16:rowId xmlns:a16="http://schemas.microsoft.com/office/drawing/2014/main" val="1297808850"/>
                   </a:ext>
                 </a:extLst>
               </a:tr>
@@ -7603,7 +7579,7 @@
                     <a:bodyPr/>
                     <a:lstStyle/>
                     <a:p>
-                      <a:pPr algn="r" fontAlgn="b"/>
+                      <a:pPr algn="l" fontAlgn="b"/>
                       <a:r>
                         <a:rPr lang="en-GB" sz="1600" u="none" strike="noStrike">
                           <a:effectLst/>
@@ -7649,7 +7625,7 @@
                     <a:bodyPr/>
                     <a:lstStyle/>
                     <a:p>
-                      <a:pPr algn="r" fontAlgn="b"/>
+                      <a:pPr algn="l" fontAlgn="b"/>
                       <a:r>
                         <a:rPr lang="en-GB" sz="1600" u="none" strike="noStrike">
                           <a:effectLst/>
@@ -7672,7 +7648,7 @@
                     <a:bodyPr/>
                     <a:lstStyle/>
                     <a:p>
-                      <a:pPr algn="r" fontAlgn="b"/>
+                      <a:pPr algn="l" fontAlgn="b"/>
                       <a:r>
                         <a:rPr lang="en-GB" sz="1600" u="none" strike="noStrike" dirty="0">
                           <a:effectLst/>
@@ -7695,14 +7671,14 @@
                     <a:bodyPr/>
                     <a:lstStyle/>
                     <a:p>
-                      <a:pPr algn="r" fontAlgn="b"/>
-                      <a:r>
-                        <a:rPr lang="en-GB" sz="1600" u="none" strike="noStrike">
+                      <a:pPr algn="l" fontAlgn="b"/>
+                      <a:r>
+                        <a:rPr lang="en-GB" sz="1600" u="none" strike="noStrike" dirty="0">
                           <a:effectLst/>
                         </a:rPr>
                         <a:t>11</a:t>
                       </a:r>
-                      <a:endParaRPr lang="en-GB" sz="1600" b="0" i="0" u="none" strike="noStrike">
+                      <a:endParaRPr lang="en-GB" sz="1600" b="0" i="0" u="none" strike="noStrike" dirty="0">
                         <a:solidFill>
                           <a:srgbClr val="000000"/>
                         </a:solidFill>
@@ -7738,7 +7714,7 @@
                 </a:tc>
                 <a:extLst>
                   <a:ext uri="{0D108BD9-81ED-4DB2-BD59-A6C34878D82A}">
-                    <a16:rowId xmlns="" xmlns:a16="http://schemas.microsoft.com/office/drawing/2014/main" val="4188675590"/>
+                    <a16:rowId xmlns:a16="http://schemas.microsoft.com/office/drawing/2014/main" val="4188675590"/>
                   </a:ext>
                 </a:extLst>
               </a:tr>
@@ -7748,7 +7724,7 @@
                     <a:bodyPr/>
                     <a:lstStyle/>
                     <a:p>
-                      <a:pPr algn="r" fontAlgn="b"/>
+                      <a:pPr algn="l" fontAlgn="b"/>
                       <a:r>
                         <a:rPr lang="en-GB" sz="1600" u="none" strike="noStrike">
                           <a:effectLst/>
@@ -7794,7 +7770,7 @@
                     <a:bodyPr/>
                     <a:lstStyle/>
                     <a:p>
-                      <a:pPr algn="r" fontAlgn="b"/>
+                      <a:pPr algn="l" fontAlgn="b"/>
                       <a:r>
                         <a:rPr lang="en-GB" sz="1600" u="none" strike="noStrike">
                           <a:effectLst/>
@@ -7817,7 +7793,7 @@
                     <a:bodyPr/>
                     <a:lstStyle/>
                     <a:p>
-                      <a:pPr algn="r" fontAlgn="b"/>
+                      <a:pPr algn="l" fontAlgn="b"/>
                       <a:r>
                         <a:rPr lang="en-GB" sz="1600" u="none" strike="noStrike">
                           <a:effectLst/>
@@ -7840,7 +7816,7 @@
                     <a:bodyPr/>
                     <a:lstStyle/>
                     <a:p>
-                      <a:pPr algn="r" fontAlgn="b"/>
+                      <a:pPr algn="l" fontAlgn="b"/>
                       <a:r>
                         <a:rPr lang="en-GB" sz="1600" u="none" strike="noStrike" dirty="0">
                           <a:effectLst/>
@@ -7883,7 +7859,7 @@
                 </a:tc>
                 <a:extLst>
                   <a:ext uri="{0D108BD9-81ED-4DB2-BD59-A6C34878D82A}">
-                    <a16:rowId xmlns="" xmlns:a16="http://schemas.microsoft.com/office/drawing/2014/main" val="2572836936"/>
+                    <a16:rowId xmlns:a16="http://schemas.microsoft.com/office/drawing/2014/main" val="2572836936"/>
                   </a:ext>
                 </a:extLst>
               </a:tr>
@@ -7893,7 +7869,7 @@
                     <a:bodyPr/>
                     <a:lstStyle/>
                     <a:p>
-                      <a:pPr algn="r" fontAlgn="b"/>
+                      <a:pPr algn="l" fontAlgn="b"/>
                       <a:r>
                         <a:rPr lang="en-GB" sz="1600" u="none" strike="noStrike">
                           <a:effectLst/>
@@ -7939,7 +7915,7 @@
                     <a:bodyPr/>
                     <a:lstStyle/>
                     <a:p>
-                      <a:pPr algn="r" fontAlgn="b"/>
+                      <a:pPr algn="l" fontAlgn="b"/>
                       <a:r>
                         <a:rPr lang="en-GB" sz="1600" u="none" strike="noStrike">
                           <a:effectLst/>
@@ -7962,7 +7938,7 @@
                     <a:bodyPr/>
                     <a:lstStyle/>
                     <a:p>
-                      <a:pPr algn="r" fontAlgn="b"/>
+                      <a:pPr algn="l" fontAlgn="b"/>
                       <a:r>
                         <a:rPr lang="en-GB" sz="1600" u="none" strike="noStrike">
                           <a:effectLst/>
@@ -7985,7 +7961,7 @@
                     <a:bodyPr/>
                     <a:lstStyle/>
                     <a:p>
-                      <a:pPr algn="r" fontAlgn="b"/>
+                      <a:pPr algn="l" fontAlgn="b"/>
                       <a:r>
                         <a:rPr lang="en-GB" sz="1600" u="none" strike="noStrike" dirty="0">
                           <a:effectLst/>
@@ -8028,7 +8004,7 @@
                 </a:tc>
                 <a:extLst>
                   <a:ext uri="{0D108BD9-81ED-4DB2-BD59-A6C34878D82A}">
-                    <a16:rowId xmlns="" xmlns:a16="http://schemas.microsoft.com/office/drawing/2014/main" val="609615910"/>
+                    <a16:rowId xmlns:a16="http://schemas.microsoft.com/office/drawing/2014/main" val="609615910"/>
                   </a:ext>
                 </a:extLst>
               </a:tr>
@@ -8041,7 +8017,7 @@
           <p:cNvPr id="4" name="Slide Number Placeholder 3">
             <a:extLst>
               <a:ext uri="{FF2B5EF4-FFF2-40B4-BE49-F238E27FC236}">
-                <a16:creationId xmlns="" xmlns:a16="http://schemas.microsoft.com/office/drawing/2014/main" id="{ACE92B05-9DD6-4E3A-8D54-50ADB6D1B47E}"/>
+                <a16:creationId xmlns:a16="http://schemas.microsoft.com/office/drawing/2014/main" id="{ACE92B05-9DD6-4E3A-8D54-50ADB6D1B47E}"/>
               </a:ext>
             </a:extLst>
           </p:cNvPr>
@@ -8163,7 +8139,7 @@
           <p:cNvPr id="8" name="Content Placeholder 7">
             <a:extLst>
               <a:ext uri="{FF2B5EF4-FFF2-40B4-BE49-F238E27FC236}">
-                <a16:creationId xmlns="" xmlns:a16="http://schemas.microsoft.com/office/drawing/2014/main" id="{F76AE7BA-9641-41C6-852A-429F57CC3422}"/>
+                <a16:creationId xmlns:a16="http://schemas.microsoft.com/office/drawing/2014/main" id="{F76AE7BA-9641-41C6-852A-429F57CC3422}"/>
               </a:ext>
             </a:extLst>
           </p:cNvPr>
@@ -8193,28 +8169,28 @@
                 <a:gridCol w="2103120">
                   <a:extLst>
                     <a:ext uri="{9D8B030D-6E8A-4147-A177-3AD203B41FA5}">
-                      <a16:colId xmlns="" xmlns:a16="http://schemas.microsoft.com/office/drawing/2014/main" val="994740432"/>
+                      <a16:colId xmlns:a16="http://schemas.microsoft.com/office/drawing/2014/main" val="994740432"/>
                     </a:ext>
                   </a:extLst>
                 </a:gridCol>
                 <a:gridCol w="2103120">
                   <a:extLst>
                     <a:ext uri="{9D8B030D-6E8A-4147-A177-3AD203B41FA5}">
-                      <a16:colId xmlns="" xmlns:a16="http://schemas.microsoft.com/office/drawing/2014/main" val="1379236012"/>
+                      <a16:colId xmlns:a16="http://schemas.microsoft.com/office/drawing/2014/main" val="1379236012"/>
                     </a:ext>
                   </a:extLst>
                 </a:gridCol>
                 <a:gridCol w="2103120">
                   <a:extLst>
                     <a:ext uri="{9D8B030D-6E8A-4147-A177-3AD203B41FA5}">
-                      <a16:colId xmlns="" xmlns:a16="http://schemas.microsoft.com/office/drawing/2014/main" val="1221670367"/>
+                      <a16:colId xmlns:a16="http://schemas.microsoft.com/office/drawing/2014/main" val="1221670367"/>
                     </a:ext>
                   </a:extLst>
                 </a:gridCol>
                 <a:gridCol w="2103120">
                   <a:extLst>
                     <a:ext uri="{9D8B030D-6E8A-4147-A177-3AD203B41FA5}">
-                      <a16:colId xmlns="" xmlns:a16="http://schemas.microsoft.com/office/drawing/2014/main" val="2171438027"/>
+                      <a16:colId xmlns:a16="http://schemas.microsoft.com/office/drawing/2014/main" val="2171438027"/>
                     </a:ext>
                   </a:extLst>
                 </a:gridCol>
@@ -8314,7 +8290,7 @@
                 </a:tc>
                 <a:extLst>
                   <a:ext uri="{0D108BD9-81ED-4DB2-BD59-A6C34878D82A}">
-                    <a16:rowId xmlns="" xmlns:a16="http://schemas.microsoft.com/office/drawing/2014/main" val="2195642232"/>
+                    <a16:rowId xmlns:a16="http://schemas.microsoft.com/office/drawing/2014/main" val="2195642232"/>
                   </a:ext>
                 </a:extLst>
               </a:tr>
@@ -8413,7 +8389,7 @@
                 </a:tc>
                 <a:extLst>
                   <a:ext uri="{0D108BD9-81ED-4DB2-BD59-A6C34878D82A}">
-                    <a16:rowId xmlns="" xmlns:a16="http://schemas.microsoft.com/office/drawing/2014/main" val="3895168461"/>
+                    <a16:rowId xmlns:a16="http://schemas.microsoft.com/office/drawing/2014/main" val="3895168461"/>
                   </a:ext>
                 </a:extLst>
               </a:tr>
@@ -8512,7 +8488,7 @@
                 </a:tc>
                 <a:extLst>
                   <a:ext uri="{0D108BD9-81ED-4DB2-BD59-A6C34878D82A}">
-                    <a16:rowId xmlns="" xmlns:a16="http://schemas.microsoft.com/office/drawing/2014/main" val="959653611"/>
+                    <a16:rowId xmlns:a16="http://schemas.microsoft.com/office/drawing/2014/main" val="959653611"/>
                   </a:ext>
                 </a:extLst>
               </a:tr>
@@ -8611,7 +8587,7 @@
                 </a:tc>
                 <a:extLst>
                   <a:ext uri="{0D108BD9-81ED-4DB2-BD59-A6C34878D82A}">
-                    <a16:rowId xmlns="" xmlns:a16="http://schemas.microsoft.com/office/drawing/2014/main" val="2555202794"/>
+                    <a16:rowId xmlns:a16="http://schemas.microsoft.com/office/drawing/2014/main" val="2555202794"/>
                   </a:ext>
                 </a:extLst>
               </a:tr>
@@ -8710,7 +8686,7 @@
                 </a:tc>
                 <a:extLst>
                   <a:ext uri="{0D108BD9-81ED-4DB2-BD59-A6C34878D82A}">
-                    <a16:rowId xmlns="" xmlns:a16="http://schemas.microsoft.com/office/drawing/2014/main" val="2305501086"/>
+                    <a16:rowId xmlns:a16="http://schemas.microsoft.com/office/drawing/2014/main" val="2305501086"/>
                   </a:ext>
                 </a:extLst>
               </a:tr>
@@ -8809,7 +8785,7 @@
                 </a:tc>
                 <a:extLst>
                   <a:ext uri="{0D108BD9-81ED-4DB2-BD59-A6C34878D82A}">
-                    <a16:rowId xmlns="" xmlns:a16="http://schemas.microsoft.com/office/drawing/2014/main" val="3416750826"/>
+                    <a16:rowId xmlns:a16="http://schemas.microsoft.com/office/drawing/2014/main" val="3416750826"/>
                   </a:ext>
                 </a:extLst>
               </a:tr>
@@ -8908,7 +8884,7 @@
                 </a:tc>
                 <a:extLst>
                   <a:ext uri="{0D108BD9-81ED-4DB2-BD59-A6C34878D82A}">
-                    <a16:rowId xmlns="" xmlns:a16="http://schemas.microsoft.com/office/drawing/2014/main" val="576399743"/>
+                    <a16:rowId xmlns:a16="http://schemas.microsoft.com/office/drawing/2014/main" val="576399743"/>
                   </a:ext>
                 </a:extLst>
               </a:tr>
@@ -9007,7 +8983,7 @@
                 </a:tc>
                 <a:extLst>
                   <a:ext uri="{0D108BD9-81ED-4DB2-BD59-A6C34878D82A}">
-                    <a16:rowId xmlns="" xmlns:a16="http://schemas.microsoft.com/office/drawing/2014/main" val="1466000223"/>
+                    <a16:rowId xmlns:a16="http://schemas.microsoft.com/office/drawing/2014/main" val="1466000223"/>
                   </a:ext>
                 </a:extLst>
               </a:tr>
@@ -9106,7 +9082,7 @@
                 </a:tc>
                 <a:extLst>
                   <a:ext uri="{0D108BD9-81ED-4DB2-BD59-A6C34878D82A}">
-                    <a16:rowId xmlns="" xmlns:a16="http://schemas.microsoft.com/office/drawing/2014/main" val="3402542484"/>
+                    <a16:rowId xmlns:a16="http://schemas.microsoft.com/office/drawing/2014/main" val="3402542484"/>
                   </a:ext>
                 </a:extLst>
               </a:tr>
@@ -9205,7 +9181,7 @@
                 </a:tc>
                 <a:extLst>
                   <a:ext uri="{0D108BD9-81ED-4DB2-BD59-A6C34878D82A}">
-                    <a16:rowId xmlns="" xmlns:a16="http://schemas.microsoft.com/office/drawing/2014/main" val="88509442"/>
+                    <a16:rowId xmlns:a16="http://schemas.microsoft.com/office/drawing/2014/main" val="88509442"/>
                   </a:ext>
                 </a:extLst>
               </a:tr>
@@ -9304,7 +9280,7 @@
                 </a:tc>
                 <a:extLst>
                   <a:ext uri="{0D108BD9-81ED-4DB2-BD59-A6C34878D82A}">
-                    <a16:rowId xmlns="" xmlns:a16="http://schemas.microsoft.com/office/drawing/2014/main" val="3892384822"/>
+                    <a16:rowId xmlns:a16="http://schemas.microsoft.com/office/drawing/2014/main" val="3892384822"/>
                   </a:ext>
                 </a:extLst>
               </a:tr>
@@ -9403,7 +9379,7 @@
                 </a:tc>
                 <a:extLst>
                   <a:ext uri="{0D108BD9-81ED-4DB2-BD59-A6C34878D82A}">
-                    <a16:rowId xmlns="" xmlns:a16="http://schemas.microsoft.com/office/drawing/2014/main" val="3597563155"/>
+                    <a16:rowId xmlns:a16="http://schemas.microsoft.com/office/drawing/2014/main" val="3597563155"/>
                   </a:ext>
                 </a:extLst>
               </a:tr>
@@ -9496,7 +9472,7 @@
                 </a:tc>
                 <a:extLst>
                   <a:ext uri="{0D108BD9-81ED-4DB2-BD59-A6C34878D82A}">
-                    <a16:rowId xmlns="" xmlns:a16="http://schemas.microsoft.com/office/drawing/2014/main" val="2781787702"/>
+                    <a16:rowId xmlns:a16="http://schemas.microsoft.com/office/drawing/2014/main" val="2781787702"/>
                   </a:ext>
                 </a:extLst>
               </a:tr>
@@ -9591,126 +9567,126 @@
                 <a:gridCol w="1005840">
                   <a:extLst>
                     <a:ext uri="{9D8B030D-6E8A-4147-A177-3AD203B41FA5}">
-                      <a16:colId xmlns="" xmlns:a16="http://schemas.microsoft.com/office/drawing/2014/main" val="20000"/>
+                      <a16:colId xmlns:a16="http://schemas.microsoft.com/office/drawing/2014/main" val="20000"/>
                     </a:ext>
                   </a:extLst>
                 </a:gridCol>
                 <a:gridCol w="548640">
                   <a:extLst>
                     <a:ext uri="{9D8B030D-6E8A-4147-A177-3AD203B41FA5}">
-                      <a16:colId xmlns="" xmlns:a16="http://schemas.microsoft.com/office/drawing/2014/main" val="20001"/>
+                      <a16:colId xmlns:a16="http://schemas.microsoft.com/office/drawing/2014/main" val="20001"/>
                     </a:ext>
                   </a:extLst>
                 </a:gridCol>
                 <a:gridCol w="469392">
                   <a:extLst>
                     <a:ext uri="{9D8B030D-6E8A-4147-A177-3AD203B41FA5}">
-                      <a16:colId xmlns="" xmlns:a16="http://schemas.microsoft.com/office/drawing/2014/main" val="20002"/>
+                      <a16:colId xmlns:a16="http://schemas.microsoft.com/office/drawing/2014/main" val="20002"/>
                     </a:ext>
                   </a:extLst>
                 </a:gridCol>
                 <a:gridCol w="585216">
                   <a:extLst>
                     <a:ext uri="{9D8B030D-6E8A-4147-A177-3AD203B41FA5}">
-                      <a16:colId xmlns="" xmlns:a16="http://schemas.microsoft.com/office/drawing/2014/main" val="20003"/>
+                      <a16:colId xmlns:a16="http://schemas.microsoft.com/office/drawing/2014/main" val="20003"/>
                     </a:ext>
                   </a:extLst>
                 </a:gridCol>
                 <a:gridCol w="729510">
                   <a:extLst>
                     <a:ext uri="{9D8B030D-6E8A-4147-A177-3AD203B41FA5}">
-                      <a16:colId xmlns="" xmlns:a16="http://schemas.microsoft.com/office/drawing/2014/main" val="20004"/>
+                      <a16:colId xmlns:a16="http://schemas.microsoft.com/office/drawing/2014/main" val="20004"/>
                     </a:ext>
                   </a:extLst>
                 </a:gridCol>
                 <a:gridCol w="549498">
                   <a:extLst>
                     <a:ext uri="{9D8B030D-6E8A-4147-A177-3AD203B41FA5}">
-                      <a16:colId xmlns="" xmlns:a16="http://schemas.microsoft.com/office/drawing/2014/main" val="20005"/>
+                      <a16:colId xmlns:a16="http://schemas.microsoft.com/office/drawing/2014/main" val="20005"/>
                     </a:ext>
                   </a:extLst>
                 </a:gridCol>
                 <a:gridCol w="549498">
                   <a:extLst>
                     <a:ext uri="{9D8B030D-6E8A-4147-A177-3AD203B41FA5}">
-                      <a16:colId xmlns="" xmlns:a16="http://schemas.microsoft.com/office/drawing/2014/main" val="20006"/>
+                      <a16:colId xmlns:a16="http://schemas.microsoft.com/office/drawing/2014/main" val="20006"/>
                     </a:ext>
                   </a:extLst>
                 </a:gridCol>
                 <a:gridCol w="549498">
                   <a:extLst>
                     <a:ext uri="{9D8B030D-6E8A-4147-A177-3AD203B41FA5}">
-                      <a16:colId xmlns="" xmlns:a16="http://schemas.microsoft.com/office/drawing/2014/main" val="20007"/>
+                      <a16:colId xmlns:a16="http://schemas.microsoft.com/office/drawing/2014/main" val="20007"/>
                     </a:ext>
                   </a:extLst>
                 </a:gridCol>
                 <a:gridCol w="549498">
                   <a:extLst>
                     <a:ext uri="{9D8B030D-6E8A-4147-A177-3AD203B41FA5}">
-                      <a16:colId xmlns="" xmlns:a16="http://schemas.microsoft.com/office/drawing/2014/main" val="20008"/>
+                      <a16:colId xmlns:a16="http://schemas.microsoft.com/office/drawing/2014/main" val="20008"/>
                     </a:ext>
                   </a:extLst>
                 </a:gridCol>
                 <a:gridCol w="549498">
                   <a:extLst>
                     <a:ext uri="{9D8B030D-6E8A-4147-A177-3AD203B41FA5}">
-                      <a16:colId xmlns="" xmlns:a16="http://schemas.microsoft.com/office/drawing/2014/main" val="20009"/>
+                      <a16:colId xmlns:a16="http://schemas.microsoft.com/office/drawing/2014/main" val="20009"/>
                     </a:ext>
                   </a:extLst>
                 </a:gridCol>
                 <a:gridCol w="549498">
                   <a:extLst>
                     <a:ext uri="{9D8B030D-6E8A-4147-A177-3AD203B41FA5}">
-                      <a16:colId xmlns="" xmlns:a16="http://schemas.microsoft.com/office/drawing/2014/main" val="20010"/>
+                      <a16:colId xmlns:a16="http://schemas.microsoft.com/office/drawing/2014/main" val="20010"/>
                     </a:ext>
                   </a:extLst>
                 </a:gridCol>
                 <a:gridCol w="549498">
                   <a:extLst>
                     <a:ext uri="{9D8B030D-6E8A-4147-A177-3AD203B41FA5}">
-                      <a16:colId xmlns="" xmlns:a16="http://schemas.microsoft.com/office/drawing/2014/main" val="20011"/>
+                      <a16:colId xmlns:a16="http://schemas.microsoft.com/office/drawing/2014/main" val="20011"/>
                     </a:ext>
                   </a:extLst>
                 </a:gridCol>
                 <a:gridCol w="549498">
                   <a:extLst>
                     <a:ext uri="{9D8B030D-6E8A-4147-A177-3AD203B41FA5}">
-                      <a16:colId xmlns="" xmlns:a16="http://schemas.microsoft.com/office/drawing/2014/main" val="20012"/>
+                      <a16:colId xmlns:a16="http://schemas.microsoft.com/office/drawing/2014/main" val="20012"/>
                     </a:ext>
                   </a:extLst>
                 </a:gridCol>
                 <a:gridCol w="549498">
                   <a:extLst>
                     <a:ext uri="{9D8B030D-6E8A-4147-A177-3AD203B41FA5}">
-                      <a16:colId xmlns="" xmlns:a16="http://schemas.microsoft.com/office/drawing/2014/main" val="20013"/>
+                      <a16:colId xmlns:a16="http://schemas.microsoft.com/office/drawing/2014/main" val="20013"/>
                     </a:ext>
                   </a:extLst>
                 </a:gridCol>
                 <a:gridCol w="549498">
                   <a:extLst>
                     <a:ext uri="{9D8B030D-6E8A-4147-A177-3AD203B41FA5}">
-                      <a16:colId xmlns="" xmlns:a16="http://schemas.microsoft.com/office/drawing/2014/main" val="20014"/>
+                      <a16:colId xmlns:a16="http://schemas.microsoft.com/office/drawing/2014/main" val="20014"/>
                     </a:ext>
                   </a:extLst>
                 </a:gridCol>
                 <a:gridCol w="549498">
                   <a:extLst>
                     <a:ext uri="{9D8B030D-6E8A-4147-A177-3AD203B41FA5}">
-                      <a16:colId xmlns="" xmlns:a16="http://schemas.microsoft.com/office/drawing/2014/main" val="20015"/>
+                      <a16:colId xmlns:a16="http://schemas.microsoft.com/office/drawing/2014/main" val="20015"/>
                     </a:ext>
                   </a:extLst>
                 </a:gridCol>
                 <a:gridCol w="549498">
                   <a:extLst>
                     <a:ext uri="{9D8B030D-6E8A-4147-A177-3AD203B41FA5}">
-                      <a16:colId xmlns="" xmlns:a16="http://schemas.microsoft.com/office/drawing/2014/main" val="20016"/>
+                      <a16:colId xmlns:a16="http://schemas.microsoft.com/office/drawing/2014/main" val="20016"/>
                     </a:ext>
                   </a:extLst>
                 </a:gridCol>
                 <a:gridCol w="549498">
                   <a:extLst>
                     <a:ext uri="{9D8B030D-6E8A-4147-A177-3AD203B41FA5}">
-                      <a16:colId xmlns="" xmlns:a16="http://schemas.microsoft.com/office/drawing/2014/main" val="20017"/>
+                      <a16:colId xmlns:a16="http://schemas.microsoft.com/office/drawing/2014/main" val="20017"/>
                     </a:ext>
                   </a:extLst>
                 </a:gridCol>
@@ -10258,7 +10234,7 @@
                 </a:tc>
                 <a:extLst>
                   <a:ext uri="{0D108BD9-81ED-4DB2-BD59-A6C34878D82A}">
-                    <a16:rowId xmlns="" xmlns:a16="http://schemas.microsoft.com/office/drawing/2014/main" val="10000"/>
+                    <a16:rowId xmlns:a16="http://schemas.microsoft.com/office/drawing/2014/main" val="10000"/>
                   </a:ext>
                 </a:extLst>
               </a:tr>
@@ -10718,7 +10694,7 @@
                 </a:tc>
                 <a:extLst>
                   <a:ext uri="{0D108BD9-81ED-4DB2-BD59-A6C34878D82A}">
-                    <a16:rowId xmlns="" xmlns:a16="http://schemas.microsoft.com/office/drawing/2014/main" val="10001"/>
+                    <a16:rowId xmlns:a16="http://schemas.microsoft.com/office/drawing/2014/main" val="10001"/>
                   </a:ext>
                 </a:extLst>
               </a:tr>
@@ -11178,7 +11154,7 @@
                 </a:tc>
                 <a:extLst>
                   <a:ext uri="{0D108BD9-81ED-4DB2-BD59-A6C34878D82A}">
-                    <a16:rowId xmlns="" xmlns:a16="http://schemas.microsoft.com/office/drawing/2014/main" val="10002"/>
+                    <a16:rowId xmlns:a16="http://schemas.microsoft.com/office/drawing/2014/main" val="10002"/>
                   </a:ext>
                 </a:extLst>
               </a:tr>
@@ -11638,7 +11614,7 @@
                 </a:tc>
                 <a:extLst>
                   <a:ext uri="{0D108BD9-81ED-4DB2-BD59-A6C34878D82A}">
-                    <a16:rowId xmlns="" xmlns:a16="http://schemas.microsoft.com/office/drawing/2014/main" val="10003"/>
+                    <a16:rowId xmlns:a16="http://schemas.microsoft.com/office/drawing/2014/main" val="10003"/>
                   </a:ext>
                 </a:extLst>
               </a:tr>
@@ -12098,7 +12074,7 @@
                 </a:tc>
                 <a:extLst>
                   <a:ext uri="{0D108BD9-81ED-4DB2-BD59-A6C34878D82A}">
-                    <a16:rowId xmlns="" xmlns:a16="http://schemas.microsoft.com/office/drawing/2014/main" val="10004"/>
+                    <a16:rowId xmlns:a16="http://schemas.microsoft.com/office/drawing/2014/main" val="10004"/>
                   </a:ext>
                 </a:extLst>
               </a:tr>
@@ -12558,7 +12534,7 @@
                 </a:tc>
                 <a:extLst>
                   <a:ext uri="{0D108BD9-81ED-4DB2-BD59-A6C34878D82A}">
-                    <a16:rowId xmlns="" xmlns:a16="http://schemas.microsoft.com/office/drawing/2014/main" val="10005"/>
+                    <a16:rowId xmlns:a16="http://schemas.microsoft.com/office/drawing/2014/main" val="10005"/>
                   </a:ext>
                 </a:extLst>
               </a:tr>
@@ -13018,7 +12994,7 @@
                 </a:tc>
                 <a:extLst>
                   <a:ext uri="{0D108BD9-81ED-4DB2-BD59-A6C34878D82A}">
-                    <a16:rowId xmlns="" xmlns:a16="http://schemas.microsoft.com/office/drawing/2014/main" val="10006"/>
+                    <a16:rowId xmlns:a16="http://schemas.microsoft.com/office/drawing/2014/main" val="10006"/>
                   </a:ext>
                 </a:extLst>
               </a:tr>
@@ -13478,7 +13454,7 @@
                 </a:tc>
                 <a:extLst>
                   <a:ext uri="{0D108BD9-81ED-4DB2-BD59-A6C34878D82A}">
-                    <a16:rowId xmlns="" xmlns:a16="http://schemas.microsoft.com/office/drawing/2014/main" val="10007"/>
+                    <a16:rowId xmlns:a16="http://schemas.microsoft.com/office/drawing/2014/main" val="10007"/>
                   </a:ext>
                 </a:extLst>
               </a:tr>
@@ -13938,7 +13914,7 @@
                 </a:tc>
                 <a:extLst>
                   <a:ext uri="{0D108BD9-81ED-4DB2-BD59-A6C34878D82A}">
-                    <a16:rowId xmlns="" xmlns:a16="http://schemas.microsoft.com/office/drawing/2014/main" val="10008"/>
+                    <a16:rowId xmlns:a16="http://schemas.microsoft.com/office/drawing/2014/main" val="10008"/>
                   </a:ext>
                 </a:extLst>
               </a:tr>
@@ -14398,7 +14374,7 @@
                 </a:tc>
                 <a:extLst>
                   <a:ext uri="{0D108BD9-81ED-4DB2-BD59-A6C34878D82A}">
-                    <a16:rowId xmlns="" xmlns:a16="http://schemas.microsoft.com/office/drawing/2014/main" val="10009"/>
+                    <a16:rowId xmlns:a16="http://schemas.microsoft.com/office/drawing/2014/main" val="10009"/>
                   </a:ext>
                 </a:extLst>
               </a:tr>
@@ -14858,7 +14834,7 @@
                 </a:tc>
                 <a:extLst>
                   <a:ext uri="{0D108BD9-81ED-4DB2-BD59-A6C34878D82A}">
-                    <a16:rowId xmlns="" xmlns:a16="http://schemas.microsoft.com/office/drawing/2014/main" val="10010"/>
+                    <a16:rowId xmlns:a16="http://schemas.microsoft.com/office/drawing/2014/main" val="10010"/>
                   </a:ext>
                 </a:extLst>
               </a:tr>
@@ -15318,7 +15294,7 @@
                 </a:tc>
                 <a:extLst>
                   <a:ext uri="{0D108BD9-81ED-4DB2-BD59-A6C34878D82A}">
-                    <a16:rowId xmlns="" xmlns:a16="http://schemas.microsoft.com/office/drawing/2014/main" val="10011"/>
+                    <a16:rowId xmlns:a16="http://schemas.microsoft.com/office/drawing/2014/main" val="10011"/>
                   </a:ext>
                 </a:extLst>
               </a:tr>
@@ -15778,7 +15754,7 @@
                 </a:tc>
                 <a:extLst>
                   <a:ext uri="{0D108BD9-81ED-4DB2-BD59-A6C34878D82A}">
-                    <a16:rowId xmlns="" xmlns:a16="http://schemas.microsoft.com/office/drawing/2014/main" val="10012"/>
+                    <a16:rowId xmlns:a16="http://schemas.microsoft.com/office/drawing/2014/main" val="10012"/>
                   </a:ext>
                 </a:extLst>
               </a:tr>
@@ -16238,7 +16214,7 @@
                 </a:tc>
                 <a:extLst>
                   <a:ext uri="{0D108BD9-81ED-4DB2-BD59-A6C34878D82A}">
-                    <a16:rowId xmlns="" xmlns:a16="http://schemas.microsoft.com/office/drawing/2014/main" val="10013"/>
+                    <a16:rowId xmlns:a16="http://schemas.microsoft.com/office/drawing/2014/main" val="10013"/>
                   </a:ext>
                 </a:extLst>
               </a:tr>
@@ -16316,10 +16292,9 @@
           <a:p>
             <a:pPr algn="ctr"/>
             <a:r>
-              <a:rPr lang="en-GB" dirty="0" smtClean="0"/>
+              <a:rPr lang="en-GB" dirty="0"/>
               <a:t>12:57146069_G_T is rs2277339!!!</a:t>
             </a:r>
-            <a:endParaRPr lang="en-GB" dirty="0"/>
           </a:p>
         </p:txBody>
       </p:sp>
@@ -16339,16 +16314,8 @@
           <a:lstStyle/>
           <a:p>
             <a:r>
-              <a:rPr lang="en-GB" dirty="0" smtClean="0"/>
-              <a:t>Results </a:t>
-            </a:r>
-            <a:r>
               <a:rPr lang="en-GB" dirty="0"/>
-              <a:t>from HRC panel </a:t>
-            </a:r>
-            <a:r>
-              <a:rPr lang="en-GB" dirty="0" smtClean="0"/>
-              <a:t>are promising but 1KG phase III reference panel is sufficient.</a:t>
+              <a:t>Results from HRC panel are promising but 1KG phase III reference panel is sufficient.</a:t>
             </a:r>
           </a:p>
           <a:p>
@@ -16360,20 +16327,15 @@
               <a:rPr lang="en-GB" dirty="0"/>
               <a:t> </a:t>
             </a:r>
-            <a:endParaRPr lang="en-GB" dirty="0" smtClean="0"/>
           </a:p>
           <a:p>
             <a:r>
-              <a:rPr lang="en-GB" dirty="0" err="1" smtClean="0"/>
+              <a:rPr lang="en-GB" dirty="0" err="1"/>
               <a:t>Chr</a:t>
             </a:r>
             <a:r>
-              <a:rPr lang="en-GB" dirty="0" smtClean="0"/>
-              <a:t> </a:t>
-            </a:r>
-            <a:r>
               <a:rPr lang="en-GB" dirty="0"/>
-              <a:t>SNP </a:t>
+              <a:t> SNP </a:t>
             </a:r>
             <a:r>
               <a:rPr lang="en-GB" dirty="0" err="1"/>
@@ -16440,77 +16402,52 @@
           <a:p>
             <a:r>
               <a:rPr lang="en-GB" dirty="0"/>
-              <a:t>12 12:57146069_G_T 57146069 T 0.8889 0.3242 0.034 1.416e-21 66329.1 0.886503 </a:t>
-            </a:r>
-            <a:r>
-              <a:rPr lang="en-GB" dirty="0" smtClean="0"/>
-              <a:t>0.3242 0.034023 </a:t>
-            </a:r>
-            <a:r>
-              <a:rPr lang="en-GB" dirty="0"/>
-              <a:t>1.59055e-21 0</a:t>
+              <a:t>12 12:57146069_G_T 57146069 T 0.8889 0.3242 0.034 1.416e-21 66329.1 0.886503 0.3242 0.034023 1.59055e-21 0</a:t>
             </a:r>
           </a:p>
           <a:p>
             <a:r>
-              <a:rPr lang="en-GB" dirty="0" smtClean="0"/>
+              <a:rPr lang="en-GB" dirty="0"/>
               <a:t>J</a:t>
             </a:r>
             <a:r>
-              <a:rPr lang="en-GB" b="1" dirty="0" smtClean="0"/>
+              <a:rPr lang="en-GB" b="1" dirty="0"/>
               <a:t>AM</a:t>
             </a:r>
             <a:r>
-              <a:rPr lang="en-GB" dirty="0" smtClean="0"/>
-              <a:t>.  BF=29391.4444, top model has </a:t>
-            </a:r>
-            <a:r>
               <a:rPr lang="en-GB" dirty="0"/>
-              <a:t>posterior </a:t>
-            </a:r>
-            <a:r>
-              <a:rPr lang="en-GB" dirty="0" smtClean="0"/>
-              <a:t>probability=0.8486.</a:t>
+              <a:t>.  BF=29391.4444, top model has posterior probability=0.8486.</a:t>
             </a:r>
           </a:p>
           <a:p>
             <a:r>
-              <a:rPr lang="en-GB" b="1" dirty="0" err="1" smtClean="0"/>
+              <a:rPr lang="en-GB" b="1" dirty="0" err="1"/>
               <a:t>finemap</a:t>
             </a:r>
             <a:r>
-              <a:rPr lang="en-GB" b="1" dirty="0" smtClean="0"/>
+              <a:rPr lang="en-GB" b="1" dirty="0"/>
               <a:t>.</a:t>
             </a:r>
             <a:r>
-              <a:rPr lang="en-GB" dirty="0" smtClean="0"/>
+              <a:rPr lang="en-GB" dirty="0"/>
               <a:t> </a:t>
             </a:r>
             <a:r>
-              <a:rPr lang="en-GB" dirty="0" err="1" smtClean="0"/>
+              <a:rPr lang="en-GB" dirty="0" err="1"/>
               <a:t>snp_prob</a:t>
             </a:r>
             <a:r>
               <a:rPr lang="en-GB" dirty="0"/>
-              <a:t>=1, </a:t>
-            </a:r>
-            <a:r>
-              <a:rPr lang="en-GB" dirty="0" smtClean="0"/>
-              <a:t>snp_log10bf=8.4214, </a:t>
-            </a:r>
-            <a:r>
-              <a:rPr lang="en-GB" dirty="0" err="1" smtClean="0"/>
+              <a:t>=1, snp_log10bf=8.4214, </a:t>
+            </a:r>
+            <a:r>
+              <a:rPr lang="en-GB" dirty="0" err="1"/>
               <a:t>config_prob</a:t>
             </a:r>
             <a:r>
               <a:rPr lang="en-GB" dirty="0"/>
-              <a:t>=0.8672335, </a:t>
-            </a:r>
-            <a:r>
-              <a:rPr lang="en-GB" dirty="0" smtClean="0"/>
-              <a:t>config_log10bf=18.50581.</a:t>
-            </a:r>
-            <a:endParaRPr lang="en-GB" dirty="0"/>
+              <a:t>=0.8672335, config_log10bf=18.50581.</a:t>
+            </a:r>
           </a:p>
           <a:p>
             <a:endParaRPr lang="en-GB" dirty="0"/>
@@ -16942,35 +16879,35 @@
                 <a:gridCol w="2103120">
                   <a:extLst>
                     <a:ext uri="{9D8B030D-6E8A-4147-A177-3AD203B41FA5}">
-                      <a16:colId xmlns="" xmlns:a16="http://schemas.microsoft.com/office/drawing/2014/main" val="2178192700"/>
+                      <a16:colId xmlns:a16="http://schemas.microsoft.com/office/drawing/2014/main" val="2178192700"/>
                     </a:ext>
                   </a:extLst>
                 </a:gridCol>
                 <a:gridCol w="2103120">
                   <a:extLst>
                     <a:ext uri="{9D8B030D-6E8A-4147-A177-3AD203B41FA5}">
-                      <a16:colId xmlns="" xmlns:a16="http://schemas.microsoft.com/office/drawing/2014/main" val="331999573"/>
+                      <a16:colId xmlns:a16="http://schemas.microsoft.com/office/drawing/2014/main" val="331999573"/>
                     </a:ext>
                   </a:extLst>
                 </a:gridCol>
                 <a:gridCol w="2103120">
                   <a:extLst>
                     <a:ext uri="{9D8B030D-6E8A-4147-A177-3AD203B41FA5}">
-                      <a16:colId xmlns="" xmlns:a16="http://schemas.microsoft.com/office/drawing/2014/main" val="3597132808"/>
+                      <a16:colId xmlns:a16="http://schemas.microsoft.com/office/drawing/2014/main" val="3597132808"/>
                     </a:ext>
                   </a:extLst>
                 </a:gridCol>
                 <a:gridCol w="2103120">
                   <a:extLst>
                     <a:ext uri="{9D8B030D-6E8A-4147-A177-3AD203B41FA5}">
-                      <a16:colId xmlns="" xmlns:a16="http://schemas.microsoft.com/office/drawing/2014/main" val="596877116"/>
+                      <a16:colId xmlns:a16="http://schemas.microsoft.com/office/drawing/2014/main" val="596877116"/>
                     </a:ext>
                   </a:extLst>
                 </a:gridCol>
                 <a:gridCol w="2103120">
                   <a:extLst>
                     <a:ext uri="{9D8B030D-6E8A-4147-A177-3AD203B41FA5}">
-                      <a16:colId xmlns="" xmlns:a16="http://schemas.microsoft.com/office/drawing/2014/main" val="1778616611"/>
+                      <a16:colId xmlns:a16="http://schemas.microsoft.com/office/drawing/2014/main" val="1778616611"/>
                     </a:ext>
                   </a:extLst>
                 </a:gridCol>
@@ -17138,7 +17075,7 @@
                 </a:tc>
                 <a:extLst>
                   <a:ext uri="{0D108BD9-81ED-4DB2-BD59-A6C34878D82A}">
-                    <a16:rowId xmlns="" xmlns:a16="http://schemas.microsoft.com/office/drawing/2014/main" val="2548993085"/>
+                    <a16:rowId xmlns:a16="http://schemas.microsoft.com/office/drawing/2014/main" val="2548993085"/>
                   </a:ext>
                 </a:extLst>
               </a:tr>
@@ -17305,7 +17242,7 @@
                 </a:tc>
                 <a:extLst>
                   <a:ext uri="{0D108BD9-81ED-4DB2-BD59-A6C34878D82A}">
-                    <a16:rowId xmlns="" xmlns:a16="http://schemas.microsoft.com/office/drawing/2014/main" val="3696918108"/>
+                    <a16:rowId xmlns:a16="http://schemas.microsoft.com/office/drawing/2014/main" val="3696918108"/>
                   </a:ext>
                 </a:extLst>
               </a:tr>
@@ -17472,7 +17409,7 @@
                 </a:tc>
                 <a:extLst>
                   <a:ext uri="{0D108BD9-81ED-4DB2-BD59-A6C34878D82A}">
-                    <a16:rowId xmlns="" xmlns:a16="http://schemas.microsoft.com/office/drawing/2014/main" val="739848613"/>
+                    <a16:rowId xmlns:a16="http://schemas.microsoft.com/office/drawing/2014/main" val="739848613"/>
                   </a:ext>
                 </a:extLst>
               </a:tr>
@@ -17639,7 +17576,7 @@
                 </a:tc>
                 <a:extLst>
                   <a:ext uri="{0D108BD9-81ED-4DB2-BD59-A6C34878D82A}">
-                    <a16:rowId xmlns="" xmlns:a16="http://schemas.microsoft.com/office/drawing/2014/main" val="3862531879"/>
+                    <a16:rowId xmlns:a16="http://schemas.microsoft.com/office/drawing/2014/main" val="3862531879"/>
                   </a:ext>
                 </a:extLst>
               </a:tr>
@@ -17806,7 +17743,7 @@
                 </a:tc>
                 <a:extLst>
                   <a:ext uri="{0D108BD9-81ED-4DB2-BD59-A6C34878D82A}">
-                    <a16:rowId xmlns="" xmlns:a16="http://schemas.microsoft.com/office/drawing/2014/main" val="107777099"/>
+                    <a16:rowId xmlns:a16="http://schemas.microsoft.com/office/drawing/2014/main" val="107777099"/>
                   </a:ext>
                 </a:extLst>
               </a:tr>
@@ -17973,7 +17910,7 @@
                 </a:tc>
                 <a:extLst>
                   <a:ext uri="{0D108BD9-81ED-4DB2-BD59-A6C34878D82A}">
-                    <a16:rowId xmlns="" xmlns:a16="http://schemas.microsoft.com/office/drawing/2014/main" val="4196587497"/>
+                    <a16:rowId xmlns:a16="http://schemas.microsoft.com/office/drawing/2014/main" val="4196587497"/>
                   </a:ext>
                 </a:extLst>
               </a:tr>
@@ -18140,7 +18077,7 @@
                 </a:tc>
                 <a:extLst>
                   <a:ext uri="{0D108BD9-81ED-4DB2-BD59-A6C34878D82A}">
-                    <a16:rowId xmlns="" xmlns:a16="http://schemas.microsoft.com/office/drawing/2014/main" val="3973535048"/>
+                    <a16:rowId xmlns:a16="http://schemas.microsoft.com/office/drawing/2014/main" val="3973535048"/>
                   </a:ext>
                 </a:extLst>
               </a:tr>
@@ -18301,7 +18238,7 @@
                 </a:tc>
                 <a:extLst>
                   <a:ext uri="{0D108BD9-81ED-4DB2-BD59-A6C34878D82A}">
-                    <a16:rowId xmlns="" xmlns:a16="http://schemas.microsoft.com/office/drawing/2014/main" val="4184079262"/>
+                    <a16:rowId xmlns:a16="http://schemas.microsoft.com/office/drawing/2014/main" val="4184079262"/>
                   </a:ext>
                 </a:extLst>
               </a:tr>
@@ -18468,7 +18405,7 @@
                 </a:tc>
                 <a:extLst>
                   <a:ext uri="{0D108BD9-81ED-4DB2-BD59-A6C34878D82A}">
-                    <a16:rowId xmlns="" xmlns:a16="http://schemas.microsoft.com/office/drawing/2014/main" val="1549009875"/>
+                    <a16:rowId xmlns:a16="http://schemas.microsoft.com/office/drawing/2014/main" val="1549009875"/>
                   </a:ext>
                 </a:extLst>
               </a:tr>
@@ -18917,7 +18854,7 @@
             </a:r>
             <a:r>
               <a:rPr lang="en-GB" b="1" dirty="0"/>
-              <a:t>chr1_39114617-39614617.gen</a:t>
+              <a:t>chr1_39114617_39614617.gen.gz</a:t>
             </a:r>
             <a:r>
               <a:rPr lang="en-GB" dirty="0"/>
@@ -19072,7 +19009,7 @@
           <a:p>
             <a:r>
               <a:rPr lang="en-GB" dirty="0"/>
-              <a:t>1KG phase III as with FUSION</a:t>
+              <a:t>1KG phase III as with FUSION/LDREF</a:t>
             </a:r>
           </a:p>
           <a:p>
@@ -19255,63 +19192,63 @@
                 <a:gridCol w="586328">
                   <a:extLst>
                     <a:ext uri="{9D8B030D-6E8A-4147-A177-3AD203B41FA5}">
-                      <a16:colId xmlns="" xmlns:a16="http://schemas.microsoft.com/office/drawing/2014/main" val="1953549286"/>
+                      <a16:colId xmlns:a16="http://schemas.microsoft.com/office/drawing/2014/main" val="1953549286"/>
                     </a:ext>
                   </a:extLst>
                 </a:gridCol>
                 <a:gridCol w="1441911">
                   <a:extLst>
                     <a:ext uri="{9D8B030D-6E8A-4147-A177-3AD203B41FA5}">
-                      <a16:colId xmlns="" xmlns:a16="http://schemas.microsoft.com/office/drawing/2014/main" val="2286925942"/>
+                      <a16:colId xmlns:a16="http://schemas.microsoft.com/office/drawing/2014/main" val="2286925942"/>
                     </a:ext>
                   </a:extLst>
                 </a:gridCol>
                 <a:gridCol w="592568">
                   <a:extLst>
                     <a:ext uri="{9D8B030D-6E8A-4147-A177-3AD203B41FA5}">
-                      <a16:colId xmlns="" xmlns:a16="http://schemas.microsoft.com/office/drawing/2014/main" val="2240166967"/>
+                      <a16:colId xmlns:a16="http://schemas.microsoft.com/office/drawing/2014/main" val="2240166967"/>
                     </a:ext>
                   </a:extLst>
                 </a:gridCol>
                 <a:gridCol w="592568">
                   <a:extLst>
                     <a:ext uri="{9D8B030D-6E8A-4147-A177-3AD203B41FA5}">
-                      <a16:colId xmlns="" xmlns:a16="http://schemas.microsoft.com/office/drawing/2014/main" val="3084119439"/>
+                      <a16:colId xmlns:a16="http://schemas.microsoft.com/office/drawing/2014/main" val="3084119439"/>
                     </a:ext>
                   </a:extLst>
                 </a:gridCol>
                 <a:gridCol w="1035431">
                   <a:extLst>
                     <a:ext uri="{9D8B030D-6E8A-4147-A177-3AD203B41FA5}">
-                      <a16:colId xmlns="" xmlns:a16="http://schemas.microsoft.com/office/drawing/2014/main" val="2439947825"/>
+                      <a16:colId xmlns:a16="http://schemas.microsoft.com/office/drawing/2014/main" val="2439947825"/>
                     </a:ext>
                   </a:extLst>
                 </a:gridCol>
                 <a:gridCol w="1183054">
                   <a:extLst>
                     <a:ext uri="{9D8B030D-6E8A-4147-A177-3AD203B41FA5}">
-                      <a16:colId xmlns="" xmlns:a16="http://schemas.microsoft.com/office/drawing/2014/main" val="756702285"/>
+                      <a16:colId xmlns:a16="http://schemas.microsoft.com/office/drawing/2014/main" val="756702285"/>
                     </a:ext>
                   </a:extLst>
                 </a:gridCol>
                 <a:gridCol w="1035431">
                   <a:extLst>
                     <a:ext uri="{9D8B030D-6E8A-4147-A177-3AD203B41FA5}">
-                      <a16:colId xmlns="" xmlns:a16="http://schemas.microsoft.com/office/drawing/2014/main" val="52909403"/>
+                      <a16:colId xmlns:a16="http://schemas.microsoft.com/office/drawing/2014/main" val="52909403"/>
                     </a:ext>
                   </a:extLst>
                 </a:gridCol>
                 <a:gridCol w="2104131">
                   <a:extLst>
                     <a:ext uri="{9D8B030D-6E8A-4147-A177-3AD203B41FA5}">
-                      <a16:colId xmlns="" xmlns:a16="http://schemas.microsoft.com/office/drawing/2014/main" val="3498582246"/>
+                      <a16:colId xmlns:a16="http://schemas.microsoft.com/office/drawing/2014/main" val="3498582246"/>
                     </a:ext>
                   </a:extLst>
                 </a:gridCol>
                 <a:gridCol w="1042710">
                   <a:extLst>
                     <a:ext uri="{9D8B030D-6E8A-4147-A177-3AD203B41FA5}">
-                      <a16:colId xmlns="" xmlns:a16="http://schemas.microsoft.com/office/drawing/2014/main" val="2633740206"/>
+                      <a16:colId xmlns:a16="http://schemas.microsoft.com/office/drawing/2014/main" val="2633740206"/>
                     </a:ext>
                   </a:extLst>
                 </a:gridCol>
@@ -19580,7 +19517,7 @@
                 </a:tc>
                 <a:extLst>
                   <a:ext uri="{0D108BD9-81ED-4DB2-BD59-A6C34878D82A}">
-                    <a16:rowId xmlns="" xmlns:a16="http://schemas.microsoft.com/office/drawing/2014/main" val="4035685168"/>
+                    <a16:rowId xmlns:a16="http://schemas.microsoft.com/office/drawing/2014/main" val="4035685168"/>
                   </a:ext>
                 </a:extLst>
               </a:tr>
@@ -19848,7 +19785,7 @@
                 </a:tc>
                 <a:extLst>
                   <a:ext uri="{0D108BD9-81ED-4DB2-BD59-A6C34878D82A}">
-                    <a16:rowId xmlns="" xmlns:a16="http://schemas.microsoft.com/office/drawing/2014/main" val="3486077057"/>
+                    <a16:rowId xmlns:a16="http://schemas.microsoft.com/office/drawing/2014/main" val="3486077057"/>
                   </a:ext>
                 </a:extLst>
               </a:tr>
@@ -20263,7 +20200,7 @@
   <a:extraClrSchemeLst/>
   <a:extLst>
     <a:ext uri="{05A4C25C-085E-4340-85A3-A5531E510DB2}">
-      <thm15:themeFamily xmlns="" xmlns:thm15="http://schemas.microsoft.com/office/thememl/2012/main" name="Office Theme" id="{62F939B6-93AF-4DB8-9C6B-D6C7DFDC589F}" vid="{4A3C46E8-61CC-4603-A589-7422A47A8E4A}"/>
+      <thm15:themeFamily xmlns:thm15="http://schemas.microsoft.com/office/thememl/2012/main" name="Office Theme" id="{62F939B6-93AF-4DB8-9C6B-D6C7DFDC589F}" vid="{4A3C46E8-61CC-4603-A589-7422A47A8E4A}"/>
     </a:ext>
   </a:extLst>
 </a:theme>
@@ -20524,7 +20461,7 @@
   <a:extraClrSchemeLst/>
   <a:extLst>
     <a:ext uri="{05A4C25C-085E-4340-85A3-A5531E510DB2}">
-      <thm15:themeFamily xmlns="" xmlns:thm15="http://schemas.microsoft.com/office/thememl/2012/main" name="Office Theme" id="{62F939B6-93AF-4DB8-9C6B-D6C7DFDC589F}" vid="{4A3C46E8-61CC-4603-A589-7422A47A8E4A}"/>
+      <thm15:themeFamily xmlns:thm15="http://schemas.microsoft.com/office/thememl/2012/main" name="Office Theme" id="{62F939B6-93AF-4DB8-9C6B-D6C7DFDC589F}" vid="{4A3C46E8-61CC-4603-A589-7422A47A8E4A}"/>
     </a:ext>
   </a:extLst>
 </a:theme>

--- a/README.pptx
+++ b/README.pptx
@@ -5,7 +5,7 @@
     <p:sldMasterId id="2147483660" r:id="rId1"/>
   </p:sldMasterIdLst>
   <p:notesMasterIdLst>
-    <p:notesMasterId r:id="rId17"/>
+    <p:notesMasterId r:id="rId18"/>
   </p:notesMasterIdLst>
   <p:sldIdLst>
     <p:sldId id="256" r:id="rId2"/>
@@ -23,6 +23,7 @@
     <p:sldId id="282" r:id="rId14"/>
     <p:sldId id="279" r:id="rId15"/>
     <p:sldId id="283" r:id="rId16"/>
+    <p:sldId id="284" r:id="rId17"/>
   </p:sldIdLst>
   <p:sldSz cx="12192000" cy="6858000"/>
   <p:notesSz cx="6858000" cy="9144000"/>
@@ -16329,6 +16330,9 @@
             </a:r>
           </a:p>
           <a:p>
+            <a:pPr marL="0" indent="0">
+              <a:buNone/>
+            </a:pPr>
             <a:r>
               <a:rPr lang="en-GB" dirty="0" err="1"/>
               <a:t>Chr</a:t>
@@ -16400,6 +16404,9 @@
             <a:endParaRPr lang="en-GB" dirty="0"/>
           </a:p>
           <a:p>
+            <a:pPr marL="0" indent="0">
+              <a:buNone/>
+            </a:pPr>
             <a:r>
               <a:rPr lang="en-GB" dirty="0"/>
               <a:t>12 12:57146069_G_T 57146069 T 0.8889 0.3242 0.034 1.416e-21 66329.1 0.886503 0.3242 0.034023 1.59055e-21 0</a:t>
@@ -16484,6 +16491,134 @@
     <p:extLst>
       <p:ext uri="{BB962C8B-B14F-4D97-AF65-F5344CB8AC3E}">
         <p14:creationId xmlns:p14="http://schemas.microsoft.com/office/powerpoint/2010/main" val="1829499548"/>
+      </p:ext>
+    </p:extLst>
+  </p:cSld>
+  <p:clrMapOvr>
+    <a:masterClrMapping/>
+  </p:clrMapOvr>
+</p:sld>
+</file>
+
+<file path=ppt/slides/slide16.xml><?xml version="1.0" encoding="utf-8"?>
+<p:sld xmlns:a="http://schemas.openxmlformats.org/drawingml/2006/main" xmlns:r="http://schemas.openxmlformats.org/officeDocument/2006/relationships" xmlns:p="http://schemas.openxmlformats.org/presentationml/2006/main">
+  <p:cSld>
+    <p:spTree>
+      <p:nvGrpSpPr>
+        <p:cNvPr id="1" name=""/>
+        <p:cNvGrpSpPr/>
+        <p:nvPr/>
+      </p:nvGrpSpPr>
+      <p:grpSpPr>
+        <a:xfrm>
+          <a:off x="0" y="0"/>
+          <a:ext cx="0" cy="0"/>
+          <a:chOff x="0" y="0"/>
+          <a:chExt cx="0" cy="0"/>
+        </a:xfrm>
+      </p:grpSpPr>
+      <p:sp>
+        <p:nvSpPr>
+          <p:cNvPr id="2" name="Title 1">
+            <a:extLst>
+              <a:ext uri="{FF2B5EF4-FFF2-40B4-BE49-F238E27FC236}">
+                <a16:creationId xmlns:a16="http://schemas.microsoft.com/office/drawing/2014/main" id="{5AF238AD-1A83-4535-B98A-6F56CF4EDACF}"/>
+              </a:ext>
+            </a:extLst>
+          </p:cNvPr>
+          <p:cNvSpPr>
+            <a:spLocks noGrp="1"/>
+          </p:cNvSpPr>
+          <p:nvPr>
+            <p:ph type="title"/>
+          </p:nvPr>
+        </p:nvSpPr>
+        <p:spPr>
+          <a:xfrm>
+            <a:off x="838200" y="365125"/>
+            <a:ext cx="10451592" cy="835787"/>
+          </a:xfrm>
+        </p:spPr>
+        <p:txBody>
+          <a:bodyPr/>
+          <a:lstStyle/>
+          <a:p>
+            <a:pPr algn="ctr"/>
+            <a:r>
+              <a:rPr lang="en-GB" dirty="0"/>
+              <a:t>Regional association plot</a:t>
+            </a:r>
+          </a:p>
+        </p:txBody>
+      </p:sp>
+      <p:pic>
+        <p:nvPicPr>
+          <p:cNvPr id="8" name="Content Placeholder 7" descr="A screenshot of a cell phone&#10;&#10;Description generated with high confidence">
+            <a:extLst>
+              <a:ext uri="{FF2B5EF4-FFF2-40B4-BE49-F238E27FC236}">
+                <a16:creationId xmlns:a16="http://schemas.microsoft.com/office/drawing/2014/main" id="{0BC99ED9-0E92-4EEF-86A0-5517E4BD9F93}"/>
+              </a:ext>
+            </a:extLst>
+          </p:cNvPr>
+          <p:cNvPicPr>
+            <a:picLocks noGrp="1" noChangeAspect="1"/>
+          </p:cNvPicPr>
+          <p:nvPr>
+            <p:ph idx="1"/>
+          </p:nvPr>
+        </p:nvPicPr>
+        <p:blipFill>
+          <a:blip r:embed="rId2" cstate="print">
+            <a:extLst>
+              <a:ext uri="{28A0092B-C50C-407E-A947-70E740481C1C}">
+                <a14:useLocalDpi xmlns:a14="http://schemas.microsoft.com/office/drawing/2010/main" val="0"/>
+              </a:ext>
+            </a:extLst>
+          </a:blip>
+          <a:stretch>
+            <a:fillRect/>
+          </a:stretch>
+        </p:blipFill>
+        <p:spPr>
+          <a:xfrm>
+            <a:off x="2060448" y="1095330"/>
+            <a:ext cx="8186927" cy="5730849"/>
+          </a:xfrm>
+        </p:spPr>
+      </p:pic>
+      <p:sp>
+        <p:nvSpPr>
+          <p:cNvPr id="4" name="Slide Number Placeholder 3">
+            <a:extLst>
+              <a:ext uri="{FF2B5EF4-FFF2-40B4-BE49-F238E27FC236}">
+                <a16:creationId xmlns:a16="http://schemas.microsoft.com/office/drawing/2014/main" id="{72F8CB53-9BEC-42BE-99B9-B7874B0AF055}"/>
+              </a:ext>
+            </a:extLst>
+          </p:cNvPr>
+          <p:cNvSpPr>
+            <a:spLocks noGrp="1"/>
+          </p:cNvSpPr>
+          <p:nvPr>
+            <p:ph type="sldNum" sz="quarter" idx="12"/>
+          </p:nvPr>
+        </p:nvSpPr>
+        <p:spPr/>
+        <p:txBody>
+          <a:bodyPr/>
+          <a:lstStyle/>
+          <a:p>
+            <a:fld id="{1FB4BD47-2A83-4A56-970D-480688504C1B}" type="slidenum">
+              <a:rPr lang="en-GB" smtClean="0"/>
+              <a:t>16</a:t>
+            </a:fld>
+            <a:endParaRPr lang="en-GB"/>
+          </a:p>
+        </p:txBody>
+      </p:sp>
+    </p:spTree>
+    <p:extLst>
+      <p:ext uri="{BB962C8B-B14F-4D97-AF65-F5344CB8AC3E}">
+        <p14:creationId xmlns:p14="http://schemas.microsoft.com/office/powerpoint/2010/main" val="2831277856"/>
       </p:ext>
     </p:extLst>
   </p:cSld>

--- a/README.pptx
+++ b/README.pptx
@@ -5886,20 +5886,24 @@
           <a:p>
             <a:pPr algn="ctr"/>
             <a:r>
+              <a:rPr lang="en-GB" dirty="0"/>
+              <a:t>SNPs with </a:t>
+            </a:r>
+            <a:r>
+              <a:rPr lang="en-GB" dirty="0" err="1"/>
+              <a:t>snp_prob</a:t>
+            </a:r>
+            <a:r>
+              <a:rPr lang="en-GB" dirty="0"/>
+              <a:t>&gt;0.01 (</a:t>
+            </a:r>
+            <a:r>
               <a:rPr lang="en-GB" dirty="0" err="1"/>
               <a:t>finemap</a:t>
             </a:r>
             <a:r>
               <a:rPr lang="en-GB" dirty="0"/>
-              <a:t> SNPs with </a:t>
-            </a:r>
-            <a:r>
-              <a:rPr lang="en-GB" dirty="0" err="1"/>
-              <a:t>snp_prob</a:t>
-            </a:r>
-            <a:r>
-              <a:rPr lang="en-GB" dirty="0"/>
-              <a:t>&gt;0.01</a:t>
+              <a:t>)</a:t>
             </a:r>
           </a:p>
         </p:txBody>
@@ -8084,8 +8088,8 @@
         </p:nvSpPr>
         <p:spPr>
           <a:xfrm>
-            <a:off x="579120" y="403797"/>
-            <a:ext cx="10774680" cy="1325563"/>
+            <a:off x="478536" y="409893"/>
+            <a:ext cx="11234928" cy="998283"/>
           </a:xfrm>
         </p:spPr>
         <p:txBody>
@@ -8094,20 +8098,24 @@
           <a:p>
             <a:pPr algn="ctr"/>
             <a:r>
+              <a:rPr lang="en-GB" dirty="0"/>
+              <a:t>Configurations with </a:t>
+            </a:r>
+            <a:r>
+              <a:rPr lang="en-GB" dirty="0" err="1"/>
+              <a:t>config_prob</a:t>
+            </a:r>
+            <a:r>
+              <a:rPr lang="en-GB" dirty="0"/>
+              <a:t>&gt;0.01 (</a:t>
+            </a:r>
+            <a:r>
               <a:rPr lang="en-GB" dirty="0" err="1"/>
               <a:t>finemap</a:t>
             </a:r>
             <a:r>
               <a:rPr lang="en-GB" dirty="0"/>
-              <a:t> configurations with </a:t>
-            </a:r>
-            <a:r>
-              <a:rPr lang="en-GB" dirty="0" err="1"/>
-              <a:t>config_prob</a:t>
-            </a:r>
-            <a:r>
-              <a:rPr lang="en-GB" dirty="0"/>
-              <a:t>&gt;0.01</a:t>
+              <a:t>) </a:t>
             </a:r>
           </a:p>
         </p:txBody>
@@ -9528,14 +9536,21 @@
           <a:p>
             <a:pPr algn="ctr"/>
             <a:r>
-              <a:rPr lang="en-US" dirty="0" err="1"/>
+              <a:rPr lang="en-US" dirty="0"/>
+              <a:t>Z-score/LD consistence </a:t>
+            </a:r>
+            <a:r>
+              <a:rPr lang="en-GB" dirty="0"/>
+              <a:t>(</a:t>
+            </a:r>
+            <a:r>
+              <a:rPr lang="en-GB" dirty="0" err="1"/>
               <a:t>finemap</a:t>
             </a:r>
             <a:r>
-              <a:rPr lang="en-US" dirty="0"/>
-              <a:t> results: Z-score/LD consistence</a:t>
-            </a:r>
-            <a:endParaRPr lang="en-GB" dirty="0"/>
+              <a:rPr lang="en-GB" dirty="0"/>
+              <a:t>)</a:t>
+            </a:r>
           </a:p>
         </p:txBody>
       </p:sp>
@@ -16546,7 +16561,7 @@
             <a:pPr algn="ctr"/>
             <a:r>
               <a:rPr lang="en-GB" dirty="0"/>
-              <a:t>Regional association plot</a:t>
+              <a:t>Regional association plot (rs2277339)</a:t>
             </a:r>
           </a:p>
         </p:txBody>

--- a/README.pptx
+++ b/README.pptx
@@ -2,7 +2,7 @@
 <file path=ppt/presentation.xml><?xml version="1.0" encoding="utf-8"?>
 <p:presentation xmlns:a="http://schemas.openxmlformats.org/drawingml/2006/main" xmlns:r="http://schemas.openxmlformats.org/officeDocument/2006/relationships" xmlns:p="http://schemas.openxmlformats.org/presentationml/2006/main" saveSubsetFonts="1">
   <p:sldMasterIdLst>
-    <p:sldMasterId id="2147483660" r:id="rId1"/>
+    <p:sldMasterId id="2147483672" r:id="rId1"/>
   </p:sldMasterIdLst>
   <p:notesMasterIdLst>
     <p:notesMasterId r:id="rId18"/>
@@ -31,7 +31,7 @@
     <a:defPPr>
       <a:defRPr lang="en-US"/>
     </a:defPPr>
-    <a:lvl1pPr marL="0" algn="l" defTabSz="914400" rtl="0" eaLnBrk="1" latinLnBrk="0" hangingPunct="1">
+    <a:lvl1pPr marL="0" algn="l" defTabSz="457200" rtl="0" eaLnBrk="1" latinLnBrk="0" hangingPunct="1">
       <a:defRPr sz="1800" kern="1200">
         <a:solidFill>
           <a:schemeClr val="tx1"/>
@@ -41,7 +41,7 @@
         <a:cs typeface="+mn-cs"/>
       </a:defRPr>
     </a:lvl1pPr>
-    <a:lvl2pPr marL="457200" algn="l" defTabSz="914400" rtl="0" eaLnBrk="1" latinLnBrk="0" hangingPunct="1">
+    <a:lvl2pPr marL="457200" algn="l" defTabSz="457200" rtl="0" eaLnBrk="1" latinLnBrk="0" hangingPunct="1">
       <a:defRPr sz="1800" kern="1200">
         <a:solidFill>
           <a:schemeClr val="tx1"/>
@@ -51,7 +51,7 @@
         <a:cs typeface="+mn-cs"/>
       </a:defRPr>
     </a:lvl2pPr>
-    <a:lvl3pPr marL="914400" algn="l" defTabSz="914400" rtl="0" eaLnBrk="1" latinLnBrk="0" hangingPunct="1">
+    <a:lvl3pPr marL="914400" algn="l" defTabSz="457200" rtl="0" eaLnBrk="1" latinLnBrk="0" hangingPunct="1">
       <a:defRPr sz="1800" kern="1200">
         <a:solidFill>
           <a:schemeClr val="tx1"/>
@@ -61,7 +61,7 @@
         <a:cs typeface="+mn-cs"/>
       </a:defRPr>
     </a:lvl3pPr>
-    <a:lvl4pPr marL="1371600" algn="l" defTabSz="914400" rtl="0" eaLnBrk="1" latinLnBrk="0" hangingPunct="1">
+    <a:lvl4pPr marL="1371600" algn="l" defTabSz="457200" rtl="0" eaLnBrk="1" latinLnBrk="0" hangingPunct="1">
       <a:defRPr sz="1800" kern="1200">
         <a:solidFill>
           <a:schemeClr val="tx1"/>
@@ -71,7 +71,7 @@
         <a:cs typeface="+mn-cs"/>
       </a:defRPr>
     </a:lvl4pPr>
-    <a:lvl5pPr marL="1828800" algn="l" defTabSz="914400" rtl="0" eaLnBrk="1" latinLnBrk="0" hangingPunct="1">
+    <a:lvl5pPr marL="1828800" algn="l" defTabSz="457200" rtl="0" eaLnBrk="1" latinLnBrk="0" hangingPunct="1">
       <a:defRPr sz="1800" kern="1200">
         <a:solidFill>
           <a:schemeClr val="tx1"/>
@@ -81,7 +81,7 @@
         <a:cs typeface="+mn-cs"/>
       </a:defRPr>
     </a:lvl5pPr>
-    <a:lvl6pPr marL="2286000" algn="l" defTabSz="914400" rtl="0" eaLnBrk="1" latinLnBrk="0" hangingPunct="1">
+    <a:lvl6pPr marL="2286000" algn="l" defTabSz="457200" rtl="0" eaLnBrk="1" latinLnBrk="0" hangingPunct="1">
       <a:defRPr sz="1800" kern="1200">
         <a:solidFill>
           <a:schemeClr val="tx1"/>
@@ -91,7 +91,7 @@
         <a:cs typeface="+mn-cs"/>
       </a:defRPr>
     </a:lvl6pPr>
-    <a:lvl7pPr marL="2743200" algn="l" defTabSz="914400" rtl="0" eaLnBrk="1" latinLnBrk="0" hangingPunct="1">
+    <a:lvl7pPr marL="2743200" algn="l" defTabSz="457200" rtl="0" eaLnBrk="1" latinLnBrk="0" hangingPunct="1">
       <a:defRPr sz="1800" kern="1200">
         <a:solidFill>
           <a:schemeClr val="tx1"/>
@@ -101,7 +101,7 @@
         <a:cs typeface="+mn-cs"/>
       </a:defRPr>
     </a:lvl7pPr>
-    <a:lvl8pPr marL="3200400" algn="l" defTabSz="914400" rtl="0" eaLnBrk="1" latinLnBrk="0" hangingPunct="1">
+    <a:lvl8pPr marL="3200400" algn="l" defTabSz="457200" rtl="0" eaLnBrk="1" latinLnBrk="0" hangingPunct="1">
       <a:defRPr sz="1800" kern="1200">
         <a:solidFill>
           <a:schemeClr val="tx1"/>
@@ -111,7 +111,7 @@
         <a:cs typeface="+mn-cs"/>
       </a:defRPr>
     </a:lvl8pPr>
-    <a:lvl9pPr marL="3657600" algn="l" defTabSz="914400" rtl="0" eaLnBrk="1" latinLnBrk="0" hangingPunct="1">
+    <a:lvl9pPr marL="3657600" algn="l" defTabSz="457200" rtl="0" eaLnBrk="1" latinLnBrk="0" hangingPunct="1">
       <a:defRPr sz="1800" kern="1200">
         <a:solidFill>
           <a:schemeClr val="tx1"/>
@@ -677,7 +677,7 @@
     </p:spTree>
     <p:extLst>
       <p:ext uri="{BB962C8B-B14F-4D97-AF65-F5344CB8AC3E}">
-        <p14:creationId xmlns:p14="http://schemas.microsoft.com/office/powerpoint/2010/main" val="1409832910"/>
+        <p14:creationId xmlns:p14="http://schemas.microsoft.com/office/powerpoint/2010/main" val="3580853546"/>
       </p:ext>
     </p:extLst>
   </p:cSld>
@@ -847,7 +847,7 @@
     </p:spTree>
     <p:extLst>
       <p:ext uri="{BB962C8B-B14F-4D97-AF65-F5344CB8AC3E}">
-        <p14:creationId xmlns:p14="http://schemas.microsoft.com/office/powerpoint/2010/main" val="2119740165"/>
+        <p14:creationId xmlns:p14="http://schemas.microsoft.com/office/powerpoint/2010/main" val="3286125087"/>
       </p:ext>
     </p:extLst>
   </p:cSld>
@@ -1027,7 +1027,7 @@
     </p:spTree>
     <p:extLst>
       <p:ext uri="{BB962C8B-B14F-4D97-AF65-F5344CB8AC3E}">
-        <p14:creationId xmlns:p14="http://schemas.microsoft.com/office/powerpoint/2010/main" val="1649913784"/>
+        <p14:creationId xmlns:p14="http://schemas.microsoft.com/office/powerpoint/2010/main" val="1329789572"/>
       </p:ext>
     </p:extLst>
   </p:cSld>
@@ -1197,7 +1197,7 @@
     </p:spTree>
     <p:extLst>
       <p:ext uri="{BB962C8B-B14F-4D97-AF65-F5344CB8AC3E}">
-        <p14:creationId xmlns:p14="http://schemas.microsoft.com/office/powerpoint/2010/main" val="1424635998"/>
+        <p14:creationId xmlns:p14="http://schemas.microsoft.com/office/powerpoint/2010/main" val="1124441585"/>
       </p:ext>
     </p:extLst>
   </p:cSld>
@@ -1443,7 +1443,7 @@
     </p:spTree>
     <p:extLst>
       <p:ext uri="{BB962C8B-B14F-4D97-AF65-F5344CB8AC3E}">
-        <p14:creationId xmlns:p14="http://schemas.microsoft.com/office/powerpoint/2010/main" val="2487539278"/>
+        <p14:creationId xmlns:p14="http://schemas.microsoft.com/office/powerpoint/2010/main" val="421530823"/>
       </p:ext>
     </p:extLst>
   </p:cSld>
@@ -1675,7 +1675,7 @@
     </p:spTree>
     <p:extLst>
       <p:ext uri="{BB962C8B-B14F-4D97-AF65-F5344CB8AC3E}">
-        <p14:creationId xmlns:p14="http://schemas.microsoft.com/office/powerpoint/2010/main" val="3301718222"/>
+        <p14:creationId xmlns:p14="http://schemas.microsoft.com/office/powerpoint/2010/main" val="3294276326"/>
       </p:ext>
     </p:extLst>
   </p:cSld>
@@ -2042,7 +2042,7 @@
     </p:spTree>
     <p:extLst>
       <p:ext uri="{BB962C8B-B14F-4D97-AF65-F5344CB8AC3E}">
-        <p14:creationId xmlns:p14="http://schemas.microsoft.com/office/powerpoint/2010/main" val="3582881490"/>
+        <p14:creationId xmlns:p14="http://schemas.microsoft.com/office/powerpoint/2010/main" val="2068719816"/>
       </p:ext>
     </p:extLst>
   </p:cSld>
@@ -2160,7 +2160,7 @@
     </p:spTree>
     <p:extLst>
       <p:ext uri="{BB962C8B-B14F-4D97-AF65-F5344CB8AC3E}">
-        <p14:creationId xmlns:p14="http://schemas.microsoft.com/office/powerpoint/2010/main" val="3329265571"/>
+        <p14:creationId xmlns:p14="http://schemas.microsoft.com/office/powerpoint/2010/main" val="2574600426"/>
       </p:ext>
     </p:extLst>
   </p:cSld>
@@ -2255,7 +2255,7 @@
     </p:spTree>
     <p:extLst>
       <p:ext uri="{BB962C8B-B14F-4D97-AF65-F5344CB8AC3E}">
-        <p14:creationId xmlns:p14="http://schemas.microsoft.com/office/powerpoint/2010/main" val="634943413"/>
+        <p14:creationId xmlns:p14="http://schemas.microsoft.com/office/powerpoint/2010/main" val="1657906024"/>
       </p:ext>
     </p:extLst>
   </p:cSld>
@@ -2532,7 +2532,7 @@
     </p:spTree>
     <p:extLst>
       <p:ext uri="{BB962C8B-B14F-4D97-AF65-F5344CB8AC3E}">
-        <p14:creationId xmlns:p14="http://schemas.microsoft.com/office/powerpoint/2010/main" val="729442936"/>
+        <p14:creationId xmlns:p14="http://schemas.microsoft.com/office/powerpoint/2010/main" val="3339175323"/>
       </p:ext>
     </p:extLst>
   </p:cSld>
@@ -2789,7 +2789,7 @@
     </p:spTree>
     <p:extLst>
       <p:ext uri="{BB962C8B-B14F-4D97-AF65-F5344CB8AC3E}">
-        <p14:creationId xmlns:p14="http://schemas.microsoft.com/office/powerpoint/2010/main" val="2270455751"/>
+        <p14:creationId xmlns:p14="http://schemas.microsoft.com/office/powerpoint/2010/main" val="3228002683"/>
       </p:ext>
     </p:extLst>
   </p:cSld>
@@ -3038,23 +3038,23 @@
     </p:spTree>
     <p:extLst>
       <p:ext uri="{BB962C8B-B14F-4D97-AF65-F5344CB8AC3E}">
-        <p14:creationId xmlns:p14="http://schemas.microsoft.com/office/powerpoint/2010/main" val="881814139"/>
+        <p14:creationId xmlns:p14="http://schemas.microsoft.com/office/powerpoint/2010/main" val="3856173319"/>
       </p:ext>
     </p:extLst>
   </p:cSld>
   <p:clrMap bg1="lt1" tx1="dk1" bg2="lt2" tx2="dk2" accent1="accent1" accent2="accent2" accent3="accent3" accent4="accent4" accent5="accent5" accent6="accent6" hlink="hlink" folHlink="folHlink"/>
   <p:sldLayoutIdLst>
-    <p:sldLayoutId id="2147483661" r:id="rId1"/>
-    <p:sldLayoutId id="2147483662" r:id="rId2"/>
-    <p:sldLayoutId id="2147483663" r:id="rId3"/>
-    <p:sldLayoutId id="2147483664" r:id="rId4"/>
-    <p:sldLayoutId id="2147483665" r:id="rId5"/>
-    <p:sldLayoutId id="2147483666" r:id="rId6"/>
-    <p:sldLayoutId id="2147483667" r:id="rId7"/>
-    <p:sldLayoutId id="2147483668" r:id="rId8"/>
-    <p:sldLayoutId id="2147483669" r:id="rId9"/>
-    <p:sldLayoutId id="2147483670" r:id="rId10"/>
-    <p:sldLayoutId id="2147483671" r:id="rId11"/>
+    <p:sldLayoutId id="2147483673" r:id="rId1"/>
+    <p:sldLayoutId id="2147483674" r:id="rId2"/>
+    <p:sldLayoutId id="2147483675" r:id="rId3"/>
+    <p:sldLayoutId id="2147483676" r:id="rId4"/>
+    <p:sldLayoutId id="2147483677" r:id="rId5"/>
+    <p:sldLayoutId id="2147483678" r:id="rId6"/>
+    <p:sldLayoutId id="2147483679" r:id="rId7"/>
+    <p:sldLayoutId id="2147483680" r:id="rId8"/>
+    <p:sldLayoutId id="2147483681" r:id="rId9"/>
+    <p:sldLayoutId id="2147483682" r:id="rId10"/>
+    <p:sldLayoutId id="2147483683" r:id="rId11"/>
   </p:sldLayoutIdLst>
   <p:hf hdr="0" ftr="0" dt="0"/>
   <p:txStyles>
@@ -3422,6 +3422,29 @@
           </a:p>
         </p:txBody>
       </p:sp>
+      <p:sp>
+        <p:nvSpPr>
+          <p:cNvPr id="5" name="Slide Number Placeholder 4"/>
+          <p:cNvSpPr>
+            <a:spLocks noGrp="1"/>
+          </p:cNvSpPr>
+          <p:nvPr>
+            <p:ph type="sldNum" sz="quarter" idx="12"/>
+          </p:nvPr>
+        </p:nvSpPr>
+        <p:spPr/>
+        <p:txBody>
+          <a:bodyPr/>
+          <a:lstStyle/>
+          <a:p>
+            <a:fld id="{1FB4BD47-2A83-4A56-970D-480688504C1B}" type="slidenum">
+              <a:rPr lang="en-GB" smtClean="0"/>
+              <a:t>1</a:t>
+            </a:fld>
+            <a:endParaRPr lang="en-GB"/>
+          </a:p>
+        </p:txBody>
+      </p:sp>
       <p:pic>
         <p:nvPicPr>
           <p:cNvPr id="4" name="Content Placeholder 3"/>
@@ -3452,29 +3475,6 @@
           </a:prstGeom>
         </p:spPr>
       </p:pic>
-      <p:sp>
-        <p:nvSpPr>
-          <p:cNvPr id="5" name="Slide Number Placeholder 4"/>
-          <p:cNvSpPr>
-            <a:spLocks noGrp="1"/>
-          </p:cNvSpPr>
-          <p:nvPr>
-            <p:ph type="sldNum" sz="quarter" idx="12"/>
-          </p:nvPr>
-        </p:nvSpPr>
-        <p:spPr/>
-        <p:txBody>
-          <a:bodyPr/>
-          <a:lstStyle/>
-          <a:p>
-            <a:fld id="{1FB4BD47-2A83-4A56-970D-480688504C1B}" type="slidenum">
-              <a:rPr lang="en-GB" smtClean="0"/>
-              <a:t>1</a:t>
-            </a:fld>
-            <a:endParaRPr lang="en-GB"/>
-          </a:p>
-        </p:txBody>
-      </p:sp>
     </p:spTree>
     <p:extLst>
       <p:ext uri="{BB962C8B-B14F-4D97-AF65-F5344CB8AC3E}">
@@ -8120,29 +8120,6 @@
           </a:p>
         </p:txBody>
       </p:sp>
-      <p:sp>
-        <p:nvSpPr>
-          <p:cNvPr id="4" name="Slide Number Placeholder 3"/>
-          <p:cNvSpPr>
-            <a:spLocks noGrp="1"/>
-          </p:cNvSpPr>
-          <p:nvPr>
-            <p:ph type="sldNum" sz="quarter" idx="12"/>
-          </p:nvPr>
-        </p:nvSpPr>
-        <p:spPr/>
-        <p:txBody>
-          <a:bodyPr/>
-          <a:lstStyle/>
-          <a:p>
-            <a:fld id="{1FB4BD47-2A83-4A56-970D-480688504C1B}" type="slidenum">
-              <a:rPr lang="en-GB" smtClean="0"/>
-              <a:t>13</a:t>
-            </a:fld>
-            <a:endParaRPr lang="en-GB"/>
-          </a:p>
-        </p:txBody>
-      </p:sp>
       <p:graphicFrame>
         <p:nvGraphicFramePr>
           <p:cNvPr id="8" name="Content Placeholder 7">
@@ -9489,6 +9466,29 @@
           </a:graphicData>
         </a:graphic>
       </p:graphicFrame>
+      <p:sp>
+        <p:nvSpPr>
+          <p:cNvPr id="4" name="Slide Number Placeholder 3"/>
+          <p:cNvSpPr>
+            <a:spLocks noGrp="1"/>
+          </p:cNvSpPr>
+          <p:nvPr>
+            <p:ph type="sldNum" sz="quarter" idx="12"/>
+          </p:nvPr>
+        </p:nvSpPr>
+        <p:spPr/>
+        <p:txBody>
+          <a:bodyPr/>
+          <a:lstStyle/>
+          <a:p>
+            <a:fld id="{1FB4BD47-2A83-4A56-970D-480688504C1B}" type="slidenum">
+              <a:rPr lang="en-GB" smtClean="0"/>
+              <a:t>13</a:t>
+            </a:fld>
+            <a:endParaRPr lang="en-GB"/>
+          </a:p>
+        </p:txBody>
+      </p:sp>
     </p:spTree>
     <p:extLst>
       <p:ext uri="{BB962C8B-B14F-4D97-AF65-F5344CB8AC3E}">
@@ -16324,7 +16324,14 @@
             <p:ph idx="1"/>
           </p:nvPr>
         </p:nvSpPr>
-        <p:spPr/>
+        <p:spPr>
+          <a:solidFill>
+            <a:schemeClr val="bg1"/>
+          </a:solidFill>
+          <a:ln>
+            <a:noFill/>
+          </a:ln>
+        </p:spPr>
         <p:txBody>
           <a:bodyPr/>
           <a:lstStyle/>
@@ -16349,74 +16356,74 @@
               <a:buNone/>
             </a:pPr>
             <a:r>
-              <a:rPr lang="en-GB" dirty="0" err="1"/>
+              <a:rPr lang="en-GB" b="1" dirty="0" err="1"/>
               <a:t>Chr</a:t>
             </a:r>
             <a:r>
-              <a:rPr lang="en-GB" dirty="0"/>
+              <a:rPr lang="en-GB" b="1" dirty="0"/>
               <a:t> SNP </a:t>
             </a:r>
             <a:r>
-              <a:rPr lang="en-GB" dirty="0" err="1"/>
+              <a:rPr lang="en-GB" b="1" dirty="0" err="1"/>
               <a:t>bp</a:t>
             </a:r>
             <a:r>
-              <a:rPr lang="en-GB" dirty="0"/>
+              <a:rPr lang="en-GB" b="1" dirty="0"/>
               <a:t> </a:t>
             </a:r>
             <a:r>
-              <a:rPr lang="en-GB" dirty="0" err="1"/>
+              <a:rPr lang="en-GB" b="1" dirty="0" err="1"/>
               <a:t>refA</a:t>
             </a:r>
             <a:r>
-              <a:rPr lang="en-GB" dirty="0"/>
+              <a:rPr lang="en-GB" b="1" dirty="0"/>
               <a:t> </a:t>
             </a:r>
             <a:r>
-              <a:rPr lang="en-GB" dirty="0" err="1"/>
+              <a:rPr lang="en-GB" b="1" dirty="0" err="1"/>
               <a:t>freq</a:t>
             </a:r>
             <a:r>
-              <a:rPr lang="en-GB" dirty="0"/>
+              <a:rPr lang="en-GB" b="1" dirty="0"/>
               <a:t> b se p n </a:t>
             </a:r>
             <a:r>
-              <a:rPr lang="en-GB" dirty="0" err="1"/>
+              <a:rPr lang="en-GB" b="1" dirty="0" err="1"/>
               <a:t>freq_geno</a:t>
             </a:r>
             <a:r>
-              <a:rPr lang="en-GB" dirty="0"/>
+              <a:rPr lang="en-GB" b="1" dirty="0"/>
               <a:t> </a:t>
             </a:r>
             <a:r>
-              <a:rPr lang="en-GB" dirty="0" err="1"/>
+              <a:rPr lang="en-GB" b="1" dirty="0" err="1"/>
               <a:t>bJ</a:t>
             </a:r>
             <a:r>
-              <a:rPr lang="en-GB" dirty="0"/>
+              <a:rPr lang="en-GB" b="1" dirty="0"/>
               <a:t> </a:t>
             </a:r>
             <a:r>
-              <a:rPr lang="en-GB" dirty="0" err="1"/>
+              <a:rPr lang="en-GB" b="1" dirty="0" err="1"/>
               <a:t>bJ_se</a:t>
             </a:r>
             <a:r>
-              <a:rPr lang="en-GB" dirty="0"/>
+              <a:rPr lang="en-GB" b="1" dirty="0"/>
               <a:t> </a:t>
             </a:r>
             <a:r>
-              <a:rPr lang="en-GB" dirty="0" err="1"/>
+              <a:rPr lang="en-GB" b="1" dirty="0" err="1"/>
               <a:t>pJ</a:t>
             </a:r>
             <a:r>
-              <a:rPr lang="en-GB" dirty="0"/>
+              <a:rPr lang="en-GB" b="1" dirty="0"/>
               <a:t> </a:t>
             </a:r>
             <a:r>
-              <a:rPr lang="en-GB" dirty="0" err="1"/>
+              <a:rPr lang="en-GB" b="1" dirty="0" err="1"/>
               <a:t>LD_r</a:t>
             </a:r>
-            <a:endParaRPr lang="en-GB" dirty="0"/>
+            <a:endParaRPr lang="en-GB" b="1" dirty="0"/>
           </a:p>
           <a:p>
             <a:pPr marL="0" indent="0">
@@ -19314,6 +19321,29 @@
           </a:p>
         </p:txBody>
       </p:sp>
+      <p:sp>
+        <p:nvSpPr>
+          <p:cNvPr id="4" name="Slide Number Placeholder 3"/>
+          <p:cNvSpPr>
+            <a:spLocks noGrp="1"/>
+          </p:cNvSpPr>
+          <p:nvPr>
+            <p:ph type="sldNum" sz="quarter" idx="12"/>
+          </p:nvPr>
+        </p:nvSpPr>
+        <p:spPr/>
+        <p:txBody>
+          <a:bodyPr/>
+          <a:lstStyle/>
+          <a:p>
+            <a:fld id="{1FB4BD47-2A83-4A56-970D-480688504C1B}" type="slidenum">
+              <a:rPr lang="en-GB" smtClean="0"/>
+              <a:t>8</a:t>
+            </a:fld>
+            <a:endParaRPr lang="en-GB"/>
+          </a:p>
+        </p:txBody>
+      </p:sp>
       <p:graphicFrame>
         <p:nvGraphicFramePr>
           <p:cNvPr id="8" name="Table 7"/>
@@ -19943,29 +19973,6 @@
           </a:graphicData>
         </a:graphic>
       </p:graphicFrame>
-      <p:sp>
-        <p:nvSpPr>
-          <p:cNvPr id="4" name="Slide Number Placeholder 3"/>
-          <p:cNvSpPr>
-            <a:spLocks noGrp="1"/>
-          </p:cNvSpPr>
-          <p:nvPr>
-            <p:ph type="sldNum" sz="quarter" idx="12"/>
-          </p:nvPr>
-        </p:nvSpPr>
-        <p:spPr/>
-        <p:txBody>
-          <a:bodyPr/>
-          <a:lstStyle/>
-          <a:p>
-            <a:fld id="{1FB4BD47-2A83-4A56-970D-480688504C1B}" type="slidenum">
-              <a:rPr lang="en-GB" smtClean="0"/>
-              <a:t>8</a:t>
-            </a:fld>
-            <a:endParaRPr lang="en-GB"/>
-          </a:p>
-        </p:txBody>
-      </p:sp>
     </p:spTree>
     <p:extLst>
       <p:ext uri="{BB962C8B-B14F-4D97-AF65-F5344CB8AC3E}">
@@ -20051,8 +20058,8 @@
         </p:blipFill>
         <p:spPr>
           <a:xfrm>
-            <a:off x="2456873" y="1542473"/>
-            <a:ext cx="7749309" cy="5246254"/>
+            <a:off x="2546773" y="1825624"/>
+            <a:ext cx="6657326" cy="5032375"/>
           </a:xfrm>
           <a:prstGeom prst="rect">
             <a:avLst/>
@@ -20112,22 +20119,22 @@
         <a:srgbClr val="E7E6E6"/>
       </a:lt2>
       <a:accent1>
-        <a:srgbClr val="5B9BD5"/>
+        <a:srgbClr val="1D9A78"/>
       </a:accent1>
       <a:accent2>
-        <a:srgbClr val="ED7D31"/>
+        <a:srgbClr val="8BC145"/>
       </a:accent2>
       <a:accent3>
-        <a:srgbClr val="A5A5A5"/>
+        <a:srgbClr val="36AFCE"/>
       </a:accent3>
       <a:accent4>
-        <a:srgbClr val="FFC000"/>
+        <a:srgbClr val="1D6FA9"/>
       </a:accent4>
       <a:accent5>
-        <a:srgbClr val="4472C4"/>
+        <a:srgbClr val="B74919"/>
       </a:accent5>
       <a:accent6>
-        <a:srgbClr val="70AD47"/>
+        <a:srgbClr val="F19D19"/>
       </a:accent6>
       <a:hlink>
         <a:srgbClr val="0563C1"/>
@@ -20350,7 +20357,7 @@
   <a:extraClrSchemeLst/>
   <a:extLst>
     <a:ext uri="{05A4C25C-085E-4340-85A3-A5531E510DB2}">
-      <thm15:themeFamily xmlns:thm15="http://schemas.microsoft.com/office/thememl/2012/main" name="Office Theme" id="{62F939B6-93AF-4DB8-9C6B-D6C7DFDC589F}" vid="{4A3C46E8-61CC-4603-A589-7422A47A8E4A}"/>
+      <thm15:themeFamily xmlns:thm15="http://schemas.microsoft.com/office/thememl/2012/main" name="Office Theme" id="{62F939B6-93AF-4DB8-9C6B-D6C7DFDC589F}" vid="{AE6F2518-B084-4896-AF52-66CC2144AA26}"/>
     </a:ext>
   </a:extLst>
 </a:theme>

--- a/README.pptx
+++ b/README.pptx
@@ -22,8 +22,8 @@
     <p:sldId id="281" r:id="rId13"/>
     <p:sldId id="282" r:id="rId14"/>
     <p:sldId id="279" r:id="rId15"/>
-    <p:sldId id="283" r:id="rId16"/>
-    <p:sldId id="284" r:id="rId17"/>
+    <p:sldId id="284" r:id="rId16"/>
+    <p:sldId id="283" r:id="rId17"/>
   </p:sldIdLst>
   <p:sldSz cx="12192000" cy="6858000"/>
   <p:notesSz cx="6858000" cy="9144000"/>
@@ -16293,254 +16293,6 @@
       </p:grpSpPr>
       <p:sp>
         <p:nvSpPr>
-          <p:cNvPr id="2" name="Title 1"/>
-          <p:cNvSpPr>
-            <a:spLocks noGrp="1"/>
-          </p:cNvSpPr>
-          <p:nvPr>
-            <p:ph type="title"/>
-          </p:nvPr>
-        </p:nvSpPr>
-        <p:spPr/>
-        <p:txBody>
-          <a:bodyPr/>
-          <a:lstStyle/>
-          <a:p>
-            <a:pPr algn="ctr"/>
-            <a:r>
-              <a:rPr lang="en-GB" dirty="0"/>
-              <a:t>12:57146069_G_T is rs2277339!!!</a:t>
-            </a:r>
-          </a:p>
-        </p:txBody>
-      </p:sp>
-      <p:sp>
-        <p:nvSpPr>
-          <p:cNvPr id="3" name="Content Placeholder 2"/>
-          <p:cNvSpPr>
-            <a:spLocks noGrp="1"/>
-          </p:cNvSpPr>
-          <p:nvPr>
-            <p:ph idx="1"/>
-          </p:nvPr>
-        </p:nvSpPr>
-        <p:spPr>
-          <a:solidFill>
-            <a:schemeClr val="bg1"/>
-          </a:solidFill>
-          <a:ln>
-            <a:noFill/>
-          </a:ln>
-        </p:spPr>
-        <p:txBody>
-          <a:bodyPr/>
-          <a:lstStyle/>
-          <a:p>
-            <a:r>
-              <a:rPr lang="en-GB" dirty="0"/>
-              <a:t>Results from HRC panel are promising but 1KG phase III reference panel is sufficient.</a:t>
-            </a:r>
-          </a:p>
-          <a:p>
-            <a:r>
-              <a:rPr lang="en-GB" b="1" dirty="0"/>
-              <a:t>GCTA</a:t>
-            </a:r>
-            <a:r>
-              <a:rPr lang="en-GB" dirty="0"/>
-              <a:t> </a:t>
-            </a:r>
-          </a:p>
-          <a:p>
-            <a:pPr marL="0" indent="0">
-              <a:buNone/>
-            </a:pPr>
-            <a:r>
-              <a:rPr lang="en-GB" b="1" dirty="0" err="1"/>
-              <a:t>Chr</a:t>
-            </a:r>
-            <a:r>
-              <a:rPr lang="en-GB" b="1" dirty="0"/>
-              <a:t> SNP </a:t>
-            </a:r>
-            <a:r>
-              <a:rPr lang="en-GB" b="1" dirty="0" err="1"/>
-              <a:t>bp</a:t>
-            </a:r>
-            <a:r>
-              <a:rPr lang="en-GB" b="1" dirty="0"/>
-              <a:t> </a:t>
-            </a:r>
-            <a:r>
-              <a:rPr lang="en-GB" b="1" dirty="0" err="1"/>
-              <a:t>refA</a:t>
-            </a:r>
-            <a:r>
-              <a:rPr lang="en-GB" b="1" dirty="0"/>
-              <a:t> </a:t>
-            </a:r>
-            <a:r>
-              <a:rPr lang="en-GB" b="1" dirty="0" err="1"/>
-              <a:t>freq</a:t>
-            </a:r>
-            <a:r>
-              <a:rPr lang="en-GB" b="1" dirty="0"/>
-              <a:t> b se p n </a:t>
-            </a:r>
-            <a:r>
-              <a:rPr lang="en-GB" b="1" dirty="0" err="1"/>
-              <a:t>freq_geno</a:t>
-            </a:r>
-            <a:r>
-              <a:rPr lang="en-GB" b="1" dirty="0"/>
-              <a:t> </a:t>
-            </a:r>
-            <a:r>
-              <a:rPr lang="en-GB" b="1" dirty="0" err="1"/>
-              <a:t>bJ</a:t>
-            </a:r>
-            <a:r>
-              <a:rPr lang="en-GB" b="1" dirty="0"/>
-              <a:t> </a:t>
-            </a:r>
-            <a:r>
-              <a:rPr lang="en-GB" b="1" dirty="0" err="1"/>
-              <a:t>bJ_se</a:t>
-            </a:r>
-            <a:r>
-              <a:rPr lang="en-GB" b="1" dirty="0"/>
-              <a:t> </a:t>
-            </a:r>
-            <a:r>
-              <a:rPr lang="en-GB" b="1" dirty="0" err="1"/>
-              <a:t>pJ</a:t>
-            </a:r>
-            <a:r>
-              <a:rPr lang="en-GB" b="1" dirty="0"/>
-              <a:t> </a:t>
-            </a:r>
-            <a:r>
-              <a:rPr lang="en-GB" b="1" dirty="0" err="1"/>
-              <a:t>LD_r</a:t>
-            </a:r>
-            <a:endParaRPr lang="en-GB" b="1" dirty="0"/>
-          </a:p>
-          <a:p>
-            <a:pPr marL="0" indent="0">
-              <a:buNone/>
-            </a:pPr>
-            <a:r>
-              <a:rPr lang="en-GB" dirty="0"/>
-              <a:t>12 12:57146069_G_T 57146069 T 0.8889 0.3242 0.034 1.416e-21 66329.1 0.886503 0.3242 0.034023 1.59055e-21 0</a:t>
-            </a:r>
-          </a:p>
-          <a:p>
-            <a:r>
-              <a:rPr lang="en-GB" dirty="0"/>
-              <a:t>J</a:t>
-            </a:r>
-            <a:r>
-              <a:rPr lang="en-GB" b="1" dirty="0"/>
-              <a:t>AM</a:t>
-            </a:r>
-            <a:r>
-              <a:rPr lang="en-GB" dirty="0"/>
-              <a:t>.  BF=29391.4444, top model has posterior probability=0.8486.</a:t>
-            </a:r>
-          </a:p>
-          <a:p>
-            <a:r>
-              <a:rPr lang="en-GB" b="1" dirty="0" err="1"/>
-              <a:t>finemap</a:t>
-            </a:r>
-            <a:r>
-              <a:rPr lang="en-GB" b="1" dirty="0"/>
-              <a:t>.</a:t>
-            </a:r>
-            <a:r>
-              <a:rPr lang="en-GB" dirty="0"/>
-              <a:t> </a:t>
-            </a:r>
-            <a:r>
-              <a:rPr lang="en-GB" dirty="0" err="1"/>
-              <a:t>snp_prob</a:t>
-            </a:r>
-            <a:r>
-              <a:rPr lang="en-GB" dirty="0"/>
-              <a:t>=1, snp_log10bf=8.4214, </a:t>
-            </a:r>
-            <a:r>
-              <a:rPr lang="en-GB" dirty="0" err="1"/>
-              <a:t>config_prob</a:t>
-            </a:r>
-            <a:r>
-              <a:rPr lang="en-GB" dirty="0"/>
-              <a:t>=0.8672335, config_log10bf=18.50581.</a:t>
-            </a:r>
-          </a:p>
-          <a:p>
-            <a:endParaRPr lang="en-GB" dirty="0"/>
-          </a:p>
-          <a:p>
-            <a:endParaRPr lang="en-GB" dirty="0"/>
-          </a:p>
-        </p:txBody>
-      </p:sp>
-      <p:sp>
-        <p:nvSpPr>
-          <p:cNvPr id="4" name="Slide Number Placeholder 3"/>
-          <p:cNvSpPr>
-            <a:spLocks noGrp="1"/>
-          </p:cNvSpPr>
-          <p:nvPr>
-            <p:ph type="sldNum" sz="quarter" idx="12"/>
-          </p:nvPr>
-        </p:nvSpPr>
-        <p:spPr/>
-        <p:txBody>
-          <a:bodyPr/>
-          <a:lstStyle/>
-          <a:p>
-            <a:fld id="{1FB4BD47-2A83-4A56-970D-480688504C1B}" type="slidenum">
-              <a:rPr lang="en-GB" smtClean="0"/>
-              <a:t>15</a:t>
-            </a:fld>
-            <a:endParaRPr lang="en-GB"/>
-          </a:p>
-        </p:txBody>
-      </p:sp>
-    </p:spTree>
-    <p:extLst>
-      <p:ext uri="{BB962C8B-B14F-4D97-AF65-F5344CB8AC3E}">
-        <p14:creationId xmlns:p14="http://schemas.microsoft.com/office/powerpoint/2010/main" val="1829499548"/>
-      </p:ext>
-    </p:extLst>
-  </p:cSld>
-  <p:clrMapOvr>
-    <a:masterClrMapping/>
-  </p:clrMapOvr>
-</p:sld>
-</file>
-
-<file path=ppt/slides/slide16.xml><?xml version="1.0" encoding="utf-8"?>
-<p:sld xmlns:a="http://schemas.openxmlformats.org/drawingml/2006/main" xmlns:r="http://schemas.openxmlformats.org/officeDocument/2006/relationships" xmlns:p="http://schemas.openxmlformats.org/presentationml/2006/main">
-  <p:cSld>
-    <p:spTree>
-      <p:nvGrpSpPr>
-        <p:cNvPr id="1" name=""/>
-        <p:cNvGrpSpPr/>
-        <p:nvPr/>
-      </p:nvGrpSpPr>
-      <p:grpSpPr>
-        <a:xfrm>
-          <a:off x="0" y="0"/>
-          <a:ext cx="0" cy="0"/>
-          <a:chOff x="0" y="0"/>
-          <a:chExt cx="0" cy="0"/>
-        </a:xfrm>
-      </p:grpSpPr>
-      <p:sp>
-        <p:nvSpPr>
           <p:cNvPr id="2" name="Title 1">
             <a:extLst>
               <a:ext uri="{FF2B5EF4-FFF2-40B4-BE49-F238E27FC236}">
@@ -16568,7 +16320,7 @@
             <a:pPr algn="ctr"/>
             <a:r>
               <a:rPr lang="en-GB" dirty="0"/>
-              <a:t>Regional association plot (rs2277339)</a:t>
+              <a:t>chr12_56896069_57396069 (rs2277339)</a:t>
             </a:r>
           </a:p>
         </p:txBody>
@@ -16631,6 +16383,254 @@
           <a:p>
             <a:fld id="{1FB4BD47-2A83-4A56-970D-480688504C1B}" type="slidenum">
               <a:rPr lang="en-GB" smtClean="0"/>
+              <a:t>15</a:t>
+            </a:fld>
+            <a:endParaRPr lang="en-GB"/>
+          </a:p>
+        </p:txBody>
+      </p:sp>
+    </p:spTree>
+    <p:extLst>
+      <p:ext uri="{BB962C8B-B14F-4D97-AF65-F5344CB8AC3E}">
+        <p14:creationId xmlns:p14="http://schemas.microsoft.com/office/powerpoint/2010/main" val="2831277856"/>
+      </p:ext>
+    </p:extLst>
+  </p:cSld>
+  <p:clrMapOvr>
+    <a:masterClrMapping/>
+  </p:clrMapOvr>
+</p:sld>
+</file>
+
+<file path=ppt/slides/slide16.xml><?xml version="1.0" encoding="utf-8"?>
+<p:sld xmlns:a="http://schemas.openxmlformats.org/drawingml/2006/main" xmlns:r="http://schemas.openxmlformats.org/officeDocument/2006/relationships" xmlns:p="http://schemas.openxmlformats.org/presentationml/2006/main">
+  <p:cSld>
+    <p:spTree>
+      <p:nvGrpSpPr>
+        <p:cNvPr id="1" name=""/>
+        <p:cNvGrpSpPr/>
+        <p:nvPr/>
+      </p:nvGrpSpPr>
+      <p:grpSpPr>
+        <a:xfrm>
+          <a:off x="0" y="0"/>
+          <a:ext cx="0" cy="0"/>
+          <a:chOff x="0" y="0"/>
+          <a:chExt cx="0" cy="0"/>
+        </a:xfrm>
+      </p:grpSpPr>
+      <p:sp>
+        <p:nvSpPr>
+          <p:cNvPr id="2" name="Title 1"/>
+          <p:cNvSpPr>
+            <a:spLocks noGrp="1"/>
+          </p:cNvSpPr>
+          <p:nvPr>
+            <p:ph type="title"/>
+          </p:nvPr>
+        </p:nvSpPr>
+        <p:spPr/>
+        <p:txBody>
+          <a:bodyPr/>
+          <a:lstStyle/>
+          <a:p>
+            <a:pPr algn="ctr"/>
+            <a:r>
+              <a:rPr lang="en-GB" dirty="0"/>
+              <a:t>12:57146069_G_T is rs2277339!!!</a:t>
+            </a:r>
+          </a:p>
+        </p:txBody>
+      </p:sp>
+      <p:sp>
+        <p:nvSpPr>
+          <p:cNvPr id="3" name="Content Placeholder 2"/>
+          <p:cNvSpPr>
+            <a:spLocks noGrp="1"/>
+          </p:cNvSpPr>
+          <p:nvPr>
+            <p:ph idx="1"/>
+          </p:nvPr>
+        </p:nvSpPr>
+        <p:spPr>
+          <a:solidFill>
+            <a:schemeClr val="bg1"/>
+          </a:solidFill>
+          <a:ln>
+            <a:noFill/>
+          </a:ln>
+        </p:spPr>
+        <p:txBody>
+          <a:bodyPr/>
+          <a:lstStyle/>
+          <a:p>
+            <a:r>
+              <a:rPr lang="en-GB" dirty="0"/>
+              <a:t>Results from HRC panel are promising but 1KG phase III reference panel is sufficient.</a:t>
+            </a:r>
+          </a:p>
+          <a:p>
+            <a:r>
+              <a:rPr lang="en-GB" b="1" dirty="0"/>
+              <a:t>GCTA</a:t>
+            </a:r>
+            <a:r>
+              <a:rPr lang="en-GB" dirty="0"/>
+              <a:t> </a:t>
+            </a:r>
+          </a:p>
+          <a:p>
+            <a:pPr marL="0" indent="0">
+              <a:buNone/>
+            </a:pPr>
+            <a:r>
+              <a:rPr lang="en-GB" b="1" dirty="0" err="1"/>
+              <a:t>Chr</a:t>
+            </a:r>
+            <a:r>
+              <a:rPr lang="en-GB" b="1" dirty="0"/>
+              <a:t> SNP </a:t>
+            </a:r>
+            <a:r>
+              <a:rPr lang="en-GB" b="1" dirty="0" err="1"/>
+              <a:t>bp</a:t>
+            </a:r>
+            <a:r>
+              <a:rPr lang="en-GB" b="1" dirty="0"/>
+              <a:t> </a:t>
+            </a:r>
+            <a:r>
+              <a:rPr lang="en-GB" b="1" dirty="0" err="1"/>
+              <a:t>refA</a:t>
+            </a:r>
+            <a:r>
+              <a:rPr lang="en-GB" b="1" dirty="0"/>
+              <a:t> </a:t>
+            </a:r>
+            <a:r>
+              <a:rPr lang="en-GB" b="1" dirty="0" err="1"/>
+              <a:t>freq</a:t>
+            </a:r>
+            <a:r>
+              <a:rPr lang="en-GB" b="1" dirty="0"/>
+              <a:t> b se p n </a:t>
+            </a:r>
+            <a:r>
+              <a:rPr lang="en-GB" b="1" dirty="0" err="1"/>
+              <a:t>freq_geno</a:t>
+            </a:r>
+            <a:r>
+              <a:rPr lang="en-GB" b="1" dirty="0"/>
+              <a:t> </a:t>
+            </a:r>
+            <a:r>
+              <a:rPr lang="en-GB" b="1" dirty="0" err="1"/>
+              <a:t>bJ</a:t>
+            </a:r>
+            <a:r>
+              <a:rPr lang="en-GB" b="1" dirty="0"/>
+              <a:t> </a:t>
+            </a:r>
+            <a:r>
+              <a:rPr lang="en-GB" b="1" dirty="0" err="1"/>
+              <a:t>bJ_se</a:t>
+            </a:r>
+            <a:r>
+              <a:rPr lang="en-GB" b="1" dirty="0"/>
+              <a:t> </a:t>
+            </a:r>
+            <a:r>
+              <a:rPr lang="en-GB" b="1" dirty="0" err="1"/>
+              <a:t>pJ</a:t>
+            </a:r>
+            <a:r>
+              <a:rPr lang="en-GB" b="1" dirty="0"/>
+              <a:t> </a:t>
+            </a:r>
+            <a:r>
+              <a:rPr lang="en-GB" b="1" dirty="0" err="1"/>
+              <a:t>LD_r</a:t>
+            </a:r>
+            <a:endParaRPr lang="en-GB" b="1" dirty="0"/>
+          </a:p>
+          <a:p>
+            <a:pPr marL="0" indent="0">
+              <a:buNone/>
+            </a:pPr>
+            <a:r>
+              <a:rPr lang="en-GB" dirty="0"/>
+              <a:t>12 12:57146069_G_T 57146069 T 0.8889 0.3242 0.034 1.416e-21 66329.1 0.886503 0.3242 0.034023 1.59055e-21 0</a:t>
+            </a:r>
+          </a:p>
+          <a:p>
+            <a:r>
+              <a:rPr lang="en-GB" dirty="0"/>
+              <a:t>J</a:t>
+            </a:r>
+            <a:r>
+              <a:rPr lang="en-GB" b="1" dirty="0"/>
+              <a:t>AM</a:t>
+            </a:r>
+            <a:r>
+              <a:rPr lang="en-GB" dirty="0"/>
+              <a:t>.  BF=29391.4444, top model has posterior probability=0.8486.</a:t>
+            </a:r>
+          </a:p>
+          <a:p>
+            <a:r>
+              <a:rPr lang="en-GB" b="1" dirty="0" err="1"/>
+              <a:t>finemap</a:t>
+            </a:r>
+            <a:r>
+              <a:rPr lang="en-GB" b="1" dirty="0"/>
+              <a:t>.</a:t>
+            </a:r>
+            <a:r>
+              <a:rPr lang="en-GB" dirty="0"/>
+              <a:t> </a:t>
+            </a:r>
+            <a:r>
+              <a:rPr lang="en-GB" dirty="0" err="1"/>
+              <a:t>snp_prob</a:t>
+            </a:r>
+            <a:r>
+              <a:rPr lang="en-GB" dirty="0"/>
+              <a:t>=1, snp_log10bf=8.4214, </a:t>
+            </a:r>
+            <a:r>
+              <a:rPr lang="en-GB" dirty="0" err="1"/>
+              <a:t>config_prob</a:t>
+            </a:r>
+            <a:r>
+              <a:rPr lang="en-GB" dirty="0"/>
+              <a:t>=0.8672335, config_log10bf=18.50581.</a:t>
+            </a:r>
+          </a:p>
+          <a:p>
+            <a:endParaRPr lang="en-GB" dirty="0"/>
+          </a:p>
+          <a:p>
+            <a:endParaRPr lang="en-GB" dirty="0"/>
+          </a:p>
+        </p:txBody>
+      </p:sp>
+      <p:sp>
+        <p:nvSpPr>
+          <p:cNvPr id="4" name="Slide Number Placeholder 3"/>
+          <p:cNvSpPr>
+            <a:spLocks noGrp="1"/>
+          </p:cNvSpPr>
+          <p:nvPr>
+            <p:ph type="sldNum" sz="quarter" idx="12"/>
+          </p:nvPr>
+        </p:nvSpPr>
+        <p:spPr/>
+        <p:txBody>
+          <a:bodyPr/>
+          <a:lstStyle/>
+          <a:p>
+            <a:fld id="{1FB4BD47-2A83-4A56-970D-480688504C1B}" type="slidenum">
+              <a:rPr lang="en-GB" smtClean="0"/>
               <a:t>16</a:t>
             </a:fld>
             <a:endParaRPr lang="en-GB"/>
@@ -16640,7 +16640,7 @@
     </p:spTree>
     <p:extLst>
       <p:ext uri="{BB962C8B-B14F-4D97-AF65-F5344CB8AC3E}">
-        <p14:creationId xmlns:p14="http://schemas.microsoft.com/office/powerpoint/2010/main" val="2831277856"/>
+        <p14:creationId xmlns:p14="http://schemas.microsoft.com/office/powerpoint/2010/main" val="1829499548"/>
       </p:ext>
     </p:extLst>
   </p:cSld>

--- a/README.pptx
+++ b/README.pptx
@@ -23,7 +23,7 @@
     <p:sldId id="282" r:id="rId14"/>
     <p:sldId id="279" r:id="rId15"/>
     <p:sldId id="284" r:id="rId16"/>
-    <p:sldId id="283" r:id="rId17"/>
+    <p:sldId id="285" r:id="rId17"/>
   </p:sldIdLst>
   <p:sldSz cx="12192000" cy="6858000"/>
   <p:notesSz cx="6858000" cy="9144000"/>
@@ -124,7 +124,7 @@
   </p:defaultTextStyle>
   <p:extLst>
     <p:ext uri="{EFAFB233-063F-42B5-8137-9DF3F51BA10A}">
-      <p15:sldGuideLst xmlns:p15="http://schemas.microsoft.com/office/powerpoint/2012/main">
+      <p15:sldGuideLst xmlns:p15="http://schemas.microsoft.com/office/powerpoint/2012/main" xmlns="">
         <p15:guide id="1" orient="horz" pos="2160">
           <p15:clr>
             <a:srgbClr val="A4A3A4"/>
@@ -227,7 +227,7 @@
           <a:p>
             <a:fld id="{D8E1BCEB-95D3-4EFD-86D1-B7273A2C9AA7}" type="datetimeFigureOut">
               <a:rPr lang="en-GB" smtClean="0"/>
-              <a:t>07/01/2018</a:t>
+              <a:t>08/01/2018</a:t>
             </a:fld>
             <a:endParaRPr lang="en-GB"/>
           </a:p>
@@ -626,7 +626,7 @@
           <a:p>
             <a:fld id="{46A11D63-751A-4160-9674-6D89583F14AA}" type="datetime1">
               <a:rPr lang="en-GB" smtClean="0"/>
-              <a:t>07/01/2018</a:t>
+              <a:t>08/01/2018</a:t>
             </a:fld>
             <a:endParaRPr lang="en-GB"/>
           </a:p>
@@ -796,7 +796,7 @@
           <a:p>
             <a:fld id="{40222BF2-8BEE-43D4-A3FD-4D9AC2D4F4A1}" type="datetime1">
               <a:rPr lang="en-GB" smtClean="0"/>
-              <a:t>07/01/2018</a:t>
+              <a:t>08/01/2018</a:t>
             </a:fld>
             <a:endParaRPr lang="en-GB"/>
           </a:p>
@@ -976,7 +976,7 @@
           <a:p>
             <a:fld id="{63464878-EBE0-4308-880D-82C7BA4196A6}" type="datetime1">
               <a:rPr lang="en-GB" smtClean="0"/>
-              <a:t>07/01/2018</a:t>
+              <a:t>08/01/2018</a:t>
             </a:fld>
             <a:endParaRPr lang="en-GB"/>
           </a:p>
@@ -1146,7 +1146,7 @@
           <a:p>
             <a:fld id="{13D71E82-E9F6-46B7-8FEE-5CEF9D0A6612}" type="datetime1">
               <a:rPr lang="en-GB" smtClean="0"/>
-              <a:t>07/01/2018</a:t>
+              <a:t>08/01/2018</a:t>
             </a:fld>
             <a:endParaRPr lang="en-GB"/>
           </a:p>
@@ -1392,7 +1392,7 @@
           <a:p>
             <a:fld id="{525A8D82-D974-46E7-B0F8-18C08BB8D6AC}" type="datetime1">
               <a:rPr lang="en-GB" smtClean="0"/>
-              <a:t>07/01/2018</a:t>
+              <a:t>08/01/2018</a:t>
             </a:fld>
             <a:endParaRPr lang="en-GB"/>
           </a:p>
@@ -1624,7 +1624,7 @@
           <a:p>
             <a:fld id="{A89DE6F5-0C87-43EB-9FD6-E791B16E2E9E}" type="datetime1">
               <a:rPr lang="en-GB" smtClean="0"/>
-              <a:t>07/01/2018</a:t>
+              <a:t>08/01/2018</a:t>
             </a:fld>
             <a:endParaRPr lang="en-GB"/>
           </a:p>
@@ -1991,7 +1991,7 @@
           <a:p>
             <a:fld id="{BFE225AE-CFE0-4CD2-AD67-0F6D13028016}" type="datetime1">
               <a:rPr lang="en-GB" smtClean="0"/>
-              <a:t>07/01/2018</a:t>
+              <a:t>08/01/2018</a:t>
             </a:fld>
             <a:endParaRPr lang="en-GB"/>
           </a:p>
@@ -2109,7 +2109,7 @@
           <a:p>
             <a:fld id="{10703468-266B-4F64-96D3-C6F5BEE183C8}" type="datetime1">
               <a:rPr lang="en-GB" smtClean="0"/>
-              <a:t>07/01/2018</a:t>
+              <a:t>08/01/2018</a:t>
             </a:fld>
             <a:endParaRPr lang="en-GB"/>
           </a:p>
@@ -2204,7 +2204,7 @@
           <a:p>
             <a:fld id="{59ED84D4-2441-4E10-8ED7-DF4548D47C4C}" type="datetime1">
               <a:rPr lang="en-GB" smtClean="0"/>
-              <a:t>07/01/2018</a:t>
+              <a:t>08/01/2018</a:t>
             </a:fld>
             <a:endParaRPr lang="en-GB"/>
           </a:p>
@@ -2481,7 +2481,7 @@
           <a:p>
             <a:fld id="{1941039E-F281-4AC7-9DCD-3ED8D73B1DA8}" type="datetime1">
               <a:rPr lang="en-GB" smtClean="0"/>
-              <a:t>07/01/2018</a:t>
+              <a:t>08/01/2018</a:t>
             </a:fld>
             <a:endParaRPr lang="en-GB"/>
           </a:p>
@@ -2738,7 +2738,7 @@
           <a:p>
             <a:fld id="{D6539346-4B3E-4B82-A0E3-265453D0144F}" type="datetime1">
               <a:rPr lang="en-GB" smtClean="0"/>
-              <a:t>07/01/2018</a:t>
+              <a:t>08/01/2018</a:t>
             </a:fld>
             <a:endParaRPr lang="en-GB"/>
           </a:p>
@@ -2951,7 +2951,7 @@
           <a:p>
             <a:fld id="{193B3B13-5148-43FB-80F2-1120B7E3127D}" type="datetime1">
               <a:rPr lang="en-GB" smtClean="0"/>
-              <a:t>07/01/2018</a:t>
+              <a:t>08/01/2018</a:t>
             </a:fld>
             <a:endParaRPr lang="en-GB"/>
           </a:p>
@@ -3565,98 +3565,98 @@
                 <a:gridCol w="401664">
                   <a:extLst>
                     <a:ext uri="{9D8B030D-6E8A-4147-A177-3AD203B41FA5}">
-                      <a16:colId xmlns:a16="http://schemas.microsoft.com/office/drawing/2014/main" val="20000"/>
+                      <a16:colId xmlns:a16="http://schemas.microsoft.com/office/drawing/2014/main" xmlns="" val="20000"/>
                     </a:ext>
                   </a:extLst>
                 </a:gridCol>
                 <a:gridCol w="1286360">
                   <a:extLst>
                     <a:ext uri="{9D8B030D-6E8A-4147-A177-3AD203B41FA5}">
-                      <a16:colId xmlns:a16="http://schemas.microsoft.com/office/drawing/2014/main" val="20001"/>
+                      <a16:colId xmlns:a16="http://schemas.microsoft.com/office/drawing/2014/main" xmlns="" val="20001"/>
                     </a:ext>
                   </a:extLst>
                 </a:gridCol>
                 <a:gridCol w="743918">
                   <a:extLst>
                     <a:ext uri="{9D8B030D-6E8A-4147-A177-3AD203B41FA5}">
-                      <a16:colId xmlns:a16="http://schemas.microsoft.com/office/drawing/2014/main" val="20002"/>
+                      <a16:colId xmlns:a16="http://schemas.microsoft.com/office/drawing/2014/main" xmlns="" val="20002"/>
                     </a:ext>
                   </a:extLst>
                 </a:gridCol>
                 <a:gridCol w="572514">
                   <a:extLst>
                     <a:ext uri="{9D8B030D-6E8A-4147-A177-3AD203B41FA5}">
-                      <a16:colId xmlns:a16="http://schemas.microsoft.com/office/drawing/2014/main" val="20003"/>
+                      <a16:colId xmlns:a16="http://schemas.microsoft.com/office/drawing/2014/main" xmlns="" val="20003"/>
                     </a:ext>
                   </a:extLst>
                 </a:gridCol>
                 <a:gridCol w="751114">
                   <a:extLst>
                     <a:ext uri="{9D8B030D-6E8A-4147-A177-3AD203B41FA5}">
-                      <a16:colId xmlns:a16="http://schemas.microsoft.com/office/drawing/2014/main" val="20004"/>
+                      <a16:colId xmlns:a16="http://schemas.microsoft.com/office/drawing/2014/main" xmlns="" val="20004"/>
                     </a:ext>
                   </a:extLst>
                 </a:gridCol>
                 <a:gridCol w="751114">
                   <a:extLst>
                     <a:ext uri="{9D8B030D-6E8A-4147-A177-3AD203B41FA5}">
-                      <a16:colId xmlns:a16="http://schemas.microsoft.com/office/drawing/2014/main" val="20005"/>
+                      <a16:colId xmlns:a16="http://schemas.microsoft.com/office/drawing/2014/main" xmlns="" val="20005"/>
                     </a:ext>
                   </a:extLst>
                 </a:gridCol>
                 <a:gridCol w="751114">
                   <a:extLst>
                     <a:ext uri="{9D8B030D-6E8A-4147-A177-3AD203B41FA5}">
-                      <a16:colId xmlns:a16="http://schemas.microsoft.com/office/drawing/2014/main" val="20006"/>
+                      <a16:colId xmlns:a16="http://schemas.microsoft.com/office/drawing/2014/main" xmlns="" val="20006"/>
                     </a:ext>
                   </a:extLst>
                 </a:gridCol>
                 <a:gridCol w="751114">
                   <a:extLst>
                     <a:ext uri="{9D8B030D-6E8A-4147-A177-3AD203B41FA5}">
-                      <a16:colId xmlns:a16="http://schemas.microsoft.com/office/drawing/2014/main" val="20007"/>
+                      <a16:colId xmlns:a16="http://schemas.microsoft.com/office/drawing/2014/main" xmlns="" val="20007"/>
                     </a:ext>
                   </a:extLst>
                 </a:gridCol>
                 <a:gridCol w="751114">
                   <a:extLst>
                     <a:ext uri="{9D8B030D-6E8A-4147-A177-3AD203B41FA5}">
-                      <a16:colId xmlns:a16="http://schemas.microsoft.com/office/drawing/2014/main" val="20008"/>
+                      <a16:colId xmlns:a16="http://schemas.microsoft.com/office/drawing/2014/main" xmlns="" val="20008"/>
                     </a:ext>
                   </a:extLst>
                 </a:gridCol>
                 <a:gridCol w="808158">
                   <a:extLst>
                     <a:ext uri="{9D8B030D-6E8A-4147-A177-3AD203B41FA5}">
-                      <a16:colId xmlns:a16="http://schemas.microsoft.com/office/drawing/2014/main" val="20009"/>
+                      <a16:colId xmlns:a16="http://schemas.microsoft.com/office/drawing/2014/main" xmlns="" val="20009"/>
                     </a:ext>
                   </a:extLst>
                 </a:gridCol>
                 <a:gridCol w="694070">
                   <a:extLst>
                     <a:ext uri="{9D8B030D-6E8A-4147-A177-3AD203B41FA5}">
-                      <a16:colId xmlns:a16="http://schemas.microsoft.com/office/drawing/2014/main" val="20010"/>
+                      <a16:colId xmlns:a16="http://schemas.microsoft.com/office/drawing/2014/main" xmlns="" val="20010"/>
                     </a:ext>
                   </a:extLst>
                 </a:gridCol>
                 <a:gridCol w="751114">
                   <a:extLst>
                     <a:ext uri="{9D8B030D-6E8A-4147-A177-3AD203B41FA5}">
-                      <a16:colId xmlns:a16="http://schemas.microsoft.com/office/drawing/2014/main" val="20011"/>
+                      <a16:colId xmlns:a16="http://schemas.microsoft.com/office/drawing/2014/main" xmlns="" val="20011"/>
                     </a:ext>
                   </a:extLst>
                 </a:gridCol>
                 <a:gridCol w="751114">
                   <a:extLst>
                     <a:ext uri="{9D8B030D-6E8A-4147-A177-3AD203B41FA5}">
-                      <a16:colId xmlns:a16="http://schemas.microsoft.com/office/drawing/2014/main" val="20012"/>
+                      <a16:colId xmlns:a16="http://schemas.microsoft.com/office/drawing/2014/main" xmlns="" val="20012"/>
                     </a:ext>
                   </a:extLst>
                 </a:gridCol>
                 <a:gridCol w="751114">
                   <a:extLst>
                     <a:ext uri="{9D8B030D-6E8A-4147-A177-3AD203B41FA5}">
-                      <a16:colId xmlns:a16="http://schemas.microsoft.com/office/drawing/2014/main" val="20013"/>
+                      <a16:colId xmlns:a16="http://schemas.microsoft.com/office/drawing/2014/main" xmlns="" val="20013"/>
                     </a:ext>
                   </a:extLst>
                 </a:gridCol>
@@ -3888,7 +3888,7 @@
                 </a:tc>
                 <a:extLst>
                   <a:ext uri="{0D108BD9-81ED-4DB2-BD59-A6C34878D82A}">
-                    <a16:rowId xmlns:a16="http://schemas.microsoft.com/office/drawing/2014/main" val="10000"/>
+                    <a16:rowId xmlns:a16="http://schemas.microsoft.com/office/drawing/2014/main" xmlns="" val="10000"/>
                   </a:ext>
                 </a:extLst>
               </a:tr>
@@ -4217,7 +4217,7 @@
                 </a:tc>
                 <a:extLst>
                   <a:ext uri="{0D108BD9-81ED-4DB2-BD59-A6C34878D82A}">
-                    <a16:rowId xmlns:a16="http://schemas.microsoft.com/office/drawing/2014/main" val="10001"/>
+                    <a16:rowId xmlns:a16="http://schemas.microsoft.com/office/drawing/2014/main" xmlns="" val="10001"/>
                   </a:ext>
                 </a:extLst>
               </a:tr>
@@ -4546,7 +4546,7 @@
                 </a:tc>
                 <a:extLst>
                   <a:ext uri="{0D108BD9-81ED-4DB2-BD59-A6C34878D82A}">
-                    <a16:rowId xmlns:a16="http://schemas.microsoft.com/office/drawing/2014/main" val="10002"/>
+                    <a16:rowId xmlns:a16="http://schemas.microsoft.com/office/drawing/2014/main" xmlns="" val="10002"/>
                   </a:ext>
                 </a:extLst>
               </a:tr>
@@ -4773,7 +4773,7 @@
                 </a:tc>
                 <a:extLst>
                   <a:ext uri="{0D108BD9-81ED-4DB2-BD59-A6C34878D82A}">
-                    <a16:rowId xmlns:a16="http://schemas.microsoft.com/office/drawing/2014/main" val="10003"/>
+                    <a16:rowId xmlns:a16="http://schemas.microsoft.com/office/drawing/2014/main" xmlns="" val="10003"/>
                   </a:ext>
                 </a:extLst>
               </a:tr>
@@ -5028,7 +5028,7 @@
                 </a:tc>
                 <a:extLst>
                   <a:ext uri="{0D108BD9-81ED-4DB2-BD59-A6C34878D82A}">
-                    <a16:rowId xmlns:a16="http://schemas.microsoft.com/office/drawing/2014/main" val="10004"/>
+                    <a16:rowId xmlns:a16="http://schemas.microsoft.com/office/drawing/2014/main" xmlns="" val="10004"/>
                   </a:ext>
                 </a:extLst>
               </a:tr>
@@ -5357,7 +5357,7 @@
                 </a:tc>
                 <a:extLst>
                   <a:ext uri="{0D108BD9-81ED-4DB2-BD59-A6C34878D82A}">
-                    <a16:rowId xmlns:a16="http://schemas.microsoft.com/office/drawing/2014/main" val="10005"/>
+                    <a16:rowId xmlns:a16="http://schemas.microsoft.com/office/drawing/2014/main" xmlns="" val="10005"/>
                   </a:ext>
                 </a:extLst>
               </a:tr>
@@ -5686,7 +5686,7 @@
                 </a:tc>
                 <a:extLst>
                   <a:ext uri="{0D108BD9-81ED-4DB2-BD59-A6C34878D82A}">
-                    <a16:rowId xmlns:a16="http://schemas.microsoft.com/office/drawing/2014/main" val="10006"/>
+                    <a16:rowId xmlns:a16="http://schemas.microsoft.com/office/drawing/2014/main" xmlns="" val="10006"/>
                   </a:ext>
                 </a:extLst>
               </a:tr>
@@ -5868,7 +5868,7 @@
           <p:cNvPr id="2" name="Title 1">
             <a:extLst>
               <a:ext uri="{FF2B5EF4-FFF2-40B4-BE49-F238E27FC236}">
-                <a16:creationId xmlns:a16="http://schemas.microsoft.com/office/drawing/2014/main" id="{BB17C9F0-1160-45E6-90D6-C2EE7F2A8DDB}"/>
+                <a16:creationId xmlns:a16="http://schemas.microsoft.com/office/drawing/2014/main" xmlns="" id="{BB17C9F0-1160-45E6-90D6-C2EE7F2A8DDB}"/>
               </a:ext>
             </a:extLst>
           </p:cNvPr>
@@ -5913,7 +5913,7 @@
           <p:cNvPr id="7" name="Content Placeholder 6">
             <a:extLst>
               <a:ext uri="{FF2B5EF4-FFF2-40B4-BE49-F238E27FC236}">
-                <a16:creationId xmlns:a16="http://schemas.microsoft.com/office/drawing/2014/main" id="{BC419154-FB32-433E-8D3F-5372E3CF063B}"/>
+                <a16:creationId xmlns:a16="http://schemas.microsoft.com/office/drawing/2014/main" xmlns="" id="{BC419154-FB32-433E-8D3F-5372E3CF063B}"/>
               </a:ext>
             </a:extLst>
           </p:cNvPr>
@@ -5943,42 +5943,42 @@
                 <a:gridCol w="1752600">
                   <a:extLst>
                     <a:ext uri="{9D8B030D-6E8A-4147-A177-3AD203B41FA5}">
-                      <a16:colId xmlns:a16="http://schemas.microsoft.com/office/drawing/2014/main" val="1638080526"/>
+                      <a16:colId xmlns:a16="http://schemas.microsoft.com/office/drawing/2014/main" xmlns="" val="1638080526"/>
                     </a:ext>
                   </a:extLst>
                 </a:gridCol>
                 <a:gridCol w="1752600">
                   <a:extLst>
                     <a:ext uri="{9D8B030D-6E8A-4147-A177-3AD203B41FA5}">
-                      <a16:colId xmlns:a16="http://schemas.microsoft.com/office/drawing/2014/main" val="3856145469"/>
+                      <a16:colId xmlns:a16="http://schemas.microsoft.com/office/drawing/2014/main" xmlns="" val="3856145469"/>
                     </a:ext>
                   </a:extLst>
                 </a:gridCol>
                 <a:gridCol w="1752600">
                   <a:extLst>
                     <a:ext uri="{9D8B030D-6E8A-4147-A177-3AD203B41FA5}">
-                      <a16:colId xmlns:a16="http://schemas.microsoft.com/office/drawing/2014/main" val="1431688491"/>
+                      <a16:colId xmlns:a16="http://schemas.microsoft.com/office/drawing/2014/main" xmlns="" val="1431688491"/>
                     </a:ext>
                   </a:extLst>
                 </a:gridCol>
                 <a:gridCol w="1752600">
                   <a:extLst>
                     <a:ext uri="{9D8B030D-6E8A-4147-A177-3AD203B41FA5}">
-                      <a16:colId xmlns:a16="http://schemas.microsoft.com/office/drawing/2014/main" val="2120667709"/>
+                      <a16:colId xmlns:a16="http://schemas.microsoft.com/office/drawing/2014/main" xmlns="" val="2120667709"/>
                     </a:ext>
                   </a:extLst>
                 </a:gridCol>
                 <a:gridCol w="1752600">
                   <a:extLst>
                     <a:ext uri="{9D8B030D-6E8A-4147-A177-3AD203B41FA5}">
-                      <a16:colId xmlns:a16="http://schemas.microsoft.com/office/drawing/2014/main" val="3976773145"/>
+                      <a16:colId xmlns:a16="http://schemas.microsoft.com/office/drawing/2014/main" xmlns="" val="3976773145"/>
                     </a:ext>
                   </a:extLst>
                 </a:gridCol>
                 <a:gridCol w="1752600">
                   <a:extLst>
                     <a:ext uri="{9D8B030D-6E8A-4147-A177-3AD203B41FA5}">
-                      <a16:colId xmlns:a16="http://schemas.microsoft.com/office/drawing/2014/main" val="3936103744"/>
+                      <a16:colId xmlns:a16="http://schemas.microsoft.com/office/drawing/2014/main" xmlns="" val="3936103744"/>
                     </a:ext>
                   </a:extLst>
                 </a:gridCol>
@@ -6124,7 +6124,7 @@
                 </a:tc>
                 <a:extLst>
                   <a:ext uri="{0D108BD9-81ED-4DB2-BD59-A6C34878D82A}">
-                    <a16:rowId xmlns:a16="http://schemas.microsoft.com/office/drawing/2014/main" val="2418271326"/>
+                    <a16:rowId xmlns:a16="http://schemas.microsoft.com/office/drawing/2014/main" xmlns="" val="2418271326"/>
                   </a:ext>
                 </a:extLst>
               </a:tr>
@@ -6269,7 +6269,7 @@
                 </a:tc>
                 <a:extLst>
                   <a:ext uri="{0D108BD9-81ED-4DB2-BD59-A6C34878D82A}">
-                    <a16:rowId xmlns:a16="http://schemas.microsoft.com/office/drawing/2014/main" val="538109448"/>
+                    <a16:rowId xmlns:a16="http://schemas.microsoft.com/office/drawing/2014/main" xmlns="" val="538109448"/>
                   </a:ext>
                 </a:extLst>
               </a:tr>
@@ -6414,7 +6414,7 @@
                 </a:tc>
                 <a:extLst>
                   <a:ext uri="{0D108BD9-81ED-4DB2-BD59-A6C34878D82A}">
-                    <a16:rowId xmlns:a16="http://schemas.microsoft.com/office/drawing/2014/main" val="3790236758"/>
+                    <a16:rowId xmlns:a16="http://schemas.microsoft.com/office/drawing/2014/main" xmlns="" val="3790236758"/>
                   </a:ext>
                 </a:extLst>
               </a:tr>
@@ -6559,7 +6559,7 @@
                 </a:tc>
                 <a:extLst>
                   <a:ext uri="{0D108BD9-81ED-4DB2-BD59-A6C34878D82A}">
-                    <a16:rowId xmlns:a16="http://schemas.microsoft.com/office/drawing/2014/main" val="2142385482"/>
+                    <a16:rowId xmlns:a16="http://schemas.microsoft.com/office/drawing/2014/main" xmlns="" val="2142385482"/>
                   </a:ext>
                 </a:extLst>
               </a:tr>
@@ -6704,7 +6704,7 @@
                 </a:tc>
                 <a:extLst>
                   <a:ext uri="{0D108BD9-81ED-4DB2-BD59-A6C34878D82A}">
-                    <a16:rowId xmlns:a16="http://schemas.microsoft.com/office/drawing/2014/main" val="3818329405"/>
+                    <a16:rowId xmlns:a16="http://schemas.microsoft.com/office/drawing/2014/main" xmlns="" val="3818329405"/>
                   </a:ext>
                 </a:extLst>
               </a:tr>
@@ -6849,7 +6849,7 @@
                 </a:tc>
                 <a:extLst>
                   <a:ext uri="{0D108BD9-81ED-4DB2-BD59-A6C34878D82A}">
-                    <a16:rowId xmlns:a16="http://schemas.microsoft.com/office/drawing/2014/main" val="1055833409"/>
+                    <a16:rowId xmlns:a16="http://schemas.microsoft.com/office/drawing/2014/main" xmlns="" val="1055833409"/>
                   </a:ext>
                 </a:extLst>
               </a:tr>
@@ -6994,7 +6994,7 @@
                 </a:tc>
                 <a:extLst>
                   <a:ext uri="{0D108BD9-81ED-4DB2-BD59-A6C34878D82A}">
-                    <a16:rowId xmlns:a16="http://schemas.microsoft.com/office/drawing/2014/main" val="3279746546"/>
+                    <a16:rowId xmlns:a16="http://schemas.microsoft.com/office/drawing/2014/main" xmlns="" val="3279746546"/>
                   </a:ext>
                 </a:extLst>
               </a:tr>
@@ -7139,7 +7139,7 @@
                 </a:tc>
                 <a:extLst>
                   <a:ext uri="{0D108BD9-81ED-4DB2-BD59-A6C34878D82A}">
-                    <a16:rowId xmlns:a16="http://schemas.microsoft.com/office/drawing/2014/main" val="1843946231"/>
+                    <a16:rowId xmlns:a16="http://schemas.microsoft.com/office/drawing/2014/main" xmlns="" val="1843946231"/>
                   </a:ext>
                 </a:extLst>
               </a:tr>
@@ -7284,7 +7284,7 @@
                 </a:tc>
                 <a:extLst>
                   <a:ext uri="{0D108BD9-81ED-4DB2-BD59-A6C34878D82A}">
-                    <a16:rowId xmlns:a16="http://schemas.microsoft.com/office/drawing/2014/main" val="2592131726"/>
+                    <a16:rowId xmlns:a16="http://schemas.microsoft.com/office/drawing/2014/main" xmlns="" val="2592131726"/>
                   </a:ext>
                 </a:extLst>
               </a:tr>
@@ -7429,7 +7429,7 @@
                 </a:tc>
                 <a:extLst>
                   <a:ext uri="{0D108BD9-81ED-4DB2-BD59-A6C34878D82A}">
-                    <a16:rowId xmlns:a16="http://schemas.microsoft.com/office/drawing/2014/main" val="3872885341"/>
+                    <a16:rowId xmlns:a16="http://schemas.microsoft.com/office/drawing/2014/main" xmlns="" val="3872885341"/>
                   </a:ext>
                 </a:extLst>
               </a:tr>
@@ -7574,7 +7574,7 @@
                 </a:tc>
                 <a:extLst>
                   <a:ext uri="{0D108BD9-81ED-4DB2-BD59-A6C34878D82A}">
-                    <a16:rowId xmlns:a16="http://schemas.microsoft.com/office/drawing/2014/main" val="1297808850"/>
+                    <a16:rowId xmlns:a16="http://schemas.microsoft.com/office/drawing/2014/main" xmlns="" val="1297808850"/>
                   </a:ext>
                 </a:extLst>
               </a:tr>
@@ -7719,7 +7719,7 @@
                 </a:tc>
                 <a:extLst>
                   <a:ext uri="{0D108BD9-81ED-4DB2-BD59-A6C34878D82A}">
-                    <a16:rowId xmlns:a16="http://schemas.microsoft.com/office/drawing/2014/main" val="4188675590"/>
+                    <a16:rowId xmlns:a16="http://schemas.microsoft.com/office/drawing/2014/main" xmlns="" val="4188675590"/>
                   </a:ext>
                 </a:extLst>
               </a:tr>
@@ -7864,7 +7864,7 @@
                 </a:tc>
                 <a:extLst>
                   <a:ext uri="{0D108BD9-81ED-4DB2-BD59-A6C34878D82A}">
-                    <a16:rowId xmlns:a16="http://schemas.microsoft.com/office/drawing/2014/main" val="2572836936"/>
+                    <a16:rowId xmlns:a16="http://schemas.microsoft.com/office/drawing/2014/main" xmlns="" val="2572836936"/>
                   </a:ext>
                 </a:extLst>
               </a:tr>
@@ -8009,7 +8009,7 @@
                 </a:tc>
                 <a:extLst>
                   <a:ext uri="{0D108BD9-81ED-4DB2-BD59-A6C34878D82A}">
-                    <a16:rowId xmlns:a16="http://schemas.microsoft.com/office/drawing/2014/main" val="609615910"/>
+                    <a16:rowId xmlns:a16="http://schemas.microsoft.com/office/drawing/2014/main" xmlns="" val="609615910"/>
                   </a:ext>
                 </a:extLst>
               </a:tr>
@@ -8022,7 +8022,7 @@
           <p:cNvPr id="4" name="Slide Number Placeholder 3">
             <a:extLst>
               <a:ext uri="{FF2B5EF4-FFF2-40B4-BE49-F238E27FC236}">
-                <a16:creationId xmlns:a16="http://schemas.microsoft.com/office/drawing/2014/main" id="{ACE92B05-9DD6-4E3A-8D54-50ADB6D1B47E}"/>
+                <a16:creationId xmlns:a16="http://schemas.microsoft.com/office/drawing/2014/main" xmlns="" id="{ACE92B05-9DD6-4E3A-8D54-50ADB6D1B47E}"/>
               </a:ext>
             </a:extLst>
           </p:cNvPr>
@@ -8125,7 +8125,7 @@
           <p:cNvPr id="8" name="Content Placeholder 7">
             <a:extLst>
               <a:ext uri="{FF2B5EF4-FFF2-40B4-BE49-F238E27FC236}">
-                <a16:creationId xmlns:a16="http://schemas.microsoft.com/office/drawing/2014/main" id="{F76AE7BA-9641-41C6-852A-429F57CC3422}"/>
+                <a16:creationId xmlns:a16="http://schemas.microsoft.com/office/drawing/2014/main" xmlns="" id="{F76AE7BA-9641-41C6-852A-429F57CC3422}"/>
               </a:ext>
             </a:extLst>
           </p:cNvPr>
@@ -8155,28 +8155,28 @@
                 <a:gridCol w="2103120">
                   <a:extLst>
                     <a:ext uri="{9D8B030D-6E8A-4147-A177-3AD203B41FA5}">
-                      <a16:colId xmlns:a16="http://schemas.microsoft.com/office/drawing/2014/main" val="994740432"/>
+                      <a16:colId xmlns:a16="http://schemas.microsoft.com/office/drawing/2014/main" xmlns="" val="994740432"/>
                     </a:ext>
                   </a:extLst>
                 </a:gridCol>
                 <a:gridCol w="2103120">
                   <a:extLst>
                     <a:ext uri="{9D8B030D-6E8A-4147-A177-3AD203B41FA5}">
-                      <a16:colId xmlns:a16="http://schemas.microsoft.com/office/drawing/2014/main" val="1379236012"/>
+                      <a16:colId xmlns:a16="http://schemas.microsoft.com/office/drawing/2014/main" xmlns="" val="1379236012"/>
                     </a:ext>
                   </a:extLst>
                 </a:gridCol>
                 <a:gridCol w="2103120">
                   <a:extLst>
                     <a:ext uri="{9D8B030D-6E8A-4147-A177-3AD203B41FA5}">
-                      <a16:colId xmlns:a16="http://schemas.microsoft.com/office/drawing/2014/main" val="1221670367"/>
+                      <a16:colId xmlns:a16="http://schemas.microsoft.com/office/drawing/2014/main" xmlns="" val="1221670367"/>
                     </a:ext>
                   </a:extLst>
                 </a:gridCol>
                 <a:gridCol w="2103120">
                   <a:extLst>
                     <a:ext uri="{9D8B030D-6E8A-4147-A177-3AD203B41FA5}">
-                      <a16:colId xmlns:a16="http://schemas.microsoft.com/office/drawing/2014/main" val="2171438027"/>
+                      <a16:colId xmlns:a16="http://schemas.microsoft.com/office/drawing/2014/main" xmlns="" val="2171438027"/>
                     </a:ext>
                   </a:extLst>
                 </a:gridCol>
@@ -8276,7 +8276,7 @@
                 </a:tc>
                 <a:extLst>
                   <a:ext uri="{0D108BD9-81ED-4DB2-BD59-A6C34878D82A}">
-                    <a16:rowId xmlns:a16="http://schemas.microsoft.com/office/drawing/2014/main" val="2195642232"/>
+                    <a16:rowId xmlns:a16="http://schemas.microsoft.com/office/drawing/2014/main" xmlns="" val="2195642232"/>
                   </a:ext>
                 </a:extLst>
               </a:tr>
@@ -8375,7 +8375,7 @@
                 </a:tc>
                 <a:extLst>
                   <a:ext uri="{0D108BD9-81ED-4DB2-BD59-A6C34878D82A}">
-                    <a16:rowId xmlns:a16="http://schemas.microsoft.com/office/drawing/2014/main" val="3895168461"/>
+                    <a16:rowId xmlns:a16="http://schemas.microsoft.com/office/drawing/2014/main" xmlns="" val="3895168461"/>
                   </a:ext>
                 </a:extLst>
               </a:tr>
@@ -8474,7 +8474,7 @@
                 </a:tc>
                 <a:extLst>
                   <a:ext uri="{0D108BD9-81ED-4DB2-BD59-A6C34878D82A}">
-                    <a16:rowId xmlns:a16="http://schemas.microsoft.com/office/drawing/2014/main" val="959653611"/>
+                    <a16:rowId xmlns:a16="http://schemas.microsoft.com/office/drawing/2014/main" xmlns="" val="959653611"/>
                   </a:ext>
                 </a:extLst>
               </a:tr>
@@ -8573,7 +8573,7 @@
                 </a:tc>
                 <a:extLst>
                   <a:ext uri="{0D108BD9-81ED-4DB2-BD59-A6C34878D82A}">
-                    <a16:rowId xmlns:a16="http://schemas.microsoft.com/office/drawing/2014/main" val="2555202794"/>
+                    <a16:rowId xmlns:a16="http://schemas.microsoft.com/office/drawing/2014/main" xmlns="" val="2555202794"/>
                   </a:ext>
                 </a:extLst>
               </a:tr>
@@ -8672,7 +8672,7 @@
                 </a:tc>
                 <a:extLst>
                   <a:ext uri="{0D108BD9-81ED-4DB2-BD59-A6C34878D82A}">
-                    <a16:rowId xmlns:a16="http://schemas.microsoft.com/office/drawing/2014/main" val="2305501086"/>
+                    <a16:rowId xmlns:a16="http://schemas.microsoft.com/office/drawing/2014/main" xmlns="" val="2305501086"/>
                   </a:ext>
                 </a:extLst>
               </a:tr>
@@ -8771,7 +8771,7 @@
                 </a:tc>
                 <a:extLst>
                   <a:ext uri="{0D108BD9-81ED-4DB2-BD59-A6C34878D82A}">
-                    <a16:rowId xmlns:a16="http://schemas.microsoft.com/office/drawing/2014/main" val="3416750826"/>
+                    <a16:rowId xmlns:a16="http://schemas.microsoft.com/office/drawing/2014/main" xmlns="" val="3416750826"/>
                   </a:ext>
                 </a:extLst>
               </a:tr>
@@ -8870,7 +8870,7 @@
                 </a:tc>
                 <a:extLst>
                   <a:ext uri="{0D108BD9-81ED-4DB2-BD59-A6C34878D82A}">
-                    <a16:rowId xmlns:a16="http://schemas.microsoft.com/office/drawing/2014/main" val="576399743"/>
+                    <a16:rowId xmlns:a16="http://schemas.microsoft.com/office/drawing/2014/main" xmlns="" val="576399743"/>
                   </a:ext>
                 </a:extLst>
               </a:tr>
@@ -8969,7 +8969,7 @@
                 </a:tc>
                 <a:extLst>
                   <a:ext uri="{0D108BD9-81ED-4DB2-BD59-A6C34878D82A}">
-                    <a16:rowId xmlns:a16="http://schemas.microsoft.com/office/drawing/2014/main" val="1466000223"/>
+                    <a16:rowId xmlns:a16="http://schemas.microsoft.com/office/drawing/2014/main" xmlns="" val="1466000223"/>
                   </a:ext>
                 </a:extLst>
               </a:tr>
@@ -9068,7 +9068,7 @@
                 </a:tc>
                 <a:extLst>
                   <a:ext uri="{0D108BD9-81ED-4DB2-BD59-A6C34878D82A}">
-                    <a16:rowId xmlns:a16="http://schemas.microsoft.com/office/drawing/2014/main" val="3402542484"/>
+                    <a16:rowId xmlns:a16="http://schemas.microsoft.com/office/drawing/2014/main" xmlns="" val="3402542484"/>
                   </a:ext>
                 </a:extLst>
               </a:tr>
@@ -9167,7 +9167,7 @@
                 </a:tc>
                 <a:extLst>
                   <a:ext uri="{0D108BD9-81ED-4DB2-BD59-A6C34878D82A}">
-                    <a16:rowId xmlns:a16="http://schemas.microsoft.com/office/drawing/2014/main" val="88509442"/>
+                    <a16:rowId xmlns:a16="http://schemas.microsoft.com/office/drawing/2014/main" xmlns="" val="88509442"/>
                   </a:ext>
                 </a:extLst>
               </a:tr>
@@ -9266,7 +9266,7 @@
                 </a:tc>
                 <a:extLst>
                   <a:ext uri="{0D108BD9-81ED-4DB2-BD59-A6C34878D82A}">
-                    <a16:rowId xmlns:a16="http://schemas.microsoft.com/office/drawing/2014/main" val="3892384822"/>
+                    <a16:rowId xmlns:a16="http://schemas.microsoft.com/office/drawing/2014/main" xmlns="" val="3892384822"/>
                   </a:ext>
                 </a:extLst>
               </a:tr>
@@ -9365,7 +9365,7 @@
                 </a:tc>
                 <a:extLst>
                   <a:ext uri="{0D108BD9-81ED-4DB2-BD59-A6C34878D82A}">
-                    <a16:rowId xmlns:a16="http://schemas.microsoft.com/office/drawing/2014/main" val="3597563155"/>
+                    <a16:rowId xmlns:a16="http://schemas.microsoft.com/office/drawing/2014/main" xmlns="" val="3597563155"/>
                   </a:ext>
                 </a:extLst>
               </a:tr>
@@ -9458,7 +9458,7 @@
                 </a:tc>
                 <a:extLst>
                   <a:ext uri="{0D108BD9-81ED-4DB2-BD59-A6C34878D82A}">
-                    <a16:rowId xmlns:a16="http://schemas.microsoft.com/office/drawing/2014/main" val="2781787702"/>
+                    <a16:rowId xmlns:a16="http://schemas.microsoft.com/office/drawing/2014/main" xmlns="" val="2781787702"/>
                   </a:ext>
                 </a:extLst>
               </a:tr>
@@ -9583,126 +9583,126 @@
                 <a:gridCol w="1005840">
                   <a:extLst>
                     <a:ext uri="{9D8B030D-6E8A-4147-A177-3AD203B41FA5}">
-                      <a16:colId xmlns:a16="http://schemas.microsoft.com/office/drawing/2014/main" val="20000"/>
+                      <a16:colId xmlns:a16="http://schemas.microsoft.com/office/drawing/2014/main" xmlns="" val="20000"/>
                     </a:ext>
                   </a:extLst>
                 </a:gridCol>
                 <a:gridCol w="548640">
                   <a:extLst>
                     <a:ext uri="{9D8B030D-6E8A-4147-A177-3AD203B41FA5}">
-                      <a16:colId xmlns:a16="http://schemas.microsoft.com/office/drawing/2014/main" val="20001"/>
+                      <a16:colId xmlns:a16="http://schemas.microsoft.com/office/drawing/2014/main" xmlns="" val="20001"/>
                     </a:ext>
                   </a:extLst>
                 </a:gridCol>
                 <a:gridCol w="469392">
                   <a:extLst>
                     <a:ext uri="{9D8B030D-6E8A-4147-A177-3AD203B41FA5}">
-                      <a16:colId xmlns:a16="http://schemas.microsoft.com/office/drawing/2014/main" val="20002"/>
+                      <a16:colId xmlns:a16="http://schemas.microsoft.com/office/drawing/2014/main" xmlns="" val="20002"/>
                     </a:ext>
                   </a:extLst>
                 </a:gridCol>
                 <a:gridCol w="585216">
                   <a:extLst>
                     <a:ext uri="{9D8B030D-6E8A-4147-A177-3AD203B41FA5}">
-                      <a16:colId xmlns:a16="http://schemas.microsoft.com/office/drawing/2014/main" val="20003"/>
+                      <a16:colId xmlns:a16="http://schemas.microsoft.com/office/drawing/2014/main" xmlns="" val="20003"/>
                     </a:ext>
                   </a:extLst>
                 </a:gridCol>
                 <a:gridCol w="729510">
                   <a:extLst>
                     <a:ext uri="{9D8B030D-6E8A-4147-A177-3AD203B41FA5}">
-                      <a16:colId xmlns:a16="http://schemas.microsoft.com/office/drawing/2014/main" val="20004"/>
+                      <a16:colId xmlns:a16="http://schemas.microsoft.com/office/drawing/2014/main" xmlns="" val="20004"/>
                     </a:ext>
                   </a:extLst>
                 </a:gridCol>
                 <a:gridCol w="549498">
                   <a:extLst>
                     <a:ext uri="{9D8B030D-6E8A-4147-A177-3AD203B41FA5}">
-                      <a16:colId xmlns:a16="http://schemas.microsoft.com/office/drawing/2014/main" val="20005"/>
+                      <a16:colId xmlns:a16="http://schemas.microsoft.com/office/drawing/2014/main" xmlns="" val="20005"/>
                     </a:ext>
                   </a:extLst>
                 </a:gridCol>
                 <a:gridCol w="549498">
                   <a:extLst>
                     <a:ext uri="{9D8B030D-6E8A-4147-A177-3AD203B41FA5}">
-                      <a16:colId xmlns:a16="http://schemas.microsoft.com/office/drawing/2014/main" val="20006"/>
+                      <a16:colId xmlns:a16="http://schemas.microsoft.com/office/drawing/2014/main" xmlns="" val="20006"/>
                     </a:ext>
                   </a:extLst>
                 </a:gridCol>
                 <a:gridCol w="549498">
                   <a:extLst>
                     <a:ext uri="{9D8B030D-6E8A-4147-A177-3AD203B41FA5}">
-                      <a16:colId xmlns:a16="http://schemas.microsoft.com/office/drawing/2014/main" val="20007"/>
+                      <a16:colId xmlns:a16="http://schemas.microsoft.com/office/drawing/2014/main" xmlns="" val="20007"/>
                     </a:ext>
                   </a:extLst>
                 </a:gridCol>
                 <a:gridCol w="549498">
                   <a:extLst>
                     <a:ext uri="{9D8B030D-6E8A-4147-A177-3AD203B41FA5}">
-                      <a16:colId xmlns:a16="http://schemas.microsoft.com/office/drawing/2014/main" val="20008"/>
+                      <a16:colId xmlns:a16="http://schemas.microsoft.com/office/drawing/2014/main" xmlns="" val="20008"/>
                     </a:ext>
                   </a:extLst>
                 </a:gridCol>
                 <a:gridCol w="549498">
                   <a:extLst>
                     <a:ext uri="{9D8B030D-6E8A-4147-A177-3AD203B41FA5}">
-                      <a16:colId xmlns:a16="http://schemas.microsoft.com/office/drawing/2014/main" val="20009"/>
+                      <a16:colId xmlns:a16="http://schemas.microsoft.com/office/drawing/2014/main" xmlns="" val="20009"/>
                     </a:ext>
                   </a:extLst>
                 </a:gridCol>
                 <a:gridCol w="549498">
                   <a:extLst>
                     <a:ext uri="{9D8B030D-6E8A-4147-A177-3AD203B41FA5}">
-                      <a16:colId xmlns:a16="http://schemas.microsoft.com/office/drawing/2014/main" val="20010"/>
+                      <a16:colId xmlns:a16="http://schemas.microsoft.com/office/drawing/2014/main" xmlns="" val="20010"/>
                     </a:ext>
                   </a:extLst>
                 </a:gridCol>
                 <a:gridCol w="549498">
                   <a:extLst>
                     <a:ext uri="{9D8B030D-6E8A-4147-A177-3AD203B41FA5}">
-                      <a16:colId xmlns:a16="http://schemas.microsoft.com/office/drawing/2014/main" val="20011"/>
+                      <a16:colId xmlns:a16="http://schemas.microsoft.com/office/drawing/2014/main" xmlns="" val="20011"/>
                     </a:ext>
                   </a:extLst>
                 </a:gridCol>
                 <a:gridCol w="549498">
                   <a:extLst>
                     <a:ext uri="{9D8B030D-6E8A-4147-A177-3AD203B41FA5}">
-                      <a16:colId xmlns:a16="http://schemas.microsoft.com/office/drawing/2014/main" val="20012"/>
+                      <a16:colId xmlns:a16="http://schemas.microsoft.com/office/drawing/2014/main" xmlns="" val="20012"/>
                     </a:ext>
                   </a:extLst>
                 </a:gridCol>
                 <a:gridCol w="549498">
                   <a:extLst>
                     <a:ext uri="{9D8B030D-6E8A-4147-A177-3AD203B41FA5}">
-                      <a16:colId xmlns:a16="http://schemas.microsoft.com/office/drawing/2014/main" val="20013"/>
+                      <a16:colId xmlns:a16="http://schemas.microsoft.com/office/drawing/2014/main" xmlns="" val="20013"/>
                     </a:ext>
                   </a:extLst>
                 </a:gridCol>
                 <a:gridCol w="549498">
                   <a:extLst>
                     <a:ext uri="{9D8B030D-6E8A-4147-A177-3AD203B41FA5}">
-                      <a16:colId xmlns:a16="http://schemas.microsoft.com/office/drawing/2014/main" val="20014"/>
+                      <a16:colId xmlns:a16="http://schemas.microsoft.com/office/drawing/2014/main" xmlns="" val="20014"/>
                     </a:ext>
                   </a:extLst>
                 </a:gridCol>
                 <a:gridCol w="549498">
                   <a:extLst>
                     <a:ext uri="{9D8B030D-6E8A-4147-A177-3AD203B41FA5}">
-                      <a16:colId xmlns:a16="http://schemas.microsoft.com/office/drawing/2014/main" val="20015"/>
+                      <a16:colId xmlns:a16="http://schemas.microsoft.com/office/drawing/2014/main" xmlns="" val="20015"/>
                     </a:ext>
                   </a:extLst>
                 </a:gridCol>
                 <a:gridCol w="549498">
                   <a:extLst>
                     <a:ext uri="{9D8B030D-6E8A-4147-A177-3AD203B41FA5}">
-                      <a16:colId xmlns:a16="http://schemas.microsoft.com/office/drawing/2014/main" val="20016"/>
+                      <a16:colId xmlns:a16="http://schemas.microsoft.com/office/drawing/2014/main" xmlns="" val="20016"/>
                     </a:ext>
                   </a:extLst>
                 </a:gridCol>
                 <a:gridCol w="549498">
                   <a:extLst>
                     <a:ext uri="{9D8B030D-6E8A-4147-A177-3AD203B41FA5}">
-                      <a16:colId xmlns:a16="http://schemas.microsoft.com/office/drawing/2014/main" val="20017"/>
+                      <a16:colId xmlns:a16="http://schemas.microsoft.com/office/drawing/2014/main" xmlns="" val="20017"/>
                     </a:ext>
                   </a:extLst>
                 </a:gridCol>
@@ -10250,7 +10250,7 @@
                 </a:tc>
                 <a:extLst>
                   <a:ext uri="{0D108BD9-81ED-4DB2-BD59-A6C34878D82A}">
-                    <a16:rowId xmlns:a16="http://schemas.microsoft.com/office/drawing/2014/main" val="10000"/>
+                    <a16:rowId xmlns:a16="http://schemas.microsoft.com/office/drawing/2014/main" xmlns="" val="10000"/>
                   </a:ext>
                 </a:extLst>
               </a:tr>
@@ -10710,7 +10710,7 @@
                 </a:tc>
                 <a:extLst>
                   <a:ext uri="{0D108BD9-81ED-4DB2-BD59-A6C34878D82A}">
-                    <a16:rowId xmlns:a16="http://schemas.microsoft.com/office/drawing/2014/main" val="10001"/>
+                    <a16:rowId xmlns:a16="http://schemas.microsoft.com/office/drawing/2014/main" xmlns="" val="10001"/>
                   </a:ext>
                 </a:extLst>
               </a:tr>
@@ -11170,7 +11170,7 @@
                 </a:tc>
                 <a:extLst>
                   <a:ext uri="{0D108BD9-81ED-4DB2-BD59-A6C34878D82A}">
-                    <a16:rowId xmlns:a16="http://schemas.microsoft.com/office/drawing/2014/main" val="10002"/>
+                    <a16:rowId xmlns:a16="http://schemas.microsoft.com/office/drawing/2014/main" xmlns="" val="10002"/>
                   </a:ext>
                 </a:extLst>
               </a:tr>
@@ -11630,7 +11630,7 @@
                 </a:tc>
                 <a:extLst>
                   <a:ext uri="{0D108BD9-81ED-4DB2-BD59-A6C34878D82A}">
-                    <a16:rowId xmlns:a16="http://schemas.microsoft.com/office/drawing/2014/main" val="10003"/>
+                    <a16:rowId xmlns:a16="http://schemas.microsoft.com/office/drawing/2014/main" xmlns="" val="10003"/>
                   </a:ext>
                 </a:extLst>
               </a:tr>
@@ -12090,7 +12090,7 @@
                 </a:tc>
                 <a:extLst>
                   <a:ext uri="{0D108BD9-81ED-4DB2-BD59-A6C34878D82A}">
-                    <a16:rowId xmlns:a16="http://schemas.microsoft.com/office/drawing/2014/main" val="10004"/>
+                    <a16:rowId xmlns:a16="http://schemas.microsoft.com/office/drawing/2014/main" xmlns="" val="10004"/>
                   </a:ext>
                 </a:extLst>
               </a:tr>
@@ -12550,7 +12550,7 @@
                 </a:tc>
                 <a:extLst>
                   <a:ext uri="{0D108BD9-81ED-4DB2-BD59-A6C34878D82A}">
-                    <a16:rowId xmlns:a16="http://schemas.microsoft.com/office/drawing/2014/main" val="10005"/>
+                    <a16:rowId xmlns:a16="http://schemas.microsoft.com/office/drawing/2014/main" xmlns="" val="10005"/>
                   </a:ext>
                 </a:extLst>
               </a:tr>
@@ -13010,7 +13010,7 @@
                 </a:tc>
                 <a:extLst>
                   <a:ext uri="{0D108BD9-81ED-4DB2-BD59-A6C34878D82A}">
-                    <a16:rowId xmlns:a16="http://schemas.microsoft.com/office/drawing/2014/main" val="10006"/>
+                    <a16:rowId xmlns:a16="http://schemas.microsoft.com/office/drawing/2014/main" xmlns="" val="10006"/>
                   </a:ext>
                 </a:extLst>
               </a:tr>
@@ -13470,7 +13470,7 @@
                 </a:tc>
                 <a:extLst>
                   <a:ext uri="{0D108BD9-81ED-4DB2-BD59-A6C34878D82A}">
-                    <a16:rowId xmlns:a16="http://schemas.microsoft.com/office/drawing/2014/main" val="10007"/>
+                    <a16:rowId xmlns:a16="http://schemas.microsoft.com/office/drawing/2014/main" xmlns="" val="10007"/>
                   </a:ext>
                 </a:extLst>
               </a:tr>
@@ -13930,7 +13930,7 @@
                 </a:tc>
                 <a:extLst>
                   <a:ext uri="{0D108BD9-81ED-4DB2-BD59-A6C34878D82A}">
-                    <a16:rowId xmlns:a16="http://schemas.microsoft.com/office/drawing/2014/main" val="10008"/>
+                    <a16:rowId xmlns:a16="http://schemas.microsoft.com/office/drawing/2014/main" xmlns="" val="10008"/>
                   </a:ext>
                 </a:extLst>
               </a:tr>
@@ -14390,7 +14390,7 @@
                 </a:tc>
                 <a:extLst>
                   <a:ext uri="{0D108BD9-81ED-4DB2-BD59-A6C34878D82A}">
-                    <a16:rowId xmlns:a16="http://schemas.microsoft.com/office/drawing/2014/main" val="10009"/>
+                    <a16:rowId xmlns:a16="http://schemas.microsoft.com/office/drawing/2014/main" xmlns="" val="10009"/>
                   </a:ext>
                 </a:extLst>
               </a:tr>
@@ -14850,7 +14850,7 @@
                 </a:tc>
                 <a:extLst>
                   <a:ext uri="{0D108BD9-81ED-4DB2-BD59-A6C34878D82A}">
-                    <a16:rowId xmlns:a16="http://schemas.microsoft.com/office/drawing/2014/main" val="10010"/>
+                    <a16:rowId xmlns:a16="http://schemas.microsoft.com/office/drawing/2014/main" xmlns="" val="10010"/>
                   </a:ext>
                 </a:extLst>
               </a:tr>
@@ -15310,7 +15310,7 @@
                 </a:tc>
                 <a:extLst>
                   <a:ext uri="{0D108BD9-81ED-4DB2-BD59-A6C34878D82A}">
-                    <a16:rowId xmlns:a16="http://schemas.microsoft.com/office/drawing/2014/main" val="10011"/>
+                    <a16:rowId xmlns:a16="http://schemas.microsoft.com/office/drawing/2014/main" xmlns="" val="10011"/>
                   </a:ext>
                 </a:extLst>
               </a:tr>
@@ -15770,7 +15770,7 @@
                 </a:tc>
                 <a:extLst>
                   <a:ext uri="{0D108BD9-81ED-4DB2-BD59-A6C34878D82A}">
-                    <a16:rowId xmlns:a16="http://schemas.microsoft.com/office/drawing/2014/main" val="10012"/>
+                    <a16:rowId xmlns:a16="http://schemas.microsoft.com/office/drawing/2014/main" xmlns="" val="10012"/>
                   </a:ext>
                 </a:extLst>
               </a:tr>
@@ -16230,7 +16230,7 @@
                 </a:tc>
                 <a:extLst>
                   <a:ext uri="{0D108BD9-81ED-4DB2-BD59-A6C34878D82A}">
-                    <a16:rowId xmlns:a16="http://schemas.microsoft.com/office/drawing/2014/main" val="10013"/>
+                    <a16:rowId xmlns:a16="http://schemas.microsoft.com/office/drawing/2014/main" xmlns="" val="10013"/>
                   </a:ext>
                 </a:extLst>
               </a:tr>
@@ -16296,7 +16296,7 @@
           <p:cNvPr id="2" name="Title 1">
             <a:extLst>
               <a:ext uri="{FF2B5EF4-FFF2-40B4-BE49-F238E27FC236}">
-                <a16:creationId xmlns:a16="http://schemas.microsoft.com/office/drawing/2014/main" id="{5AF238AD-1A83-4535-B98A-6F56CF4EDACF}"/>
+                <a16:creationId xmlns:a16="http://schemas.microsoft.com/office/drawing/2014/main" xmlns="" id="{5AF238AD-1A83-4535-B98A-6F56CF4EDACF}"/>
               </a:ext>
             </a:extLst>
           </p:cNvPr>
@@ -16330,7 +16330,7 @@
           <p:cNvPr id="8" name="Content Placeholder 7" descr="A screenshot of a cell phone&#10;&#10;Description generated with high confidence">
             <a:extLst>
               <a:ext uri="{FF2B5EF4-FFF2-40B4-BE49-F238E27FC236}">
-                <a16:creationId xmlns:a16="http://schemas.microsoft.com/office/drawing/2014/main" id="{0BC99ED9-0E92-4EEF-86A0-5517E4BD9F93}"/>
+                <a16:creationId xmlns:a16="http://schemas.microsoft.com/office/drawing/2014/main" xmlns="" id="{0BC99ED9-0E92-4EEF-86A0-5517E4BD9F93}"/>
               </a:ext>
             </a:extLst>
           </p:cNvPr>
@@ -16365,7 +16365,7 @@
           <p:cNvPr id="4" name="Slide Number Placeholder 3">
             <a:extLst>
               <a:ext uri="{FF2B5EF4-FFF2-40B4-BE49-F238E27FC236}">
-                <a16:creationId xmlns:a16="http://schemas.microsoft.com/office/drawing/2014/main" id="{72F8CB53-9BEC-42BE-99B9-B7874B0AF055}"/>
+                <a16:creationId xmlns:a16="http://schemas.microsoft.com/office/drawing/2014/main" xmlns="" id="{72F8CB53-9BEC-42BE-99B9-B7874B0AF055}"/>
               </a:ext>
             </a:extLst>
           </p:cNvPr>
@@ -16429,7 +16429,12 @@
             <p:ph type="title"/>
           </p:nvPr>
         </p:nvSpPr>
-        <p:spPr/>
+        <p:spPr>
+          <a:xfrm>
+            <a:off x="838200" y="365126"/>
+            <a:ext cx="10515600" cy="957488"/>
+          </a:xfrm>
+        </p:spPr>
         <p:txBody>
           <a:bodyPr/>
           <a:lstStyle/>
@@ -16442,178 +16447,699 @@
           </a:p>
         </p:txBody>
       </p:sp>
-      <p:sp>
-        <p:nvSpPr>
-          <p:cNvPr id="3" name="Content Placeholder 2"/>
-          <p:cNvSpPr>
-            <a:spLocks noGrp="1"/>
-          </p:cNvSpPr>
+      <p:graphicFrame>
+        <p:nvGraphicFramePr>
+          <p:cNvPr id="5" name="Content Placeholder 4"/>
+          <p:cNvGraphicFramePr>
+            <a:graphicFrameLocks noGrp="1"/>
+          </p:cNvGraphicFramePr>
           <p:nvPr>
             <p:ph idx="1"/>
+            <p:extLst>
+              <p:ext uri="{D42A27DB-BD31-4B8C-83A1-F6EECF244321}">
+                <p14:modId xmlns:p14="http://schemas.microsoft.com/office/powerpoint/2010/main" val="2930098698"/>
+              </p:ext>
+            </p:extLst>
           </p:nvPr>
-        </p:nvSpPr>
-        <p:spPr>
-          <a:solidFill>
-            <a:schemeClr val="bg1"/>
-          </a:solidFill>
-          <a:ln>
-            <a:noFill/>
-          </a:ln>
-        </p:spPr>
-        <p:txBody>
-          <a:bodyPr/>
-          <a:lstStyle/>
-          <a:p>
-            <a:r>
-              <a:rPr lang="en-GB" dirty="0"/>
-              <a:t>Results from HRC panel are promising but 1KG phase III reference panel is sufficient.</a:t>
-            </a:r>
-          </a:p>
-          <a:p>
-            <a:r>
-              <a:rPr lang="en-GB" b="1" dirty="0"/>
-              <a:t>GCTA</a:t>
-            </a:r>
-            <a:r>
-              <a:rPr lang="en-GB" dirty="0"/>
-              <a:t> </a:t>
-            </a:r>
-          </a:p>
-          <a:p>
-            <a:pPr marL="0" indent="0">
-              <a:buNone/>
-            </a:pPr>
-            <a:r>
-              <a:rPr lang="en-GB" b="1" dirty="0" err="1"/>
-              <a:t>Chr</a:t>
-            </a:r>
-            <a:r>
-              <a:rPr lang="en-GB" b="1" dirty="0"/>
-              <a:t> SNP </a:t>
-            </a:r>
-            <a:r>
-              <a:rPr lang="en-GB" b="1" dirty="0" err="1"/>
-              <a:t>bp</a:t>
-            </a:r>
-            <a:r>
-              <a:rPr lang="en-GB" b="1" dirty="0"/>
-              <a:t> </a:t>
-            </a:r>
-            <a:r>
-              <a:rPr lang="en-GB" b="1" dirty="0" err="1"/>
-              <a:t>refA</a:t>
-            </a:r>
-            <a:r>
-              <a:rPr lang="en-GB" b="1" dirty="0"/>
-              <a:t> </a:t>
-            </a:r>
-            <a:r>
-              <a:rPr lang="en-GB" b="1" dirty="0" err="1"/>
-              <a:t>freq</a:t>
-            </a:r>
-            <a:r>
-              <a:rPr lang="en-GB" b="1" dirty="0"/>
-              <a:t> b se p n </a:t>
-            </a:r>
-            <a:r>
-              <a:rPr lang="en-GB" b="1" dirty="0" err="1"/>
-              <a:t>freq_geno</a:t>
-            </a:r>
-            <a:r>
-              <a:rPr lang="en-GB" b="1" dirty="0"/>
-              <a:t> </a:t>
-            </a:r>
-            <a:r>
-              <a:rPr lang="en-GB" b="1" dirty="0" err="1"/>
-              <a:t>bJ</a:t>
-            </a:r>
-            <a:r>
-              <a:rPr lang="en-GB" b="1" dirty="0"/>
-              <a:t> </a:t>
-            </a:r>
-            <a:r>
-              <a:rPr lang="en-GB" b="1" dirty="0" err="1"/>
-              <a:t>bJ_se</a:t>
-            </a:r>
-            <a:r>
-              <a:rPr lang="en-GB" b="1" dirty="0"/>
-              <a:t> </a:t>
-            </a:r>
-            <a:r>
-              <a:rPr lang="en-GB" b="1" dirty="0" err="1"/>
-              <a:t>pJ</a:t>
-            </a:r>
-            <a:r>
-              <a:rPr lang="en-GB" b="1" dirty="0"/>
-              <a:t> </a:t>
-            </a:r>
-            <a:r>
-              <a:rPr lang="en-GB" b="1" dirty="0" err="1"/>
-              <a:t>LD_r</a:t>
-            </a:r>
-            <a:endParaRPr lang="en-GB" b="1" dirty="0"/>
-          </a:p>
-          <a:p>
-            <a:pPr marL="0" indent="0">
-              <a:buNone/>
-            </a:pPr>
-            <a:r>
-              <a:rPr lang="en-GB" dirty="0"/>
-              <a:t>12 12:57146069_G_T 57146069 T 0.8889 0.3242 0.034 1.416e-21 66329.1 0.886503 0.3242 0.034023 1.59055e-21 0</a:t>
-            </a:r>
-          </a:p>
-          <a:p>
-            <a:r>
-              <a:rPr lang="en-GB" dirty="0"/>
-              <a:t>J</a:t>
-            </a:r>
-            <a:r>
-              <a:rPr lang="en-GB" b="1" dirty="0"/>
-              <a:t>AM</a:t>
-            </a:r>
-            <a:r>
-              <a:rPr lang="en-GB" dirty="0"/>
-              <a:t>.  BF=29391.4444, top model has posterior probability=0.8486.</a:t>
-            </a:r>
-          </a:p>
-          <a:p>
-            <a:r>
-              <a:rPr lang="en-GB" b="1" dirty="0" err="1"/>
-              <a:t>finemap</a:t>
-            </a:r>
-            <a:r>
-              <a:rPr lang="en-GB" b="1" dirty="0"/>
-              <a:t>.</a:t>
-            </a:r>
-            <a:r>
-              <a:rPr lang="en-GB" dirty="0"/>
-              <a:t> </a:t>
-            </a:r>
-            <a:r>
-              <a:rPr lang="en-GB" dirty="0" err="1"/>
-              <a:t>snp_prob</a:t>
-            </a:r>
-            <a:r>
-              <a:rPr lang="en-GB" dirty="0"/>
-              <a:t>=1, snp_log10bf=8.4214, </a:t>
-            </a:r>
-            <a:r>
-              <a:rPr lang="en-GB" dirty="0" err="1"/>
-              <a:t>config_prob</a:t>
-            </a:r>
-            <a:r>
-              <a:rPr lang="en-GB" dirty="0"/>
-              <a:t>=0.8672335, config_log10bf=18.50581.</a:t>
-            </a:r>
-          </a:p>
-          <a:p>
-            <a:endParaRPr lang="en-GB" dirty="0"/>
-          </a:p>
-          <a:p>
-            <a:endParaRPr lang="en-GB" dirty="0"/>
-          </a:p>
-        </p:txBody>
-      </p:sp>
+        </p:nvGraphicFramePr>
+        <p:xfrm>
+          <a:off x="823184" y="2886981"/>
+          <a:ext cx="10515596" cy="868045"/>
+        </p:xfrm>
+        <a:graphic>
+          <a:graphicData uri="http://schemas.openxmlformats.org/drawingml/2006/table">
+            <a:tbl>
+              <a:tblPr firstRow="1" bandRow="1">
+                <a:tableStyleId>{F5AB1C69-6EDB-4FF4-983F-18BD219EF322}</a:tableStyleId>
+              </a:tblPr>
+              <a:tblGrid>
+                <a:gridCol w="321129"/>
+                <a:gridCol w="1608364"/>
+                <a:gridCol w="914400"/>
+                <a:gridCol w="457200"/>
+                <a:gridCol w="636814"/>
+                <a:gridCol w="702129"/>
+                <a:gridCol w="617762"/>
+                <a:gridCol w="751114"/>
+                <a:gridCol w="751114"/>
+                <a:gridCol w="810988"/>
+                <a:gridCol w="702129"/>
+                <a:gridCol w="930728"/>
+                <a:gridCol w="881743"/>
+                <a:gridCol w="429982"/>
+              </a:tblGrid>
+              <a:tr h="370840">
+                <a:tc>
+                  <a:txBody>
+                    <a:bodyPr/>
+                    <a:lstStyle/>
+                    <a:p>
+                      <a:pPr algn="l" fontAlgn="b"/>
+                      <a:r>
+                        <a:rPr lang="en-GB" sz="1600" u="none" strike="noStrike" dirty="0" err="1">
+                          <a:effectLst/>
+                        </a:rPr>
+                        <a:t>Chr</a:t>
+                      </a:r>
+                      <a:endParaRPr lang="en-GB" sz="1600" b="0" i="0" u="none" strike="noStrike" dirty="0">
+                        <a:solidFill>
+                          <a:srgbClr val="000000"/>
+                        </a:solidFill>
+                        <a:effectLst/>
+                        <a:latin typeface="Calibri"/>
+                      </a:endParaRPr>
+                    </a:p>
+                  </a:txBody>
+                  <a:tcPr marL="9525" marR="9525" marT="9525" marB="0" anchor="b"/>
+                </a:tc>
+                <a:tc>
+                  <a:txBody>
+                    <a:bodyPr/>
+                    <a:lstStyle/>
+                    <a:p>
+                      <a:pPr algn="l" fontAlgn="b"/>
+                      <a:r>
+                        <a:rPr lang="en-GB" sz="1600" u="none" strike="noStrike">
+                          <a:effectLst/>
+                        </a:rPr>
+                        <a:t>SNP</a:t>
+                      </a:r>
+                      <a:endParaRPr lang="en-GB" sz="1600" b="0" i="0" u="none" strike="noStrike">
+                        <a:solidFill>
+                          <a:srgbClr val="000000"/>
+                        </a:solidFill>
+                        <a:effectLst/>
+                        <a:latin typeface="Calibri"/>
+                      </a:endParaRPr>
+                    </a:p>
+                  </a:txBody>
+                  <a:tcPr marL="9525" marR="9525" marT="9525" marB="0" anchor="b"/>
+                </a:tc>
+                <a:tc>
+                  <a:txBody>
+                    <a:bodyPr/>
+                    <a:lstStyle/>
+                    <a:p>
+                      <a:pPr algn="l" fontAlgn="b"/>
+                      <a:r>
+                        <a:rPr lang="en-GB" sz="1600" u="none" strike="noStrike" dirty="0" err="1">
+                          <a:effectLst/>
+                        </a:rPr>
+                        <a:t>bp</a:t>
+                      </a:r>
+                      <a:endParaRPr lang="en-GB" sz="1600" b="0" i="0" u="none" strike="noStrike" dirty="0">
+                        <a:solidFill>
+                          <a:srgbClr val="000000"/>
+                        </a:solidFill>
+                        <a:effectLst/>
+                        <a:latin typeface="Calibri"/>
+                      </a:endParaRPr>
+                    </a:p>
+                  </a:txBody>
+                  <a:tcPr marL="9525" marR="9525" marT="9525" marB="0" anchor="b"/>
+                </a:tc>
+                <a:tc>
+                  <a:txBody>
+                    <a:bodyPr/>
+                    <a:lstStyle/>
+                    <a:p>
+                      <a:pPr algn="l" fontAlgn="b"/>
+                      <a:r>
+                        <a:rPr lang="en-GB" sz="1600" u="none" strike="noStrike" dirty="0" err="1">
+                          <a:effectLst/>
+                        </a:rPr>
+                        <a:t>refA</a:t>
+                      </a:r>
+                      <a:endParaRPr lang="en-GB" sz="1600" b="0" i="0" u="none" strike="noStrike" dirty="0">
+                        <a:solidFill>
+                          <a:srgbClr val="000000"/>
+                        </a:solidFill>
+                        <a:effectLst/>
+                        <a:latin typeface="Calibri"/>
+                      </a:endParaRPr>
+                    </a:p>
+                  </a:txBody>
+                  <a:tcPr marL="9525" marR="9525" marT="9525" marB="0" anchor="b"/>
+                </a:tc>
+                <a:tc>
+                  <a:txBody>
+                    <a:bodyPr/>
+                    <a:lstStyle/>
+                    <a:p>
+                      <a:pPr algn="l" fontAlgn="b"/>
+                      <a:r>
+                        <a:rPr lang="en-GB" sz="1600" u="none" strike="noStrike">
+                          <a:effectLst/>
+                        </a:rPr>
+                        <a:t>freq</a:t>
+                      </a:r>
+                      <a:endParaRPr lang="en-GB" sz="1600" b="0" i="0" u="none" strike="noStrike">
+                        <a:solidFill>
+                          <a:srgbClr val="000000"/>
+                        </a:solidFill>
+                        <a:effectLst/>
+                        <a:latin typeface="Calibri"/>
+                      </a:endParaRPr>
+                    </a:p>
+                  </a:txBody>
+                  <a:tcPr marL="9525" marR="9525" marT="9525" marB="0" anchor="b"/>
+                </a:tc>
+                <a:tc>
+                  <a:txBody>
+                    <a:bodyPr/>
+                    <a:lstStyle/>
+                    <a:p>
+                      <a:pPr algn="l" fontAlgn="b"/>
+                      <a:r>
+                        <a:rPr lang="en-GB" sz="1600" u="none" strike="noStrike">
+                          <a:effectLst/>
+                        </a:rPr>
+                        <a:t>b</a:t>
+                      </a:r>
+                      <a:endParaRPr lang="en-GB" sz="1600" b="0" i="0" u="none" strike="noStrike">
+                        <a:solidFill>
+                          <a:srgbClr val="000000"/>
+                        </a:solidFill>
+                        <a:effectLst/>
+                        <a:latin typeface="Calibri"/>
+                      </a:endParaRPr>
+                    </a:p>
+                  </a:txBody>
+                  <a:tcPr marL="9525" marR="9525" marT="9525" marB="0" anchor="b"/>
+                </a:tc>
+                <a:tc>
+                  <a:txBody>
+                    <a:bodyPr/>
+                    <a:lstStyle/>
+                    <a:p>
+                      <a:pPr algn="l" fontAlgn="b"/>
+                      <a:r>
+                        <a:rPr lang="en-GB" sz="1600" u="none" strike="noStrike">
+                          <a:effectLst/>
+                        </a:rPr>
+                        <a:t>se</a:t>
+                      </a:r>
+                      <a:endParaRPr lang="en-GB" sz="1600" b="0" i="0" u="none" strike="noStrike">
+                        <a:solidFill>
+                          <a:srgbClr val="000000"/>
+                        </a:solidFill>
+                        <a:effectLst/>
+                        <a:latin typeface="Calibri"/>
+                      </a:endParaRPr>
+                    </a:p>
+                  </a:txBody>
+                  <a:tcPr marL="9525" marR="9525" marT="9525" marB="0" anchor="b"/>
+                </a:tc>
+                <a:tc>
+                  <a:txBody>
+                    <a:bodyPr/>
+                    <a:lstStyle/>
+                    <a:p>
+                      <a:pPr algn="l" fontAlgn="b"/>
+                      <a:r>
+                        <a:rPr lang="en-GB" sz="1600" u="none" strike="noStrike">
+                          <a:effectLst/>
+                        </a:rPr>
+                        <a:t>p</a:t>
+                      </a:r>
+                      <a:endParaRPr lang="en-GB" sz="1600" b="0" i="0" u="none" strike="noStrike">
+                        <a:solidFill>
+                          <a:srgbClr val="000000"/>
+                        </a:solidFill>
+                        <a:effectLst/>
+                        <a:latin typeface="Calibri"/>
+                      </a:endParaRPr>
+                    </a:p>
+                  </a:txBody>
+                  <a:tcPr marL="9525" marR="9525" marT="9525" marB="0" anchor="b"/>
+                </a:tc>
+                <a:tc>
+                  <a:txBody>
+                    <a:bodyPr/>
+                    <a:lstStyle/>
+                    <a:p>
+                      <a:pPr algn="l" fontAlgn="b"/>
+                      <a:r>
+                        <a:rPr lang="en-GB" sz="1600" u="none" strike="noStrike">
+                          <a:effectLst/>
+                        </a:rPr>
+                        <a:t>n</a:t>
+                      </a:r>
+                      <a:endParaRPr lang="en-GB" sz="1600" b="0" i="0" u="none" strike="noStrike">
+                        <a:solidFill>
+                          <a:srgbClr val="000000"/>
+                        </a:solidFill>
+                        <a:effectLst/>
+                        <a:latin typeface="Calibri"/>
+                      </a:endParaRPr>
+                    </a:p>
+                  </a:txBody>
+                  <a:tcPr marL="9525" marR="9525" marT="9525" marB="0" anchor="b"/>
+                </a:tc>
+                <a:tc>
+                  <a:txBody>
+                    <a:bodyPr/>
+                    <a:lstStyle/>
+                    <a:p>
+                      <a:pPr algn="l" fontAlgn="b"/>
+                      <a:r>
+                        <a:rPr lang="en-GB" sz="1600" u="none" strike="noStrike">
+                          <a:effectLst/>
+                        </a:rPr>
+                        <a:t>freq_geno</a:t>
+                      </a:r>
+                      <a:endParaRPr lang="en-GB" sz="1600" b="0" i="0" u="none" strike="noStrike">
+                        <a:solidFill>
+                          <a:srgbClr val="000000"/>
+                        </a:solidFill>
+                        <a:effectLst/>
+                        <a:latin typeface="Calibri"/>
+                      </a:endParaRPr>
+                    </a:p>
+                  </a:txBody>
+                  <a:tcPr marL="9525" marR="9525" marT="9525" marB="0" anchor="b"/>
+                </a:tc>
+                <a:tc>
+                  <a:txBody>
+                    <a:bodyPr/>
+                    <a:lstStyle/>
+                    <a:p>
+                      <a:pPr algn="l" fontAlgn="b"/>
+                      <a:r>
+                        <a:rPr lang="en-GB" sz="1600" u="none" strike="noStrike">
+                          <a:effectLst/>
+                        </a:rPr>
+                        <a:t>bJ</a:t>
+                      </a:r>
+                      <a:endParaRPr lang="en-GB" sz="1600" b="0" i="0" u="none" strike="noStrike">
+                        <a:solidFill>
+                          <a:srgbClr val="000000"/>
+                        </a:solidFill>
+                        <a:effectLst/>
+                        <a:latin typeface="Calibri"/>
+                      </a:endParaRPr>
+                    </a:p>
+                  </a:txBody>
+                  <a:tcPr marL="9525" marR="9525" marT="9525" marB="0" anchor="b"/>
+                </a:tc>
+                <a:tc>
+                  <a:txBody>
+                    <a:bodyPr/>
+                    <a:lstStyle/>
+                    <a:p>
+                      <a:pPr algn="l" fontAlgn="b"/>
+                      <a:r>
+                        <a:rPr lang="en-GB" sz="1600" u="none" strike="noStrike">
+                          <a:effectLst/>
+                        </a:rPr>
+                        <a:t>bJ_se</a:t>
+                      </a:r>
+                      <a:endParaRPr lang="en-GB" sz="1600" b="0" i="0" u="none" strike="noStrike">
+                        <a:solidFill>
+                          <a:srgbClr val="000000"/>
+                        </a:solidFill>
+                        <a:effectLst/>
+                        <a:latin typeface="Calibri"/>
+                      </a:endParaRPr>
+                    </a:p>
+                  </a:txBody>
+                  <a:tcPr marL="9525" marR="9525" marT="9525" marB="0" anchor="b"/>
+                </a:tc>
+                <a:tc>
+                  <a:txBody>
+                    <a:bodyPr/>
+                    <a:lstStyle/>
+                    <a:p>
+                      <a:pPr algn="l" fontAlgn="b"/>
+                      <a:r>
+                        <a:rPr lang="en-GB" sz="1600" u="none" strike="noStrike">
+                          <a:effectLst/>
+                        </a:rPr>
+                        <a:t>pJ</a:t>
+                      </a:r>
+                      <a:endParaRPr lang="en-GB" sz="1600" b="0" i="0" u="none" strike="noStrike">
+                        <a:solidFill>
+                          <a:srgbClr val="000000"/>
+                        </a:solidFill>
+                        <a:effectLst/>
+                        <a:latin typeface="Calibri"/>
+                      </a:endParaRPr>
+                    </a:p>
+                  </a:txBody>
+                  <a:tcPr marL="9525" marR="9525" marT="9525" marB="0" anchor="b"/>
+                </a:tc>
+                <a:tc>
+                  <a:txBody>
+                    <a:bodyPr/>
+                    <a:lstStyle/>
+                    <a:p>
+                      <a:pPr algn="l" fontAlgn="b"/>
+                      <a:r>
+                        <a:rPr lang="en-GB" sz="1600" u="none" strike="noStrike">
+                          <a:effectLst/>
+                        </a:rPr>
+                        <a:t>LD_r</a:t>
+                      </a:r>
+                      <a:endParaRPr lang="en-GB" sz="1600" b="0" i="0" u="none" strike="noStrike">
+                        <a:solidFill>
+                          <a:srgbClr val="000000"/>
+                        </a:solidFill>
+                        <a:effectLst/>
+                        <a:latin typeface="Calibri"/>
+                      </a:endParaRPr>
+                    </a:p>
+                  </a:txBody>
+                  <a:tcPr marL="9525" marR="9525" marT="9525" marB="0" anchor="b"/>
+                </a:tc>
+              </a:tr>
+              <a:tr h="370840">
+                <a:tc>
+                  <a:txBody>
+                    <a:bodyPr/>
+                    <a:lstStyle/>
+                    <a:p>
+                      <a:pPr algn="l" fontAlgn="b"/>
+                      <a:r>
+                        <a:rPr lang="en-GB" sz="1600" u="none" strike="noStrike">
+                          <a:effectLst/>
+                        </a:rPr>
+                        <a:t>12</a:t>
+                      </a:r>
+                      <a:endParaRPr lang="en-GB" sz="1600" b="0" i="0" u="none" strike="noStrike">
+                        <a:solidFill>
+                          <a:srgbClr val="000000"/>
+                        </a:solidFill>
+                        <a:effectLst/>
+                        <a:latin typeface="Calibri"/>
+                      </a:endParaRPr>
+                    </a:p>
+                  </a:txBody>
+                  <a:tcPr marL="9525" marR="9525" marT="9525" marB="0" anchor="b"/>
+                </a:tc>
+                <a:tc>
+                  <a:txBody>
+                    <a:bodyPr/>
+                    <a:lstStyle/>
+                    <a:p>
+                      <a:pPr algn="l" fontAlgn="b"/>
+                      <a:r>
+                        <a:rPr lang="en-GB" sz="1600" u="none" strike="noStrike" dirty="0">
+                          <a:effectLst/>
+                        </a:rPr>
+                        <a:t>12:57146069_G_T</a:t>
+                      </a:r>
+                      <a:endParaRPr lang="en-GB" sz="1600" b="0" i="0" u="none" strike="noStrike" dirty="0">
+                        <a:solidFill>
+                          <a:srgbClr val="000000"/>
+                        </a:solidFill>
+                        <a:effectLst/>
+                        <a:latin typeface="Calibri"/>
+                      </a:endParaRPr>
+                    </a:p>
+                  </a:txBody>
+                  <a:tcPr marL="9525" marR="9525" marT="9525" marB="0" anchor="b"/>
+                </a:tc>
+                <a:tc>
+                  <a:txBody>
+                    <a:bodyPr/>
+                    <a:lstStyle/>
+                    <a:p>
+                      <a:pPr algn="l" fontAlgn="b"/>
+                      <a:r>
+                        <a:rPr lang="en-GB" sz="1600" u="none" strike="noStrike">
+                          <a:effectLst/>
+                        </a:rPr>
+                        <a:t>57146069</a:t>
+                      </a:r>
+                      <a:endParaRPr lang="en-GB" sz="1600" b="0" i="0" u="none" strike="noStrike">
+                        <a:solidFill>
+                          <a:srgbClr val="000000"/>
+                        </a:solidFill>
+                        <a:effectLst/>
+                        <a:latin typeface="Calibri"/>
+                      </a:endParaRPr>
+                    </a:p>
+                  </a:txBody>
+                  <a:tcPr marL="9525" marR="9525" marT="9525" marB="0" anchor="b"/>
+                </a:tc>
+                <a:tc>
+                  <a:txBody>
+                    <a:bodyPr/>
+                    <a:lstStyle/>
+                    <a:p>
+                      <a:pPr algn="l" fontAlgn="b"/>
+                      <a:r>
+                        <a:rPr lang="en-GB" sz="1600" u="none" strike="noStrike" dirty="0" smtClean="0">
+                          <a:effectLst/>
+                        </a:rPr>
+                        <a:t>T</a:t>
+                      </a:r>
+                      <a:endParaRPr lang="en-GB" sz="1600" b="0" i="0" u="none" strike="noStrike" dirty="0">
+                        <a:solidFill>
+                          <a:srgbClr val="000000"/>
+                        </a:solidFill>
+                        <a:effectLst/>
+                        <a:latin typeface="Calibri"/>
+                      </a:endParaRPr>
+                    </a:p>
+                  </a:txBody>
+                  <a:tcPr marL="9525" marR="9525" marT="9525" marB="0" anchor="b"/>
+                </a:tc>
+                <a:tc>
+                  <a:txBody>
+                    <a:bodyPr/>
+                    <a:lstStyle/>
+                    <a:p>
+                      <a:pPr algn="l" fontAlgn="b"/>
+                      <a:r>
+                        <a:rPr lang="en-GB" sz="1600" u="none" strike="noStrike">
+                          <a:effectLst/>
+                        </a:rPr>
+                        <a:t>0.8889</a:t>
+                      </a:r>
+                      <a:endParaRPr lang="en-GB" sz="1600" b="0" i="0" u="none" strike="noStrike">
+                        <a:solidFill>
+                          <a:srgbClr val="000000"/>
+                        </a:solidFill>
+                        <a:effectLst/>
+                        <a:latin typeface="Calibri"/>
+                      </a:endParaRPr>
+                    </a:p>
+                  </a:txBody>
+                  <a:tcPr marL="9525" marR="9525" marT="9525" marB="0" anchor="b"/>
+                </a:tc>
+                <a:tc>
+                  <a:txBody>
+                    <a:bodyPr/>
+                    <a:lstStyle/>
+                    <a:p>
+                      <a:pPr algn="l" fontAlgn="b"/>
+                      <a:r>
+                        <a:rPr lang="en-GB" sz="1600" u="none" strike="noStrike">
+                          <a:effectLst/>
+                        </a:rPr>
+                        <a:t>0.3242</a:t>
+                      </a:r>
+                      <a:endParaRPr lang="en-GB" sz="1600" b="0" i="0" u="none" strike="noStrike">
+                        <a:solidFill>
+                          <a:srgbClr val="000000"/>
+                        </a:solidFill>
+                        <a:effectLst/>
+                        <a:latin typeface="Calibri"/>
+                      </a:endParaRPr>
+                    </a:p>
+                  </a:txBody>
+                  <a:tcPr marL="9525" marR="9525" marT="9525" marB="0" anchor="b"/>
+                </a:tc>
+                <a:tc>
+                  <a:txBody>
+                    <a:bodyPr/>
+                    <a:lstStyle/>
+                    <a:p>
+                      <a:pPr algn="l" fontAlgn="b"/>
+                      <a:r>
+                        <a:rPr lang="en-GB" sz="1600" u="none" strike="noStrike">
+                          <a:effectLst/>
+                        </a:rPr>
+                        <a:t>0.034</a:t>
+                      </a:r>
+                      <a:endParaRPr lang="en-GB" sz="1600" b="0" i="0" u="none" strike="noStrike">
+                        <a:solidFill>
+                          <a:srgbClr val="000000"/>
+                        </a:solidFill>
+                        <a:effectLst/>
+                        <a:latin typeface="Calibri"/>
+                      </a:endParaRPr>
+                    </a:p>
+                  </a:txBody>
+                  <a:tcPr marL="9525" marR="9525" marT="9525" marB="0" anchor="b"/>
+                </a:tc>
+                <a:tc>
+                  <a:txBody>
+                    <a:bodyPr/>
+                    <a:lstStyle/>
+                    <a:p>
+                      <a:pPr algn="l" fontAlgn="b"/>
+                      <a:r>
+                        <a:rPr lang="en-GB" sz="1600" u="none" strike="noStrike">
+                          <a:effectLst/>
+                        </a:rPr>
+                        <a:t>1.42E-21</a:t>
+                      </a:r>
+                      <a:endParaRPr lang="en-GB" sz="1600" b="0" i="0" u="none" strike="noStrike">
+                        <a:solidFill>
+                          <a:srgbClr val="000000"/>
+                        </a:solidFill>
+                        <a:effectLst/>
+                        <a:latin typeface="Calibri"/>
+                      </a:endParaRPr>
+                    </a:p>
+                  </a:txBody>
+                  <a:tcPr marL="9525" marR="9525" marT="9525" marB="0" anchor="b"/>
+                </a:tc>
+                <a:tc>
+                  <a:txBody>
+                    <a:bodyPr/>
+                    <a:lstStyle/>
+                    <a:p>
+                      <a:pPr algn="l" fontAlgn="b"/>
+                      <a:r>
+                        <a:rPr lang="en-GB" sz="1600" u="none" strike="noStrike">
+                          <a:effectLst/>
+                        </a:rPr>
+                        <a:t>66329</a:t>
+                      </a:r>
+                      <a:endParaRPr lang="en-GB" sz="1600" b="0" i="0" u="none" strike="noStrike">
+                        <a:solidFill>
+                          <a:srgbClr val="000000"/>
+                        </a:solidFill>
+                        <a:effectLst/>
+                        <a:latin typeface="Calibri"/>
+                      </a:endParaRPr>
+                    </a:p>
+                  </a:txBody>
+                  <a:tcPr marL="9525" marR="9525" marT="9525" marB="0" anchor="b"/>
+                </a:tc>
+                <a:tc>
+                  <a:txBody>
+                    <a:bodyPr/>
+                    <a:lstStyle/>
+                    <a:p>
+                      <a:pPr algn="l" fontAlgn="b"/>
+                      <a:r>
+                        <a:rPr lang="en-GB" sz="1600" u="none" strike="noStrike">
+                          <a:effectLst/>
+                        </a:rPr>
+                        <a:t>0.886503</a:t>
+                      </a:r>
+                      <a:endParaRPr lang="en-GB" sz="1600" b="0" i="0" u="none" strike="noStrike">
+                        <a:solidFill>
+                          <a:srgbClr val="000000"/>
+                        </a:solidFill>
+                        <a:effectLst/>
+                        <a:latin typeface="Calibri"/>
+                      </a:endParaRPr>
+                    </a:p>
+                  </a:txBody>
+                  <a:tcPr marL="9525" marR="9525" marT="9525" marB="0" anchor="b"/>
+                </a:tc>
+                <a:tc>
+                  <a:txBody>
+                    <a:bodyPr/>
+                    <a:lstStyle/>
+                    <a:p>
+                      <a:pPr algn="l" fontAlgn="b"/>
+                      <a:r>
+                        <a:rPr lang="en-GB" sz="1600" u="none" strike="noStrike">
+                          <a:effectLst/>
+                        </a:rPr>
+                        <a:t>0.3242</a:t>
+                      </a:r>
+                      <a:endParaRPr lang="en-GB" sz="1600" b="0" i="0" u="none" strike="noStrike">
+                        <a:solidFill>
+                          <a:srgbClr val="000000"/>
+                        </a:solidFill>
+                        <a:effectLst/>
+                        <a:latin typeface="Calibri"/>
+                      </a:endParaRPr>
+                    </a:p>
+                  </a:txBody>
+                  <a:tcPr marL="9525" marR="9525" marT="9525" marB="0" anchor="b"/>
+                </a:tc>
+                <a:tc>
+                  <a:txBody>
+                    <a:bodyPr/>
+                    <a:lstStyle/>
+                    <a:p>
+                      <a:pPr algn="l" fontAlgn="b"/>
+                      <a:r>
+                        <a:rPr lang="en-GB" sz="1600" u="none" strike="noStrike">
+                          <a:effectLst/>
+                        </a:rPr>
+                        <a:t>0.034023</a:t>
+                      </a:r>
+                      <a:endParaRPr lang="en-GB" sz="1600" b="0" i="0" u="none" strike="noStrike">
+                        <a:solidFill>
+                          <a:srgbClr val="000000"/>
+                        </a:solidFill>
+                        <a:effectLst/>
+                        <a:latin typeface="Calibri"/>
+                      </a:endParaRPr>
+                    </a:p>
+                  </a:txBody>
+                  <a:tcPr marL="9525" marR="9525" marT="9525" marB="0" anchor="b"/>
+                </a:tc>
+                <a:tc>
+                  <a:txBody>
+                    <a:bodyPr/>
+                    <a:lstStyle/>
+                    <a:p>
+                      <a:pPr algn="l" fontAlgn="b"/>
+                      <a:r>
+                        <a:rPr lang="en-GB" sz="1600" u="none" strike="noStrike" dirty="0">
+                          <a:effectLst/>
+                        </a:rPr>
+                        <a:t>1.59E-21</a:t>
+                      </a:r>
+                      <a:endParaRPr lang="en-GB" sz="1600" b="0" i="0" u="none" strike="noStrike" dirty="0">
+                        <a:solidFill>
+                          <a:srgbClr val="000000"/>
+                        </a:solidFill>
+                        <a:effectLst/>
+                        <a:latin typeface="Calibri"/>
+                      </a:endParaRPr>
+                    </a:p>
+                  </a:txBody>
+                  <a:tcPr marL="9525" marR="9525" marT="9525" marB="0" anchor="b"/>
+                </a:tc>
+                <a:tc>
+                  <a:txBody>
+                    <a:bodyPr/>
+                    <a:lstStyle/>
+                    <a:p>
+                      <a:pPr algn="l" fontAlgn="b"/>
+                      <a:r>
+                        <a:rPr lang="en-GB" sz="1600" u="none" strike="noStrike" dirty="0">
+                          <a:effectLst/>
+                        </a:rPr>
+                        <a:t>0</a:t>
+                      </a:r>
+                      <a:endParaRPr lang="en-GB" sz="1600" b="0" i="0" u="none" strike="noStrike" dirty="0">
+                        <a:solidFill>
+                          <a:srgbClr val="000000"/>
+                        </a:solidFill>
+                        <a:effectLst/>
+                        <a:latin typeface="Calibri"/>
+                      </a:endParaRPr>
+                    </a:p>
+                  </a:txBody>
+                  <a:tcPr marL="9525" marR="9525" marT="9525" marB="0" anchor="b"/>
+                </a:tc>
+              </a:tr>
+            </a:tbl>
+          </a:graphicData>
+        </a:graphic>
+      </p:graphicFrame>
       <p:sp>
         <p:nvSpPr>
           <p:cNvPr id="4" name="Slide Number Placeholder 3"/>
@@ -16637,10 +17163,147 @@
           </a:p>
         </p:txBody>
       </p:sp>
+      <p:sp>
+        <p:nvSpPr>
+          <p:cNvPr id="6" name="TextBox 5"/>
+          <p:cNvSpPr txBox="1"/>
+          <p:nvPr/>
+        </p:nvSpPr>
+        <p:spPr>
+          <a:xfrm>
+            <a:off x="767443" y="1819143"/>
+            <a:ext cx="10420448" cy="1015663"/>
+          </a:xfrm>
+          <a:prstGeom prst="rect">
+            <a:avLst/>
+          </a:prstGeom>
+          <a:noFill/>
+        </p:spPr>
+        <p:txBody>
+          <a:bodyPr wrap="square" rtlCol="0">
+            <a:spAutoFit/>
+          </a:bodyPr>
+          <a:lstStyle/>
+          <a:p>
+            <a:r>
+              <a:rPr lang="en-GB" sz="2000" dirty="0"/>
+              <a:t>Results from HRC panel are promising but 1KG phase III reference panel is sufficient</a:t>
+            </a:r>
+            <a:r>
+              <a:rPr lang="en-GB" sz="2000" dirty="0" smtClean="0"/>
+              <a:t>.</a:t>
+            </a:r>
+          </a:p>
+          <a:p>
+            <a:r>
+              <a:rPr lang="en-GB" sz="2000" dirty="0" smtClean="0"/>
+              <a:t> </a:t>
+            </a:r>
+            <a:endParaRPr lang="en-GB" sz="2000" dirty="0"/>
+          </a:p>
+          <a:p>
+            <a:r>
+              <a:rPr lang="en-GB" sz="2000" b="1" dirty="0"/>
+              <a:t>GCTA</a:t>
+            </a:r>
+            <a:r>
+              <a:rPr lang="en-GB" sz="2000" dirty="0"/>
+              <a:t> </a:t>
+            </a:r>
+            <a:endParaRPr lang="en-GB" sz="2000" dirty="0"/>
+          </a:p>
+        </p:txBody>
+      </p:sp>
+      <p:sp>
+        <p:nvSpPr>
+          <p:cNvPr id="7" name="Rectangle 6"/>
+          <p:cNvSpPr/>
+          <p:nvPr/>
+        </p:nvSpPr>
+        <p:spPr>
+          <a:xfrm>
+            <a:off x="767443" y="3835097"/>
+            <a:ext cx="10523763" cy="1938992"/>
+          </a:xfrm>
+          <a:prstGeom prst="rect">
+            <a:avLst/>
+          </a:prstGeom>
+        </p:spPr>
+        <p:txBody>
+          <a:bodyPr wrap="square">
+            <a:spAutoFit/>
+          </a:bodyPr>
+          <a:lstStyle/>
+          <a:p>
+            <a:endParaRPr lang="en-GB" sz="2000" dirty="0" smtClean="0"/>
+          </a:p>
+          <a:p>
+            <a:r>
+              <a:rPr lang="en-GB" sz="2000" dirty="0" smtClean="0"/>
+              <a:t>J</a:t>
+            </a:r>
+            <a:r>
+              <a:rPr lang="en-GB" sz="2000" b="1" dirty="0" smtClean="0"/>
+              <a:t>AM</a:t>
+            </a:r>
+            <a:endParaRPr lang="en-GB" sz="2000" dirty="0" smtClean="0"/>
+          </a:p>
+          <a:p>
+            <a:r>
+              <a:rPr lang="en-GB" sz="2000" dirty="0" smtClean="0"/>
+              <a:t>BF=29391.4444</a:t>
+            </a:r>
+            <a:r>
+              <a:rPr lang="en-GB" sz="2000" dirty="0"/>
+              <a:t>, top model has posterior probability=0.8486</a:t>
+            </a:r>
+            <a:r>
+              <a:rPr lang="en-GB" sz="2000" dirty="0" smtClean="0"/>
+              <a:t>.</a:t>
+            </a:r>
+          </a:p>
+          <a:p>
+            <a:endParaRPr lang="en-GB" sz="2000" dirty="0"/>
+          </a:p>
+          <a:p>
+            <a:r>
+              <a:rPr lang="en-GB" sz="2000" b="1" dirty="0" err="1" smtClean="0"/>
+              <a:t>finemap</a:t>
+            </a:r>
+            <a:r>
+              <a:rPr lang="en-GB" sz="2000" dirty="0" smtClean="0"/>
+              <a:t> </a:t>
+            </a:r>
+          </a:p>
+          <a:p>
+            <a:r>
+              <a:rPr lang="en-GB" sz="2000" dirty="0" err="1" smtClean="0"/>
+              <a:t>snp_prob</a:t>
+            </a:r>
+            <a:r>
+              <a:rPr lang="en-GB" sz="2000" dirty="0" smtClean="0"/>
+              <a:t>=1</a:t>
+            </a:r>
+            <a:r>
+              <a:rPr lang="en-GB" sz="2000" dirty="0"/>
+              <a:t>, snp_log10bf=8.4214, </a:t>
+            </a:r>
+            <a:r>
+              <a:rPr lang="en-GB" sz="2000" dirty="0" err="1"/>
+              <a:t>config_prob</a:t>
+            </a:r>
+            <a:r>
+              <a:rPr lang="en-GB" sz="2000" dirty="0"/>
+              <a:t>=0.8672335, config_log10bf=18.50581.</a:t>
+            </a:r>
+            <a:endParaRPr lang="en-GB" sz="2000" dirty="0"/>
+          </a:p>
+        </p:txBody>
+      </p:sp>
     </p:spTree>
     <p:extLst>
       <p:ext uri="{BB962C8B-B14F-4D97-AF65-F5344CB8AC3E}">
-        <p14:creationId xmlns:p14="http://schemas.microsoft.com/office/powerpoint/2010/main" val="1829499548"/>
+        <p14:creationId xmlns:p14="http://schemas.microsoft.com/office/powerpoint/2010/main" val="3471667108"/>
       </p:ext>
     </p:extLst>
   </p:cSld>
@@ -17036,35 +17699,35 @@
                 <a:gridCol w="2103120">
                   <a:extLst>
                     <a:ext uri="{9D8B030D-6E8A-4147-A177-3AD203B41FA5}">
-                      <a16:colId xmlns:a16="http://schemas.microsoft.com/office/drawing/2014/main" val="2178192700"/>
+                      <a16:colId xmlns:a16="http://schemas.microsoft.com/office/drawing/2014/main" xmlns="" val="2178192700"/>
                     </a:ext>
                   </a:extLst>
                 </a:gridCol>
                 <a:gridCol w="2103120">
                   <a:extLst>
                     <a:ext uri="{9D8B030D-6E8A-4147-A177-3AD203B41FA5}">
-                      <a16:colId xmlns:a16="http://schemas.microsoft.com/office/drawing/2014/main" val="331999573"/>
+                      <a16:colId xmlns:a16="http://schemas.microsoft.com/office/drawing/2014/main" xmlns="" val="331999573"/>
                     </a:ext>
                   </a:extLst>
                 </a:gridCol>
                 <a:gridCol w="2103120">
                   <a:extLst>
                     <a:ext uri="{9D8B030D-6E8A-4147-A177-3AD203B41FA5}">
-                      <a16:colId xmlns:a16="http://schemas.microsoft.com/office/drawing/2014/main" val="3597132808"/>
+                      <a16:colId xmlns:a16="http://schemas.microsoft.com/office/drawing/2014/main" xmlns="" val="3597132808"/>
                     </a:ext>
                   </a:extLst>
                 </a:gridCol>
                 <a:gridCol w="2103120">
                   <a:extLst>
                     <a:ext uri="{9D8B030D-6E8A-4147-A177-3AD203B41FA5}">
-                      <a16:colId xmlns:a16="http://schemas.microsoft.com/office/drawing/2014/main" val="596877116"/>
+                      <a16:colId xmlns:a16="http://schemas.microsoft.com/office/drawing/2014/main" xmlns="" val="596877116"/>
                     </a:ext>
                   </a:extLst>
                 </a:gridCol>
                 <a:gridCol w="2103120">
                   <a:extLst>
                     <a:ext uri="{9D8B030D-6E8A-4147-A177-3AD203B41FA5}">
-                      <a16:colId xmlns:a16="http://schemas.microsoft.com/office/drawing/2014/main" val="1778616611"/>
+                      <a16:colId xmlns:a16="http://schemas.microsoft.com/office/drawing/2014/main" xmlns="" val="1778616611"/>
                     </a:ext>
                   </a:extLst>
                 </a:gridCol>
@@ -17232,7 +17895,7 @@
                 </a:tc>
                 <a:extLst>
                   <a:ext uri="{0D108BD9-81ED-4DB2-BD59-A6C34878D82A}">
-                    <a16:rowId xmlns:a16="http://schemas.microsoft.com/office/drawing/2014/main" val="2548993085"/>
+                    <a16:rowId xmlns:a16="http://schemas.microsoft.com/office/drawing/2014/main" xmlns="" val="2548993085"/>
                   </a:ext>
                 </a:extLst>
               </a:tr>
@@ -17399,7 +18062,7 @@
                 </a:tc>
                 <a:extLst>
                   <a:ext uri="{0D108BD9-81ED-4DB2-BD59-A6C34878D82A}">
-                    <a16:rowId xmlns:a16="http://schemas.microsoft.com/office/drawing/2014/main" val="3696918108"/>
+                    <a16:rowId xmlns:a16="http://schemas.microsoft.com/office/drawing/2014/main" xmlns="" val="3696918108"/>
                   </a:ext>
                 </a:extLst>
               </a:tr>
@@ -17566,7 +18229,7 @@
                 </a:tc>
                 <a:extLst>
                   <a:ext uri="{0D108BD9-81ED-4DB2-BD59-A6C34878D82A}">
-                    <a16:rowId xmlns:a16="http://schemas.microsoft.com/office/drawing/2014/main" val="739848613"/>
+                    <a16:rowId xmlns:a16="http://schemas.microsoft.com/office/drawing/2014/main" xmlns="" val="739848613"/>
                   </a:ext>
                 </a:extLst>
               </a:tr>
@@ -17733,7 +18396,7 @@
                 </a:tc>
                 <a:extLst>
                   <a:ext uri="{0D108BD9-81ED-4DB2-BD59-A6C34878D82A}">
-                    <a16:rowId xmlns:a16="http://schemas.microsoft.com/office/drawing/2014/main" val="3862531879"/>
+                    <a16:rowId xmlns:a16="http://schemas.microsoft.com/office/drawing/2014/main" xmlns="" val="3862531879"/>
                   </a:ext>
                 </a:extLst>
               </a:tr>
@@ -17900,7 +18563,7 @@
                 </a:tc>
                 <a:extLst>
                   <a:ext uri="{0D108BD9-81ED-4DB2-BD59-A6C34878D82A}">
-                    <a16:rowId xmlns:a16="http://schemas.microsoft.com/office/drawing/2014/main" val="107777099"/>
+                    <a16:rowId xmlns:a16="http://schemas.microsoft.com/office/drawing/2014/main" xmlns="" val="107777099"/>
                   </a:ext>
                 </a:extLst>
               </a:tr>
@@ -18067,7 +18730,7 @@
                 </a:tc>
                 <a:extLst>
                   <a:ext uri="{0D108BD9-81ED-4DB2-BD59-A6C34878D82A}">
-                    <a16:rowId xmlns:a16="http://schemas.microsoft.com/office/drawing/2014/main" val="4196587497"/>
+                    <a16:rowId xmlns:a16="http://schemas.microsoft.com/office/drawing/2014/main" xmlns="" val="4196587497"/>
                   </a:ext>
                 </a:extLst>
               </a:tr>
@@ -18234,7 +18897,7 @@
                 </a:tc>
                 <a:extLst>
                   <a:ext uri="{0D108BD9-81ED-4DB2-BD59-A6C34878D82A}">
-                    <a16:rowId xmlns:a16="http://schemas.microsoft.com/office/drawing/2014/main" val="3973535048"/>
+                    <a16:rowId xmlns:a16="http://schemas.microsoft.com/office/drawing/2014/main" xmlns="" val="3973535048"/>
                   </a:ext>
                 </a:extLst>
               </a:tr>
@@ -18395,7 +19058,7 @@
                 </a:tc>
                 <a:extLst>
                   <a:ext uri="{0D108BD9-81ED-4DB2-BD59-A6C34878D82A}">
-                    <a16:rowId xmlns:a16="http://schemas.microsoft.com/office/drawing/2014/main" val="4184079262"/>
+                    <a16:rowId xmlns:a16="http://schemas.microsoft.com/office/drawing/2014/main" xmlns="" val="4184079262"/>
                   </a:ext>
                 </a:extLst>
               </a:tr>
@@ -18562,7 +19225,7 @@
                 </a:tc>
                 <a:extLst>
                   <a:ext uri="{0D108BD9-81ED-4DB2-BD59-A6C34878D82A}">
-                    <a16:rowId xmlns:a16="http://schemas.microsoft.com/office/drawing/2014/main" val="1549009875"/>
+                    <a16:rowId xmlns:a16="http://schemas.microsoft.com/office/drawing/2014/main" xmlns="" val="1549009875"/>
                   </a:ext>
                 </a:extLst>
               </a:tr>
@@ -19372,63 +20035,63 @@
                 <a:gridCol w="586328">
                   <a:extLst>
                     <a:ext uri="{9D8B030D-6E8A-4147-A177-3AD203B41FA5}">
-                      <a16:colId xmlns:a16="http://schemas.microsoft.com/office/drawing/2014/main" val="1953549286"/>
+                      <a16:colId xmlns:a16="http://schemas.microsoft.com/office/drawing/2014/main" xmlns="" val="1953549286"/>
                     </a:ext>
                   </a:extLst>
                 </a:gridCol>
                 <a:gridCol w="1441911">
                   <a:extLst>
                     <a:ext uri="{9D8B030D-6E8A-4147-A177-3AD203B41FA5}">
-                      <a16:colId xmlns:a16="http://schemas.microsoft.com/office/drawing/2014/main" val="2286925942"/>
+                      <a16:colId xmlns:a16="http://schemas.microsoft.com/office/drawing/2014/main" xmlns="" val="2286925942"/>
                     </a:ext>
                   </a:extLst>
                 </a:gridCol>
                 <a:gridCol w="592568">
                   <a:extLst>
                     <a:ext uri="{9D8B030D-6E8A-4147-A177-3AD203B41FA5}">
-                      <a16:colId xmlns:a16="http://schemas.microsoft.com/office/drawing/2014/main" val="2240166967"/>
+                      <a16:colId xmlns:a16="http://schemas.microsoft.com/office/drawing/2014/main" xmlns="" val="2240166967"/>
                     </a:ext>
                   </a:extLst>
                 </a:gridCol>
                 <a:gridCol w="592568">
                   <a:extLst>
                     <a:ext uri="{9D8B030D-6E8A-4147-A177-3AD203B41FA5}">
-                      <a16:colId xmlns:a16="http://schemas.microsoft.com/office/drawing/2014/main" val="3084119439"/>
+                      <a16:colId xmlns:a16="http://schemas.microsoft.com/office/drawing/2014/main" xmlns="" val="3084119439"/>
                     </a:ext>
                   </a:extLst>
                 </a:gridCol>
                 <a:gridCol w="1035431">
                   <a:extLst>
                     <a:ext uri="{9D8B030D-6E8A-4147-A177-3AD203B41FA5}">
-                      <a16:colId xmlns:a16="http://schemas.microsoft.com/office/drawing/2014/main" val="2439947825"/>
+                      <a16:colId xmlns:a16="http://schemas.microsoft.com/office/drawing/2014/main" xmlns="" val="2439947825"/>
                     </a:ext>
                   </a:extLst>
                 </a:gridCol>
                 <a:gridCol w="1183054">
                   <a:extLst>
                     <a:ext uri="{9D8B030D-6E8A-4147-A177-3AD203B41FA5}">
-                      <a16:colId xmlns:a16="http://schemas.microsoft.com/office/drawing/2014/main" val="756702285"/>
+                      <a16:colId xmlns:a16="http://schemas.microsoft.com/office/drawing/2014/main" xmlns="" val="756702285"/>
                     </a:ext>
                   </a:extLst>
                 </a:gridCol>
                 <a:gridCol w="1035431">
                   <a:extLst>
                     <a:ext uri="{9D8B030D-6E8A-4147-A177-3AD203B41FA5}">
-                      <a16:colId xmlns:a16="http://schemas.microsoft.com/office/drawing/2014/main" val="52909403"/>
+                      <a16:colId xmlns:a16="http://schemas.microsoft.com/office/drawing/2014/main" xmlns="" val="52909403"/>
                     </a:ext>
                   </a:extLst>
                 </a:gridCol>
                 <a:gridCol w="2104131">
                   <a:extLst>
                     <a:ext uri="{9D8B030D-6E8A-4147-A177-3AD203B41FA5}">
-                      <a16:colId xmlns:a16="http://schemas.microsoft.com/office/drawing/2014/main" val="3498582246"/>
+                      <a16:colId xmlns:a16="http://schemas.microsoft.com/office/drawing/2014/main" xmlns="" val="3498582246"/>
                     </a:ext>
                   </a:extLst>
                 </a:gridCol>
                 <a:gridCol w="1042710">
                   <a:extLst>
                     <a:ext uri="{9D8B030D-6E8A-4147-A177-3AD203B41FA5}">
-                      <a16:colId xmlns:a16="http://schemas.microsoft.com/office/drawing/2014/main" val="2633740206"/>
+                      <a16:colId xmlns:a16="http://schemas.microsoft.com/office/drawing/2014/main" xmlns="" val="2633740206"/>
                     </a:ext>
                   </a:extLst>
                 </a:gridCol>
@@ -19697,7 +20360,7 @@
                 </a:tc>
                 <a:extLst>
                   <a:ext uri="{0D108BD9-81ED-4DB2-BD59-A6C34878D82A}">
-                    <a16:rowId xmlns:a16="http://schemas.microsoft.com/office/drawing/2014/main" val="4035685168"/>
+                    <a16:rowId xmlns:a16="http://schemas.microsoft.com/office/drawing/2014/main" xmlns="" val="4035685168"/>
                   </a:ext>
                 </a:extLst>
               </a:tr>
@@ -19965,7 +20628,7 @@
                 </a:tc>
                 <a:extLst>
                   <a:ext uri="{0D108BD9-81ED-4DB2-BD59-A6C34878D82A}">
-                    <a16:rowId xmlns:a16="http://schemas.microsoft.com/office/drawing/2014/main" val="3486077057"/>
+                    <a16:rowId xmlns:a16="http://schemas.microsoft.com/office/drawing/2014/main" xmlns="" val="3486077057"/>
                   </a:ext>
                 </a:extLst>
               </a:tr>
@@ -20357,7 +21020,7 @@
   <a:extraClrSchemeLst/>
   <a:extLst>
     <a:ext uri="{05A4C25C-085E-4340-85A3-A5531E510DB2}">
-      <thm15:themeFamily xmlns:thm15="http://schemas.microsoft.com/office/thememl/2012/main" name="Office Theme" id="{62F939B6-93AF-4DB8-9C6B-D6C7DFDC589F}" vid="{AE6F2518-B084-4896-AF52-66CC2144AA26}"/>
+      <thm15:themeFamily xmlns:thm15="http://schemas.microsoft.com/office/thememl/2012/main" xmlns="" name="Office Theme" id="{62F939B6-93AF-4DB8-9C6B-D6C7DFDC589F}" vid="{AE6F2518-B084-4896-AF52-66CC2144AA26}"/>
     </a:ext>
   </a:extLst>
 </a:theme>
@@ -20618,7 +21281,7 @@
   <a:extraClrSchemeLst/>
   <a:extLst>
     <a:ext uri="{05A4C25C-085E-4340-85A3-A5531E510DB2}">
-      <thm15:themeFamily xmlns:thm15="http://schemas.microsoft.com/office/thememl/2012/main" name="Office Theme" id="{62F939B6-93AF-4DB8-9C6B-D6C7DFDC589F}" vid="{4A3C46E8-61CC-4603-A589-7422A47A8E4A}"/>
+      <thm15:themeFamily xmlns:thm15="http://schemas.microsoft.com/office/thememl/2012/main" xmlns="" name="Office Theme" id="{62F939B6-93AF-4DB8-9C6B-D6C7DFDC589F}" vid="{4A3C46E8-61CC-4603-A589-7422A47A8E4A}"/>
     </a:ext>
   </a:extLst>
 </a:theme>

--- a/README.pptx
+++ b/README.pptx
@@ -124,7 +124,7 @@
   </p:defaultTextStyle>
   <p:extLst>
     <p:ext uri="{EFAFB233-063F-42B5-8137-9DF3F51BA10A}">
-      <p15:sldGuideLst xmlns:p15="http://schemas.microsoft.com/office/powerpoint/2012/main" xmlns="">
+      <p15:sldGuideLst xmlns="" xmlns:p15="http://schemas.microsoft.com/office/powerpoint/2012/main">
         <p15:guide id="1" orient="horz" pos="2160">
           <p15:clr>
             <a:srgbClr val="A4A3A4"/>
@@ -3565,98 +3565,98 @@
                 <a:gridCol w="401664">
                   <a:extLst>
                     <a:ext uri="{9D8B030D-6E8A-4147-A177-3AD203B41FA5}">
-                      <a16:colId xmlns:a16="http://schemas.microsoft.com/office/drawing/2014/main" xmlns="" val="20000"/>
+                      <a16:colId xmlns="" xmlns:a16="http://schemas.microsoft.com/office/drawing/2014/main" val="20000"/>
                     </a:ext>
                   </a:extLst>
                 </a:gridCol>
                 <a:gridCol w="1286360">
                   <a:extLst>
                     <a:ext uri="{9D8B030D-6E8A-4147-A177-3AD203B41FA5}">
-                      <a16:colId xmlns:a16="http://schemas.microsoft.com/office/drawing/2014/main" xmlns="" val="20001"/>
+                      <a16:colId xmlns="" xmlns:a16="http://schemas.microsoft.com/office/drawing/2014/main" val="20001"/>
                     </a:ext>
                   </a:extLst>
                 </a:gridCol>
                 <a:gridCol w="743918">
                   <a:extLst>
                     <a:ext uri="{9D8B030D-6E8A-4147-A177-3AD203B41FA5}">
-                      <a16:colId xmlns:a16="http://schemas.microsoft.com/office/drawing/2014/main" xmlns="" val="20002"/>
+                      <a16:colId xmlns="" xmlns:a16="http://schemas.microsoft.com/office/drawing/2014/main" val="20002"/>
                     </a:ext>
                   </a:extLst>
                 </a:gridCol>
                 <a:gridCol w="572514">
                   <a:extLst>
                     <a:ext uri="{9D8B030D-6E8A-4147-A177-3AD203B41FA5}">
-                      <a16:colId xmlns:a16="http://schemas.microsoft.com/office/drawing/2014/main" xmlns="" val="20003"/>
+                      <a16:colId xmlns="" xmlns:a16="http://schemas.microsoft.com/office/drawing/2014/main" val="20003"/>
                     </a:ext>
                   </a:extLst>
                 </a:gridCol>
                 <a:gridCol w="751114">
                   <a:extLst>
                     <a:ext uri="{9D8B030D-6E8A-4147-A177-3AD203B41FA5}">
-                      <a16:colId xmlns:a16="http://schemas.microsoft.com/office/drawing/2014/main" xmlns="" val="20004"/>
+                      <a16:colId xmlns="" xmlns:a16="http://schemas.microsoft.com/office/drawing/2014/main" val="20004"/>
                     </a:ext>
                   </a:extLst>
                 </a:gridCol>
                 <a:gridCol w="751114">
                   <a:extLst>
                     <a:ext uri="{9D8B030D-6E8A-4147-A177-3AD203B41FA5}">
-                      <a16:colId xmlns:a16="http://schemas.microsoft.com/office/drawing/2014/main" xmlns="" val="20005"/>
+                      <a16:colId xmlns="" xmlns:a16="http://schemas.microsoft.com/office/drawing/2014/main" val="20005"/>
                     </a:ext>
                   </a:extLst>
                 </a:gridCol>
                 <a:gridCol w="751114">
                   <a:extLst>
                     <a:ext uri="{9D8B030D-6E8A-4147-A177-3AD203B41FA5}">
-                      <a16:colId xmlns:a16="http://schemas.microsoft.com/office/drawing/2014/main" xmlns="" val="20006"/>
+                      <a16:colId xmlns="" xmlns:a16="http://schemas.microsoft.com/office/drawing/2014/main" val="20006"/>
                     </a:ext>
                   </a:extLst>
                 </a:gridCol>
                 <a:gridCol w="751114">
                   <a:extLst>
                     <a:ext uri="{9D8B030D-6E8A-4147-A177-3AD203B41FA5}">
-                      <a16:colId xmlns:a16="http://schemas.microsoft.com/office/drawing/2014/main" xmlns="" val="20007"/>
+                      <a16:colId xmlns="" xmlns:a16="http://schemas.microsoft.com/office/drawing/2014/main" val="20007"/>
                     </a:ext>
                   </a:extLst>
                 </a:gridCol>
                 <a:gridCol w="751114">
                   <a:extLst>
                     <a:ext uri="{9D8B030D-6E8A-4147-A177-3AD203B41FA5}">
-                      <a16:colId xmlns:a16="http://schemas.microsoft.com/office/drawing/2014/main" xmlns="" val="20008"/>
+                      <a16:colId xmlns="" xmlns:a16="http://schemas.microsoft.com/office/drawing/2014/main" val="20008"/>
                     </a:ext>
                   </a:extLst>
                 </a:gridCol>
                 <a:gridCol w="808158">
                   <a:extLst>
                     <a:ext uri="{9D8B030D-6E8A-4147-A177-3AD203B41FA5}">
-                      <a16:colId xmlns:a16="http://schemas.microsoft.com/office/drawing/2014/main" xmlns="" val="20009"/>
+                      <a16:colId xmlns="" xmlns:a16="http://schemas.microsoft.com/office/drawing/2014/main" val="20009"/>
                     </a:ext>
                   </a:extLst>
                 </a:gridCol>
                 <a:gridCol w="694070">
                   <a:extLst>
                     <a:ext uri="{9D8B030D-6E8A-4147-A177-3AD203B41FA5}">
-                      <a16:colId xmlns:a16="http://schemas.microsoft.com/office/drawing/2014/main" xmlns="" val="20010"/>
+                      <a16:colId xmlns="" xmlns:a16="http://schemas.microsoft.com/office/drawing/2014/main" val="20010"/>
                     </a:ext>
                   </a:extLst>
                 </a:gridCol>
                 <a:gridCol w="751114">
                   <a:extLst>
                     <a:ext uri="{9D8B030D-6E8A-4147-A177-3AD203B41FA5}">
-                      <a16:colId xmlns:a16="http://schemas.microsoft.com/office/drawing/2014/main" xmlns="" val="20011"/>
+                      <a16:colId xmlns="" xmlns:a16="http://schemas.microsoft.com/office/drawing/2014/main" val="20011"/>
                     </a:ext>
                   </a:extLst>
                 </a:gridCol>
                 <a:gridCol w="751114">
                   <a:extLst>
                     <a:ext uri="{9D8B030D-6E8A-4147-A177-3AD203B41FA5}">
-                      <a16:colId xmlns:a16="http://schemas.microsoft.com/office/drawing/2014/main" xmlns="" val="20012"/>
+                      <a16:colId xmlns="" xmlns:a16="http://schemas.microsoft.com/office/drawing/2014/main" val="20012"/>
                     </a:ext>
                   </a:extLst>
                 </a:gridCol>
                 <a:gridCol w="751114">
                   <a:extLst>
                     <a:ext uri="{9D8B030D-6E8A-4147-A177-3AD203B41FA5}">
-                      <a16:colId xmlns:a16="http://schemas.microsoft.com/office/drawing/2014/main" xmlns="" val="20013"/>
+                      <a16:colId xmlns="" xmlns:a16="http://schemas.microsoft.com/office/drawing/2014/main" val="20013"/>
                     </a:ext>
                   </a:extLst>
                 </a:gridCol>
@@ -3888,7 +3888,7 @@
                 </a:tc>
                 <a:extLst>
                   <a:ext uri="{0D108BD9-81ED-4DB2-BD59-A6C34878D82A}">
-                    <a16:rowId xmlns:a16="http://schemas.microsoft.com/office/drawing/2014/main" xmlns="" val="10000"/>
+                    <a16:rowId xmlns="" xmlns:a16="http://schemas.microsoft.com/office/drawing/2014/main" val="10000"/>
                   </a:ext>
                 </a:extLst>
               </a:tr>
@@ -4217,7 +4217,7 @@
                 </a:tc>
                 <a:extLst>
                   <a:ext uri="{0D108BD9-81ED-4DB2-BD59-A6C34878D82A}">
-                    <a16:rowId xmlns:a16="http://schemas.microsoft.com/office/drawing/2014/main" xmlns="" val="10001"/>
+                    <a16:rowId xmlns="" xmlns:a16="http://schemas.microsoft.com/office/drawing/2014/main" val="10001"/>
                   </a:ext>
                 </a:extLst>
               </a:tr>
@@ -4546,7 +4546,7 @@
                 </a:tc>
                 <a:extLst>
                   <a:ext uri="{0D108BD9-81ED-4DB2-BD59-A6C34878D82A}">
-                    <a16:rowId xmlns:a16="http://schemas.microsoft.com/office/drawing/2014/main" xmlns="" val="10002"/>
+                    <a16:rowId xmlns="" xmlns:a16="http://schemas.microsoft.com/office/drawing/2014/main" val="10002"/>
                   </a:ext>
                 </a:extLst>
               </a:tr>
@@ -4773,7 +4773,7 @@
                 </a:tc>
                 <a:extLst>
                   <a:ext uri="{0D108BD9-81ED-4DB2-BD59-A6C34878D82A}">
-                    <a16:rowId xmlns:a16="http://schemas.microsoft.com/office/drawing/2014/main" xmlns="" val="10003"/>
+                    <a16:rowId xmlns="" xmlns:a16="http://schemas.microsoft.com/office/drawing/2014/main" val="10003"/>
                   </a:ext>
                 </a:extLst>
               </a:tr>
@@ -5028,7 +5028,7 @@
                 </a:tc>
                 <a:extLst>
                   <a:ext uri="{0D108BD9-81ED-4DB2-BD59-A6C34878D82A}">
-                    <a16:rowId xmlns:a16="http://schemas.microsoft.com/office/drawing/2014/main" xmlns="" val="10004"/>
+                    <a16:rowId xmlns="" xmlns:a16="http://schemas.microsoft.com/office/drawing/2014/main" val="10004"/>
                   </a:ext>
                 </a:extLst>
               </a:tr>
@@ -5357,7 +5357,7 @@
                 </a:tc>
                 <a:extLst>
                   <a:ext uri="{0D108BD9-81ED-4DB2-BD59-A6C34878D82A}">
-                    <a16:rowId xmlns:a16="http://schemas.microsoft.com/office/drawing/2014/main" xmlns="" val="10005"/>
+                    <a16:rowId xmlns="" xmlns:a16="http://schemas.microsoft.com/office/drawing/2014/main" val="10005"/>
                   </a:ext>
                 </a:extLst>
               </a:tr>
@@ -5686,7 +5686,7 @@
                 </a:tc>
                 <a:extLst>
                   <a:ext uri="{0D108BD9-81ED-4DB2-BD59-A6C34878D82A}">
-                    <a16:rowId xmlns:a16="http://schemas.microsoft.com/office/drawing/2014/main" xmlns="" val="10006"/>
+                    <a16:rowId xmlns="" xmlns:a16="http://schemas.microsoft.com/office/drawing/2014/main" val="10006"/>
                   </a:ext>
                 </a:extLst>
               </a:tr>
@@ -5868,7 +5868,7 @@
           <p:cNvPr id="2" name="Title 1">
             <a:extLst>
               <a:ext uri="{FF2B5EF4-FFF2-40B4-BE49-F238E27FC236}">
-                <a16:creationId xmlns:a16="http://schemas.microsoft.com/office/drawing/2014/main" xmlns="" id="{BB17C9F0-1160-45E6-90D6-C2EE7F2A8DDB}"/>
+                <a16:creationId xmlns="" xmlns:a16="http://schemas.microsoft.com/office/drawing/2014/main" id="{BB17C9F0-1160-45E6-90D6-C2EE7F2A8DDB}"/>
               </a:ext>
             </a:extLst>
           </p:cNvPr>
@@ -5913,7 +5913,7 @@
           <p:cNvPr id="7" name="Content Placeholder 6">
             <a:extLst>
               <a:ext uri="{FF2B5EF4-FFF2-40B4-BE49-F238E27FC236}">
-                <a16:creationId xmlns:a16="http://schemas.microsoft.com/office/drawing/2014/main" xmlns="" id="{BC419154-FB32-433E-8D3F-5372E3CF063B}"/>
+                <a16:creationId xmlns="" xmlns:a16="http://schemas.microsoft.com/office/drawing/2014/main" id="{BC419154-FB32-433E-8D3F-5372E3CF063B}"/>
               </a:ext>
             </a:extLst>
           </p:cNvPr>
@@ -5943,42 +5943,42 @@
                 <a:gridCol w="1752600">
                   <a:extLst>
                     <a:ext uri="{9D8B030D-6E8A-4147-A177-3AD203B41FA5}">
-                      <a16:colId xmlns:a16="http://schemas.microsoft.com/office/drawing/2014/main" xmlns="" val="1638080526"/>
+                      <a16:colId xmlns="" xmlns:a16="http://schemas.microsoft.com/office/drawing/2014/main" val="1638080526"/>
                     </a:ext>
                   </a:extLst>
                 </a:gridCol>
                 <a:gridCol w="1752600">
                   <a:extLst>
                     <a:ext uri="{9D8B030D-6E8A-4147-A177-3AD203B41FA5}">
-                      <a16:colId xmlns:a16="http://schemas.microsoft.com/office/drawing/2014/main" xmlns="" val="3856145469"/>
+                      <a16:colId xmlns="" xmlns:a16="http://schemas.microsoft.com/office/drawing/2014/main" val="3856145469"/>
                     </a:ext>
                   </a:extLst>
                 </a:gridCol>
                 <a:gridCol w="1752600">
                   <a:extLst>
                     <a:ext uri="{9D8B030D-6E8A-4147-A177-3AD203B41FA5}">
-                      <a16:colId xmlns:a16="http://schemas.microsoft.com/office/drawing/2014/main" xmlns="" val="1431688491"/>
+                      <a16:colId xmlns="" xmlns:a16="http://schemas.microsoft.com/office/drawing/2014/main" val="1431688491"/>
                     </a:ext>
                   </a:extLst>
                 </a:gridCol>
                 <a:gridCol w="1752600">
                   <a:extLst>
                     <a:ext uri="{9D8B030D-6E8A-4147-A177-3AD203B41FA5}">
-                      <a16:colId xmlns:a16="http://schemas.microsoft.com/office/drawing/2014/main" xmlns="" val="2120667709"/>
+                      <a16:colId xmlns="" xmlns:a16="http://schemas.microsoft.com/office/drawing/2014/main" val="2120667709"/>
                     </a:ext>
                   </a:extLst>
                 </a:gridCol>
                 <a:gridCol w="1752600">
                   <a:extLst>
                     <a:ext uri="{9D8B030D-6E8A-4147-A177-3AD203B41FA5}">
-                      <a16:colId xmlns:a16="http://schemas.microsoft.com/office/drawing/2014/main" xmlns="" val="3976773145"/>
+                      <a16:colId xmlns="" xmlns:a16="http://schemas.microsoft.com/office/drawing/2014/main" val="3976773145"/>
                     </a:ext>
                   </a:extLst>
                 </a:gridCol>
                 <a:gridCol w="1752600">
                   <a:extLst>
                     <a:ext uri="{9D8B030D-6E8A-4147-A177-3AD203B41FA5}">
-                      <a16:colId xmlns:a16="http://schemas.microsoft.com/office/drawing/2014/main" xmlns="" val="3936103744"/>
+                      <a16:colId xmlns="" xmlns:a16="http://schemas.microsoft.com/office/drawing/2014/main" val="3936103744"/>
                     </a:ext>
                   </a:extLst>
                 </a:gridCol>
@@ -6124,7 +6124,7 @@
                 </a:tc>
                 <a:extLst>
                   <a:ext uri="{0D108BD9-81ED-4DB2-BD59-A6C34878D82A}">
-                    <a16:rowId xmlns:a16="http://schemas.microsoft.com/office/drawing/2014/main" xmlns="" val="2418271326"/>
+                    <a16:rowId xmlns="" xmlns:a16="http://schemas.microsoft.com/office/drawing/2014/main" val="2418271326"/>
                   </a:ext>
                 </a:extLst>
               </a:tr>
@@ -6269,7 +6269,7 @@
                 </a:tc>
                 <a:extLst>
                   <a:ext uri="{0D108BD9-81ED-4DB2-BD59-A6C34878D82A}">
-                    <a16:rowId xmlns:a16="http://schemas.microsoft.com/office/drawing/2014/main" xmlns="" val="538109448"/>
+                    <a16:rowId xmlns="" xmlns:a16="http://schemas.microsoft.com/office/drawing/2014/main" val="538109448"/>
                   </a:ext>
                 </a:extLst>
               </a:tr>
@@ -6414,7 +6414,7 @@
                 </a:tc>
                 <a:extLst>
                   <a:ext uri="{0D108BD9-81ED-4DB2-BD59-A6C34878D82A}">
-                    <a16:rowId xmlns:a16="http://schemas.microsoft.com/office/drawing/2014/main" xmlns="" val="3790236758"/>
+                    <a16:rowId xmlns="" xmlns:a16="http://schemas.microsoft.com/office/drawing/2014/main" val="3790236758"/>
                   </a:ext>
                 </a:extLst>
               </a:tr>
@@ -6559,7 +6559,7 @@
                 </a:tc>
                 <a:extLst>
                   <a:ext uri="{0D108BD9-81ED-4DB2-BD59-A6C34878D82A}">
-                    <a16:rowId xmlns:a16="http://schemas.microsoft.com/office/drawing/2014/main" xmlns="" val="2142385482"/>
+                    <a16:rowId xmlns="" xmlns:a16="http://schemas.microsoft.com/office/drawing/2014/main" val="2142385482"/>
                   </a:ext>
                 </a:extLst>
               </a:tr>
@@ -6704,7 +6704,7 @@
                 </a:tc>
                 <a:extLst>
                   <a:ext uri="{0D108BD9-81ED-4DB2-BD59-A6C34878D82A}">
-                    <a16:rowId xmlns:a16="http://schemas.microsoft.com/office/drawing/2014/main" xmlns="" val="3818329405"/>
+                    <a16:rowId xmlns="" xmlns:a16="http://schemas.microsoft.com/office/drawing/2014/main" val="3818329405"/>
                   </a:ext>
                 </a:extLst>
               </a:tr>
@@ -6849,7 +6849,7 @@
                 </a:tc>
                 <a:extLst>
                   <a:ext uri="{0D108BD9-81ED-4DB2-BD59-A6C34878D82A}">
-                    <a16:rowId xmlns:a16="http://schemas.microsoft.com/office/drawing/2014/main" xmlns="" val="1055833409"/>
+                    <a16:rowId xmlns="" xmlns:a16="http://schemas.microsoft.com/office/drawing/2014/main" val="1055833409"/>
                   </a:ext>
                 </a:extLst>
               </a:tr>
@@ -6994,7 +6994,7 @@
                 </a:tc>
                 <a:extLst>
                   <a:ext uri="{0D108BD9-81ED-4DB2-BD59-A6C34878D82A}">
-                    <a16:rowId xmlns:a16="http://schemas.microsoft.com/office/drawing/2014/main" xmlns="" val="3279746546"/>
+                    <a16:rowId xmlns="" xmlns:a16="http://schemas.microsoft.com/office/drawing/2014/main" val="3279746546"/>
                   </a:ext>
                 </a:extLst>
               </a:tr>
@@ -7139,7 +7139,7 @@
                 </a:tc>
                 <a:extLst>
                   <a:ext uri="{0D108BD9-81ED-4DB2-BD59-A6C34878D82A}">
-                    <a16:rowId xmlns:a16="http://schemas.microsoft.com/office/drawing/2014/main" xmlns="" val="1843946231"/>
+                    <a16:rowId xmlns="" xmlns:a16="http://schemas.microsoft.com/office/drawing/2014/main" val="1843946231"/>
                   </a:ext>
                 </a:extLst>
               </a:tr>
@@ -7284,7 +7284,7 @@
                 </a:tc>
                 <a:extLst>
                   <a:ext uri="{0D108BD9-81ED-4DB2-BD59-A6C34878D82A}">
-                    <a16:rowId xmlns:a16="http://schemas.microsoft.com/office/drawing/2014/main" xmlns="" val="2592131726"/>
+                    <a16:rowId xmlns="" xmlns:a16="http://schemas.microsoft.com/office/drawing/2014/main" val="2592131726"/>
                   </a:ext>
                 </a:extLst>
               </a:tr>
@@ -7429,7 +7429,7 @@
                 </a:tc>
                 <a:extLst>
                   <a:ext uri="{0D108BD9-81ED-4DB2-BD59-A6C34878D82A}">
-                    <a16:rowId xmlns:a16="http://schemas.microsoft.com/office/drawing/2014/main" xmlns="" val="3872885341"/>
+                    <a16:rowId xmlns="" xmlns:a16="http://schemas.microsoft.com/office/drawing/2014/main" val="3872885341"/>
                   </a:ext>
                 </a:extLst>
               </a:tr>
@@ -7574,7 +7574,7 @@
                 </a:tc>
                 <a:extLst>
                   <a:ext uri="{0D108BD9-81ED-4DB2-BD59-A6C34878D82A}">
-                    <a16:rowId xmlns:a16="http://schemas.microsoft.com/office/drawing/2014/main" xmlns="" val="1297808850"/>
+                    <a16:rowId xmlns="" xmlns:a16="http://schemas.microsoft.com/office/drawing/2014/main" val="1297808850"/>
                   </a:ext>
                 </a:extLst>
               </a:tr>
@@ -7719,7 +7719,7 @@
                 </a:tc>
                 <a:extLst>
                   <a:ext uri="{0D108BD9-81ED-4DB2-BD59-A6C34878D82A}">
-                    <a16:rowId xmlns:a16="http://schemas.microsoft.com/office/drawing/2014/main" xmlns="" val="4188675590"/>
+                    <a16:rowId xmlns="" xmlns:a16="http://schemas.microsoft.com/office/drawing/2014/main" val="4188675590"/>
                   </a:ext>
                 </a:extLst>
               </a:tr>
@@ -7864,7 +7864,7 @@
                 </a:tc>
                 <a:extLst>
                   <a:ext uri="{0D108BD9-81ED-4DB2-BD59-A6C34878D82A}">
-                    <a16:rowId xmlns:a16="http://schemas.microsoft.com/office/drawing/2014/main" xmlns="" val="2572836936"/>
+                    <a16:rowId xmlns="" xmlns:a16="http://schemas.microsoft.com/office/drawing/2014/main" val="2572836936"/>
                   </a:ext>
                 </a:extLst>
               </a:tr>
@@ -8009,7 +8009,7 @@
                 </a:tc>
                 <a:extLst>
                   <a:ext uri="{0D108BD9-81ED-4DB2-BD59-A6C34878D82A}">
-                    <a16:rowId xmlns:a16="http://schemas.microsoft.com/office/drawing/2014/main" xmlns="" val="609615910"/>
+                    <a16:rowId xmlns="" xmlns:a16="http://schemas.microsoft.com/office/drawing/2014/main" val="609615910"/>
                   </a:ext>
                 </a:extLst>
               </a:tr>
@@ -8022,7 +8022,7 @@
           <p:cNvPr id="4" name="Slide Number Placeholder 3">
             <a:extLst>
               <a:ext uri="{FF2B5EF4-FFF2-40B4-BE49-F238E27FC236}">
-                <a16:creationId xmlns:a16="http://schemas.microsoft.com/office/drawing/2014/main" xmlns="" id="{ACE92B05-9DD6-4E3A-8D54-50ADB6D1B47E}"/>
+                <a16:creationId xmlns="" xmlns:a16="http://schemas.microsoft.com/office/drawing/2014/main" id="{ACE92B05-9DD6-4E3A-8D54-50ADB6D1B47E}"/>
               </a:ext>
             </a:extLst>
           </p:cNvPr>
@@ -8125,7 +8125,7 @@
           <p:cNvPr id="8" name="Content Placeholder 7">
             <a:extLst>
               <a:ext uri="{FF2B5EF4-FFF2-40B4-BE49-F238E27FC236}">
-                <a16:creationId xmlns:a16="http://schemas.microsoft.com/office/drawing/2014/main" xmlns="" id="{F76AE7BA-9641-41C6-852A-429F57CC3422}"/>
+                <a16:creationId xmlns="" xmlns:a16="http://schemas.microsoft.com/office/drawing/2014/main" id="{F76AE7BA-9641-41C6-852A-429F57CC3422}"/>
               </a:ext>
             </a:extLst>
           </p:cNvPr>
@@ -8155,28 +8155,28 @@
                 <a:gridCol w="2103120">
                   <a:extLst>
                     <a:ext uri="{9D8B030D-6E8A-4147-A177-3AD203B41FA5}">
-                      <a16:colId xmlns:a16="http://schemas.microsoft.com/office/drawing/2014/main" xmlns="" val="994740432"/>
+                      <a16:colId xmlns="" xmlns:a16="http://schemas.microsoft.com/office/drawing/2014/main" val="994740432"/>
                     </a:ext>
                   </a:extLst>
                 </a:gridCol>
                 <a:gridCol w="2103120">
                   <a:extLst>
                     <a:ext uri="{9D8B030D-6E8A-4147-A177-3AD203B41FA5}">
-                      <a16:colId xmlns:a16="http://schemas.microsoft.com/office/drawing/2014/main" xmlns="" val="1379236012"/>
+                      <a16:colId xmlns="" xmlns:a16="http://schemas.microsoft.com/office/drawing/2014/main" val="1379236012"/>
                     </a:ext>
                   </a:extLst>
                 </a:gridCol>
                 <a:gridCol w="2103120">
                   <a:extLst>
                     <a:ext uri="{9D8B030D-6E8A-4147-A177-3AD203B41FA5}">
-                      <a16:colId xmlns:a16="http://schemas.microsoft.com/office/drawing/2014/main" xmlns="" val="1221670367"/>
+                      <a16:colId xmlns="" xmlns:a16="http://schemas.microsoft.com/office/drawing/2014/main" val="1221670367"/>
                     </a:ext>
                   </a:extLst>
                 </a:gridCol>
                 <a:gridCol w="2103120">
                   <a:extLst>
                     <a:ext uri="{9D8B030D-6E8A-4147-A177-3AD203B41FA5}">
-                      <a16:colId xmlns:a16="http://schemas.microsoft.com/office/drawing/2014/main" xmlns="" val="2171438027"/>
+                      <a16:colId xmlns="" xmlns:a16="http://schemas.microsoft.com/office/drawing/2014/main" val="2171438027"/>
                     </a:ext>
                   </a:extLst>
                 </a:gridCol>
@@ -8276,7 +8276,7 @@
                 </a:tc>
                 <a:extLst>
                   <a:ext uri="{0D108BD9-81ED-4DB2-BD59-A6C34878D82A}">
-                    <a16:rowId xmlns:a16="http://schemas.microsoft.com/office/drawing/2014/main" xmlns="" val="2195642232"/>
+                    <a16:rowId xmlns="" xmlns:a16="http://schemas.microsoft.com/office/drawing/2014/main" val="2195642232"/>
                   </a:ext>
                 </a:extLst>
               </a:tr>
@@ -8375,7 +8375,7 @@
                 </a:tc>
                 <a:extLst>
                   <a:ext uri="{0D108BD9-81ED-4DB2-BD59-A6C34878D82A}">
-                    <a16:rowId xmlns:a16="http://schemas.microsoft.com/office/drawing/2014/main" xmlns="" val="3895168461"/>
+                    <a16:rowId xmlns="" xmlns:a16="http://schemas.microsoft.com/office/drawing/2014/main" val="3895168461"/>
                   </a:ext>
                 </a:extLst>
               </a:tr>
@@ -8474,7 +8474,7 @@
                 </a:tc>
                 <a:extLst>
                   <a:ext uri="{0D108BD9-81ED-4DB2-BD59-A6C34878D82A}">
-                    <a16:rowId xmlns:a16="http://schemas.microsoft.com/office/drawing/2014/main" xmlns="" val="959653611"/>
+                    <a16:rowId xmlns="" xmlns:a16="http://schemas.microsoft.com/office/drawing/2014/main" val="959653611"/>
                   </a:ext>
                 </a:extLst>
               </a:tr>
@@ -8573,7 +8573,7 @@
                 </a:tc>
                 <a:extLst>
                   <a:ext uri="{0D108BD9-81ED-4DB2-BD59-A6C34878D82A}">
-                    <a16:rowId xmlns:a16="http://schemas.microsoft.com/office/drawing/2014/main" xmlns="" val="2555202794"/>
+                    <a16:rowId xmlns="" xmlns:a16="http://schemas.microsoft.com/office/drawing/2014/main" val="2555202794"/>
                   </a:ext>
                 </a:extLst>
               </a:tr>
@@ -8672,7 +8672,7 @@
                 </a:tc>
                 <a:extLst>
                   <a:ext uri="{0D108BD9-81ED-4DB2-BD59-A6C34878D82A}">
-                    <a16:rowId xmlns:a16="http://schemas.microsoft.com/office/drawing/2014/main" xmlns="" val="2305501086"/>
+                    <a16:rowId xmlns="" xmlns:a16="http://schemas.microsoft.com/office/drawing/2014/main" val="2305501086"/>
                   </a:ext>
                 </a:extLst>
               </a:tr>
@@ -8771,7 +8771,7 @@
                 </a:tc>
                 <a:extLst>
                   <a:ext uri="{0D108BD9-81ED-4DB2-BD59-A6C34878D82A}">
-                    <a16:rowId xmlns:a16="http://schemas.microsoft.com/office/drawing/2014/main" xmlns="" val="3416750826"/>
+                    <a16:rowId xmlns="" xmlns:a16="http://schemas.microsoft.com/office/drawing/2014/main" val="3416750826"/>
                   </a:ext>
                 </a:extLst>
               </a:tr>
@@ -8870,7 +8870,7 @@
                 </a:tc>
                 <a:extLst>
                   <a:ext uri="{0D108BD9-81ED-4DB2-BD59-A6C34878D82A}">
-                    <a16:rowId xmlns:a16="http://schemas.microsoft.com/office/drawing/2014/main" xmlns="" val="576399743"/>
+                    <a16:rowId xmlns="" xmlns:a16="http://schemas.microsoft.com/office/drawing/2014/main" val="576399743"/>
                   </a:ext>
                 </a:extLst>
               </a:tr>
@@ -8969,7 +8969,7 @@
                 </a:tc>
                 <a:extLst>
                   <a:ext uri="{0D108BD9-81ED-4DB2-BD59-A6C34878D82A}">
-                    <a16:rowId xmlns:a16="http://schemas.microsoft.com/office/drawing/2014/main" xmlns="" val="1466000223"/>
+                    <a16:rowId xmlns="" xmlns:a16="http://schemas.microsoft.com/office/drawing/2014/main" val="1466000223"/>
                   </a:ext>
                 </a:extLst>
               </a:tr>
@@ -9068,7 +9068,7 @@
                 </a:tc>
                 <a:extLst>
                   <a:ext uri="{0D108BD9-81ED-4DB2-BD59-A6C34878D82A}">
-                    <a16:rowId xmlns:a16="http://schemas.microsoft.com/office/drawing/2014/main" xmlns="" val="3402542484"/>
+                    <a16:rowId xmlns="" xmlns:a16="http://schemas.microsoft.com/office/drawing/2014/main" val="3402542484"/>
                   </a:ext>
                 </a:extLst>
               </a:tr>
@@ -9167,7 +9167,7 @@
                 </a:tc>
                 <a:extLst>
                   <a:ext uri="{0D108BD9-81ED-4DB2-BD59-A6C34878D82A}">
-                    <a16:rowId xmlns:a16="http://schemas.microsoft.com/office/drawing/2014/main" xmlns="" val="88509442"/>
+                    <a16:rowId xmlns="" xmlns:a16="http://schemas.microsoft.com/office/drawing/2014/main" val="88509442"/>
                   </a:ext>
                 </a:extLst>
               </a:tr>
@@ -9266,7 +9266,7 @@
                 </a:tc>
                 <a:extLst>
                   <a:ext uri="{0D108BD9-81ED-4DB2-BD59-A6C34878D82A}">
-                    <a16:rowId xmlns:a16="http://schemas.microsoft.com/office/drawing/2014/main" xmlns="" val="3892384822"/>
+                    <a16:rowId xmlns="" xmlns:a16="http://schemas.microsoft.com/office/drawing/2014/main" val="3892384822"/>
                   </a:ext>
                 </a:extLst>
               </a:tr>
@@ -9365,7 +9365,7 @@
                 </a:tc>
                 <a:extLst>
                   <a:ext uri="{0D108BD9-81ED-4DB2-BD59-A6C34878D82A}">
-                    <a16:rowId xmlns:a16="http://schemas.microsoft.com/office/drawing/2014/main" xmlns="" val="3597563155"/>
+                    <a16:rowId xmlns="" xmlns:a16="http://schemas.microsoft.com/office/drawing/2014/main" val="3597563155"/>
                   </a:ext>
                 </a:extLst>
               </a:tr>
@@ -9458,7 +9458,7 @@
                 </a:tc>
                 <a:extLst>
                   <a:ext uri="{0D108BD9-81ED-4DB2-BD59-A6C34878D82A}">
-                    <a16:rowId xmlns:a16="http://schemas.microsoft.com/office/drawing/2014/main" xmlns="" val="2781787702"/>
+                    <a16:rowId xmlns="" xmlns:a16="http://schemas.microsoft.com/office/drawing/2014/main" val="2781787702"/>
                   </a:ext>
                 </a:extLst>
               </a:tr>
@@ -9583,126 +9583,126 @@
                 <a:gridCol w="1005840">
                   <a:extLst>
                     <a:ext uri="{9D8B030D-6E8A-4147-A177-3AD203B41FA5}">
-                      <a16:colId xmlns:a16="http://schemas.microsoft.com/office/drawing/2014/main" xmlns="" val="20000"/>
+                      <a16:colId xmlns="" xmlns:a16="http://schemas.microsoft.com/office/drawing/2014/main" val="20000"/>
                     </a:ext>
                   </a:extLst>
                 </a:gridCol>
                 <a:gridCol w="548640">
                   <a:extLst>
                     <a:ext uri="{9D8B030D-6E8A-4147-A177-3AD203B41FA5}">
-                      <a16:colId xmlns:a16="http://schemas.microsoft.com/office/drawing/2014/main" xmlns="" val="20001"/>
+                      <a16:colId xmlns="" xmlns:a16="http://schemas.microsoft.com/office/drawing/2014/main" val="20001"/>
                     </a:ext>
                   </a:extLst>
                 </a:gridCol>
                 <a:gridCol w="469392">
                   <a:extLst>
                     <a:ext uri="{9D8B030D-6E8A-4147-A177-3AD203B41FA5}">
-                      <a16:colId xmlns:a16="http://schemas.microsoft.com/office/drawing/2014/main" xmlns="" val="20002"/>
+                      <a16:colId xmlns="" xmlns:a16="http://schemas.microsoft.com/office/drawing/2014/main" val="20002"/>
                     </a:ext>
                   </a:extLst>
                 </a:gridCol>
                 <a:gridCol w="585216">
                   <a:extLst>
                     <a:ext uri="{9D8B030D-6E8A-4147-A177-3AD203B41FA5}">
-                      <a16:colId xmlns:a16="http://schemas.microsoft.com/office/drawing/2014/main" xmlns="" val="20003"/>
+                      <a16:colId xmlns="" xmlns:a16="http://schemas.microsoft.com/office/drawing/2014/main" val="20003"/>
                     </a:ext>
                   </a:extLst>
                 </a:gridCol>
                 <a:gridCol w="729510">
                   <a:extLst>
                     <a:ext uri="{9D8B030D-6E8A-4147-A177-3AD203B41FA5}">
-                      <a16:colId xmlns:a16="http://schemas.microsoft.com/office/drawing/2014/main" xmlns="" val="20004"/>
+                      <a16:colId xmlns="" xmlns:a16="http://schemas.microsoft.com/office/drawing/2014/main" val="20004"/>
                     </a:ext>
                   </a:extLst>
                 </a:gridCol>
                 <a:gridCol w="549498">
                   <a:extLst>
                     <a:ext uri="{9D8B030D-6E8A-4147-A177-3AD203B41FA5}">
-                      <a16:colId xmlns:a16="http://schemas.microsoft.com/office/drawing/2014/main" xmlns="" val="20005"/>
+                      <a16:colId xmlns="" xmlns:a16="http://schemas.microsoft.com/office/drawing/2014/main" val="20005"/>
                     </a:ext>
                   </a:extLst>
                 </a:gridCol>
                 <a:gridCol w="549498">
                   <a:extLst>
                     <a:ext uri="{9D8B030D-6E8A-4147-A177-3AD203B41FA5}">
-                      <a16:colId xmlns:a16="http://schemas.microsoft.com/office/drawing/2014/main" xmlns="" val="20006"/>
+                      <a16:colId xmlns="" xmlns:a16="http://schemas.microsoft.com/office/drawing/2014/main" val="20006"/>
                     </a:ext>
                   </a:extLst>
                 </a:gridCol>
                 <a:gridCol w="549498">
                   <a:extLst>
                     <a:ext uri="{9D8B030D-6E8A-4147-A177-3AD203B41FA5}">
-                      <a16:colId xmlns:a16="http://schemas.microsoft.com/office/drawing/2014/main" xmlns="" val="20007"/>
+                      <a16:colId xmlns="" xmlns:a16="http://schemas.microsoft.com/office/drawing/2014/main" val="20007"/>
                     </a:ext>
                   </a:extLst>
                 </a:gridCol>
                 <a:gridCol w="549498">
                   <a:extLst>
                     <a:ext uri="{9D8B030D-6E8A-4147-A177-3AD203B41FA5}">
-                      <a16:colId xmlns:a16="http://schemas.microsoft.com/office/drawing/2014/main" xmlns="" val="20008"/>
+                      <a16:colId xmlns="" xmlns:a16="http://schemas.microsoft.com/office/drawing/2014/main" val="20008"/>
                     </a:ext>
                   </a:extLst>
                 </a:gridCol>
                 <a:gridCol w="549498">
                   <a:extLst>
                     <a:ext uri="{9D8B030D-6E8A-4147-A177-3AD203B41FA5}">
-                      <a16:colId xmlns:a16="http://schemas.microsoft.com/office/drawing/2014/main" xmlns="" val="20009"/>
+                      <a16:colId xmlns="" xmlns:a16="http://schemas.microsoft.com/office/drawing/2014/main" val="20009"/>
                     </a:ext>
                   </a:extLst>
                 </a:gridCol>
                 <a:gridCol w="549498">
                   <a:extLst>
                     <a:ext uri="{9D8B030D-6E8A-4147-A177-3AD203B41FA5}">
-                      <a16:colId xmlns:a16="http://schemas.microsoft.com/office/drawing/2014/main" xmlns="" val="20010"/>
+                      <a16:colId xmlns="" xmlns:a16="http://schemas.microsoft.com/office/drawing/2014/main" val="20010"/>
                     </a:ext>
                   </a:extLst>
                 </a:gridCol>
                 <a:gridCol w="549498">
                   <a:extLst>
                     <a:ext uri="{9D8B030D-6E8A-4147-A177-3AD203B41FA5}">
-                      <a16:colId xmlns:a16="http://schemas.microsoft.com/office/drawing/2014/main" xmlns="" val="20011"/>
+                      <a16:colId xmlns="" xmlns:a16="http://schemas.microsoft.com/office/drawing/2014/main" val="20011"/>
                     </a:ext>
                   </a:extLst>
                 </a:gridCol>
                 <a:gridCol w="549498">
                   <a:extLst>
                     <a:ext uri="{9D8B030D-6E8A-4147-A177-3AD203B41FA5}">
-                      <a16:colId xmlns:a16="http://schemas.microsoft.com/office/drawing/2014/main" xmlns="" val="20012"/>
+                      <a16:colId xmlns="" xmlns:a16="http://schemas.microsoft.com/office/drawing/2014/main" val="20012"/>
                     </a:ext>
                   </a:extLst>
                 </a:gridCol>
                 <a:gridCol w="549498">
                   <a:extLst>
                     <a:ext uri="{9D8B030D-6E8A-4147-A177-3AD203B41FA5}">
-                      <a16:colId xmlns:a16="http://schemas.microsoft.com/office/drawing/2014/main" xmlns="" val="20013"/>
+                      <a16:colId xmlns="" xmlns:a16="http://schemas.microsoft.com/office/drawing/2014/main" val="20013"/>
                     </a:ext>
                   </a:extLst>
                 </a:gridCol>
                 <a:gridCol w="549498">
                   <a:extLst>
                     <a:ext uri="{9D8B030D-6E8A-4147-A177-3AD203B41FA5}">
-                      <a16:colId xmlns:a16="http://schemas.microsoft.com/office/drawing/2014/main" xmlns="" val="20014"/>
+                      <a16:colId xmlns="" xmlns:a16="http://schemas.microsoft.com/office/drawing/2014/main" val="20014"/>
                     </a:ext>
                   </a:extLst>
                 </a:gridCol>
                 <a:gridCol w="549498">
                   <a:extLst>
                     <a:ext uri="{9D8B030D-6E8A-4147-A177-3AD203B41FA5}">
-                      <a16:colId xmlns:a16="http://schemas.microsoft.com/office/drawing/2014/main" xmlns="" val="20015"/>
+                      <a16:colId xmlns="" xmlns:a16="http://schemas.microsoft.com/office/drawing/2014/main" val="20015"/>
                     </a:ext>
                   </a:extLst>
                 </a:gridCol>
                 <a:gridCol w="549498">
                   <a:extLst>
                     <a:ext uri="{9D8B030D-6E8A-4147-A177-3AD203B41FA5}">
-                      <a16:colId xmlns:a16="http://schemas.microsoft.com/office/drawing/2014/main" xmlns="" val="20016"/>
+                      <a16:colId xmlns="" xmlns:a16="http://schemas.microsoft.com/office/drawing/2014/main" val="20016"/>
                     </a:ext>
                   </a:extLst>
                 </a:gridCol>
                 <a:gridCol w="549498">
                   <a:extLst>
                     <a:ext uri="{9D8B030D-6E8A-4147-A177-3AD203B41FA5}">
-                      <a16:colId xmlns:a16="http://schemas.microsoft.com/office/drawing/2014/main" xmlns="" val="20017"/>
+                      <a16:colId xmlns="" xmlns:a16="http://schemas.microsoft.com/office/drawing/2014/main" val="20017"/>
                     </a:ext>
                   </a:extLst>
                 </a:gridCol>
@@ -10250,7 +10250,7 @@
                 </a:tc>
                 <a:extLst>
                   <a:ext uri="{0D108BD9-81ED-4DB2-BD59-A6C34878D82A}">
-                    <a16:rowId xmlns:a16="http://schemas.microsoft.com/office/drawing/2014/main" xmlns="" val="10000"/>
+                    <a16:rowId xmlns="" xmlns:a16="http://schemas.microsoft.com/office/drawing/2014/main" val="10000"/>
                   </a:ext>
                 </a:extLst>
               </a:tr>
@@ -10710,7 +10710,7 @@
                 </a:tc>
                 <a:extLst>
                   <a:ext uri="{0D108BD9-81ED-4DB2-BD59-A6C34878D82A}">
-                    <a16:rowId xmlns:a16="http://schemas.microsoft.com/office/drawing/2014/main" xmlns="" val="10001"/>
+                    <a16:rowId xmlns="" xmlns:a16="http://schemas.microsoft.com/office/drawing/2014/main" val="10001"/>
                   </a:ext>
                 </a:extLst>
               </a:tr>
@@ -11170,7 +11170,7 @@
                 </a:tc>
                 <a:extLst>
                   <a:ext uri="{0D108BD9-81ED-4DB2-BD59-A6C34878D82A}">
-                    <a16:rowId xmlns:a16="http://schemas.microsoft.com/office/drawing/2014/main" xmlns="" val="10002"/>
+                    <a16:rowId xmlns="" xmlns:a16="http://schemas.microsoft.com/office/drawing/2014/main" val="10002"/>
                   </a:ext>
                 </a:extLst>
               </a:tr>
@@ -11630,7 +11630,7 @@
                 </a:tc>
                 <a:extLst>
                   <a:ext uri="{0D108BD9-81ED-4DB2-BD59-A6C34878D82A}">
-                    <a16:rowId xmlns:a16="http://schemas.microsoft.com/office/drawing/2014/main" xmlns="" val="10003"/>
+                    <a16:rowId xmlns="" xmlns:a16="http://schemas.microsoft.com/office/drawing/2014/main" val="10003"/>
                   </a:ext>
                 </a:extLst>
               </a:tr>
@@ -12090,7 +12090,7 @@
                 </a:tc>
                 <a:extLst>
                   <a:ext uri="{0D108BD9-81ED-4DB2-BD59-A6C34878D82A}">
-                    <a16:rowId xmlns:a16="http://schemas.microsoft.com/office/drawing/2014/main" xmlns="" val="10004"/>
+                    <a16:rowId xmlns="" xmlns:a16="http://schemas.microsoft.com/office/drawing/2014/main" val="10004"/>
                   </a:ext>
                 </a:extLst>
               </a:tr>
@@ -12550,7 +12550,7 @@
                 </a:tc>
                 <a:extLst>
                   <a:ext uri="{0D108BD9-81ED-4DB2-BD59-A6C34878D82A}">
-                    <a16:rowId xmlns:a16="http://schemas.microsoft.com/office/drawing/2014/main" xmlns="" val="10005"/>
+                    <a16:rowId xmlns="" xmlns:a16="http://schemas.microsoft.com/office/drawing/2014/main" val="10005"/>
                   </a:ext>
                 </a:extLst>
               </a:tr>
@@ -13010,7 +13010,7 @@
                 </a:tc>
                 <a:extLst>
                   <a:ext uri="{0D108BD9-81ED-4DB2-BD59-A6C34878D82A}">
-                    <a16:rowId xmlns:a16="http://schemas.microsoft.com/office/drawing/2014/main" xmlns="" val="10006"/>
+                    <a16:rowId xmlns="" xmlns:a16="http://schemas.microsoft.com/office/drawing/2014/main" val="10006"/>
                   </a:ext>
                 </a:extLst>
               </a:tr>
@@ -13470,7 +13470,7 @@
                 </a:tc>
                 <a:extLst>
                   <a:ext uri="{0D108BD9-81ED-4DB2-BD59-A6C34878D82A}">
-                    <a16:rowId xmlns:a16="http://schemas.microsoft.com/office/drawing/2014/main" xmlns="" val="10007"/>
+                    <a16:rowId xmlns="" xmlns:a16="http://schemas.microsoft.com/office/drawing/2014/main" val="10007"/>
                   </a:ext>
                 </a:extLst>
               </a:tr>
@@ -13930,7 +13930,7 @@
                 </a:tc>
                 <a:extLst>
                   <a:ext uri="{0D108BD9-81ED-4DB2-BD59-A6C34878D82A}">
-                    <a16:rowId xmlns:a16="http://schemas.microsoft.com/office/drawing/2014/main" xmlns="" val="10008"/>
+                    <a16:rowId xmlns="" xmlns:a16="http://schemas.microsoft.com/office/drawing/2014/main" val="10008"/>
                   </a:ext>
                 </a:extLst>
               </a:tr>
@@ -14390,7 +14390,7 @@
                 </a:tc>
                 <a:extLst>
                   <a:ext uri="{0D108BD9-81ED-4DB2-BD59-A6C34878D82A}">
-                    <a16:rowId xmlns:a16="http://schemas.microsoft.com/office/drawing/2014/main" xmlns="" val="10009"/>
+                    <a16:rowId xmlns="" xmlns:a16="http://schemas.microsoft.com/office/drawing/2014/main" val="10009"/>
                   </a:ext>
                 </a:extLst>
               </a:tr>
@@ -14850,7 +14850,7 @@
                 </a:tc>
                 <a:extLst>
                   <a:ext uri="{0D108BD9-81ED-4DB2-BD59-A6C34878D82A}">
-                    <a16:rowId xmlns:a16="http://schemas.microsoft.com/office/drawing/2014/main" xmlns="" val="10010"/>
+                    <a16:rowId xmlns="" xmlns:a16="http://schemas.microsoft.com/office/drawing/2014/main" val="10010"/>
                   </a:ext>
                 </a:extLst>
               </a:tr>
@@ -15310,7 +15310,7 @@
                 </a:tc>
                 <a:extLst>
                   <a:ext uri="{0D108BD9-81ED-4DB2-BD59-A6C34878D82A}">
-                    <a16:rowId xmlns:a16="http://schemas.microsoft.com/office/drawing/2014/main" xmlns="" val="10011"/>
+                    <a16:rowId xmlns="" xmlns:a16="http://schemas.microsoft.com/office/drawing/2014/main" val="10011"/>
                   </a:ext>
                 </a:extLst>
               </a:tr>
@@ -15770,7 +15770,7 @@
                 </a:tc>
                 <a:extLst>
                   <a:ext uri="{0D108BD9-81ED-4DB2-BD59-A6C34878D82A}">
-                    <a16:rowId xmlns:a16="http://schemas.microsoft.com/office/drawing/2014/main" xmlns="" val="10012"/>
+                    <a16:rowId xmlns="" xmlns:a16="http://schemas.microsoft.com/office/drawing/2014/main" val="10012"/>
                   </a:ext>
                 </a:extLst>
               </a:tr>
@@ -16230,7 +16230,7 @@
                 </a:tc>
                 <a:extLst>
                   <a:ext uri="{0D108BD9-81ED-4DB2-BD59-A6C34878D82A}">
-                    <a16:rowId xmlns:a16="http://schemas.microsoft.com/office/drawing/2014/main" xmlns="" val="10013"/>
+                    <a16:rowId xmlns="" xmlns:a16="http://schemas.microsoft.com/office/drawing/2014/main" val="10013"/>
                   </a:ext>
                 </a:extLst>
               </a:tr>
@@ -16296,7 +16296,7 @@
           <p:cNvPr id="2" name="Title 1">
             <a:extLst>
               <a:ext uri="{FF2B5EF4-FFF2-40B4-BE49-F238E27FC236}">
-                <a16:creationId xmlns:a16="http://schemas.microsoft.com/office/drawing/2014/main" xmlns="" id="{5AF238AD-1A83-4535-B98A-6F56CF4EDACF}"/>
+                <a16:creationId xmlns="" xmlns:a16="http://schemas.microsoft.com/office/drawing/2014/main" id="{5AF238AD-1A83-4535-B98A-6F56CF4EDACF}"/>
               </a:ext>
             </a:extLst>
           </p:cNvPr>
@@ -16330,7 +16330,7 @@
           <p:cNvPr id="8" name="Content Placeholder 7" descr="A screenshot of a cell phone&#10;&#10;Description generated with high confidence">
             <a:extLst>
               <a:ext uri="{FF2B5EF4-FFF2-40B4-BE49-F238E27FC236}">
-                <a16:creationId xmlns:a16="http://schemas.microsoft.com/office/drawing/2014/main" xmlns="" id="{0BC99ED9-0E92-4EEF-86A0-5517E4BD9F93}"/>
+                <a16:creationId xmlns="" xmlns:a16="http://schemas.microsoft.com/office/drawing/2014/main" id="{0BC99ED9-0E92-4EEF-86A0-5517E4BD9F93}"/>
               </a:ext>
             </a:extLst>
           </p:cNvPr>
@@ -16365,7 +16365,7 @@
           <p:cNvPr id="4" name="Slide Number Placeholder 3">
             <a:extLst>
               <a:ext uri="{FF2B5EF4-FFF2-40B4-BE49-F238E27FC236}">
-                <a16:creationId xmlns:a16="http://schemas.microsoft.com/office/drawing/2014/main" xmlns="" id="{72F8CB53-9BEC-42BE-99B9-B7874B0AF055}"/>
+                <a16:creationId xmlns="" xmlns:a16="http://schemas.microsoft.com/office/drawing/2014/main" id="{72F8CB53-9BEC-42BE-99B9-B7874B0AF055}"/>
               </a:ext>
             </a:extLst>
           </p:cNvPr>
@@ -16457,7 +16457,7 @@
             <p:ph idx="1"/>
             <p:extLst>
               <p:ext uri="{D42A27DB-BD31-4B8C-83A1-F6EECF244321}">
-                <p14:modId xmlns:p14="http://schemas.microsoft.com/office/powerpoint/2010/main" val="2930098698"/>
+                <p14:modId xmlns:p14="http://schemas.microsoft.com/office/powerpoint/2010/main" val="1727232"/>
               </p:ext>
             </p:extLst>
           </p:nvPr>
@@ -16470,7 +16470,7 @@
           <a:graphicData uri="http://schemas.openxmlformats.org/drawingml/2006/table">
             <a:tbl>
               <a:tblPr firstRow="1" bandRow="1">
-                <a:tableStyleId>{F5AB1C69-6EDB-4FF4-983F-18BD219EF322}</a:tableStyleId>
+                <a:tableStyleId>{5C22544A-7EE6-4342-B048-85BDC9FD1C3A}</a:tableStyleId>
               </a:tblPr>
               <a:tblGrid>
                 <a:gridCol w="321129"/>
@@ -17210,7 +17210,6 @@
               <a:rPr lang="en-GB" sz="2000" dirty="0"/>
               <a:t> </a:t>
             </a:r>
-            <a:endParaRPr lang="en-GB" sz="2000" dirty="0"/>
           </a:p>
         </p:txBody>
       </p:sp>
@@ -17296,7 +17295,6 @@
               <a:rPr lang="en-GB" sz="2000" dirty="0"/>
               <a:t>=0.8672335, config_log10bf=18.50581.</a:t>
             </a:r>
-            <a:endParaRPr lang="en-GB" sz="2000" dirty="0"/>
           </a:p>
         </p:txBody>
       </p:sp>
@@ -17699,35 +17697,35 @@
                 <a:gridCol w="2103120">
                   <a:extLst>
                     <a:ext uri="{9D8B030D-6E8A-4147-A177-3AD203B41FA5}">
-                      <a16:colId xmlns:a16="http://schemas.microsoft.com/office/drawing/2014/main" xmlns="" val="2178192700"/>
+                      <a16:colId xmlns="" xmlns:a16="http://schemas.microsoft.com/office/drawing/2014/main" val="2178192700"/>
                     </a:ext>
                   </a:extLst>
                 </a:gridCol>
                 <a:gridCol w="2103120">
                   <a:extLst>
                     <a:ext uri="{9D8B030D-6E8A-4147-A177-3AD203B41FA5}">
-                      <a16:colId xmlns:a16="http://schemas.microsoft.com/office/drawing/2014/main" xmlns="" val="331999573"/>
+                      <a16:colId xmlns="" xmlns:a16="http://schemas.microsoft.com/office/drawing/2014/main" val="331999573"/>
                     </a:ext>
                   </a:extLst>
                 </a:gridCol>
                 <a:gridCol w="2103120">
                   <a:extLst>
                     <a:ext uri="{9D8B030D-6E8A-4147-A177-3AD203B41FA5}">
-                      <a16:colId xmlns:a16="http://schemas.microsoft.com/office/drawing/2014/main" xmlns="" val="3597132808"/>
+                      <a16:colId xmlns="" xmlns:a16="http://schemas.microsoft.com/office/drawing/2014/main" val="3597132808"/>
                     </a:ext>
                   </a:extLst>
                 </a:gridCol>
                 <a:gridCol w="2103120">
                   <a:extLst>
                     <a:ext uri="{9D8B030D-6E8A-4147-A177-3AD203B41FA5}">
-                      <a16:colId xmlns:a16="http://schemas.microsoft.com/office/drawing/2014/main" xmlns="" val="596877116"/>
+                      <a16:colId xmlns="" xmlns:a16="http://schemas.microsoft.com/office/drawing/2014/main" val="596877116"/>
                     </a:ext>
                   </a:extLst>
                 </a:gridCol>
                 <a:gridCol w="2103120">
                   <a:extLst>
                     <a:ext uri="{9D8B030D-6E8A-4147-A177-3AD203B41FA5}">
-                      <a16:colId xmlns:a16="http://schemas.microsoft.com/office/drawing/2014/main" xmlns="" val="1778616611"/>
+                      <a16:colId xmlns="" xmlns:a16="http://schemas.microsoft.com/office/drawing/2014/main" val="1778616611"/>
                     </a:ext>
                   </a:extLst>
                 </a:gridCol>
@@ -17895,7 +17893,7 @@
                 </a:tc>
                 <a:extLst>
                   <a:ext uri="{0D108BD9-81ED-4DB2-BD59-A6C34878D82A}">
-                    <a16:rowId xmlns:a16="http://schemas.microsoft.com/office/drawing/2014/main" xmlns="" val="2548993085"/>
+                    <a16:rowId xmlns="" xmlns:a16="http://schemas.microsoft.com/office/drawing/2014/main" val="2548993085"/>
                   </a:ext>
                 </a:extLst>
               </a:tr>
@@ -18062,7 +18060,7 @@
                 </a:tc>
                 <a:extLst>
                   <a:ext uri="{0D108BD9-81ED-4DB2-BD59-A6C34878D82A}">
-                    <a16:rowId xmlns:a16="http://schemas.microsoft.com/office/drawing/2014/main" xmlns="" val="3696918108"/>
+                    <a16:rowId xmlns="" xmlns:a16="http://schemas.microsoft.com/office/drawing/2014/main" val="3696918108"/>
                   </a:ext>
                 </a:extLst>
               </a:tr>
@@ -18229,7 +18227,7 @@
                 </a:tc>
                 <a:extLst>
                   <a:ext uri="{0D108BD9-81ED-4DB2-BD59-A6C34878D82A}">
-                    <a16:rowId xmlns:a16="http://schemas.microsoft.com/office/drawing/2014/main" xmlns="" val="739848613"/>
+                    <a16:rowId xmlns="" xmlns:a16="http://schemas.microsoft.com/office/drawing/2014/main" val="739848613"/>
                   </a:ext>
                 </a:extLst>
               </a:tr>
@@ -18396,7 +18394,7 @@
                 </a:tc>
                 <a:extLst>
                   <a:ext uri="{0D108BD9-81ED-4DB2-BD59-A6C34878D82A}">
-                    <a16:rowId xmlns:a16="http://schemas.microsoft.com/office/drawing/2014/main" xmlns="" val="3862531879"/>
+                    <a16:rowId xmlns="" xmlns:a16="http://schemas.microsoft.com/office/drawing/2014/main" val="3862531879"/>
                   </a:ext>
                 </a:extLst>
               </a:tr>
@@ -18563,7 +18561,7 @@
                 </a:tc>
                 <a:extLst>
                   <a:ext uri="{0D108BD9-81ED-4DB2-BD59-A6C34878D82A}">
-                    <a16:rowId xmlns:a16="http://schemas.microsoft.com/office/drawing/2014/main" xmlns="" val="107777099"/>
+                    <a16:rowId xmlns="" xmlns:a16="http://schemas.microsoft.com/office/drawing/2014/main" val="107777099"/>
                   </a:ext>
                 </a:extLst>
               </a:tr>
@@ -18730,7 +18728,7 @@
                 </a:tc>
                 <a:extLst>
                   <a:ext uri="{0D108BD9-81ED-4DB2-BD59-A6C34878D82A}">
-                    <a16:rowId xmlns:a16="http://schemas.microsoft.com/office/drawing/2014/main" xmlns="" val="4196587497"/>
+                    <a16:rowId xmlns="" xmlns:a16="http://schemas.microsoft.com/office/drawing/2014/main" val="4196587497"/>
                   </a:ext>
                 </a:extLst>
               </a:tr>
@@ -18897,7 +18895,7 @@
                 </a:tc>
                 <a:extLst>
                   <a:ext uri="{0D108BD9-81ED-4DB2-BD59-A6C34878D82A}">
-                    <a16:rowId xmlns:a16="http://schemas.microsoft.com/office/drawing/2014/main" xmlns="" val="3973535048"/>
+                    <a16:rowId xmlns="" xmlns:a16="http://schemas.microsoft.com/office/drawing/2014/main" val="3973535048"/>
                   </a:ext>
                 </a:extLst>
               </a:tr>
@@ -19058,7 +19056,7 @@
                 </a:tc>
                 <a:extLst>
                   <a:ext uri="{0D108BD9-81ED-4DB2-BD59-A6C34878D82A}">
-                    <a16:rowId xmlns:a16="http://schemas.microsoft.com/office/drawing/2014/main" xmlns="" val="4184079262"/>
+                    <a16:rowId xmlns="" xmlns:a16="http://schemas.microsoft.com/office/drawing/2014/main" val="4184079262"/>
                   </a:ext>
                 </a:extLst>
               </a:tr>
@@ -19225,7 +19223,7 @@
                 </a:tc>
                 <a:extLst>
                   <a:ext uri="{0D108BD9-81ED-4DB2-BD59-A6C34878D82A}">
-                    <a16:rowId xmlns:a16="http://schemas.microsoft.com/office/drawing/2014/main" xmlns="" val="1549009875"/>
+                    <a16:rowId xmlns="" xmlns:a16="http://schemas.microsoft.com/office/drawing/2014/main" val="1549009875"/>
                   </a:ext>
                 </a:extLst>
               </a:tr>
@@ -20035,63 +20033,63 @@
                 <a:gridCol w="586328">
                   <a:extLst>
                     <a:ext uri="{9D8B030D-6E8A-4147-A177-3AD203B41FA5}">
-                      <a16:colId xmlns:a16="http://schemas.microsoft.com/office/drawing/2014/main" xmlns="" val="1953549286"/>
+                      <a16:colId xmlns="" xmlns:a16="http://schemas.microsoft.com/office/drawing/2014/main" val="1953549286"/>
                     </a:ext>
                   </a:extLst>
                 </a:gridCol>
                 <a:gridCol w="1441911">
                   <a:extLst>
                     <a:ext uri="{9D8B030D-6E8A-4147-A177-3AD203B41FA5}">
-                      <a16:colId xmlns:a16="http://schemas.microsoft.com/office/drawing/2014/main" xmlns="" val="2286925942"/>
+                      <a16:colId xmlns="" xmlns:a16="http://schemas.microsoft.com/office/drawing/2014/main" val="2286925942"/>
                     </a:ext>
                   </a:extLst>
                 </a:gridCol>
                 <a:gridCol w="592568">
                   <a:extLst>
                     <a:ext uri="{9D8B030D-6E8A-4147-A177-3AD203B41FA5}">
-                      <a16:colId xmlns:a16="http://schemas.microsoft.com/office/drawing/2014/main" xmlns="" val="2240166967"/>
+                      <a16:colId xmlns="" xmlns:a16="http://schemas.microsoft.com/office/drawing/2014/main" val="2240166967"/>
                     </a:ext>
                   </a:extLst>
                 </a:gridCol>
                 <a:gridCol w="592568">
                   <a:extLst>
                     <a:ext uri="{9D8B030D-6E8A-4147-A177-3AD203B41FA5}">
-                      <a16:colId xmlns:a16="http://schemas.microsoft.com/office/drawing/2014/main" xmlns="" val="3084119439"/>
+                      <a16:colId xmlns="" xmlns:a16="http://schemas.microsoft.com/office/drawing/2014/main" val="3084119439"/>
                     </a:ext>
                   </a:extLst>
                 </a:gridCol>
                 <a:gridCol w="1035431">
                   <a:extLst>
                     <a:ext uri="{9D8B030D-6E8A-4147-A177-3AD203B41FA5}">
-                      <a16:colId xmlns:a16="http://schemas.microsoft.com/office/drawing/2014/main" xmlns="" val="2439947825"/>
+                      <a16:colId xmlns="" xmlns:a16="http://schemas.microsoft.com/office/drawing/2014/main" val="2439947825"/>
                     </a:ext>
                   </a:extLst>
                 </a:gridCol>
                 <a:gridCol w="1183054">
                   <a:extLst>
                     <a:ext uri="{9D8B030D-6E8A-4147-A177-3AD203B41FA5}">
-                      <a16:colId xmlns:a16="http://schemas.microsoft.com/office/drawing/2014/main" xmlns="" val="756702285"/>
+                      <a16:colId xmlns="" xmlns:a16="http://schemas.microsoft.com/office/drawing/2014/main" val="756702285"/>
                     </a:ext>
                   </a:extLst>
                 </a:gridCol>
                 <a:gridCol w="1035431">
                   <a:extLst>
                     <a:ext uri="{9D8B030D-6E8A-4147-A177-3AD203B41FA5}">
-                      <a16:colId xmlns:a16="http://schemas.microsoft.com/office/drawing/2014/main" xmlns="" val="52909403"/>
+                      <a16:colId xmlns="" xmlns:a16="http://schemas.microsoft.com/office/drawing/2014/main" val="52909403"/>
                     </a:ext>
                   </a:extLst>
                 </a:gridCol>
                 <a:gridCol w="2104131">
                   <a:extLst>
                     <a:ext uri="{9D8B030D-6E8A-4147-A177-3AD203B41FA5}">
-                      <a16:colId xmlns:a16="http://schemas.microsoft.com/office/drawing/2014/main" xmlns="" val="3498582246"/>
+                      <a16:colId xmlns="" xmlns:a16="http://schemas.microsoft.com/office/drawing/2014/main" val="3498582246"/>
                     </a:ext>
                   </a:extLst>
                 </a:gridCol>
                 <a:gridCol w="1042710">
                   <a:extLst>
                     <a:ext uri="{9D8B030D-6E8A-4147-A177-3AD203B41FA5}">
-                      <a16:colId xmlns:a16="http://schemas.microsoft.com/office/drawing/2014/main" xmlns="" val="2633740206"/>
+                      <a16:colId xmlns="" xmlns:a16="http://schemas.microsoft.com/office/drawing/2014/main" val="2633740206"/>
                     </a:ext>
                   </a:extLst>
                 </a:gridCol>
@@ -20360,7 +20358,7 @@
                 </a:tc>
                 <a:extLst>
                   <a:ext uri="{0D108BD9-81ED-4DB2-BD59-A6C34878D82A}">
-                    <a16:rowId xmlns:a16="http://schemas.microsoft.com/office/drawing/2014/main" xmlns="" val="4035685168"/>
+                    <a16:rowId xmlns="" xmlns:a16="http://schemas.microsoft.com/office/drawing/2014/main" val="4035685168"/>
                   </a:ext>
                 </a:extLst>
               </a:tr>
@@ -20628,7 +20626,7 @@
                 </a:tc>
                 <a:extLst>
                   <a:ext uri="{0D108BD9-81ED-4DB2-BD59-A6C34878D82A}">
-                    <a16:rowId xmlns:a16="http://schemas.microsoft.com/office/drawing/2014/main" xmlns="" val="3486077057"/>
+                    <a16:rowId xmlns="" xmlns:a16="http://schemas.microsoft.com/office/drawing/2014/main" val="3486077057"/>
                   </a:ext>
                 </a:extLst>
               </a:tr>
@@ -21020,7 +21018,7 @@
   <a:extraClrSchemeLst/>
   <a:extLst>
     <a:ext uri="{05A4C25C-085E-4340-85A3-A5531E510DB2}">
-      <thm15:themeFamily xmlns:thm15="http://schemas.microsoft.com/office/thememl/2012/main" xmlns="" name="Office Theme" id="{62F939B6-93AF-4DB8-9C6B-D6C7DFDC589F}" vid="{AE6F2518-B084-4896-AF52-66CC2144AA26}"/>
+      <thm15:themeFamily xmlns="" xmlns:thm15="http://schemas.microsoft.com/office/thememl/2012/main" name="Office Theme" id="{62F939B6-93AF-4DB8-9C6B-D6C7DFDC589F}" vid="{AE6F2518-B084-4896-AF52-66CC2144AA26}"/>
     </a:ext>
   </a:extLst>
 </a:theme>
@@ -21281,7 +21279,7 @@
   <a:extraClrSchemeLst/>
   <a:extLst>
     <a:ext uri="{05A4C25C-085E-4340-85A3-A5531E510DB2}">
-      <thm15:themeFamily xmlns:thm15="http://schemas.microsoft.com/office/thememl/2012/main" xmlns="" name="Office Theme" id="{62F939B6-93AF-4DB8-9C6B-D6C7DFDC589F}" vid="{4A3C46E8-61CC-4603-A589-7422A47A8E4A}"/>
+      <thm15:themeFamily xmlns="" xmlns:thm15="http://schemas.microsoft.com/office/thememl/2012/main" name="Office Theme" id="{62F939B6-93AF-4DB8-9C6B-D6C7DFDC589F}" vid="{4A3C46E8-61CC-4603-A589-7422A47A8E4A}"/>
     </a:ext>
   </a:extLst>
 </a:theme>

--- a/README.pptx
+++ b/README.pptx
@@ -124,7 +124,7 @@
   </p:defaultTextStyle>
   <p:extLst>
     <p:ext uri="{EFAFB233-063F-42B5-8137-9DF3F51BA10A}">
-      <p15:sldGuideLst xmlns="" xmlns:p15="http://schemas.microsoft.com/office/powerpoint/2012/main">
+      <p15:sldGuideLst xmlns:p15="http://schemas.microsoft.com/office/powerpoint/2012/main">
         <p15:guide id="1" orient="horz" pos="2160">
           <p15:clr>
             <a:srgbClr val="A4A3A4"/>
@@ -227,7 +227,7 @@
           <a:p>
             <a:fld id="{D8E1BCEB-95D3-4EFD-86D1-B7273A2C9AA7}" type="datetimeFigureOut">
               <a:rPr lang="en-GB" smtClean="0"/>
-              <a:t>08/01/2018</a:t>
+              <a:t>10/09/2018</a:t>
             </a:fld>
             <a:endParaRPr lang="en-GB"/>
           </a:p>
@@ -626,7 +626,7 @@
           <a:p>
             <a:fld id="{46A11D63-751A-4160-9674-6D89583F14AA}" type="datetime1">
               <a:rPr lang="en-GB" smtClean="0"/>
-              <a:t>08/01/2018</a:t>
+              <a:t>10/09/2018</a:t>
             </a:fld>
             <a:endParaRPr lang="en-GB"/>
           </a:p>
@@ -796,7 +796,7 @@
           <a:p>
             <a:fld id="{40222BF2-8BEE-43D4-A3FD-4D9AC2D4F4A1}" type="datetime1">
               <a:rPr lang="en-GB" smtClean="0"/>
-              <a:t>08/01/2018</a:t>
+              <a:t>10/09/2018</a:t>
             </a:fld>
             <a:endParaRPr lang="en-GB"/>
           </a:p>
@@ -976,7 +976,7 @@
           <a:p>
             <a:fld id="{63464878-EBE0-4308-880D-82C7BA4196A6}" type="datetime1">
               <a:rPr lang="en-GB" smtClean="0"/>
-              <a:t>08/01/2018</a:t>
+              <a:t>10/09/2018</a:t>
             </a:fld>
             <a:endParaRPr lang="en-GB"/>
           </a:p>
@@ -1146,7 +1146,7 @@
           <a:p>
             <a:fld id="{13D71E82-E9F6-46B7-8FEE-5CEF9D0A6612}" type="datetime1">
               <a:rPr lang="en-GB" smtClean="0"/>
-              <a:t>08/01/2018</a:t>
+              <a:t>10/09/2018</a:t>
             </a:fld>
             <a:endParaRPr lang="en-GB"/>
           </a:p>
@@ -1392,7 +1392,7 @@
           <a:p>
             <a:fld id="{525A8D82-D974-46E7-B0F8-18C08BB8D6AC}" type="datetime1">
               <a:rPr lang="en-GB" smtClean="0"/>
-              <a:t>08/01/2018</a:t>
+              <a:t>10/09/2018</a:t>
             </a:fld>
             <a:endParaRPr lang="en-GB"/>
           </a:p>
@@ -1624,7 +1624,7 @@
           <a:p>
             <a:fld id="{A89DE6F5-0C87-43EB-9FD6-E791B16E2E9E}" type="datetime1">
               <a:rPr lang="en-GB" smtClean="0"/>
-              <a:t>08/01/2018</a:t>
+              <a:t>10/09/2018</a:t>
             </a:fld>
             <a:endParaRPr lang="en-GB"/>
           </a:p>
@@ -1991,7 +1991,7 @@
           <a:p>
             <a:fld id="{BFE225AE-CFE0-4CD2-AD67-0F6D13028016}" type="datetime1">
               <a:rPr lang="en-GB" smtClean="0"/>
-              <a:t>08/01/2018</a:t>
+              <a:t>10/09/2018</a:t>
             </a:fld>
             <a:endParaRPr lang="en-GB"/>
           </a:p>
@@ -2109,7 +2109,7 @@
           <a:p>
             <a:fld id="{10703468-266B-4F64-96D3-C6F5BEE183C8}" type="datetime1">
               <a:rPr lang="en-GB" smtClean="0"/>
-              <a:t>08/01/2018</a:t>
+              <a:t>10/09/2018</a:t>
             </a:fld>
             <a:endParaRPr lang="en-GB"/>
           </a:p>
@@ -2204,7 +2204,7 @@
           <a:p>
             <a:fld id="{59ED84D4-2441-4E10-8ED7-DF4548D47C4C}" type="datetime1">
               <a:rPr lang="en-GB" smtClean="0"/>
-              <a:t>08/01/2018</a:t>
+              <a:t>10/09/2018</a:t>
             </a:fld>
             <a:endParaRPr lang="en-GB"/>
           </a:p>
@@ -2481,7 +2481,7 @@
           <a:p>
             <a:fld id="{1941039E-F281-4AC7-9DCD-3ED8D73B1DA8}" type="datetime1">
               <a:rPr lang="en-GB" smtClean="0"/>
-              <a:t>08/01/2018</a:t>
+              <a:t>10/09/2018</a:t>
             </a:fld>
             <a:endParaRPr lang="en-GB"/>
           </a:p>
@@ -2738,7 +2738,7 @@
           <a:p>
             <a:fld id="{D6539346-4B3E-4B82-A0E3-265453D0144F}" type="datetime1">
               <a:rPr lang="en-GB" smtClean="0"/>
-              <a:t>08/01/2018</a:t>
+              <a:t>10/09/2018</a:t>
             </a:fld>
             <a:endParaRPr lang="en-GB"/>
           </a:p>
@@ -2951,7 +2951,7 @@
           <a:p>
             <a:fld id="{193B3B13-5148-43FB-80F2-1120B7E3127D}" type="datetime1">
               <a:rPr lang="en-GB" smtClean="0"/>
-              <a:t>08/01/2018</a:t>
+              <a:t>10/09/2018</a:t>
             </a:fld>
             <a:endParaRPr lang="en-GB"/>
           </a:p>
@@ -3565,98 +3565,98 @@
                 <a:gridCol w="401664">
                   <a:extLst>
                     <a:ext uri="{9D8B030D-6E8A-4147-A177-3AD203B41FA5}">
-                      <a16:colId xmlns="" xmlns:a16="http://schemas.microsoft.com/office/drawing/2014/main" val="20000"/>
+                      <a16:colId xmlns:a16="http://schemas.microsoft.com/office/drawing/2014/main" val="20000"/>
                     </a:ext>
                   </a:extLst>
                 </a:gridCol>
                 <a:gridCol w="1286360">
                   <a:extLst>
                     <a:ext uri="{9D8B030D-6E8A-4147-A177-3AD203B41FA5}">
-                      <a16:colId xmlns="" xmlns:a16="http://schemas.microsoft.com/office/drawing/2014/main" val="20001"/>
+                      <a16:colId xmlns:a16="http://schemas.microsoft.com/office/drawing/2014/main" val="20001"/>
                     </a:ext>
                   </a:extLst>
                 </a:gridCol>
                 <a:gridCol w="743918">
                   <a:extLst>
                     <a:ext uri="{9D8B030D-6E8A-4147-A177-3AD203B41FA5}">
-                      <a16:colId xmlns="" xmlns:a16="http://schemas.microsoft.com/office/drawing/2014/main" val="20002"/>
+                      <a16:colId xmlns:a16="http://schemas.microsoft.com/office/drawing/2014/main" val="20002"/>
                     </a:ext>
                   </a:extLst>
                 </a:gridCol>
                 <a:gridCol w="572514">
                   <a:extLst>
                     <a:ext uri="{9D8B030D-6E8A-4147-A177-3AD203B41FA5}">
-                      <a16:colId xmlns="" xmlns:a16="http://schemas.microsoft.com/office/drawing/2014/main" val="20003"/>
+                      <a16:colId xmlns:a16="http://schemas.microsoft.com/office/drawing/2014/main" val="20003"/>
                     </a:ext>
                   </a:extLst>
                 </a:gridCol>
                 <a:gridCol w="751114">
                   <a:extLst>
                     <a:ext uri="{9D8B030D-6E8A-4147-A177-3AD203B41FA5}">
-                      <a16:colId xmlns="" xmlns:a16="http://schemas.microsoft.com/office/drawing/2014/main" val="20004"/>
+                      <a16:colId xmlns:a16="http://schemas.microsoft.com/office/drawing/2014/main" val="20004"/>
                     </a:ext>
                   </a:extLst>
                 </a:gridCol>
                 <a:gridCol w="751114">
                   <a:extLst>
                     <a:ext uri="{9D8B030D-6E8A-4147-A177-3AD203B41FA5}">
-                      <a16:colId xmlns="" xmlns:a16="http://schemas.microsoft.com/office/drawing/2014/main" val="20005"/>
+                      <a16:colId xmlns:a16="http://schemas.microsoft.com/office/drawing/2014/main" val="20005"/>
                     </a:ext>
                   </a:extLst>
                 </a:gridCol>
                 <a:gridCol w="751114">
                   <a:extLst>
                     <a:ext uri="{9D8B030D-6E8A-4147-A177-3AD203B41FA5}">
-                      <a16:colId xmlns="" xmlns:a16="http://schemas.microsoft.com/office/drawing/2014/main" val="20006"/>
+                      <a16:colId xmlns:a16="http://schemas.microsoft.com/office/drawing/2014/main" val="20006"/>
                     </a:ext>
                   </a:extLst>
                 </a:gridCol>
                 <a:gridCol w="751114">
                   <a:extLst>
                     <a:ext uri="{9D8B030D-6E8A-4147-A177-3AD203B41FA5}">
-                      <a16:colId xmlns="" xmlns:a16="http://schemas.microsoft.com/office/drawing/2014/main" val="20007"/>
+                      <a16:colId xmlns:a16="http://schemas.microsoft.com/office/drawing/2014/main" val="20007"/>
                     </a:ext>
                   </a:extLst>
                 </a:gridCol>
                 <a:gridCol w="751114">
                   <a:extLst>
                     <a:ext uri="{9D8B030D-6E8A-4147-A177-3AD203B41FA5}">
-                      <a16:colId xmlns="" xmlns:a16="http://schemas.microsoft.com/office/drawing/2014/main" val="20008"/>
+                      <a16:colId xmlns:a16="http://schemas.microsoft.com/office/drawing/2014/main" val="20008"/>
                     </a:ext>
                   </a:extLst>
                 </a:gridCol>
                 <a:gridCol w="808158">
                   <a:extLst>
                     <a:ext uri="{9D8B030D-6E8A-4147-A177-3AD203B41FA5}">
-                      <a16:colId xmlns="" xmlns:a16="http://schemas.microsoft.com/office/drawing/2014/main" val="20009"/>
+                      <a16:colId xmlns:a16="http://schemas.microsoft.com/office/drawing/2014/main" val="20009"/>
                     </a:ext>
                   </a:extLst>
                 </a:gridCol>
                 <a:gridCol w="694070">
                   <a:extLst>
                     <a:ext uri="{9D8B030D-6E8A-4147-A177-3AD203B41FA5}">
-                      <a16:colId xmlns="" xmlns:a16="http://schemas.microsoft.com/office/drawing/2014/main" val="20010"/>
+                      <a16:colId xmlns:a16="http://schemas.microsoft.com/office/drawing/2014/main" val="20010"/>
                     </a:ext>
                   </a:extLst>
                 </a:gridCol>
                 <a:gridCol w="751114">
                   <a:extLst>
                     <a:ext uri="{9D8B030D-6E8A-4147-A177-3AD203B41FA5}">
-                      <a16:colId xmlns="" xmlns:a16="http://schemas.microsoft.com/office/drawing/2014/main" val="20011"/>
+                      <a16:colId xmlns:a16="http://schemas.microsoft.com/office/drawing/2014/main" val="20011"/>
                     </a:ext>
                   </a:extLst>
                 </a:gridCol>
                 <a:gridCol w="751114">
                   <a:extLst>
                     <a:ext uri="{9D8B030D-6E8A-4147-A177-3AD203B41FA5}">
-                      <a16:colId xmlns="" xmlns:a16="http://schemas.microsoft.com/office/drawing/2014/main" val="20012"/>
+                      <a16:colId xmlns:a16="http://schemas.microsoft.com/office/drawing/2014/main" val="20012"/>
                     </a:ext>
                   </a:extLst>
                 </a:gridCol>
                 <a:gridCol w="751114">
                   <a:extLst>
                     <a:ext uri="{9D8B030D-6E8A-4147-A177-3AD203B41FA5}">
-                      <a16:colId xmlns="" xmlns:a16="http://schemas.microsoft.com/office/drawing/2014/main" val="20013"/>
+                      <a16:colId xmlns:a16="http://schemas.microsoft.com/office/drawing/2014/main" val="20013"/>
                     </a:ext>
                   </a:extLst>
                 </a:gridCol>
@@ -3888,7 +3888,7 @@
                 </a:tc>
                 <a:extLst>
                   <a:ext uri="{0D108BD9-81ED-4DB2-BD59-A6C34878D82A}">
-                    <a16:rowId xmlns="" xmlns:a16="http://schemas.microsoft.com/office/drawing/2014/main" val="10000"/>
+                    <a16:rowId xmlns:a16="http://schemas.microsoft.com/office/drawing/2014/main" val="10000"/>
                   </a:ext>
                 </a:extLst>
               </a:tr>
@@ -4217,7 +4217,7 @@
                 </a:tc>
                 <a:extLst>
                   <a:ext uri="{0D108BD9-81ED-4DB2-BD59-A6C34878D82A}">
-                    <a16:rowId xmlns="" xmlns:a16="http://schemas.microsoft.com/office/drawing/2014/main" val="10001"/>
+                    <a16:rowId xmlns:a16="http://schemas.microsoft.com/office/drawing/2014/main" val="10001"/>
                   </a:ext>
                 </a:extLst>
               </a:tr>
@@ -4546,7 +4546,7 @@
                 </a:tc>
                 <a:extLst>
                   <a:ext uri="{0D108BD9-81ED-4DB2-BD59-A6C34878D82A}">
-                    <a16:rowId xmlns="" xmlns:a16="http://schemas.microsoft.com/office/drawing/2014/main" val="10002"/>
+                    <a16:rowId xmlns:a16="http://schemas.microsoft.com/office/drawing/2014/main" val="10002"/>
                   </a:ext>
                 </a:extLst>
               </a:tr>
@@ -4773,7 +4773,7 @@
                 </a:tc>
                 <a:extLst>
                   <a:ext uri="{0D108BD9-81ED-4DB2-BD59-A6C34878D82A}">
-                    <a16:rowId xmlns="" xmlns:a16="http://schemas.microsoft.com/office/drawing/2014/main" val="10003"/>
+                    <a16:rowId xmlns:a16="http://schemas.microsoft.com/office/drawing/2014/main" val="10003"/>
                   </a:ext>
                 </a:extLst>
               </a:tr>
@@ -5028,7 +5028,7 @@
                 </a:tc>
                 <a:extLst>
                   <a:ext uri="{0D108BD9-81ED-4DB2-BD59-A6C34878D82A}">
-                    <a16:rowId xmlns="" xmlns:a16="http://schemas.microsoft.com/office/drawing/2014/main" val="10004"/>
+                    <a16:rowId xmlns:a16="http://schemas.microsoft.com/office/drawing/2014/main" val="10004"/>
                   </a:ext>
                 </a:extLst>
               </a:tr>
@@ -5357,7 +5357,7 @@
                 </a:tc>
                 <a:extLst>
                   <a:ext uri="{0D108BD9-81ED-4DB2-BD59-A6C34878D82A}">
-                    <a16:rowId xmlns="" xmlns:a16="http://schemas.microsoft.com/office/drawing/2014/main" val="10005"/>
+                    <a16:rowId xmlns:a16="http://schemas.microsoft.com/office/drawing/2014/main" val="10005"/>
                   </a:ext>
                 </a:extLst>
               </a:tr>
@@ -5686,7 +5686,7 @@
                 </a:tc>
                 <a:extLst>
                   <a:ext uri="{0D108BD9-81ED-4DB2-BD59-A6C34878D82A}">
-                    <a16:rowId xmlns="" xmlns:a16="http://schemas.microsoft.com/office/drawing/2014/main" val="10006"/>
+                    <a16:rowId xmlns:a16="http://schemas.microsoft.com/office/drawing/2014/main" val="10006"/>
                   </a:ext>
                 </a:extLst>
               </a:tr>
@@ -5868,7 +5868,7 @@
           <p:cNvPr id="2" name="Title 1">
             <a:extLst>
               <a:ext uri="{FF2B5EF4-FFF2-40B4-BE49-F238E27FC236}">
-                <a16:creationId xmlns="" xmlns:a16="http://schemas.microsoft.com/office/drawing/2014/main" id="{BB17C9F0-1160-45E6-90D6-C2EE7F2A8DDB}"/>
+                <a16:creationId xmlns:a16="http://schemas.microsoft.com/office/drawing/2014/main" id="{BB17C9F0-1160-45E6-90D6-C2EE7F2A8DDB}"/>
               </a:ext>
             </a:extLst>
           </p:cNvPr>
@@ -5913,7 +5913,7 @@
           <p:cNvPr id="7" name="Content Placeholder 6">
             <a:extLst>
               <a:ext uri="{FF2B5EF4-FFF2-40B4-BE49-F238E27FC236}">
-                <a16:creationId xmlns="" xmlns:a16="http://schemas.microsoft.com/office/drawing/2014/main" id="{BC419154-FB32-433E-8D3F-5372E3CF063B}"/>
+                <a16:creationId xmlns:a16="http://schemas.microsoft.com/office/drawing/2014/main" id="{BC419154-FB32-433E-8D3F-5372E3CF063B}"/>
               </a:ext>
             </a:extLst>
           </p:cNvPr>
@@ -5943,42 +5943,42 @@
                 <a:gridCol w="1752600">
                   <a:extLst>
                     <a:ext uri="{9D8B030D-6E8A-4147-A177-3AD203B41FA5}">
-                      <a16:colId xmlns="" xmlns:a16="http://schemas.microsoft.com/office/drawing/2014/main" val="1638080526"/>
+                      <a16:colId xmlns:a16="http://schemas.microsoft.com/office/drawing/2014/main" val="1638080526"/>
                     </a:ext>
                   </a:extLst>
                 </a:gridCol>
                 <a:gridCol w="1752600">
                   <a:extLst>
                     <a:ext uri="{9D8B030D-6E8A-4147-A177-3AD203B41FA5}">
-                      <a16:colId xmlns="" xmlns:a16="http://schemas.microsoft.com/office/drawing/2014/main" val="3856145469"/>
+                      <a16:colId xmlns:a16="http://schemas.microsoft.com/office/drawing/2014/main" val="3856145469"/>
                     </a:ext>
                   </a:extLst>
                 </a:gridCol>
                 <a:gridCol w="1752600">
                   <a:extLst>
                     <a:ext uri="{9D8B030D-6E8A-4147-A177-3AD203B41FA5}">
-                      <a16:colId xmlns="" xmlns:a16="http://schemas.microsoft.com/office/drawing/2014/main" val="1431688491"/>
+                      <a16:colId xmlns:a16="http://schemas.microsoft.com/office/drawing/2014/main" val="1431688491"/>
                     </a:ext>
                   </a:extLst>
                 </a:gridCol>
                 <a:gridCol w="1752600">
                   <a:extLst>
                     <a:ext uri="{9D8B030D-6E8A-4147-A177-3AD203B41FA5}">
-                      <a16:colId xmlns="" xmlns:a16="http://schemas.microsoft.com/office/drawing/2014/main" val="2120667709"/>
+                      <a16:colId xmlns:a16="http://schemas.microsoft.com/office/drawing/2014/main" val="2120667709"/>
                     </a:ext>
                   </a:extLst>
                 </a:gridCol>
                 <a:gridCol w="1752600">
                   <a:extLst>
                     <a:ext uri="{9D8B030D-6E8A-4147-A177-3AD203B41FA5}">
-                      <a16:colId xmlns="" xmlns:a16="http://schemas.microsoft.com/office/drawing/2014/main" val="3976773145"/>
+                      <a16:colId xmlns:a16="http://schemas.microsoft.com/office/drawing/2014/main" val="3976773145"/>
                     </a:ext>
                   </a:extLst>
                 </a:gridCol>
                 <a:gridCol w="1752600">
                   <a:extLst>
                     <a:ext uri="{9D8B030D-6E8A-4147-A177-3AD203B41FA5}">
-                      <a16:colId xmlns="" xmlns:a16="http://schemas.microsoft.com/office/drawing/2014/main" val="3936103744"/>
+                      <a16:colId xmlns:a16="http://schemas.microsoft.com/office/drawing/2014/main" val="3936103744"/>
                     </a:ext>
                   </a:extLst>
                 </a:gridCol>
@@ -6124,7 +6124,7 @@
                 </a:tc>
                 <a:extLst>
                   <a:ext uri="{0D108BD9-81ED-4DB2-BD59-A6C34878D82A}">
-                    <a16:rowId xmlns="" xmlns:a16="http://schemas.microsoft.com/office/drawing/2014/main" val="2418271326"/>
+                    <a16:rowId xmlns:a16="http://schemas.microsoft.com/office/drawing/2014/main" val="2418271326"/>
                   </a:ext>
                 </a:extLst>
               </a:tr>
@@ -6269,7 +6269,7 @@
                 </a:tc>
                 <a:extLst>
                   <a:ext uri="{0D108BD9-81ED-4DB2-BD59-A6C34878D82A}">
-                    <a16:rowId xmlns="" xmlns:a16="http://schemas.microsoft.com/office/drawing/2014/main" val="538109448"/>
+                    <a16:rowId xmlns:a16="http://schemas.microsoft.com/office/drawing/2014/main" val="538109448"/>
                   </a:ext>
                 </a:extLst>
               </a:tr>
@@ -6414,7 +6414,7 @@
                 </a:tc>
                 <a:extLst>
                   <a:ext uri="{0D108BD9-81ED-4DB2-BD59-A6C34878D82A}">
-                    <a16:rowId xmlns="" xmlns:a16="http://schemas.microsoft.com/office/drawing/2014/main" val="3790236758"/>
+                    <a16:rowId xmlns:a16="http://schemas.microsoft.com/office/drawing/2014/main" val="3790236758"/>
                   </a:ext>
                 </a:extLst>
               </a:tr>
@@ -6559,7 +6559,7 @@
                 </a:tc>
                 <a:extLst>
                   <a:ext uri="{0D108BD9-81ED-4DB2-BD59-A6C34878D82A}">
-                    <a16:rowId xmlns="" xmlns:a16="http://schemas.microsoft.com/office/drawing/2014/main" val="2142385482"/>
+                    <a16:rowId xmlns:a16="http://schemas.microsoft.com/office/drawing/2014/main" val="2142385482"/>
                   </a:ext>
                 </a:extLst>
               </a:tr>
@@ -6704,7 +6704,7 @@
                 </a:tc>
                 <a:extLst>
                   <a:ext uri="{0D108BD9-81ED-4DB2-BD59-A6C34878D82A}">
-                    <a16:rowId xmlns="" xmlns:a16="http://schemas.microsoft.com/office/drawing/2014/main" val="3818329405"/>
+                    <a16:rowId xmlns:a16="http://schemas.microsoft.com/office/drawing/2014/main" val="3818329405"/>
                   </a:ext>
                 </a:extLst>
               </a:tr>
@@ -6849,7 +6849,7 @@
                 </a:tc>
                 <a:extLst>
                   <a:ext uri="{0D108BD9-81ED-4DB2-BD59-A6C34878D82A}">
-                    <a16:rowId xmlns="" xmlns:a16="http://schemas.microsoft.com/office/drawing/2014/main" val="1055833409"/>
+                    <a16:rowId xmlns:a16="http://schemas.microsoft.com/office/drawing/2014/main" val="1055833409"/>
                   </a:ext>
                 </a:extLst>
               </a:tr>
@@ -6994,7 +6994,7 @@
                 </a:tc>
                 <a:extLst>
                   <a:ext uri="{0D108BD9-81ED-4DB2-BD59-A6C34878D82A}">
-                    <a16:rowId xmlns="" xmlns:a16="http://schemas.microsoft.com/office/drawing/2014/main" val="3279746546"/>
+                    <a16:rowId xmlns:a16="http://schemas.microsoft.com/office/drawing/2014/main" val="3279746546"/>
                   </a:ext>
                 </a:extLst>
               </a:tr>
@@ -7139,7 +7139,7 @@
                 </a:tc>
                 <a:extLst>
                   <a:ext uri="{0D108BD9-81ED-4DB2-BD59-A6C34878D82A}">
-                    <a16:rowId xmlns="" xmlns:a16="http://schemas.microsoft.com/office/drawing/2014/main" val="1843946231"/>
+                    <a16:rowId xmlns:a16="http://schemas.microsoft.com/office/drawing/2014/main" val="1843946231"/>
                   </a:ext>
                 </a:extLst>
               </a:tr>
@@ -7284,7 +7284,7 @@
                 </a:tc>
                 <a:extLst>
                   <a:ext uri="{0D108BD9-81ED-4DB2-BD59-A6C34878D82A}">
-                    <a16:rowId xmlns="" xmlns:a16="http://schemas.microsoft.com/office/drawing/2014/main" val="2592131726"/>
+                    <a16:rowId xmlns:a16="http://schemas.microsoft.com/office/drawing/2014/main" val="2592131726"/>
                   </a:ext>
                 </a:extLst>
               </a:tr>
@@ -7429,7 +7429,7 @@
                 </a:tc>
                 <a:extLst>
                   <a:ext uri="{0D108BD9-81ED-4DB2-BD59-A6C34878D82A}">
-                    <a16:rowId xmlns="" xmlns:a16="http://schemas.microsoft.com/office/drawing/2014/main" val="3872885341"/>
+                    <a16:rowId xmlns:a16="http://schemas.microsoft.com/office/drawing/2014/main" val="3872885341"/>
                   </a:ext>
                 </a:extLst>
               </a:tr>
@@ -7574,7 +7574,7 @@
                 </a:tc>
                 <a:extLst>
                   <a:ext uri="{0D108BD9-81ED-4DB2-BD59-A6C34878D82A}">
-                    <a16:rowId xmlns="" xmlns:a16="http://schemas.microsoft.com/office/drawing/2014/main" val="1297808850"/>
+                    <a16:rowId xmlns:a16="http://schemas.microsoft.com/office/drawing/2014/main" val="1297808850"/>
                   </a:ext>
                 </a:extLst>
               </a:tr>
@@ -7719,7 +7719,7 @@
                 </a:tc>
                 <a:extLst>
                   <a:ext uri="{0D108BD9-81ED-4DB2-BD59-A6C34878D82A}">
-                    <a16:rowId xmlns="" xmlns:a16="http://schemas.microsoft.com/office/drawing/2014/main" val="4188675590"/>
+                    <a16:rowId xmlns:a16="http://schemas.microsoft.com/office/drawing/2014/main" val="4188675590"/>
                   </a:ext>
                 </a:extLst>
               </a:tr>
@@ -7864,7 +7864,7 @@
                 </a:tc>
                 <a:extLst>
                   <a:ext uri="{0D108BD9-81ED-4DB2-BD59-A6C34878D82A}">
-                    <a16:rowId xmlns="" xmlns:a16="http://schemas.microsoft.com/office/drawing/2014/main" val="2572836936"/>
+                    <a16:rowId xmlns:a16="http://schemas.microsoft.com/office/drawing/2014/main" val="2572836936"/>
                   </a:ext>
                 </a:extLst>
               </a:tr>
@@ -8009,7 +8009,7 @@
                 </a:tc>
                 <a:extLst>
                   <a:ext uri="{0D108BD9-81ED-4DB2-BD59-A6C34878D82A}">
-                    <a16:rowId xmlns="" xmlns:a16="http://schemas.microsoft.com/office/drawing/2014/main" val="609615910"/>
+                    <a16:rowId xmlns:a16="http://schemas.microsoft.com/office/drawing/2014/main" val="609615910"/>
                   </a:ext>
                 </a:extLst>
               </a:tr>
@@ -8022,7 +8022,7 @@
           <p:cNvPr id="4" name="Slide Number Placeholder 3">
             <a:extLst>
               <a:ext uri="{FF2B5EF4-FFF2-40B4-BE49-F238E27FC236}">
-                <a16:creationId xmlns="" xmlns:a16="http://schemas.microsoft.com/office/drawing/2014/main" id="{ACE92B05-9DD6-4E3A-8D54-50ADB6D1B47E}"/>
+                <a16:creationId xmlns:a16="http://schemas.microsoft.com/office/drawing/2014/main" id="{ACE92B05-9DD6-4E3A-8D54-50ADB6D1B47E}"/>
               </a:ext>
             </a:extLst>
           </p:cNvPr>
@@ -8125,7 +8125,7 @@
           <p:cNvPr id="8" name="Content Placeholder 7">
             <a:extLst>
               <a:ext uri="{FF2B5EF4-FFF2-40B4-BE49-F238E27FC236}">
-                <a16:creationId xmlns="" xmlns:a16="http://schemas.microsoft.com/office/drawing/2014/main" id="{F76AE7BA-9641-41C6-852A-429F57CC3422}"/>
+                <a16:creationId xmlns:a16="http://schemas.microsoft.com/office/drawing/2014/main" id="{F76AE7BA-9641-41C6-852A-429F57CC3422}"/>
               </a:ext>
             </a:extLst>
           </p:cNvPr>
@@ -8155,28 +8155,28 @@
                 <a:gridCol w="2103120">
                   <a:extLst>
                     <a:ext uri="{9D8B030D-6E8A-4147-A177-3AD203B41FA5}">
-                      <a16:colId xmlns="" xmlns:a16="http://schemas.microsoft.com/office/drawing/2014/main" val="994740432"/>
+                      <a16:colId xmlns:a16="http://schemas.microsoft.com/office/drawing/2014/main" val="994740432"/>
                     </a:ext>
                   </a:extLst>
                 </a:gridCol>
                 <a:gridCol w="2103120">
                   <a:extLst>
                     <a:ext uri="{9D8B030D-6E8A-4147-A177-3AD203B41FA5}">
-                      <a16:colId xmlns="" xmlns:a16="http://schemas.microsoft.com/office/drawing/2014/main" val="1379236012"/>
+                      <a16:colId xmlns:a16="http://schemas.microsoft.com/office/drawing/2014/main" val="1379236012"/>
                     </a:ext>
                   </a:extLst>
                 </a:gridCol>
                 <a:gridCol w="2103120">
                   <a:extLst>
                     <a:ext uri="{9D8B030D-6E8A-4147-A177-3AD203B41FA5}">
-                      <a16:colId xmlns="" xmlns:a16="http://schemas.microsoft.com/office/drawing/2014/main" val="1221670367"/>
+                      <a16:colId xmlns:a16="http://schemas.microsoft.com/office/drawing/2014/main" val="1221670367"/>
                     </a:ext>
                   </a:extLst>
                 </a:gridCol>
                 <a:gridCol w="2103120">
                   <a:extLst>
                     <a:ext uri="{9D8B030D-6E8A-4147-A177-3AD203B41FA5}">
-                      <a16:colId xmlns="" xmlns:a16="http://schemas.microsoft.com/office/drawing/2014/main" val="2171438027"/>
+                      <a16:colId xmlns:a16="http://schemas.microsoft.com/office/drawing/2014/main" val="2171438027"/>
                     </a:ext>
                   </a:extLst>
                 </a:gridCol>
@@ -8276,7 +8276,7 @@
                 </a:tc>
                 <a:extLst>
                   <a:ext uri="{0D108BD9-81ED-4DB2-BD59-A6C34878D82A}">
-                    <a16:rowId xmlns="" xmlns:a16="http://schemas.microsoft.com/office/drawing/2014/main" val="2195642232"/>
+                    <a16:rowId xmlns:a16="http://schemas.microsoft.com/office/drawing/2014/main" val="2195642232"/>
                   </a:ext>
                 </a:extLst>
               </a:tr>
@@ -8375,7 +8375,7 @@
                 </a:tc>
                 <a:extLst>
                   <a:ext uri="{0D108BD9-81ED-4DB2-BD59-A6C34878D82A}">
-                    <a16:rowId xmlns="" xmlns:a16="http://schemas.microsoft.com/office/drawing/2014/main" val="3895168461"/>
+                    <a16:rowId xmlns:a16="http://schemas.microsoft.com/office/drawing/2014/main" val="3895168461"/>
                   </a:ext>
                 </a:extLst>
               </a:tr>
@@ -8474,7 +8474,7 @@
                 </a:tc>
                 <a:extLst>
                   <a:ext uri="{0D108BD9-81ED-4DB2-BD59-A6C34878D82A}">
-                    <a16:rowId xmlns="" xmlns:a16="http://schemas.microsoft.com/office/drawing/2014/main" val="959653611"/>
+                    <a16:rowId xmlns:a16="http://schemas.microsoft.com/office/drawing/2014/main" val="959653611"/>
                   </a:ext>
                 </a:extLst>
               </a:tr>
@@ -8573,7 +8573,7 @@
                 </a:tc>
                 <a:extLst>
                   <a:ext uri="{0D108BD9-81ED-4DB2-BD59-A6C34878D82A}">
-                    <a16:rowId xmlns="" xmlns:a16="http://schemas.microsoft.com/office/drawing/2014/main" val="2555202794"/>
+                    <a16:rowId xmlns:a16="http://schemas.microsoft.com/office/drawing/2014/main" val="2555202794"/>
                   </a:ext>
                 </a:extLst>
               </a:tr>
@@ -8672,7 +8672,7 @@
                 </a:tc>
                 <a:extLst>
                   <a:ext uri="{0D108BD9-81ED-4DB2-BD59-A6C34878D82A}">
-                    <a16:rowId xmlns="" xmlns:a16="http://schemas.microsoft.com/office/drawing/2014/main" val="2305501086"/>
+                    <a16:rowId xmlns:a16="http://schemas.microsoft.com/office/drawing/2014/main" val="2305501086"/>
                   </a:ext>
                 </a:extLst>
               </a:tr>
@@ -8771,7 +8771,7 @@
                 </a:tc>
                 <a:extLst>
                   <a:ext uri="{0D108BD9-81ED-4DB2-BD59-A6C34878D82A}">
-                    <a16:rowId xmlns="" xmlns:a16="http://schemas.microsoft.com/office/drawing/2014/main" val="3416750826"/>
+                    <a16:rowId xmlns:a16="http://schemas.microsoft.com/office/drawing/2014/main" val="3416750826"/>
                   </a:ext>
                 </a:extLst>
               </a:tr>
@@ -8870,7 +8870,7 @@
                 </a:tc>
                 <a:extLst>
                   <a:ext uri="{0D108BD9-81ED-4DB2-BD59-A6C34878D82A}">
-                    <a16:rowId xmlns="" xmlns:a16="http://schemas.microsoft.com/office/drawing/2014/main" val="576399743"/>
+                    <a16:rowId xmlns:a16="http://schemas.microsoft.com/office/drawing/2014/main" val="576399743"/>
                   </a:ext>
                 </a:extLst>
               </a:tr>
@@ -8969,7 +8969,7 @@
                 </a:tc>
                 <a:extLst>
                   <a:ext uri="{0D108BD9-81ED-4DB2-BD59-A6C34878D82A}">
-                    <a16:rowId xmlns="" xmlns:a16="http://schemas.microsoft.com/office/drawing/2014/main" val="1466000223"/>
+                    <a16:rowId xmlns:a16="http://schemas.microsoft.com/office/drawing/2014/main" val="1466000223"/>
                   </a:ext>
                 </a:extLst>
               </a:tr>
@@ -9068,7 +9068,7 @@
                 </a:tc>
                 <a:extLst>
                   <a:ext uri="{0D108BD9-81ED-4DB2-BD59-A6C34878D82A}">
-                    <a16:rowId xmlns="" xmlns:a16="http://schemas.microsoft.com/office/drawing/2014/main" val="3402542484"/>
+                    <a16:rowId xmlns:a16="http://schemas.microsoft.com/office/drawing/2014/main" val="3402542484"/>
                   </a:ext>
                 </a:extLst>
               </a:tr>
@@ -9167,7 +9167,7 @@
                 </a:tc>
                 <a:extLst>
                   <a:ext uri="{0D108BD9-81ED-4DB2-BD59-A6C34878D82A}">
-                    <a16:rowId xmlns="" xmlns:a16="http://schemas.microsoft.com/office/drawing/2014/main" val="88509442"/>
+                    <a16:rowId xmlns:a16="http://schemas.microsoft.com/office/drawing/2014/main" val="88509442"/>
                   </a:ext>
                 </a:extLst>
               </a:tr>
@@ -9266,7 +9266,7 @@
                 </a:tc>
                 <a:extLst>
                   <a:ext uri="{0D108BD9-81ED-4DB2-BD59-A6C34878D82A}">
-                    <a16:rowId xmlns="" xmlns:a16="http://schemas.microsoft.com/office/drawing/2014/main" val="3892384822"/>
+                    <a16:rowId xmlns:a16="http://schemas.microsoft.com/office/drawing/2014/main" val="3892384822"/>
                   </a:ext>
                 </a:extLst>
               </a:tr>
@@ -9365,7 +9365,7 @@
                 </a:tc>
                 <a:extLst>
                   <a:ext uri="{0D108BD9-81ED-4DB2-BD59-A6C34878D82A}">
-                    <a16:rowId xmlns="" xmlns:a16="http://schemas.microsoft.com/office/drawing/2014/main" val="3597563155"/>
+                    <a16:rowId xmlns:a16="http://schemas.microsoft.com/office/drawing/2014/main" val="3597563155"/>
                   </a:ext>
                 </a:extLst>
               </a:tr>
@@ -9458,7 +9458,7 @@
                 </a:tc>
                 <a:extLst>
                   <a:ext uri="{0D108BD9-81ED-4DB2-BD59-A6C34878D82A}">
-                    <a16:rowId xmlns="" xmlns:a16="http://schemas.microsoft.com/office/drawing/2014/main" val="2781787702"/>
+                    <a16:rowId xmlns:a16="http://schemas.microsoft.com/office/drawing/2014/main" val="2781787702"/>
                   </a:ext>
                 </a:extLst>
               </a:tr>
@@ -9583,126 +9583,126 @@
                 <a:gridCol w="1005840">
                   <a:extLst>
                     <a:ext uri="{9D8B030D-6E8A-4147-A177-3AD203B41FA5}">
-                      <a16:colId xmlns="" xmlns:a16="http://schemas.microsoft.com/office/drawing/2014/main" val="20000"/>
+                      <a16:colId xmlns:a16="http://schemas.microsoft.com/office/drawing/2014/main" val="20000"/>
                     </a:ext>
                   </a:extLst>
                 </a:gridCol>
                 <a:gridCol w="548640">
                   <a:extLst>
                     <a:ext uri="{9D8B030D-6E8A-4147-A177-3AD203B41FA5}">
-                      <a16:colId xmlns="" xmlns:a16="http://schemas.microsoft.com/office/drawing/2014/main" val="20001"/>
+                      <a16:colId xmlns:a16="http://schemas.microsoft.com/office/drawing/2014/main" val="20001"/>
                     </a:ext>
                   </a:extLst>
                 </a:gridCol>
                 <a:gridCol w="469392">
                   <a:extLst>
                     <a:ext uri="{9D8B030D-6E8A-4147-A177-3AD203B41FA5}">
-                      <a16:colId xmlns="" xmlns:a16="http://schemas.microsoft.com/office/drawing/2014/main" val="20002"/>
+                      <a16:colId xmlns:a16="http://schemas.microsoft.com/office/drawing/2014/main" val="20002"/>
                     </a:ext>
                   </a:extLst>
                 </a:gridCol>
                 <a:gridCol w="585216">
                   <a:extLst>
                     <a:ext uri="{9D8B030D-6E8A-4147-A177-3AD203B41FA5}">
-                      <a16:colId xmlns="" xmlns:a16="http://schemas.microsoft.com/office/drawing/2014/main" val="20003"/>
+                      <a16:colId xmlns:a16="http://schemas.microsoft.com/office/drawing/2014/main" val="20003"/>
                     </a:ext>
                   </a:extLst>
                 </a:gridCol>
                 <a:gridCol w="729510">
                   <a:extLst>
                     <a:ext uri="{9D8B030D-6E8A-4147-A177-3AD203B41FA5}">
-                      <a16:colId xmlns="" xmlns:a16="http://schemas.microsoft.com/office/drawing/2014/main" val="20004"/>
+                      <a16:colId xmlns:a16="http://schemas.microsoft.com/office/drawing/2014/main" val="20004"/>
                     </a:ext>
                   </a:extLst>
                 </a:gridCol>
                 <a:gridCol w="549498">
                   <a:extLst>
                     <a:ext uri="{9D8B030D-6E8A-4147-A177-3AD203B41FA5}">
-                      <a16:colId xmlns="" xmlns:a16="http://schemas.microsoft.com/office/drawing/2014/main" val="20005"/>
+                      <a16:colId xmlns:a16="http://schemas.microsoft.com/office/drawing/2014/main" val="20005"/>
                     </a:ext>
                   </a:extLst>
                 </a:gridCol>
                 <a:gridCol w="549498">
                   <a:extLst>
                     <a:ext uri="{9D8B030D-6E8A-4147-A177-3AD203B41FA5}">
-                      <a16:colId xmlns="" xmlns:a16="http://schemas.microsoft.com/office/drawing/2014/main" val="20006"/>
+                      <a16:colId xmlns:a16="http://schemas.microsoft.com/office/drawing/2014/main" val="20006"/>
                     </a:ext>
                   </a:extLst>
                 </a:gridCol>
                 <a:gridCol w="549498">
                   <a:extLst>
                     <a:ext uri="{9D8B030D-6E8A-4147-A177-3AD203B41FA5}">
-                      <a16:colId xmlns="" xmlns:a16="http://schemas.microsoft.com/office/drawing/2014/main" val="20007"/>
+                      <a16:colId xmlns:a16="http://schemas.microsoft.com/office/drawing/2014/main" val="20007"/>
                     </a:ext>
                   </a:extLst>
                 </a:gridCol>
                 <a:gridCol w="549498">
                   <a:extLst>
                     <a:ext uri="{9D8B030D-6E8A-4147-A177-3AD203B41FA5}">
-                      <a16:colId xmlns="" xmlns:a16="http://schemas.microsoft.com/office/drawing/2014/main" val="20008"/>
+                      <a16:colId xmlns:a16="http://schemas.microsoft.com/office/drawing/2014/main" val="20008"/>
                     </a:ext>
                   </a:extLst>
                 </a:gridCol>
                 <a:gridCol w="549498">
                   <a:extLst>
                     <a:ext uri="{9D8B030D-6E8A-4147-A177-3AD203B41FA5}">
-                      <a16:colId xmlns="" xmlns:a16="http://schemas.microsoft.com/office/drawing/2014/main" val="20009"/>
+                      <a16:colId xmlns:a16="http://schemas.microsoft.com/office/drawing/2014/main" val="20009"/>
                     </a:ext>
                   </a:extLst>
                 </a:gridCol>
                 <a:gridCol w="549498">
                   <a:extLst>
                     <a:ext uri="{9D8B030D-6E8A-4147-A177-3AD203B41FA5}">
-                      <a16:colId xmlns="" xmlns:a16="http://schemas.microsoft.com/office/drawing/2014/main" val="20010"/>
+                      <a16:colId xmlns:a16="http://schemas.microsoft.com/office/drawing/2014/main" val="20010"/>
                     </a:ext>
                   </a:extLst>
                 </a:gridCol>
                 <a:gridCol w="549498">
                   <a:extLst>
                     <a:ext uri="{9D8B030D-6E8A-4147-A177-3AD203B41FA5}">
-                      <a16:colId xmlns="" xmlns:a16="http://schemas.microsoft.com/office/drawing/2014/main" val="20011"/>
+                      <a16:colId xmlns:a16="http://schemas.microsoft.com/office/drawing/2014/main" val="20011"/>
                     </a:ext>
                   </a:extLst>
                 </a:gridCol>
                 <a:gridCol w="549498">
                   <a:extLst>
                     <a:ext uri="{9D8B030D-6E8A-4147-A177-3AD203B41FA5}">
-                      <a16:colId xmlns="" xmlns:a16="http://schemas.microsoft.com/office/drawing/2014/main" val="20012"/>
+                      <a16:colId xmlns:a16="http://schemas.microsoft.com/office/drawing/2014/main" val="20012"/>
                     </a:ext>
                   </a:extLst>
                 </a:gridCol>
                 <a:gridCol w="549498">
                   <a:extLst>
                     <a:ext uri="{9D8B030D-6E8A-4147-A177-3AD203B41FA5}">
-                      <a16:colId xmlns="" xmlns:a16="http://schemas.microsoft.com/office/drawing/2014/main" val="20013"/>
+                      <a16:colId xmlns:a16="http://schemas.microsoft.com/office/drawing/2014/main" val="20013"/>
                     </a:ext>
                   </a:extLst>
                 </a:gridCol>
                 <a:gridCol w="549498">
                   <a:extLst>
                     <a:ext uri="{9D8B030D-6E8A-4147-A177-3AD203B41FA5}">
-                      <a16:colId xmlns="" xmlns:a16="http://schemas.microsoft.com/office/drawing/2014/main" val="20014"/>
+                      <a16:colId xmlns:a16="http://schemas.microsoft.com/office/drawing/2014/main" val="20014"/>
                     </a:ext>
                   </a:extLst>
                 </a:gridCol>
                 <a:gridCol w="549498">
                   <a:extLst>
                     <a:ext uri="{9D8B030D-6E8A-4147-A177-3AD203B41FA5}">
-                      <a16:colId xmlns="" xmlns:a16="http://schemas.microsoft.com/office/drawing/2014/main" val="20015"/>
+                      <a16:colId xmlns:a16="http://schemas.microsoft.com/office/drawing/2014/main" val="20015"/>
                     </a:ext>
                   </a:extLst>
                 </a:gridCol>
                 <a:gridCol w="549498">
                   <a:extLst>
                     <a:ext uri="{9D8B030D-6E8A-4147-A177-3AD203B41FA5}">
-                      <a16:colId xmlns="" xmlns:a16="http://schemas.microsoft.com/office/drawing/2014/main" val="20016"/>
+                      <a16:colId xmlns:a16="http://schemas.microsoft.com/office/drawing/2014/main" val="20016"/>
                     </a:ext>
                   </a:extLst>
                 </a:gridCol>
                 <a:gridCol w="549498">
                   <a:extLst>
                     <a:ext uri="{9D8B030D-6E8A-4147-A177-3AD203B41FA5}">
-                      <a16:colId xmlns="" xmlns:a16="http://schemas.microsoft.com/office/drawing/2014/main" val="20017"/>
+                      <a16:colId xmlns:a16="http://schemas.microsoft.com/office/drawing/2014/main" val="20017"/>
                     </a:ext>
                   </a:extLst>
                 </a:gridCol>
@@ -10250,7 +10250,7 @@
                 </a:tc>
                 <a:extLst>
                   <a:ext uri="{0D108BD9-81ED-4DB2-BD59-A6C34878D82A}">
-                    <a16:rowId xmlns="" xmlns:a16="http://schemas.microsoft.com/office/drawing/2014/main" val="10000"/>
+                    <a16:rowId xmlns:a16="http://schemas.microsoft.com/office/drawing/2014/main" val="10000"/>
                   </a:ext>
                 </a:extLst>
               </a:tr>
@@ -10710,7 +10710,7 @@
                 </a:tc>
                 <a:extLst>
                   <a:ext uri="{0D108BD9-81ED-4DB2-BD59-A6C34878D82A}">
-                    <a16:rowId xmlns="" xmlns:a16="http://schemas.microsoft.com/office/drawing/2014/main" val="10001"/>
+                    <a16:rowId xmlns:a16="http://schemas.microsoft.com/office/drawing/2014/main" val="10001"/>
                   </a:ext>
                 </a:extLst>
               </a:tr>
@@ -11170,7 +11170,7 @@
                 </a:tc>
                 <a:extLst>
                   <a:ext uri="{0D108BD9-81ED-4DB2-BD59-A6C34878D82A}">
-                    <a16:rowId xmlns="" xmlns:a16="http://schemas.microsoft.com/office/drawing/2014/main" val="10002"/>
+                    <a16:rowId xmlns:a16="http://schemas.microsoft.com/office/drawing/2014/main" val="10002"/>
                   </a:ext>
                 </a:extLst>
               </a:tr>
@@ -11630,7 +11630,7 @@
                 </a:tc>
                 <a:extLst>
                   <a:ext uri="{0D108BD9-81ED-4DB2-BD59-A6C34878D82A}">
-                    <a16:rowId xmlns="" xmlns:a16="http://schemas.microsoft.com/office/drawing/2014/main" val="10003"/>
+                    <a16:rowId xmlns:a16="http://schemas.microsoft.com/office/drawing/2014/main" val="10003"/>
                   </a:ext>
                 </a:extLst>
               </a:tr>
@@ -12090,7 +12090,7 @@
                 </a:tc>
                 <a:extLst>
                   <a:ext uri="{0D108BD9-81ED-4DB2-BD59-A6C34878D82A}">
-                    <a16:rowId xmlns="" xmlns:a16="http://schemas.microsoft.com/office/drawing/2014/main" val="10004"/>
+                    <a16:rowId xmlns:a16="http://schemas.microsoft.com/office/drawing/2014/main" val="10004"/>
                   </a:ext>
                 </a:extLst>
               </a:tr>
@@ -12550,7 +12550,7 @@
                 </a:tc>
                 <a:extLst>
                   <a:ext uri="{0D108BD9-81ED-4DB2-BD59-A6C34878D82A}">
-                    <a16:rowId xmlns="" xmlns:a16="http://schemas.microsoft.com/office/drawing/2014/main" val="10005"/>
+                    <a16:rowId xmlns:a16="http://schemas.microsoft.com/office/drawing/2014/main" val="10005"/>
                   </a:ext>
                 </a:extLst>
               </a:tr>
@@ -13010,7 +13010,7 @@
                 </a:tc>
                 <a:extLst>
                   <a:ext uri="{0D108BD9-81ED-4DB2-BD59-A6C34878D82A}">
-                    <a16:rowId xmlns="" xmlns:a16="http://schemas.microsoft.com/office/drawing/2014/main" val="10006"/>
+                    <a16:rowId xmlns:a16="http://schemas.microsoft.com/office/drawing/2014/main" val="10006"/>
                   </a:ext>
                 </a:extLst>
               </a:tr>
@@ -13470,7 +13470,7 @@
                 </a:tc>
                 <a:extLst>
                   <a:ext uri="{0D108BD9-81ED-4DB2-BD59-A6C34878D82A}">
-                    <a16:rowId xmlns="" xmlns:a16="http://schemas.microsoft.com/office/drawing/2014/main" val="10007"/>
+                    <a16:rowId xmlns:a16="http://schemas.microsoft.com/office/drawing/2014/main" val="10007"/>
                   </a:ext>
                 </a:extLst>
               </a:tr>
@@ -13930,7 +13930,7 @@
                 </a:tc>
                 <a:extLst>
                   <a:ext uri="{0D108BD9-81ED-4DB2-BD59-A6C34878D82A}">
-                    <a16:rowId xmlns="" xmlns:a16="http://schemas.microsoft.com/office/drawing/2014/main" val="10008"/>
+                    <a16:rowId xmlns:a16="http://schemas.microsoft.com/office/drawing/2014/main" val="10008"/>
                   </a:ext>
                 </a:extLst>
               </a:tr>
@@ -14390,7 +14390,7 @@
                 </a:tc>
                 <a:extLst>
                   <a:ext uri="{0D108BD9-81ED-4DB2-BD59-A6C34878D82A}">
-                    <a16:rowId xmlns="" xmlns:a16="http://schemas.microsoft.com/office/drawing/2014/main" val="10009"/>
+                    <a16:rowId xmlns:a16="http://schemas.microsoft.com/office/drawing/2014/main" val="10009"/>
                   </a:ext>
                 </a:extLst>
               </a:tr>
@@ -14850,7 +14850,7 @@
                 </a:tc>
                 <a:extLst>
                   <a:ext uri="{0D108BD9-81ED-4DB2-BD59-A6C34878D82A}">
-                    <a16:rowId xmlns="" xmlns:a16="http://schemas.microsoft.com/office/drawing/2014/main" val="10010"/>
+                    <a16:rowId xmlns:a16="http://schemas.microsoft.com/office/drawing/2014/main" val="10010"/>
                   </a:ext>
                 </a:extLst>
               </a:tr>
@@ -15310,7 +15310,7 @@
                 </a:tc>
                 <a:extLst>
                   <a:ext uri="{0D108BD9-81ED-4DB2-BD59-A6C34878D82A}">
-                    <a16:rowId xmlns="" xmlns:a16="http://schemas.microsoft.com/office/drawing/2014/main" val="10011"/>
+                    <a16:rowId xmlns:a16="http://schemas.microsoft.com/office/drawing/2014/main" val="10011"/>
                   </a:ext>
                 </a:extLst>
               </a:tr>
@@ -15770,7 +15770,7 @@
                 </a:tc>
                 <a:extLst>
                   <a:ext uri="{0D108BD9-81ED-4DB2-BD59-A6C34878D82A}">
-                    <a16:rowId xmlns="" xmlns:a16="http://schemas.microsoft.com/office/drawing/2014/main" val="10012"/>
+                    <a16:rowId xmlns:a16="http://schemas.microsoft.com/office/drawing/2014/main" val="10012"/>
                   </a:ext>
                 </a:extLst>
               </a:tr>
@@ -16230,7 +16230,7 @@
                 </a:tc>
                 <a:extLst>
                   <a:ext uri="{0D108BD9-81ED-4DB2-BD59-A6C34878D82A}">
-                    <a16:rowId xmlns="" xmlns:a16="http://schemas.microsoft.com/office/drawing/2014/main" val="10013"/>
+                    <a16:rowId xmlns:a16="http://schemas.microsoft.com/office/drawing/2014/main" val="10013"/>
                   </a:ext>
                 </a:extLst>
               </a:tr>
@@ -16296,7 +16296,7 @@
           <p:cNvPr id="2" name="Title 1">
             <a:extLst>
               <a:ext uri="{FF2B5EF4-FFF2-40B4-BE49-F238E27FC236}">
-                <a16:creationId xmlns="" xmlns:a16="http://schemas.microsoft.com/office/drawing/2014/main" id="{5AF238AD-1A83-4535-B98A-6F56CF4EDACF}"/>
+                <a16:creationId xmlns:a16="http://schemas.microsoft.com/office/drawing/2014/main" id="{5AF238AD-1A83-4535-B98A-6F56CF4EDACF}"/>
               </a:ext>
             </a:extLst>
           </p:cNvPr>
@@ -16330,7 +16330,7 @@
           <p:cNvPr id="8" name="Content Placeholder 7" descr="A screenshot of a cell phone&#10;&#10;Description generated with high confidence">
             <a:extLst>
               <a:ext uri="{FF2B5EF4-FFF2-40B4-BE49-F238E27FC236}">
-                <a16:creationId xmlns="" xmlns:a16="http://schemas.microsoft.com/office/drawing/2014/main" id="{0BC99ED9-0E92-4EEF-86A0-5517E4BD9F93}"/>
+                <a16:creationId xmlns:a16="http://schemas.microsoft.com/office/drawing/2014/main" id="{0BC99ED9-0E92-4EEF-86A0-5517E4BD9F93}"/>
               </a:ext>
             </a:extLst>
           </p:cNvPr>
@@ -16365,7 +16365,7 @@
           <p:cNvPr id="4" name="Slide Number Placeholder 3">
             <a:extLst>
               <a:ext uri="{FF2B5EF4-FFF2-40B4-BE49-F238E27FC236}">
-                <a16:creationId xmlns="" xmlns:a16="http://schemas.microsoft.com/office/drawing/2014/main" id="{72F8CB53-9BEC-42BE-99B9-B7874B0AF055}"/>
+                <a16:creationId xmlns:a16="http://schemas.microsoft.com/office/drawing/2014/main" id="{72F8CB53-9BEC-42BE-99B9-B7874B0AF055}"/>
               </a:ext>
             </a:extLst>
           </p:cNvPr>
@@ -16473,20 +16473,104 @@
                 <a:tableStyleId>{5C22544A-7EE6-4342-B048-85BDC9FD1C3A}</a:tableStyleId>
               </a:tblPr>
               <a:tblGrid>
-                <a:gridCol w="321129"/>
-                <a:gridCol w="1608364"/>
-                <a:gridCol w="914400"/>
-                <a:gridCol w="457200"/>
-                <a:gridCol w="636814"/>
-                <a:gridCol w="702129"/>
-                <a:gridCol w="617762"/>
-                <a:gridCol w="751114"/>
-                <a:gridCol w="751114"/>
-                <a:gridCol w="810988"/>
-                <a:gridCol w="702129"/>
-                <a:gridCol w="930728"/>
-                <a:gridCol w="881743"/>
-                <a:gridCol w="429982"/>
+                <a:gridCol w="321129">
+                  <a:extLst>
+                    <a:ext uri="{9D8B030D-6E8A-4147-A177-3AD203B41FA5}">
+                      <a16:colId xmlns:a16="http://schemas.microsoft.com/office/drawing/2014/main" val="20000"/>
+                    </a:ext>
+                  </a:extLst>
+                </a:gridCol>
+                <a:gridCol w="1608364">
+                  <a:extLst>
+                    <a:ext uri="{9D8B030D-6E8A-4147-A177-3AD203B41FA5}">
+                      <a16:colId xmlns:a16="http://schemas.microsoft.com/office/drawing/2014/main" val="20001"/>
+                    </a:ext>
+                  </a:extLst>
+                </a:gridCol>
+                <a:gridCol w="914400">
+                  <a:extLst>
+                    <a:ext uri="{9D8B030D-6E8A-4147-A177-3AD203B41FA5}">
+                      <a16:colId xmlns:a16="http://schemas.microsoft.com/office/drawing/2014/main" val="20002"/>
+                    </a:ext>
+                  </a:extLst>
+                </a:gridCol>
+                <a:gridCol w="457200">
+                  <a:extLst>
+                    <a:ext uri="{9D8B030D-6E8A-4147-A177-3AD203B41FA5}">
+                      <a16:colId xmlns:a16="http://schemas.microsoft.com/office/drawing/2014/main" val="20003"/>
+                    </a:ext>
+                  </a:extLst>
+                </a:gridCol>
+                <a:gridCol w="636814">
+                  <a:extLst>
+                    <a:ext uri="{9D8B030D-6E8A-4147-A177-3AD203B41FA5}">
+                      <a16:colId xmlns:a16="http://schemas.microsoft.com/office/drawing/2014/main" val="20004"/>
+                    </a:ext>
+                  </a:extLst>
+                </a:gridCol>
+                <a:gridCol w="702129">
+                  <a:extLst>
+                    <a:ext uri="{9D8B030D-6E8A-4147-A177-3AD203B41FA5}">
+                      <a16:colId xmlns:a16="http://schemas.microsoft.com/office/drawing/2014/main" val="20005"/>
+                    </a:ext>
+                  </a:extLst>
+                </a:gridCol>
+                <a:gridCol w="617762">
+                  <a:extLst>
+                    <a:ext uri="{9D8B030D-6E8A-4147-A177-3AD203B41FA5}">
+                      <a16:colId xmlns:a16="http://schemas.microsoft.com/office/drawing/2014/main" val="20006"/>
+                    </a:ext>
+                  </a:extLst>
+                </a:gridCol>
+                <a:gridCol w="751114">
+                  <a:extLst>
+                    <a:ext uri="{9D8B030D-6E8A-4147-A177-3AD203B41FA5}">
+                      <a16:colId xmlns:a16="http://schemas.microsoft.com/office/drawing/2014/main" val="20007"/>
+                    </a:ext>
+                  </a:extLst>
+                </a:gridCol>
+                <a:gridCol w="751114">
+                  <a:extLst>
+                    <a:ext uri="{9D8B030D-6E8A-4147-A177-3AD203B41FA5}">
+                      <a16:colId xmlns:a16="http://schemas.microsoft.com/office/drawing/2014/main" val="20008"/>
+                    </a:ext>
+                  </a:extLst>
+                </a:gridCol>
+                <a:gridCol w="810988">
+                  <a:extLst>
+                    <a:ext uri="{9D8B030D-6E8A-4147-A177-3AD203B41FA5}">
+                      <a16:colId xmlns:a16="http://schemas.microsoft.com/office/drawing/2014/main" val="20009"/>
+                    </a:ext>
+                  </a:extLst>
+                </a:gridCol>
+                <a:gridCol w="702129">
+                  <a:extLst>
+                    <a:ext uri="{9D8B030D-6E8A-4147-A177-3AD203B41FA5}">
+                      <a16:colId xmlns:a16="http://schemas.microsoft.com/office/drawing/2014/main" val="20010"/>
+                    </a:ext>
+                  </a:extLst>
+                </a:gridCol>
+                <a:gridCol w="930728">
+                  <a:extLst>
+                    <a:ext uri="{9D8B030D-6E8A-4147-A177-3AD203B41FA5}">
+                      <a16:colId xmlns:a16="http://schemas.microsoft.com/office/drawing/2014/main" val="20011"/>
+                    </a:ext>
+                  </a:extLst>
+                </a:gridCol>
+                <a:gridCol w="881743">
+                  <a:extLst>
+                    <a:ext uri="{9D8B030D-6E8A-4147-A177-3AD203B41FA5}">
+                      <a16:colId xmlns:a16="http://schemas.microsoft.com/office/drawing/2014/main" val="20012"/>
+                    </a:ext>
+                  </a:extLst>
+                </a:gridCol>
+                <a:gridCol w="429982">
+                  <a:extLst>
+                    <a:ext uri="{9D8B030D-6E8A-4147-A177-3AD203B41FA5}">
+                      <a16:colId xmlns:a16="http://schemas.microsoft.com/office/drawing/2014/main" val="20013"/>
+                    </a:ext>
+                  </a:extLst>
+                </a:gridCol>
               </a:tblGrid>
               <a:tr h="370840">
                 <a:tc>
@@ -16811,6 +16895,11 @@
                   </a:txBody>
                   <a:tcPr marL="9525" marR="9525" marT="9525" marB="0" anchor="b"/>
                 </a:tc>
+                <a:extLst>
+                  <a:ext uri="{0D108BD9-81ED-4DB2-BD59-A6C34878D82A}">
+                    <a16:rowId xmlns:a16="http://schemas.microsoft.com/office/drawing/2014/main" val="10000"/>
+                  </a:ext>
+                </a:extLst>
               </a:tr>
               <a:tr h="370840">
                 <a:tc>
@@ -17135,6 +17224,11 @@
                   </a:txBody>
                   <a:tcPr marL="9525" marR="9525" marT="9525" marB="0" anchor="b"/>
                 </a:tc>
+                <a:extLst>
+                  <a:ext uri="{0D108BD9-81ED-4DB2-BD59-A6C34878D82A}">
+                    <a16:rowId xmlns:a16="http://schemas.microsoft.com/office/drawing/2014/main" val="10001"/>
+                  </a:ext>
+                </a:extLst>
               </a:tr>
             </a:tbl>
           </a:graphicData>
@@ -17697,35 +17791,35 @@
                 <a:gridCol w="2103120">
                   <a:extLst>
                     <a:ext uri="{9D8B030D-6E8A-4147-A177-3AD203B41FA5}">
-                      <a16:colId xmlns="" xmlns:a16="http://schemas.microsoft.com/office/drawing/2014/main" val="2178192700"/>
+                      <a16:colId xmlns:a16="http://schemas.microsoft.com/office/drawing/2014/main" val="2178192700"/>
                     </a:ext>
                   </a:extLst>
                 </a:gridCol>
                 <a:gridCol w="2103120">
                   <a:extLst>
                     <a:ext uri="{9D8B030D-6E8A-4147-A177-3AD203B41FA5}">
-                      <a16:colId xmlns="" xmlns:a16="http://schemas.microsoft.com/office/drawing/2014/main" val="331999573"/>
+                      <a16:colId xmlns:a16="http://schemas.microsoft.com/office/drawing/2014/main" val="331999573"/>
                     </a:ext>
                   </a:extLst>
                 </a:gridCol>
                 <a:gridCol w="2103120">
                   <a:extLst>
                     <a:ext uri="{9D8B030D-6E8A-4147-A177-3AD203B41FA5}">
-                      <a16:colId xmlns="" xmlns:a16="http://schemas.microsoft.com/office/drawing/2014/main" val="3597132808"/>
+                      <a16:colId xmlns:a16="http://schemas.microsoft.com/office/drawing/2014/main" val="3597132808"/>
                     </a:ext>
                   </a:extLst>
                 </a:gridCol>
                 <a:gridCol w="2103120">
                   <a:extLst>
                     <a:ext uri="{9D8B030D-6E8A-4147-A177-3AD203B41FA5}">
-                      <a16:colId xmlns="" xmlns:a16="http://schemas.microsoft.com/office/drawing/2014/main" val="596877116"/>
+                      <a16:colId xmlns:a16="http://schemas.microsoft.com/office/drawing/2014/main" val="596877116"/>
                     </a:ext>
                   </a:extLst>
                 </a:gridCol>
                 <a:gridCol w="2103120">
                   <a:extLst>
                     <a:ext uri="{9D8B030D-6E8A-4147-A177-3AD203B41FA5}">
-                      <a16:colId xmlns="" xmlns:a16="http://schemas.microsoft.com/office/drawing/2014/main" val="1778616611"/>
+                      <a16:colId xmlns:a16="http://schemas.microsoft.com/office/drawing/2014/main" val="1778616611"/>
                     </a:ext>
                   </a:extLst>
                 </a:gridCol>
@@ -17893,7 +17987,7 @@
                 </a:tc>
                 <a:extLst>
                   <a:ext uri="{0D108BD9-81ED-4DB2-BD59-A6C34878D82A}">
-                    <a16:rowId xmlns="" xmlns:a16="http://schemas.microsoft.com/office/drawing/2014/main" val="2548993085"/>
+                    <a16:rowId xmlns:a16="http://schemas.microsoft.com/office/drawing/2014/main" val="2548993085"/>
                   </a:ext>
                 </a:extLst>
               </a:tr>
@@ -18060,7 +18154,7 @@
                 </a:tc>
                 <a:extLst>
                   <a:ext uri="{0D108BD9-81ED-4DB2-BD59-A6C34878D82A}">
-                    <a16:rowId xmlns="" xmlns:a16="http://schemas.microsoft.com/office/drawing/2014/main" val="3696918108"/>
+                    <a16:rowId xmlns:a16="http://schemas.microsoft.com/office/drawing/2014/main" val="3696918108"/>
                   </a:ext>
                 </a:extLst>
               </a:tr>
@@ -18227,7 +18321,7 @@
                 </a:tc>
                 <a:extLst>
                   <a:ext uri="{0D108BD9-81ED-4DB2-BD59-A6C34878D82A}">
-                    <a16:rowId xmlns="" xmlns:a16="http://schemas.microsoft.com/office/drawing/2014/main" val="739848613"/>
+                    <a16:rowId xmlns:a16="http://schemas.microsoft.com/office/drawing/2014/main" val="739848613"/>
                   </a:ext>
                 </a:extLst>
               </a:tr>
@@ -18394,7 +18488,7 @@
                 </a:tc>
                 <a:extLst>
                   <a:ext uri="{0D108BD9-81ED-4DB2-BD59-A6C34878D82A}">
-                    <a16:rowId xmlns="" xmlns:a16="http://schemas.microsoft.com/office/drawing/2014/main" val="3862531879"/>
+                    <a16:rowId xmlns:a16="http://schemas.microsoft.com/office/drawing/2014/main" val="3862531879"/>
                   </a:ext>
                 </a:extLst>
               </a:tr>
@@ -18561,7 +18655,7 @@
                 </a:tc>
                 <a:extLst>
                   <a:ext uri="{0D108BD9-81ED-4DB2-BD59-A6C34878D82A}">
-                    <a16:rowId xmlns="" xmlns:a16="http://schemas.microsoft.com/office/drawing/2014/main" val="107777099"/>
+                    <a16:rowId xmlns:a16="http://schemas.microsoft.com/office/drawing/2014/main" val="107777099"/>
                   </a:ext>
                 </a:extLst>
               </a:tr>
@@ -18728,7 +18822,7 @@
                 </a:tc>
                 <a:extLst>
                   <a:ext uri="{0D108BD9-81ED-4DB2-BD59-A6C34878D82A}">
-                    <a16:rowId xmlns="" xmlns:a16="http://schemas.microsoft.com/office/drawing/2014/main" val="4196587497"/>
+                    <a16:rowId xmlns:a16="http://schemas.microsoft.com/office/drawing/2014/main" val="4196587497"/>
                   </a:ext>
                 </a:extLst>
               </a:tr>
@@ -18895,7 +18989,7 @@
                 </a:tc>
                 <a:extLst>
                   <a:ext uri="{0D108BD9-81ED-4DB2-BD59-A6C34878D82A}">
-                    <a16:rowId xmlns="" xmlns:a16="http://schemas.microsoft.com/office/drawing/2014/main" val="3973535048"/>
+                    <a16:rowId xmlns:a16="http://schemas.microsoft.com/office/drawing/2014/main" val="3973535048"/>
                   </a:ext>
                 </a:extLst>
               </a:tr>
@@ -19056,7 +19150,7 @@
                 </a:tc>
                 <a:extLst>
                   <a:ext uri="{0D108BD9-81ED-4DB2-BD59-A6C34878D82A}">
-                    <a16:rowId xmlns="" xmlns:a16="http://schemas.microsoft.com/office/drawing/2014/main" val="4184079262"/>
+                    <a16:rowId xmlns:a16="http://schemas.microsoft.com/office/drawing/2014/main" val="4184079262"/>
                   </a:ext>
                 </a:extLst>
               </a:tr>
@@ -19223,7 +19317,7 @@
                 </a:tc>
                 <a:extLst>
                   <a:ext uri="{0D108BD9-81ED-4DB2-BD59-A6C34878D82A}">
-                    <a16:rowId xmlns="" xmlns:a16="http://schemas.microsoft.com/office/drawing/2014/main" val="1549009875"/>
+                    <a16:rowId xmlns:a16="http://schemas.microsoft.com/office/drawing/2014/main" val="1549009875"/>
                   </a:ext>
                 </a:extLst>
               </a:tr>
@@ -19938,7 +20032,11 @@
           <a:p>
             <a:r>
               <a:rPr lang="en-GB" dirty="0"/>
-              <a:t>Here we extracted results on the first region (largely because of the setup on HPC while our Unit’s Linux clusters was done) with </a:t>
+              <a:t>Here we extracted results on the first region </a:t>
+            </a:r>
+            <a:r>
+              <a:rPr lang="en-GB" dirty="0" smtClean="0"/>
+              <a:t>with </a:t>
             </a:r>
             <a:r>
               <a:rPr lang="en-GB" dirty="0" err="1"/>
@@ -20033,63 +20131,63 @@
                 <a:gridCol w="586328">
                   <a:extLst>
                     <a:ext uri="{9D8B030D-6E8A-4147-A177-3AD203B41FA5}">
-                      <a16:colId xmlns="" xmlns:a16="http://schemas.microsoft.com/office/drawing/2014/main" val="1953549286"/>
+                      <a16:colId xmlns:a16="http://schemas.microsoft.com/office/drawing/2014/main" val="1953549286"/>
                     </a:ext>
                   </a:extLst>
                 </a:gridCol>
                 <a:gridCol w="1441911">
                   <a:extLst>
                     <a:ext uri="{9D8B030D-6E8A-4147-A177-3AD203B41FA5}">
-                      <a16:colId xmlns="" xmlns:a16="http://schemas.microsoft.com/office/drawing/2014/main" val="2286925942"/>
+                      <a16:colId xmlns:a16="http://schemas.microsoft.com/office/drawing/2014/main" val="2286925942"/>
                     </a:ext>
                   </a:extLst>
                 </a:gridCol>
                 <a:gridCol w="592568">
                   <a:extLst>
                     <a:ext uri="{9D8B030D-6E8A-4147-A177-3AD203B41FA5}">
-                      <a16:colId xmlns="" xmlns:a16="http://schemas.microsoft.com/office/drawing/2014/main" val="2240166967"/>
+                      <a16:colId xmlns:a16="http://schemas.microsoft.com/office/drawing/2014/main" val="2240166967"/>
                     </a:ext>
                   </a:extLst>
                 </a:gridCol>
                 <a:gridCol w="592568">
                   <a:extLst>
                     <a:ext uri="{9D8B030D-6E8A-4147-A177-3AD203B41FA5}">
-                      <a16:colId xmlns="" xmlns:a16="http://schemas.microsoft.com/office/drawing/2014/main" val="3084119439"/>
+                      <a16:colId xmlns:a16="http://schemas.microsoft.com/office/drawing/2014/main" val="3084119439"/>
                     </a:ext>
                   </a:extLst>
                 </a:gridCol>
                 <a:gridCol w="1035431">
                   <a:extLst>
                     <a:ext uri="{9D8B030D-6E8A-4147-A177-3AD203B41FA5}">
-                      <a16:colId xmlns="" xmlns:a16="http://schemas.microsoft.com/office/drawing/2014/main" val="2439947825"/>
+                      <a16:colId xmlns:a16="http://schemas.microsoft.com/office/drawing/2014/main" val="2439947825"/>
                     </a:ext>
                   </a:extLst>
                 </a:gridCol>
                 <a:gridCol w="1183054">
                   <a:extLst>
                     <a:ext uri="{9D8B030D-6E8A-4147-A177-3AD203B41FA5}">
-                      <a16:colId xmlns="" xmlns:a16="http://schemas.microsoft.com/office/drawing/2014/main" val="756702285"/>
+                      <a16:colId xmlns:a16="http://schemas.microsoft.com/office/drawing/2014/main" val="756702285"/>
                     </a:ext>
                   </a:extLst>
                 </a:gridCol>
                 <a:gridCol w="1035431">
                   <a:extLst>
                     <a:ext uri="{9D8B030D-6E8A-4147-A177-3AD203B41FA5}">
-                      <a16:colId xmlns="" xmlns:a16="http://schemas.microsoft.com/office/drawing/2014/main" val="52909403"/>
+                      <a16:colId xmlns:a16="http://schemas.microsoft.com/office/drawing/2014/main" val="52909403"/>
                     </a:ext>
                   </a:extLst>
                 </a:gridCol>
                 <a:gridCol w="2104131">
                   <a:extLst>
                     <a:ext uri="{9D8B030D-6E8A-4147-A177-3AD203B41FA5}">
-                      <a16:colId xmlns="" xmlns:a16="http://schemas.microsoft.com/office/drawing/2014/main" val="3498582246"/>
+                      <a16:colId xmlns:a16="http://schemas.microsoft.com/office/drawing/2014/main" val="3498582246"/>
                     </a:ext>
                   </a:extLst>
                 </a:gridCol>
                 <a:gridCol w="1042710">
                   <a:extLst>
                     <a:ext uri="{9D8B030D-6E8A-4147-A177-3AD203B41FA5}">
-                      <a16:colId xmlns="" xmlns:a16="http://schemas.microsoft.com/office/drawing/2014/main" val="2633740206"/>
+                      <a16:colId xmlns:a16="http://schemas.microsoft.com/office/drawing/2014/main" val="2633740206"/>
                     </a:ext>
                   </a:extLst>
                 </a:gridCol>
@@ -20358,7 +20456,7 @@
                 </a:tc>
                 <a:extLst>
                   <a:ext uri="{0D108BD9-81ED-4DB2-BD59-A6C34878D82A}">
-                    <a16:rowId xmlns="" xmlns:a16="http://schemas.microsoft.com/office/drawing/2014/main" val="4035685168"/>
+                    <a16:rowId xmlns:a16="http://schemas.microsoft.com/office/drawing/2014/main" val="4035685168"/>
                   </a:ext>
                 </a:extLst>
               </a:tr>
@@ -20626,7 +20724,7 @@
                 </a:tc>
                 <a:extLst>
                   <a:ext uri="{0D108BD9-81ED-4DB2-BD59-A6C34878D82A}">
-                    <a16:rowId xmlns="" xmlns:a16="http://schemas.microsoft.com/office/drawing/2014/main" val="3486077057"/>
+                    <a16:rowId xmlns:a16="http://schemas.microsoft.com/office/drawing/2014/main" val="3486077057"/>
                   </a:ext>
                 </a:extLst>
               </a:tr>
@@ -21018,7 +21116,7 @@
   <a:extraClrSchemeLst/>
   <a:extLst>
     <a:ext uri="{05A4C25C-085E-4340-85A3-A5531E510DB2}">
-      <thm15:themeFamily xmlns="" xmlns:thm15="http://schemas.microsoft.com/office/thememl/2012/main" name="Office Theme" id="{62F939B6-93AF-4DB8-9C6B-D6C7DFDC589F}" vid="{AE6F2518-B084-4896-AF52-66CC2144AA26}"/>
+      <thm15:themeFamily xmlns:thm15="http://schemas.microsoft.com/office/thememl/2012/main" name="Office Theme" id="{62F939B6-93AF-4DB8-9C6B-D6C7DFDC589F}" vid="{AE6F2518-B084-4896-AF52-66CC2144AA26}"/>
     </a:ext>
   </a:extLst>
 </a:theme>
@@ -21279,7 +21377,7 @@
   <a:extraClrSchemeLst/>
   <a:extLst>
     <a:ext uri="{05A4C25C-085E-4340-85A3-A5531E510DB2}">
-      <thm15:themeFamily xmlns="" xmlns:thm15="http://schemas.microsoft.com/office/thememl/2012/main" name="Office Theme" id="{62F939B6-93AF-4DB8-9C6B-D6C7DFDC589F}" vid="{4A3C46E8-61CC-4603-A589-7422A47A8E4A}"/>
+      <thm15:themeFamily xmlns:thm15="http://schemas.microsoft.com/office/thememl/2012/main" name="Office Theme" id="{62F939B6-93AF-4DB8-9C6B-D6C7DFDC589F}" vid="{4A3C46E8-61CC-4603-A589-7422A47A8E4A}"/>
     </a:ext>
   </a:extLst>
 </a:theme>
